--- a/slides/16_decision_making.pptx
+++ b/slides/16_decision_making.pptx
@@ -2856,7 +2856,13 @@
     </dgm:pt>
     <dgm:pt modelId="{D4726B06-13BF-446A-A3AA-26BFF8E8DE99}">
       <dgm:prSet/>
-      <dgm:spPr/>
+      <dgm:spPr>
+        <a:solidFill>
+          <a:schemeClr val="bg1">
+            <a:lumMod val="65000"/>
+          </a:schemeClr>
+        </a:solidFill>
+      </dgm:spPr>
       <dgm:t>
         <a:bodyPr/>
         <a:lstStyle/>
@@ -2892,7 +2898,16 @@
     </dgm:pt>
     <dgm:pt modelId="{966CC07C-EFC6-4A61-AF3A-527EE23EF4D5}">
       <dgm:prSet/>
-      <dgm:spPr/>
+      <dgm:spPr>
+        <a:solidFill>
+          <a:schemeClr val="bg2">
+            <a:alpha val="90000"/>
+          </a:schemeClr>
+        </a:solidFill>
+        <a:ln>
+          <a:noFill/>
+        </a:ln>
+      </dgm:spPr>
       <dgm:t>
         <a:bodyPr/>
         <a:lstStyle/>
@@ -2928,7 +2943,16 @@
     </dgm:pt>
     <dgm:pt modelId="{BC1D39E5-4F9E-42F9-91AC-963AC41A5A2D}">
       <dgm:prSet/>
-      <dgm:spPr/>
+      <dgm:spPr>
+        <a:solidFill>
+          <a:schemeClr val="bg2">
+            <a:alpha val="90000"/>
+          </a:schemeClr>
+        </a:solidFill>
+        <a:ln>
+          <a:noFill/>
+        </a:ln>
+      </dgm:spPr>
       <dgm:t>
         <a:bodyPr/>
         <a:lstStyle/>
@@ -3043,7 +3067,7 @@
         <a:p>
           <a:r>
             <a:rPr lang="en-US" dirty="0"/>
-            <a:t>Decision-theoretic agents</a:t>
+            <a:t>Utility-based agents</a:t>
           </a:r>
         </a:p>
       </dgm:t>
@@ -3108,7 +3132,16 @@
     </dgm:pt>
     <dgm:pt modelId="{326CD3FF-FAB3-4605-88CF-517E76107B10}">
       <dgm:prSet/>
-      <dgm:spPr/>
+      <dgm:spPr>
+        <a:solidFill>
+          <a:schemeClr val="bg2">
+            <a:alpha val="90000"/>
+          </a:schemeClr>
+        </a:solidFill>
+        <a:ln>
+          <a:noFill/>
+        </a:ln>
+      </dgm:spPr>
       <dgm:t>
         <a:bodyPr/>
         <a:lstStyle/>
@@ -3365,8 +3398,18 @@
         <a:lstStyle/>
         <a:p>
           <a:r>
-            <a:rPr lang="en-US" sz="1800"/>
-            <a:t>Decision networks are an extension of Bayes nets that add actions and utility. Evidence and independence can be used as for Bayes nets.</a:t>
+            <a:rPr lang="en-US" sz="1800" dirty="0"/>
+            <a:t>Decision networks are an extension of Bayes nets that add actions and utility. </a:t>
+          </a:r>
+          <a:br>
+            <a:rPr lang="en-US" sz="1800" dirty="0"/>
+          </a:br>
+          <a:br>
+            <a:rPr lang="en-US" sz="1800" dirty="0"/>
+          </a:br>
+          <a:r>
+            <a:rPr lang="en-US" sz="1800" dirty="0"/>
+            <a:t>Evidence and independence can be used as for Bayes nets.</a:t>
           </a:r>
         </a:p>
       </dgm:t>
@@ -3438,7 +3481,7 @@
         <a:p>
           <a:r>
             <a:rPr lang="en-US" sz="1800" b="1" dirty="0"/>
-            <a:t>Sequential decision making </a:t>
+            <a:t>Sequential decision-making </a:t>
           </a:r>
           <a:r>
             <a:rPr lang="en-US" sz="1800" dirty="0"/>
@@ -3830,26 +3873,12 @@
           <a:avLst/>
         </a:prstGeom>
         <a:solidFill>
-          <a:schemeClr val="accent2">
-            <a:tint val="40000"/>
+          <a:schemeClr val="bg2">
             <a:alpha val="90000"/>
-            <a:hueOff val="0"/>
-            <a:satOff val="0"/>
-            <a:lumOff val="0"/>
-            <a:alphaOff val="0"/>
           </a:schemeClr>
         </a:solidFill>
         <a:ln w="12700" cap="flat" cmpd="sng" algn="ctr">
-          <a:solidFill>
-            <a:schemeClr val="accent2">
-              <a:tint val="40000"/>
-              <a:alpha val="90000"/>
-              <a:hueOff val="0"/>
-              <a:satOff val="0"/>
-              <a:lumOff val="0"/>
-              <a:alphaOff val="0"/>
-            </a:schemeClr>
-          </a:solidFill>
+          <a:noFill/>
           <a:prstDash val="solid"/>
           <a:miter lim="800000"/>
         </a:ln>
@@ -3946,11 +3975,8 @@
           <a:avLst/>
         </a:prstGeom>
         <a:solidFill>
-          <a:schemeClr val="accent2">
-            <a:hueOff val="0"/>
-            <a:satOff val="0"/>
-            <a:lumOff val="0"/>
-            <a:alphaOff val="0"/>
+          <a:schemeClr val="bg1">
+            <a:lumMod val="65000"/>
           </a:schemeClr>
         </a:solidFill>
         <a:ln w="12700" cap="flat" cmpd="sng" algn="ctr">
@@ -4353,7 +4379,7 @@
           </a:pPr>
           <a:r>
             <a:rPr lang="en-US" sz="3900" kern="1200" dirty="0"/>
-            <a:t>Decision-theoretic agents</a:t>
+            <a:t>Utility-based agents</a:t>
           </a:r>
         </a:p>
       </dsp:txBody>
@@ -4514,8 +4540,18 @@
             <a:buNone/>
           </a:pPr>
           <a:r>
-            <a:rPr lang="en-US" sz="1800" kern="1200"/>
-            <a:t>Decision networks are an extension of Bayes nets that add actions and utility. Evidence and independence can be used as for Bayes nets.</a:t>
+            <a:rPr lang="en-US" sz="1800" kern="1200" dirty="0"/>
+            <a:t>Decision networks are an extension of Bayes nets that add actions and utility. </a:t>
+          </a:r>
+          <a:br>
+            <a:rPr lang="en-US" sz="1800" kern="1200" dirty="0"/>
+          </a:br>
+          <a:br>
+            <a:rPr lang="en-US" sz="1800" kern="1200" dirty="0"/>
+          </a:br>
+          <a:r>
+            <a:rPr lang="en-US" sz="1800" kern="1200" dirty="0"/>
+            <a:t>Evidence and independence can be used as for Bayes nets.</a:t>
           </a:r>
         </a:p>
       </dsp:txBody>
@@ -4811,7 +4847,7 @@
           </a:pPr>
           <a:r>
             <a:rPr lang="en-US" sz="1800" b="1" kern="1200" dirty="0"/>
-            <a:t>Sequential decision making </a:t>
+            <a:t>Sequential decision-making </a:t>
           </a:r>
           <a:r>
             <a:rPr lang="en-US" sz="1800" kern="1200" dirty="0"/>
@@ -8631,7 +8667,7 @@
           <a:p>
             <a:fld id="{CDFB1A35-FCF7-4D0C-AE83-400D24256912}" type="datetimeFigureOut">
               <a:rPr lang="en-US" smtClean="0"/>
-              <a:t>4/27/2022</a:t>
+              <a:t>11/15/2023</a:t>
             </a:fld>
             <a:endParaRPr lang="en-US"/>
           </a:p>
@@ -9774,7 +9810,7 @@
           <a:p>
             <a:fld id="{16A8CD98-EF2C-4EFD-A320-0FD1E700AB34}" type="datetimeFigureOut">
               <a:rPr lang="en-US" smtClean="0"/>
-              <a:t>4/27/2022</a:t>
+              <a:t>11/15/2023</a:t>
             </a:fld>
             <a:endParaRPr lang="en-US"/>
           </a:p>
@@ -9972,7 +10008,7 @@
           <a:p>
             <a:fld id="{16A8CD98-EF2C-4EFD-A320-0FD1E700AB34}" type="datetimeFigureOut">
               <a:rPr lang="en-US" smtClean="0"/>
-              <a:t>4/27/2022</a:t>
+              <a:t>11/15/2023</a:t>
             </a:fld>
             <a:endParaRPr lang="en-US"/>
           </a:p>
@@ -10180,7 +10216,7 @@
           <a:p>
             <a:fld id="{16A8CD98-EF2C-4EFD-A320-0FD1E700AB34}" type="datetimeFigureOut">
               <a:rPr lang="en-US" smtClean="0"/>
-              <a:t>4/27/2022</a:t>
+              <a:t>11/15/2023</a:t>
             </a:fld>
             <a:endParaRPr lang="en-US"/>
           </a:p>
@@ -10378,7 +10414,7 @@
           <a:p>
             <a:fld id="{16A8CD98-EF2C-4EFD-A320-0FD1E700AB34}" type="datetimeFigureOut">
               <a:rPr lang="en-US" smtClean="0"/>
-              <a:t>4/27/2022</a:t>
+              <a:t>11/15/2023</a:t>
             </a:fld>
             <a:endParaRPr lang="en-US"/>
           </a:p>
@@ -10653,7 +10689,7 @@
           <a:p>
             <a:fld id="{16A8CD98-EF2C-4EFD-A320-0FD1E700AB34}" type="datetimeFigureOut">
               <a:rPr lang="en-US" smtClean="0"/>
-              <a:t>4/27/2022</a:t>
+              <a:t>11/15/2023</a:t>
             </a:fld>
             <a:endParaRPr lang="en-US"/>
           </a:p>
@@ -10918,7 +10954,7 @@
           <a:p>
             <a:fld id="{16A8CD98-EF2C-4EFD-A320-0FD1E700AB34}" type="datetimeFigureOut">
               <a:rPr lang="en-US" smtClean="0"/>
-              <a:t>4/27/2022</a:t>
+              <a:t>11/15/2023</a:t>
             </a:fld>
             <a:endParaRPr lang="en-US"/>
           </a:p>
@@ -11330,7 +11366,7 @@
           <a:p>
             <a:fld id="{16A8CD98-EF2C-4EFD-A320-0FD1E700AB34}" type="datetimeFigureOut">
               <a:rPr lang="en-US" smtClean="0"/>
-              <a:t>4/27/2022</a:t>
+              <a:t>11/15/2023</a:t>
             </a:fld>
             <a:endParaRPr lang="en-US"/>
           </a:p>
@@ -11471,7 +11507,7 @@
           <a:p>
             <a:fld id="{16A8CD98-EF2C-4EFD-A320-0FD1E700AB34}" type="datetimeFigureOut">
               <a:rPr lang="en-US" smtClean="0"/>
-              <a:t>4/27/2022</a:t>
+              <a:t>11/15/2023</a:t>
             </a:fld>
             <a:endParaRPr lang="en-US"/>
           </a:p>
@@ -11584,7 +11620,7 @@
           <a:p>
             <a:fld id="{16A8CD98-EF2C-4EFD-A320-0FD1E700AB34}" type="datetimeFigureOut">
               <a:rPr lang="en-US" smtClean="0"/>
-              <a:t>4/27/2022</a:t>
+              <a:t>11/15/2023</a:t>
             </a:fld>
             <a:endParaRPr lang="en-US"/>
           </a:p>
@@ -11895,7 +11931,7 @@
           <a:p>
             <a:fld id="{16A8CD98-EF2C-4EFD-A320-0FD1E700AB34}" type="datetimeFigureOut">
               <a:rPr lang="en-US" smtClean="0"/>
-              <a:t>4/27/2022</a:t>
+              <a:t>11/15/2023</a:t>
             </a:fld>
             <a:endParaRPr lang="en-US"/>
           </a:p>
@@ -12183,7 +12219,7 @@
           <a:p>
             <a:fld id="{16A8CD98-EF2C-4EFD-A320-0FD1E700AB34}" type="datetimeFigureOut">
               <a:rPr lang="en-US" smtClean="0"/>
-              <a:t>4/27/2022</a:t>
+              <a:t>11/15/2023</a:t>
             </a:fld>
             <a:endParaRPr lang="en-US"/>
           </a:p>
@@ -12424,7 +12460,7 @@
           <a:p>
             <a:fld id="{16A8CD98-EF2C-4EFD-A320-0FD1E700AB34}" type="datetimeFigureOut">
               <a:rPr lang="en-US" smtClean="0"/>
-              <a:t>4/27/2022</a:t>
+              <a:t>11/15/2023</a:t>
             </a:fld>
             <a:endParaRPr lang="en-US"/>
           </a:p>
@@ -13569,10 +13605,11 @@
           <a:bodyPr/>
           <a:lstStyle/>
           <a:p>
-            <a:pPr>
+            <a:pPr marL="0" indent="0">
               <a:lnSpc>
                 <a:spcPct val="80000"/>
               </a:lnSpc>
+              <a:buNone/>
             </a:pPr>
             <a:r>
               <a:rPr lang="en-US" sz="2000" b="1" dirty="0">
@@ -13583,7 +13620,7 @@
                 <a:ea typeface="ＭＳ Ｐゴシック" pitchFamily="34" charset="-128"/>
                 <a:cs typeface="Calibri"/>
               </a:rPr>
-              <a:t>MEU: choose the action which maximizes the expected utility given the evidence</a:t>
+              <a:t>MEU: choose the action which maximizes the expected utility given the evidence.</a:t>
             </a:r>
           </a:p>
           <a:p>
@@ -13713,7 +13750,7 @@
           <a:p>
             <a:pPr algn="ctr" rtl="1"/>
             <a:r>
-              <a:rPr lang="en-US">
+              <a:rPr lang="en-US" dirty="0">
                 <a:latin typeface="Calibri"/>
                 <a:cs typeface="Calibri"/>
               </a:rPr>
@@ -14130,7 +14167,7 @@
         </p:nvSpPr>
         <p:spPr bwMode="auto">
           <a:xfrm>
-            <a:off x="892305" y="4656445"/>
+            <a:off x="939716" y="4453249"/>
             <a:ext cx="609600" cy="304800"/>
           </a:xfrm>
           <a:prstGeom prst="ellipse">
@@ -14170,7 +14207,7 @@
         </p:nvSpPr>
         <p:spPr bwMode="auto">
           <a:xfrm>
-            <a:off x="930405" y="5280916"/>
+            <a:off x="977816" y="5077720"/>
             <a:ext cx="533400" cy="228600"/>
           </a:xfrm>
           <a:prstGeom prst="rect">
@@ -14210,7 +14247,7 @@
         </p:nvSpPr>
         <p:spPr bwMode="auto">
           <a:xfrm>
-            <a:off x="892305" y="5866924"/>
+            <a:off x="939716" y="5663728"/>
             <a:ext cx="609600" cy="304800"/>
           </a:xfrm>
           <a:custGeom>
@@ -14517,7 +14554,7 @@
                 <a:ea typeface="ＭＳ Ｐゴシック" pitchFamily="34" charset="-128"/>
                 <a:cs typeface="Calibri"/>
               </a:rPr>
-              <a:t>Can directly operationalize this with decision networks</a:t>
+              <a:t>Decision networks</a:t>
             </a:r>
           </a:p>
           <a:p>
@@ -14627,7 +14664,7 @@
                 <a:ea typeface="ＭＳ Ｐゴシック" pitchFamily="34" charset="-128"/>
                 <a:cs typeface="Calibri"/>
               </a:rPr>
-              <a:t>New node types:</a:t>
+              <a:t>Node types</a:t>
             </a:r>
           </a:p>
           <a:p>
@@ -14675,7 +14712,7 @@
                 <a:latin typeface="Calibri"/>
                 <a:cs typeface="Calibri"/>
               </a:rPr>
-              <a:t>Chance nodes (just like BNs)</a:t>
+              <a:t>Chance nodes: Random variables in BNs</a:t>
             </a:r>
           </a:p>
           <a:p>
@@ -14714,7 +14751,7 @@
                 <a:latin typeface="Calibri"/>
                 <a:cs typeface="Calibri"/>
               </a:rPr>
-              <a:t>Actions (rectangles, cannot have parents, act as observed evidence)</a:t>
+              <a:t>Action nodes: Cannot have parents, act as observed evidence</a:t>
             </a:r>
           </a:p>
           <a:p>
@@ -14753,7 +14790,7 @@
                 <a:latin typeface="Calibri"/>
                 <a:cs typeface="Calibri"/>
               </a:rPr>
-              <a:t>Utility node (diamond, depends on action and chance nodes)</a:t>
+              <a:t>Utility node: Depends on action and chance nodes</a:t>
             </a:r>
           </a:p>
         </p:txBody>
@@ -15826,7 +15863,7 @@
               <p:nvPr>
                 <p:extLst>
                   <p:ext uri="{D42A27DB-BD31-4B8C-83A1-F6EECF244321}">
-                    <p14:modId xmlns:p14="http://schemas.microsoft.com/office/powerpoint/2010/main" val="131072285"/>
+                    <p14:modId xmlns:p14="http://schemas.microsoft.com/office/powerpoint/2010/main" val="2568299915"/>
                   </p:ext>
                 </p:extLst>
               </p:nvPr>
@@ -16523,7 +16560,7 @@
               <p:nvPr>
                 <p:extLst>
                   <p:ext uri="{D42A27DB-BD31-4B8C-83A1-F6EECF244321}">
-                    <p14:modId xmlns:p14="http://schemas.microsoft.com/office/powerpoint/2010/main" val="131072285"/>
+                    <p14:modId xmlns:p14="http://schemas.microsoft.com/office/powerpoint/2010/main" val="2568299915"/>
                   </p:ext>
                 </p:extLst>
               </p:nvPr>
@@ -16995,8 +17032,8 @@
         </p:nvSpPr>
         <p:spPr bwMode="auto">
           <a:xfrm>
-            <a:off x="959004" y="1447800"/>
-            <a:ext cx="2286000" cy="366713"/>
+            <a:off x="959003" y="1447800"/>
+            <a:ext cx="2743199" cy="369332"/>
           </a:xfrm>
           <a:prstGeom prst="rect">
             <a:avLst/>
@@ -17026,7 +17063,7 @@
           </a:extLst>
         </p:spPr>
         <p:txBody>
-          <a:bodyPr>
+          <a:bodyPr wrap="square">
             <a:spAutoFit/>
           </a:bodyPr>
           <a:lstStyle>
@@ -17147,7 +17184,7 @@
                 <a:latin typeface="Calibri"/>
                 <a:cs typeface="Calibri"/>
               </a:rPr>
-              <a:t>Umbrella = leave</a:t>
+              <a:t>Action: Umbrella = leave</a:t>
             </a:r>
           </a:p>
         </p:txBody>
@@ -17163,7 +17200,7 @@
         <p:spPr bwMode="auto">
           <a:xfrm>
             <a:off x="959004" y="3276600"/>
-            <a:ext cx="2286000" cy="366713"/>
+            <a:ext cx="2692400" cy="369332"/>
           </a:xfrm>
           <a:prstGeom prst="rect">
             <a:avLst/>
@@ -17193,7 +17230,7 @@
           </a:extLst>
         </p:spPr>
         <p:txBody>
-          <a:bodyPr>
+          <a:bodyPr wrap="square">
             <a:spAutoFit/>
           </a:bodyPr>
           <a:lstStyle>
@@ -17314,7 +17351,7 @@
                 <a:latin typeface="Calibri"/>
                 <a:cs typeface="Calibri"/>
               </a:rPr>
-              <a:t>Umbrella = take</a:t>
+              <a:t>Action: Umbrella = take</a:t>
             </a:r>
           </a:p>
         </p:txBody>
@@ -17493,173 +17530,276 @@
           </a:extLst>
         </p:spPr>
       </p:pic>
-      <p:sp>
-        <p:nvSpPr>
-          <p:cNvPr id="24" name="Text Box 62"/>
-          <p:cNvSpPr txBox="1">
-            <a:spLocks noChangeArrowheads="1"/>
-          </p:cNvSpPr>
-          <p:nvPr/>
-        </p:nvSpPr>
-        <p:spPr bwMode="auto">
-          <a:xfrm>
-            <a:off x="959004" y="5500688"/>
-            <a:ext cx="2743200" cy="366712"/>
-          </a:xfrm>
-          <a:prstGeom prst="rect">
-            <a:avLst/>
-          </a:prstGeom>
-          <a:noFill/>
-          <a:ln>
-            <a:noFill/>
-          </a:ln>
-          <a:extLst>
-            <a:ext uri="{909E8E84-426E-40DD-AFC4-6F175D3DCCD1}">
-              <a14:hiddenFill xmlns:a14="http://schemas.microsoft.com/office/drawing/2010/main">
-                <a:solidFill>
-                  <a:srgbClr val="FFFFFF"/>
-                </a:solidFill>
-              </a14:hiddenFill>
-            </a:ext>
-            <a:ext uri="{91240B29-F687-4F45-9708-019B960494DF}">
-              <a14:hiddenLine xmlns:a14="http://schemas.microsoft.com/office/drawing/2010/main" w="9525">
-                <a:solidFill>
-                  <a:srgbClr val="000000"/>
-                </a:solidFill>
-                <a:miter lim="800000"/>
-                <a:headEnd/>
-                <a:tailEnd/>
-              </a14:hiddenLine>
-            </a:ext>
-          </a:extLst>
-        </p:spPr>
-        <p:txBody>
-          <a:bodyPr>
-            <a:spAutoFit/>
-          </a:bodyPr>
-          <a:lstStyle>
-            <a:lvl1pPr eaLnBrk="0" hangingPunct="0">
-              <a:defRPr sz="2400">
-                <a:solidFill>
-                  <a:schemeClr val="tx1"/>
-                </a:solidFill>
-                <a:latin typeface="Arial" pitchFamily="34" charset="0"/>
-                <a:ea typeface="ＭＳ Ｐゴシック" pitchFamily="34" charset="-128"/>
-              </a:defRPr>
-            </a:lvl1pPr>
-            <a:lvl2pPr marL="742950" indent="-285750" eaLnBrk="0" hangingPunct="0">
-              <a:defRPr sz="2400">
-                <a:solidFill>
-                  <a:schemeClr val="tx1"/>
-                </a:solidFill>
-                <a:latin typeface="Arial" pitchFamily="34" charset="0"/>
-                <a:ea typeface="ＭＳ Ｐゴシック" pitchFamily="34" charset="-128"/>
-              </a:defRPr>
-            </a:lvl2pPr>
-            <a:lvl3pPr marL="1143000" indent="-228600" eaLnBrk="0" hangingPunct="0">
-              <a:defRPr sz="2400">
-                <a:solidFill>
-                  <a:schemeClr val="tx1"/>
-                </a:solidFill>
-                <a:latin typeface="Arial" pitchFamily="34" charset="0"/>
-                <a:ea typeface="ＭＳ Ｐゴシック" pitchFamily="34" charset="-128"/>
-              </a:defRPr>
-            </a:lvl3pPr>
-            <a:lvl4pPr marL="1600200" indent="-228600" eaLnBrk="0" hangingPunct="0">
-              <a:defRPr sz="2400">
-                <a:solidFill>
-                  <a:schemeClr val="tx1"/>
-                </a:solidFill>
-                <a:latin typeface="Arial" pitchFamily="34" charset="0"/>
-                <a:ea typeface="ＭＳ Ｐゴシック" pitchFamily="34" charset="-128"/>
-              </a:defRPr>
-            </a:lvl4pPr>
-            <a:lvl5pPr marL="2057400" indent="-228600" eaLnBrk="0" hangingPunct="0">
-              <a:defRPr sz="2400">
-                <a:solidFill>
-                  <a:schemeClr val="tx1"/>
-                </a:solidFill>
-                <a:latin typeface="Arial" pitchFamily="34" charset="0"/>
-                <a:ea typeface="ＭＳ Ｐゴシック" pitchFamily="34" charset="-128"/>
-              </a:defRPr>
-            </a:lvl5pPr>
-            <a:lvl6pPr marL="2514600" indent="-228600" eaLnBrk="0" fontAlgn="base" hangingPunct="0">
-              <a:spcBef>
-                <a:spcPct val="0"/>
-              </a:spcBef>
-              <a:spcAft>
-                <a:spcPct val="0"/>
-              </a:spcAft>
-              <a:defRPr sz="2400">
-                <a:solidFill>
-                  <a:schemeClr val="tx1"/>
-                </a:solidFill>
-                <a:latin typeface="Arial" pitchFamily="34" charset="0"/>
-                <a:ea typeface="ＭＳ Ｐゴシック" pitchFamily="34" charset="-128"/>
-              </a:defRPr>
-            </a:lvl6pPr>
-            <a:lvl7pPr marL="2971800" indent="-228600" eaLnBrk="0" fontAlgn="base" hangingPunct="0">
-              <a:spcBef>
-                <a:spcPct val="0"/>
-              </a:spcBef>
-              <a:spcAft>
-                <a:spcPct val="0"/>
-              </a:spcAft>
-              <a:defRPr sz="2400">
-                <a:solidFill>
-                  <a:schemeClr val="tx1"/>
-                </a:solidFill>
-                <a:latin typeface="Arial" pitchFamily="34" charset="0"/>
-                <a:ea typeface="ＭＳ Ｐゴシック" pitchFamily="34" charset="-128"/>
-              </a:defRPr>
-            </a:lvl7pPr>
-            <a:lvl8pPr marL="3429000" indent="-228600" eaLnBrk="0" fontAlgn="base" hangingPunct="0">
-              <a:spcBef>
-                <a:spcPct val="0"/>
-              </a:spcBef>
-              <a:spcAft>
-                <a:spcPct val="0"/>
-              </a:spcAft>
-              <a:defRPr sz="2400">
-                <a:solidFill>
-                  <a:schemeClr val="tx1"/>
-                </a:solidFill>
-                <a:latin typeface="Arial" pitchFamily="34" charset="0"/>
-                <a:ea typeface="ＭＳ Ｐゴシック" pitchFamily="34" charset="-128"/>
-              </a:defRPr>
-            </a:lvl8pPr>
-            <a:lvl9pPr marL="3886200" indent="-228600" eaLnBrk="0" fontAlgn="base" hangingPunct="0">
-              <a:spcBef>
-                <a:spcPct val="0"/>
-              </a:spcBef>
-              <a:spcAft>
-                <a:spcPct val="0"/>
-              </a:spcAft>
-              <a:defRPr sz="2400">
-                <a:solidFill>
-                  <a:schemeClr val="tx1"/>
-                </a:solidFill>
-                <a:latin typeface="Arial" pitchFamily="34" charset="0"/>
-                <a:ea typeface="ＭＳ Ｐゴシック" pitchFamily="34" charset="-128"/>
-              </a:defRPr>
-            </a:lvl9pPr>
-          </a:lstStyle>
-          <a:p>
-            <a:pPr eaLnBrk="1" hangingPunct="1">
-              <a:spcBef>
-                <a:spcPct val="50000"/>
-              </a:spcBef>
-            </a:pPr>
-            <a:r>
-              <a:rPr lang="en-US" sz="1800" dirty="0">
-                <a:latin typeface="Calibri"/>
-                <a:cs typeface="Calibri"/>
-              </a:rPr>
-              <a:t>Optimal decision = leave</a:t>
-            </a:r>
-          </a:p>
-        </p:txBody>
-      </p:sp>
+      <mc:AlternateContent xmlns:mc="http://schemas.openxmlformats.org/markup-compatibility/2006">
+        <mc:Choice xmlns:a14="http://schemas.microsoft.com/office/drawing/2010/main" Requires="a14">
+          <p:sp>
+            <p:nvSpPr>
+              <p:cNvPr id="24" name="Text Box 62"/>
+              <p:cNvSpPr txBox="1">
+                <a:spLocks noChangeArrowheads="1"/>
+              </p:cNvSpPr>
+              <p:nvPr/>
+            </p:nvSpPr>
+            <p:spPr bwMode="auto">
+              <a:xfrm>
+                <a:off x="959004" y="5500688"/>
+                <a:ext cx="2743200" cy="369332"/>
+              </a:xfrm>
+              <a:prstGeom prst="rect">
+                <a:avLst/>
+              </a:prstGeom>
+              <a:noFill/>
+              <a:ln>
+                <a:noFill/>
+              </a:ln>
+              <a:extLst>
+                <a:ext uri="{909E8E84-426E-40DD-AFC4-6F175D3DCCD1}">
+                  <a14:hiddenFill>
+                    <a:solidFill>
+                      <a:srgbClr val="FFFFFF"/>
+                    </a:solidFill>
+                  </a14:hiddenFill>
+                </a:ext>
+                <a:ext uri="{91240B29-F687-4F45-9708-019B960494DF}">
+                  <a14:hiddenLine w="9525">
+                    <a:solidFill>
+                      <a:srgbClr val="000000"/>
+                    </a:solidFill>
+                    <a:miter lim="800000"/>
+                    <a:headEnd/>
+                    <a:tailEnd/>
+                  </a14:hiddenLine>
+                </a:ext>
+              </a:extLst>
+            </p:spPr>
+            <p:txBody>
+              <a:bodyPr>
+                <a:spAutoFit/>
+              </a:bodyPr>
+              <a:lstStyle>
+                <a:lvl1pPr eaLnBrk="0" hangingPunct="0">
+                  <a:defRPr sz="2400">
+                    <a:solidFill>
+                      <a:schemeClr val="tx1"/>
+                    </a:solidFill>
+                    <a:latin typeface="Arial" pitchFamily="34" charset="0"/>
+                    <a:ea typeface="ＭＳ Ｐゴシック" pitchFamily="34" charset="-128"/>
+                  </a:defRPr>
+                </a:lvl1pPr>
+                <a:lvl2pPr marL="742950" indent="-285750" eaLnBrk="0" hangingPunct="0">
+                  <a:defRPr sz="2400">
+                    <a:solidFill>
+                      <a:schemeClr val="tx1"/>
+                    </a:solidFill>
+                    <a:latin typeface="Arial" pitchFamily="34" charset="0"/>
+                    <a:ea typeface="ＭＳ Ｐゴシック" pitchFamily="34" charset="-128"/>
+                  </a:defRPr>
+                </a:lvl2pPr>
+                <a:lvl3pPr marL="1143000" indent="-228600" eaLnBrk="0" hangingPunct="0">
+                  <a:defRPr sz="2400">
+                    <a:solidFill>
+                      <a:schemeClr val="tx1"/>
+                    </a:solidFill>
+                    <a:latin typeface="Arial" pitchFamily="34" charset="0"/>
+                    <a:ea typeface="ＭＳ Ｐゴシック" pitchFamily="34" charset="-128"/>
+                  </a:defRPr>
+                </a:lvl3pPr>
+                <a:lvl4pPr marL="1600200" indent="-228600" eaLnBrk="0" hangingPunct="0">
+                  <a:defRPr sz="2400">
+                    <a:solidFill>
+                      <a:schemeClr val="tx1"/>
+                    </a:solidFill>
+                    <a:latin typeface="Arial" pitchFamily="34" charset="0"/>
+                    <a:ea typeface="ＭＳ Ｐゴシック" pitchFamily="34" charset="-128"/>
+                  </a:defRPr>
+                </a:lvl4pPr>
+                <a:lvl5pPr marL="2057400" indent="-228600" eaLnBrk="0" hangingPunct="0">
+                  <a:defRPr sz="2400">
+                    <a:solidFill>
+                      <a:schemeClr val="tx1"/>
+                    </a:solidFill>
+                    <a:latin typeface="Arial" pitchFamily="34" charset="0"/>
+                    <a:ea typeface="ＭＳ Ｐゴシック" pitchFamily="34" charset="-128"/>
+                  </a:defRPr>
+                </a:lvl5pPr>
+                <a:lvl6pPr marL="2514600" indent="-228600" eaLnBrk="0" fontAlgn="base" hangingPunct="0">
+                  <a:spcBef>
+                    <a:spcPct val="0"/>
+                  </a:spcBef>
+                  <a:spcAft>
+                    <a:spcPct val="0"/>
+                  </a:spcAft>
+                  <a:defRPr sz="2400">
+                    <a:solidFill>
+                      <a:schemeClr val="tx1"/>
+                    </a:solidFill>
+                    <a:latin typeface="Arial" pitchFamily="34" charset="0"/>
+                    <a:ea typeface="ＭＳ Ｐゴシック" pitchFamily="34" charset="-128"/>
+                  </a:defRPr>
+                </a:lvl6pPr>
+                <a:lvl7pPr marL="2971800" indent="-228600" eaLnBrk="0" fontAlgn="base" hangingPunct="0">
+                  <a:spcBef>
+                    <a:spcPct val="0"/>
+                  </a:spcBef>
+                  <a:spcAft>
+                    <a:spcPct val="0"/>
+                  </a:spcAft>
+                  <a:defRPr sz="2400">
+                    <a:solidFill>
+                      <a:schemeClr val="tx1"/>
+                    </a:solidFill>
+                    <a:latin typeface="Arial" pitchFamily="34" charset="0"/>
+                    <a:ea typeface="ＭＳ Ｐゴシック" pitchFamily="34" charset="-128"/>
+                  </a:defRPr>
+                </a:lvl7pPr>
+                <a:lvl8pPr marL="3429000" indent="-228600" eaLnBrk="0" fontAlgn="base" hangingPunct="0">
+                  <a:spcBef>
+                    <a:spcPct val="0"/>
+                  </a:spcBef>
+                  <a:spcAft>
+                    <a:spcPct val="0"/>
+                  </a:spcAft>
+                  <a:defRPr sz="2400">
+                    <a:solidFill>
+                      <a:schemeClr val="tx1"/>
+                    </a:solidFill>
+                    <a:latin typeface="Arial" pitchFamily="34" charset="0"/>
+                    <a:ea typeface="ＭＳ Ｐゴシック" pitchFamily="34" charset="-128"/>
+                  </a:defRPr>
+                </a:lvl8pPr>
+                <a:lvl9pPr marL="3886200" indent="-228600" eaLnBrk="0" fontAlgn="base" hangingPunct="0">
+                  <a:spcBef>
+                    <a:spcPct val="0"/>
+                  </a:spcBef>
+                  <a:spcAft>
+                    <a:spcPct val="0"/>
+                  </a:spcAft>
+                  <a:defRPr sz="2400">
+                    <a:solidFill>
+                      <a:schemeClr val="tx1"/>
+                    </a:solidFill>
+                    <a:latin typeface="Arial" pitchFamily="34" charset="0"/>
+                    <a:ea typeface="ＭＳ Ｐゴシック" pitchFamily="34" charset="-128"/>
+                  </a:defRPr>
+                </a:lvl9pPr>
+              </a:lstStyle>
+              <a:p>
+                <a:pPr eaLnBrk="1" hangingPunct="1">
+                  <a:spcBef>
+                    <a:spcPct val="50000"/>
+                  </a:spcBef>
+                </a:pPr>
+                <a:r>
+                  <a:rPr lang="en-US" sz="1800" dirty="0">
+                    <a:latin typeface="Calibri"/>
+                    <a:cs typeface="Calibri"/>
+                  </a:rPr>
+                  <a:t>Optimal decision </a:t>
+                </a:r>
+                <a14:m>
+                  <m:oMath xmlns:m="http://schemas.openxmlformats.org/officeDocument/2006/math">
+                    <m:sSup>
+                      <m:sSupPr>
+                        <m:ctrlPr>
+                          <a:rPr lang="en-US" sz="1800" b="0" i="1" smtClean="0">
+                            <a:latin typeface="Cambria Math" panose="02040503050406030204" pitchFamily="18" charset="0"/>
+                            <a:cs typeface="Calibri"/>
+                          </a:rPr>
+                        </m:ctrlPr>
+                      </m:sSupPr>
+                      <m:e>
+                        <m:r>
+                          <a:rPr lang="en-US" sz="1800" b="0" i="1" smtClean="0">
+                            <a:latin typeface="Cambria Math" panose="02040503050406030204" pitchFamily="18" charset="0"/>
+                            <a:cs typeface="Calibri"/>
+                          </a:rPr>
+                          <m:t>𝑎</m:t>
+                        </m:r>
+                      </m:e>
+                      <m:sup>
+                        <m:r>
+                          <a:rPr lang="en-US" sz="1800" b="0" i="1" smtClean="0">
+                            <a:latin typeface="Cambria Math" panose="02040503050406030204" pitchFamily="18" charset="0"/>
+                            <a:cs typeface="Calibri"/>
+                          </a:rPr>
+                          <m:t>∗</m:t>
+                        </m:r>
+                      </m:sup>
+                    </m:sSup>
+                  </m:oMath>
+                </a14:m>
+                <a:r>
+                  <a:rPr lang="en-US" sz="1800" dirty="0">
+                    <a:latin typeface="Calibri"/>
+                    <a:cs typeface="Calibri"/>
+                  </a:rPr>
+                  <a:t> = leave</a:t>
+                </a:r>
+              </a:p>
+            </p:txBody>
+          </p:sp>
+        </mc:Choice>
+        <mc:Fallback>
+          <p:sp>
+            <p:nvSpPr>
+              <p:cNvPr id="24" name="Text Box 62"/>
+              <p:cNvSpPr txBox="1">
+                <a:spLocks noRot="1" noChangeAspect="1" noMove="1" noResize="1" noEditPoints="1" noAdjustHandles="1" noChangeArrowheads="1" noChangeShapeType="1" noTextEdit="1"/>
+              </p:cNvSpPr>
+              <p:nvPr/>
+            </p:nvSpPr>
+            <p:spPr bwMode="auto">
+              <a:xfrm>
+                <a:off x="959004" y="5500688"/>
+                <a:ext cx="2743200" cy="369332"/>
+              </a:xfrm>
+              <a:prstGeom prst="rect">
+                <a:avLst/>
+              </a:prstGeom>
+              <a:blipFill>
+                <a:blip r:embed="rId12"/>
+                <a:stretch>
+                  <a:fillRect l="-1778" t="-8197" r="-1778" b="-24590"/>
+                </a:stretch>
+              </a:blipFill>
+              <a:ln>
+                <a:noFill/>
+              </a:ln>
+              <a:extLst>
+                <a:ext uri="{909E8E84-426E-40DD-AFC4-6F175D3DCCD1}">
+                  <a14:hiddenFill xmlns:a14="http://schemas.microsoft.com/office/drawing/2010/main">
+                    <a:solidFill>
+                      <a:srgbClr val="FFFFFF"/>
+                    </a:solidFill>
+                  </a14:hiddenFill>
+                </a:ext>
+                <a:ext uri="{91240B29-F687-4F45-9708-019B960494DF}">
+                  <a14:hiddenLine xmlns:a14="http://schemas.microsoft.com/office/drawing/2010/main" w="9525">
+                    <a:solidFill>
+                      <a:srgbClr val="000000"/>
+                    </a:solidFill>
+                    <a:miter lim="800000"/>
+                    <a:headEnd/>
+                    <a:tailEnd/>
+                  </a14:hiddenLine>
+                </a:ext>
+              </a:extLst>
+            </p:spPr>
+            <p:txBody>
+              <a:bodyPr/>
+              <a:lstStyle/>
+              <a:p>
+                <a:r>
+                  <a:rPr lang="en-US">
+                    <a:noFill/>
+                  </a:rPr>
+                  <a:t> </a:t>
+                </a:r>
+              </a:p>
+            </p:txBody>
+          </p:sp>
+        </mc:Fallback>
+      </mc:AlternateContent>
       <p:pic>
         <p:nvPicPr>
           <p:cNvPr id="25" name="Picture 64" descr="TP_tmp"/>
@@ -17673,7 +17813,7 @@
           </p:nvPr>
         </p:nvPicPr>
         <p:blipFill>
-          <a:blip r:embed="rId12" cstate="print">
+          <a:blip r:embed="rId13" cstate="print">
             <a:extLst>
               <a:ext uri="{28A0092B-C50C-407E-A947-70E740481C1C}">
                 <a14:useLocalDpi xmlns:a14="http://schemas.microsoft.com/office/drawing/2010/main" val="0"/>
@@ -17731,7 +17871,7 @@
           </p:nvPr>
         </p:nvPicPr>
         <p:blipFill>
-          <a:blip r:embed="rId13" cstate="print">
+          <a:blip r:embed="rId14" cstate="print">
             <a:extLst>
               <a:ext uri="{28A0092B-C50C-407E-A947-70E740481C1C}">
                 <a14:useLocalDpi xmlns:a14="http://schemas.microsoft.com/office/drawing/2010/main" val="0"/>
@@ -17785,7 +17925,7 @@
           <p:nvPr/>
         </p:nvPicPr>
         <p:blipFill>
-          <a:blip r:embed="rId14" cstate="print">
+          <a:blip r:embed="rId15" cstate="print">
             <a:extLst>
               <a:ext uri="{28A0092B-C50C-407E-A947-70E740481C1C}">
                 <a14:useLocalDpi xmlns:a14="http://schemas.microsoft.com/office/drawing/2010/main" val="0"/>
@@ -17806,8 +17946,8 @@
           </a:prstGeom>
         </p:spPr>
       </p:pic>
-      <mc:AlternateContent xmlns:mc="http://schemas.openxmlformats.org/markup-compatibility/2006" xmlns:a14="http://schemas.microsoft.com/office/drawing/2010/main">
-        <mc:Choice Requires="a14">
+      <mc:AlternateContent xmlns:mc="http://schemas.openxmlformats.org/markup-compatibility/2006">
+        <mc:Choice xmlns:a14="http://schemas.microsoft.com/office/drawing/2010/main" Requires="a14">
           <p:graphicFrame>
             <p:nvGraphicFramePr>
               <p:cNvPr id="27" name="Group 25"/>
@@ -17817,7 +17957,7 @@
               <p:nvPr>
                 <p:extLst>
                   <p:ext uri="{D42A27DB-BD31-4B8C-83A1-F6EECF244321}">
-                    <p14:modId xmlns:p14="http://schemas.microsoft.com/office/powerpoint/2010/main" val="99086590"/>
+                    <p14:modId xmlns:p14="http://schemas.microsoft.com/office/powerpoint/2010/main" val="3798538263"/>
                   </p:ext>
                 </p:extLst>
               </p:nvPr>
@@ -17989,7 +18129,7 @@
                               </m:oMathParaPr>
                               <m:oMath xmlns:m="http://schemas.openxmlformats.org/officeDocument/2006/math">
                                 <m:r>
-                                  <a:rPr kumimoji="0" lang="en-US" sz="2000" b="0" i="1" u="none" strike="noStrike" cap="none" normalizeH="0" baseline="0" dirty="0" smtClean="0">
+                                  <a:rPr kumimoji="0" lang="en-US" sz="2000" b="0" i="1" u="none" strike="noStrike" cap="none" normalizeH="0" baseline="0" smtClean="0">
                                     <a:ln>
                                       <a:noFill/>
                                     </a:ln>
@@ -19378,7 +19518,7 @@
             </a:graphic>
           </p:graphicFrame>
         </mc:Choice>
-        <mc:Fallback xmlns="">
+        <mc:Fallback>
           <p:graphicFrame>
             <p:nvGraphicFramePr>
               <p:cNvPr id="27" name="Group 25"/>
@@ -19388,7 +19528,7 @@
               <p:nvPr>
                 <p:extLst>
                   <p:ext uri="{D42A27DB-BD31-4B8C-83A1-F6EECF244321}">
-                    <p14:modId xmlns:p14="http://schemas.microsoft.com/office/powerpoint/2010/main" val="99086590"/>
+                    <p14:modId xmlns:p14="http://schemas.microsoft.com/office/powerpoint/2010/main" val="3798538263"/>
                   </p:ext>
                 </p:extLst>
               </p:nvPr>
@@ -19477,7 +19617,7 @@
                           <a:noFill/>
                         </a:lnBlToTr>
                         <a:blipFill>
-                          <a:blip r:embed="rId15"/>
+                          <a:blip r:embed="rId16"/>
                           <a:stretch>
                             <a:fillRect l="-1042" t="-4615" r="-202604" b="-427692"/>
                           </a:stretch>
@@ -19536,7 +19676,7 @@
                           <a:noFill/>
                         </a:lnBlToTr>
                         <a:blipFill>
-                          <a:blip r:embed="rId15"/>
+                          <a:blip r:embed="rId16"/>
                           <a:stretch>
                             <a:fillRect l="-157724" t="-4615" r="-216260" b="-427692"/>
                           </a:stretch>
@@ -19595,7 +19735,7 @@
                           <a:noFill/>
                         </a:lnBlToTr>
                         <a:blipFill>
-                          <a:blip r:embed="rId15"/>
+                          <a:blip r:embed="rId16"/>
                           <a:stretch>
                             <a:fillRect l="-121456" t="-4615" r="-1916" b="-427692"/>
                           </a:stretch>
@@ -19831,7 +19971,7 @@
                           <a:noFill/>
                         </a:lnBlToTr>
                         <a:blipFill>
-                          <a:blip r:embed="rId15"/>
+                          <a:blip r:embed="rId16"/>
                           <a:stretch>
                             <a:fillRect l="-121456" t="-104615" r="-1916" b="-327692"/>
                           </a:stretch>
@@ -20067,7 +20207,7 @@
                           <a:noFill/>
                         </a:lnBlToTr>
                         <a:blipFill>
-                          <a:blip r:embed="rId15"/>
+                          <a:blip r:embed="rId16"/>
                           <a:stretch>
                             <a:fillRect l="-121456" t="-201515" r="-1916" b="-222727"/>
                           </a:stretch>
@@ -20303,7 +20443,7 @@
                           <a:noFill/>
                         </a:lnBlToTr>
                         <a:blipFill>
-                          <a:blip r:embed="rId15"/>
+                          <a:blip r:embed="rId16"/>
                           <a:stretch>
                             <a:fillRect l="-121456" t="-306154" r="-1916" b="-126154"/>
                           </a:stretch>
@@ -20539,7 +20679,7 @@
                           <a:noFill/>
                         </a:lnBlToTr>
                         <a:blipFill>
-                          <a:blip r:embed="rId15"/>
+                          <a:blip r:embed="rId16"/>
                           <a:stretch>
                             <a:fillRect l="-121456" t="-406154" r="-1916" b="-26154"/>
                           </a:stretch>
@@ -20573,7 +20713,7 @@
           <p:nvPr/>
         </p:nvPicPr>
         <p:blipFill>
-          <a:blip r:embed="rId16">
+          <a:blip r:embed="rId17">
             <a:extLst>
               <a:ext uri="{28A0092B-C50C-407E-A947-70E740481C1C}">
                 <a14:useLocalDpi xmlns:a14="http://schemas.microsoft.com/office/drawing/2010/main" val="0"/>
@@ -24327,33 +24467,39 @@
       </p:pic>
       <p:sp>
         <p:nvSpPr>
-          <p:cNvPr id="7" name="TextBox 6">
+          <p:cNvPr id="8" name="Speech Bubble: Rectangle with Corners Rounded 7">
             <a:extLst>
               <a:ext uri="{FF2B5EF4-FFF2-40B4-BE49-F238E27FC236}">
-                <a16:creationId xmlns:a16="http://schemas.microsoft.com/office/drawing/2014/main" id="{ECC53FF6-4DA0-4301-B905-DF5C6BC53745}"/>
+                <a16:creationId xmlns:a16="http://schemas.microsoft.com/office/drawing/2014/main" id="{80791E34-39C2-BD68-D20A-222CFA91818A}"/>
               </a:ext>
             </a:extLst>
           </p:cNvPr>
-          <p:cNvSpPr txBox="1"/>
+          <p:cNvSpPr/>
           <p:nvPr/>
         </p:nvSpPr>
         <p:spPr>
           <a:xfrm>
-            <a:off x="9063216" y="1028708"/>
-            <a:ext cx="2631479" cy="369332"/>
+            <a:off x="5331757" y="1825181"/>
+            <a:ext cx="980989" cy="239300"/>
           </a:xfrm>
-          <a:prstGeom prst="rect">
-            <a:avLst/>
+          <a:prstGeom prst="wedgeRoundRectCallout">
+            <a:avLst>
+              <a:gd name="adj1" fmla="val 26153"/>
+              <a:gd name="adj2" fmla="val 149004"/>
+              <a:gd name="adj3" fmla="val 16667"/>
+            </a:avLst>
           </a:prstGeom>
         </p:spPr>
         <p:style>
-          <a:lnRef idx="3">
-            <a:schemeClr val="lt1"/>
+          <a:lnRef idx="2">
+            <a:schemeClr val="accent6">
+              <a:shade val="15000"/>
+            </a:schemeClr>
           </a:lnRef>
           <a:fillRef idx="1">
             <a:schemeClr val="accent6"/>
           </a:fillRef>
-          <a:effectRef idx="1">
+          <a:effectRef idx="0">
             <a:schemeClr val="accent6"/>
           </a:effectRef>
           <a:fontRef idx="minor">
@@ -24361,15 +24507,67 @@
           </a:fontRef>
         </p:style>
         <p:txBody>
-          <a:bodyPr wrap="square" rtlCol="0">
-            <a:spAutoFit/>
-          </a:bodyPr>
+          <a:bodyPr rtlCol="0" anchor="ctr"/>
+          <a:lstStyle/>
+          <a:p>
+            <a:pPr algn="ctr"/>
+            <a:r>
+              <a:rPr lang="en-US" dirty="0"/>
+              <a:t>Action</a:t>
+            </a:r>
+          </a:p>
+        </p:txBody>
+      </p:sp>
+      <p:sp>
+        <p:nvSpPr>
+          <p:cNvPr id="9" name="Speech Bubble: Rectangle with Corners Rounded 8">
+            <a:extLst>
+              <a:ext uri="{FF2B5EF4-FFF2-40B4-BE49-F238E27FC236}">
+                <a16:creationId xmlns:a16="http://schemas.microsoft.com/office/drawing/2014/main" id="{9A20C223-6BE4-29BD-CDB1-A2469A6C67C9}"/>
+              </a:ext>
+            </a:extLst>
+          </p:cNvPr>
+          <p:cNvSpPr/>
+          <p:nvPr/>
+        </p:nvSpPr>
+        <p:spPr>
+          <a:xfrm>
+            <a:off x="8686799" y="685800"/>
+            <a:ext cx="1828801" cy="659639"/>
+          </a:xfrm>
+          <a:prstGeom prst="wedgeRoundRectCallout">
+            <a:avLst>
+              <a:gd name="adj1" fmla="val -96018"/>
+              <a:gd name="adj2" fmla="val 123083"/>
+              <a:gd name="adj3" fmla="val 16667"/>
+            </a:avLst>
+          </a:prstGeom>
+        </p:spPr>
+        <p:style>
+          <a:lnRef idx="2">
+            <a:schemeClr val="accent6">
+              <a:shade val="15000"/>
+            </a:schemeClr>
+          </a:lnRef>
+          <a:fillRef idx="1">
+            <a:schemeClr val="accent6"/>
+          </a:fillRef>
+          <a:effectRef idx="0">
+            <a:schemeClr val="accent6"/>
+          </a:effectRef>
+          <a:fontRef idx="minor">
+            <a:schemeClr val="lt1"/>
+          </a:fontRef>
+        </p:style>
+        <p:txBody>
+          <a:bodyPr rtlCol="0" anchor="ctr"/>
           <a:lstStyle/>
           <a:p>
             <a:r>
-              <a:rPr lang="en-US" dirty="0"/>
+              <a:rPr lang="en-US"/>
               <a:t>{} … no evidence available</a:t>
             </a:r>
+            <a:endParaRPr lang="en-US" dirty="0"/>
           </a:p>
         </p:txBody>
       </p:sp>
@@ -24663,7 +24861,7 @@
                 <a:ea typeface="ＭＳ Ｐゴシック" pitchFamily="34" charset="-128"/>
                 <a:cs typeface="Calibri"/>
               </a:rPr>
-              <a:t>Decision Network with Forecast</a:t>
+              <a:t>Decision Network with Bad Forecast</a:t>
             </a:r>
           </a:p>
         </p:txBody>
@@ -25208,7 +25406,7 @@
               <p:nvPr>
                 <p:extLst>
                   <p:ext uri="{D42A27DB-BD31-4B8C-83A1-F6EECF244321}">
-                    <p14:modId xmlns:p14="http://schemas.microsoft.com/office/powerpoint/2010/main" val="1887429976"/>
+                    <p14:modId xmlns:p14="http://schemas.microsoft.com/office/powerpoint/2010/main" val="915152792"/>
                   </p:ext>
                 </p:extLst>
               </p:nvPr>
@@ -26779,7 +26977,7 @@
               <p:nvPr>
                 <p:extLst>
                   <p:ext uri="{D42A27DB-BD31-4B8C-83A1-F6EECF244321}">
-                    <p14:modId xmlns:p14="http://schemas.microsoft.com/office/powerpoint/2010/main" val="1887429976"/>
+                    <p14:modId xmlns:p14="http://schemas.microsoft.com/office/powerpoint/2010/main" val="915152792"/>
                   </p:ext>
                 </p:extLst>
               </p:nvPr>
@@ -27960,13 +28158,13 @@
               <p:nvPr>
                 <p:extLst>
                   <p:ext uri="{D42A27DB-BD31-4B8C-83A1-F6EECF244321}">
-                    <p14:modId xmlns:p14="http://schemas.microsoft.com/office/powerpoint/2010/main" val="461478031"/>
+                    <p14:modId xmlns:p14="http://schemas.microsoft.com/office/powerpoint/2010/main" val="2766870216"/>
                   </p:ext>
                 </p:extLst>
               </p:nvPr>
             </p:nvGraphicFramePr>
             <p:xfrm>
-              <a:off x="7052262" y="4256939"/>
+              <a:off x="9515443" y="4368800"/>
               <a:ext cx="2173701" cy="1006476"/>
             </p:xfrm>
             <a:graphic>
@@ -28705,13 +28903,13 @@
               <p:nvPr>
                 <p:extLst>
                   <p:ext uri="{D42A27DB-BD31-4B8C-83A1-F6EECF244321}">
-                    <p14:modId xmlns:p14="http://schemas.microsoft.com/office/powerpoint/2010/main" val="461478031"/>
+                    <p14:modId xmlns:p14="http://schemas.microsoft.com/office/powerpoint/2010/main" val="2766870216"/>
                   </p:ext>
                 </p:extLst>
               </p:nvPr>
             </p:nvGraphicFramePr>
             <p:xfrm>
-              <a:off x="7052262" y="4256939"/>
+              <a:off x="9515443" y="4368800"/>
               <a:ext cx="2173701" cy="1006476"/>
             </p:xfrm>
             <a:graphic>
@@ -28789,7 +28987,7 @@
                         <a:blipFill>
                           <a:blip r:embed="rId9"/>
                           <a:stretch>
-                            <a:fillRect l="-2000" t="-5455" r="-263000" b="-223636"/>
+                            <a:fillRect l="-2000" t="-3636" r="-263000" b="-225455"/>
                           </a:stretch>
                         </a:blipFill>
                       </a:tcPr>
@@ -28848,7 +29046,7 @@
                         <a:blipFill>
                           <a:blip r:embed="rId9"/>
                           <a:stretch>
-                            <a:fillRect l="-39535" t="-5455" r="-1938" b="-223636"/>
+                            <a:fillRect l="-39535" t="-3636" r="-1938" b="-225455"/>
                           </a:stretch>
                         </a:blipFill>
                       </a:tcPr>
@@ -28999,7 +29197,7 @@
                         <a:blipFill>
                           <a:blip r:embed="rId9"/>
                           <a:stretch>
-                            <a:fillRect l="-39535" t="-103571" r="-1938" b="-119643"/>
+                            <a:fillRect l="-39535" t="-101786" r="-1938" b="-121429"/>
                           </a:stretch>
                         </a:blipFill>
                       </a:tcPr>
@@ -29150,7 +29348,7 @@
                         <a:blipFill>
                           <a:blip r:embed="rId9"/>
                           <a:stretch>
-                            <a:fillRect l="-39535" t="-207273" r="-1938" b="-21818"/>
+                            <a:fillRect l="-39535" t="-205455" r="-1938" b="-23636"/>
                           </a:stretch>
                         </a:blipFill>
                       </a:tcPr>
@@ -29177,8 +29375,8 @@
         </p:nvSpPr>
         <p:spPr bwMode="auto">
           <a:xfrm>
-            <a:off x="892091" y="1600200"/>
-            <a:ext cx="2286000" cy="366713"/>
+            <a:off x="892090" y="1600200"/>
+            <a:ext cx="2934185" cy="369332"/>
           </a:xfrm>
           <a:prstGeom prst="rect">
             <a:avLst/>
@@ -29208,7 +29406,7 @@
           </a:extLst>
         </p:spPr>
         <p:txBody>
-          <a:bodyPr>
+          <a:bodyPr wrap="square">
             <a:spAutoFit/>
           </a:bodyPr>
           <a:lstStyle>
@@ -29325,11 +29523,11 @@
               </a:spcBef>
             </a:pPr>
             <a:r>
-              <a:rPr lang="en-US" sz="1800">
+              <a:rPr lang="en-US" sz="1800" dirty="0">
                 <a:latin typeface="Calibri"/>
                 <a:cs typeface="Calibri"/>
               </a:rPr>
-              <a:t>Umbrella = leave</a:t>
+              <a:t>Action: Umbrella = leave</a:t>
             </a:r>
           </a:p>
         </p:txBody>
@@ -29345,7 +29543,7 @@
         <p:spPr bwMode="auto">
           <a:xfrm>
             <a:off x="892091" y="3429000"/>
-            <a:ext cx="2286000" cy="366713"/>
+            <a:ext cx="2743200" cy="369332"/>
           </a:xfrm>
           <a:prstGeom prst="rect">
             <a:avLst/>
@@ -29375,7 +29573,7 @@
           </a:extLst>
         </p:spPr>
         <p:txBody>
-          <a:bodyPr>
+          <a:bodyPr wrap="square">
             <a:spAutoFit/>
           </a:bodyPr>
           <a:lstStyle>
@@ -29492,11 +29690,11 @@
               </a:spcBef>
             </a:pPr>
             <a:r>
-              <a:rPr lang="en-US" sz="1800">
+              <a:rPr lang="en-US" sz="1800" dirty="0">
                 <a:latin typeface="Calibri"/>
                 <a:cs typeface="Calibri"/>
               </a:rPr>
-              <a:t>Umbrella = take</a:t>
+              <a:t>Action: Umbrella = take</a:t>
             </a:r>
           </a:p>
         </p:txBody>
@@ -29958,6 +30156,1328 @@
           </a:extLst>
         </p:spPr>
       </p:pic>
+      <p:sp>
+        <p:nvSpPr>
+          <p:cNvPr id="2" name="Speech Bubble: Rectangle with Corners Rounded 1">
+            <a:extLst>
+              <a:ext uri="{FF2B5EF4-FFF2-40B4-BE49-F238E27FC236}">
+                <a16:creationId xmlns:a16="http://schemas.microsoft.com/office/drawing/2014/main" id="{53984A83-7B10-45EA-65D5-44C9528C84C5}"/>
+              </a:ext>
+            </a:extLst>
+          </p:cNvPr>
+          <p:cNvSpPr/>
+          <p:nvPr/>
+        </p:nvSpPr>
+        <p:spPr>
+          <a:xfrm>
+            <a:off x="7420870" y="5652351"/>
+            <a:ext cx="2404533" cy="917782"/>
+          </a:xfrm>
+          <a:prstGeom prst="wedgeRoundRectCallout">
+            <a:avLst>
+              <a:gd name="adj1" fmla="val -76889"/>
+              <a:gd name="adj2" fmla="val -111717"/>
+              <a:gd name="adj3" fmla="val 16667"/>
+            </a:avLst>
+          </a:prstGeom>
+        </p:spPr>
+        <p:style>
+          <a:lnRef idx="2">
+            <a:schemeClr val="accent6">
+              <a:shade val="15000"/>
+            </a:schemeClr>
+          </a:lnRef>
+          <a:fillRef idx="1">
+            <a:schemeClr val="accent6"/>
+          </a:fillRef>
+          <a:effectRef idx="0">
+            <a:schemeClr val="accent6"/>
+          </a:effectRef>
+          <a:fontRef idx="minor">
+            <a:schemeClr val="lt1"/>
+          </a:fontRef>
+        </p:style>
+        <p:txBody>
+          <a:bodyPr rtlCol="0" anchor="ctr"/>
+          <a:lstStyle/>
+          <a:p>
+            <a:pPr algn="ctr"/>
+            <a:r>
+              <a:rPr lang="en-US" dirty="0"/>
+              <a:t>A bad forecast increases the probability of rain!</a:t>
+            </a:r>
+          </a:p>
+        </p:txBody>
+      </p:sp>
+      <p:cxnSp>
+        <p:nvCxnSpPr>
+          <p:cNvPr id="4" name="Straight Arrow Connector 3">
+            <a:extLst>
+              <a:ext uri="{FF2B5EF4-FFF2-40B4-BE49-F238E27FC236}">
+                <a16:creationId xmlns:a16="http://schemas.microsoft.com/office/drawing/2014/main" id="{AB6B6967-700E-E260-7C00-3281ECE1D610}"/>
+              </a:ext>
+            </a:extLst>
+          </p:cNvPr>
+          <p:cNvCxnSpPr/>
+          <p:nvPr/>
+        </p:nvCxnSpPr>
+        <p:spPr>
+          <a:xfrm flipV="1">
+            <a:off x="6698827" y="4129088"/>
+            <a:ext cx="0" cy="1066059"/>
+          </a:xfrm>
+          <a:prstGeom prst="straightConnector1">
+            <a:avLst/>
+          </a:prstGeom>
+          <a:ln>
+            <a:prstDash val="sysDash"/>
+            <a:headEnd type="none" w="med" len="med"/>
+            <a:tailEnd type="triangle" w="med" len="med"/>
+          </a:ln>
+        </p:spPr>
+        <p:style>
+          <a:lnRef idx="3">
+            <a:schemeClr val="accent6"/>
+          </a:lnRef>
+          <a:fillRef idx="0">
+            <a:schemeClr val="accent6"/>
+          </a:fillRef>
+          <a:effectRef idx="2">
+            <a:schemeClr val="accent6"/>
+          </a:effectRef>
+          <a:fontRef idx="minor">
+            <a:schemeClr val="tx1"/>
+          </a:fontRef>
+        </p:style>
+      </p:cxnSp>
+      <mc:AlternateContent xmlns:mc="http://schemas.openxmlformats.org/markup-compatibility/2006">
+        <mc:Choice xmlns:a14="http://schemas.microsoft.com/office/drawing/2010/main" Requires="a14">
+          <p:graphicFrame>
+            <p:nvGraphicFramePr>
+              <p:cNvPr id="7" name="Group 10">
+                <a:extLst>
+                  <a:ext uri="{FF2B5EF4-FFF2-40B4-BE49-F238E27FC236}">
+                    <a16:creationId xmlns:a16="http://schemas.microsoft.com/office/drawing/2014/main" id="{F45CB850-71B5-FCF7-8A08-8631CB930A59}"/>
+                  </a:ext>
+                </a:extLst>
+              </p:cNvPr>
+              <p:cNvGraphicFramePr>
+                <a:graphicFrameLocks noGrp="1"/>
+              </p:cNvGraphicFramePr>
+              <p:nvPr>
+                <p:extLst>
+                  <p:ext uri="{D42A27DB-BD31-4B8C-83A1-F6EECF244321}">
+                    <p14:modId xmlns:p14="http://schemas.microsoft.com/office/powerpoint/2010/main" val="2940884462"/>
+                  </p:ext>
+                </p:extLst>
+              </p:nvPr>
+            </p:nvGraphicFramePr>
+            <p:xfrm>
+              <a:off x="7310013" y="4369364"/>
+              <a:ext cx="1539844" cy="1005912"/>
+            </p:xfrm>
+            <a:graphic>
+              <a:graphicData uri="http://schemas.openxmlformats.org/drawingml/2006/table">
+                <a:tbl>
+                  <a:tblPr/>
+                  <a:tblGrid>
+                    <a:gridCol w="769922">
+                      <a:extLst>
+                        <a:ext uri="{9D8B030D-6E8A-4147-A177-3AD203B41FA5}">
+                          <a16:colId xmlns:a16="http://schemas.microsoft.com/office/drawing/2014/main" val="20000"/>
+                        </a:ext>
+                      </a:extLst>
+                    </a:gridCol>
+                    <a:gridCol w="769922">
+                      <a:extLst>
+                        <a:ext uri="{9D8B030D-6E8A-4147-A177-3AD203B41FA5}">
+                          <a16:colId xmlns:a16="http://schemas.microsoft.com/office/drawing/2014/main" val="20001"/>
+                        </a:ext>
+                      </a:extLst>
+                    </a:gridCol>
+                  </a:tblGrid>
+                  <a:tr h="294746">
+                    <a:tc>
+                      <a:txBody>
+                        <a:bodyPr/>
+                        <a:lstStyle/>
+                        <a:p>
+                          <a:pPr marL="0" marR="0" lvl="0" indent="0" algn="ctr" defTabSz="914400" rtl="0" eaLnBrk="1" fontAlgn="base" latinLnBrk="0" hangingPunct="1">
+                            <a:lnSpc>
+                              <a:spcPct val="100000"/>
+                            </a:lnSpc>
+                            <a:spcBef>
+                              <a:spcPct val="20000"/>
+                            </a:spcBef>
+                            <a:spcAft>
+                              <a:spcPct val="0"/>
+                            </a:spcAft>
+                            <a:buClr>
+                              <a:schemeClr val="accent2"/>
+                            </a:buClr>
+                            <a:buSzTx/>
+                            <a:buFont typeface="Wingdings" pitchFamily="2" charset="2"/>
+                            <a:buNone/>
+                            <a:tabLst/>
+                          </a:pPr>
+                          <a14:m>
+                            <m:oMathPara xmlns:m="http://schemas.openxmlformats.org/officeDocument/2006/math">
+                              <m:oMathParaPr>
+                                <m:jc m:val="centerGroup"/>
+                              </m:oMathParaPr>
+                              <m:oMath xmlns:m="http://schemas.openxmlformats.org/officeDocument/2006/math">
+                                <m:r>
+                                  <a:rPr kumimoji="0" lang="en-US" sz="1600" b="0" i="1" u="none" strike="noStrike" cap="none" normalizeH="0" baseline="0" dirty="0" smtClean="0">
+                                    <a:ln>
+                                      <a:noFill/>
+                                    </a:ln>
+                                    <a:solidFill>
+                                      <a:schemeClr val="accent2"/>
+                                    </a:solidFill>
+                                    <a:effectLst/>
+                                    <a:latin typeface="Cambria Math" panose="02040503050406030204" pitchFamily="18" charset="0"/>
+                                    <a:cs typeface="Calibri" pitchFamily="34" charset="0"/>
+                                  </a:rPr>
+                                  <m:t>𝑊</m:t>
+                                </m:r>
+                              </m:oMath>
+                            </m:oMathPara>
+                          </a14:m>
+                          <a:endParaRPr kumimoji="0" lang="en-US" sz="1600" b="0" i="0" u="none" strike="noStrike" cap="none" normalizeH="0" baseline="0" dirty="0">
+                            <a:ln>
+                              <a:noFill/>
+                            </a:ln>
+                            <a:solidFill>
+                              <a:schemeClr val="accent2"/>
+                            </a:solidFill>
+                            <a:effectLst/>
+                            <a:latin typeface="Calibri" pitchFamily="34" charset="0"/>
+                            <a:cs typeface="Calibri" pitchFamily="34" charset="0"/>
+                          </a:endParaRPr>
+                        </a:p>
+                      </a:txBody>
+                      <a:tcPr marT="45732" marB="45732" horzOverflow="overflow">
+                        <a:lnL w="28575" cap="flat" cmpd="sng" algn="ctr">
+                          <a:solidFill>
+                            <a:schemeClr val="tx1"/>
+                          </a:solidFill>
+                          <a:prstDash val="solid"/>
+                          <a:round/>
+                          <a:headEnd type="none" w="med" len="med"/>
+                          <a:tailEnd type="none" w="med" len="med"/>
+                        </a:lnL>
+                        <a:lnR w="12700" cap="flat" cmpd="sng" algn="ctr">
+                          <a:solidFill>
+                            <a:schemeClr val="tx1"/>
+                          </a:solidFill>
+                          <a:prstDash val="solid"/>
+                          <a:round/>
+                          <a:headEnd type="none" w="med" len="med"/>
+                          <a:tailEnd type="none" w="med" len="med"/>
+                        </a:lnR>
+                        <a:lnT w="28575" cap="flat" cmpd="sng" algn="ctr">
+                          <a:solidFill>
+                            <a:schemeClr val="tx1"/>
+                          </a:solidFill>
+                          <a:prstDash val="solid"/>
+                          <a:round/>
+                          <a:headEnd type="none" w="med" len="med"/>
+                          <a:tailEnd type="none" w="med" len="med"/>
+                        </a:lnT>
+                        <a:lnB w="28575" cap="flat" cmpd="sng" algn="ctr">
+                          <a:solidFill>
+                            <a:schemeClr val="tx1"/>
+                          </a:solidFill>
+                          <a:prstDash val="solid"/>
+                          <a:round/>
+                          <a:headEnd type="none" w="med" len="med"/>
+                          <a:tailEnd type="none" w="med" len="med"/>
+                        </a:lnB>
+                        <a:lnTlToBr>
+                          <a:noFill/>
+                        </a:lnTlToBr>
+                        <a:lnBlToTr>
+                          <a:noFill/>
+                        </a:lnBlToTr>
+                        <a:noFill/>
+                      </a:tcPr>
+                    </a:tc>
+                    <a:tc>
+                      <a:txBody>
+                        <a:bodyPr/>
+                        <a:lstStyle/>
+                        <a:p>
+                          <a:pPr marL="0" marR="0" lvl="0" indent="0" algn="ctr" defTabSz="914400" rtl="0" eaLnBrk="1" fontAlgn="base" latinLnBrk="0" hangingPunct="1">
+                            <a:lnSpc>
+                              <a:spcPct val="100000"/>
+                            </a:lnSpc>
+                            <a:spcBef>
+                              <a:spcPct val="20000"/>
+                            </a:spcBef>
+                            <a:spcAft>
+                              <a:spcPct val="0"/>
+                            </a:spcAft>
+                            <a:buClr>
+                              <a:schemeClr val="accent2"/>
+                            </a:buClr>
+                            <a:buSzTx/>
+                            <a:buFont typeface="Wingdings" pitchFamily="2" charset="2"/>
+                            <a:buNone/>
+                            <a:tabLst/>
+                          </a:pPr>
+                          <a14:m>
+                            <m:oMathPara xmlns:m="http://schemas.openxmlformats.org/officeDocument/2006/math">
+                              <m:oMathParaPr>
+                                <m:jc m:val="centerGroup"/>
+                              </m:oMathParaPr>
+                              <m:oMath xmlns:m="http://schemas.openxmlformats.org/officeDocument/2006/math">
+                                <m:r>
+                                  <a:rPr kumimoji="0" lang="en-US" sz="1600" b="0" i="1" u="none" strike="noStrike" cap="none" normalizeH="0" baseline="0" dirty="0" smtClean="0">
+                                    <a:ln>
+                                      <a:noFill/>
+                                    </a:ln>
+                                    <a:solidFill>
+                                      <a:schemeClr val="accent2"/>
+                                    </a:solidFill>
+                                    <a:effectLst/>
+                                    <a:latin typeface="Cambria Math" panose="02040503050406030204" pitchFamily="18" charset="0"/>
+                                    <a:cs typeface="Calibri" pitchFamily="34" charset="0"/>
+                                  </a:rPr>
+                                  <m:t>𝑃</m:t>
+                                </m:r>
+                                <m:r>
+                                  <a:rPr kumimoji="0" lang="en-US" sz="1600" b="0" i="1" u="none" strike="noStrike" cap="none" normalizeH="0" baseline="0" dirty="0" smtClean="0">
+                                    <a:ln>
+                                      <a:noFill/>
+                                    </a:ln>
+                                    <a:solidFill>
+                                      <a:schemeClr val="accent2"/>
+                                    </a:solidFill>
+                                    <a:effectLst/>
+                                    <a:latin typeface="Cambria Math" panose="02040503050406030204" pitchFamily="18" charset="0"/>
+                                    <a:cs typeface="Calibri" pitchFamily="34" charset="0"/>
+                                  </a:rPr>
+                                  <m:t>(</m:t>
+                                </m:r>
+                                <m:r>
+                                  <a:rPr kumimoji="0" lang="en-US" sz="1600" b="0" i="1" u="none" strike="noStrike" cap="none" normalizeH="0" baseline="0" dirty="0" smtClean="0">
+                                    <a:ln>
+                                      <a:noFill/>
+                                    </a:ln>
+                                    <a:solidFill>
+                                      <a:schemeClr val="accent2"/>
+                                    </a:solidFill>
+                                    <a:effectLst/>
+                                    <a:latin typeface="Cambria Math" panose="02040503050406030204" pitchFamily="18" charset="0"/>
+                                    <a:cs typeface="Calibri" pitchFamily="34" charset="0"/>
+                                  </a:rPr>
+                                  <m:t>𝑊</m:t>
+                                </m:r>
+                                <m:r>
+                                  <a:rPr kumimoji="0" lang="en-US" sz="1600" b="0" i="1" u="none" strike="noStrike" cap="none" normalizeH="0" baseline="0" dirty="0" smtClean="0">
+                                    <a:ln>
+                                      <a:noFill/>
+                                    </a:ln>
+                                    <a:solidFill>
+                                      <a:schemeClr val="accent2"/>
+                                    </a:solidFill>
+                                    <a:effectLst/>
+                                    <a:latin typeface="Cambria Math" panose="02040503050406030204" pitchFamily="18" charset="0"/>
+                                    <a:cs typeface="Calibri" pitchFamily="34" charset="0"/>
+                                  </a:rPr>
+                                  <m:t>)</m:t>
+                                </m:r>
+                              </m:oMath>
+                            </m:oMathPara>
+                          </a14:m>
+                          <a:endParaRPr kumimoji="0" lang="en-US" sz="1600" b="0" i="0" u="none" strike="noStrike" cap="none" normalizeH="0" baseline="0" dirty="0">
+                            <a:ln>
+                              <a:noFill/>
+                            </a:ln>
+                            <a:solidFill>
+                              <a:schemeClr val="accent2"/>
+                            </a:solidFill>
+                            <a:effectLst/>
+                            <a:latin typeface="Calibri" pitchFamily="34" charset="0"/>
+                            <a:cs typeface="Calibri" pitchFamily="34" charset="0"/>
+                          </a:endParaRPr>
+                        </a:p>
+                      </a:txBody>
+                      <a:tcPr marT="45732" marB="45732" horzOverflow="overflow">
+                        <a:lnL w="12700" cap="flat" cmpd="sng" algn="ctr">
+                          <a:solidFill>
+                            <a:schemeClr val="tx1"/>
+                          </a:solidFill>
+                          <a:prstDash val="solid"/>
+                          <a:round/>
+                          <a:headEnd type="none" w="med" len="med"/>
+                          <a:tailEnd type="none" w="med" len="med"/>
+                        </a:lnL>
+                        <a:lnR w="28575" cap="flat" cmpd="sng" algn="ctr">
+                          <a:solidFill>
+                            <a:schemeClr val="tx1"/>
+                          </a:solidFill>
+                          <a:prstDash val="solid"/>
+                          <a:round/>
+                          <a:headEnd type="none" w="med" len="med"/>
+                          <a:tailEnd type="none" w="med" len="med"/>
+                        </a:lnR>
+                        <a:lnT w="28575" cap="flat" cmpd="sng" algn="ctr">
+                          <a:solidFill>
+                            <a:schemeClr val="tx1"/>
+                          </a:solidFill>
+                          <a:prstDash val="solid"/>
+                          <a:round/>
+                          <a:headEnd type="none" w="med" len="med"/>
+                          <a:tailEnd type="none" w="med" len="med"/>
+                        </a:lnT>
+                        <a:lnB w="28575" cap="flat" cmpd="sng" algn="ctr">
+                          <a:solidFill>
+                            <a:schemeClr val="tx1"/>
+                          </a:solidFill>
+                          <a:prstDash val="solid"/>
+                          <a:round/>
+                          <a:headEnd type="none" w="med" len="med"/>
+                          <a:tailEnd type="none" w="med" len="med"/>
+                        </a:lnB>
+                        <a:lnTlToBr>
+                          <a:noFill/>
+                        </a:lnTlToBr>
+                        <a:lnBlToTr>
+                          <a:noFill/>
+                        </a:lnBlToTr>
+                        <a:noFill/>
+                      </a:tcPr>
+                    </a:tc>
+                    <a:extLst>
+                      <a:ext uri="{0D108BD9-81ED-4DB2-BD59-A6C34878D82A}">
+                        <a16:rowId xmlns:a16="http://schemas.microsoft.com/office/drawing/2014/main" val="10000"/>
+                      </a:ext>
+                    </a:extLst>
+                  </a:tr>
+                  <a:tr h="294746">
+                    <a:tc>
+                      <a:txBody>
+                        <a:bodyPr/>
+                        <a:lstStyle/>
+                        <a:p>
+                          <a:pPr marL="0" marR="0" lvl="0" indent="0" algn="ctr" defTabSz="914400" rtl="0" eaLnBrk="1" fontAlgn="base" latinLnBrk="0" hangingPunct="1">
+                            <a:lnSpc>
+                              <a:spcPct val="100000"/>
+                            </a:lnSpc>
+                            <a:spcBef>
+                              <a:spcPct val="20000"/>
+                            </a:spcBef>
+                            <a:spcAft>
+                              <a:spcPct val="0"/>
+                            </a:spcAft>
+                            <a:buClr>
+                              <a:schemeClr val="accent2"/>
+                            </a:buClr>
+                            <a:buSzTx/>
+                            <a:buFont typeface="Wingdings" pitchFamily="2" charset="2"/>
+                            <a:buNone/>
+                            <a:tabLst/>
+                          </a:pPr>
+                          <a:r>
+                            <a:rPr kumimoji="0" lang="en-US" sz="1600" b="0" i="0" u="none" strike="noStrike" cap="none" normalizeH="0" baseline="0" dirty="0">
+                              <a:ln>
+                                <a:noFill/>
+                              </a:ln>
+                              <a:solidFill>
+                                <a:schemeClr val="accent2"/>
+                              </a:solidFill>
+                              <a:effectLst/>
+                              <a:latin typeface="Calibri" pitchFamily="34" charset="0"/>
+                              <a:cs typeface="Calibri" pitchFamily="34" charset="0"/>
+                            </a:rPr>
+                            <a:t>sun</a:t>
+                          </a:r>
+                        </a:p>
+                      </a:txBody>
+                      <a:tcPr marT="45732" marB="45732" horzOverflow="overflow">
+                        <a:lnL w="28575" cap="flat" cmpd="sng" algn="ctr">
+                          <a:solidFill>
+                            <a:schemeClr val="tx1"/>
+                          </a:solidFill>
+                          <a:prstDash val="solid"/>
+                          <a:round/>
+                          <a:headEnd type="none" w="med" len="med"/>
+                          <a:tailEnd type="none" w="med" len="med"/>
+                        </a:lnL>
+                        <a:lnR w="12700" cap="flat" cmpd="sng" algn="ctr">
+                          <a:solidFill>
+                            <a:schemeClr val="tx1"/>
+                          </a:solidFill>
+                          <a:prstDash val="solid"/>
+                          <a:round/>
+                          <a:headEnd type="none" w="med" len="med"/>
+                          <a:tailEnd type="none" w="med" len="med"/>
+                        </a:lnR>
+                        <a:lnT w="28575" cap="flat" cmpd="sng" algn="ctr">
+                          <a:solidFill>
+                            <a:schemeClr val="tx1"/>
+                          </a:solidFill>
+                          <a:prstDash val="solid"/>
+                          <a:round/>
+                          <a:headEnd type="none" w="med" len="med"/>
+                          <a:tailEnd type="none" w="med" len="med"/>
+                        </a:lnT>
+                        <a:lnB w="12700" cap="flat" cmpd="sng" algn="ctr">
+                          <a:solidFill>
+                            <a:schemeClr val="tx1"/>
+                          </a:solidFill>
+                          <a:prstDash val="solid"/>
+                          <a:round/>
+                          <a:headEnd type="none" w="med" len="med"/>
+                          <a:tailEnd type="none" w="med" len="med"/>
+                        </a:lnB>
+                        <a:lnTlToBr>
+                          <a:noFill/>
+                        </a:lnTlToBr>
+                        <a:lnBlToTr>
+                          <a:noFill/>
+                        </a:lnBlToTr>
+                        <a:noFill/>
+                      </a:tcPr>
+                    </a:tc>
+                    <a:tc>
+                      <a:txBody>
+                        <a:bodyPr/>
+                        <a:lstStyle/>
+                        <a:p>
+                          <a:pPr marL="0" marR="0" lvl="0" indent="0" algn="ctr" defTabSz="914400" rtl="0" eaLnBrk="1" fontAlgn="base" latinLnBrk="0" hangingPunct="1">
+                            <a:lnSpc>
+                              <a:spcPct val="100000"/>
+                            </a:lnSpc>
+                            <a:spcBef>
+                              <a:spcPct val="20000"/>
+                            </a:spcBef>
+                            <a:spcAft>
+                              <a:spcPct val="0"/>
+                            </a:spcAft>
+                            <a:buClr>
+                              <a:schemeClr val="accent2"/>
+                            </a:buClr>
+                            <a:buSzTx/>
+                            <a:buFont typeface="Wingdings" pitchFamily="2" charset="2"/>
+                            <a:buNone/>
+                            <a:tabLst/>
+                          </a:pPr>
+                          <a14:m>
+                            <m:oMathPara xmlns:m="http://schemas.openxmlformats.org/officeDocument/2006/math">
+                              <m:oMathParaPr>
+                                <m:jc m:val="centerGroup"/>
+                              </m:oMathParaPr>
+                              <m:oMath xmlns:m="http://schemas.openxmlformats.org/officeDocument/2006/math">
+                                <m:r>
+                                  <a:rPr kumimoji="0" lang="en-US" sz="1600" b="0" i="1" u="none" strike="noStrike" cap="none" normalizeH="0" baseline="0" dirty="0" smtClean="0">
+                                    <a:ln>
+                                      <a:noFill/>
+                                    </a:ln>
+                                    <a:solidFill>
+                                      <a:schemeClr val="accent2"/>
+                                    </a:solidFill>
+                                    <a:effectLst/>
+                                    <a:latin typeface="Cambria Math" panose="02040503050406030204" pitchFamily="18" charset="0"/>
+                                    <a:cs typeface="Calibri" pitchFamily="34" charset="0"/>
+                                  </a:rPr>
+                                  <m:t>0.7</m:t>
+                                </m:r>
+                              </m:oMath>
+                            </m:oMathPara>
+                          </a14:m>
+                          <a:endParaRPr kumimoji="0" lang="en-US" sz="1600" b="0" i="0" u="none" strike="noStrike" cap="none" normalizeH="0" baseline="0" dirty="0">
+                            <a:ln>
+                              <a:noFill/>
+                            </a:ln>
+                            <a:solidFill>
+                              <a:schemeClr val="accent2"/>
+                            </a:solidFill>
+                            <a:effectLst/>
+                            <a:latin typeface="Calibri" pitchFamily="34" charset="0"/>
+                            <a:cs typeface="Calibri" pitchFamily="34" charset="0"/>
+                          </a:endParaRPr>
+                        </a:p>
+                      </a:txBody>
+                      <a:tcPr marT="45732" marB="45732" horzOverflow="overflow">
+                        <a:lnL w="12700" cap="flat" cmpd="sng" algn="ctr">
+                          <a:solidFill>
+                            <a:schemeClr val="tx1"/>
+                          </a:solidFill>
+                          <a:prstDash val="solid"/>
+                          <a:round/>
+                          <a:headEnd type="none" w="med" len="med"/>
+                          <a:tailEnd type="none" w="med" len="med"/>
+                        </a:lnL>
+                        <a:lnR w="28575" cap="flat" cmpd="sng" algn="ctr">
+                          <a:solidFill>
+                            <a:schemeClr val="tx1"/>
+                          </a:solidFill>
+                          <a:prstDash val="solid"/>
+                          <a:round/>
+                          <a:headEnd type="none" w="med" len="med"/>
+                          <a:tailEnd type="none" w="med" len="med"/>
+                        </a:lnR>
+                        <a:lnT w="28575" cap="flat" cmpd="sng" algn="ctr">
+                          <a:solidFill>
+                            <a:schemeClr val="tx1"/>
+                          </a:solidFill>
+                          <a:prstDash val="solid"/>
+                          <a:round/>
+                          <a:headEnd type="none" w="med" len="med"/>
+                          <a:tailEnd type="none" w="med" len="med"/>
+                        </a:lnT>
+                        <a:lnB w="12700" cap="flat" cmpd="sng" algn="ctr">
+                          <a:solidFill>
+                            <a:schemeClr val="tx1"/>
+                          </a:solidFill>
+                          <a:prstDash val="solid"/>
+                          <a:round/>
+                          <a:headEnd type="none" w="med" len="med"/>
+                          <a:tailEnd type="none" w="med" len="med"/>
+                        </a:lnB>
+                        <a:lnTlToBr>
+                          <a:noFill/>
+                        </a:lnTlToBr>
+                        <a:lnBlToTr>
+                          <a:noFill/>
+                        </a:lnBlToTr>
+                        <a:noFill/>
+                      </a:tcPr>
+                    </a:tc>
+                    <a:extLst>
+                      <a:ext uri="{0D108BD9-81ED-4DB2-BD59-A6C34878D82A}">
+                        <a16:rowId xmlns:a16="http://schemas.microsoft.com/office/drawing/2014/main" val="10001"/>
+                      </a:ext>
+                    </a:extLst>
+                  </a:tr>
+                  <a:tr h="294746">
+                    <a:tc>
+                      <a:txBody>
+                        <a:bodyPr/>
+                        <a:lstStyle/>
+                        <a:p>
+                          <a:pPr marL="0" marR="0" lvl="0" indent="0" algn="ctr" defTabSz="914400" rtl="0" eaLnBrk="1" fontAlgn="base" latinLnBrk="0" hangingPunct="1">
+                            <a:lnSpc>
+                              <a:spcPct val="100000"/>
+                            </a:lnSpc>
+                            <a:spcBef>
+                              <a:spcPct val="20000"/>
+                            </a:spcBef>
+                            <a:spcAft>
+                              <a:spcPct val="0"/>
+                            </a:spcAft>
+                            <a:buClr>
+                              <a:schemeClr val="accent2"/>
+                            </a:buClr>
+                            <a:buSzTx/>
+                            <a:buFont typeface="Wingdings" pitchFamily="2" charset="2"/>
+                            <a:buNone/>
+                            <a:tabLst/>
+                          </a:pPr>
+                          <a:r>
+                            <a:rPr kumimoji="0" lang="en-US" sz="1600" b="0" i="0" u="none" strike="noStrike" cap="none" normalizeH="0" baseline="0" dirty="0">
+                              <a:ln>
+                                <a:noFill/>
+                              </a:ln>
+                              <a:solidFill>
+                                <a:schemeClr val="accent2"/>
+                              </a:solidFill>
+                              <a:effectLst/>
+                              <a:latin typeface="Calibri" pitchFamily="34" charset="0"/>
+                              <a:cs typeface="Calibri" pitchFamily="34" charset="0"/>
+                            </a:rPr>
+                            <a:t>rain</a:t>
+                          </a:r>
+                        </a:p>
+                      </a:txBody>
+                      <a:tcPr marT="45732" marB="45732" horzOverflow="overflow">
+                        <a:lnL w="28575" cap="flat" cmpd="sng" algn="ctr">
+                          <a:solidFill>
+                            <a:schemeClr val="tx1"/>
+                          </a:solidFill>
+                          <a:prstDash val="solid"/>
+                          <a:round/>
+                          <a:headEnd type="none" w="med" len="med"/>
+                          <a:tailEnd type="none" w="med" len="med"/>
+                        </a:lnL>
+                        <a:lnR w="12700" cap="flat" cmpd="sng" algn="ctr">
+                          <a:solidFill>
+                            <a:schemeClr val="tx1"/>
+                          </a:solidFill>
+                          <a:prstDash val="solid"/>
+                          <a:round/>
+                          <a:headEnd type="none" w="med" len="med"/>
+                          <a:tailEnd type="none" w="med" len="med"/>
+                        </a:lnR>
+                        <a:lnT w="12700" cap="flat" cmpd="sng" algn="ctr">
+                          <a:solidFill>
+                            <a:schemeClr val="tx1"/>
+                          </a:solidFill>
+                          <a:prstDash val="solid"/>
+                          <a:round/>
+                          <a:headEnd type="none" w="med" len="med"/>
+                          <a:tailEnd type="none" w="med" len="med"/>
+                        </a:lnT>
+                        <a:lnB w="28575" cap="flat" cmpd="sng" algn="ctr">
+                          <a:solidFill>
+                            <a:schemeClr val="tx1"/>
+                          </a:solidFill>
+                          <a:prstDash val="solid"/>
+                          <a:round/>
+                          <a:headEnd type="none" w="med" len="med"/>
+                          <a:tailEnd type="none" w="med" len="med"/>
+                        </a:lnB>
+                        <a:lnTlToBr>
+                          <a:noFill/>
+                        </a:lnTlToBr>
+                        <a:lnBlToTr>
+                          <a:noFill/>
+                        </a:lnBlToTr>
+                        <a:noFill/>
+                      </a:tcPr>
+                    </a:tc>
+                    <a:tc>
+                      <a:txBody>
+                        <a:bodyPr/>
+                        <a:lstStyle/>
+                        <a:p>
+                          <a:pPr marL="0" marR="0" lvl="0" indent="0" algn="ctr" defTabSz="914400" rtl="0" eaLnBrk="1" fontAlgn="base" latinLnBrk="0" hangingPunct="1">
+                            <a:lnSpc>
+                              <a:spcPct val="100000"/>
+                            </a:lnSpc>
+                            <a:spcBef>
+                              <a:spcPct val="20000"/>
+                            </a:spcBef>
+                            <a:spcAft>
+                              <a:spcPct val="0"/>
+                            </a:spcAft>
+                            <a:buClr>
+                              <a:schemeClr val="accent2"/>
+                            </a:buClr>
+                            <a:buSzTx/>
+                            <a:buFont typeface="Wingdings" pitchFamily="2" charset="2"/>
+                            <a:buNone/>
+                            <a:tabLst/>
+                          </a:pPr>
+                          <a14:m>
+                            <m:oMathPara xmlns:m="http://schemas.openxmlformats.org/officeDocument/2006/math">
+                              <m:oMathParaPr>
+                                <m:jc m:val="centerGroup"/>
+                              </m:oMathParaPr>
+                              <m:oMath xmlns:m="http://schemas.openxmlformats.org/officeDocument/2006/math">
+                                <m:r>
+                                  <a:rPr kumimoji="0" lang="en-US" sz="1600" b="0" i="1" u="none" strike="noStrike" cap="none" normalizeH="0" baseline="0" dirty="0" smtClean="0">
+                                    <a:ln>
+                                      <a:noFill/>
+                                    </a:ln>
+                                    <a:solidFill>
+                                      <a:schemeClr val="accent2"/>
+                                    </a:solidFill>
+                                    <a:effectLst/>
+                                    <a:latin typeface="Cambria Math" panose="02040503050406030204" pitchFamily="18" charset="0"/>
+                                    <a:cs typeface="Calibri" pitchFamily="34" charset="0"/>
+                                  </a:rPr>
+                                  <m:t>0.3</m:t>
+                                </m:r>
+                              </m:oMath>
+                            </m:oMathPara>
+                          </a14:m>
+                          <a:endParaRPr kumimoji="0" lang="en-US" sz="1600" b="0" i="0" u="none" strike="noStrike" cap="none" normalizeH="0" baseline="0" dirty="0">
+                            <a:ln>
+                              <a:noFill/>
+                            </a:ln>
+                            <a:solidFill>
+                              <a:schemeClr val="accent2"/>
+                            </a:solidFill>
+                            <a:effectLst/>
+                            <a:latin typeface="Calibri" pitchFamily="34" charset="0"/>
+                            <a:cs typeface="Calibri" pitchFamily="34" charset="0"/>
+                          </a:endParaRPr>
+                        </a:p>
+                      </a:txBody>
+                      <a:tcPr marT="45732" marB="45732" horzOverflow="overflow">
+                        <a:lnL w="12700" cap="flat" cmpd="sng" algn="ctr">
+                          <a:solidFill>
+                            <a:schemeClr val="tx1"/>
+                          </a:solidFill>
+                          <a:prstDash val="solid"/>
+                          <a:round/>
+                          <a:headEnd type="none" w="med" len="med"/>
+                          <a:tailEnd type="none" w="med" len="med"/>
+                        </a:lnL>
+                        <a:lnR w="28575" cap="flat" cmpd="sng" algn="ctr">
+                          <a:solidFill>
+                            <a:schemeClr val="tx1"/>
+                          </a:solidFill>
+                          <a:prstDash val="solid"/>
+                          <a:round/>
+                          <a:headEnd type="none" w="med" len="med"/>
+                          <a:tailEnd type="none" w="med" len="med"/>
+                        </a:lnR>
+                        <a:lnT w="12700" cap="flat" cmpd="sng" algn="ctr">
+                          <a:solidFill>
+                            <a:schemeClr val="tx1"/>
+                          </a:solidFill>
+                          <a:prstDash val="solid"/>
+                          <a:round/>
+                          <a:headEnd type="none" w="med" len="med"/>
+                          <a:tailEnd type="none" w="med" len="med"/>
+                        </a:lnT>
+                        <a:lnB w="28575" cap="flat" cmpd="sng" algn="ctr">
+                          <a:solidFill>
+                            <a:schemeClr val="tx1"/>
+                          </a:solidFill>
+                          <a:prstDash val="solid"/>
+                          <a:round/>
+                          <a:headEnd type="none" w="med" len="med"/>
+                          <a:tailEnd type="none" w="med" len="med"/>
+                        </a:lnB>
+                        <a:lnTlToBr>
+                          <a:noFill/>
+                        </a:lnTlToBr>
+                        <a:lnBlToTr>
+                          <a:noFill/>
+                        </a:lnBlToTr>
+                        <a:noFill/>
+                      </a:tcPr>
+                    </a:tc>
+                    <a:extLst>
+                      <a:ext uri="{0D108BD9-81ED-4DB2-BD59-A6C34878D82A}">
+                        <a16:rowId xmlns:a16="http://schemas.microsoft.com/office/drawing/2014/main" val="10002"/>
+                      </a:ext>
+                    </a:extLst>
+                  </a:tr>
+                </a:tbl>
+              </a:graphicData>
+            </a:graphic>
+          </p:graphicFrame>
+        </mc:Choice>
+        <mc:Fallback>
+          <p:graphicFrame>
+            <p:nvGraphicFramePr>
+              <p:cNvPr id="7" name="Group 10">
+                <a:extLst>
+                  <a:ext uri="{FF2B5EF4-FFF2-40B4-BE49-F238E27FC236}">
+                    <a16:creationId xmlns:a16="http://schemas.microsoft.com/office/drawing/2014/main" id="{F45CB850-71B5-FCF7-8A08-8631CB930A59}"/>
+                  </a:ext>
+                </a:extLst>
+              </p:cNvPr>
+              <p:cNvGraphicFramePr>
+                <a:graphicFrameLocks noGrp="1"/>
+              </p:cNvGraphicFramePr>
+              <p:nvPr>
+                <p:extLst>
+                  <p:ext uri="{D42A27DB-BD31-4B8C-83A1-F6EECF244321}">
+                    <p14:modId xmlns:p14="http://schemas.microsoft.com/office/powerpoint/2010/main" val="2940884462"/>
+                  </p:ext>
+                </p:extLst>
+              </p:nvPr>
+            </p:nvGraphicFramePr>
+            <p:xfrm>
+              <a:off x="7310013" y="4369364"/>
+              <a:ext cx="1539844" cy="1005912"/>
+            </p:xfrm>
+            <a:graphic>
+              <a:graphicData uri="http://schemas.openxmlformats.org/drawingml/2006/table">
+                <a:tbl>
+                  <a:tblPr/>
+                  <a:tblGrid>
+                    <a:gridCol w="769922">
+                      <a:extLst>
+                        <a:ext uri="{9D8B030D-6E8A-4147-A177-3AD203B41FA5}">
+                          <a16:colId xmlns:a16="http://schemas.microsoft.com/office/drawing/2014/main" val="20000"/>
+                        </a:ext>
+                      </a:extLst>
+                    </a:gridCol>
+                    <a:gridCol w="769922">
+                      <a:extLst>
+                        <a:ext uri="{9D8B030D-6E8A-4147-A177-3AD203B41FA5}">
+                          <a16:colId xmlns:a16="http://schemas.microsoft.com/office/drawing/2014/main" val="20001"/>
+                        </a:ext>
+                      </a:extLst>
+                    </a:gridCol>
+                  </a:tblGrid>
+                  <a:tr h="335304">
+                    <a:tc>
+                      <a:txBody>
+                        <a:bodyPr/>
+                        <a:lstStyle/>
+                        <a:p>
+                          <a:endParaRPr lang="en-US"/>
+                        </a:p>
+                      </a:txBody>
+                      <a:tcPr marT="45732" marB="45732" horzOverflow="overflow">
+                        <a:lnL w="28575" cap="flat" cmpd="sng" algn="ctr">
+                          <a:solidFill>
+                            <a:schemeClr val="tx1"/>
+                          </a:solidFill>
+                          <a:prstDash val="solid"/>
+                          <a:round/>
+                          <a:headEnd type="none" w="med" len="med"/>
+                          <a:tailEnd type="none" w="med" len="med"/>
+                        </a:lnL>
+                        <a:lnR w="12700" cap="flat" cmpd="sng" algn="ctr">
+                          <a:solidFill>
+                            <a:schemeClr val="tx1"/>
+                          </a:solidFill>
+                          <a:prstDash val="solid"/>
+                          <a:round/>
+                          <a:headEnd type="none" w="med" len="med"/>
+                          <a:tailEnd type="none" w="med" len="med"/>
+                        </a:lnR>
+                        <a:lnT w="28575" cap="flat" cmpd="sng" algn="ctr">
+                          <a:solidFill>
+                            <a:schemeClr val="tx1"/>
+                          </a:solidFill>
+                          <a:prstDash val="solid"/>
+                          <a:round/>
+                          <a:headEnd type="none" w="med" len="med"/>
+                          <a:tailEnd type="none" w="med" len="med"/>
+                        </a:lnT>
+                        <a:lnB w="28575" cap="flat" cmpd="sng" algn="ctr">
+                          <a:solidFill>
+                            <a:schemeClr val="tx1"/>
+                          </a:solidFill>
+                          <a:prstDash val="solid"/>
+                          <a:round/>
+                          <a:headEnd type="none" w="med" len="med"/>
+                          <a:tailEnd type="none" w="med" len="med"/>
+                        </a:lnB>
+                        <a:lnTlToBr>
+                          <a:noFill/>
+                        </a:lnTlToBr>
+                        <a:lnBlToTr>
+                          <a:noFill/>
+                        </a:lnBlToTr>
+                        <a:blipFill>
+                          <a:blip r:embed="rId15"/>
+                          <a:stretch>
+                            <a:fillRect l="-2362" t="-3636" r="-103150" b="-225455"/>
+                          </a:stretch>
+                        </a:blipFill>
+                      </a:tcPr>
+                    </a:tc>
+                    <a:tc>
+                      <a:txBody>
+                        <a:bodyPr/>
+                        <a:lstStyle/>
+                        <a:p>
+                          <a:endParaRPr lang="en-US"/>
+                        </a:p>
+                      </a:txBody>
+                      <a:tcPr marT="45732" marB="45732" horzOverflow="overflow">
+                        <a:lnL w="12700" cap="flat" cmpd="sng" algn="ctr">
+                          <a:solidFill>
+                            <a:schemeClr val="tx1"/>
+                          </a:solidFill>
+                          <a:prstDash val="solid"/>
+                          <a:round/>
+                          <a:headEnd type="none" w="med" len="med"/>
+                          <a:tailEnd type="none" w="med" len="med"/>
+                        </a:lnL>
+                        <a:lnR w="28575" cap="flat" cmpd="sng" algn="ctr">
+                          <a:solidFill>
+                            <a:schemeClr val="tx1"/>
+                          </a:solidFill>
+                          <a:prstDash val="solid"/>
+                          <a:round/>
+                          <a:headEnd type="none" w="med" len="med"/>
+                          <a:tailEnd type="none" w="med" len="med"/>
+                        </a:lnR>
+                        <a:lnT w="28575" cap="flat" cmpd="sng" algn="ctr">
+                          <a:solidFill>
+                            <a:schemeClr val="tx1"/>
+                          </a:solidFill>
+                          <a:prstDash val="solid"/>
+                          <a:round/>
+                          <a:headEnd type="none" w="med" len="med"/>
+                          <a:tailEnd type="none" w="med" len="med"/>
+                        </a:lnT>
+                        <a:lnB w="28575" cap="flat" cmpd="sng" algn="ctr">
+                          <a:solidFill>
+                            <a:schemeClr val="tx1"/>
+                          </a:solidFill>
+                          <a:prstDash val="solid"/>
+                          <a:round/>
+                          <a:headEnd type="none" w="med" len="med"/>
+                          <a:tailEnd type="none" w="med" len="med"/>
+                        </a:lnB>
+                        <a:lnTlToBr>
+                          <a:noFill/>
+                        </a:lnTlToBr>
+                        <a:lnBlToTr>
+                          <a:noFill/>
+                        </a:lnBlToTr>
+                        <a:blipFill>
+                          <a:blip r:embed="rId15"/>
+                          <a:stretch>
+                            <a:fillRect l="-103175" t="-3636" r="-3968" b="-225455"/>
+                          </a:stretch>
+                        </a:blipFill>
+                      </a:tcPr>
+                    </a:tc>
+                    <a:extLst>
+                      <a:ext uri="{0D108BD9-81ED-4DB2-BD59-A6C34878D82A}">
+                        <a16:rowId xmlns:a16="http://schemas.microsoft.com/office/drawing/2014/main" val="10000"/>
+                      </a:ext>
+                    </a:extLst>
+                  </a:tr>
+                  <a:tr h="335304">
+                    <a:tc>
+                      <a:txBody>
+                        <a:bodyPr/>
+                        <a:lstStyle/>
+                        <a:p>
+                          <a:pPr marL="0" marR="0" lvl="0" indent="0" algn="ctr" defTabSz="914400" rtl="0" eaLnBrk="1" fontAlgn="base" latinLnBrk="0" hangingPunct="1">
+                            <a:lnSpc>
+                              <a:spcPct val="100000"/>
+                            </a:lnSpc>
+                            <a:spcBef>
+                              <a:spcPct val="20000"/>
+                            </a:spcBef>
+                            <a:spcAft>
+                              <a:spcPct val="0"/>
+                            </a:spcAft>
+                            <a:buClr>
+                              <a:schemeClr val="accent2"/>
+                            </a:buClr>
+                            <a:buSzTx/>
+                            <a:buFont typeface="Wingdings" pitchFamily="2" charset="2"/>
+                            <a:buNone/>
+                            <a:tabLst/>
+                          </a:pPr>
+                          <a:r>
+                            <a:rPr kumimoji="0" lang="en-US" sz="1600" b="0" i="0" u="none" strike="noStrike" cap="none" normalizeH="0" baseline="0" dirty="0">
+                              <a:ln>
+                                <a:noFill/>
+                              </a:ln>
+                              <a:solidFill>
+                                <a:schemeClr val="accent2"/>
+                              </a:solidFill>
+                              <a:effectLst/>
+                              <a:latin typeface="Calibri" pitchFamily="34" charset="0"/>
+                              <a:cs typeface="Calibri" pitchFamily="34" charset="0"/>
+                            </a:rPr>
+                            <a:t>sun</a:t>
+                          </a:r>
+                        </a:p>
+                      </a:txBody>
+                      <a:tcPr marT="45732" marB="45732" horzOverflow="overflow">
+                        <a:lnL w="28575" cap="flat" cmpd="sng" algn="ctr">
+                          <a:solidFill>
+                            <a:schemeClr val="tx1"/>
+                          </a:solidFill>
+                          <a:prstDash val="solid"/>
+                          <a:round/>
+                          <a:headEnd type="none" w="med" len="med"/>
+                          <a:tailEnd type="none" w="med" len="med"/>
+                        </a:lnL>
+                        <a:lnR w="12700" cap="flat" cmpd="sng" algn="ctr">
+                          <a:solidFill>
+                            <a:schemeClr val="tx1"/>
+                          </a:solidFill>
+                          <a:prstDash val="solid"/>
+                          <a:round/>
+                          <a:headEnd type="none" w="med" len="med"/>
+                          <a:tailEnd type="none" w="med" len="med"/>
+                        </a:lnR>
+                        <a:lnT w="28575" cap="flat" cmpd="sng" algn="ctr">
+                          <a:solidFill>
+                            <a:schemeClr val="tx1"/>
+                          </a:solidFill>
+                          <a:prstDash val="solid"/>
+                          <a:round/>
+                          <a:headEnd type="none" w="med" len="med"/>
+                          <a:tailEnd type="none" w="med" len="med"/>
+                        </a:lnT>
+                        <a:lnB w="12700" cap="flat" cmpd="sng" algn="ctr">
+                          <a:solidFill>
+                            <a:schemeClr val="tx1"/>
+                          </a:solidFill>
+                          <a:prstDash val="solid"/>
+                          <a:round/>
+                          <a:headEnd type="none" w="med" len="med"/>
+                          <a:tailEnd type="none" w="med" len="med"/>
+                        </a:lnB>
+                        <a:lnTlToBr>
+                          <a:noFill/>
+                        </a:lnTlToBr>
+                        <a:lnBlToTr>
+                          <a:noFill/>
+                        </a:lnBlToTr>
+                        <a:noFill/>
+                      </a:tcPr>
+                    </a:tc>
+                    <a:tc>
+                      <a:txBody>
+                        <a:bodyPr/>
+                        <a:lstStyle/>
+                        <a:p>
+                          <a:endParaRPr lang="en-US"/>
+                        </a:p>
+                      </a:txBody>
+                      <a:tcPr marT="45732" marB="45732" horzOverflow="overflow">
+                        <a:lnL w="12700" cap="flat" cmpd="sng" algn="ctr">
+                          <a:solidFill>
+                            <a:schemeClr val="tx1"/>
+                          </a:solidFill>
+                          <a:prstDash val="solid"/>
+                          <a:round/>
+                          <a:headEnd type="none" w="med" len="med"/>
+                          <a:tailEnd type="none" w="med" len="med"/>
+                        </a:lnL>
+                        <a:lnR w="28575" cap="flat" cmpd="sng" algn="ctr">
+                          <a:solidFill>
+                            <a:schemeClr val="tx1"/>
+                          </a:solidFill>
+                          <a:prstDash val="solid"/>
+                          <a:round/>
+                          <a:headEnd type="none" w="med" len="med"/>
+                          <a:tailEnd type="none" w="med" len="med"/>
+                        </a:lnR>
+                        <a:lnT w="28575" cap="flat" cmpd="sng" algn="ctr">
+                          <a:solidFill>
+                            <a:schemeClr val="tx1"/>
+                          </a:solidFill>
+                          <a:prstDash val="solid"/>
+                          <a:round/>
+                          <a:headEnd type="none" w="med" len="med"/>
+                          <a:tailEnd type="none" w="med" len="med"/>
+                        </a:lnT>
+                        <a:lnB w="12700" cap="flat" cmpd="sng" algn="ctr">
+                          <a:solidFill>
+                            <a:schemeClr val="tx1"/>
+                          </a:solidFill>
+                          <a:prstDash val="solid"/>
+                          <a:round/>
+                          <a:headEnd type="none" w="med" len="med"/>
+                          <a:tailEnd type="none" w="med" len="med"/>
+                        </a:lnB>
+                        <a:lnTlToBr>
+                          <a:noFill/>
+                        </a:lnTlToBr>
+                        <a:lnBlToTr>
+                          <a:noFill/>
+                        </a:lnBlToTr>
+                        <a:blipFill>
+                          <a:blip r:embed="rId15"/>
+                          <a:stretch>
+                            <a:fillRect l="-103175" t="-101786" r="-3968" b="-121429"/>
+                          </a:stretch>
+                        </a:blipFill>
+                      </a:tcPr>
+                    </a:tc>
+                    <a:extLst>
+                      <a:ext uri="{0D108BD9-81ED-4DB2-BD59-A6C34878D82A}">
+                        <a16:rowId xmlns:a16="http://schemas.microsoft.com/office/drawing/2014/main" val="10001"/>
+                      </a:ext>
+                    </a:extLst>
+                  </a:tr>
+                  <a:tr h="335304">
+                    <a:tc>
+                      <a:txBody>
+                        <a:bodyPr/>
+                        <a:lstStyle/>
+                        <a:p>
+                          <a:pPr marL="0" marR="0" lvl="0" indent="0" algn="ctr" defTabSz="914400" rtl="0" eaLnBrk="1" fontAlgn="base" latinLnBrk="0" hangingPunct="1">
+                            <a:lnSpc>
+                              <a:spcPct val="100000"/>
+                            </a:lnSpc>
+                            <a:spcBef>
+                              <a:spcPct val="20000"/>
+                            </a:spcBef>
+                            <a:spcAft>
+                              <a:spcPct val="0"/>
+                            </a:spcAft>
+                            <a:buClr>
+                              <a:schemeClr val="accent2"/>
+                            </a:buClr>
+                            <a:buSzTx/>
+                            <a:buFont typeface="Wingdings" pitchFamily="2" charset="2"/>
+                            <a:buNone/>
+                            <a:tabLst/>
+                          </a:pPr>
+                          <a:r>
+                            <a:rPr kumimoji="0" lang="en-US" sz="1600" b="0" i="0" u="none" strike="noStrike" cap="none" normalizeH="0" baseline="0" dirty="0">
+                              <a:ln>
+                                <a:noFill/>
+                              </a:ln>
+                              <a:solidFill>
+                                <a:schemeClr val="accent2"/>
+                              </a:solidFill>
+                              <a:effectLst/>
+                              <a:latin typeface="Calibri" pitchFamily="34" charset="0"/>
+                              <a:cs typeface="Calibri" pitchFamily="34" charset="0"/>
+                            </a:rPr>
+                            <a:t>rain</a:t>
+                          </a:r>
+                        </a:p>
+                      </a:txBody>
+                      <a:tcPr marT="45732" marB="45732" horzOverflow="overflow">
+                        <a:lnL w="28575" cap="flat" cmpd="sng" algn="ctr">
+                          <a:solidFill>
+                            <a:schemeClr val="tx1"/>
+                          </a:solidFill>
+                          <a:prstDash val="solid"/>
+                          <a:round/>
+                          <a:headEnd type="none" w="med" len="med"/>
+                          <a:tailEnd type="none" w="med" len="med"/>
+                        </a:lnL>
+                        <a:lnR w="12700" cap="flat" cmpd="sng" algn="ctr">
+                          <a:solidFill>
+                            <a:schemeClr val="tx1"/>
+                          </a:solidFill>
+                          <a:prstDash val="solid"/>
+                          <a:round/>
+                          <a:headEnd type="none" w="med" len="med"/>
+                          <a:tailEnd type="none" w="med" len="med"/>
+                        </a:lnR>
+                        <a:lnT w="12700" cap="flat" cmpd="sng" algn="ctr">
+                          <a:solidFill>
+                            <a:schemeClr val="tx1"/>
+                          </a:solidFill>
+                          <a:prstDash val="solid"/>
+                          <a:round/>
+                          <a:headEnd type="none" w="med" len="med"/>
+                          <a:tailEnd type="none" w="med" len="med"/>
+                        </a:lnT>
+                        <a:lnB w="28575" cap="flat" cmpd="sng" algn="ctr">
+                          <a:solidFill>
+                            <a:schemeClr val="tx1"/>
+                          </a:solidFill>
+                          <a:prstDash val="solid"/>
+                          <a:round/>
+                          <a:headEnd type="none" w="med" len="med"/>
+                          <a:tailEnd type="none" w="med" len="med"/>
+                        </a:lnB>
+                        <a:lnTlToBr>
+                          <a:noFill/>
+                        </a:lnTlToBr>
+                        <a:lnBlToTr>
+                          <a:noFill/>
+                        </a:lnBlToTr>
+                        <a:noFill/>
+                      </a:tcPr>
+                    </a:tc>
+                    <a:tc>
+                      <a:txBody>
+                        <a:bodyPr/>
+                        <a:lstStyle/>
+                        <a:p>
+                          <a:endParaRPr lang="en-US"/>
+                        </a:p>
+                      </a:txBody>
+                      <a:tcPr marT="45732" marB="45732" horzOverflow="overflow">
+                        <a:lnL w="12700" cap="flat" cmpd="sng" algn="ctr">
+                          <a:solidFill>
+                            <a:schemeClr val="tx1"/>
+                          </a:solidFill>
+                          <a:prstDash val="solid"/>
+                          <a:round/>
+                          <a:headEnd type="none" w="med" len="med"/>
+                          <a:tailEnd type="none" w="med" len="med"/>
+                        </a:lnL>
+                        <a:lnR w="28575" cap="flat" cmpd="sng" algn="ctr">
+                          <a:solidFill>
+                            <a:schemeClr val="tx1"/>
+                          </a:solidFill>
+                          <a:prstDash val="solid"/>
+                          <a:round/>
+                          <a:headEnd type="none" w="med" len="med"/>
+                          <a:tailEnd type="none" w="med" len="med"/>
+                        </a:lnR>
+                        <a:lnT w="12700" cap="flat" cmpd="sng" algn="ctr">
+                          <a:solidFill>
+                            <a:schemeClr val="tx1"/>
+                          </a:solidFill>
+                          <a:prstDash val="solid"/>
+                          <a:round/>
+                          <a:headEnd type="none" w="med" len="med"/>
+                          <a:tailEnd type="none" w="med" len="med"/>
+                        </a:lnT>
+                        <a:lnB w="28575" cap="flat" cmpd="sng" algn="ctr">
+                          <a:solidFill>
+                            <a:schemeClr val="tx1"/>
+                          </a:solidFill>
+                          <a:prstDash val="solid"/>
+                          <a:round/>
+                          <a:headEnd type="none" w="med" len="med"/>
+                          <a:tailEnd type="none" w="med" len="med"/>
+                        </a:lnB>
+                        <a:lnTlToBr>
+                          <a:noFill/>
+                        </a:lnTlToBr>
+                        <a:lnBlToTr>
+                          <a:noFill/>
+                        </a:lnBlToTr>
+                        <a:blipFill>
+                          <a:blip r:embed="rId15"/>
+                          <a:stretch>
+                            <a:fillRect l="-103175" t="-205455" r="-3968" b="-23636"/>
+                          </a:stretch>
+                        </a:blipFill>
+                      </a:tcPr>
+                    </a:tc>
+                    <a:extLst>
+                      <a:ext uri="{0D108BD9-81ED-4DB2-BD59-A6C34878D82A}">
+                        <a16:rowId xmlns:a16="http://schemas.microsoft.com/office/drawing/2014/main" val="10002"/>
+                      </a:ext>
+                    </a:extLst>
+                  </a:tr>
+                </a:tbl>
+              </a:graphicData>
+            </a:graphic>
+          </p:graphicFrame>
+        </mc:Fallback>
+      </mc:AlternateContent>
+      <p:sp>
+        <p:nvSpPr>
+          <p:cNvPr id="8" name="Arrow: Right 7">
+            <a:extLst>
+              <a:ext uri="{FF2B5EF4-FFF2-40B4-BE49-F238E27FC236}">
+                <a16:creationId xmlns:a16="http://schemas.microsoft.com/office/drawing/2014/main" id="{5395BE24-6A17-779A-DE39-F41E0767CF7E}"/>
+              </a:ext>
+            </a:extLst>
+          </p:cNvPr>
+          <p:cNvSpPr/>
+          <p:nvPr/>
+        </p:nvSpPr>
+        <p:spPr>
+          <a:xfrm>
+            <a:off x="8991600" y="4681135"/>
+            <a:ext cx="382692" cy="348065"/>
+          </a:xfrm>
+          <a:prstGeom prst="rightArrow">
+            <a:avLst/>
+          </a:prstGeom>
+        </p:spPr>
+        <p:style>
+          <a:lnRef idx="2">
+            <a:schemeClr val="accent2">
+              <a:shade val="15000"/>
+            </a:schemeClr>
+          </a:lnRef>
+          <a:fillRef idx="1">
+            <a:schemeClr val="accent2"/>
+          </a:fillRef>
+          <a:effectRef idx="0">
+            <a:schemeClr val="accent2"/>
+          </a:effectRef>
+          <a:fontRef idx="minor">
+            <a:schemeClr val="lt1"/>
+          </a:fontRef>
+        </p:style>
+        <p:txBody>
+          <a:bodyPr rtlCol="0" anchor="ctr"/>
+          <a:lstStyle/>
+          <a:p>
+            <a:pPr algn="ctr"/>
+            <a:endParaRPr lang="en-US"/>
+          </a:p>
+        </p:txBody>
+      </p:sp>
     </p:spTree>
   </p:cSld>
   <p:clrMapOvr>
@@ -30228,6 +31748,51 @@
                                         </p:cTn>
                                         <p:tgtEl>
                                           <p:spTgt spid="9275"/>
+                                        </p:tgtEl>
+                                        <p:attrNameLst>
+                                          <p:attrName>style.visibility</p:attrName>
+                                        </p:attrNameLst>
+                                      </p:cBhvr>
+                                      <p:to>
+                                        <p:strVal val="visible"/>
+                                      </p:to>
+                                    </p:set>
+                                  </p:childTnLst>
+                                </p:cTn>
+                              </p:par>
+                            </p:childTnLst>
+                          </p:cTn>
+                        </p:par>
+                      </p:childTnLst>
+                    </p:cTn>
+                  </p:par>
+                  <p:par>
+                    <p:cTn id="27" fill="hold">
+                      <p:stCondLst>
+                        <p:cond delay="indefinite"/>
+                      </p:stCondLst>
+                      <p:childTnLst>
+                        <p:par>
+                          <p:cTn id="28" fill="hold">
+                            <p:stCondLst>
+                              <p:cond delay="0"/>
+                            </p:stCondLst>
+                            <p:childTnLst>
+                              <p:par>
+                                <p:cTn id="29" presetID="1" presetClass="entr" presetSubtype="0" fill="hold" nodeType="clickEffect">
+                                  <p:stCondLst>
+                                    <p:cond delay="0"/>
+                                  </p:stCondLst>
+                                  <p:childTnLst>
+                                    <p:set>
+                                      <p:cBhvr>
+                                        <p:cTn id="30" dur="1" fill="hold">
+                                          <p:stCondLst>
+                                            <p:cond delay="0"/>
+                                          </p:stCondLst>
+                                        </p:cTn>
+                                        <p:tgtEl>
+                                          <p:spTgt spid="7"/>
                                         </p:tgtEl>
                                         <p:attrNameLst>
                                           <p:attrName>style.visibility</p:attrName>
@@ -33652,33 +35217,39 @@
       </p:pic>
       <p:sp>
         <p:nvSpPr>
-          <p:cNvPr id="47" name="TextBox 46">
+          <p:cNvPr id="3" name="Speech Bubble: Rectangle with Corners Rounded 2">
             <a:extLst>
               <a:ext uri="{FF2B5EF4-FFF2-40B4-BE49-F238E27FC236}">
-                <a16:creationId xmlns:a16="http://schemas.microsoft.com/office/drawing/2014/main" id="{0E5B7476-3341-4A28-A237-39EFD7C3AE42}"/>
+                <a16:creationId xmlns:a16="http://schemas.microsoft.com/office/drawing/2014/main" id="{BFEFC01B-F1ED-1310-DD62-1E1319A5B925}"/>
               </a:ext>
             </a:extLst>
           </p:cNvPr>
-          <p:cNvSpPr txBox="1"/>
+          <p:cNvSpPr/>
           <p:nvPr/>
         </p:nvSpPr>
         <p:spPr>
           <a:xfrm>
-            <a:off x="9452524" y="1027906"/>
-            <a:ext cx="2292544" cy="646331"/>
+            <a:off x="8686798" y="685800"/>
+            <a:ext cx="2776497" cy="1081087"/>
           </a:xfrm>
-          <a:prstGeom prst="rect">
-            <a:avLst/>
+          <a:prstGeom prst="wedgeRoundRectCallout">
+            <a:avLst>
+              <a:gd name="adj1" fmla="val -74823"/>
+              <a:gd name="adj2" fmla="val 65338"/>
+              <a:gd name="adj3" fmla="val 16667"/>
+            </a:avLst>
           </a:prstGeom>
         </p:spPr>
         <p:style>
-          <a:lnRef idx="3">
-            <a:schemeClr val="lt1"/>
+          <a:lnRef idx="2">
+            <a:schemeClr val="accent6">
+              <a:shade val="15000"/>
+            </a:schemeClr>
           </a:lnRef>
           <a:fillRef idx="1">
             <a:schemeClr val="accent6"/>
           </a:fillRef>
-          <a:effectRef idx="1">
+          <a:effectRef idx="0">
             <a:schemeClr val="accent6"/>
           </a:effectRef>
           <a:fontRef idx="minor">
@@ -33686,15 +35257,13 @@
           </a:fontRef>
         </p:style>
         <p:txBody>
-          <a:bodyPr wrap="square" rtlCol="0">
-            <a:spAutoFit/>
-          </a:bodyPr>
+          <a:bodyPr rtlCol="0" anchor="ctr"/>
           <a:lstStyle/>
           <a:p>
             <a:pPr algn="r"/>
             <a:r>
               <a:rPr lang="en-US" dirty="0"/>
-              <a:t>{b} … evidence is bad weather forecast</a:t>
+              <a:t>{b} … evidence is bad weather forecast increases the probability of rain</a:t>
             </a:r>
           </a:p>
         </p:txBody>
@@ -34818,7 +36387,7 @@
             <p:ph idx="1"/>
             <p:extLst>
               <p:ext uri="{D42A27DB-BD31-4B8C-83A1-F6EECF244321}">
-                <p14:modId xmlns:p14="http://schemas.microsoft.com/office/powerpoint/2010/main" val="816891363"/>
+                <p14:modId xmlns:p14="http://schemas.microsoft.com/office/powerpoint/2010/main" val="4069490970"/>
               </p:ext>
             </p:extLst>
           </p:nvPr>
@@ -35018,12 +36587,14 @@
         </p:nvSpPr>
         <p:spPr/>
         <p:txBody>
-          <a:bodyPr/>
+          <a:bodyPr>
+            <a:normAutofit/>
+          </a:bodyPr>
           <a:lstStyle/>
           <a:p>
             <a:r>
-              <a:rPr lang="en-US" dirty="0"/>
-              <a:t>Decision-theoretic Agents</a:t>
+              <a:rPr lang="en-US" sz="4000" dirty="0"/>
+              <a:t>Decision-theoretic Agents (=Utility-based Agent)</a:t>
             </a:r>
           </a:p>
         </p:txBody>
@@ -35044,7 +36615,7 @@
             <p:ph idx="1"/>
             <p:extLst>
               <p:ext uri="{D42A27DB-BD31-4B8C-83A1-F6EECF244321}">
-                <p14:modId xmlns:p14="http://schemas.microsoft.com/office/powerpoint/2010/main" val="3806107159"/>
+                <p14:modId xmlns:p14="http://schemas.microsoft.com/office/powerpoint/2010/main" val="3390782667"/>
               </p:ext>
             </p:extLst>
           </p:nvPr>
@@ -35457,8 +37028,8 @@
           </a:p>
         </p:txBody>
       </p:sp>
-      <mc:AlternateContent xmlns:mc="http://schemas.openxmlformats.org/markup-compatibility/2006" xmlns:a14="http://schemas.microsoft.com/office/drawing/2010/main">
-        <mc:Choice Requires="a14">
+      <mc:AlternateContent xmlns:mc="http://schemas.openxmlformats.org/markup-compatibility/2006">
+        <mc:Choice xmlns:a14="http://schemas.microsoft.com/office/drawing/2010/main" Requires="a14">
           <p:sp>
             <p:nvSpPr>
               <p:cNvPr id="3" name="Content Placeholder 2">
@@ -35782,13 +37353,21 @@
               <a:p>
                 <a:r>
                   <a:rPr lang="en-US" sz="1800" dirty="0"/>
-                  <a:t>Therefore, it is often enough to know the utility ranking of states.</a:t>
+                  <a:t>Therefore, it is often enough to know the utility </a:t>
+                </a:r>
+                <a:r>
+                  <a:rPr lang="en-US" sz="1800" b="1" dirty="0"/>
+                  <a:t>ranking</a:t>
+                </a:r>
+                <a:r>
+                  <a:rPr lang="en-US" sz="1800" dirty="0"/>
+                  <a:t> of states.</a:t>
                 </a:r>
               </a:p>
             </p:txBody>
           </p:sp>
         </mc:Choice>
-        <mc:Fallback xmlns="">
+        <mc:Fallback>
           <p:sp>
             <p:nvSpPr>
               <p:cNvPr id="3" name="Content Placeholder 2">
@@ -38547,12 +40126,12 @@
         </p:spPr>
         <p:txBody>
           <a:bodyPr vert="horz" lIns="91440" tIns="45720" rIns="91440" bIns="45720" rtlCol="0" anchor="b">
-            <a:normAutofit/>
+            <a:noAutofit/>
           </a:bodyPr>
           <a:lstStyle/>
           <a:p>
             <a:r>
-              <a:rPr lang="en-US" sz="11500" kern="1200">
+              <a:rPr lang="en-US" sz="8800" kern="1200" dirty="0">
                 <a:solidFill>
                   <a:schemeClr val="tx1"/>
                 </a:solidFill>
@@ -38562,6 +40141,35 @@
               </a:rPr>
               <a:t>Decision Networks</a:t>
             </a:r>
+            <a:br>
+              <a:rPr lang="en-US" sz="8800" kern="1200" dirty="0">
+                <a:solidFill>
+                  <a:schemeClr val="tx1"/>
+                </a:solidFill>
+                <a:latin typeface="+mj-lt"/>
+                <a:ea typeface="+mj-ea"/>
+                <a:cs typeface="+mj-cs"/>
+              </a:rPr>
+            </a:br>
+            <a:r>
+              <a:rPr lang="en-US" sz="5400" kern="1200" dirty="0">
+                <a:solidFill>
+                  <a:schemeClr val="tx1"/>
+                </a:solidFill>
+                <a:latin typeface="+mj-lt"/>
+                <a:ea typeface="+mj-ea"/>
+                <a:cs typeface="+mj-cs"/>
+              </a:rPr>
+              <a:t>Bayes Nets with Actions</a:t>
+            </a:r>
+            <a:endParaRPr lang="en-US" sz="8800" kern="1200" dirty="0">
+              <a:solidFill>
+                <a:schemeClr val="tx1"/>
+              </a:solidFill>
+              <a:latin typeface="+mj-lt"/>
+              <a:ea typeface="+mj-ea"/>
+              <a:cs typeface="+mj-cs"/>
+            </a:endParaRPr>
           </a:p>
         </p:txBody>
       </p:sp>

--- a/slides/16_decision_making.pptx
+++ b/slides/16_decision_making.pptx
@@ -14805,567 +14805,6 @@
   <p:clrMapOvr>
     <a:masterClrMapping/>
   </p:clrMapOvr>
-  <p:timing>
-    <p:tnLst>
-      <p:par>
-        <p:cTn id="1" dur="indefinite" restart="never" nodeType="tmRoot">
-          <p:childTnLst>
-            <p:seq concurrent="1" nextAc="seek">
-              <p:cTn id="2" dur="indefinite" nodeType="mainSeq">
-                <p:childTnLst>
-                  <p:par>
-                    <p:cTn id="3" fill="hold">
-                      <p:stCondLst>
-                        <p:cond delay="indefinite"/>
-                      </p:stCondLst>
-                      <p:childTnLst>
-                        <p:par>
-                          <p:cTn id="4" fill="hold">
-                            <p:stCondLst>
-                              <p:cond delay="0"/>
-                            </p:stCondLst>
-                            <p:childTnLst>
-                              <p:par>
-                                <p:cTn id="5" presetID="1" presetClass="entr" presetSubtype="0" fill="hold" nodeType="clickEffect">
-                                  <p:stCondLst>
-                                    <p:cond delay="0"/>
-                                  </p:stCondLst>
-                                  <p:childTnLst>
-                                    <p:set>
-                                      <p:cBhvr>
-                                        <p:cTn id="6" dur="1" fill="hold">
-                                          <p:stCondLst>
-                                            <p:cond delay="0"/>
-                                          </p:stCondLst>
-                                        </p:cTn>
-                                        <p:tgtEl>
-                                          <p:spTgt spid="18">
-                                            <p:txEl>
-                                              <p:pRg st="0" end="0"/>
-                                            </p:txEl>
-                                          </p:spTgt>
-                                        </p:tgtEl>
-                                        <p:attrNameLst>
-                                          <p:attrName>style.visibility</p:attrName>
-                                        </p:attrNameLst>
-                                      </p:cBhvr>
-                                      <p:to>
-                                        <p:strVal val="visible"/>
-                                      </p:to>
-                                    </p:set>
-                                  </p:childTnLst>
-                                </p:cTn>
-                              </p:par>
-                              <p:par>
-                                <p:cTn id="7" presetID="1" presetClass="entr" presetSubtype="0" fill="hold" nodeType="withEffect">
-                                  <p:stCondLst>
-                                    <p:cond delay="0"/>
-                                  </p:stCondLst>
-                                  <p:childTnLst>
-                                    <p:set>
-                                      <p:cBhvr>
-                                        <p:cTn id="8" dur="1" fill="hold">
-                                          <p:stCondLst>
-                                            <p:cond delay="0"/>
-                                          </p:stCondLst>
-                                        </p:cTn>
-                                        <p:tgtEl>
-                                          <p:spTgt spid="18">
-                                            <p:txEl>
-                                              <p:pRg st="3" end="3"/>
-                                            </p:txEl>
-                                          </p:spTgt>
-                                        </p:tgtEl>
-                                        <p:attrNameLst>
-                                          <p:attrName>style.visibility</p:attrName>
-                                        </p:attrNameLst>
-                                      </p:cBhvr>
-                                      <p:to>
-                                        <p:strVal val="visible"/>
-                                      </p:to>
-                                    </p:set>
-                                  </p:childTnLst>
-                                </p:cTn>
-                              </p:par>
-                              <p:par>
-                                <p:cTn id="9" presetID="1" presetClass="entr" presetSubtype="0" fill="hold" nodeType="withEffect">
-                                  <p:stCondLst>
-                                    <p:cond delay="0"/>
-                                  </p:stCondLst>
-                                  <p:childTnLst>
-                                    <p:set>
-                                      <p:cBhvr>
-                                        <p:cTn id="10" dur="1" fill="hold">
-                                          <p:stCondLst>
-                                            <p:cond delay="0"/>
-                                          </p:stCondLst>
-                                        </p:cTn>
-                                        <p:tgtEl>
-                                          <p:spTgt spid="18">
-                                            <p:txEl>
-                                              <p:pRg st="6" end="6"/>
-                                            </p:txEl>
-                                          </p:spTgt>
-                                        </p:tgtEl>
-                                        <p:attrNameLst>
-                                          <p:attrName>style.visibility</p:attrName>
-                                        </p:attrNameLst>
-                                      </p:cBhvr>
-                                      <p:to>
-                                        <p:strVal val="visible"/>
-                                      </p:to>
-                                    </p:set>
-                                  </p:childTnLst>
-                                </p:cTn>
-                              </p:par>
-                              <p:par>
-                                <p:cTn id="11" presetID="1" presetClass="entr" presetSubtype="0" fill="hold" nodeType="withEffect">
-                                  <p:stCondLst>
-                                    <p:cond delay="0"/>
-                                  </p:stCondLst>
-                                  <p:childTnLst>
-                                    <p:set>
-                                      <p:cBhvr>
-                                        <p:cTn id="12" dur="1" fill="hold">
-                                          <p:stCondLst>
-                                            <p:cond delay="0"/>
-                                          </p:stCondLst>
-                                        </p:cTn>
-                                        <p:tgtEl>
-                                          <p:spTgt spid="17411"/>
-                                        </p:tgtEl>
-                                        <p:attrNameLst>
-                                          <p:attrName>style.visibility</p:attrName>
-                                        </p:attrNameLst>
-                                      </p:cBhvr>
-                                      <p:to>
-                                        <p:strVal val="visible"/>
-                                      </p:to>
-                                    </p:set>
-                                  </p:childTnLst>
-                                </p:cTn>
-                              </p:par>
-                              <p:par>
-                                <p:cTn id="13" presetID="1" presetClass="entr" presetSubtype="0" fill="hold" grpId="0" nodeType="withEffect">
-                                  <p:stCondLst>
-                                    <p:cond delay="0"/>
-                                  </p:stCondLst>
-                                  <p:childTnLst>
-                                    <p:set>
-                                      <p:cBhvr>
-                                        <p:cTn id="14" dur="1" fill="hold">
-                                          <p:stCondLst>
-                                            <p:cond delay="0"/>
-                                          </p:stCondLst>
-                                        </p:cTn>
-                                        <p:tgtEl>
-                                          <p:spTgt spid="17412"/>
-                                        </p:tgtEl>
-                                        <p:attrNameLst>
-                                          <p:attrName>style.visibility</p:attrName>
-                                        </p:attrNameLst>
-                                      </p:cBhvr>
-                                      <p:to>
-                                        <p:strVal val="visible"/>
-                                      </p:to>
-                                    </p:set>
-                                  </p:childTnLst>
-                                </p:cTn>
-                              </p:par>
-                              <p:par>
-                                <p:cTn id="15" presetID="1" presetClass="entr" presetSubtype="0" fill="hold" grpId="0" nodeType="withEffect">
-                                  <p:stCondLst>
-                                    <p:cond delay="0"/>
-                                  </p:stCondLst>
-                                  <p:childTnLst>
-                                    <p:set>
-                                      <p:cBhvr>
-                                        <p:cTn id="16" dur="1" fill="hold">
-                                          <p:stCondLst>
-                                            <p:cond delay="0"/>
-                                          </p:stCondLst>
-                                        </p:cTn>
-                                        <p:tgtEl>
-                                          <p:spTgt spid="17413"/>
-                                        </p:tgtEl>
-                                        <p:attrNameLst>
-                                          <p:attrName>style.visibility</p:attrName>
-                                        </p:attrNameLst>
-                                      </p:cBhvr>
-                                      <p:to>
-                                        <p:strVal val="visible"/>
-                                      </p:to>
-                                    </p:set>
-                                  </p:childTnLst>
-                                </p:cTn>
-                              </p:par>
-                              <p:par>
-                                <p:cTn id="17" presetID="1" presetClass="entr" presetSubtype="0" fill="hold" grpId="0" nodeType="withEffect">
-                                  <p:stCondLst>
-                                    <p:cond delay="0"/>
-                                  </p:stCondLst>
-                                  <p:childTnLst>
-                                    <p:set>
-                                      <p:cBhvr>
-                                        <p:cTn id="18" dur="1" fill="hold">
-                                          <p:stCondLst>
-                                            <p:cond delay="0"/>
-                                          </p:stCondLst>
-                                        </p:cTn>
-                                        <p:tgtEl>
-                                          <p:spTgt spid="17414"/>
-                                        </p:tgtEl>
-                                        <p:attrNameLst>
-                                          <p:attrName>style.visibility</p:attrName>
-                                        </p:attrNameLst>
-                                      </p:cBhvr>
-                                      <p:to>
-                                        <p:strVal val="visible"/>
-                                      </p:to>
-                                    </p:set>
-                                  </p:childTnLst>
-                                </p:cTn>
-                              </p:par>
-                              <p:par>
-                                <p:cTn id="19" presetID="1" presetClass="entr" presetSubtype="0" fill="hold" nodeType="withEffect">
-                                  <p:stCondLst>
-                                    <p:cond delay="0"/>
-                                  </p:stCondLst>
-                                  <p:childTnLst>
-                                    <p:set>
-                                      <p:cBhvr>
-                                        <p:cTn id="20" dur="1" fill="hold">
-                                          <p:stCondLst>
-                                            <p:cond delay="0"/>
-                                          </p:stCondLst>
-                                        </p:cTn>
-                                        <p:tgtEl>
-                                          <p:spTgt spid="17415"/>
-                                        </p:tgtEl>
-                                        <p:attrNameLst>
-                                          <p:attrName>style.visibility</p:attrName>
-                                        </p:attrNameLst>
-                                      </p:cBhvr>
-                                      <p:to>
-                                        <p:strVal val="visible"/>
-                                      </p:to>
-                                    </p:set>
-                                  </p:childTnLst>
-                                </p:cTn>
-                              </p:par>
-                              <p:par>
-                                <p:cTn id="21" presetID="1" presetClass="entr" presetSubtype="0" fill="hold" nodeType="withEffect">
-                                  <p:stCondLst>
-                                    <p:cond delay="0"/>
-                                  </p:stCondLst>
-                                  <p:childTnLst>
-                                    <p:set>
-                                      <p:cBhvr>
-                                        <p:cTn id="22" dur="1" fill="hold">
-                                          <p:stCondLst>
-                                            <p:cond delay="0"/>
-                                          </p:stCondLst>
-                                        </p:cTn>
-                                        <p:tgtEl>
-                                          <p:spTgt spid="17416"/>
-                                        </p:tgtEl>
-                                        <p:attrNameLst>
-                                          <p:attrName>style.visibility</p:attrName>
-                                        </p:attrNameLst>
-                                      </p:cBhvr>
-                                      <p:to>
-                                        <p:strVal val="visible"/>
-                                      </p:to>
-                                    </p:set>
-                                  </p:childTnLst>
-                                </p:cTn>
-                              </p:par>
-                              <p:par>
-                                <p:cTn id="23" presetID="1" presetClass="entr" presetSubtype="0" fill="hold" nodeType="withEffect">
-                                  <p:stCondLst>
-                                    <p:cond delay="0"/>
-                                  </p:stCondLst>
-                                  <p:childTnLst>
-                                    <p:set>
-                                      <p:cBhvr>
-                                        <p:cTn id="24" dur="1" fill="hold">
-                                          <p:stCondLst>
-                                            <p:cond delay="0"/>
-                                          </p:stCondLst>
-                                        </p:cTn>
-                                        <p:tgtEl>
-                                          <p:spTgt spid="17417"/>
-                                        </p:tgtEl>
-                                        <p:attrNameLst>
-                                          <p:attrName>style.visibility</p:attrName>
-                                        </p:attrNameLst>
-                                      </p:cBhvr>
-                                      <p:to>
-                                        <p:strVal val="visible"/>
-                                      </p:to>
-                                    </p:set>
-                                  </p:childTnLst>
-                                </p:cTn>
-                              </p:par>
-                            </p:childTnLst>
-                          </p:cTn>
-                        </p:par>
-                      </p:childTnLst>
-                    </p:cTn>
-                  </p:par>
-                  <p:par>
-                    <p:cTn id="25" fill="hold">
-                      <p:stCondLst>
-                        <p:cond delay="indefinite"/>
-                      </p:stCondLst>
-                      <p:childTnLst>
-                        <p:par>
-                          <p:cTn id="26" fill="hold">
-                            <p:stCondLst>
-                              <p:cond delay="0"/>
-                            </p:stCondLst>
-                            <p:childTnLst>
-                              <p:par>
-                                <p:cTn id="27" presetID="1" presetClass="entr" presetSubtype="0" fill="hold" nodeType="clickEffect">
-                                  <p:stCondLst>
-                                    <p:cond delay="0"/>
-                                  </p:stCondLst>
-                                  <p:childTnLst>
-                                    <p:set>
-                                      <p:cBhvr>
-                                        <p:cTn id="28" dur="1" fill="hold">
-                                          <p:stCondLst>
-                                            <p:cond delay="0"/>
-                                          </p:stCondLst>
-                                        </p:cTn>
-                                        <p:tgtEl>
-                                          <p:spTgt spid="18">
-                                            <p:txEl>
-                                              <p:pRg st="9" end="9"/>
-                                            </p:txEl>
-                                          </p:spTgt>
-                                        </p:tgtEl>
-                                        <p:attrNameLst>
-                                          <p:attrName>style.visibility</p:attrName>
-                                        </p:attrNameLst>
-                                      </p:cBhvr>
-                                      <p:to>
-                                        <p:strVal val="visible"/>
-                                      </p:to>
-                                    </p:set>
-                                  </p:childTnLst>
-                                </p:cTn>
-                              </p:par>
-                              <p:par>
-                                <p:cTn id="29" presetID="1" presetClass="entr" presetSubtype="0" fill="hold" nodeType="withEffect">
-                                  <p:stCondLst>
-                                    <p:cond delay="0"/>
-                                  </p:stCondLst>
-                                  <p:childTnLst>
-                                    <p:set>
-                                      <p:cBhvr>
-                                        <p:cTn id="30" dur="1" fill="hold">
-                                          <p:stCondLst>
-                                            <p:cond delay="0"/>
-                                          </p:stCondLst>
-                                        </p:cTn>
-                                        <p:tgtEl>
-                                          <p:spTgt spid="18">
-                                            <p:txEl>
-                                              <p:pRg st="13" end="13"/>
-                                            </p:txEl>
-                                          </p:spTgt>
-                                        </p:tgtEl>
-                                        <p:attrNameLst>
-                                          <p:attrName>style.visibility</p:attrName>
-                                        </p:attrNameLst>
-                                      </p:cBhvr>
-                                      <p:to>
-                                        <p:strVal val="visible"/>
-                                      </p:to>
-                                    </p:set>
-                                  </p:childTnLst>
-                                </p:cTn>
-                              </p:par>
-                              <p:par>
-                                <p:cTn id="31" presetID="1" presetClass="entr" presetSubtype="0" fill="hold" nodeType="withEffect">
-                                  <p:stCondLst>
-                                    <p:cond delay="0"/>
-                                  </p:stCondLst>
-                                  <p:childTnLst>
-                                    <p:set>
-                                      <p:cBhvr>
-                                        <p:cTn id="32" dur="1" fill="hold">
-                                          <p:stCondLst>
-                                            <p:cond delay="0"/>
-                                          </p:stCondLst>
-                                        </p:cTn>
-                                        <p:tgtEl>
-                                          <p:spTgt spid="18">
-                                            <p:txEl>
-                                              <p:pRg st="16" end="16"/>
-                                            </p:txEl>
-                                          </p:spTgt>
-                                        </p:tgtEl>
-                                        <p:attrNameLst>
-                                          <p:attrName>style.visibility</p:attrName>
-                                        </p:attrNameLst>
-                                      </p:cBhvr>
-                                      <p:to>
-                                        <p:strVal val="visible"/>
-                                      </p:to>
-                                    </p:set>
-                                  </p:childTnLst>
-                                </p:cTn>
-                              </p:par>
-                              <p:par>
-                                <p:cTn id="33" presetID="1" presetClass="entr" presetSubtype="0" fill="hold" nodeType="withEffect">
-                                  <p:stCondLst>
-                                    <p:cond delay="0"/>
-                                  </p:stCondLst>
-                                  <p:childTnLst>
-                                    <p:set>
-                                      <p:cBhvr>
-                                        <p:cTn id="34" dur="1" fill="hold">
-                                          <p:stCondLst>
-                                            <p:cond delay="0"/>
-                                          </p:stCondLst>
-                                        </p:cTn>
-                                        <p:tgtEl>
-                                          <p:spTgt spid="18">
-                                            <p:txEl>
-                                              <p:pRg st="19" end="19"/>
-                                            </p:txEl>
-                                          </p:spTgt>
-                                        </p:tgtEl>
-                                        <p:attrNameLst>
-                                          <p:attrName>style.visibility</p:attrName>
-                                        </p:attrNameLst>
-                                      </p:cBhvr>
-                                      <p:to>
-                                        <p:strVal val="visible"/>
-                                      </p:to>
-                                    </p:set>
-                                  </p:childTnLst>
-                                </p:cTn>
-                              </p:par>
-                              <p:par>
-                                <p:cTn id="35" presetID="1" presetClass="entr" presetSubtype="0" fill="hold" grpId="0" nodeType="withEffect">
-                                  <p:stCondLst>
-                                    <p:cond delay="0"/>
-                                  </p:stCondLst>
-                                  <p:childTnLst>
-                                    <p:set>
-                                      <p:cBhvr>
-                                        <p:cTn id="36" dur="1" fill="hold">
-                                          <p:stCondLst>
-                                            <p:cond delay="0"/>
-                                          </p:stCondLst>
-                                        </p:cTn>
-                                        <p:tgtEl>
-                                          <p:spTgt spid="14"/>
-                                        </p:tgtEl>
-                                        <p:attrNameLst>
-                                          <p:attrName>style.visibility</p:attrName>
-                                        </p:attrNameLst>
-                                      </p:cBhvr>
-                                      <p:to>
-                                        <p:strVal val="visible"/>
-                                      </p:to>
-                                    </p:set>
-                                  </p:childTnLst>
-                                </p:cTn>
-                              </p:par>
-                              <p:par>
-                                <p:cTn id="37" presetID="1" presetClass="entr" presetSubtype="0" fill="hold" grpId="0" nodeType="withEffect">
-                                  <p:stCondLst>
-                                    <p:cond delay="0"/>
-                                  </p:stCondLst>
-                                  <p:childTnLst>
-                                    <p:set>
-                                      <p:cBhvr>
-                                        <p:cTn id="38" dur="1" fill="hold">
-                                          <p:stCondLst>
-                                            <p:cond delay="0"/>
-                                          </p:stCondLst>
-                                        </p:cTn>
-                                        <p:tgtEl>
-                                          <p:spTgt spid="15"/>
-                                        </p:tgtEl>
-                                        <p:attrNameLst>
-                                          <p:attrName>style.visibility</p:attrName>
-                                        </p:attrNameLst>
-                                      </p:cBhvr>
-                                      <p:to>
-                                        <p:strVal val="visible"/>
-                                      </p:to>
-                                    </p:set>
-                                  </p:childTnLst>
-                                </p:cTn>
-                              </p:par>
-                              <p:par>
-                                <p:cTn id="39" presetID="1" presetClass="entr" presetSubtype="0" fill="hold" grpId="0" nodeType="withEffect">
-                                  <p:stCondLst>
-                                    <p:cond delay="0"/>
-                                  </p:stCondLst>
-                                  <p:childTnLst>
-                                    <p:set>
-                                      <p:cBhvr>
-                                        <p:cTn id="40" dur="1" fill="hold">
-                                          <p:stCondLst>
-                                            <p:cond delay="0"/>
-                                          </p:stCondLst>
-                                        </p:cTn>
-                                        <p:tgtEl>
-                                          <p:spTgt spid="17"/>
-                                        </p:tgtEl>
-                                        <p:attrNameLst>
-                                          <p:attrName>style.visibility</p:attrName>
-                                        </p:attrNameLst>
-                                      </p:cBhvr>
-                                      <p:to>
-                                        <p:strVal val="visible"/>
-                                      </p:to>
-                                    </p:set>
-                                  </p:childTnLst>
-                                </p:cTn>
-                              </p:par>
-                            </p:childTnLst>
-                          </p:cTn>
-                        </p:par>
-                      </p:childTnLst>
-                    </p:cTn>
-                  </p:par>
-                </p:childTnLst>
-              </p:cTn>
-              <p:prevCondLst>
-                <p:cond evt="onPrev" delay="0">
-                  <p:tgtEl>
-                    <p:sldTgt/>
-                  </p:tgtEl>
-                </p:cond>
-              </p:prevCondLst>
-              <p:nextCondLst>
-                <p:cond evt="onNext" delay="0">
-                  <p:tgtEl>
-                    <p:sldTgt/>
-                  </p:tgtEl>
-                </p:cond>
-              </p:nextCondLst>
-            </p:seq>
-          </p:childTnLst>
-        </p:cTn>
-      </p:par>
-    </p:tnLst>
-    <p:bldLst>
-      <p:bldP spid="17412" grpId="0" animBg="1"/>
-      <p:bldP spid="17413" grpId="0" animBg="1"/>
-      <p:bldP spid="17414" grpId="0" animBg="1"/>
-      <p:bldP spid="14" grpId="0" animBg="1"/>
-      <p:bldP spid="15" grpId="0" animBg="1"/>
-      <p:bldP spid="17" grpId="0" animBg="1"/>
-    </p:bldLst>
-  </p:timing>
 </p:sld>
 </file>
 
@@ -15852,8 +15291,8 @@
           </a:extLst>
         </p:spPr>
       </p:cxnSp>
-      <mc:AlternateContent xmlns:mc="http://schemas.openxmlformats.org/markup-compatibility/2006">
-        <mc:Choice xmlns:a14="http://schemas.microsoft.com/office/drawing/2010/main" Requires="a14">
+      <mc:AlternateContent xmlns:mc="http://schemas.openxmlformats.org/markup-compatibility/2006" xmlns:a14="http://schemas.microsoft.com/office/drawing/2010/main">
+        <mc:Choice Requires="a14">
           <p:graphicFrame>
             <p:nvGraphicFramePr>
               <p:cNvPr id="17" name="Group 10"/>
@@ -16550,7 +15989,7 @@
             </a:graphic>
           </p:graphicFrame>
         </mc:Choice>
-        <mc:Fallback>
+        <mc:Fallback xmlns="">
           <p:graphicFrame>
             <p:nvGraphicFramePr>
               <p:cNvPr id="17" name="Group 10"/>
@@ -17530,8 +16969,8 @@
           </a:extLst>
         </p:spPr>
       </p:pic>
-      <mc:AlternateContent xmlns:mc="http://schemas.openxmlformats.org/markup-compatibility/2006">
-        <mc:Choice xmlns:a14="http://schemas.microsoft.com/office/drawing/2010/main" Requires="a14">
+      <mc:AlternateContent xmlns:mc="http://schemas.openxmlformats.org/markup-compatibility/2006" xmlns:a14="http://schemas.microsoft.com/office/drawing/2010/main">
+        <mc:Choice Requires="a14">
           <p:sp>
             <p:nvSpPr>
               <p:cNvPr id="24" name="Text Box 62"/>
@@ -17739,7 +17178,7 @@
             </p:txBody>
           </p:sp>
         </mc:Choice>
-        <mc:Fallback>
+        <mc:Fallback xmlns="">
           <p:sp>
             <p:nvSpPr>
               <p:cNvPr id="24" name="Text Box 62"/>
@@ -17946,8 +17385,8 @@
           </a:prstGeom>
         </p:spPr>
       </p:pic>
-      <mc:AlternateContent xmlns:mc="http://schemas.openxmlformats.org/markup-compatibility/2006">
-        <mc:Choice xmlns:a14="http://schemas.microsoft.com/office/drawing/2010/main" Requires="a14">
+      <mc:AlternateContent xmlns:mc="http://schemas.openxmlformats.org/markup-compatibility/2006" xmlns:a14="http://schemas.microsoft.com/office/drawing/2010/main">
+        <mc:Choice Requires="a14">
           <p:graphicFrame>
             <p:nvGraphicFramePr>
               <p:cNvPr id="27" name="Group 25"/>
@@ -19518,7 +18957,7 @@
             </a:graphic>
           </p:graphicFrame>
         </mc:Choice>
-        <mc:Fallback>
+        <mc:Fallback xmlns="">
           <p:graphicFrame>
             <p:nvGraphicFramePr>
               <p:cNvPr id="27" name="Group 25"/>
@@ -20744,491 +20183,6 @@
   <p:clrMapOvr>
     <a:masterClrMapping/>
   </p:clrMapOvr>
-  <p:timing>
-    <p:tnLst>
-      <p:par>
-        <p:cTn id="1" dur="indefinite" restart="never" nodeType="tmRoot">
-          <p:childTnLst>
-            <p:seq concurrent="1" nextAc="seek">
-              <p:cTn id="2" dur="indefinite" nodeType="mainSeq">
-                <p:childTnLst>
-                  <p:par>
-                    <p:cTn id="3" fill="hold">
-                      <p:stCondLst>
-                        <p:cond delay="indefinite"/>
-                      </p:stCondLst>
-                      <p:childTnLst>
-                        <p:par>
-                          <p:cTn id="4" fill="hold">
-                            <p:stCondLst>
-                              <p:cond delay="0"/>
-                            </p:stCondLst>
-                            <p:childTnLst>
-                              <p:par>
-                                <p:cTn id="5" presetID="1" presetClass="entr" presetSubtype="0" fill="hold" nodeType="clickEffect">
-                                  <p:stCondLst>
-                                    <p:cond delay="0"/>
-                                  </p:stCondLst>
-                                  <p:childTnLst>
-                                    <p:set>
-                                      <p:cBhvr>
-                                        <p:cTn id="6" dur="1" fill="hold">
-                                          <p:stCondLst>
-                                            <p:cond delay="0"/>
-                                          </p:stCondLst>
-                                        </p:cTn>
-                                        <p:tgtEl>
-                                          <p:spTgt spid="17"/>
-                                        </p:tgtEl>
-                                        <p:attrNameLst>
-                                          <p:attrName>style.visibility</p:attrName>
-                                        </p:attrNameLst>
-                                      </p:cBhvr>
-                                      <p:to>
-                                        <p:strVal val="visible"/>
-                                      </p:to>
-                                    </p:set>
-                                  </p:childTnLst>
-                                </p:cTn>
-                              </p:par>
-                            </p:childTnLst>
-                          </p:cTn>
-                        </p:par>
-                      </p:childTnLst>
-                    </p:cTn>
-                  </p:par>
-                  <p:par>
-                    <p:cTn id="7" fill="hold">
-                      <p:stCondLst>
-                        <p:cond delay="indefinite"/>
-                      </p:stCondLst>
-                      <p:childTnLst>
-                        <p:par>
-                          <p:cTn id="8" fill="hold">
-                            <p:stCondLst>
-                              <p:cond delay="0"/>
-                            </p:stCondLst>
-                            <p:childTnLst>
-                              <p:par>
-                                <p:cTn id="9" presetID="1" presetClass="entr" presetSubtype="0" fill="hold" nodeType="clickEffect">
-                                  <p:stCondLst>
-                                    <p:cond delay="0"/>
-                                  </p:stCondLst>
-                                  <p:childTnLst>
-                                    <p:set>
-                                      <p:cBhvr>
-                                        <p:cTn id="10" dur="1" fill="hold">
-                                          <p:stCondLst>
-                                            <p:cond delay="0"/>
-                                          </p:stCondLst>
-                                        </p:cTn>
-                                        <p:tgtEl>
-                                          <p:spTgt spid="27"/>
-                                        </p:tgtEl>
-                                        <p:attrNameLst>
-                                          <p:attrName>style.visibility</p:attrName>
-                                        </p:attrNameLst>
-                                      </p:cBhvr>
-                                      <p:to>
-                                        <p:strVal val="visible"/>
-                                      </p:to>
-                                    </p:set>
-                                  </p:childTnLst>
-                                </p:cTn>
-                              </p:par>
-                            </p:childTnLst>
-                          </p:cTn>
-                        </p:par>
-                      </p:childTnLst>
-                    </p:cTn>
-                  </p:par>
-                  <p:par>
-                    <p:cTn id="11" fill="hold">
-                      <p:stCondLst>
-                        <p:cond delay="indefinite"/>
-                      </p:stCondLst>
-                      <p:childTnLst>
-                        <p:par>
-                          <p:cTn id="12" fill="hold">
-                            <p:stCondLst>
-                              <p:cond delay="0"/>
-                            </p:stCondLst>
-                            <p:childTnLst>
-                              <p:par>
-                                <p:cTn id="13" presetID="1" presetClass="entr" presetSubtype="0" fill="hold" grpId="0" nodeType="clickEffect">
-                                  <p:stCondLst>
-                                    <p:cond delay="0"/>
-                                  </p:stCondLst>
-                                  <p:childTnLst>
-                                    <p:set>
-                                      <p:cBhvr>
-                                        <p:cTn id="14" dur="1" fill="hold">
-                                          <p:stCondLst>
-                                            <p:cond delay="0"/>
-                                          </p:stCondLst>
-                                        </p:cTn>
-                                        <p:tgtEl>
-                                          <p:spTgt spid="19"/>
-                                        </p:tgtEl>
-                                        <p:attrNameLst>
-                                          <p:attrName>style.visibility</p:attrName>
-                                        </p:attrNameLst>
-                                      </p:cBhvr>
-                                      <p:to>
-                                        <p:strVal val="visible"/>
-                                      </p:to>
-                                    </p:set>
-                                  </p:childTnLst>
-                                </p:cTn>
-                              </p:par>
-                            </p:childTnLst>
-                          </p:cTn>
-                        </p:par>
-                      </p:childTnLst>
-                    </p:cTn>
-                  </p:par>
-                  <p:par>
-                    <p:cTn id="15" fill="hold">
-                      <p:stCondLst>
-                        <p:cond delay="indefinite"/>
-                      </p:stCondLst>
-                      <p:childTnLst>
-                        <p:par>
-                          <p:cTn id="16" fill="hold">
-                            <p:stCondLst>
-                              <p:cond delay="0"/>
-                            </p:stCondLst>
-                            <p:childTnLst>
-                              <p:par>
-                                <p:cTn id="17" presetID="1" presetClass="entr" presetSubtype="0" fill="hold" nodeType="clickEffect">
-                                  <p:stCondLst>
-                                    <p:cond delay="0"/>
-                                  </p:stCondLst>
-                                  <p:childTnLst>
-                                    <p:set>
-                                      <p:cBhvr>
-                                        <p:cTn id="18" dur="1" fill="hold">
-                                          <p:stCondLst>
-                                            <p:cond delay="0"/>
-                                          </p:stCondLst>
-                                        </p:cTn>
-                                        <p:tgtEl>
-                                          <p:spTgt spid="21"/>
-                                        </p:tgtEl>
-                                        <p:attrNameLst>
-                                          <p:attrName>style.visibility</p:attrName>
-                                        </p:attrNameLst>
-                                      </p:cBhvr>
-                                      <p:to>
-                                        <p:strVal val="visible"/>
-                                      </p:to>
-                                    </p:set>
-                                  </p:childTnLst>
-                                </p:cTn>
-                              </p:par>
-                            </p:childTnLst>
-                          </p:cTn>
-                        </p:par>
-                      </p:childTnLst>
-                    </p:cTn>
-                  </p:par>
-                  <p:par>
-                    <p:cTn id="19" fill="hold">
-                      <p:stCondLst>
-                        <p:cond delay="indefinite"/>
-                      </p:stCondLst>
-                      <p:childTnLst>
-                        <p:par>
-                          <p:cTn id="20" fill="hold">
-                            <p:stCondLst>
-                              <p:cond delay="0"/>
-                            </p:stCondLst>
-                            <p:childTnLst>
-                              <p:par>
-                                <p:cTn id="21" presetID="1" presetClass="entr" presetSubtype="0" fill="hold" nodeType="clickEffect">
-                                  <p:stCondLst>
-                                    <p:cond delay="0"/>
-                                  </p:stCondLst>
-                                  <p:childTnLst>
-                                    <p:set>
-                                      <p:cBhvr>
-                                        <p:cTn id="22" dur="1" fill="hold">
-                                          <p:stCondLst>
-                                            <p:cond delay="0"/>
-                                          </p:stCondLst>
-                                        </p:cTn>
-                                        <p:tgtEl>
-                                          <p:spTgt spid="25"/>
-                                        </p:tgtEl>
-                                        <p:attrNameLst>
-                                          <p:attrName>style.visibility</p:attrName>
-                                        </p:attrNameLst>
-                                      </p:cBhvr>
-                                      <p:to>
-                                        <p:strVal val="visible"/>
-                                      </p:to>
-                                    </p:set>
-                                  </p:childTnLst>
-                                </p:cTn>
-                              </p:par>
-                            </p:childTnLst>
-                          </p:cTn>
-                        </p:par>
-                      </p:childTnLst>
-                    </p:cTn>
-                  </p:par>
-                  <p:par>
-                    <p:cTn id="23" fill="hold">
-                      <p:stCondLst>
-                        <p:cond delay="indefinite"/>
-                      </p:stCondLst>
-                      <p:childTnLst>
-                        <p:par>
-                          <p:cTn id="24" fill="hold">
-                            <p:stCondLst>
-                              <p:cond delay="0"/>
-                            </p:stCondLst>
-                            <p:childTnLst>
-                              <p:par>
-                                <p:cTn id="25" presetID="1" presetClass="entr" presetSubtype="0" fill="hold" grpId="0" nodeType="clickEffect">
-                                  <p:stCondLst>
-                                    <p:cond delay="0"/>
-                                  </p:stCondLst>
-                                  <p:childTnLst>
-                                    <p:set>
-                                      <p:cBhvr>
-                                        <p:cTn id="26" dur="1" fill="hold">
-                                          <p:stCondLst>
-                                            <p:cond delay="0"/>
-                                          </p:stCondLst>
-                                        </p:cTn>
-                                        <p:tgtEl>
-                                          <p:spTgt spid="20"/>
-                                        </p:tgtEl>
-                                        <p:attrNameLst>
-                                          <p:attrName>style.visibility</p:attrName>
-                                        </p:attrNameLst>
-                                      </p:cBhvr>
-                                      <p:to>
-                                        <p:strVal val="visible"/>
-                                      </p:to>
-                                    </p:set>
-                                  </p:childTnLst>
-                                </p:cTn>
-                              </p:par>
-                            </p:childTnLst>
-                          </p:cTn>
-                        </p:par>
-                      </p:childTnLst>
-                    </p:cTn>
-                  </p:par>
-                  <p:par>
-                    <p:cTn id="27" fill="hold">
-                      <p:stCondLst>
-                        <p:cond delay="indefinite"/>
-                      </p:stCondLst>
-                      <p:childTnLst>
-                        <p:par>
-                          <p:cTn id="28" fill="hold">
-                            <p:stCondLst>
-                              <p:cond delay="0"/>
-                            </p:stCondLst>
-                            <p:childTnLst>
-                              <p:par>
-                                <p:cTn id="29" presetID="1" presetClass="entr" presetSubtype="0" fill="hold" nodeType="clickEffect">
-                                  <p:stCondLst>
-                                    <p:cond delay="0"/>
-                                  </p:stCondLst>
-                                  <p:childTnLst>
-                                    <p:set>
-                                      <p:cBhvr>
-                                        <p:cTn id="30" dur="1" fill="hold">
-                                          <p:stCondLst>
-                                            <p:cond delay="0"/>
-                                          </p:stCondLst>
-                                        </p:cTn>
-                                        <p:tgtEl>
-                                          <p:spTgt spid="22"/>
-                                        </p:tgtEl>
-                                        <p:attrNameLst>
-                                          <p:attrName>style.visibility</p:attrName>
-                                        </p:attrNameLst>
-                                      </p:cBhvr>
-                                      <p:to>
-                                        <p:strVal val="visible"/>
-                                      </p:to>
-                                    </p:set>
-                                  </p:childTnLst>
-                                </p:cTn>
-                              </p:par>
-                            </p:childTnLst>
-                          </p:cTn>
-                        </p:par>
-                      </p:childTnLst>
-                    </p:cTn>
-                  </p:par>
-                  <p:par>
-                    <p:cTn id="31" fill="hold">
-                      <p:stCondLst>
-                        <p:cond delay="indefinite"/>
-                      </p:stCondLst>
-                      <p:childTnLst>
-                        <p:par>
-                          <p:cTn id="32" fill="hold">
-                            <p:stCondLst>
-                              <p:cond delay="0"/>
-                            </p:stCondLst>
-                            <p:childTnLst>
-                              <p:par>
-                                <p:cTn id="33" presetID="1" presetClass="entr" presetSubtype="0" fill="hold" nodeType="clickEffect">
-                                  <p:stCondLst>
-                                    <p:cond delay="0"/>
-                                  </p:stCondLst>
-                                  <p:childTnLst>
-                                    <p:set>
-                                      <p:cBhvr>
-                                        <p:cTn id="34" dur="1" fill="hold">
-                                          <p:stCondLst>
-                                            <p:cond delay="0"/>
-                                          </p:stCondLst>
-                                        </p:cTn>
-                                        <p:tgtEl>
-                                          <p:spTgt spid="23"/>
-                                        </p:tgtEl>
-                                        <p:attrNameLst>
-                                          <p:attrName>style.visibility</p:attrName>
-                                        </p:attrNameLst>
-                                      </p:cBhvr>
-                                      <p:to>
-                                        <p:strVal val="visible"/>
-                                      </p:to>
-                                    </p:set>
-                                  </p:childTnLst>
-                                </p:cTn>
-                              </p:par>
-                            </p:childTnLst>
-                          </p:cTn>
-                        </p:par>
-                      </p:childTnLst>
-                    </p:cTn>
-                  </p:par>
-                  <p:par>
-                    <p:cTn id="35" fill="hold">
-                      <p:stCondLst>
-                        <p:cond delay="indefinite"/>
-                      </p:stCondLst>
-                      <p:childTnLst>
-                        <p:par>
-                          <p:cTn id="36" fill="hold">
-                            <p:stCondLst>
-                              <p:cond delay="0"/>
-                            </p:stCondLst>
-                            <p:childTnLst>
-                              <p:par>
-                                <p:cTn id="37" presetID="1" presetClass="entr" presetSubtype="0" fill="hold" grpId="0" nodeType="clickEffect">
-                                  <p:stCondLst>
-                                    <p:cond delay="0"/>
-                                  </p:stCondLst>
-                                  <p:childTnLst>
-                                    <p:set>
-                                      <p:cBhvr>
-                                        <p:cTn id="38" dur="1" fill="hold">
-                                          <p:stCondLst>
-                                            <p:cond delay="0"/>
-                                          </p:stCondLst>
-                                        </p:cTn>
-                                        <p:tgtEl>
-                                          <p:spTgt spid="24"/>
-                                        </p:tgtEl>
-                                        <p:attrNameLst>
-                                          <p:attrName>style.visibility</p:attrName>
-                                        </p:attrNameLst>
-                                      </p:cBhvr>
-                                      <p:to>
-                                        <p:strVal val="visible"/>
-                                      </p:to>
-                                    </p:set>
-                                  </p:childTnLst>
-                                </p:cTn>
-                              </p:par>
-                            </p:childTnLst>
-                          </p:cTn>
-                        </p:par>
-                      </p:childTnLst>
-                    </p:cTn>
-                  </p:par>
-                  <p:par>
-                    <p:cTn id="39" fill="hold">
-                      <p:stCondLst>
-                        <p:cond delay="indefinite"/>
-                      </p:stCondLst>
-                      <p:childTnLst>
-                        <p:par>
-                          <p:cTn id="40" fill="hold">
-                            <p:stCondLst>
-                              <p:cond delay="0"/>
-                            </p:stCondLst>
-                            <p:childTnLst>
-                              <p:par>
-                                <p:cTn id="41" presetID="1" presetClass="entr" presetSubtype="0" fill="hold" nodeType="clickEffect">
-                                  <p:stCondLst>
-                                    <p:cond delay="0"/>
-                                  </p:stCondLst>
-                                  <p:childTnLst>
-                                    <p:set>
-                                      <p:cBhvr>
-                                        <p:cTn id="42" dur="1" fill="hold">
-                                          <p:stCondLst>
-                                            <p:cond delay="0"/>
-                                          </p:stCondLst>
-                                        </p:cTn>
-                                        <p:tgtEl>
-                                          <p:spTgt spid="26"/>
-                                        </p:tgtEl>
-                                        <p:attrNameLst>
-                                          <p:attrName>style.visibility</p:attrName>
-                                        </p:attrNameLst>
-                                      </p:cBhvr>
-                                      <p:to>
-                                        <p:strVal val="visible"/>
-                                      </p:to>
-                                    </p:set>
-                                  </p:childTnLst>
-                                </p:cTn>
-                              </p:par>
-                            </p:childTnLst>
-                          </p:cTn>
-                        </p:par>
-                      </p:childTnLst>
-                    </p:cTn>
-                  </p:par>
-                </p:childTnLst>
-              </p:cTn>
-              <p:prevCondLst>
-                <p:cond evt="onPrev" delay="0">
-                  <p:tgtEl>
-                    <p:sldTgt/>
-                  </p:tgtEl>
-                </p:cond>
-              </p:prevCondLst>
-              <p:nextCondLst>
-                <p:cond evt="onNext" delay="0">
-                  <p:tgtEl>
-                    <p:sldTgt/>
-                  </p:tgtEl>
-                </p:cond>
-              </p:nextCondLst>
-            </p:seq>
-          </p:childTnLst>
-        </p:cTn>
-      </p:par>
-    </p:tnLst>
-    <p:bldLst>
-      <p:bldP spid="19" grpId="0"/>
-      <p:bldP spid="20" grpId="0"/>
-      <p:bldP spid="24" grpId="0"/>
-    </p:bldLst>
-  </p:timing>
 </p:sld>
 </file>
 
@@ -24576,220 +23530,6 @@
   <p:clrMapOvr>
     <a:masterClrMapping/>
   </p:clrMapOvr>
-  <p:timing>
-    <p:tnLst>
-      <p:par>
-        <p:cTn id="1" dur="indefinite" restart="never" nodeType="tmRoot">
-          <p:childTnLst>
-            <p:seq concurrent="1" nextAc="seek">
-              <p:cTn id="2" dur="indefinite" nodeType="mainSeq">
-                <p:childTnLst>
-                  <p:par>
-                    <p:cTn id="3" fill="hold">
-                      <p:stCondLst>
-                        <p:cond delay="indefinite"/>
-                      </p:stCondLst>
-                      <p:childTnLst>
-                        <p:par>
-                          <p:cTn id="4" fill="hold">
-                            <p:stCondLst>
-                              <p:cond delay="0"/>
-                            </p:stCondLst>
-                            <p:childTnLst>
-                              <p:par>
-                                <p:cTn id="5" presetID="1" presetClass="entr" presetSubtype="0" fill="hold" nodeType="clickEffect">
-                                  <p:stCondLst>
-                                    <p:cond delay="0"/>
-                                  </p:stCondLst>
-                                  <p:childTnLst>
-                                    <p:set>
-                                      <p:cBhvr>
-                                        <p:cTn id="6" dur="1" fill="hold">
-                                          <p:stCondLst>
-                                            <p:cond delay="0"/>
-                                          </p:stCondLst>
-                                        </p:cTn>
-                                        <p:tgtEl>
-                                          <p:spTgt spid="21508"/>
-                                        </p:tgtEl>
-                                        <p:attrNameLst>
-                                          <p:attrName>style.visibility</p:attrName>
-                                        </p:attrNameLst>
-                                      </p:cBhvr>
-                                      <p:to>
-                                        <p:strVal val="visible"/>
-                                      </p:to>
-                                    </p:set>
-                                  </p:childTnLst>
-                                </p:cTn>
-                              </p:par>
-                              <p:par>
-                                <p:cTn id="7" presetID="1" presetClass="entr" presetSubtype="0" fill="hold" nodeType="withEffect">
-                                  <p:stCondLst>
-                                    <p:cond delay="0"/>
-                                  </p:stCondLst>
-                                  <p:childTnLst>
-                                    <p:set>
-                                      <p:cBhvr>
-                                        <p:cTn id="8" dur="1" fill="hold">
-                                          <p:stCondLst>
-                                            <p:cond delay="0"/>
-                                          </p:stCondLst>
-                                        </p:cTn>
-                                        <p:tgtEl>
-                                          <p:spTgt spid="3"/>
-                                        </p:tgtEl>
-                                        <p:attrNameLst>
-                                          <p:attrName>style.visibility</p:attrName>
-                                        </p:attrNameLst>
-                                      </p:cBhvr>
-                                      <p:to>
-                                        <p:strVal val="visible"/>
-                                      </p:to>
-                                    </p:set>
-                                  </p:childTnLst>
-                                </p:cTn>
-                              </p:par>
-                              <p:par>
-                                <p:cTn id="9" presetID="1" presetClass="entr" presetSubtype="0" fill="hold" nodeType="withEffect">
-                                  <p:stCondLst>
-                                    <p:cond delay="0"/>
-                                  </p:stCondLst>
-                                  <p:childTnLst>
-                                    <p:set>
-                                      <p:cBhvr>
-                                        <p:cTn id="10" dur="1" fill="hold">
-                                          <p:stCondLst>
-                                            <p:cond delay="0"/>
-                                          </p:stCondLst>
-                                        </p:cTn>
-                                        <p:tgtEl>
-                                          <p:spTgt spid="4"/>
-                                        </p:tgtEl>
-                                        <p:attrNameLst>
-                                          <p:attrName>style.visibility</p:attrName>
-                                        </p:attrNameLst>
-                                      </p:cBhvr>
-                                      <p:to>
-                                        <p:strVal val="visible"/>
-                                      </p:to>
-                                    </p:set>
-                                  </p:childTnLst>
-                                </p:cTn>
-                              </p:par>
-                              <p:par>
-                                <p:cTn id="11" presetID="1" presetClass="entr" presetSubtype="0" fill="hold" nodeType="withEffect">
-                                  <p:stCondLst>
-                                    <p:cond delay="0"/>
-                                  </p:stCondLst>
-                                  <p:childTnLst>
-                                    <p:set>
-                                      <p:cBhvr>
-                                        <p:cTn id="12" dur="1" fill="hold">
-                                          <p:stCondLst>
-                                            <p:cond delay="0"/>
-                                          </p:stCondLst>
-                                        </p:cTn>
-                                        <p:tgtEl>
-                                          <p:spTgt spid="5"/>
-                                        </p:tgtEl>
-                                        <p:attrNameLst>
-                                          <p:attrName>style.visibility</p:attrName>
-                                        </p:attrNameLst>
-                                      </p:cBhvr>
-                                      <p:to>
-                                        <p:strVal val="visible"/>
-                                      </p:to>
-                                    </p:set>
-                                  </p:childTnLst>
-                                </p:cTn>
-                              </p:par>
-                              <p:par>
-                                <p:cTn id="13" presetID="1" presetClass="entr" presetSubtype="0" fill="hold" nodeType="withEffect">
-                                  <p:stCondLst>
-                                    <p:cond delay="0"/>
-                                  </p:stCondLst>
-                                  <p:childTnLst>
-                                    <p:set>
-                                      <p:cBhvr>
-                                        <p:cTn id="14" dur="1" fill="hold">
-                                          <p:stCondLst>
-                                            <p:cond delay="0"/>
-                                          </p:stCondLst>
-                                        </p:cTn>
-                                        <p:tgtEl>
-                                          <p:spTgt spid="6"/>
-                                        </p:tgtEl>
-                                        <p:attrNameLst>
-                                          <p:attrName>style.visibility</p:attrName>
-                                        </p:attrNameLst>
-                                      </p:cBhvr>
-                                      <p:to>
-                                        <p:strVal val="visible"/>
-                                      </p:to>
-                                    </p:set>
-                                  </p:childTnLst>
-                                </p:cTn>
-                              </p:par>
-                              <p:par>
-                                <p:cTn id="15" presetID="1" presetClass="entr" presetSubtype="0" fill="hold" nodeType="withEffect">
-                                  <p:stCondLst>
-                                    <p:cond delay="0"/>
-                                  </p:stCondLst>
-                                  <p:childTnLst>
-                                    <p:set>
-                                      <p:cBhvr>
-                                        <p:cTn id="16" dur="1" fill="hold">
-                                          <p:stCondLst>
-                                            <p:cond delay="0"/>
-                                          </p:stCondLst>
-                                        </p:cTn>
-                                        <p:tgtEl>
-                                          <p:spTgt spid="21506">
-                                            <p:txEl>
-                                              <p:pRg st="0" end="0"/>
-                                            </p:txEl>
-                                          </p:spTgt>
-                                        </p:tgtEl>
-                                        <p:attrNameLst>
-                                          <p:attrName>style.visibility</p:attrName>
-                                        </p:attrNameLst>
-                                      </p:cBhvr>
-                                      <p:to>
-                                        <p:strVal val="visible"/>
-                                      </p:to>
-                                    </p:set>
-                                  </p:childTnLst>
-                                </p:cTn>
-                              </p:par>
-                            </p:childTnLst>
-                          </p:cTn>
-                        </p:par>
-                      </p:childTnLst>
-                    </p:cTn>
-                  </p:par>
-                </p:childTnLst>
-              </p:cTn>
-              <p:prevCondLst>
-                <p:cond evt="onPrev" delay="0">
-                  <p:tgtEl>
-                    <p:sldTgt/>
-                  </p:tgtEl>
-                </p:cond>
-              </p:prevCondLst>
-              <p:nextCondLst>
-                <p:cond evt="onNext" delay="0">
-                  <p:tgtEl>
-                    <p:sldTgt/>
-                  </p:tgtEl>
-                </p:cond>
-              </p:nextCondLst>
-            </p:seq>
-          </p:childTnLst>
-        </p:cTn>
-      </p:par>
-    </p:tnLst>
-  </p:timing>
 </p:sld>
 </file>
 
@@ -25395,8 +24135,8 @@
           </a:extLst>
         </p:spPr>
       </p:cxnSp>
-      <mc:AlternateContent xmlns:mc="http://schemas.openxmlformats.org/markup-compatibility/2006">
-        <mc:Choice xmlns:a14="http://schemas.microsoft.com/office/drawing/2010/main" Requires="a14">
+      <mc:AlternateContent xmlns:mc="http://schemas.openxmlformats.org/markup-compatibility/2006" xmlns:a14="http://schemas.microsoft.com/office/drawing/2010/main">
+        <mc:Choice Requires="a14">
           <p:graphicFrame>
             <p:nvGraphicFramePr>
               <p:cNvPr id="1184780" name="Group 12"/>
@@ -26967,7 +25707,7 @@
             </a:graphic>
           </p:graphicFrame>
         </mc:Choice>
-        <mc:Fallback>
+        <mc:Fallback xmlns="">
           <p:graphicFrame>
             <p:nvGraphicFramePr>
               <p:cNvPr id="1184780" name="Group 12"/>
@@ -28147,8 +26887,8 @@
           </p:graphicFrame>
         </mc:Fallback>
       </mc:AlternateContent>
-      <mc:AlternateContent xmlns:mc="http://schemas.openxmlformats.org/markup-compatibility/2006">
-        <mc:Choice xmlns:a14="http://schemas.microsoft.com/office/drawing/2010/main" Requires="a14">
+      <mc:AlternateContent xmlns:mc="http://schemas.openxmlformats.org/markup-compatibility/2006" xmlns:a14="http://schemas.microsoft.com/office/drawing/2010/main">
+        <mc:Choice Requires="a14">
           <p:graphicFrame>
             <p:nvGraphicFramePr>
               <p:cNvPr id="1184865" name="Group 97"/>
@@ -28893,7 +27633,7 @@
             </a:graphic>
           </p:graphicFrame>
         </mc:Choice>
-        <mc:Fallback>
+        <mc:Fallback xmlns="">
           <p:graphicFrame>
             <p:nvGraphicFramePr>
               <p:cNvPr id="1184865" name="Group 97"/>
@@ -30250,8 +28990,8 @@
           </a:fontRef>
         </p:style>
       </p:cxnSp>
-      <mc:AlternateContent xmlns:mc="http://schemas.openxmlformats.org/markup-compatibility/2006">
-        <mc:Choice xmlns:a14="http://schemas.microsoft.com/office/drawing/2010/main" Requires="a14">
+      <mc:AlternateContent xmlns:mc="http://schemas.openxmlformats.org/markup-compatibility/2006" xmlns:a14="http://schemas.microsoft.com/office/drawing/2010/main">
+        <mc:Choice Requires="a14">
           <p:graphicFrame>
             <p:nvGraphicFramePr>
               <p:cNvPr id="7" name="Group 10">
@@ -30954,7 +29694,7 @@
             </a:graphic>
           </p:graphicFrame>
         </mc:Choice>
-        <mc:Fallback>
+        <mc:Fallback xmlns="">
           <p:graphicFrame>
             <p:nvGraphicFramePr>
               <p:cNvPr id="7" name="Group 10">
@@ -31484,355 +30224,6 @@
     <a:masterClrMapping/>
   </p:clrMapOvr>
   <p:transition/>
-  <p:timing>
-    <p:tnLst>
-      <p:par>
-        <p:cTn id="1" dur="indefinite" restart="never" nodeType="tmRoot">
-          <p:childTnLst>
-            <p:seq concurrent="1" nextAc="seek">
-              <p:cTn id="2" dur="indefinite" nodeType="mainSeq">
-                <p:childTnLst>
-                  <p:par>
-                    <p:cTn id="3" fill="hold">
-                      <p:stCondLst>
-                        <p:cond delay="indefinite"/>
-                      </p:stCondLst>
-                      <p:childTnLst>
-                        <p:par>
-                          <p:cTn id="4" fill="hold">
-                            <p:stCondLst>
-                              <p:cond delay="0"/>
-                            </p:stCondLst>
-                            <p:childTnLst>
-                              <p:par>
-                                <p:cTn id="5" presetID="1" presetClass="entr" presetSubtype="0" fill="hold" nodeType="clickEffect">
-                                  <p:stCondLst>
-                                    <p:cond delay="0"/>
-                                  </p:stCondLst>
-                                  <p:childTnLst>
-                                    <p:set>
-                                      <p:cBhvr>
-                                        <p:cTn id="6" dur="1" fill="hold">
-                                          <p:stCondLst>
-                                            <p:cond delay="0"/>
-                                          </p:stCondLst>
-                                        </p:cTn>
-                                        <p:tgtEl>
-                                          <p:spTgt spid="26"/>
-                                        </p:tgtEl>
-                                        <p:attrNameLst>
-                                          <p:attrName>style.visibility</p:attrName>
-                                        </p:attrNameLst>
-                                      </p:cBhvr>
-                                      <p:to>
-                                        <p:strVal val="visible"/>
-                                      </p:to>
-                                    </p:set>
-                                  </p:childTnLst>
-                                </p:cTn>
-                              </p:par>
-                            </p:childTnLst>
-                          </p:cTn>
-                        </p:par>
-                      </p:childTnLst>
-                    </p:cTn>
-                  </p:par>
-                  <p:par>
-                    <p:cTn id="7" fill="hold">
-                      <p:stCondLst>
-                        <p:cond delay="indefinite"/>
-                      </p:stCondLst>
-                      <p:childTnLst>
-                        <p:par>
-                          <p:cTn id="8" fill="hold">
-                            <p:stCondLst>
-                              <p:cond delay="0"/>
-                            </p:stCondLst>
-                            <p:childTnLst>
-                              <p:par>
-                                <p:cTn id="9" presetID="1" presetClass="entr" presetSubtype="0" fill="hold" nodeType="clickEffect">
-                                  <p:stCondLst>
-                                    <p:cond delay="0"/>
-                                  </p:stCondLst>
-                                  <p:childTnLst>
-                                    <p:set>
-                                      <p:cBhvr>
-                                        <p:cTn id="10" dur="1" fill="hold">
-                                          <p:stCondLst>
-                                            <p:cond delay="0"/>
-                                          </p:stCondLst>
-                                        </p:cTn>
-                                        <p:tgtEl>
-                                          <p:spTgt spid="9273"/>
-                                        </p:tgtEl>
-                                        <p:attrNameLst>
-                                          <p:attrName>style.visibility</p:attrName>
-                                        </p:attrNameLst>
-                                      </p:cBhvr>
-                                      <p:to>
-                                        <p:strVal val="visible"/>
-                                      </p:to>
-                                    </p:set>
-                                  </p:childTnLst>
-                                </p:cTn>
-                              </p:par>
-                            </p:childTnLst>
-                          </p:cTn>
-                        </p:par>
-                      </p:childTnLst>
-                    </p:cTn>
-                  </p:par>
-                  <p:par>
-                    <p:cTn id="11" fill="hold">
-                      <p:stCondLst>
-                        <p:cond delay="indefinite"/>
-                      </p:stCondLst>
-                      <p:childTnLst>
-                        <p:par>
-                          <p:cTn id="12" fill="hold">
-                            <p:stCondLst>
-                              <p:cond delay="0"/>
-                            </p:stCondLst>
-                            <p:childTnLst>
-                              <p:par>
-                                <p:cTn id="13" presetID="1" presetClass="entr" presetSubtype="0" fill="hold" nodeType="clickEffect">
-                                  <p:stCondLst>
-                                    <p:cond delay="0"/>
-                                  </p:stCondLst>
-                                  <p:childTnLst>
-                                    <p:set>
-                                      <p:cBhvr>
-                                        <p:cTn id="14" dur="1" fill="hold">
-                                          <p:stCondLst>
-                                            <p:cond delay="0"/>
-                                          </p:stCondLst>
-                                        </p:cTn>
-                                        <p:tgtEl>
-                                          <p:spTgt spid="9274"/>
-                                        </p:tgtEl>
-                                        <p:attrNameLst>
-                                          <p:attrName>style.visibility</p:attrName>
-                                        </p:attrNameLst>
-                                      </p:cBhvr>
-                                      <p:to>
-                                        <p:strVal val="visible"/>
-                                      </p:to>
-                                    </p:set>
-                                  </p:childTnLst>
-                                </p:cTn>
-                              </p:par>
-                            </p:childTnLst>
-                          </p:cTn>
-                        </p:par>
-                      </p:childTnLst>
-                    </p:cTn>
-                  </p:par>
-                  <p:par>
-                    <p:cTn id="15" fill="hold">
-                      <p:stCondLst>
-                        <p:cond delay="indefinite"/>
-                      </p:stCondLst>
-                      <p:childTnLst>
-                        <p:par>
-                          <p:cTn id="16" fill="hold">
-                            <p:stCondLst>
-                              <p:cond delay="0"/>
-                            </p:stCondLst>
-                            <p:childTnLst>
-                              <p:par>
-                                <p:cTn id="17" presetID="1" presetClass="entr" presetSubtype="0" fill="hold" nodeType="clickEffect">
-                                  <p:stCondLst>
-                                    <p:cond delay="0"/>
-                                  </p:stCondLst>
-                                  <p:childTnLst>
-                                    <p:set>
-                                      <p:cBhvr>
-                                        <p:cTn id="18" dur="1" fill="hold">
-                                          <p:stCondLst>
-                                            <p:cond delay="0"/>
-                                          </p:stCondLst>
-                                        </p:cTn>
-                                        <p:tgtEl>
-                                          <p:spTgt spid="9271"/>
-                                        </p:tgtEl>
-                                        <p:attrNameLst>
-                                          <p:attrName>style.visibility</p:attrName>
-                                        </p:attrNameLst>
-                                      </p:cBhvr>
-                                      <p:to>
-                                        <p:strVal val="visible"/>
-                                      </p:to>
-                                    </p:set>
-                                  </p:childTnLst>
-                                </p:cTn>
-                              </p:par>
-                            </p:childTnLst>
-                          </p:cTn>
-                        </p:par>
-                      </p:childTnLst>
-                    </p:cTn>
-                  </p:par>
-                  <p:par>
-                    <p:cTn id="19" fill="hold">
-                      <p:stCondLst>
-                        <p:cond delay="indefinite"/>
-                      </p:stCondLst>
-                      <p:childTnLst>
-                        <p:par>
-                          <p:cTn id="20" fill="hold">
-                            <p:stCondLst>
-                              <p:cond delay="0"/>
-                            </p:stCondLst>
-                            <p:childTnLst>
-                              <p:par>
-                                <p:cTn id="21" presetID="1" presetClass="entr" presetSubtype="0" fill="hold" nodeType="clickEffect">
-                                  <p:stCondLst>
-                                    <p:cond delay="0"/>
-                                  </p:stCondLst>
-                                  <p:childTnLst>
-                                    <p:set>
-                                      <p:cBhvr>
-                                        <p:cTn id="22" dur="1" fill="hold">
-                                          <p:stCondLst>
-                                            <p:cond delay="0"/>
-                                          </p:stCondLst>
-                                        </p:cTn>
-                                        <p:tgtEl>
-                                          <p:spTgt spid="22583">
-                                            <p:txEl>
-                                              <p:pRg st="0" end="0"/>
-                                            </p:txEl>
-                                          </p:spTgt>
-                                        </p:tgtEl>
-                                        <p:attrNameLst>
-                                          <p:attrName>style.visibility</p:attrName>
-                                        </p:attrNameLst>
-                                      </p:cBhvr>
-                                      <p:to>
-                                        <p:strVal val="visible"/>
-                                      </p:to>
-                                    </p:set>
-                                  </p:childTnLst>
-                                </p:cTn>
-                              </p:par>
-                            </p:childTnLst>
-                          </p:cTn>
-                        </p:par>
-                      </p:childTnLst>
-                    </p:cTn>
-                  </p:par>
-                  <p:par>
-                    <p:cTn id="23" fill="hold">
-                      <p:stCondLst>
-                        <p:cond delay="indefinite"/>
-                      </p:stCondLst>
-                      <p:childTnLst>
-                        <p:par>
-                          <p:cTn id="24" fill="hold">
-                            <p:stCondLst>
-                              <p:cond delay="0"/>
-                            </p:stCondLst>
-                            <p:childTnLst>
-                              <p:par>
-                                <p:cTn id="25" presetID="1" presetClass="entr" presetSubtype="0" fill="hold" nodeType="clickEffect">
-                                  <p:stCondLst>
-                                    <p:cond delay="0"/>
-                                  </p:stCondLst>
-                                  <p:childTnLst>
-                                    <p:set>
-                                      <p:cBhvr>
-                                        <p:cTn id="26" dur="1" fill="hold">
-                                          <p:stCondLst>
-                                            <p:cond delay="0"/>
-                                          </p:stCondLst>
-                                        </p:cTn>
-                                        <p:tgtEl>
-                                          <p:spTgt spid="9275"/>
-                                        </p:tgtEl>
-                                        <p:attrNameLst>
-                                          <p:attrName>style.visibility</p:attrName>
-                                        </p:attrNameLst>
-                                      </p:cBhvr>
-                                      <p:to>
-                                        <p:strVal val="visible"/>
-                                      </p:to>
-                                    </p:set>
-                                  </p:childTnLst>
-                                </p:cTn>
-                              </p:par>
-                            </p:childTnLst>
-                          </p:cTn>
-                        </p:par>
-                      </p:childTnLst>
-                    </p:cTn>
-                  </p:par>
-                  <p:par>
-                    <p:cTn id="27" fill="hold">
-                      <p:stCondLst>
-                        <p:cond delay="indefinite"/>
-                      </p:stCondLst>
-                      <p:childTnLst>
-                        <p:par>
-                          <p:cTn id="28" fill="hold">
-                            <p:stCondLst>
-                              <p:cond delay="0"/>
-                            </p:stCondLst>
-                            <p:childTnLst>
-                              <p:par>
-                                <p:cTn id="29" presetID="1" presetClass="entr" presetSubtype="0" fill="hold" nodeType="clickEffect">
-                                  <p:stCondLst>
-                                    <p:cond delay="0"/>
-                                  </p:stCondLst>
-                                  <p:childTnLst>
-                                    <p:set>
-                                      <p:cBhvr>
-                                        <p:cTn id="30" dur="1" fill="hold">
-                                          <p:stCondLst>
-                                            <p:cond delay="0"/>
-                                          </p:stCondLst>
-                                        </p:cTn>
-                                        <p:tgtEl>
-                                          <p:spTgt spid="7"/>
-                                        </p:tgtEl>
-                                        <p:attrNameLst>
-                                          <p:attrName>style.visibility</p:attrName>
-                                        </p:attrNameLst>
-                                      </p:cBhvr>
-                                      <p:to>
-                                        <p:strVal val="visible"/>
-                                      </p:to>
-                                    </p:set>
-                                  </p:childTnLst>
-                                </p:cTn>
-                              </p:par>
-                            </p:childTnLst>
-                          </p:cTn>
-                        </p:par>
-                      </p:childTnLst>
-                    </p:cTn>
-                  </p:par>
-                </p:childTnLst>
-              </p:cTn>
-              <p:prevCondLst>
-                <p:cond evt="onPrev" delay="0">
-                  <p:tgtEl>
-                    <p:sldTgt/>
-                  </p:tgtEl>
-                </p:cond>
-              </p:prevCondLst>
-              <p:nextCondLst>
-                <p:cond evt="onNext" delay="0">
-                  <p:tgtEl>
-                    <p:sldTgt/>
-                  </p:tgtEl>
-                </p:cond>
-              </p:nextCondLst>
-            </p:seq>
-          </p:childTnLst>
-        </p:cTn>
-      </p:par>
-    </p:tnLst>
-  </p:timing>
 </p:sld>
 </file>
 
@@ -35273,714 +33664,6 @@
   <p:clrMapOvr>
     <a:masterClrMapping/>
   </p:clrMapOvr>
-  <p:timing>
-    <p:tnLst>
-      <p:par>
-        <p:cTn id="1" dur="indefinite" restart="never" nodeType="tmRoot">
-          <p:childTnLst>
-            <p:seq concurrent="1" nextAc="seek">
-              <p:cTn id="2" dur="indefinite" nodeType="mainSeq">
-                <p:childTnLst>
-                  <p:par>
-                    <p:cTn id="3" fill="hold">
-                      <p:stCondLst>
-                        <p:cond delay="indefinite"/>
-                      </p:stCondLst>
-                      <p:childTnLst>
-                        <p:par>
-                          <p:cTn id="4" fill="hold">
-                            <p:stCondLst>
-                              <p:cond delay="0"/>
-                            </p:stCondLst>
-                            <p:childTnLst>
-                              <p:par>
-                                <p:cTn id="5" presetID="1" presetClass="entr" presetSubtype="0" fill="hold" nodeType="clickEffect">
-                                  <p:stCondLst>
-                                    <p:cond delay="0"/>
-                                  </p:stCondLst>
-                                  <p:childTnLst>
-                                    <p:set>
-                                      <p:cBhvr>
-                                        <p:cTn id="6" dur="1" fill="hold">
-                                          <p:stCondLst>
-                                            <p:cond delay="0"/>
-                                          </p:stCondLst>
-                                        </p:cTn>
-                                        <p:tgtEl>
-                                          <p:spTgt spid="23556"/>
-                                        </p:tgtEl>
-                                        <p:attrNameLst>
-                                          <p:attrName>style.visibility</p:attrName>
-                                        </p:attrNameLst>
-                                      </p:cBhvr>
-                                      <p:to>
-                                        <p:strVal val="visible"/>
-                                      </p:to>
-                                    </p:set>
-                                  </p:childTnLst>
-                                </p:cTn>
-                              </p:par>
-                              <p:par>
-                                <p:cTn id="7" presetID="1" presetClass="entr" presetSubtype="0" fill="hold" grpId="0" nodeType="withEffect">
-                                  <p:stCondLst>
-                                    <p:cond delay="0"/>
-                                  </p:stCondLst>
-                                  <p:childTnLst>
-                                    <p:set>
-                                      <p:cBhvr>
-                                        <p:cTn id="8" dur="1" fill="hold">
-                                          <p:stCondLst>
-                                            <p:cond delay="0"/>
-                                          </p:stCondLst>
-                                        </p:cTn>
-                                        <p:tgtEl>
-                                          <p:spTgt spid="23557"/>
-                                        </p:tgtEl>
-                                        <p:attrNameLst>
-                                          <p:attrName>style.visibility</p:attrName>
-                                        </p:attrNameLst>
-                                      </p:cBhvr>
-                                      <p:to>
-                                        <p:strVal val="visible"/>
-                                      </p:to>
-                                    </p:set>
-                                  </p:childTnLst>
-                                </p:cTn>
-                              </p:par>
-                              <p:par>
-                                <p:cTn id="9" presetID="1" presetClass="entr" presetSubtype="0" fill="hold" grpId="0" nodeType="withEffect">
-                                  <p:stCondLst>
-                                    <p:cond delay="0"/>
-                                  </p:stCondLst>
-                                  <p:childTnLst>
-                                    <p:set>
-                                      <p:cBhvr>
-                                        <p:cTn id="10" dur="1" fill="hold">
-                                          <p:stCondLst>
-                                            <p:cond delay="0"/>
-                                          </p:stCondLst>
-                                        </p:cTn>
-                                        <p:tgtEl>
-                                          <p:spTgt spid="23558"/>
-                                        </p:tgtEl>
-                                        <p:attrNameLst>
-                                          <p:attrName>style.visibility</p:attrName>
-                                        </p:attrNameLst>
-                                      </p:cBhvr>
-                                      <p:to>
-                                        <p:strVal val="visible"/>
-                                      </p:to>
-                                    </p:set>
-                                  </p:childTnLst>
-                                </p:cTn>
-                              </p:par>
-                              <p:par>
-                                <p:cTn id="11" presetID="1" presetClass="entr" presetSubtype="0" fill="hold" nodeType="withEffect">
-                                  <p:stCondLst>
-                                    <p:cond delay="0"/>
-                                  </p:stCondLst>
-                                  <p:childTnLst>
-                                    <p:set>
-                                      <p:cBhvr>
-                                        <p:cTn id="12" dur="1" fill="hold">
-                                          <p:stCondLst>
-                                            <p:cond delay="0"/>
-                                          </p:stCondLst>
-                                        </p:cTn>
-                                        <p:tgtEl>
-                                          <p:spTgt spid="12"/>
-                                        </p:tgtEl>
-                                        <p:attrNameLst>
-                                          <p:attrName>style.visibility</p:attrName>
-                                        </p:attrNameLst>
-                                      </p:cBhvr>
-                                      <p:to>
-                                        <p:strVal val="visible"/>
-                                      </p:to>
-                                    </p:set>
-                                  </p:childTnLst>
-                                </p:cTn>
-                              </p:par>
-                              <p:par>
-                                <p:cTn id="13" presetID="1" presetClass="entr" presetSubtype="0" fill="hold" nodeType="withEffect">
-                                  <p:stCondLst>
-                                    <p:cond delay="0"/>
-                                  </p:stCondLst>
-                                  <p:childTnLst>
-                                    <p:set>
-                                      <p:cBhvr>
-                                        <p:cTn id="14" dur="1" fill="hold">
-                                          <p:stCondLst>
-                                            <p:cond delay="0"/>
-                                          </p:stCondLst>
-                                        </p:cTn>
-                                        <p:tgtEl>
-                                          <p:spTgt spid="13"/>
-                                        </p:tgtEl>
-                                        <p:attrNameLst>
-                                          <p:attrName>style.visibility</p:attrName>
-                                        </p:attrNameLst>
-                                      </p:cBhvr>
-                                      <p:to>
-                                        <p:strVal val="visible"/>
-                                      </p:to>
-                                    </p:set>
-                                  </p:childTnLst>
-                                </p:cTn>
-                              </p:par>
-                              <p:par>
-                                <p:cTn id="15" presetID="1" presetClass="entr" presetSubtype="0" fill="hold" grpId="0" nodeType="withEffect">
-                                  <p:stCondLst>
-                                    <p:cond delay="0"/>
-                                  </p:stCondLst>
-                                  <p:childTnLst>
-                                    <p:set>
-                                      <p:cBhvr>
-                                        <p:cTn id="16" dur="1" fill="hold">
-                                          <p:stCondLst>
-                                            <p:cond delay="0"/>
-                                          </p:stCondLst>
-                                        </p:cTn>
-                                        <p:tgtEl>
-                                          <p:spTgt spid="23561"/>
-                                        </p:tgtEl>
-                                        <p:attrNameLst>
-                                          <p:attrName>style.visibility</p:attrName>
-                                        </p:attrNameLst>
-                                      </p:cBhvr>
-                                      <p:to>
-                                        <p:strVal val="visible"/>
-                                      </p:to>
-                                    </p:set>
-                                  </p:childTnLst>
-                                </p:cTn>
-                              </p:par>
-                              <p:par>
-                                <p:cTn id="17" presetID="1" presetClass="entr" presetSubtype="0" fill="hold" grpId="0" nodeType="withEffect">
-                                  <p:stCondLst>
-                                    <p:cond delay="0"/>
-                                  </p:stCondLst>
-                                  <p:childTnLst>
-                                    <p:set>
-                                      <p:cBhvr>
-                                        <p:cTn id="18" dur="1" fill="hold">
-                                          <p:stCondLst>
-                                            <p:cond delay="0"/>
-                                          </p:stCondLst>
-                                        </p:cTn>
-                                        <p:tgtEl>
-                                          <p:spTgt spid="23562"/>
-                                        </p:tgtEl>
-                                        <p:attrNameLst>
-                                          <p:attrName>style.visibility</p:attrName>
-                                        </p:attrNameLst>
-                                      </p:cBhvr>
-                                      <p:to>
-                                        <p:strVal val="visible"/>
-                                      </p:to>
-                                    </p:set>
-                                  </p:childTnLst>
-                                </p:cTn>
-                              </p:par>
-                              <p:par>
-                                <p:cTn id="19" presetID="1" presetClass="entr" presetSubtype="0" fill="hold" grpId="0" nodeType="withEffect">
-                                  <p:stCondLst>
-                                    <p:cond delay="0"/>
-                                  </p:stCondLst>
-                                  <p:childTnLst>
-                                    <p:set>
-                                      <p:cBhvr>
-                                        <p:cTn id="20" dur="1" fill="hold">
-                                          <p:stCondLst>
-                                            <p:cond delay="0"/>
-                                          </p:stCondLst>
-                                        </p:cTn>
-                                        <p:tgtEl>
-                                          <p:spTgt spid="18"/>
-                                        </p:tgtEl>
-                                        <p:attrNameLst>
-                                          <p:attrName>style.visibility</p:attrName>
-                                        </p:attrNameLst>
-                                      </p:cBhvr>
-                                      <p:to>
-                                        <p:strVal val="visible"/>
-                                      </p:to>
-                                    </p:set>
-                                  </p:childTnLst>
-                                </p:cTn>
-                              </p:par>
-                              <p:par>
-                                <p:cTn id="21" presetID="1" presetClass="entr" presetSubtype="0" fill="hold" nodeType="withEffect">
-                                  <p:stCondLst>
-                                    <p:cond delay="0"/>
-                                  </p:stCondLst>
-                                  <p:childTnLst>
-                                    <p:set>
-                                      <p:cBhvr>
-                                        <p:cTn id="22" dur="1" fill="hold">
-                                          <p:stCondLst>
-                                            <p:cond delay="0"/>
-                                          </p:stCondLst>
-                                        </p:cTn>
-                                        <p:tgtEl>
-                                          <p:spTgt spid="19"/>
-                                        </p:tgtEl>
-                                        <p:attrNameLst>
-                                          <p:attrName>style.visibility</p:attrName>
-                                        </p:attrNameLst>
-                                      </p:cBhvr>
-                                      <p:to>
-                                        <p:strVal val="visible"/>
-                                      </p:to>
-                                    </p:set>
-                                  </p:childTnLst>
-                                </p:cTn>
-                              </p:par>
-                              <p:par>
-                                <p:cTn id="23" presetID="1" presetClass="entr" presetSubtype="0" fill="hold" grpId="0" nodeType="withEffect">
-                                  <p:stCondLst>
-                                    <p:cond delay="0"/>
-                                  </p:stCondLst>
-                                  <p:childTnLst>
-                                    <p:set>
-                                      <p:cBhvr>
-                                        <p:cTn id="24" dur="1" fill="hold">
-                                          <p:stCondLst>
-                                            <p:cond delay="0"/>
-                                          </p:stCondLst>
-                                        </p:cTn>
-                                        <p:tgtEl>
-                                          <p:spTgt spid="23565"/>
-                                        </p:tgtEl>
-                                        <p:attrNameLst>
-                                          <p:attrName>style.visibility</p:attrName>
-                                        </p:attrNameLst>
-                                      </p:cBhvr>
-                                      <p:to>
-                                        <p:strVal val="visible"/>
-                                      </p:to>
-                                    </p:set>
-                                  </p:childTnLst>
-                                </p:cTn>
-                              </p:par>
-                              <p:par>
-                                <p:cTn id="25" presetID="1" presetClass="entr" presetSubtype="0" fill="hold" nodeType="withEffect">
-                                  <p:stCondLst>
-                                    <p:cond delay="0"/>
-                                  </p:stCondLst>
-                                  <p:childTnLst>
-                                    <p:set>
-                                      <p:cBhvr>
-                                        <p:cTn id="26" dur="1" fill="hold">
-                                          <p:stCondLst>
-                                            <p:cond delay="0"/>
-                                          </p:stCondLst>
-                                        </p:cTn>
-                                        <p:tgtEl>
-                                          <p:spTgt spid="23566"/>
-                                        </p:tgtEl>
-                                        <p:attrNameLst>
-                                          <p:attrName>style.visibility</p:attrName>
-                                        </p:attrNameLst>
-                                      </p:cBhvr>
-                                      <p:to>
-                                        <p:strVal val="visible"/>
-                                      </p:to>
-                                    </p:set>
-                                  </p:childTnLst>
-                                </p:cTn>
-                              </p:par>
-                              <p:par>
-                                <p:cTn id="27" presetID="1" presetClass="entr" presetSubtype="0" fill="hold" nodeType="withEffect">
-                                  <p:stCondLst>
-                                    <p:cond delay="0"/>
-                                  </p:stCondLst>
-                                  <p:childTnLst>
-                                    <p:set>
-                                      <p:cBhvr>
-                                        <p:cTn id="28" dur="1" fill="hold">
-                                          <p:stCondLst>
-                                            <p:cond delay="0"/>
-                                          </p:stCondLst>
-                                        </p:cTn>
-                                        <p:tgtEl>
-                                          <p:spTgt spid="25"/>
-                                        </p:tgtEl>
-                                        <p:attrNameLst>
-                                          <p:attrName>style.visibility</p:attrName>
-                                        </p:attrNameLst>
-                                      </p:cBhvr>
-                                      <p:to>
-                                        <p:strVal val="visible"/>
-                                      </p:to>
-                                    </p:set>
-                                  </p:childTnLst>
-                                </p:cTn>
-                              </p:par>
-                              <p:par>
-                                <p:cTn id="29" presetID="1" presetClass="entr" presetSubtype="0" fill="hold" grpId="0" nodeType="withEffect">
-                                  <p:stCondLst>
-                                    <p:cond delay="0"/>
-                                  </p:stCondLst>
-                                  <p:childTnLst>
-                                    <p:set>
-                                      <p:cBhvr>
-                                        <p:cTn id="30" dur="1" fill="hold">
-                                          <p:stCondLst>
-                                            <p:cond delay="0"/>
-                                          </p:stCondLst>
-                                        </p:cTn>
-                                        <p:tgtEl>
-                                          <p:spTgt spid="23568"/>
-                                        </p:tgtEl>
-                                        <p:attrNameLst>
-                                          <p:attrName>style.visibility</p:attrName>
-                                        </p:attrNameLst>
-                                      </p:cBhvr>
-                                      <p:to>
-                                        <p:strVal val="visible"/>
-                                      </p:to>
-                                    </p:set>
-                                  </p:childTnLst>
-                                </p:cTn>
-                              </p:par>
-                              <p:par>
-                                <p:cTn id="31" presetID="1" presetClass="entr" presetSubtype="0" fill="hold" nodeType="withEffect">
-                                  <p:stCondLst>
-                                    <p:cond delay="0"/>
-                                  </p:stCondLst>
-                                  <p:childTnLst>
-                                    <p:set>
-                                      <p:cBhvr>
-                                        <p:cTn id="32" dur="1" fill="hold">
-                                          <p:stCondLst>
-                                            <p:cond delay="0"/>
-                                          </p:stCondLst>
-                                        </p:cTn>
-                                        <p:tgtEl>
-                                          <p:spTgt spid="23569"/>
-                                        </p:tgtEl>
-                                        <p:attrNameLst>
-                                          <p:attrName>style.visibility</p:attrName>
-                                        </p:attrNameLst>
-                                      </p:cBhvr>
-                                      <p:to>
-                                        <p:strVal val="visible"/>
-                                      </p:to>
-                                    </p:set>
-                                  </p:childTnLst>
-                                </p:cTn>
-                              </p:par>
-                              <p:par>
-                                <p:cTn id="33" presetID="1" presetClass="entr" presetSubtype="0" fill="hold" nodeType="withEffect">
-                                  <p:stCondLst>
-                                    <p:cond delay="0"/>
-                                  </p:stCondLst>
-                                  <p:childTnLst>
-                                    <p:set>
-                                      <p:cBhvr>
-                                        <p:cTn id="34" dur="1" fill="hold">
-                                          <p:stCondLst>
-                                            <p:cond delay="0"/>
-                                          </p:stCondLst>
-                                        </p:cTn>
-                                        <p:tgtEl>
-                                          <p:spTgt spid="38"/>
-                                        </p:tgtEl>
-                                        <p:attrNameLst>
-                                          <p:attrName>style.visibility</p:attrName>
-                                        </p:attrNameLst>
-                                      </p:cBhvr>
-                                      <p:to>
-                                        <p:strVal val="visible"/>
-                                      </p:to>
-                                    </p:set>
-                                  </p:childTnLst>
-                                </p:cTn>
-                              </p:par>
-                              <p:par>
-                                <p:cTn id="35" presetID="1" presetClass="entr" presetSubtype="0" fill="hold" nodeType="withEffect">
-                                  <p:stCondLst>
-                                    <p:cond delay="0"/>
-                                  </p:stCondLst>
-                                  <p:childTnLst>
-                                    <p:set>
-                                      <p:cBhvr>
-                                        <p:cTn id="36" dur="1" fill="hold">
-                                          <p:stCondLst>
-                                            <p:cond delay="0"/>
-                                          </p:stCondLst>
-                                        </p:cTn>
-                                        <p:tgtEl>
-                                          <p:spTgt spid="23571"/>
-                                        </p:tgtEl>
-                                        <p:attrNameLst>
-                                          <p:attrName>style.visibility</p:attrName>
-                                        </p:attrNameLst>
-                                      </p:cBhvr>
-                                      <p:to>
-                                        <p:strVal val="visible"/>
-                                      </p:to>
-                                    </p:set>
-                                  </p:childTnLst>
-                                </p:cTn>
-                              </p:par>
-                              <p:par>
-                                <p:cTn id="37" presetID="1" presetClass="entr" presetSubtype="0" fill="hold" nodeType="withEffect">
-                                  <p:stCondLst>
-                                    <p:cond delay="0"/>
-                                  </p:stCondLst>
-                                  <p:childTnLst>
-                                    <p:set>
-                                      <p:cBhvr>
-                                        <p:cTn id="38" dur="1" fill="hold">
-                                          <p:stCondLst>
-                                            <p:cond delay="0"/>
-                                          </p:stCondLst>
-                                        </p:cTn>
-                                        <p:tgtEl>
-                                          <p:spTgt spid="42"/>
-                                        </p:tgtEl>
-                                        <p:attrNameLst>
-                                          <p:attrName>style.visibility</p:attrName>
-                                        </p:attrNameLst>
-                                      </p:cBhvr>
-                                      <p:to>
-                                        <p:strVal val="visible"/>
-                                      </p:to>
-                                    </p:set>
-                                  </p:childTnLst>
-                                </p:cTn>
-                              </p:par>
-                              <p:par>
-                                <p:cTn id="39" presetID="1" presetClass="entr" presetSubtype="0" fill="hold" grpId="0" nodeType="withEffect">
-                                  <p:stCondLst>
-                                    <p:cond delay="0"/>
-                                  </p:stCondLst>
-                                  <p:childTnLst>
-                                    <p:set>
-                                      <p:cBhvr>
-                                        <p:cTn id="40" dur="1" fill="hold">
-                                          <p:stCondLst>
-                                            <p:cond delay="0"/>
-                                          </p:stCondLst>
-                                        </p:cTn>
-                                        <p:tgtEl>
-                                          <p:spTgt spid="23573"/>
-                                        </p:tgtEl>
-                                        <p:attrNameLst>
-                                          <p:attrName>style.visibility</p:attrName>
-                                        </p:attrNameLst>
-                                      </p:cBhvr>
-                                      <p:to>
-                                        <p:strVal val="visible"/>
-                                      </p:to>
-                                    </p:set>
-                                  </p:childTnLst>
-                                </p:cTn>
-                              </p:par>
-                              <p:par>
-                                <p:cTn id="41" presetID="1" presetClass="entr" presetSubtype="0" fill="hold" grpId="0" nodeType="withEffect">
-                                  <p:stCondLst>
-                                    <p:cond delay="0"/>
-                                  </p:stCondLst>
-                                  <p:childTnLst>
-                                    <p:set>
-                                      <p:cBhvr>
-                                        <p:cTn id="42" dur="1" fill="hold">
-                                          <p:stCondLst>
-                                            <p:cond delay="0"/>
-                                          </p:stCondLst>
-                                        </p:cTn>
-                                        <p:tgtEl>
-                                          <p:spTgt spid="23574"/>
-                                        </p:tgtEl>
-                                        <p:attrNameLst>
-                                          <p:attrName>style.visibility</p:attrName>
-                                        </p:attrNameLst>
-                                      </p:cBhvr>
-                                      <p:to>
-                                        <p:strVal val="visible"/>
-                                      </p:to>
-                                    </p:set>
-                                  </p:childTnLst>
-                                </p:cTn>
-                              </p:par>
-                              <p:par>
-                                <p:cTn id="43" presetID="1" presetClass="entr" presetSubtype="0" fill="hold" grpId="0" nodeType="withEffect">
-                                  <p:stCondLst>
-                                    <p:cond delay="0"/>
-                                  </p:stCondLst>
-                                  <p:childTnLst>
-                                    <p:set>
-                                      <p:cBhvr>
-                                        <p:cTn id="44" dur="1" fill="hold">
-                                          <p:stCondLst>
-                                            <p:cond delay="0"/>
-                                          </p:stCondLst>
-                                        </p:cTn>
-                                        <p:tgtEl>
-                                          <p:spTgt spid="23575"/>
-                                        </p:tgtEl>
-                                        <p:attrNameLst>
-                                          <p:attrName>style.visibility</p:attrName>
-                                        </p:attrNameLst>
-                                      </p:cBhvr>
-                                      <p:to>
-                                        <p:strVal val="visible"/>
-                                      </p:to>
-                                    </p:set>
-                                  </p:childTnLst>
-                                </p:cTn>
-                              </p:par>
-                              <p:par>
-                                <p:cTn id="45" presetID="1" presetClass="entr" presetSubtype="0" fill="hold" nodeType="withEffect">
-                                  <p:stCondLst>
-                                    <p:cond delay="0"/>
-                                  </p:stCondLst>
-                                  <p:childTnLst>
-                                    <p:set>
-                                      <p:cBhvr>
-                                        <p:cTn id="46" dur="1" fill="hold">
-                                          <p:stCondLst>
-                                            <p:cond delay="0"/>
-                                          </p:stCondLst>
-                                        </p:cTn>
-                                        <p:tgtEl>
-                                          <p:spTgt spid="43"/>
-                                        </p:tgtEl>
-                                        <p:attrNameLst>
-                                          <p:attrName>style.visibility</p:attrName>
-                                        </p:attrNameLst>
-                                      </p:cBhvr>
-                                      <p:to>
-                                        <p:strVal val="visible"/>
-                                      </p:to>
-                                    </p:set>
-                                  </p:childTnLst>
-                                </p:cTn>
-                              </p:par>
-                              <p:par>
-                                <p:cTn id="47" presetID="1" presetClass="entr" presetSubtype="0" fill="hold" nodeType="withEffect">
-                                  <p:stCondLst>
-                                    <p:cond delay="0"/>
-                                  </p:stCondLst>
-                                  <p:childTnLst>
-                                    <p:set>
-                                      <p:cBhvr>
-                                        <p:cTn id="48" dur="1" fill="hold">
-                                          <p:stCondLst>
-                                            <p:cond delay="0"/>
-                                          </p:stCondLst>
-                                        </p:cTn>
-                                        <p:tgtEl>
-                                          <p:spTgt spid="44"/>
-                                        </p:tgtEl>
-                                        <p:attrNameLst>
-                                          <p:attrName>style.visibility</p:attrName>
-                                        </p:attrNameLst>
-                                      </p:cBhvr>
-                                      <p:to>
-                                        <p:strVal val="visible"/>
-                                      </p:to>
-                                    </p:set>
-                                  </p:childTnLst>
-                                </p:cTn>
-                              </p:par>
-                              <p:par>
-                                <p:cTn id="49" presetID="1" presetClass="entr" presetSubtype="0" fill="hold" nodeType="withEffect">
-                                  <p:stCondLst>
-                                    <p:cond delay="0"/>
-                                  </p:stCondLst>
-                                  <p:childTnLst>
-                                    <p:set>
-                                      <p:cBhvr>
-                                        <p:cTn id="50" dur="1" fill="hold">
-                                          <p:stCondLst>
-                                            <p:cond delay="0"/>
-                                          </p:stCondLst>
-                                        </p:cTn>
-                                        <p:tgtEl>
-                                          <p:spTgt spid="45"/>
-                                        </p:tgtEl>
-                                        <p:attrNameLst>
-                                          <p:attrName>style.visibility</p:attrName>
-                                        </p:attrNameLst>
-                                      </p:cBhvr>
-                                      <p:to>
-                                        <p:strVal val="visible"/>
-                                      </p:to>
-                                    </p:set>
-                                  </p:childTnLst>
-                                </p:cTn>
-                              </p:par>
-                              <p:par>
-                                <p:cTn id="51" presetID="1" presetClass="entr" presetSubtype="0" fill="hold" nodeType="withEffect">
-                                  <p:stCondLst>
-                                    <p:cond delay="0"/>
-                                  </p:stCondLst>
-                                  <p:childTnLst>
-                                    <p:set>
-                                      <p:cBhvr>
-                                        <p:cTn id="52" dur="1" fill="hold">
-                                          <p:stCondLst>
-                                            <p:cond delay="0"/>
-                                          </p:stCondLst>
-                                        </p:cTn>
-                                        <p:tgtEl>
-                                          <p:spTgt spid="46"/>
-                                        </p:tgtEl>
-                                        <p:attrNameLst>
-                                          <p:attrName>style.visibility</p:attrName>
-                                        </p:attrNameLst>
-                                      </p:cBhvr>
-                                      <p:to>
-                                        <p:strVal val="visible"/>
-                                      </p:to>
-                                    </p:set>
-                                  </p:childTnLst>
-                                </p:cTn>
-                              </p:par>
-                            </p:childTnLst>
-                          </p:cTn>
-                        </p:par>
-                      </p:childTnLst>
-                    </p:cTn>
-                  </p:par>
-                </p:childTnLst>
-              </p:cTn>
-              <p:prevCondLst>
-                <p:cond evt="onPrev" delay="0">
-                  <p:tgtEl>
-                    <p:sldTgt/>
-                  </p:tgtEl>
-                </p:cond>
-              </p:prevCondLst>
-              <p:nextCondLst>
-                <p:cond evt="onNext" delay="0">
-                  <p:tgtEl>
-                    <p:sldTgt/>
-                  </p:tgtEl>
-                </p:cond>
-              </p:nextCondLst>
-            </p:seq>
-          </p:childTnLst>
-        </p:cTn>
-      </p:par>
-    </p:tnLst>
-    <p:bldLst>
-      <p:bldP spid="23557" grpId="0" animBg="1"/>
-      <p:bldP spid="23558" grpId="0" animBg="1"/>
-      <p:bldP spid="23561" grpId="0"/>
-      <p:bldP spid="23562" grpId="0"/>
-      <p:bldP spid="18" grpId="0" animBg="1"/>
-      <p:bldP spid="23565" grpId="0"/>
-      <p:bldP spid="23568" grpId="0"/>
-      <p:bldP spid="23573" grpId="0"/>
-      <p:bldP spid="23574" grpId="0"/>
-      <p:bldP spid="23575" grpId="0"/>
-    </p:bldLst>
-  </p:timing>
 </p:sld>
 </file>
 
@@ -37028,8 +34711,8 @@
           </a:p>
         </p:txBody>
       </p:sp>
-      <mc:AlternateContent xmlns:mc="http://schemas.openxmlformats.org/markup-compatibility/2006">
-        <mc:Choice xmlns:a14="http://schemas.microsoft.com/office/drawing/2010/main" Requires="a14">
+      <mc:AlternateContent xmlns:mc="http://schemas.openxmlformats.org/markup-compatibility/2006" xmlns:a14="http://schemas.microsoft.com/office/drawing/2010/main">
+        <mc:Choice Requires="a14">
           <p:sp>
             <p:nvSpPr>
               <p:cNvPr id="3" name="Content Placeholder 2">
@@ -37367,7 +35050,7 @@
             </p:txBody>
           </p:sp>
         </mc:Choice>
-        <mc:Fallback>
+        <mc:Fallback xmlns="">
           <p:sp>
             <p:nvSpPr>
               <p:cNvPr id="3" name="Content Placeholder 2">

--- a/slides/16_decision_making.pptx
+++ b/slides/16_decision_making.pptx
@@ -8667,7 +8667,7 @@
           <a:p>
             <a:fld id="{CDFB1A35-FCF7-4D0C-AE83-400D24256912}" type="datetimeFigureOut">
               <a:rPr lang="en-US" smtClean="0"/>
-              <a:t>11/15/2023</a:t>
+              <a:t>11/19/2023</a:t>
             </a:fld>
             <a:endParaRPr lang="en-US"/>
           </a:p>
@@ -9810,7 +9810,7 @@
           <a:p>
             <a:fld id="{16A8CD98-EF2C-4EFD-A320-0FD1E700AB34}" type="datetimeFigureOut">
               <a:rPr lang="en-US" smtClean="0"/>
-              <a:t>11/15/2023</a:t>
+              <a:t>11/19/2023</a:t>
             </a:fld>
             <a:endParaRPr lang="en-US"/>
           </a:p>
@@ -10008,7 +10008,7 @@
           <a:p>
             <a:fld id="{16A8CD98-EF2C-4EFD-A320-0FD1E700AB34}" type="datetimeFigureOut">
               <a:rPr lang="en-US" smtClean="0"/>
-              <a:t>11/15/2023</a:t>
+              <a:t>11/19/2023</a:t>
             </a:fld>
             <a:endParaRPr lang="en-US"/>
           </a:p>
@@ -10216,7 +10216,7 @@
           <a:p>
             <a:fld id="{16A8CD98-EF2C-4EFD-A320-0FD1E700AB34}" type="datetimeFigureOut">
               <a:rPr lang="en-US" smtClean="0"/>
-              <a:t>11/15/2023</a:t>
+              <a:t>11/19/2023</a:t>
             </a:fld>
             <a:endParaRPr lang="en-US"/>
           </a:p>
@@ -10414,7 +10414,7 @@
           <a:p>
             <a:fld id="{16A8CD98-EF2C-4EFD-A320-0FD1E700AB34}" type="datetimeFigureOut">
               <a:rPr lang="en-US" smtClean="0"/>
-              <a:t>11/15/2023</a:t>
+              <a:t>11/19/2023</a:t>
             </a:fld>
             <a:endParaRPr lang="en-US"/>
           </a:p>
@@ -10689,7 +10689,7 @@
           <a:p>
             <a:fld id="{16A8CD98-EF2C-4EFD-A320-0FD1E700AB34}" type="datetimeFigureOut">
               <a:rPr lang="en-US" smtClean="0"/>
-              <a:t>11/15/2023</a:t>
+              <a:t>11/19/2023</a:t>
             </a:fld>
             <a:endParaRPr lang="en-US"/>
           </a:p>
@@ -10954,7 +10954,7 @@
           <a:p>
             <a:fld id="{16A8CD98-EF2C-4EFD-A320-0FD1E700AB34}" type="datetimeFigureOut">
               <a:rPr lang="en-US" smtClean="0"/>
-              <a:t>11/15/2023</a:t>
+              <a:t>11/19/2023</a:t>
             </a:fld>
             <a:endParaRPr lang="en-US"/>
           </a:p>
@@ -11366,7 +11366,7 @@
           <a:p>
             <a:fld id="{16A8CD98-EF2C-4EFD-A320-0FD1E700AB34}" type="datetimeFigureOut">
               <a:rPr lang="en-US" smtClean="0"/>
-              <a:t>11/15/2023</a:t>
+              <a:t>11/19/2023</a:t>
             </a:fld>
             <a:endParaRPr lang="en-US"/>
           </a:p>
@@ -11507,7 +11507,7 @@
           <a:p>
             <a:fld id="{16A8CD98-EF2C-4EFD-A320-0FD1E700AB34}" type="datetimeFigureOut">
               <a:rPr lang="en-US" smtClean="0"/>
-              <a:t>11/15/2023</a:t>
+              <a:t>11/19/2023</a:t>
             </a:fld>
             <a:endParaRPr lang="en-US"/>
           </a:p>
@@ -11620,7 +11620,7 @@
           <a:p>
             <a:fld id="{16A8CD98-EF2C-4EFD-A320-0FD1E700AB34}" type="datetimeFigureOut">
               <a:rPr lang="en-US" smtClean="0"/>
-              <a:t>11/15/2023</a:t>
+              <a:t>11/19/2023</a:t>
             </a:fld>
             <a:endParaRPr lang="en-US"/>
           </a:p>
@@ -11931,7 +11931,7 @@
           <a:p>
             <a:fld id="{16A8CD98-EF2C-4EFD-A320-0FD1E700AB34}" type="datetimeFigureOut">
               <a:rPr lang="en-US" smtClean="0"/>
-              <a:t>11/15/2023</a:t>
+              <a:t>11/19/2023</a:t>
             </a:fld>
             <a:endParaRPr lang="en-US"/>
           </a:p>
@@ -12219,7 +12219,7 @@
           <a:p>
             <a:fld id="{16A8CD98-EF2C-4EFD-A320-0FD1E700AB34}" type="datetimeFigureOut">
               <a:rPr lang="en-US" smtClean="0"/>
-              <a:t>11/15/2023</a:t>
+              <a:t>11/19/2023</a:t>
             </a:fld>
             <a:endParaRPr lang="en-US"/>
           </a:p>
@@ -12460,7 +12460,7 @@
           <a:p>
             <a:fld id="{16A8CD98-EF2C-4EFD-A320-0FD1E700AB34}" type="datetimeFigureOut">
               <a:rPr lang="en-US" smtClean="0"/>
-              <a:t>11/15/2023</a:t>
+              <a:t>11/19/2023</a:t>
             </a:fld>
             <a:endParaRPr lang="en-US"/>
           </a:p>
@@ -34711,8 +34711,8 @@
           </a:p>
         </p:txBody>
       </p:sp>
-      <mc:AlternateContent xmlns:mc="http://schemas.openxmlformats.org/markup-compatibility/2006" xmlns:a14="http://schemas.microsoft.com/office/drawing/2010/main">
-        <mc:Choice Requires="a14">
+      <mc:AlternateContent xmlns:mc="http://schemas.openxmlformats.org/markup-compatibility/2006">
+        <mc:Choice xmlns:a14="http://schemas.microsoft.com/office/drawing/2010/main" Requires="a14">
           <p:sp>
             <p:nvSpPr>
               <p:cNvPr id="3" name="Content Placeholder 2">
@@ -34800,7 +34800,7 @@
               <a:p>
                 <a:r>
                   <a:rPr lang="en-US" sz="1800" dirty="0"/>
-                  <a:t>Utility functions are derived from rational preferences:</a:t>
+                  <a:t>Utility functions are derived from preferences:</a:t>
                 </a:r>
               </a:p>
               <a:p>
@@ -35036,7 +35036,15 @@
               <a:p>
                 <a:r>
                   <a:rPr lang="en-US" sz="1800" dirty="0"/>
-                  <a:t>Therefore, it is often enough to know the utility </a:t>
+                  <a:t>It is often enough to know a </a:t>
+                </a:r>
+                <a:r>
+                  <a:rPr lang="en-US" sz="1800" b="1" dirty="0"/>
+                  <a:t>ordinal utility function</a:t>
+                </a:r>
+                <a:r>
+                  <a:rPr lang="en-US" sz="1800" dirty="0"/>
+                  <a:t> representing a </a:t>
                 </a:r>
                 <a:r>
                   <a:rPr lang="en-US" sz="1800" b="1" dirty="0"/>
@@ -35044,13 +35052,13 @@
                 </a:r>
                 <a:r>
                   <a:rPr lang="en-US" sz="1800" dirty="0"/>
-                  <a:t> of states.</a:t>
+                  <a:t> of states to make decisions.</a:t>
                 </a:r>
               </a:p>
             </p:txBody>
           </p:sp>
         </mc:Choice>
-        <mc:Fallback xmlns="">
+        <mc:Fallback>
           <p:sp>
             <p:nvSpPr>
               <p:cNvPr id="3" name="Content Placeholder 2">
@@ -35075,7 +35083,7 @@
               <a:blipFill>
                 <a:blip r:embed="rId2"/>
                 <a:stretch>
-                  <a:fillRect l="-842" t="-1603"/>
+                  <a:fillRect l="-842" t="-1603" r="-722"/>
                 </a:stretch>
               </a:blipFill>
             </p:spPr>
@@ -35261,7 +35269,7 @@
           <a:p>
             <a:r>
               <a:rPr lang="en-US" sz="4800" dirty="0"/>
-              <a:t>Expected Utility</a:t>
+              <a:t>Expected Utility of an Action</a:t>
             </a:r>
           </a:p>
         </p:txBody>
@@ -35539,8 +35547,8 @@
           </a:p>
         </p:txBody>
       </p:sp>
-      <mc:AlternateContent xmlns:mc="http://schemas.openxmlformats.org/markup-compatibility/2006" xmlns:a14="http://schemas.microsoft.com/office/drawing/2010/main">
-        <mc:Choice Requires="a14">
+      <mc:AlternateContent xmlns:mc="http://schemas.openxmlformats.org/markup-compatibility/2006">
+        <mc:Choice xmlns:a14="http://schemas.microsoft.com/office/drawing/2010/main" Requires="a14">
           <p:sp>
             <p:nvSpPr>
               <p:cNvPr id="3" name="Content Placeholder 2">
@@ -35565,7 +35573,7 @@
             </p:spPr>
             <p:txBody>
               <a:bodyPr anchor="t">
-                <a:normAutofit/>
+                <a:normAutofit fontScale="92500" lnSpcReduction="10000"/>
               </a:bodyPr>
               <a:lstStyle/>
               <a:p>
@@ -35580,7 +35588,15 @@
               <a:p>
                 <a:r>
                   <a:rPr lang="en-US" sz="1800" dirty="0"/>
-                  <a:t>A utility function </a:t>
+                  <a:t>A </a:t>
+                </a:r>
+                <a:r>
+                  <a:rPr lang="en-US" sz="1800" b="1" dirty="0"/>
+                  <a:t>cardinal utility </a:t>
+                </a:r>
+                <a:r>
+                  <a:rPr lang="en-US" sz="1800" dirty="0"/>
+                  <a:t>function </a:t>
                 </a:r>
                 <a14:m>
                   <m:oMath xmlns:m="http://schemas.openxmlformats.org/officeDocument/2006/math">
@@ -35607,15 +35623,12 @@
                         </m:r>
                       </m:e>
                     </m:d>
-                    <m:r>
-                      <a:rPr lang="en-US" sz="1800">
-                        <a:latin typeface="Cambria Math" panose="02040503050406030204" pitchFamily="18" charset="0"/>
-                      </a:rPr>
-                      <m:t>.</m:t>
-                    </m:r>
                   </m:oMath>
                 </a14:m>
-                <a:endParaRPr lang="en-US" sz="1800" dirty="0"/>
+                <a:r>
+                  <a:rPr lang="en-US" sz="1800" dirty="0"/>
+                  <a:t> where the number represents levels of absolute satisfaction.</a:t>
+                </a:r>
               </a:p>
               <a:p>
                 <a:r>
@@ -35680,203 +35693,312 @@
               <a:p>
                 <a:r>
                   <a:rPr lang="en-US" sz="1800" dirty="0"/>
-                  <a:t>The probability that an action will get us to different states s’</a:t>
+                  <a:t>Transition probabilities </a:t>
                 </a:r>
-                <a:br>
-                  <a:rPr lang="en-US" sz="1800" dirty="0"/>
-                </a:br>
                 <a14:m>
                   <m:oMath xmlns:m="http://schemas.openxmlformats.org/officeDocument/2006/math">
                     <m:r>
-                      <a:rPr lang="en-US" sz="1800" i="1">
+                      <a:rPr lang="en-US" sz="1800" i="1" smtClean="0">
                         <a:latin typeface="Cambria Math" panose="02040503050406030204" pitchFamily="18" charset="0"/>
                       </a:rPr>
                       <m:t>𝑃</m:t>
                     </m:r>
-                    <m:d>
-                      <m:dPr>
+                    <m:r>
+                      <a:rPr lang="en-US" sz="1800" i="1" smtClean="0">
+                        <a:latin typeface="Cambria Math" panose="02040503050406030204" pitchFamily="18" charset="0"/>
+                      </a:rPr>
+                      <m:t>(</m:t>
+                    </m:r>
+                    <m:sSup>
+                      <m:sSupPr>
                         <m:ctrlPr>
                           <a:rPr lang="en-US" sz="1800" i="1">
                             <a:latin typeface="Cambria Math" panose="02040503050406030204" pitchFamily="18" charset="0"/>
                           </a:rPr>
                         </m:ctrlPr>
-                      </m:dPr>
+                      </m:sSupPr>
                       <m:e>
-                        <m:r>
-                          <a:rPr lang="en-US" sz="1800" i="1">
-                            <a:latin typeface="Cambria Math" panose="02040503050406030204" pitchFamily="18" charset="0"/>
-                          </a:rPr>
-                          <m:t>𝑅𝑒𝑠𝑢𝑙𝑡</m:t>
-                        </m:r>
-                        <m:d>
-                          <m:dPr>
-                            <m:ctrlPr>
-                              <a:rPr lang="en-US" sz="1800" i="1">
-                                <a:latin typeface="Cambria Math" panose="02040503050406030204" pitchFamily="18" charset="0"/>
-                              </a:rPr>
-                            </m:ctrlPr>
-                          </m:dPr>
-                          <m:e>
-                            <m:r>
-                              <a:rPr lang="en-US" sz="1800" i="1">
-                                <a:latin typeface="Cambria Math" panose="02040503050406030204" pitchFamily="18" charset="0"/>
-                              </a:rPr>
-                              <m:t>𝑎</m:t>
-                            </m:r>
-                          </m:e>
-                        </m:d>
-                        <m:r>
-                          <a:rPr lang="en-US" sz="1800" i="1">
-                            <a:latin typeface="Cambria Math" panose="02040503050406030204" pitchFamily="18" charset="0"/>
-                          </a:rPr>
-                          <m:t>=</m:t>
-                        </m:r>
-                        <m:sSup>
-                          <m:sSupPr>
-                            <m:ctrlPr>
-                              <a:rPr lang="en-US" sz="1800" i="1">
-                                <a:latin typeface="Cambria Math" panose="02040503050406030204" pitchFamily="18" charset="0"/>
-                              </a:rPr>
-                            </m:ctrlPr>
-                          </m:sSupPr>
-                          <m:e>
-                            <m:r>
-                              <a:rPr lang="en-US" sz="1800" i="1">
-                                <a:latin typeface="Cambria Math" panose="02040503050406030204" pitchFamily="18" charset="0"/>
-                              </a:rPr>
-                              <m:t>𝑠</m:t>
-                            </m:r>
-                          </m:e>
-                          <m:sup>
-                            <m:r>
-                              <a:rPr lang="en-US" sz="1800" i="1">
-                                <a:latin typeface="Cambria Math" panose="02040503050406030204" pitchFamily="18" charset="0"/>
-                              </a:rPr>
-                              <m:t>′</m:t>
-                            </m:r>
-                          </m:sup>
-                        </m:sSup>
-                      </m:e>
-                    </m:d>
-                    <m:r>
-                      <a:rPr lang="en-US" sz="1800" i="1">
-                        <a:latin typeface="Cambria Math" panose="02040503050406030204" pitchFamily="18" charset="0"/>
-                      </a:rPr>
-                      <m:t>=</m:t>
-                    </m:r>
-                    <m:nary>
-                      <m:naryPr>
-                        <m:chr m:val="∑"/>
-                        <m:supHide m:val="on"/>
-                        <m:ctrlPr>
-                          <a:rPr lang="en-US" sz="1800" i="1">
-                            <a:latin typeface="Cambria Math" panose="02040503050406030204" pitchFamily="18" charset="0"/>
-                          </a:rPr>
-                        </m:ctrlPr>
-                      </m:naryPr>
-                      <m:sub>
                         <m:r>
                           <a:rPr lang="en-US" sz="1800" i="1">
                             <a:latin typeface="Cambria Math" panose="02040503050406030204" pitchFamily="18" charset="0"/>
                           </a:rPr>
                           <m:t>𝑠</m:t>
                         </m:r>
-                      </m:sub>
-                      <m:sup/>
-                      <m:e>
+                      </m:e>
+                      <m:sup>
                         <m:r>
                           <a:rPr lang="en-US" sz="1800" i="1">
                             <a:latin typeface="Cambria Math" panose="02040503050406030204" pitchFamily="18" charset="0"/>
                           </a:rPr>
-                          <m:t>𝑃</m:t>
+                          <m:t>′</m:t>
                         </m:r>
-                        <m:d>
-                          <m:dPr>
-                            <m:ctrlPr>
-                              <a:rPr lang="en-US" sz="1800" i="1">
-                                <a:latin typeface="Cambria Math" panose="02040503050406030204" pitchFamily="18" charset="0"/>
-                              </a:rPr>
-                            </m:ctrlPr>
-                          </m:dPr>
-                          <m:e>
-                            <m:r>
-                              <a:rPr lang="en-US" sz="1800" i="1">
-                                <a:latin typeface="Cambria Math" panose="02040503050406030204" pitchFamily="18" charset="0"/>
-                              </a:rPr>
-                              <m:t>𝑠</m:t>
-                            </m:r>
-                          </m:e>
-                        </m:d>
-                        <m:r>
-                          <a:rPr lang="en-US" sz="1800" i="1">
-                            <a:latin typeface="Cambria Math" panose="02040503050406030204" pitchFamily="18" charset="0"/>
-                          </a:rPr>
-                          <m:t>𝑃</m:t>
-                        </m:r>
-                        <m:r>
-                          <a:rPr lang="en-US" sz="1800" i="1">
-                            <a:latin typeface="Cambria Math" panose="02040503050406030204" pitchFamily="18" charset="0"/>
-                          </a:rPr>
-                          <m:t>(</m:t>
-                        </m:r>
-                        <m:sSup>
-                          <m:sSupPr>
-                            <m:ctrlPr>
-                              <a:rPr lang="en-US" sz="1800" i="1">
-                                <a:latin typeface="Cambria Math" panose="02040503050406030204" pitchFamily="18" charset="0"/>
-                              </a:rPr>
-                            </m:ctrlPr>
-                          </m:sSupPr>
-                          <m:e>
-                            <m:r>
-                              <a:rPr lang="en-US" sz="1800" i="1">
-                                <a:latin typeface="Cambria Math" panose="02040503050406030204" pitchFamily="18" charset="0"/>
-                              </a:rPr>
-                              <m:t>𝑠</m:t>
-                            </m:r>
-                          </m:e>
-                          <m:sup>
-                            <m:r>
-                              <a:rPr lang="en-US" sz="1800" i="1">
-                                <a:latin typeface="Cambria Math" panose="02040503050406030204" pitchFamily="18" charset="0"/>
-                              </a:rPr>
-                              <m:t>′</m:t>
-                            </m:r>
-                          </m:sup>
-                        </m:sSup>
-                        <m:r>
-                          <a:rPr lang="en-US" sz="1800" i="1">
-                            <a:latin typeface="Cambria Math" panose="02040503050406030204" pitchFamily="18" charset="0"/>
-                          </a:rPr>
-                          <m:t>|</m:t>
-                        </m:r>
-                        <m:r>
-                          <a:rPr lang="en-US" sz="1800" i="1">
-                            <a:latin typeface="Cambria Math" panose="02040503050406030204" pitchFamily="18" charset="0"/>
-                          </a:rPr>
-                          <m:t>𝑠</m:t>
-                        </m:r>
-                        <m:r>
-                          <a:rPr lang="en-US" sz="1800" i="1">
-                            <a:latin typeface="Cambria Math" panose="02040503050406030204" pitchFamily="18" charset="0"/>
-                          </a:rPr>
-                          <m:t>,</m:t>
-                        </m:r>
-                        <m:r>
-                          <a:rPr lang="en-US" sz="1800" i="1">
-                            <a:latin typeface="Cambria Math" panose="02040503050406030204" pitchFamily="18" charset="0"/>
-                          </a:rPr>
-                          <m:t>𝑎</m:t>
-                        </m:r>
-                        <m:r>
-                          <a:rPr lang="en-US" sz="1800" i="1">
-                            <a:latin typeface="Cambria Math" panose="02040503050406030204" pitchFamily="18" charset="0"/>
-                          </a:rPr>
-                          <m:t>)</m:t>
-                        </m:r>
-                      </m:e>
-                    </m:nary>
+                      </m:sup>
+                    </m:sSup>
+                    <m:r>
+                      <a:rPr lang="en-US" sz="1800" i="1">
+                        <a:latin typeface="Cambria Math" panose="02040503050406030204" pitchFamily="18" charset="0"/>
+                      </a:rPr>
+                      <m:t>|</m:t>
+                    </m:r>
+                    <m:r>
+                      <a:rPr lang="en-US" sz="1800" i="1">
+                        <a:latin typeface="Cambria Math" panose="02040503050406030204" pitchFamily="18" charset="0"/>
+                      </a:rPr>
+                      <m:t>𝑠</m:t>
+                    </m:r>
+                    <m:r>
+                      <a:rPr lang="en-US" sz="1800" i="1">
+                        <a:latin typeface="Cambria Math" panose="02040503050406030204" pitchFamily="18" charset="0"/>
+                      </a:rPr>
+                      <m:t>,</m:t>
+                    </m:r>
+                    <m:r>
+                      <a:rPr lang="en-US" sz="1800" i="1">
+                        <a:latin typeface="Cambria Math" panose="02040503050406030204" pitchFamily="18" charset="0"/>
+                      </a:rPr>
+                      <m:t>𝑎</m:t>
+                    </m:r>
+                    <m:r>
+                      <a:rPr lang="en-US" sz="1800" b="0" i="1" smtClean="0">
+                        <a:latin typeface="Cambria Math" panose="02040503050406030204" pitchFamily="18" charset="0"/>
+                      </a:rPr>
+                      <m:t>)</m:t>
+                    </m:r>
                   </m:oMath>
+                </a14:m>
+                <a:r>
+                  <a:rPr lang="en-US" sz="1800" dirty="0"/>
+                  <a:t>.</a:t>
+                </a:r>
+              </a:p>
+              <a:p>
+                <a:pPr marL="0" indent="0">
+                  <a:buNone/>
+                </a:pPr>
+                <a:endParaRPr lang="en-US" sz="1800" dirty="0"/>
+              </a:p>
+              <a:p>
+                <a:pPr marL="0" indent="0">
+                  <a:buNone/>
+                </a:pPr>
+                <a:r>
+                  <a:rPr lang="en-US" sz="1800" dirty="0"/>
+                  <a:t>The probability that action </a:t>
+                </a:r>
+                <a14:m>
+                  <m:oMath xmlns:m="http://schemas.openxmlformats.org/officeDocument/2006/math">
+                    <m:r>
+                      <a:rPr lang="en-US" sz="1800" i="1" dirty="0" smtClean="0">
+                        <a:latin typeface="Cambria Math" panose="02040503050406030204" pitchFamily="18" charset="0"/>
+                      </a:rPr>
+                      <m:t>𝑎</m:t>
+                    </m:r>
+                  </m:oMath>
+                </a14:m>
+                <a:r>
+                  <a:rPr lang="en-US" sz="1800" dirty="0"/>
+                  <a:t> will get us to state s’</a:t>
+                </a:r>
+                <a:br>
+                  <a:rPr lang="en-US" sz="1800" dirty="0"/>
+                </a:br>
+                <a14:m>
+                  <m:oMathPara xmlns:m="http://schemas.openxmlformats.org/officeDocument/2006/math">
+                    <m:oMathParaPr>
+                      <m:jc m:val="centerGroup"/>
+                    </m:oMathParaPr>
+                    <m:oMath xmlns:m="http://schemas.openxmlformats.org/officeDocument/2006/math">
+                      <m:r>
+                        <a:rPr lang="en-US" sz="1800" i="1">
+                          <a:latin typeface="Cambria Math" panose="02040503050406030204" pitchFamily="18" charset="0"/>
+                        </a:rPr>
+                        <m:t>𝑃</m:t>
+                      </m:r>
+                      <m:d>
+                        <m:dPr>
+                          <m:ctrlPr>
+                            <a:rPr lang="en-US" sz="1800" i="1">
+                              <a:latin typeface="Cambria Math" panose="02040503050406030204" pitchFamily="18" charset="0"/>
+                            </a:rPr>
+                          </m:ctrlPr>
+                        </m:dPr>
+                        <m:e>
+                          <m:r>
+                            <a:rPr lang="en-US" sz="1800" i="1">
+                              <a:latin typeface="Cambria Math" panose="02040503050406030204" pitchFamily="18" charset="0"/>
+                            </a:rPr>
+                            <m:t>𝑅𝑒𝑠𝑢𝑙𝑡</m:t>
+                          </m:r>
+                          <m:d>
+                            <m:dPr>
+                              <m:ctrlPr>
+                                <a:rPr lang="en-US" sz="1800" i="1">
+                                  <a:latin typeface="Cambria Math" panose="02040503050406030204" pitchFamily="18" charset="0"/>
+                                </a:rPr>
+                              </m:ctrlPr>
+                            </m:dPr>
+                            <m:e>
+                              <m:r>
+                                <a:rPr lang="en-US" sz="1800" i="1">
+                                  <a:latin typeface="Cambria Math" panose="02040503050406030204" pitchFamily="18" charset="0"/>
+                                </a:rPr>
+                                <m:t>𝑎</m:t>
+                              </m:r>
+                            </m:e>
+                          </m:d>
+                          <m:r>
+                            <a:rPr lang="en-US" sz="1800" i="1">
+                              <a:latin typeface="Cambria Math" panose="02040503050406030204" pitchFamily="18" charset="0"/>
+                            </a:rPr>
+                            <m:t>=</m:t>
+                          </m:r>
+                          <m:sSup>
+                            <m:sSupPr>
+                              <m:ctrlPr>
+                                <a:rPr lang="en-US" sz="1800" i="1">
+                                  <a:latin typeface="Cambria Math" panose="02040503050406030204" pitchFamily="18" charset="0"/>
+                                </a:rPr>
+                              </m:ctrlPr>
+                            </m:sSupPr>
+                            <m:e>
+                              <m:r>
+                                <a:rPr lang="en-US" sz="1800" i="1">
+                                  <a:latin typeface="Cambria Math" panose="02040503050406030204" pitchFamily="18" charset="0"/>
+                                </a:rPr>
+                                <m:t>𝑠</m:t>
+                              </m:r>
+                            </m:e>
+                            <m:sup>
+                              <m:r>
+                                <a:rPr lang="en-US" sz="1800" i="1">
+                                  <a:latin typeface="Cambria Math" panose="02040503050406030204" pitchFamily="18" charset="0"/>
+                                </a:rPr>
+                                <m:t>′</m:t>
+                              </m:r>
+                            </m:sup>
+                          </m:sSup>
+                        </m:e>
+                      </m:d>
+                      <m:r>
+                        <a:rPr lang="en-US" sz="1800" i="1">
+                          <a:latin typeface="Cambria Math" panose="02040503050406030204" pitchFamily="18" charset="0"/>
+                        </a:rPr>
+                        <m:t>=</m:t>
+                      </m:r>
+                      <m:nary>
+                        <m:naryPr>
+                          <m:chr m:val="∑"/>
+                          <m:supHide m:val="on"/>
+                          <m:ctrlPr>
+                            <a:rPr lang="en-US" sz="1800" i="1">
+                              <a:latin typeface="Cambria Math" panose="02040503050406030204" pitchFamily="18" charset="0"/>
+                            </a:rPr>
+                          </m:ctrlPr>
+                        </m:naryPr>
+                        <m:sub>
+                          <m:r>
+                            <a:rPr lang="en-US" sz="1800" i="1">
+                              <a:latin typeface="Cambria Math" panose="02040503050406030204" pitchFamily="18" charset="0"/>
+                            </a:rPr>
+                            <m:t>𝑠</m:t>
+                          </m:r>
+                        </m:sub>
+                        <m:sup/>
+                        <m:e>
+                          <m:r>
+                            <a:rPr lang="en-US" sz="1800" i="1">
+                              <a:latin typeface="Cambria Math" panose="02040503050406030204" pitchFamily="18" charset="0"/>
+                            </a:rPr>
+                            <m:t>𝑃</m:t>
+                          </m:r>
+                          <m:d>
+                            <m:dPr>
+                              <m:ctrlPr>
+                                <a:rPr lang="en-US" sz="1800" i="1">
+                                  <a:latin typeface="Cambria Math" panose="02040503050406030204" pitchFamily="18" charset="0"/>
+                                </a:rPr>
+                              </m:ctrlPr>
+                            </m:dPr>
+                            <m:e>
+                              <m:r>
+                                <a:rPr lang="en-US" sz="1800" i="1">
+                                  <a:latin typeface="Cambria Math" panose="02040503050406030204" pitchFamily="18" charset="0"/>
+                                </a:rPr>
+                                <m:t>𝑠</m:t>
+                              </m:r>
+                            </m:e>
+                          </m:d>
+                          <m:r>
+                            <a:rPr lang="en-US" sz="1800" i="1">
+                              <a:latin typeface="Cambria Math" panose="02040503050406030204" pitchFamily="18" charset="0"/>
+                            </a:rPr>
+                            <m:t>𝑃</m:t>
+                          </m:r>
+                          <m:r>
+                            <a:rPr lang="en-US" sz="1800" i="1">
+                              <a:latin typeface="Cambria Math" panose="02040503050406030204" pitchFamily="18" charset="0"/>
+                            </a:rPr>
+                            <m:t>(</m:t>
+                          </m:r>
+                          <m:sSup>
+                            <m:sSupPr>
+                              <m:ctrlPr>
+                                <a:rPr lang="en-US" sz="1800" i="1">
+                                  <a:latin typeface="Cambria Math" panose="02040503050406030204" pitchFamily="18" charset="0"/>
+                                </a:rPr>
+                              </m:ctrlPr>
+                            </m:sSupPr>
+                            <m:e>
+                              <m:r>
+                                <a:rPr lang="en-US" sz="1800" i="1">
+                                  <a:latin typeface="Cambria Math" panose="02040503050406030204" pitchFamily="18" charset="0"/>
+                                </a:rPr>
+                                <m:t>𝑠</m:t>
+                              </m:r>
+                            </m:e>
+                            <m:sup>
+                              <m:r>
+                                <a:rPr lang="en-US" sz="1800" i="1">
+                                  <a:latin typeface="Cambria Math" panose="02040503050406030204" pitchFamily="18" charset="0"/>
+                                </a:rPr>
+                                <m:t>′</m:t>
+                              </m:r>
+                            </m:sup>
+                          </m:sSup>
+                          <m:r>
+                            <a:rPr lang="en-US" sz="1800" i="1">
+                              <a:latin typeface="Cambria Math" panose="02040503050406030204" pitchFamily="18" charset="0"/>
+                            </a:rPr>
+                            <m:t>|</m:t>
+                          </m:r>
+                          <m:r>
+                            <a:rPr lang="en-US" sz="1800" i="1">
+                              <a:latin typeface="Cambria Math" panose="02040503050406030204" pitchFamily="18" charset="0"/>
+                            </a:rPr>
+                            <m:t>𝑠</m:t>
+                          </m:r>
+                          <m:r>
+                            <a:rPr lang="en-US" sz="1800" i="1">
+                              <a:latin typeface="Cambria Math" panose="02040503050406030204" pitchFamily="18" charset="0"/>
+                            </a:rPr>
+                            <m:t>,</m:t>
+                          </m:r>
+                          <m:r>
+                            <a:rPr lang="en-US" sz="1800" i="1">
+                              <a:latin typeface="Cambria Math" panose="02040503050406030204" pitchFamily="18" charset="0"/>
+                            </a:rPr>
+                            <m:t>𝑎</m:t>
+                          </m:r>
+                          <m:r>
+                            <a:rPr lang="en-US" sz="1800" i="1">
+                              <a:latin typeface="Cambria Math" panose="02040503050406030204" pitchFamily="18" charset="0"/>
+                            </a:rPr>
+                            <m:t>)</m:t>
+                          </m:r>
+                        </m:e>
+                      </m:nary>
+                    </m:oMath>
+                  </m:oMathPara>
                 </a14:m>
                 <a:endParaRPr lang="en-US" sz="1800" dirty="0"/>
               </a:p>
@@ -35886,7 +36008,21 @@
                 </a:pPr>
                 <a:r>
                   <a:rPr lang="en-US" sz="1800" dirty="0"/>
-                  <a:t>Expected utility of an action:</a:t>
+                  <a:t>The expected utility of action </a:t>
+                </a:r>
+                <a14:m>
+                  <m:oMath xmlns:m="http://schemas.openxmlformats.org/officeDocument/2006/math">
+                    <m:r>
+                      <a:rPr lang="en-US" sz="1800" i="1" dirty="0" smtClean="0">
+                        <a:latin typeface="Cambria Math" panose="02040503050406030204" pitchFamily="18" charset="0"/>
+                      </a:rPr>
+                      <m:t>𝑎</m:t>
+                    </m:r>
+                  </m:oMath>
+                </a14:m>
+                <a:r>
+                  <a:rPr lang="en-US" sz="1800" dirty="0"/>
+                  <a:t> over all possible states is</a:t>
                 </a:r>
                 <a:br>
                   <a:rPr lang="en-US" sz="1800" dirty="0"/>
@@ -36075,7 +36211,7 @@
             </p:txBody>
           </p:sp>
         </mc:Choice>
-        <mc:Fallback xmlns="">
+        <mc:Fallback>
           <p:sp>
             <p:nvSpPr>
               <p:cNvPr id="3" name="Content Placeholder 2">
@@ -36100,7 +36236,7 @@
               <a:blipFill>
                 <a:blip r:embed="rId2"/>
                 <a:stretch>
-                  <a:fillRect l="-1006" t="-1603"/>
+                  <a:fillRect l="-782" t="-1763" b="-3365"/>
                 </a:stretch>
               </a:blipFill>
             </p:spPr>
@@ -36691,8 +36827,8 @@
           </a:p>
         </p:txBody>
       </p:sp>
-      <mc:AlternateContent xmlns:mc="http://schemas.openxmlformats.org/markup-compatibility/2006" xmlns:a14="http://schemas.microsoft.com/office/drawing/2010/main">
-        <mc:Choice Requires="a14">
+      <mc:AlternateContent xmlns:mc="http://schemas.openxmlformats.org/markup-compatibility/2006">
+        <mc:Choice xmlns:a14="http://schemas.microsoft.com/office/drawing/2010/main" Requires="a14">
           <p:sp>
             <p:nvSpPr>
               <p:cNvPr id="3" name="Content Placeholder 2">
@@ -37113,7 +37249,7 @@
                 </a14:m>
                 <a:r>
                   <a:rPr lang="en-US" sz="1600" dirty="0"/>
-                  <a:t> needs a causal model.</a:t>
+                  <a:t> needs a casual model.</a:t>
                 </a:r>
               </a:p>
               <a:p>
@@ -37158,7 +37294,7 @@
             </p:txBody>
           </p:sp>
         </mc:Choice>
-        <mc:Fallback xmlns="">
+        <mc:Fallback>
           <p:sp>
             <p:nvSpPr>
               <p:cNvPr id="3" name="Content Placeholder 2">

--- a/slides/16_decision_making.pptx
+++ b/slides/16_decision_making.pptx
@@ -2855,7 +2855,7 @@
       </dgm:t>
     </dgm:pt>
     <dgm:pt modelId="{D4726B06-13BF-446A-A3AA-26BFF8E8DE99}">
-      <dgm:prSet/>
+      <dgm:prSet custT="1"/>
       <dgm:spPr>
         <a:solidFill>
           <a:schemeClr val="bg1">
@@ -2868,7 +2868,7 @@
         <a:lstStyle/>
         <a:p>
           <a:r>
-            <a:rPr lang="en-US" dirty="0"/>
+            <a:rPr lang="en-US" sz="3200" dirty="0"/>
             <a:t>Logical agents</a:t>
           </a:r>
         </a:p>
@@ -2987,14 +2987,14 @@
       </dgm:t>
     </dgm:pt>
     <dgm:pt modelId="{AA6FF214-6024-4199-B536-14668E2EE2B9}">
-      <dgm:prSet/>
+      <dgm:prSet custT="1"/>
       <dgm:spPr/>
       <dgm:t>
         <a:bodyPr/>
         <a:lstStyle/>
         <a:p>
           <a:r>
-            <a:rPr lang="en-US"/>
+            <a:rPr lang="en-US" sz="3200" dirty="0"/>
             <a:t>Goal-based agents</a:t>
           </a:r>
         </a:p>
@@ -3059,14 +3059,14 @@
       </dgm:t>
     </dgm:pt>
     <dgm:pt modelId="{6B5873E4-C7E4-4D88-BF4D-39890CB6DF49}">
-      <dgm:prSet/>
+      <dgm:prSet custT="1"/>
       <dgm:spPr/>
       <dgm:t>
         <a:bodyPr/>
         <a:lstStyle/>
         <a:p>
           <a:r>
-            <a:rPr lang="en-US" dirty="0"/>
+            <a:rPr lang="en-US" sz="3200" dirty="0"/>
             <a:t>Utility-based agents</a:t>
           </a:r>
         </a:p>
@@ -3398,18 +3398,18 @@
         <a:lstStyle/>
         <a:p>
           <a:r>
-            <a:rPr lang="en-US" sz="1800" dirty="0"/>
-            <a:t>Decision networks are an extension of Bayes nets that add actions and utility. </a:t>
+            <a:rPr lang="en-US" sz="1600" dirty="0"/>
+            <a:t>Decision networks are an extension of Bayes nets that add actions and utility to compactly specify the joint probability.</a:t>
           </a:r>
           <a:br>
-            <a:rPr lang="en-US" sz="1800" dirty="0"/>
+            <a:rPr lang="en-US" sz="1600" dirty="0"/>
           </a:br>
           <a:br>
-            <a:rPr lang="en-US" sz="1800" dirty="0"/>
+            <a:rPr lang="en-US" sz="1600" dirty="0"/>
           </a:br>
           <a:r>
-            <a:rPr lang="en-US" sz="1800" dirty="0"/>
-            <a:t>Evidence and independence can be used as for Bayes nets.</a:t>
+            <a:rPr lang="en-US" sz="1600" dirty="0"/>
+            <a:t>The network is used to calculate the expected utility of actions.</a:t>
           </a:r>
         </a:p>
       </dgm:t>
@@ -3444,8 +3444,8 @@
         <a:lstStyle/>
         <a:p>
           <a:r>
-            <a:rPr lang="en-US" sz="1800" dirty="0"/>
-            <a:t>Decision networks can be used to make simple decisions (a single, repeating decision, i.e., the environment is episodic).</a:t>
+            <a:rPr lang="en-US" sz="1600" dirty="0"/>
+            <a:t>Decision networks can be used to make simple repeated  decisions in a stochastic, partially observable, and episodic environment.</a:t>
           </a:r>
         </a:p>
       </dgm:t>
@@ -3480,18 +3480,18 @@
         <a:lstStyle/>
         <a:p>
           <a:r>
-            <a:rPr lang="en-US" sz="1800" b="1" dirty="0"/>
+            <a:rPr lang="en-US" sz="1600" b="1" dirty="0"/>
             <a:t>Sequential decision-making </a:t>
           </a:r>
           <a:r>
-            <a:rPr lang="en-US" sz="1800" dirty="0"/>
+            <a:rPr lang="en-US" sz="1600" dirty="0"/>
             <a:t>deals with decisions that influence each other and are made over time. This is a more complex decision problem and needs different methods like</a:t>
           </a:r>
           <a:br>
-            <a:rPr lang="en-US" sz="1800" dirty="0"/>
+            <a:rPr lang="en-US" sz="1600" dirty="0"/>
           </a:br>
           <a:r>
-            <a:rPr lang="en-US" sz="1800" b="1" dirty="0"/>
+            <a:rPr lang="en-US" sz="1600" b="1" dirty="0"/>
             <a:t>Markov Decision Processes.</a:t>
           </a:r>
         </a:p>
@@ -4008,12 +4008,12 @@
         </a:fontRef>
       </dsp:style>
       <dsp:txBody>
-        <a:bodyPr spcFirstLastPara="0" vert="horz" wrap="square" lIns="148590" tIns="74295" rIns="148590" bIns="74295" numCol="1" spcCol="1270" anchor="ctr" anchorCtr="0">
+        <a:bodyPr spcFirstLastPara="0" vert="horz" wrap="square" lIns="121920" tIns="60960" rIns="121920" bIns="60960" numCol="1" spcCol="1270" anchor="ctr" anchorCtr="0">
           <a:noAutofit/>
         </a:bodyPr>
         <a:lstStyle/>
         <a:p>
-          <a:pPr marL="0" lvl="0" indent="0" algn="ctr" defTabSz="1733550">
+          <a:pPr marL="0" lvl="0" indent="0" algn="ctr" defTabSz="1422400">
             <a:lnSpc>
               <a:spcPct val="90000"/>
             </a:lnSpc>
@@ -4026,7 +4026,7 @@
             <a:buNone/>
           </a:pPr>
           <a:r>
-            <a:rPr lang="en-US" sz="3900" kern="1200" dirty="0"/>
+            <a:rPr lang="en-US" sz="3200" kern="1200" dirty="0"/>
             <a:t>Logical agents</a:t>
           </a:r>
         </a:p>
@@ -4166,12 +4166,12 @@
         </a:fontRef>
       </dsp:style>
       <dsp:txBody>
-        <a:bodyPr spcFirstLastPara="0" vert="horz" wrap="square" lIns="148590" tIns="74295" rIns="148590" bIns="74295" numCol="1" spcCol="1270" anchor="ctr" anchorCtr="0">
+        <a:bodyPr spcFirstLastPara="0" vert="horz" wrap="square" lIns="121920" tIns="60960" rIns="121920" bIns="60960" numCol="1" spcCol="1270" anchor="ctr" anchorCtr="0">
           <a:noAutofit/>
         </a:bodyPr>
         <a:lstStyle/>
         <a:p>
-          <a:pPr marL="0" lvl="0" indent="0" algn="ctr" defTabSz="1733550">
+          <a:pPr marL="0" lvl="0" indent="0" algn="ctr" defTabSz="1422400">
             <a:lnSpc>
               <a:spcPct val="90000"/>
             </a:lnSpc>
@@ -4184,7 +4184,7 @@
             <a:buNone/>
           </a:pPr>
           <a:r>
-            <a:rPr lang="en-US" sz="3900" kern="1200"/>
+            <a:rPr lang="en-US" sz="3200" kern="1200" dirty="0"/>
             <a:t>Goal-based agents</a:t>
           </a:r>
         </a:p>
@@ -4360,12 +4360,12 @@
         </a:fontRef>
       </dsp:style>
       <dsp:txBody>
-        <a:bodyPr spcFirstLastPara="0" vert="horz" wrap="square" lIns="148590" tIns="74295" rIns="148590" bIns="74295" numCol="1" spcCol="1270" anchor="ctr" anchorCtr="0">
+        <a:bodyPr spcFirstLastPara="0" vert="horz" wrap="square" lIns="121920" tIns="60960" rIns="121920" bIns="60960" numCol="1" spcCol="1270" anchor="ctr" anchorCtr="0">
           <a:noAutofit/>
         </a:bodyPr>
         <a:lstStyle/>
         <a:p>
-          <a:pPr marL="0" lvl="0" indent="0" algn="ctr" defTabSz="1733550">
+          <a:pPr marL="0" lvl="0" indent="0" algn="ctr" defTabSz="1422400">
             <a:lnSpc>
               <a:spcPct val="90000"/>
             </a:lnSpc>
@@ -4378,7 +4378,7 @@
             <a:buNone/>
           </a:pPr>
           <a:r>
-            <a:rPr lang="en-US" sz="3900" kern="1200" dirty="0"/>
+            <a:rPr lang="en-US" sz="3200" kern="1200" dirty="0"/>
             <a:t>Utility-based agents</a:t>
           </a:r>
         </a:p>
@@ -4527,7 +4527,7 @@
         </a:bodyPr>
         <a:lstStyle/>
         <a:p>
-          <a:pPr marL="0" lvl="0" indent="0" algn="l" defTabSz="800100">
+          <a:pPr marL="0" lvl="0" indent="0" algn="l" defTabSz="711200">
             <a:lnSpc>
               <a:spcPct val="90000"/>
             </a:lnSpc>
@@ -4540,18 +4540,18 @@
             <a:buNone/>
           </a:pPr>
           <a:r>
-            <a:rPr lang="en-US" sz="1800" kern="1200" dirty="0"/>
-            <a:t>Decision networks are an extension of Bayes nets that add actions and utility. </a:t>
+            <a:rPr lang="en-US" sz="1600" kern="1200" dirty="0"/>
+            <a:t>Decision networks are an extension of Bayes nets that add actions and utility to compactly specify the joint probability.</a:t>
           </a:r>
           <a:br>
-            <a:rPr lang="en-US" sz="1800" kern="1200" dirty="0"/>
+            <a:rPr lang="en-US" sz="1600" kern="1200" dirty="0"/>
           </a:br>
           <a:br>
-            <a:rPr lang="en-US" sz="1800" kern="1200" dirty="0"/>
+            <a:rPr lang="en-US" sz="1600" kern="1200" dirty="0"/>
           </a:br>
           <a:r>
-            <a:rPr lang="en-US" sz="1800" kern="1200" dirty="0"/>
-            <a:t>Evidence and independence can be used as for Bayes nets.</a:t>
+            <a:rPr lang="en-US" sz="1600" kern="1200" dirty="0"/>
+            <a:t>The network is used to calculate the expected utility of actions.</a:t>
           </a:r>
         </a:p>
       </dsp:txBody>
@@ -4684,7 +4684,7 @@
         </a:bodyPr>
         <a:lstStyle/>
         <a:p>
-          <a:pPr marL="0" lvl="0" indent="0" algn="l" defTabSz="800100">
+          <a:pPr marL="0" lvl="0" indent="0" algn="l" defTabSz="711200">
             <a:lnSpc>
               <a:spcPct val="90000"/>
             </a:lnSpc>
@@ -4697,8 +4697,8 @@
             <a:buNone/>
           </a:pPr>
           <a:r>
-            <a:rPr lang="en-US" sz="1800" kern="1200" dirty="0"/>
-            <a:t>Decision networks can be used to make simple decisions (a single, repeating decision, i.e., the environment is episodic).</a:t>
+            <a:rPr lang="en-US" sz="1600" kern="1200" dirty="0"/>
+            <a:t>Decision networks can be used to make simple repeated  decisions in a stochastic, partially observable, and episodic environment.</a:t>
           </a:r>
         </a:p>
       </dsp:txBody>
@@ -4833,7 +4833,7 @@
         </a:bodyPr>
         <a:lstStyle/>
         <a:p>
-          <a:pPr marL="0" lvl="0" indent="0" algn="l" defTabSz="800100">
+          <a:pPr marL="0" lvl="0" indent="0" algn="l" defTabSz="711200">
             <a:lnSpc>
               <a:spcPct val="90000"/>
             </a:lnSpc>
@@ -4846,18 +4846,18 @@
             <a:buNone/>
           </a:pPr>
           <a:r>
-            <a:rPr lang="en-US" sz="1800" b="1" kern="1200" dirty="0"/>
+            <a:rPr lang="en-US" sz="1600" b="1" kern="1200" dirty="0"/>
             <a:t>Sequential decision-making </a:t>
           </a:r>
           <a:r>
-            <a:rPr lang="en-US" sz="1800" kern="1200" dirty="0"/>
+            <a:rPr lang="en-US" sz="1600" kern="1200" dirty="0"/>
             <a:t>deals with decisions that influence each other and are made over time. This is a more complex decision problem and needs different methods like</a:t>
           </a:r>
           <a:br>
-            <a:rPr lang="en-US" sz="1800" kern="1200" dirty="0"/>
+            <a:rPr lang="en-US" sz="1600" kern="1200" dirty="0"/>
           </a:br>
           <a:r>
-            <a:rPr lang="en-US" sz="1800" b="1" kern="1200" dirty="0"/>
+            <a:rPr lang="en-US" sz="1600" b="1" kern="1200" dirty="0"/>
             <a:t>Markov Decision Processes.</a:t>
           </a:r>
         </a:p>
@@ -8667,7 +8667,7 @@
           <a:p>
             <a:fld id="{CDFB1A35-FCF7-4D0C-AE83-400D24256912}" type="datetimeFigureOut">
               <a:rPr lang="en-US" smtClean="0"/>
-              <a:t>11/19/2023</a:t>
+              <a:t>11/30/2023</a:t>
             </a:fld>
             <a:endParaRPr lang="en-US"/>
           </a:p>
@@ -9810,7 +9810,7 @@
           <a:p>
             <a:fld id="{16A8CD98-EF2C-4EFD-A320-0FD1E700AB34}" type="datetimeFigureOut">
               <a:rPr lang="en-US" smtClean="0"/>
-              <a:t>11/19/2023</a:t>
+              <a:t>11/30/2023</a:t>
             </a:fld>
             <a:endParaRPr lang="en-US"/>
           </a:p>
@@ -10008,7 +10008,7 @@
           <a:p>
             <a:fld id="{16A8CD98-EF2C-4EFD-A320-0FD1E700AB34}" type="datetimeFigureOut">
               <a:rPr lang="en-US" smtClean="0"/>
-              <a:t>11/19/2023</a:t>
+              <a:t>11/30/2023</a:t>
             </a:fld>
             <a:endParaRPr lang="en-US"/>
           </a:p>
@@ -10216,7 +10216,7 @@
           <a:p>
             <a:fld id="{16A8CD98-EF2C-4EFD-A320-0FD1E700AB34}" type="datetimeFigureOut">
               <a:rPr lang="en-US" smtClean="0"/>
-              <a:t>11/19/2023</a:t>
+              <a:t>11/30/2023</a:t>
             </a:fld>
             <a:endParaRPr lang="en-US"/>
           </a:p>
@@ -10414,7 +10414,7 @@
           <a:p>
             <a:fld id="{16A8CD98-EF2C-4EFD-A320-0FD1E700AB34}" type="datetimeFigureOut">
               <a:rPr lang="en-US" smtClean="0"/>
-              <a:t>11/19/2023</a:t>
+              <a:t>11/30/2023</a:t>
             </a:fld>
             <a:endParaRPr lang="en-US"/>
           </a:p>
@@ -10689,7 +10689,7 @@
           <a:p>
             <a:fld id="{16A8CD98-EF2C-4EFD-A320-0FD1E700AB34}" type="datetimeFigureOut">
               <a:rPr lang="en-US" smtClean="0"/>
-              <a:t>11/19/2023</a:t>
+              <a:t>11/30/2023</a:t>
             </a:fld>
             <a:endParaRPr lang="en-US"/>
           </a:p>
@@ -10954,7 +10954,7 @@
           <a:p>
             <a:fld id="{16A8CD98-EF2C-4EFD-A320-0FD1E700AB34}" type="datetimeFigureOut">
               <a:rPr lang="en-US" smtClean="0"/>
-              <a:t>11/19/2023</a:t>
+              <a:t>11/30/2023</a:t>
             </a:fld>
             <a:endParaRPr lang="en-US"/>
           </a:p>
@@ -11366,7 +11366,7 @@
           <a:p>
             <a:fld id="{16A8CD98-EF2C-4EFD-A320-0FD1E700AB34}" type="datetimeFigureOut">
               <a:rPr lang="en-US" smtClean="0"/>
-              <a:t>11/19/2023</a:t>
+              <a:t>11/30/2023</a:t>
             </a:fld>
             <a:endParaRPr lang="en-US"/>
           </a:p>
@@ -11507,7 +11507,7 @@
           <a:p>
             <a:fld id="{16A8CD98-EF2C-4EFD-A320-0FD1E700AB34}" type="datetimeFigureOut">
               <a:rPr lang="en-US" smtClean="0"/>
-              <a:t>11/19/2023</a:t>
+              <a:t>11/30/2023</a:t>
             </a:fld>
             <a:endParaRPr lang="en-US"/>
           </a:p>
@@ -11620,7 +11620,7 @@
           <a:p>
             <a:fld id="{16A8CD98-EF2C-4EFD-A320-0FD1E700AB34}" type="datetimeFigureOut">
               <a:rPr lang="en-US" smtClean="0"/>
-              <a:t>11/19/2023</a:t>
+              <a:t>11/30/2023</a:t>
             </a:fld>
             <a:endParaRPr lang="en-US"/>
           </a:p>
@@ -11931,7 +11931,7 @@
           <a:p>
             <a:fld id="{16A8CD98-EF2C-4EFD-A320-0FD1E700AB34}" type="datetimeFigureOut">
               <a:rPr lang="en-US" smtClean="0"/>
-              <a:t>11/19/2023</a:t>
+              <a:t>11/30/2023</a:t>
             </a:fld>
             <a:endParaRPr lang="en-US"/>
           </a:p>
@@ -12219,7 +12219,7 @@
           <a:p>
             <a:fld id="{16A8CD98-EF2C-4EFD-A320-0FD1E700AB34}" type="datetimeFigureOut">
               <a:rPr lang="en-US" smtClean="0"/>
-              <a:t>11/19/2023</a:t>
+              <a:t>11/30/2023</a:t>
             </a:fld>
             <a:endParaRPr lang="en-US"/>
           </a:p>
@@ -12460,7 +12460,7 @@
           <a:p>
             <a:fld id="{16A8CD98-EF2C-4EFD-A320-0FD1E700AB34}" type="datetimeFigureOut">
               <a:rPr lang="en-US" smtClean="0"/>
-              <a:t>11/19/2023</a:t>
+              <a:t>11/30/2023</a:t>
             </a:fld>
             <a:endParaRPr lang="en-US"/>
           </a:p>
@@ -13585,315 +13585,78 @@
           </a:p>
         </p:txBody>
       </p:sp>
-      <p:sp>
-        <p:nvSpPr>
-          <p:cNvPr id="5123" name="Rectangle 3"/>
-          <p:cNvSpPr>
-            <a:spLocks noGrp="1" noChangeArrowheads="1"/>
-          </p:cNvSpPr>
-          <p:nvPr>
-            <p:ph idx="1"/>
-          </p:nvPr>
-        </p:nvSpPr>
-        <p:spPr>
-          <a:xfrm>
-            <a:off x="838200" y="1477850"/>
-            <a:ext cx="10515600" cy="4351338"/>
-          </a:xfrm>
-        </p:spPr>
-        <p:txBody>
-          <a:bodyPr/>
-          <a:lstStyle/>
-          <a:p>
-            <a:pPr marL="0" indent="0">
-              <a:lnSpc>
-                <a:spcPct val="80000"/>
-              </a:lnSpc>
-              <a:buNone/>
-            </a:pPr>
-            <a:r>
-              <a:rPr lang="en-US" sz="2000" b="1" dirty="0">
-                <a:solidFill>
-                  <a:srgbClr val="FF0000"/>
-                </a:solidFill>
-                <a:latin typeface="Calibri"/>
-                <a:ea typeface="ＭＳ Ｐゴシック" pitchFamily="34" charset="-128"/>
-                <a:cs typeface="Calibri"/>
-              </a:rPr>
-              <a:t>MEU: choose the action which maximizes the expected utility given the evidence.</a:t>
-            </a:r>
-          </a:p>
-          <a:p>
-            <a:pPr>
-              <a:lnSpc>
-                <a:spcPct val="80000"/>
-              </a:lnSpc>
-            </a:pPr>
-            <a:endParaRPr lang="en-US" sz="2000" dirty="0">
-              <a:latin typeface="Calibri"/>
-              <a:ea typeface="ＭＳ Ｐゴシック" pitchFamily="34" charset="-128"/>
-              <a:cs typeface="Calibri"/>
-            </a:endParaRPr>
-          </a:p>
-        </p:txBody>
-      </p:sp>
-      <p:cxnSp>
-        <p:nvCxnSpPr>
-          <p:cNvPr id="17411" name="AutoShape 4"/>
-          <p:cNvCxnSpPr>
-            <a:cxnSpLocks noChangeShapeType="1"/>
-            <a:stCxn id="17412" idx="4"/>
-            <a:endCxn id="17413" idx="0"/>
-          </p:cNvCxnSpPr>
-          <p:nvPr/>
-        </p:nvCxnSpPr>
-        <p:spPr bwMode="auto">
-          <a:xfrm>
-            <a:off x="8335463" y="4415445"/>
-            <a:ext cx="0" cy="1149350"/>
-          </a:xfrm>
-          <a:prstGeom prst="straightConnector1">
-            <a:avLst/>
-          </a:prstGeom>
-          <a:noFill/>
-          <a:ln w="28575">
-            <a:solidFill>
-              <a:schemeClr val="tx1"/>
-            </a:solidFill>
-            <a:round/>
-            <a:headEnd/>
-            <a:tailEnd type="triangle" w="lg" len="lg"/>
-          </a:ln>
-          <a:extLst>
-            <a:ext uri="{909E8E84-426E-40DD-AFC4-6F175D3DCCD1}">
-              <a14:hiddenFill xmlns:a14="http://schemas.microsoft.com/office/drawing/2010/main">
-                <a:noFill/>
-              </a14:hiddenFill>
-            </a:ext>
-          </a:extLst>
-        </p:spPr>
-      </p:cxnSp>
-      <p:sp>
-        <p:nvSpPr>
-          <p:cNvPr id="17412" name="Oval 5"/>
-          <p:cNvSpPr>
-            <a:spLocks noChangeArrowheads="1"/>
-          </p:cNvSpPr>
-          <p:nvPr/>
-        </p:nvSpPr>
-        <p:spPr bwMode="auto">
-          <a:xfrm>
-            <a:off x="7724275" y="3826482"/>
-            <a:ext cx="1222375" cy="574675"/>
-          </a:xfrm>
-          <a:prstGeom prst="ellipse">
-            <a:avLst/>
-          </a:prstGeom>
-          <a:solidFill>
-            <a:schemeClr val="bg1"/>
-          </a:solidFill>
-          <a:ln w="28575">
-            <a:solidFill>
-              <a:schemeClr val="tx1"/>
-            </a:solidFill>
-            <a:round/>
-            <a:headEnd/>
-            <a:tailEnd/>
-          </a:ln>
-        </p:spPr>
-        <p:txBody>
-          <a:bodyPr wrap="none" anchor="ctr"/>
-          <a:lstStyle/>
-          <a:p>
-            <a:pPr algn="ctr"/>
-            <a:r>
-              <a:rPr lang="en-US">
-                <a:latin typeface="Calibri"/>
-                <a:cs typeface="Calibri"/>
-              </a:rPr>
-              <a:t>Weather</a:t>
-            </a:r>
-          </a:p>
-        </p:txBody>
-      </p:sp>
-      <p:sp>
-        <p:nvSpPr>
-          <p:cNvPr id="17413" name="Oval 6"/>
-          <p:cNvSpPr>
-            <a:spLocks noChangeArrowheads="1"/>
-          </p:cNvSpPr>
-          <p:nvPr/>
-        </p:nvSpPr>
-        <p:spPr bwMode="auto">
-          <a:xfrm>
-            <a:off x="7724275" y="5579082"/>
-            <a:ext cx="1222375" cy="574675"/>
-          </a:xfrm>
-          <a:prstGeom prst="ellipse">
-            <a:avLst/>
-          </a:prstGeom>
-          <a:solidFill>
-            <a:schemeClr val="bg1"/>
-          </a:solidFill>
-          <a:ln w="28575">
-            <a:solidFill>
-              <a:schemeClr val="tx1"/>
-            </a:solidFill>
-            <a:round/>
-            <a:headEnd/>
-            <a:tailEnd/>
-          </a:ln>
-        </p:spPr>
-        <p:txBody>
-          <a:bodyPr wrap="none" anchor="ctr"/>
-          <a:lstStyle/>
-          <a:p>
-            <a:pPr algn="ctr" rtl="1"/>
-            <a:r>
-              <a:rPr lang="en-US" dirty="0">
-                <a:latin typeface="Calibri"/>
-                <a:cs typeface="Calibri"/>
-              </a:rPr>
-              <a:t>Forecast</a:t>
-            </a:r>
-          </a:p>
-        </p:txBody>
-      </p:sp>
-      <p:sp>
-        <p:nvSpPr>
-          <p:cNvPr id="17414" name="Rectangle 7"/>
-          <p:cNvSpPr>
-            <a:spLocks noChangeArrowheads="1"/>
-          </p:cNvSpPr>
-          <p:nvPr/>
-        </p:nvSpPr>
-        <p:spPr bwMode="auto">
-          <a:xfrm>
-            <a:off x="7800475" y="2343757"/>
-            <a:ext cx="1143000" cy="533400"/>
-          </a:xfrm>
-          <a:prstGeom prst="rect">
-            <a:avLst/>
-          </a:prstGeom>
-          <a:solidFill>
-            <a:schemeClr val="bg1"/>
-          </a:solidFill>
-          <a:ln w="28575">
-            <a:solidFill>
-              <a:schemeClr val="tx1"/>
-            </a:solidFill>
-            <a:miter lim="800000"/>
-            <a:headEnd/>
-            <a:tailEnd/>
-          </a:ln>
-        </p:spPr>
-        <p:txBody>
-          <a:bodyPr wrap="none" anchor="ctr"/>
-          <a:lstStyle/>
-          <a:p>
-            <a:pPr algn="ctr"/>
-            <a:r>
-              <a:rPr lang="en-US" dirty="0">
-                <a:latin typeface="Calibri"/>
-                <a:cs typeface="Calibri"/>
-              </a:rPr>
-              <a:t>Umbrella</a:t>
-            </a:r>
-          </a:p>
-        </p:txBody>
-      </p:sp>
       <p:grpSp>
         <p:nvGrpSpPr>
-          <p:cNvPr id="17415" name="Group 8"/>
-          <p:cNvGrpSpPr>
-            <a:grpSpLocks/>
-          </p:cNvGrpSpPr>
+          <p:cNvPr id="2" name="Group 1">
+            <a:extLst>
+              <a:ext uri="{FF2B5EF4-FFF2-40B4-BE49-F238E27FC236}">
+                <a16:creationId xmlns:a16="http://schemas.microsoft.com/office/drawing/2014/main" id="{DBA2A2C3-9375-E35C-880F-0C6881BED107}"/>
+              </a:ext>
+            </a:extLst>
+          </p:cNvPr>
+          <p:cNvGrpSpPr/>
           <p:nvPr/>
         </p:nvGrpSpPr>
-        <p:grpSpPr bwMode="auto">
+        <p:grpSpPr>
           <a:xfrm>
-            <a:off x="10010275" y="3105757"/>
-            <a:ext cx="838200" cy="533400"/>
-            <a:chOff x="4368" y="1728"/>
-            <a:chExt cx="528" cy="336"/>
+            <a:off x="7290782" y="1769082"/>
+            <a:ext cx="3124200" cy="3810000"/>
+            <a:chOff x="7724275" y="2343757"/>
+            <a:chExt cx="3124200" cy="3810000"/>
           </a:xfrm>
         </p:grpSpPr>
+        <p:cxnSp>
+          <p:nvCxnSpPr>
+            <p:cNvPr id="17411" name="AutoShape 4"/>
+            <p:cNvCxnSpPr>
+              <a:cxnSpLocks noChangeShapeType="1"/>
+              <a:stCxn id="17412" idx="4"/>
+              <a:endCxn id="17413" idx="0"/>
+            </p:cNvCxnSpPr>
+            <p:nvPr/>
+          </p:nvCxnSpPr>
+          <p:spPr bwMode="auto">
+            <a:xfrm>
+              <a:off x="8335463" y="4415445"/>
+              <a:ext cx="0" cy="1149350"/>
+            </a:xfrm>
+            <a:prstGeom prst="straightConnector1">
+              <a:avLst/>
+            </a:prstGeom>
+            <a:noFill/>
+            <a:ln w="28575">
+              <a:solidFill>
+                <a:schemeClr val="tx1"/>
+              </a:solidFill>
+              <a:round/>
+              <a:headEnd/>
+              <a:tailEnd type="triangle" w="lg" len="lg"/>
+            </a:ln>
+            <a:extLst>
+              <a:ext uri="{909E8E84-426E-40DD-AFC4-6F175D3DCCD1}">
+                <a14:hiddenFill xmlns:a14="http://schemas.microsoft.com/office/drawing/2010/main">
+                  <a:noFill/>
+                </a14:hiddenFill>
+              </a:ext>
+            </a:extLst>
+          </p:spPr>
+        </p:cxnSp>
         <p:sp>
           <p:nvSpPr>
-            <p:cNvPr id="17422" name="Freeform 9"/>
+            <p:cNvPr id="17412" name="Oval 5"/>
             <p:cNvSpPr>
-              <a:spLocks/>
+              <a:spLocks noChangeArrowheads="1"/>
             </p:cNvSpPr>
             <p:nvPr/>
           </p:nvSpPr>
           <p:spPr bwMode="auto">
             <a:xfrm>
-              <a:off x="4368" y="1728"/>
-              <a:ext cx="528" cy="336"/>
+              <a:off x="7724275" y="3826482"/>
+              <a:ext cx="1222375" cy="574675"/>
             </a:xfrm>
-            <a:custGeom>
+            <a:prstGeom prst="ellipse">
               <a:avLst/>
-              <a:gdLst>
-                <a:gd name="T0" fmla="*/ 16 w 783"/>
-                <a:gd name="T1" fmla="*/ 0 h 288"/>
-                <a:gd name="T2" fmla="*/ 0 w 783"/>
-                <a:gd name="T3" fmla="*/ 496 h 288"/>
-                <a:gd name="T4" fmla="*/ 16 w 783"/>
-                <a:gd name="T5" fmla="*/ 988 h 288"/>
-                <a:gd name="T6" fmla="*/ 34 w 783"/>
-                <a:gd name="T7" fmla="*/ 484 h 288"/>
-                <a:gd name="T8" fmla="*/ 16 w 783"/>
-                <a:gd name="T9" fmla="*/ 0 h 288"/>
-                <a:gd name="T10" fmla="*/ 0 60000 65536"/>
-                <a:gd name="T11" fmla="*/ 0 60000 65536"/>
-                <a:gd name="T12" fmla="*/ 0 60000 65536"/>
-                <a:gd name="T13" fmla="*/ 0 60000 65536"/>
-                <a:gd name="T14" fmla="*/ 0 60000 65536"/>
-                <a:gd name="T15" fmla="*/ 0 w 783"/>
-                <a:gd name="T16" fmla="*/ 0 h 288"/>
-                <a:gd name="T17" fmla="*/ 783 w 783"/>
-                <a:gd name="T18" fmla="*/ 288 h 288"/>
-              </a:gdLst>
-              <a:ahLst/>
-              <a:cxnLst>
-                <a:cxn ang="T10">
-                  <a:pos x="T0" y="T1"/>
-                </a:cxn>
-                <a:cxn ang="T11">
-                  <a:pos x="T2" y="T3"/>
-                </a:cxn>
-                <a:cxn ang="T12">
-                  <a:pos x="T4" y="T5"/>
-                </a:cxn>
-                <a:cxn ang="T13">
-                  <a:pos x="T6" y="T7"/>
-                </a:cxn>
-                <a:cxn ang="T14">
-                  <a:pos x="T8" y="T9"/>
-                </a:cxn>
-              </a:cxnLst>
-              <a:rect l="T15" t="T16" r="T17" b="T18"/>
-              <a:pathLst>
-                <a:path w="783" h="288">
-                  <a:moveTo>
-                    <a:pt x="384" y="0"/>
-                  </a:moveTo>
-                  <a:lnTo>
-                    <a:pt x="0" y="144"/>
-                  </a:lnTo>
-                  <a:lnTo>
-                    <a:pt x="384" y="288"/>
-                  </a:lnTo>
-                  <a:lnTo>
-                    <a:pt x="783" y="141"/>
-                  </a:lnTo>
-                  <a:lnTo>
-                    <a:pt x="384" y="0"/>
-                  </a:lnTo>
-                  <a:close/>
-                </a:path>
-              </a:pathLst>
-            </a:custGeom>
+            </a:prstGeom>
             <a:solidFill>
               <a:schemeClr val="bg1"/>
             </a:solidFill>
@@ -13907,256 +13670,462 @@
             </a:ln>
           </p:spPr>
           <p:txBody>
-            <a:bodyPr/>
+            <a:bodyPr wrap="none" anchor="ctr"/>
             <a:lstStyle/>
             <a:p>
-              <a:endParaRPr lang="en-US">
-                <a:latin typeface="Calibri"/>
-                <a:cs typeface="Calibri"/>
-              </a:endParaRPr>
+              <a:pPr algn="ctr"/>
+              <a:r>
+                <a:rPr lang="en-US">
+                  <a:latin typeface="Calibri"/>
+                  <a:cs typeface="Calibri"/>
+                </a:rPr>
+                <a:t>Weather</a:t>
+              </a:r>
             </a:p>
           </p:txBody>
         </p:sp>
         <p:sp>
           <p:nvSpPr>
-            <p:cNvPr id="17423" name="Text Box 10"/>
-            <p:cNvSpPr txBox="1">
+            <p:cNvPr id="17413" name="Oval 6"/>
+            <p:cNvSpPr>
               <a:spLocks noChangeArrowheads="1"/>
             </p:cNvSpPr>
             <p:nvPr/>
           </p:nvSpPr>
           <p:spPr bwMode="auto">
             <a:xfrm>
-              <a:off x="4512" y="1776"/>
-              <a:ext cx="240" cy="231"/>
+              <a:off x="7724275" y="5579082"/>
+              <a:ext cx="1222375" cy="574675"/>
+            </a:xfrm>
+            <a:prstGeom prst="ellipse">
+              <a:avLst/>
+            </a:prstGeom>
+            <a:solidFill>
+              <a:schemeClr val="bg1"/>
+            </a:solidFill>
+            <a:ln w="28575">
+              <a:solidFill>
+                <a:schemeClr val="tx1"/>
+              </a:solidFill>
+              <a:round/>
+              <a:headEnd/>
+              <a:tailEnd/>
+            </a:ln>
+          </p:spPr>
+          <p:txBody>
+            <a:bodyPr wrap="none" anchor="ctr"/>
+            <a:lstStyle/>
+            <a:p>
+              <a:pPr algn="ctr" rtl="1"/>
+              <a:r>
+                <a:rPr lang="en-US" dirty="0">
+                  <a:latin typeface="Calibri"/>
+                  <a:cs typeface="Calibri"/>
+                </a:rPr>
+                <a:t>Forecast</a:t>
+              </a:r>
+            </a:p>
+          </p:txBody>
+        </p:sp>
+        <p:sp>
+          <p:nvSpPr>
+            <p:cNvPr id="17414" name="Rectangle 7"/>
+            <p:cNvSpPr>
+              <a:spLocks noChangeArrowheads="1"/>
+            </p:cNvSpPr>
+            <p:nvPr/>
+          </p:nvSpPr>
+          <p:spPr bwMode="auto">
+            <a:xfrm>
+              <a:off x="7800475" y="2343757"/>
+              <a:ext cx="1143000" cy="533400"/>
             </a:xfrm>
             <a:prstGeom prst="rect">
               <a:avLst/>
             </a:prstGeom>
+            <a:solidFill>
+              <a:schemeClr val="bg1"/>
+            </a:solidFill>
+            <a:ln w="28575">
+              <a:solidFill>
+                <a:schemeClr val="tx1"/>
+              </a:solidFill>
+              <a:miter lim="800000"/>
+              <a:headEnd/>
+              <a:tailEnd/>
+            </a:ln>
+          </p:spPr>
+          <p:txBody>
+            <a:bodyPr wrap="none" anchor="ctr"/>
+            <a:lstStyle/>
+            <a:p>
+              <a:pPr algn="ctr"/>
+              <a:r>
+                <a:rPr lang="en-US" dirty="0">
+                  <a:latin typeface="Calibri"/>
+                  <a:cs typeface="Calibri"/>
+                </a:rPr>
+                <a:t>Umbrella</a:t>
+              </a:r>
+            </a:p>
+          </p:txBody>
+        </p:sp>
+        <p:grpSp>
+          <p:nvGrpSpPr>
+            <p:cNvPr id="17415" name="Group 8"/>
+            <p:cNvGrpSpPr>
+              <a:grpSpLocks/>
+            </p:cNvGrpSpPr>
+            <p:nvPr/>
+          </p:nvGrpSpPr>
+          <p:grpSpPr bwMode="auto">
+            <a:xfrm>
+              <a:off x="10010275" y="3105757"/>
+              <a:ext cx="838200" cy="533400"/>
+              <a:chOff x="4368" y="1728"/>
+              <a:chExt cx="528" cy="336"/>
+            </a:xfrm>
+          </p:grpSpPr>
+          <p:sp>
+            <p:nvSpPr>
+              <p:cNvPr id="17422" name="Freeform 9"/>
+              <p:cNvSpPr>
+                <a:spLocks/>
+              </p:cNvSpPr>
+              <p:nvPr/>
+            </p:nvSpPr>
+            <p:spPr bwMode="auto">
+              <a:xfrm>
+                <a:off x="4368" y="1728"/>
+                <a:ext cx="528" cy="336"/>
+              </a:xfrm>
+              <a:custGeom>
+                <a:avLst/>
+                <a:gdLst>
+                  <a:gd name="T0" fmla="*/ 16 w 783"/>
+                  <a:gd name="T1" fmla="*/ 0 h 288"/>
+                  <a:gd name="T2" fmla="*/ 0 w 783"/>
+                  <a:gd name="T3" fmla="*/ 496 h 288"/>
+                  <a:gd name="T4" fmla="*/ 16 w 783"/>
+                  <a:gd name="T5" fmla="*/ 988 h 288"/>
+                  <a:gd name="T6" fmla="*/ 34 w 783"/>
+                  <a:gd name="T7" fmla="*/ 484 h 288"/>
+                  <a:gd name="T8" fmla="*/ 16 w 783"/>
+                  <a:gd name="T9" fmla="*/ 0 h 288"/>
+                  <a:gd name="T10" fmla="*/ 0 60000 65536"/>
+                  <a:gd name="T11" fmla="*/ 0 60000 65536"/>
+                  <a:gd name="T12" fmla="*/ 0 60000 65536"/>
+                  <a:gd name="T13" fmla="*/ 0 60000 65536"/>
+                  <a:gd name="T14" fmla="*/ 0 60000 65536"/>
+                  <a:gd name="T15" fmla="*/ 0 w 783"/>
+                  <a:gd name="T16" fmla="*/ 0 h 288"/>
+                  <a:gd name="T17" fmla="*/ 783 w 783"/>
+                  <a:gd name="T18" fmla="*/ 288 h 288"/>
+                </a:gdLst>
+                <a:ahLst/>
+                <a:cxnLst>
+                  <a:cxn ang="T10">
+                    <a:pos x="T0" y="T1"/>
+                  </a:cxn>
+                  <a:cxn ang="T11">
+                    <a:pos x="T2" y="T3"/>
+                  </a:cxn>
+                  <a:cxn ang="T12">
+                    <a:pos x="T4" y="T5"/>
+                  </a:cxn>
+                  <a:cxn ang="T13">
+                    <a:pos x="T6" y="T7"/>
+                  </a:cxn>
+                  <a:cxn ang="T14">
+                    <a:pos x="T8" y="T9"/>
+                  </a:cxn>
+                </a:cxnLst>
+                <a:rect l="T15" t="T16" r="T17" b="T18"/>
+                <a:pathLst>
+                  <a:path w="783" h="288">
+                    <a:moveTo>
+                      <a:pt x="384" y="0"/>
+                    </a:moveTo>
+                    <a:lnTo>
+                      <a:pt x="0" y="144"/>
+                    </a:lnTo>
+                    <a:lnTo>
+                      <a:pt x="384" y="288"/>
+                    </a:lnTo>
+                    <a:lnTo>
+                      <a:pt x="783" y="141"/>
+                    </a:lnTo>
+                    <a:lnTo>
+                      <a:pt x="384" y="0"/>
+                    </a:lnTo>
+                    <a:close/>
+                  </a:path>
+                </a:pathLst>
+              </a:custGeom>
+              <a:solidFill>
+                <a:schemeClr val="bg1"/>
+              </a:solidFill>
+              <a:ln w="28575">
+                <a:solidFill>
+                  <a:schemeClr val="tx1"/>
+                </a:solidFill>
+                <a:round/>
+                <a:headEnd/>
+                <a:tailEnd/>
+              </a:ln>
+            </p:spPr>
+            <p:txBody>
+              <a:bodyPr/>
+              <a:lstStyle/>
+              <a:p>
+                <a:endParaRPr lang="en-US">
+                  <a:latin typeface="Calibri"/>
+                  <a:cs typeface="Calibri"/>
+                </a:endParaRPr>
+              </a:p>
+            </p:txBody>
+          </p:sp>
+          <p:sp>
+            <p:nvSpPr>
+              <p:cNvPr id="17423" name="Text Box 10"/>
+              <p:cNvSpPr txBox="1">
+                <a:spLocks noChangeArrowheads="1"/>
+              </p:cNvSpPr>
+              <p:nvPr/>
+            </p:nvSpPr>
+            <p:spPr bwMode="auto">
+              <a:xfrm>
+                <a:off x="4512" y="1776"/>
+                <a:ext cx="240" cy="231"/>
+              </a:xfrm>
+              <a:prstGeom prst="rect">
+                <a:avLst/>
+              </a:prstGeom>
+              <a:noFill/>
+              <a:ln>
+                <a:noFill/>
+              </a:ln>
+              <a:extLst>
+                <a:ext uri="{909E8E84-426E-40DD-AFC4-6F175D3DCCD1}">
+                  <a14:hiddenFill xmlns:a14="http://schemas.microsoft.com/office/drawing/2010/main">
+                    <a:solidFill>
+                      <a:srgbClr val="FFFFFF"/>
+                    </a:solidFill>
+                  </a14:hiddenFill>
+                </a:ext>
+                <a:ext uri="{91240B29-F687-4F45-9708-019B960494DF}">
+                  <a14:hiddenLine xmlns:a14="http://schemas.microsoft.com/office/drawing/2010/main" w="9525">
+                    <a:solidFill>
+                      <a:srgbClr val="000000"/>
+                    </a:solidFill>
+                    <a:miter lim="800000"/>
+                    <a:headEnd/>
+                    <a:tailEnd/>
+                  </a14:hiddenLine>
+                </a:ext>
+              </a:extLst>
+            </p:spPr>
+            <p:txBody>
+              <a:bodyPr>
+                <a:spAutoFit/>
+              </a:bodyPr>
+              <a:lstStyle>
+                <a:lvl1pPr eaLnBrk="0" hangingPunct="0">
+                  <a:defRPr sz="2400">
+                    <a:solidFill>
+                      <a:schemeClr val="tx1"/>
+                    </a:solidFill>
+                    <a:latin typeface="Arial" pitchFamily="34" charset="0"/>
+                    <a:ea typeface="ＭＳ Ｐゴシック" pitchFamily="34" charset="-128"/>
+                  </a:defRPr>
+                </a:lvl1pPr>
+                <a:lvl2pPr marL="742950" indent="-285750" eaLnBrk="0" hangingPunct="0">
+                  <a:defRPr sz="2400">
+                    <a:solidFill>
+                      <a:schemeClr val="tx1"/>
+                    </a:solidFill>
+                    <a:latin typeface="Arial" pitchFamily="34" charset="0"/>
+                    <a:ea typeface="ＭＳ Ｐゴシック" pitchFamily="34" charset="-128"/>
+                  </a:defRPr>
+                </a:lvl2pPr>
+                <a:lvl3pPr marL="1143000" indent="-228600" eaLnBrk="0" hangingPunct="0">
+                  <a:defRPr sz="2400">
+                    <a:solidFill>
+                      <a:schemeClr val="tx1"/>
+                    </a:solidFill>
+                    <a:latin typeface="Arial" pitchFamily="34" charset="0"/>
+                    <a:ea typeface="ＭＳ Ｐゴシック" pitchFamily="34" charset="-128"/>
+                  </a:defRPr>
+                </a:lvl3pPr>
+                <a:lvl4pPr marL="1600200" indent="-228600" eaLnBrk="0" hangingPunct="0">
+                  <a:defRPr sz="2400">
+                    <a:solidFill>
+                      <a:schemeClr val="tx1"/>
+                    </a:solidFill>
+                    <a:latin typeface="Arial" pitchFamily="34" charset="0"/>
+                    <a:ea typeface="ＭＳ Ｐゴシック" pitchFamily="34" charset="-128"/>
+                  </a:defRPr>
+                </a:lvl4pPr>
+                <a:lvl5pPr marL="2057400" indent="-228600" eaLnBrk="0" hangingPunct="0">
+                  <a:defRPr sz="2400">
+                    <a:solidFill>
+                      <a:schemeClr val="tx1"/>
+                    </a:solidFill>
+                    <a:latin typeface="Arial" pitchFamily="34" charset="0"/>
+                    <a:ea typeface="ＭＳ Ｐゴシック" pitchFamily="34" charset="-128"/>
+                  </a:defRPr>
+                </a:lvl5pPr>
+                <a:lvl6pPr marL="2514600" indent="-228600" eaLnBrk="0" fontAlgn="base" hangingPunct="0">
+                  <a:spcBef>
+                    <a:spcPct val="0"/>
+                  </a:spcBef>
+                  <a:spcAft>
+                    <a:spcPct val="0"/>
+                  </a:spcAft>
+                  <a:defRPr sz="2400">
+                    <a:solidFill>
+                      <a:schemeClr val="tx1"/>
+                    </a:solidFill>
+                    <a:latin typeface="Arial" pitchFamily="34" charset="0"/>
+                    <a:ea typeface="ＭＳ Ｐゴシック" pitchFamily="34" charset="-128"/>
+                  </a:defRPr>
+                </a:lvl6pPr>
+                <a:lvl7pPr marL="2971800" indent="-228600" eaLnBrk="0" fontAlgn="base" hangingPunct="0">
+                  <a:spcBef>
+                    <a:spcPct val="0"/>
+                  </a:spcBef>
+                  <a:spcAft>
+                    <a:spcPct val="0"/>
+                  </a:spcAft>
+                  <a:defRPr sz="2400">
+                    <a:solidFill>
+                      <a:schemeClr val="tx1"/>
+                    </a:solidFill>
+                    <a:latin typeface="Arial" pitchFamily="34" charset="0"/>
+                    <a:ea typeface="ＭＳ Ｐゴシック" pitchFamily="34" charset="-128"/>
+                  </a:defRPr>
+                </a:lvl7pPr>
+                <a:lvl8pPr marL="3429000" indent="-228600" eaLnBrk="0" fontAlgn="base" hangingPunct="0">
+                  <a:spcBef>
+                    <a:spcPct val="0"/>
+                  </a:spcBef>
+                  <a:spcAft>
+                    <a:spcPct val="0"/>
+                  </a:spcAft>
+                  <a:defRPr sz="2400">
+                    <a:solidFill>
+                      <a:schemeClr val="tx1"/>
+                    </a:solidFill>
+                    <a:latin typeface="Arial" pitchFamily="34" charset="0"/>
+                    <a:ea typeface="ＭＳ Ｐゴシック" pitchFamily="34" charset="-128"/>
+                  </a:defRPr>
+                </a:lvl8pPr>
+                <a:lvl9pPr marL="3886200" indent="-228600" eaLnBrk="0" fontAlgn="base" hangingPunct="0">
+                  <a:spcBef>
+                    <a:spcPct val="0"/>
+                  </a:spcBef>
+                  <a:spcAft>
+                    <a:spcPct val="0"/>
+                  </a:spcAft>
+                  <a:defRPr sz="2400">
+                    <a:solidFill>
+                      <a:schemeClr val="tx1"/>
+                    </a:solidFill>
+                    <a:latin typeface="Arial" pitchFamily="34" charset="0"/>
+                    <a:ea typeface="ＭＳ Ｐゴシック" pitchFamily="34" charset="-128"/>
+                  </a:defRPr>
+                </a:lvl9pPr>
+              </a:lstStyle>
+              <a:p>
+                <a:pPr eaLnBrk="1" hangingPunct="1">
+                  <a:spcBef>
+                    <a:spcPct val="50000"/>
+                  </a:spcBef>
+                </a:pPr>
+                <a:r>
+                  <a:rPr lang="en-US" sz="1800">
+                    <a:latin typeface="Calibri"/>
+                    <a:cs typeface="Calibri"/>
+                  </a:rPr>
+                  <a:t>U</a:t>
+                </a:r>
+              </a:p>
+            </p:txBody>
+          </p:sp>
+        </p:grpSp>
+        <p:cxnSp>
+          <p:nvCxnSpPr>
+            <p:cNvPr id="17416" name="AutoShape 11"/>
+            <p:cNvCxnSpPr>
+              <a:cxnSpLocks noChangeShapeType="1"/>
+              <a:stCxn id="17414" idx="3"/>
+              <a:endCxn id="17422" idx="1"/>
+            </p:cNvCxnSpPr>
+            <p:nvPr/>
+          </p:nvCxnSpPr>
+          <p:spPr bwMode="auto">
+            <a:xfrm>
+              <a:off x="8957763" y="2610457"/>
+              <a:ext cx="1038225" cy="762000"/>
+            </a:xfrm>
+            <a:prstGeom prst="straightConnector1">
+              <a:avLst/>
+            </a:prstGeom>
             <a:noFill/>
-            <a:ln>
-              <a:noFill/>
+            <a:ln w="28575">
+              <a:solidFill>
+                <a:schemeClr val="tx1"/>
+              </a:solidFill>
+              <a:round/>
+              <a:headEnd/>
+              <a:tailEnd type="triangle" w="lg" len="lg"/>
             </a:ln>
             <a:extLst>
               <a:ext uri="{909E8E84-426E-40DD-AFC4-6F175D3DCCD1}">
                 <a14:hiddenFill xmlns:a14="http://schemas.microsoft.com/office/drawing/2010/main">
-                  <a:solidFill>
-                    <a:srgbClr val="FFFFFF"/>
-                  </a:solidFill>
+                  <a:noFill/>
                 </a14:hiddenFill>
-              </a:ext>
-              <a:ext uri="{91240B29-F687-4F45-9708-019B960494DF}">
-                <a14:hiddenLine xmlns:a14="http://schemas.microsoft.com/office/drawing/2010/main" w="9525">
-                  <a:solidFill>
-                    <a:srgbClr val="000000"/>
-                  </a:solidFill>
-                  <a:miter lim="800000"/>
-                  <a:headEnd/>
-                  <a:tailEnd/>
-                </a14:hiddenLine>
               </a:ext>
             </a:extLst>
           </p:spPr>
-          <p:txBody>
-            <a:bodyPr>
-              <a:spAutoFit/>
-            </a:bodyPr>
-            <a:lstStyle>
-              <a:lvl1pPr eaLnBrk="0" hangingPunct="0">
-                <a:defRPr sz="2400">
-                  <a:solidFill>
-                    <a:schemeClr val="tx1"/>
-                  </a:solidFill>
-                  <a:latin typeface="Arial" pitchFamily="34" charset="0"/>
-                  <a:ea typeface="ＭＳ Ｐゴシック" pitchFamily="34" charset="-128"/>
-                </a:defRPr>
-              </a:lvl1pPr>
-              <a:lvl2pPr marL="742950" indent="-285750" eaLnBrk="0" hangingPunct="0">
-                <a:defRPr sz="2400">
-                  <a:solidFill>
-                    <a:schemeClr val="tx1"/>
-                  </a:solidFill>
-                  <a:latin typeface="Arial" pitchFamily="34" charset="0"/>
-                  <a:ea typeface="ＭＳ Ｐゴシック" pitchFamily="34" charset="-128"/>
-                </a:defRPr>
-              </a:lvl2pPr>
-              <a:lvl3pPr marL="1143000" indent="-228600" eaLnBrk="0" hangingPunct="0">
-                <a:defRPr sz="2400">
-                  <a:solidFill>
-                    <a:schemeClr val="tx1"/>
-                  </a:solidFill>
-                  <a:latin typeface="Arial" pitchFamily="34" charset="0"/>
-                  <a:ea typeface="ＭＳ Ｐゴシック" pitchFamily="34" charset="-128"/>
-                </a:defRPr>
-              </a:lvl3pPr>
-              <a:lvl4pPr marL="1600200" indent="-228600" eaLnBrk="0" hangingPunct="0">
-                <a:defRPr sz="2400">
-                  <a:solidFill>
-                    <a:schemeClr val="tx1"/>
-                  </a:solidFill>
-                  <a:latin typeface="Arial" pitchFamily="34" charset="0"/>
-                  <a:ea typeface="ＭＳ Ｐゴシック" pitchFamily="34" charset="-128"/>
-                </a:defRPr>
-              </a:lvl4pPr>
-              <a:lvl5pPr marL="2057400" indent="-228600" eaLnBrk="0" hangingPunct="0">
-                <a:defRPr sz="2400">
-                  <a:solidFill>
-                    <a:schemeClr val="tx1"/>
-                  </a:solidFill>
-                  <a:latin typeface="Arial" pitchFamily="34" charset="0"/>
-                  <a:ea typeface="ＭＳ Ｐゴシック" pitchFamily="34" charset="-128"/>
-                </a:defRPr>
-              </a:lvl5pPr>
-              <a:lvl6pPr marL="2514600" indent="-228600" eaLnBrk="0" fontAlgn="base" hangingPunct="0">
-                <a:spcBef>
-                  <a:spcPct val="0"/>
-                </a:spcBef>
-                <a:spcAft>
-                  <a:spcPct val="0"/>
-                </a:spcAft>
-                <a:defRPr sz="2400">
-                  <a:solidFill>
-                    <a:schemeClr val="tx1"/>
-                  </a:solidFill>
-                  <a:latin typeface="Arial" pitchFamily="34" charset="0"/>
-                  <a:ea typeface="ＭＳ Ｐゴシック" pitchFamily="34" charset="-128"/>
-                </a:defRPr>
-              </a:lvl6pPr>
-              <a:lvl7pPr marL="2971800" indent="-228600" eaLnBrk="0" fontAlgn="base" hangingPunct="0">
-                <a:spcBef>
-                  <a:spcPct val="0"/>
-                </a:spcBef>
-                <a:spcAft>
-                  <a:spcPct val="0"/>
-                </a:spcAft>
-                <a:defRPr sz="2400">
-                  <a:solidFill>
-                    <a:schemeClr val="tx1"/>
-                  </a:solidFill>
-                  <a:latin typeface="Arial" pitchFamily="34" charset="0"/>
-                  <a:ea typeface="ＭＳ Ｐゴシック" pitchFamily="34" charset="-128"/>
-                </a:defRPr>
-              </a:lvl7pPr>
-              <a:lvl8pPr marL="3429000" indent="-228600" eaLnBrk="0" fontAlgn="base" hangingPunct="0">
-                <a:spcBef>
-                  <a:spcPct val="0"/>
-                </a:spcBef>
-                <a:spcAft>
-                  <a:spcPct val="0"/>
-                </a:spcAft>
-                <a:defRPr sz="2400">
-                  <a:solidFill>
-                    <a:schemeClr val="tx1"/>
-                  </a:solidFill>
-                  <a:latin typeface="Arial" pitchFamily="34" charset="0"/>
-                  <a:ea typeface="ＭＳ Ｐゴシック" pitchFamily="34" charset="-128"/>
-                </a:defRPr>
-              </a:lvl8pPr>
-              <a:lvl9pPr marL="3886200" indent="-228600" eaLnBrk="0" fontAlgn="base" hangingPunct="0">
-                <a:spcBef>
-                  <a:spcPct val="0"/>
-                </a:spcBef>
-                <a:spcAft>
-                  <a:spcPct val="0"/>
-                </a:spcAft>
-                <a:defRPr sz="2400">
-                  <a:solidFill>
-                    <a:schemeClr val="tx1"/>
-                  </a:solidFill>
-                  <a:latin typeface="Arial" pitchFamily="34" charset="0"/>
-                  <a:ea typeface="ＭＳ Ｐゴシック" pitchFamily="34" charset="-128"/>
-                </a:defRPr>
-              </a:lvl9pPr>
-            </a:lstStyle>
-            <a:p>
-              <a:pPr eaLnBrk="1" hangingPunct="1">
-                <a:spcBef>
-                  <a:spcPct val="50000"/>
-                </a:spcBef>
-              </a:pPr>
-              <a:r>
-                <a:rPr lang="en-US" sz="1800">
-                  <a:latin typeface="Calibri"/>
-                  <a:cs typeface="Calibri"/>
-                </a:rPr>
-                <a:t>U</a:t>
-              </a:r>
-            </a:p>
-          </p:txBody>
-        </p:sp>
+        </p:cxnSp>
+        <p:cxnSp>
+          <p:nvCxnSpPr>
+            <p:cNvPr id="17417" name="AutoShape 12"/>
+            <p:cNvCxnSpPr>
+              <a:cxnSpLocks noChangeShapeType="1"/>
+              <a:stCxn id="17412" idx="6"/>
+              <a:endCxn id="17422" idx="1"/>
+            </p:cNvCxnSpPr>
+            <p:nvPr/>
+          </p:nvCxnSpPr>
+          <p:spPr bwMode="auto">
+            <a:xfrm flipV="1">
+              <a:off x="8960938" y="3372457"/>
+              <a:ext cx="1035050" cy="741363"/>
+            </a:xfrm>
+            <a:prstGeom prst="straightConnector1">
+              <a:avLst/>
+            </a:prstGeom>
+            <a:noFill/>
+            <a:ln w="28575">
+              <a:solidFill>
+                <a:schemeClr val="tx1"/>
+              </a:solidFill>
+              <a:round/>
+              <a:headEnd/>
+              <a:tailEnd type="triangle" w="lg" len="lg"/>
+            </a:ln>
+            <a:extLst>
+              <a:ext uri="{909E8E84-426E-40DD-AFC4-6F175D3DCCD1}">
+                <a14:hiddenFill xmlns:a14="http://schemas.microsoft.com/office/drawing/2010/main">
+                  <a:noFill/>
+                </a14:hiddenFill>
+              </a:ext>
+            </a:extLst>
+          </p:spPr>
+        </p:cxnSp>
       </p:grpSp>
-      <p:cxnSp>
-        <p:nvCxnSpPr>
-          <p:cNvPr id="17416" name="AutoShape 11"/>
-          <p:cNvCxnSpPr>
-            <a:cxnSpLocks noChangeShapeType="1"/>
-            <a:stCxn id="17414" idx="3"/>
-            <a:endCxn id="17422" idx="1"/>
-          </p:cNvCxnSpPr>
-          <p:nvPr/>
-        </p:nvCxnSpPr>
-        <p:spPr bwMode="auto">
-          <a:xfrm>
-            <a:off x="8957763" y="2610457"/>
-            <a:ext cx="1038225" cy="762000"/>
-          </a:xfrm>
-          <a:prstGeom prst="straightConnector1">
-            <a:avLst/>
-          </a:prstGeom>
-          <a:noFill/>
-          <a:ln w="28575">
-            <a:solidFill>
-              <a:schemeClr val="tx1"/>
-            </a:solidFill>
-            <a:round/>
-            <a:headEnd/>
-            <a:tailEnd type="triangle" w="lg" len="lg"/>
-          </a:ln>
-          <a:extLst>
-            <a:ext uri="{909E8E84-426E-40DD-AFC4-6F175D3DCCD1}">
-              <a14:hiddenFill xmlns:a14="http://schemas.microsoft.com/office/drawing/2010/main">
-                <a:noFill/>
-              </a14:hiddenFill>
-            </a:ext>
-          </a:extLst>
-        </p:spPr>
-      </p:cxnSp>
-      <p:cxnSp>
-        <p:nvCxnSpPr>
-          <p:cNvPr id="17417" name="AutoShape 12"/>
-          <p:cNvCxnSpPr>
-            <a:cxnSpLocks noChangeShapeType="1"/>
-            <a:stCxn id="17412" idx="6"/>
-            <a:endCxn id="17422" idx="1"/>
-          </p:cNvCxnSpPr>
-          <p:nvPr/>
-        </p:nvCxnSpPr>
-        <p:spPr bwMode="auto">
-          <a:xfrm flipV="1">
-            <a:off x="8960938" y="3372457"/>
-            <a:ext cx="1035050" cy="741363"/>
-          </a:xfrm>
-          <a:prstGeom prst="straightConnector1">
-            <a:avLst/>
-          </a:prstGeom>
-          <a:noFill/>
-          <a:ln w="28575">
-            <a:solidFill>
-              <a:schemeClr val="tx1"/>
-            </a:solidFill>
-            <a:round/>
-            <a:headEnd/>
-            <a:tailEnd type="triangle" w="lg" len="lg"/>
-          </a:ln>
-          <a:extLst>
-            <a:ext uri="{909E8E84-426E-40DD-AFC4-6F175D3DCCD1}">
-              <a14:hiddenFill xmlns:a14="http://schemas.microsoft.com/office/drawing/2010/main">
-                <a:noFill/>
-              </a14:hiddenFill>
-            </a:ext>
-          </a:extLst>
-        </p:spPr>
-      </p:cxnSp>
       <p:sp>
         <p:nvSpPr>
           <p:cNvPr id="14" name="Oval 5"/>
@@ -14167,7 +14136,7 @@
         </p:nvSpPr>
         <p:spPr bwMode="auto">
           <a:xfrm>
-            <a:off x="939716" y="4453249"/>
+            <a:off x="1109049" y="4301611"/>
             <a:ext cx="609600" cy="304800"/>
           </a:xfrm>
           <a:prstGeom prst="ellipse">
@@ -14207,7 +14176,7 @@
         </p:nvSpPr>
         <p:spPr bwMode="auto">
           <a:xfrm>
-            <a:off x="977816" y="5077720"/>
+            <a:off x="1147149" y="4926082"/>
             <a:ext cx="533400" cy="228600"/>
           </a:xfrm>
           <a:prstGeom prst="rect">
@@ -14247,7 +14216,7 @@
         </p:nvSpPr>
         <p:spPr bwMode="auto">
           <a:xfrm>
-            <a:off x="939716" y="5663728"/>
+            <a:off x="1109049" y="5512090"/>
             <a:ext cx="609600" cy="304800"/>
           </a:xfrm>
           <a:custGeom>
@@ -14346,7 +14315,7 @@
         </p:nvSpPr>
         <p:spPr bwMode="auto">
           <a:xfrm>
-            <a:off x="830763" y="2053604"/>
+            <a:off x="919480" y="1653988"/>
             <a:ext cx="4800600" cy="4373563"/>
           </a:xfrm>
           <a:prstGeom prst="rect">
@@ -14549,7 +14518,10 @@
               <a:buNone/>
             </a:pPr>
             <a:r>
-              <a:rPr lang="en-US" sz="2000" dirty="0">
+              <a:rPr lang="en-US" sz="2000" b="1" dirty="0">
+                <a:solidFill>
+                  <a:schemeClr val="tx1"/>
+                </a:solidFill>
                 <a:latin typeface="Calibri"/>
                 <a:ea typeface="ＭＳ Ｐゴシック" pitchFamily="34" charset="-128"/>
                 <a:cs typeface="Calibri"/>
@@ -14594,26 +14566,18 @@
             </a:r>
           </a:p>
           <a:p>
-            <a:pPr lvl="6">
+            <a:pPr lvl="1">
               <a:lnSpc>
                 <a:spcPct val="80000"/>
               </a:lnSpc>
             </a:pPr>
-            <a:endParaRPr lang="en-US" sz="400" dirty="0">
-              <a:latin typeface="Calibri"/>
-              <a:cs typeface="Calibri"/>
-            </a:endParaRPr>
-          </a:p>
-          <a:p>
-            <a:pPr lvl="6">
-              <a:lnSpc>
-                <a:spcPct val="80000"/>
-              </a:lnSpc>
-            </a:pPr>
-            <a:endParaRPr lang="en-US" sz="400" dirty="0">
-              <a:latin typeface="Calibri"/>
-              <a:cs typeface="Calibri"/>
-            </a:endParaRPr>
+            <a:r>
+              <a:rPr lang="en-US" sz="1800" dirty="0">
+                <a:latin typeface="Calibri"/>
+                <a:cs typeface="Calibri"/>
+              </a:rPr>
+              <a:t>Allows to specify the joint probability in a compact way using independence.</a:t>
+            </a:r>
           </a:p>
           <a:p>
             <a:pPr lvl="1">
@@ -14628,13 +14592,6 @@
               </a:rPr>
               <a:t>Calculate the expected utility for each possible action and choose the best.</a:t>
             </a:r>
-          </a:p>
-          <a:p>
-            <a:pPr lvl="4">
-              <a:lnSpc>
-                <a:spcPct val="80000"/>
-              </a:lnSpc>
-            </a:pPr>
             <a:endParaRPr lang="en-US" sz="1000" dirty="0">
               <a:latin typeface="Calibri"/>
               <a:cs typeface="Calibri"/>
@@ -14659,7 +14616,10 @@
               <a:buNone/>
             </a:pPr>
             <a:r>
-              <a:rPr lang="en-US" sz="2000" dirty="0">
+              <a:rPr lang="en-US" sz="2000" b="1" dirty="0">
+                <a:solidFill>
+                  <a:schemeClr val="tx1"/>
+                </a:solidFill>
                 <a:latin typeface="Calibri"/>
                 <a:ea typeface="ＭＳ Ｐゴシック" pitchFamily="34" charset="-128"/>
                 <a:cs typeface="Calibri"/>
@@ -20227,52 +20187,6 @@
           </a:p>
         </p:txBody>
       </p:sp>
-      <p:sp>
-        <p:nvSpPr>
-          <p:cNvPr id="21506" name="Content Placeholder 2"/>
-          <p:cNvSpPr>
-            <a:spLocks noGrp="1"/>
-          </p:cNvSpPr>
-          <p:nvPr>
-            <p:ph idx="4294967295"/>
-          </p:nvPr>
-        </p:nvSpPr>
-        <p:spPr>
-          <a:xfrm>
-            <a:off x="3962400" y="5995144"/>
-            <a:ext cx="8229600" cy="639763"/>
-          </a:xfrm>
-        </p:spPr>
-        <p:txBody>
-          <a:bodyPr>
-            <a:normAutofit/>
-          </a:bodyPr>
-          <a:lstStyle/>
-          <a:p>
-            <a:pPr marL="0" indent="0">
-              <a:buNone/>
-            </a:pPr>
-            <a:r>
-              <a:rPr lang="en-US" sz="2400" dirty="0">
-                <a:ea typeface="ＭＳ Ｐゴシック" pitchFamily="34" charset="-128"/>
-              </a:rPr>
-              <a:t>Almost exactly like </a:t>
-            </a:r>
-            <a:r>
-              <a:rPr lang="en-US" sz="2400" dirty="0" err="1">
-                <a:ea typeface="ＭＳ Ｐゴシック" pitchFamily="34" charset="-128"/>
-              </a:rPr>
-              <a:t>expectimax</a:t>
-            </a:r>
-            <a:r>
-              <a:rPr lang="en-US" sz="2400" dirty="0">
-                <a:ea typeface="ＭＳ Ｐゴシック" pitchFamily="34" charset="-128"/>
-              </a:rPr>
-              <a:t> tree for stochastic games.</a:t>
-            </a:r>
-          </a:p>
-        </p:txBody>
-      </p:sp>
       <p:grpSp>
         <p:nvGrpSpPr>
           <p:cNvPr id="21508" name="Group 44"/>
@@ -23522,6 +23436,59 @@
               <a:t>{} … no evidence available</a:t>
             </a:r>
             <a:endParaRPr lang="en-US" dirty="0"/>
+          </a:p>
+        </p:txBody>
+      </p:sp>
+      <p:sp>
+        <p:nvSpPr>
+          <p:cNvPr id="7" name="Speech Bubble: Rectangle with Corners Rounded 6">
+            <a:extLst>
+              <a:ext uri="{FF2B5EF4-FFF2-40B4-BE49-F238E27FC236}">
+                <a16:creationId xmlns:a16="http://schemas.microsoft.com/office/drawing/2014/main" id="{47EDAF5F-7B98-7B76-DE0E-CE4A9C6A978E}"/>
+              </a:ext>
+            </a:extLst>
+          </p:cNvPr>
+          <p:cNvSpPr/>
+          <p:nvPr/>
+        </p:nvSpPr>
+        <p:spPr>
+          <a:xfrm>
+            <a:off x="6760759" y="3078598"/>
+            <a:ext cx="1204785" cy="533400"/>
+          </a:xfrm>
+          <a:prstGeom prst="wedgeRoundRectCallout">
+            <a:avLst>
+              <a:gd name="adj1" fmla="val -84656"/>
+              <a:gd name="adj2" fmla="val 59272"/>
+              <a:gd name="adj3" fmla="val 16667"/>
+            </a:avLst>
+          </a:prstGeom>
+        </p:spPr>
+        <p:style>
+          <a:lnRef idx="2">
+            <a:schemeClr val="accent6">
+              <a:shade val="15000"/>
+            </a:schemeClr>
+          </a:lnRef>
+          <a:fillRef idx="1">
+            <a:schemeClr val="accent6"/>
+          </a:fillRef>
+          <a:effectRef idx="0">
+            <a:schemeClr val="accent6"/>
+          </a:effectRef>
+          <a:fontRef idx="minor">
+            <a:schemeClr val="lt1"/>
+          </a:fontRef>
+        </p:style>
+        <p:txBody>
+          <a:bodyPr rtlCol="0" anchor="ctr"/>
+          <a:lstStyle/>
+          <a:p>
+            <a:pPr algn="ctr"/>
+            <a:r>
+              <a:rPr lang="en-US" dirty="0"/>
+              <a:t>Random Event</a:t>
+            </a:r>
           </a:p>
         </p:txBody>
       </p:sp>
@@ -33659,6 +33626,233 @@
           </a:p>
         </p:txBody>
       </p:sp>
+      <p:sp>
+        <p:nvSpPr>
+          <p:cNvPr id="4" name="Arrow: Down 3">
+            <a:extLst>
+              <a:ext uri="{FF2B5EF4-FFF2-40B4-BE49-F238E27FC236}">
+                <a16:creationId xmlns:a16="http://schemas.microsoft.com/office/drawing/2014/main" id="{F4BFBC23-83C0-8E84-5152-230E95B3F8F5}"/>
+              </a:ext>
+            </a:extLst>
+          </p:cNvPr>
+          <p:cNvSpPr/>
+          <p:nvPr/>
+        </p:nvSpPr>
+        <p:spPr>
+          <a:xfrm flipV="1">
+            <a:off x="6350212" y="3669467"/>
+            <a:ext cx="203200" cy="318785"/>
+          </a:xfrm>
+          <a:prstGeom prst="downArrow">
+            <a:avLst/>
+          </a:prstGeom>
+        </p:spPr>
+        <p:style>
+          <a:lnRef idx="2">
+            <a:schemeClr val="accent6">
+              <a:shade val="15000"/>
+            </a:schemeClr>
+          </a:lnRef>
+          <a:fillRef idx="1">
+            <a:schemeClr val="accent6"/>
+          </a:fillRef>
+          <a:effectRef idx="0">
+            <a:schemeClr val="accent6"/>
+          </a:effectRef>
+          <a:fontRef idx="minor">
+            <a:schemeClr val="lt1"/>
+          </a:fontRef>
+        </p:style>
+        <p:txBody>
+          <a:bodyPr rtlCol="0" anchor="ctr"/>
+          <a:lstStyle/>
+          <a:p>
+            <a:pPr algn="ctr"/>
+            <a:endParaRPr lang="en-US"/>
+          </a:p>
+        </p:txBody>
+      </p:sp>
+      <p:sp>
+        <p:nvSpPr>
+          <p:cNvPr id="5" name="Arrow: Down 4">
+            <a:extLst>
+              <a:ext uri="{FF2B5EF4-FFF2-40B4-BE49-F238E27FC236}">
+                <a16:creationId xmlns:a16="http://schemas.microsoft.com/office/drawing/2014/main" id="{0D7C9D96-98F3-FA69-6A07-8D632B20386E}"/>
+              </a:ext>
+            </a:extLst>
+          </p:cNvPr>
+          <p:cNvSpPr/>
+          <p:nvPr/>
+        </p:nvSpPr>
+        <p:spPr>
+          <a:xfrm flipV="1">
+            <a:off x="11084000" y="3698868"/>
+            <a:ext cx="203200" cy="318785"/>
+          </a:xfrm>
+          <a:prstGeom prst="downArrow">
+            <a:avLst/>
+          </a:prstGeom>
+        </p:spPr>
+        <p:style>
+          <a:lnRef idx="2">
+            <a:schemeClr val="accent6">
+              <a:shade val="15000"/>
+            </a:schemeClr>
+          </a:lnRef>
+          <a:fillRef idx="1">
+            <a:schemeClr val="accent6"/>
+          </a:fillRef>
+          <a:effectRef idx="0">
+            <a:schemeClr val="accent6"/>
+          </a:effectRef>
+          <a:fontRef idx="minor">
+            <a:schemeClr val="lt1"/>
+          </a:fontRef>
+        </p:style>
+        <p:txBody>
+          <a:bodyPr rtlCol="0" anchor="ctr"/>
+          <a:lstStyle/>
+          <a:p>
+            <a:pPr algn="ctr"/>
+            <a:endParaRPr lang="en-US"/>
+          </a:p>
+        </p:txBody>
+      </p:sp>
+      <p:sp>
+        <p:nvSpPr>
+          <p:cNvPr id="6" name="Arrow: Down 5">
+            <a:extLst>
+              <a:ext uri="{FF2B5EF4-FFF2-40B4-BE49-F238E27FC236}">
+                <a16:creationId xmlns:a16="http://schemas.microsoft.com/office/drawing/2014/main" id="{53B01B5F-A1CB-83A2-E7AA-B7ADAFB9D85E}"/>
+              </a:ext>
+            </a:extLst>
+          </p:cNvPr>
+          <p:cNvSpPr/>
+          <p:nvPr/>
+        </p:nvSpPr>
+        <p:spPr>
+          <a:xfrm>
+            <a:off x="8889999" y="3669466"/>
+            <a:ext cx="203200" cy="318785"/>
+          </a:xfrm>
+          <a:prstGeom prst="downArrow">
+            <a:avLst/>
+          </a:prstGeom>
+        </p:spPr>
+        <p:style>
+          <a:lnRef idx="2">
+            <a:schemeClr val="accent2">
+              <a:shade val="15000"/>
+            </a:schemeClr>
+          </a:lnRef>
+          <a:fillRef idx="1">
+            <a:schemeClr val="accent2"/>
+          </a:fillRef>
+          <a:effectRef idx="0">
+            <a:schemeClr val="accent2"/>
+          </a:effectRef>
+          <a:fontRef idx="minor">
+            <a:schemeClr val="lt1"/>
+          </a:fontRef>
+        </p:style>
+        <p:txBody>
+          <a:bodyPr rtlCol="0" anchor="ctr"/>
+          <a:lstStyle/>
+          <a:p>
+            <a:pPr algn="ctr"/>
+            <a:endParaRPr lang="en-US"/>
+          </a:p>
+        </p:txBody>
+      </p:sp>
+      <p:sp>
+        <p:nvSpPr>
+          <p:cNvPr id="7" name="Arrow: Down 6">
+            <a:extLst>
+              <a:ext uri="{FF2B5EF4-FFF2-40B4-BE49-F238E27FC236}">
+                <a16:creationId xmlns:a16="http://schemas.microsoft.com/office/drawing/2014/main" id="{8E182F34-F943-2C0A-B221-39895151AF6B}"/>
+              </a:ext>
+            </a:extLst>
+          </p:cNvPr>
+          <p:cNvSpPr/>
+          <p:nvPr/>
+        </p:nvSpPr>
+        <p:spPr>
+          <a:xfrm>
+            <a:off x="4192588" y="3760154"/>
+            <a:ext cx="203200" cy="318785"/>
+          </a:xfrm>
+          <a:prstGeom prst="downArrow">
+            <a:avLst/>
+          </a:prstGeom>
+        </p:spPr>
+        <p:style>
+          <a:lnRef idx="2">
+            <a:schemeClr val="accent2">
+              <a:shade val="15000"/>
+            </a:schemeClr>
+          </a:lnRef>
+          <a:fillRef idx="1">
+            <a:schemeClr val="accent2"/>
+          </a:fillRef>
+          <a:effectRef idx="0">
+            <a:schemeClr val="accent2"/>
+          </a:effectRef>
+          <a:fontRef idx="minor">
+            <a:schemeClr val="lt1"/>
+          </a:fontRef>
+        </p:style>
+        <p:txBody>
+          <a:bodyPr rtlCol="0" anchor="ctr"/>
+          <a:lstStyle/>
+          <a:p>
+            <a:pPr algn="ctr"/>
+            <a:endParaRPr lang="en-US"/>
+          </a:p>
+        </p:txBody>
+      </p:sp>
+      <p:cxnSp>
+        <p:nvCxnSpPr>
+          <p:cNvPr id="8" name="Straight Arrow Connector 7">
+            <a:extLst>
+              <a:ext uri="{FF2B5EF4-FFF2-40B4-BE49-F238E27FC236}">
+                <a16:creationId xmlns:a16="http://schemas.microsoft.com/office/drawing/2014/main" id="{765C1296-EFCC-0C56-E17B-4B1335771B5C}"/>
+              </a:ext>
+            </a:extLst>
+          </p:cNvPr>
+          <p:cNvCxnSpPr>
+            <a:cxnSpLocks/>
+          </p:cNvCxnSpPr>
+          <p:nvPr/>
+        </p:nvCxnSpPr>
+        <p:spPr>
+          <a:xfrm flipV="1">
+            <a:off x="1517227" y="3813387"/>
+            <a:ext cx="0" cy="737295"/>
+          </a:xfrm>
+          <a:prstGeom prst="straightConnector1">
+            <a:avLst/>
+          </a:prstGeom>
+          <a:ln>
+            <a:prstDash val="sysDash"/>
+            <a:headEnd type="none" w="med" len="med"/>
+            <a:tailEnd type="triangle" w="med" len="med"/>
+          </a:ln>
+        </p:spPr>
+        <p:style>
+          <a:lnRef idx="3">
+            <a:schemeClr val="accent6"/>
+          </a:lnRef>
+          <a:fillRef idx="0">
+            <a:schemeClr val="accent6"/>
+          </a:fillRef>
+          <a:effectRef idx="2">
+            <a:schemeClr val="accent6"/>
+          </a:effectRef>
+          <a:fontRef idx="minor">
+            <a:schemeClr val="tx1"/>
+          </a:fontRef>
+        </p:style>
+      </p:cxnSp>
     </p:spTree>
   </p:cSld>
   <p:clrMapOvr>
@@ -34070,7 +34264,7 @@
             <p:ph idx="1"/>
             <p:extLst>
               <p:ext uri="{D42A27DB-BD31-4B8C-83A1-F6EECF244321}">
-                <p14:modId xmlns:p14="http://schemas.microsoft.com/office/powerpoint/2010/main" val="4069490970"/>
+                <p14:modId xmlns:p14="http://schemas.microsoft.com/office/powerpoint/2010/main" val="1051402521"/>
               </p:ext>
             </p:extLst>
           </p:nvPr>
@@ -34131,13 +34325,13 @@
             <p:ph idx="4294967295"/>
             <p:extLst>
               <p:ext uri="{D42A27DB-BD31-4B8C-83A1-F6EECF244321}">
-                <p14:modId xmlns:p14="http://schemas.microsoft.com/office/powerpoint/2010/main" val="360230359"/>
+                <p14:modId xmlns:p14="http://schemas.microsoft.com/office/powerpoint/2010/main" val="1807009998"/>
               </p:ext>
             </p:extLst>
           </p:nvPr>
         </p:nvGraphicFramePr>
         <p:xfrm>
-          <a:off x="838200" y="2586374"/>
+          <a:off x="871143" y="2945360"/>
           <a:ext cx="10515600" cy="4016557"/>
         </p:xfrm>
         <a:graphic>
@@ -34161,7 +34355,7 @@
         <p:spPr>
           <a:xfrm>
             <a:off x="838200" y="654518"/>
-            <a:ext cx="8968866" cy="1569660"/>
+            <a:ext cx="10581487" cy="2400657"/>
           </a:xfrm>
           <a:prstGeom prst="rect">
             <a:avLst/>
@@ -34169,7 +34363,7 @@
           <a:noFill/>
         </p:spPr>
         <p:txBody>
-          <a:bodyPr wrap="none" rtlCol="0">
+          <a:bodyPr wrap="square" rtlCol="0">
             <a:spAutoFit/>
           </a:bodyPr>
           <a:lstStyle/>
@@ -34189,7 +34383,23 @@
             </a:pPr>
             <a:r>
               <a:rPr lang="en-US" dirty="0"/>
-              <a:t>A decision that we make frequently + making it once does not affect the future decisions. </a:t>
+              <a:t>The environment most likely is </a:t>
+            </a:r>
+            <a:r>
+              <a:rPr lang="en-US" b="1" dirty="0"/>
+              <a:t>stochastic</a:t>
+            </a:r>
+            <a:r>
+              <a:rPr lang="en-US" dirty="0"/>
+              <a:t> with non-deterministic actions. It may also only be </a:t>
+            </a:r>
+            <a:r>
+              <a:rPr lang="en-US" b="1" dirty="0"/>
+              <a:t>partially observable</a:t>
+            </a:r>
+            <a:r>
+              <a:rPr lang="en-US" dirty="0"/>
+              <a:t>. Otherwise, making a decision would be trivial.</a:t>
             </a:r>
           </a:p>
           <a:p>
@@ -34199,7 +34409,7 @@
             </a:pPr>
             <a:r>
               <a:rPr lang="en-US" dirty="0"/>
-              <a:t>This means we make them in an </a:t>
+              <a:t>We make the same decision frequently + making it once does not affect future decisions. This means we have an </a:t>
             </a:r>
             <a:r>
               <a:rPr lang="en-US" b="1" dirty="0"/>
@@ -34215,9 +34425,16 @@
               <a:buFont typeface="Arial" panose="020B0604020202020204" pitchFamily="34" charset="0"/>
               <a:buChar char="•"/>
             </a:pPr>
+            <a:endParaRPr lang="en-US" dirty="0"/>
+          </a:p>
+          <a:p>
+            <a:pPr marL="285750" indent="-285750">
+              <a:buFont typeface="Arial" panose="020B0604020202020204" pitchFamily="34" charset="0"/>
+              <a:buChar char="•"/>
+            </a:pPr>
             <a:r>
               <a:rPr lang="en-US" dirty="0"/>
-              <a:t>Decision theory formalizes making simple decisions.</a:t>
+              <a:t>Decision theory formalizes making optimal simple decisions under uncertainty.</a:t>
             </a:r>
           </a:p>
         </p:txBody>
@@ -34298,7 +34515,7 @@
             <p:ph idx="1"/>
             <p:extLst>
               <p:ext uri="{D42A27DB-BD31-4B8C-83A1-F6EECF244321}">
-                <p14:modId xmlns:p14="http://schemas.microsoft.com/office/powerpoint/2010/main" val="3390782667"/>
+                <p14:modId xmlns:p14="http://schemas.microsoft.com/office/powerpoint/2010/main" val="297291193"/>
               </p:ext>
             </p:extLst>
           </p:nvPr>
@@ -34711,8 +34928,8 @@
           </a:p>
         </p:txBody>
       </p:sp>
-      <mc:AlternateContent xmlns:mc="http://schemas.openxmlformats.org/markup-compatibility/2006">
-        <mc:Choice xmlns:a14="http://schemas.microsoft.com/office/drawing/2010/main" Requires="a14">
+      <mc:AlternateContent xmlns:mc="http://schemas.openxmlformats.org/markup-compatibility/2006" xmlns:a14="http://schemas.microsoft.com/office/drawing/2010/main">
+        <mc:Choice Requires="a14">
           <p:sp>
             <p:nvSpPr>
               <p:cNvPr id="3" name="Content Placeholder 2">
@@ -35058,7 +35275,7 @@
             </p:txBody>
           </p:sp>
         </mc:Choice>
-        <mc:Fallback>
+        <mc:Fallback xmlns="">
           <p:sp>
             <p:nvSpPr>
               <p:cNvPr id="3" name="Content Placeholder 2">
@@ -35257,19 +35474,19 @@
         </p:nvSpPr>
         <p:spPr>
           <a:xfrm>
-            <a:off x="630936" y="640080"/>
-            <a:ext cx="4818888" cy="1481328"/>
+            <a:off x="630935" y="640080"/>
+            <a:ext cx="6162717" cy="1481328"/>
           </a:xfrm>
         </p:spPr>
         <p:txBody>
           <a:bodyPr anchor="b">
-            <a:normAutofit/>
+            <a:normAutofit fontScale="90000"/>
           </a:bodyPr>
           <a:lstStyle/>
           <a:p>
             <a:r>
               <a:rPr lang="en-US" sz="4800" dirty="0"/>
-              <a:t>Expected Utility of an Action</a:t>
+              <a:t>Expected Utility of an Action Under Uncertainty</a:t>
             </a:r>
           </a:p>
         </p:txBody>
@@ -35768,7 +35985,7 @@
                 </a14:m>
                 <a:r>
                   <a:rPr lang="en-US" sz="1800" dirty="0"/>
-                  <a:t>.</a:t>
+                  <a:t>. </a:t>
                 </a:r>
               </a:p>
               <a:p>
@@ -35928,6 +36145,12 @@
                               </m:r>
                             </m:e>
                           </m:d>
+                          <m:r>
+                            <a:rPr lang="en-US" sz="1800" b="0" i="1" smtClean="0">
+                              <a:latin typeface="Cambria Math" panose="02040503050406030204" pitchFamily="18" charset="0"/>
+                            </a:rPr>
+                            <m:t> </m:t>
+                          </m:r>
                           <m:r>
                             <a:rPr lang="en-US" sz="1800" i="1">
                               <a:latin typeface="Cambria Math" panose="02040503050406030204" pitchFamily="18" charset="0"/>
@@ -36158,6 +36381,12 @@
                               </m:sSup>
                             </m:e>
                           </m:d>
+                          <m:r>
+                            <a:rPr lang="en-US" sz="1800" b="0" i="1" smtClean="0">
+                              <a:latin typeface="Cambria Math" panose="02040503050406030204" pitchFamily="18" charset="0"/>
+                            </a:rPr>
+                            <m:t> </m:t>
+                          </m:r>
                           <m:r>
                             <a:rPr lang="en-US" sz="1800" i="1">
                               <a:latin typeface="Cambria Math" panose="02040503050406030204" pitchFamily="18" charset="0"/>
@@ -36999,6 +37228,12 @@
                             </m:e>
                           </m:d>
                           <m:r>
+                            <a:rPr lang="en-US" sz="1600" b="0" i="1" smtClean="0">
+                              <a:latin typeface="Cambria Math" panose="02040503050406030204" pitchFamily="18" charset="0"/>
+                            </a:rPr>
+                            <m:t> </m:t>
+                          </m:r>
+                          <m:r>
                             <a:rPr lang="en-US" sz="1600" b="0" i="1">
                               <a:latin typeface="Cambria Math" panose="02040503050406030204" pitchFamily="18" charset="0"/>
                             </a:rPr>
@@ -37166,6 +37401,12 @@
                 <a:pPr marL="0" indent="0">
                   <a:buNone/>
                 </a:pPr>
+                <a:endParaRPr lang="en-US" sz="1600" b="1" dirty="0"/>
+              </a:p>
+              <a:p>
+                <a:pPr marL="0" indent="0">
+                  <a:buNone/>
+                </a:pPr>
                 <a:r>
                   <a:rPr lang="en-US" sz="1600" b="1" dirty="0"/>
                   <a:t>Issues:</a:t>
@@ -37245,11 +37486,135 @@
                         </m:sSup>
                       </m:e>
                     </m:d>
+                    <m:r>
+                      <a:rPr lang="en-US" sz="1600" b="0" i="1" smtClean="0">
+                        <a:latin typeface="Cambria Math" panose="02040503050406030204" pitchFamily="18" charset="0"/>
+                      </a:rPr>
+                      <m:t>= </m:t>
+                    </m:r>
+                    <m:nary>
+                      <m:naryPr>
+                        <m:chr m:val="∑"/>
+                        <m:supHide m:val="on"/>
+                        <m:ctrlPr>
+                          <a:rPr lang="en-US" sz="1600" i="1">
+                            <a:latin typeface="Cambria Math" panose="02040503050406030204" pitchFamily="18" charset="0"/>
+                          </a:rPr>
+                        </m:ctrlPr>
+                      </m:naryPr>
+                      <m:sub>
+                        <m:r>
+                          <a:rPr lang="en-US" sz="1600" i="1">
+                            <a:latin typeface="Cambria Math" panose="02040503050406030204" pitchFamily="18" charset="0"/>
+                          </a:rPr>
+                          <m:t>𝑠</m:t>
+                        </m:r>
+                      </m:sub>
+                      <m:sup/>
+                      <m:e>
+                        <m:r>
+                          <a:rPr lang="en-US" sz="1600" i="1">
+                            <a:latin typeface="Cambria Math" panose="02040503050406030204" pitchFamily="18" charset="0"/>
+                          </a:rPr>
+                          <m:t>𝑃</m:t>
+                        </m:r>
+                        <m:d>
+                          <m:dPr>
+                            <m:ctrlPr>
+                              <a:rPr lang="en-US" sz="1600" i="1">
+                                <a:latin typeface="Cambria Math" panose="02040503050406030204" pitchFamily="18" charset="0"/>
+                              </a:rPr>
+                            </m:ctrlPr>
+                          </m:dPr>
+                          <m:e>
+                            <m:r>
+                              <a:rPr lang="en-US" sz="1600" i="1">
+                                <a:latin typeface="Cambria Math" panose="02040503050406030204" pitchFamily="18" charset="0"/>
+                              </a:rPr>
+                              <m:t>𝑠</m:t>
+                            </m:r>
+                          </m:e>
+                        </m:d>
+                        <m:r>
+                          <a:rPr lang="en-US" sz="1600" i="1">
+                            <a:latin typeface="Cambria Math" panose="02040503050406030204" pitchFamily="18" charset="0"/>
+                          </a:rPr>
+                          <m:t> </m:t>
+                        </m:r>
+                        <m:r>
+                          <a:rPr lang="en-US" sz="1600" i="1">
+                            <a:latin typeface="Cambria Math" panose="02040503050406030204" pitchFamily="18" charset="0"/>
+                          </a:rPr>
+                          <m:t>𝑃</m:t>
+                        </m:r>
+                        <m:r>
+                          <a:rPr lang="en-US" sz="1600" i="1">
+                            <a:latin typeface="Cambria Math" panose="02040503050406030204" pitchFamily="18" charset="0"/>
+                          </a:rPr>
+                          <m:t>(</m:t>
+                        </m:r>
+                        <m:sSup>
+                          <m:sSupPr>
+                            <m:ctrlPr>
+                              <a:rPr lang="en-US" sz="1600" i="1">
+                                <a:latin typeface="Cambria Math" panose="02040503050406030204" pitchFamily="18" charset="0"/>
+                              </a:rPr>
+                            </m:ctrlPr>
+                          </m:sSupPr>
+                          <m:e>
+                            <m:r>
+                              <a:rPr lang="en-US" sz="1600" i="1">
+                                <a:latin typeface="Cambria Math" panose="02040503050406030204" pitchFamily="18" charset="0"/>
+                              </a:rPr>
+                              <m:t>𝑠</m:t>
+                            </m:r>
+                          </m:e>
+                          <m:sup>
+                            <m:r>
+                              <a:rPr lang="en-US" sz="1600" i="1">
+                                <a:latin typeface="Cambria Math" panose="02040503050406030204" pitchFamily="18" charset="0"/>
+                              </a:rPr>
+                              <m:t>′</m:t>
+                            </m:r>
+                          </m:sup>
+                        </m:sSup>
+                        <m:r>
+                          <a:rPr lang="en-US" sz="1600" i="1">
+                            <a:latin typeface="Cambria Math" panose="02040503050406030204" pitchFamily="18" charset="0"/>
+                          </a:rPr>
+                          <m:t>|</m:t>
+                        </m:r>
+                        <m:r>
+                          <a:rPr lang="en-US" sz="1600" i="1">
+                            <a:latin typeface="Cambria Math" panose="02040503050406030204" pitchFamily="18" charset="0"/>
+                          </a:rPr>
+                          <m:t>𝑠</m:t>
+                        </m:r>
+                        <m:r>
+                          <a:rPr lang="en-US" sz="1600" i="1">
+                            <a:latin typeface="Cambria Math" panose="02040503050406030204" pitchFamily="18" charset="0"/>
+                          </a:rPr>
+                          <m:t>,</m:t>
+                        </m:r>
+                        <m:r>
+                          <a:rPr lang="en-US" sz="1600" i="1">
+                            <a:latin typeface="Cambria Math" panose="02040503050406030204" pitchFamily="18" charset="0"/>
+                          </a:rPr>
+                          <m:t>𝑎</m:t>
+                        </m:r>
+                        <m:r>
+                          <a:rPr lang="en-US" sz="1600" i="1">
+                            <a:latin typeface="Cambria Math" panose="02040503050406030204" pitchFamily="18" charset="0"/>
+                          </a:rPr>
+                          <m:t>)</m:t>
+                        </m:r>
+                      </m:e>
+                    </m:nary>
                   </m:oMath>
                 </a14:m>
                 <a:r>
                   <a:rPr lang="en-US" sz="1600" dirty="0"/>
-                  <a:t> needs a casual model.</a:t>
+                  <a:t> may be a very large table.</a:t>
                 </a:r>
               </a:p>
               <a:p>
@@ -37283,12 +37648,6 @@
                 <a:r>
                   <a:rPr lang="en-US" sz="1600" dirty="0"/>
                   <a:t> may be hard to estimate. It may depend on what states we can get to from s.</a:t>
-                </a:r>
-              </a:p>
-              <a:p>
-                <a:r>
-                  <a:rPr lang="en-US" sz="1600" dirty="0"/>
-                  <a:t>MEU leads to the “optimizer’s curse” where the estimated expected utility is higher than the actual outcomes with new data.</a:t>
                 </a:r>
               </a:p>
             </p:txBody>
@@ -37450,7 +37809,7 @@
           </p:nvSpPr>
           <p:spPr>
             <a:xfrm>
-              <a:off x="7824456" y="1869585"/>
+              <a:off x="7809763" y="2056142"/>
               <a:ext cx="803425" cy="369332"/>
             </a:xfrm>
             <a:prstGeom prst="rect">
@@ -37570,8 +37929,8 @@
             <p:nvPr/>
           </p:nvSpPr>
           <p:spPr>
-            <a:xfrm>
-              <a:off x="8619643" y="1864054"/>
+            <a:xfrm rot="840393">
+              <a:off x="8654884" y="2141067"/>
               <a:ext cx="458441" cy="400860"/>
             </a:xfrm>
             <a:prstGeom prst="rightArrow">
@@ -37599,7 +37958,7 @@
             <a:lstStyle/>
             <a:p>
               <a:pPr algn="ctr"/>
-              <a:endParaRPr lang="en-US"/>
+              <a:endParaRPr lang="en-US" dirty="0"/>
             </a:p>
           </p:txBody>
         </p:sp>
@@ -37971,7 +38330,11 @@
               </a:rPr>
             </a:br>
             <a:r>
-              <a:rPr lang="en-US" sz="5400" kern="1200" dirty="0">
+              <a:rPr lang="en-US" sz="4400" dirty="0"/>
+              <a:t>U</a:t>
+            </a:r>
+            <a:r>
+              <a:rPr lang="en-US" sz="4400" kern="1200" dirty="0">
                 <a:solidFill>
                   <a:schemeClr val="tx1"/>
                 </a:solidFill>
@@ -37979,7 +38342,7 @@
                 <a:ea typeface="+mj-ea"/>
                 <a:cs typeface="+mj-cs"/>
               </a:rPr>
-              <a:t>Bayes Nets with Actions</a:t>
+              <a:t>sing Bayes Nets to calculate the Expected Utility of Actions.</a:t>
             </a:r>
             <a:endParaRPr lang="en-US" sz="8800" kern="1200" dirty="0">
               <a:solidFill>
@@ -38777,8 +39140,8 @@
         </p:nvSpPr>
         <p:spPr>
           <a:xfrm>
-            <a:off x="533400" y="2105861"/>
-            <a:ext cx="979755" cy="369332"/>
+            <a:off x="2453267" y="1415534"/>
+            <a:ext cx="788999" cy="369332"/>
           </a:xfrm>
           <a:prstGeom prst="rect">
             <a:avLst/>
@@ -38793,7 +39156,7 @@
           <a:p>
             <a:r>
               <a:rPr lang="en-US" dirty="0"/>
-              <a:t>Decision</a:t>
+              <a:t>Action</a:t>
             </a:r>
           </a:p>
         </p:txBody>

--- a/slides/16_decision_making.pptx
+++ b/slides/16_decision_making.pptx
@@ -5,7 +5,7 @@
     <p:sldMasterId id="2147483648" r:id="rId1"/>
   </p:sldMasterIdLst>
   <p:notesMasterIdLst>
-    <p:notesMasterId r:id="rId17"/>
+    <p:notesMasterId r:id="rId16"/>
   </p:notesMasterIdLst>
   <p:sldIdLst>
     <p:sldId id="256" r:id="rId2"/>
@@ -14,15 +14,14 @@
     <p:sldId id="367" r:id="rId5"/>
     <p:sldId id="369" r:id="rId6"/>
     <p:sldId id="260" r:id="rId7"/>
-    <p:sldId id="368" r:id="rId8"/>
-    <p:sldId id="261" r:id="rId9"/>
-    <p:sldId id="366" r:id="rId10"/>
-    <p:sldId id="355" r:id="rId11"/>
-    <p:sldId id="360" r:id="rId12"/>
-    <p:sldId id="324" r:id="rId13"/>
-    <p:sldId id="300" r:id="rId14"/>
-    <p:sldId id="325" r:id="rId15"/>
-    <p:sldId id="370" r:id="rId16"/>
+    <p:sldId id="261" r:id="rId8"/>
+    <p:sldId id="366" r:id="rId9"/>
+    <p:sldId id="355" r:id="rId10"/>
+    <p:sldId id="360" r:id="rId11"/>
+    <p:sldId id="324" r:id="rId12"/>
+    <p:sldId id="300" r:id="rId13"/>
+    <p:sldId id="325" r:id="rId14"/>
+    <p:sldId id="370" r:id="rId15"/>
   </p:sldIdLst>
   <p:sldSz cx="12192000" cy="6858000"/>
   <p:notesSz cx="6858000" cy="9144000"/>
@@ -8667,7 +8666,7 @@
           <a:p>
             <a:fld id="{CDFB1A35-FCF7-4D0C-AE83-400D24256912}" type="datetimeFigureOut">
               <a:rPr lang="en-US" smtClean="0"/>
-              <a:t>11/30/2023</a:t>
+              <a:t>4/17/2024</a:t>
             </a:fld>
             <a:endParaRPr lang="en-US"/>
           </a:p>
@@ -9163,7 +9162,7 @@
             <a:fld id="{999ECC27-508E-4753-97C7-4AB399A8CBA1}" type="slidenum">
               <a:rPr lang="en-US" sz="1300"/>
               <a:pPr eaLnBrk="1" hangingPunct="1"/>
-              <a:t>9</a:t>
+              <a:t>8</a:t>
             </a:fld>
             <a:endParaRPr lang="en-US" sz="1300"/>
           </a:p>
@@ -9406,7 +9405,7 @@
             <a:fld id="{999ECC27-508E-4753-97C7-4AB399A8CBA1}" type="slidenum">
               <a:rPr lang="en-US" sz="1300"/>
               <a:pPr eaLnBrk="1" hangingPunct="1"/>
-              <a:t>10</a:t>
+              <a:t>9</a:t>
             </a:fld>
             <a:endParaRPr lang="en-US" sz="1300"/>
           </a:p>
@@ -9649,7 +9648,7 @@
             <a:fld id="{999ECC27-508E-4753-97C7-4AB399A8CBA1}" type="slidenum">
               <a:rPr lang="en-US" sz="1300"/>
               <a:pPr eaLnBrk="1" hangingPunct="1"/>
-              <a:t>11</a:t>
+              <a:t>10</a:t>
             </a:fld>
             <a:endParaRPr lang="en-US" sz="1300"/>
           </a:p>
@@ -9810,7 +9809,7 @@
           <a:p>
             <a:fld id="{16A8CD98-EF2C-4EFD-A320-0FD1E700AB34}" type="datetimeFigureOut">
               <a:rPr lang="en-US" smtClean="0"/>
-              <a:t>11/30/2023</a:t>
+              <a:t>4/17/2024</a:t>
             </a:fld>
             <a:endParaRPr lang="en-US"/>
           </a:p>
@@ -10008,7 +10007,7 @@
           <a:p>
             <a:fld id="{16A8CD98-EF2C-4EFD-A320-0FD1E700AB34}" type="datetimeFigureOut">
               <a:rPr lang="en-US" smtClean="0"/>
-              <a:t>11/30/2023</a:t>
+              <a:t>4/17/2024</a:t>
             </a:fld>
             <a:endParaRPr lang="en-US"/>
           </a:p>
@@ -10216,7 +10215,7 @@
           <a:p>
             <a:fld id="{16A8CD98-EF2C-4EFD-A320-0FD1E700AB34}" type="datetimeFigureOut">
               <a:rPr lang="en-US" smtClean="0"/>
-              <a:t>11/30/2023</a:t>
+              <a:t>4/17/2024</a:t>
             </a:fld>
             <a:endParaRPr lang="en-US"/>
           </a:p>
@@ -10414,7 +10413,7 @@
           <a:p>
             <a:fld id="{16A8CD98-EF2C-4EFD-A320-0FD1E700AB34}" type="datetimeFigureOut">
               <a:rPr lang="en-US" smtClean="0"/>
-              <a:t>11/30/2023</a:t>
+              <a:t>4/17/2024</a:t>
             </a:fld>
             <a:endParaRPr lang="en-US"/>
           </a:p>
@@ -10689,7 +10688,7 @@
           <a:p>
             <a:fld id="{16A8CD98-EF2C-4EFD-A320-0FD1E700AB34}" type="datetimeFigureOut">
               <a:rPr lang="en-US" smtClean="0"/>
-              <a:t>11/30/2023</a:t>
+              <a:t>4/17/2024</a:t>
             </a:fld>
             <a:endParaRPr lang="en-US"/>
           </a:p>
@@ -10954,7 +10953,7 @@
           <a:p>
             <a:fld id="{16A8CD98-EF2C-4EFD-A320-0FD1E700AB34}" type="datetimeFigureOut">
               <a:rPr lang="en-US" smtClean="0"/>
-              <a:t>11/30/2023</a:t>
+              <a:t>4/17/2024</a:t>
             </a:fld>
             <a:endParaRPr lang="en-US"/>
           </a:p>
@@ -11366,7 +11365,7 @@
           <a:p>
             <a:fld id="{16A8CD98-EF2C-4EFD-A320-0FD1E700AB34}" type="datetimeFigureOut">
               <a:rPr lang="en-US" smtClean="0"/>
-              <a:t>11/30/2023</a:t>
+              <a:t>4/17/2024</a:t>
             </a:fld>
             <a:endParaRPr lang="en-US"/>
           </a:p>
@@ -11507,7 +11506,7 @@
           <a:p>
             <a:fld id="{16A8CD98-EF2C-4EFD-A320-0FD1E700AB34}" type="datetimeFigureOut">
               <a:rPr lang="en-US" smtClean="0"/>
-              <a:t>11/30/2023</a:t>
+              <a:t>4/17/2024</a:t>
             </a:fld>
             <a:endParaRPr lang="en-US"/>
           </a:p>
@@ -11620,7 +11619,7 @@
           <a:p>
             <a:fld id="{16A8CD98-EF2C-4EFD-A320-0FD1E700AB34}" type="datetimeFigureOut">
               <a:rPr lang="en-US" smtClean="0"/>
-              <a:t>11/30/2023</a:t>
+              <a:t>4/17/2024</a:t>
             </a:fld>
             <a:endParaRPr lang="en-US"/>
           </a:p>
@@ -11931,7 +11930,7 @@
           <a:p>
             <a:fld id="{16A8CD98-EF2C-4EFD-A320-0FD1E700AB34}" type="datetimeFigureOut">
               <a:rPr lang="en-US" smtClean="0"/>
-              <a:t>11/30/2023</a:t>
+              <a:t>4/17/2024</a:t>
             </a:fld>
             <a:endParaRPr lang="en-US"/>
           </a:p>
@@ -12219,7 +12218,7 @@
           <a:p>
             <a:fld id="{16A8CD98-EF2C-4EFD-A320-0FD1E700AB34}" type="datetimeFigureOut">
               <a:rPr lang="en-US" smtClean="0"/>
-              <a:t>11/30/2023</a:t>
+              <a:t>4/17/2024</a:t>
             </a:fld>
             <a:endParaRPr lang="en-US"/>
           </a:p>
@@ -12460,7 +12459,7 @@
           <a:p>
             <a:fld id="{16A8CD98-EF2C-4EFD-A320-0FD1E700AB34}" type="datetimeFigureOut">
               <a:rPr lang="en-US" smtClean="0"/>
-              <a:t>11/30/2023</a:t>
+              <a:t>4/17/2024</a:t>
             </a:fld>
             <a:endParaRPr lang="en-US"/>
           </a:p>
@@ -13543,1232 +13542,6 @@
 </file>
 
 <file path=ppt/slides/slide10.xml><?xml version="1.0" encoding="utf-8"?>
-<p:sld xmlns:a="http://schemas.openxmlformats.org/drawingml/2006/main" xmlns:r="http://schemas.openxmlformats.org/officeDocument/2006/relationships" xmlns:p="http://schemas.openxmlformats.org/presentationml/2006/main">
-  <p:cSld>
-    <p:spTree>
-      <p:nvGrpSpPr>
-        <p:cNvPr id="1" name=""/>
-        <p:cNvGrpSpPr/>
-        <p:nvPr/>
-      </p:nvGrpSpPr>
-      <p:grpSpPr>
-        <a:xfrm>
-          <a:off x="0" y="0"/>
-          <a:ext cx="0" cy="0"/>
-          <a:chOff x="0" y="0"/>
-          <a:chExt cx="0" cy="0"/>
-        </a:xfrm>
-      </p:grpSpPr>
-      <p:sp>
-        <p:nvSpPr>
-          <p:cNvPr id="17409" name="Rectangle 2"/>
-          <p:cNvSpPr>
-            <a:spLocks noGrp="1" noChangeArrowheads="1"/>
-          </p:cNvSpPr>
-          <p:nvPr>
-            <p:ph type="title"/>
-          </p:nvPr>
-        </p:nvSpPr>
-        <p:spPr/>
-        <p:txBody>
-          <a:bodyPr/>
-          <a:lstStyle/>
-          <a:p>
-            <a:r>
-              <a:rPr lang="en-US" dirty="0">
-                <a:latin typeface="Calibri"/>
-                <a:ea typeface="ＭＳ Ｐゴシック" pitchFamily="34" charset="-128"/>
-                <a:cs typeface="Calibri"/>
-              </a:rPr>
-              <a:t>Decision Networks</a:t>
-            </a:r>
-          </a:p>
-        </p:txBody>
-      </p:sp>
-      <p:grpSp>
-        <p:nvGrpSpPr>
-          <p:cNvPr id="2" name="Group 1">
-            <a:extLst>
-              <a:ext uri="{FF2B5EF4-FFF2-40B4-BE49-F238E27FC236}">
-                <a16:creationId xmlns:a16="http://schemas.microsoft.com/office/drawing/2014/main" id="{DBA2A2C3-9375-E35C-880F-0C6881BED107}"/>
-              </a:ext>
-            </a:extLst>
-          </p:cNvPr>
-          <p:cNvGrpSpPr/>
-          <p:nvPr/>
-        </p:nvGrpSpPr>
-        <p:grpSpPr>
-          <a:xfrm>
-            <a:off x="7290782" y="1769082"/>
-            <a:ext cx="3124200" cy="3810000"/>
-            <a:chOff x="7724275" y="2343757"/>
-            <a:chExt cx="3124200" cy="3810000"/>
-          </a:xfrm>
-        </p:grpSpPr>
-        <p:cxnSp>
-          <p:nvCxnSpPr>
-            <p:cNvPr id="17411" name="AutoShape 4"/>
-            <p:cNvCxnSpPr>
-              <a:cxnSpLocks noChangeShapeType="1"/>
-              <a:stCxn id="17412" idx="4"/>
-              <a:endCxn id="17413" idx="0"/>
-            </p:cNvCxnSpPr>
-            <p:nvPr/>
-          </p:nvCxnSpPr>
-          <p:spPr bwMode="auto">
-            <a:xfrm>
-              <a:off x="8335463" y="4415445"/>
-              <a:ext cx="0" cy="1149350"/>
-            </a:xfrm>
-            <a:prstGeom prst="straightConnector1">
-              <a:avLst/>
-            </a:prstGeom>
-            <a:noFill/>
-            <a:ln w="28575">
-              <a:solidFill>
-                <a:schemeClr val="tx1"/>
-              </a:solidFill>
-              <a:round/>
-              <a:headEnd/>
-              <a:tailEnd type="triangle" w="lg" len="lg"/>
-            </a:ln>
-            <a:extLst>
-              <a:ext uri="{909E8E84-426E-40DD-AFC4-6F175D3DCCD1}">
-                <a14:hiddenFill xmlns:a14="http://schemas.microsoft.com/office/drawing/2010/main">
-                  <a:noFill/>
-                </a14:hiddenFill>
-              </a:ext>
-            </a:extLst>
-          </p:spPr>
-        </p:cxnSp>
-        <p:sp>
-          <p:nvSpPr>
-            <p:cNvPr id="17412" name="Oval 5"/>
-            <p:cNvSpPr>
-              <a:spLocks noChangeArrowheads="1"/>
-            </p:cNvSpPr>
-            <p:nvPr/>
-          </p:nvSpPr>
-          <p:spPr bwMode="auto">
-            <a:xfrm>
-              <a:off x="7724275" y="3826482"/>
-              <a:ext cx="1222375" cy="574675"/>
-            </a:xfrm>
-            <a:prstGeom prst="ellipse">
-              <a:avLst/>
-            </a:prstGeom>
-            <a:solidFill>
-              <a:schemeClr val="bg1"/>
-            </a:solidFill>
-            <a:ln w="28575">
-              <a:solidFill>
-                <a:schemeClr val="tx1"/>
-              </a:solidFill>
-              <a:round/>
-              <a:headEnd/>
-              <a:tailEnd/>
-            </a:ln>
-          </p:spPr>
-          <p:txBody>
-            <a:bodyPr wrap="none" anchor="ctr"/>
-            <a:lstStyle/>
-            <a:p>
-              <a:pPr algn="ctr"/>
-              <a:r>
-                <a:rPr lang="en-US">
-                  <a:latin typeface="Calibri"/>
-                  <a:cs typeface="Calibri"/>
-                </a:rPr>
-                <a:t>Weather</a:t>
-              </a:r>
-            </a:p>
-          </p:txBody>
-        </p:sp>
-        <p:sp>
-          <p:nvSpPr>
-            <p:cNvPr id="17413" name="Oval 6"/>
-            <p:cNvSpPr>
-              <a:spLocks noChangeArrowheads="1"/>
-            </p:cNvSpPr>
-            <p:nvPr/>
-          </p:nvSpPr>
-          <p:spPr bwMode="auto">
-            <a:xfrm>
-              <a:off x="7724275" y="5579082"/>
-              <a:ext cx="1222375" cy="574675"/>
-            </a:xfrm>
-            <a:prstGeom prst="ellipse">
-              <a:avLst/>
-            </a:prstGeom>
-            <a:solidFill>
-              <a:schemeClr val="bg1"/>
-            </a:solidFill>
-            <a:ln w="28575">
-              <a:solidFill>
-                <a:schemeClr val="tx1"/>
-              </a:solidFill>
-              <a:round/>
-              <a:headEnd/>
-              <a:tailEnd/>
-            </a:ln>
-          </p:spPr>
-          <p:txBody>
-            <a:bodyPr wrap="none" anchor="ctr"/>
-            <a:lstStyle/>
-            <a:p>
-              <a:pPr algn="ctr" rtl="1"/>
-              <a:r>
-                <a:rPr lang="en-US" dirty="0">
-                  <a:latin typeface="Calibri"/>
-                  <a:cs typeface="Calibri"/>
-                </a:rPr>
-                <a:t>Forecast</a:t>
-              </a:r>
-            </a:p>
-          </p:txBody>
-        </p:sp>
-        <p:sp>
-          <p:nvSpPr>
-            <p:cNvPr id="17414" name="Rectangle 7"/>
-            <p:cNvSpPr>
-              <a:spLocks noChangeArrowheads="1"/>
-            </p:cNvSpPr>
-            <p:nvPr/>
-          </p:nvSpPr>
-          <p:spPr bwMode="auto">
-            <a:xfrm>
-              <a:off x="7800475" y="2343757"/>
-              <a:ext cx="1143000" cy="533400"/>
-            </a:xfrm>
-            <a:prstGeom prst="rect">
-              <a:avLst/>
-            </a:prstGeom>
-            <a:solidFill>
-              <a:schemeClr val="bg1"/>
-            </a:solidFill>
-            <a:ln w="28575">
-              <a:solidFill>
-                <a:schemeClr val="tx1"/>
-              </a:solidFill>
-              <a:miter lim="800000"/>
-              <a:headEnd/>
-              <a:tailEnd/>
-            </a:ln>
-          </p:spPr>
-          <p:txBody>
-            <a:bodyPr wrap="none" anchor="ctr"/>
-            <a:lstStyle/>
-            <a:p>
-              <a:pPr algn="ctr"/>
-              <a:r>
-                <a:rPr lang="en-US" dirty="0">
-                  <a:latin typeface="Calibri"/>
-                  <a:cs typeface="Calibri"/>
-                </a:rPr>
-                <a:t>Umbrella</a:t>
-              </a:r>
-            </a:p>
-          </p:txBody>
-        </p:sp>
-        <p:grpSp>
-          <p:nvGrpSpPr>
-            <p:cNvPr id="17415" name="Group 8"/>
-            <p:cNvGrpSpPr>
-              <a:grpSpLocks/>
-            </p:cNvGrpSpPr>
-            <p:nvPr/>
-          </p:nvGrpSpPr>
-          <p:grpSpPr bwMode="auto">
-            <a:xfrm>
-              <a:off x="10010275" y="3105757"/>
-              <a:ext cx="838200" cy="533400"/>
-              <a:chOff x="4368" y="1728"/>
-              <a:chExt cx="528" cy="336"/>
-            </a:xfrm>
-          </p:grpSpPr>
-          <p:sp>
-            <p:nvSpPr>
-              <p:cNvPr id="17422" name="Freeform 9"/>
-              <p:cNvSpPr>
-                <a:spLocks/>
-              </p:cNvSpPr>
-              <p:nvPr/>
-            </p:nvSpPr>
-            <p:spPr bwMode="auto">
-              <a:xfrm>
-                <a:off x="4368" y="1728"/>
-                <a:ext cx="528" cy="336"/>
-              </a:xfrm>
-              <a:custGeom>
-                <a:avLst/>
-                <a:gdLst>
-                  <a:gd name="T0" fmla="*/ 16 w 783"/>
-                  <a:gd name="T1" fmla="*/ 0 h 288"/>
-                  <a:gd name="T2" fmla="*/ 0 w 783"/>
-                  <a:gd name="T3" fmla="*/ 496 h 288"/>
-                  <a:gd name="T4" fmla="*/ 16 w 783"/>
-                  <a:gd name="T5" fmla="*/ 988 h 288"/>
-                  <a:gd name="T6" fmla="*/ 34 w 783"/>
-                  <a:gd name="T7" fmla="*/ 484 h 288"/>
-                  <a:gd name="T8" fmla="*/ 16 w 783"/>
-                  <a:gd name="T9" fmla="*/ 0 h 288"/>
-                  <a:gd name="T10" fmla="*/ 0 60000 65536"/>
-                  <a:gd name="T11" fmla="*/ 0 60000 65536"/>
-                  <a:gd name="T12" fmla="*/ 0 60000 65536"/>
-                  <a:gd name="T13" fmla="*/ 0 60000 65536"/>
-                  <a:gd name="T14" fmla="*/ 0 60000 65536"/>
-                  <a:gd name="T15" fmla="*/ 0 w 783"/>
-                  <a:gd name="T16" fmla="*/ 0 h 288"/>
-                  <a:gd name="T17" fmla="*/ 783 w 783"/>
-                  <a:gd name="T18" fmla="*/ 288 h 288"/>
-                </a:gdLst>
-                <a:ahLst/>
-                <a:cxnLst>
-                  <a:cxn ang="T10">
-                    <a:pos x="T0" y="T1"/>
-                  </a:cxn>
-                  <a:cxn ang="T11">
-                    <a:pos x="T2" y="T3"/>
-                  </a:cxn>
-                  <a:cxn ang="T12">
-                    <a:pos x="T4" y="T5"/>
-                  </a:cxn>
-                  <a:cxn ang="T13">
-                    <a:pos x="T6" y="T7"/>
-                  </a:cxn>
-                  <a:cxn ang="T14">
-                    <a:pos x="T8" y="T9"/>
-                  </a:cxn>
-                </a:cxnLst>
-                <a:rect l="T15" t="T16" r="T17" b="T18"/>
-                <a:pathLst>
-                  <a:path w="783" h="288">
-                    <a:moveTo>
-                      <a:pt x="384" y="0"/>
-                    </a:moveTo>
-                    <a:lnTo>
-                      <a:pt x="0" y="144"/>
-                    </a:lnTo>
-                    <a:lnTo>
-                      <a:pt x="384" y="288"/>
-                    </a:lnTo>
-                    <a:lnTo>
-                      <a:pt x="783" y="141"/>
-                    </a:lnTo>
-                    <a:lnTo>
-                      <a:pt x="384" y="0"/>
-                    </a:lnTo>
-                    <a:close/>
-                  </a:path>
-                </a:pathLst>
-              </a:custGeom>
-              <a:solidFill>
-                <a:schemeClr val="bg1"/>
-              </a:solidFill>
-              <a:ln w="28575">
-                <a:solidFill>
-                  <a:schemeClr val="tx1"/>
-                </a:solidFill>
-                <a:round/>
-                <a:headEnd/>
-                <a:tailEnd/>
-              </a:ln>
-            </p:spPr>
-            <p:txBody>
-              <a:bodyPr/>
-              <a:lstStyle/>
-              <a:p>
-                <a:endParaRPr lang="en-US">
-                  <a:latin typeface="Calibri"/>
-                  <a:cs typeface="Calibri"/>
-                </a:endParaRPr>
-              </a:p>
-            </p:txBody>
-          </p:sp>
-          <p:sp>
-            <p:nvSpPr>
-              <p:cNvPr id="17423" name="Text Box 10"/>
-              <p:cNvSpPr txBox="1">
-                <a:spLocks noChangeArrowheads="1"/>
-              </p:cNvSpPr>
-              <p:nvPr/>
-            </p:nvSpPr>
-            <p:spPr bwMode="auto">
-              <a:xfrm>
-                <a:off x="4512" y="1776"/>
-                <a:ext cx="240" cy="231"/>
-              </a:xfrm>
-              <a:prstGeom prst="rect">
-                <a:avLst/>
-              </a:prstGeom>
-              <a:noFill/>
-              <a:ln>
-                <a:noFill/>
-              </a:ln>
-              <a:extLst>
-                <a:ext uri="{909E8E84-426E-40DD-AFC4-6F175D3DCCD1}">
-                  <a14:hiddenFill xmlns:a14="http://schemas.microsoft.com/office/drawing/2010/main">
-                    <a:solidFill>
-                      <a:srgbClr val="FFFFFF"/>
-                    </a:solidFill>
-                  </a14:hiddenFill>
-                </a:ext>
-                <a:ext uri="{91240B29-F687-4F45-9708-019B960494DF}">
-                  <a14:hiddenLine xmlns:a14="http://schemas.microsoft.com/office/drawing/2010/main" w="9525">
-                    <a:solidFill>
-                      <a:srgbClr val="000000"/>
-                    </a:solidFill>
-                    <a:miter lim="800000"/>
-                    <a:headEnd/>
-                    <a:tailEnd/>
-                  </a14:hiddenLine>
-                </a:ext>
-              </a:extLst>
-            </p:spPr>
-            <p:txBody>
-              <a:bodyPr>
-                <a:spAutoFit/>
-              </a:bodyPr>
-              <a:lstStyle>
-                <a:lvl1pPr eaLnBrk="0" hangingPunct="0">
-                  <a:defRPr sz="2400">
-                    <a:solidFill>
-                      <a:schemeClr val="tx1"/>
-                    </a:solidFill>
-                    <a:latin typeface="Arial" pitchFamily="34" charset="0"/>
-                    <a:ea typeface="ＭＳ Ｐゴシック" pitchFamily="34" charset="-128"/>
-                  </a:defRPr>
-                </a:lvl1pPr>
-                <a:lvl2pPr marL="742950" indent="-285750" eaLnBrk="0" hangingPunct="0">
-                  <a:defRPr sz="2400">
-                    <a:solidFill>
-                      <a:schemeClr val="tx1"/>
-                    </a:solidFill>
-                    <a:latin typeface="Arial" pitchFamily="34" charset="0"/>
-                    <a:ea typeface="ＭＳ Ｐゴシック" pitchFamily="34" charset="-128"/>
-                  </a:defRPr>
-                </a:lvl2pPr>
-                <a:lvl3pPr marL="1143000" indent="-228600" eaLnBrk="0" hangingPunct="0">
-                  <a:defRPr sz="2400">
-                    <a:solidFill>
-                      <a:schemeClr val="tx1"/>
-                    </a:solidFill>
-                    <a:latin typeface="Arial" pitchFamily="34" charset="0"/>
-                    <a:ea typeface="ＭＳ Ｐゴシック" pitchFamily="34" charset="-128"/>
-                  </a:defRPr>
-                </a:lvl3pPr>
-                <a:lvl4pPr marL="1600200" indent="-228600" eaLnBrk="0" hangingPunct="0">
-                  <a:defRPr sz="2400">
-                    <a:solidFill>
-                      <a:schemeClr val="tx1"/>
-                    </a:solidFill>
-                    <a:latin typeface="Arial" pitchFamily="34" charset="0"/>
-                    <a:ea typeface="ＭＳ Ｐゴシック" pitchFamily="34" charset="-128"/>
-                  </a:defRPr>
-                </a:lvl4pPr>
-                <a:lvl5pPr marL="2057400" indent="-228600" eaLnBrk="0" hangingPunct="0">
-                  <a:defRPr sz="2400">
-                    <a:solidFill>
-                      <a:schemeClr val="tx1"/>
-                    </a:solidFill>
-                    <a:latin typeface="Arial" pitchFamily="34" charset="0"/>
-                    <a:ea typeface="ＭＳ Ｐゴシック" pitchFamily="34" charset="-128"/>
-                  </a:defRPr>
-                </a:lvl5pPr>
-                <a:lvl6pPr marL="2514600" indent="-228600" eaLnBrk="0" fontAlgn="base" hangingPunct="0">
-                  <a:spcBef>
-                    <a:spcPct val="0"/>
-                  </a:spcBef>
-                  <a:spcAft>
-                    <a:spcPct val="0"/>
-                  </a:spcAft>
-                  <a:defRPr sz="2400">
-                    <a:solidFill>
-                      <a:schemeClr val="tx1"/>
-                    </a:solidFill>
-                    <a:latin typeface="Arial" pitchFamily="34" charset="0"/>
-                    <a:ea typeface="ＭＳ Ｐゴシック" pitchFamily="34" charset="-128"/>
-                  </a:defRPr>
-                </a:lvl6pPr>
-                <a:lvl7pPr marL="2971800" indent="-228600" eaLnBrk="0" fontAlgn="base" hangingPunct="0">
-                  <a:spcBef>
-                    <a:spcPct val="0"/>
-                  </a:spcBef>
-                  <a:spcAft>
-                    <a:spcPct val="0"/>
-                  </a:spcAft>
-                  <a:defRPr sz="2400">
-                    <a:solidFill>
-                      <a:schemeClr val="tx1"/>
-                    </a:solidFill>
-                    <a:latin typeface="Arial" pitchFamily="34" charset="0"/>
-                    <a:ea typeface="ＭＳ Ｐゴシック" pitchFamily="34" charset="-128"/>
-                  </a:defRPr>
-                </a:lvl7pPr>
-                <a:lvl8pPr marL="3429000" indent="-228600" eaLnBrk="0" fontAlgn="base" hangingPunct="0">
-                  <a:spcBef>
-                    <a:spcPct val="0"/>
-                  </a:spcBef>
-                  <a:spcAft>
-                    <a:spcPct val="0"/>
-                  </a:spcAft>
-                  <a:defRPr sz="2400">
-                    <a:solidFill>
-                      <a:schemeClr val="tx1"/>
-                    </a:solidFill>
-                    <a:latin typeface="Arial" pitchFamily="34" charset="0"/>
-                    <a:ea typeface="ＭＳ Ｐゴシック" pitchFamily="34" charset="-128"/>
-                  </a:defRPr>
-                </a:lvl8pPr>
-                <a:lvl9pPr marL="3886200" indent="-228600" eaLnBrk="0" fontAlgn="base" hangingPunct="0">
-                  <a:spcBef>
-                    <a:spcPct val="0"/>
-                  </a:spcBef>
-                  <a:spcAft>
-                    <a:spcPct val="0"/>
-                  </a:spcAft>
-                  <a:defRPr sz="2400">
-                    <a:solidFill>
-                      <a:schemeClr val="tx1"/>
-                    </a:solidFill>
-                    <a:latin typeface="Arial" pitchFamily="34" charset="0"/>
-                    <a:ea typeface="ＭＳ Ｐゴシック" pitchFamily="34" charset="-128"/>
-                  </a:defRPr>
-                </a:lvl9pPr>
-              </a:lstStyle>
-              <a:p>
-                <a:pPr eaLnBrk="1" hangingPunct="1">
-                  <a:spcBef>
-                    <a:spcPct val="50000"/>
-                  </a:spcBef>
-                </a:pPr>
-                <a:r>
-                  <a:rPr lang="en-US" sz="1800">
-                    <a:latin typeface="Calibri"/>
-                    <a:cs typeface="Calibri"/>
-                  </a:rPr>
-                  <a:t>U</a:t>
-                </a:r>
-              </a:p>
-            </p:txBody>
-          </p:sp>
-        </p:grpSp>
-        <p:cxnSp>
-          <p:nvCxnSpPr>
-            <p:cNvPr id="17416" name="AutoShape 11"/>
-            <p:cNvCxnSpPr>
-              <a:cxnSpLocks noChangeShapeType="1"/>
-              <a:stCxn id="17414" idx="3"/>
-              <a:endCxn id="17422" idx="1"/>
-            </p:cNvCxnSpPr>
-            <p:nvPr/>
-          </p:nvCxnSpPr>
-          <p:spPr bwMode="auto">
-            <a:xfrm>
-              <a:off x="8957763" y="2610457"/>
-              <a:ext cx="1038225" cy="762000"/>
-            </a:xfrm>
-            <a:prstGeom prst="straightConnector1">
-              <a:avLst/>
-            </a:prstGeom>
-            <a:noFill/>
-            <a:ln w="28575">
-              <a:solidFill>
-                <a:schemeClr val="tx1"/>
-              </a:solidFill>
-              <a:round/>
-              <a:headEnd/>
-              <a:tailEnd type="triangle" w="lg" len="lg"/>
-            </a:ln>
-            <a:extLst>
-              <a:ext uri="{909E8E84-426E-40DD-AFC4-6F175D3DCCD1}">
-                <a14:hiddenFill xmlns:a14="http://schemas.microsoft.com/office/drawing/2010/main">
-                  <a:noFill/>
-                </a14:hiddenFill>
-              </a:ext>
-            </a:extLst>
-          </p:spPr>
-        </p:cxnSp>
-        <p:cxnSp>
-          <p:nvCxnSpPr>
-            <p:cNvPr id="17417" name="AutoShape 12"/>
-            <p:cNvCxnSpPr>
-              <a:cxnSpLocks noChangeShapeType="1"/>
-              <a:stCxn id="17412" idx="6"/>
-              <a:endCxn id="17422" idx="1"/>
-            </p:cNvCxnSpPr>
-            <p:nvPr/>
-          </p:nvCxnSpPr>
-          <p:spPr bwMode="auto">
-            <a:xfrm flipV="1">
-              <a:off x="8960938" y="3372457"/>
-              <a:ext cx="1035050" cy="741363"/>
-            </a:xfrm>
-            <a:prstGeom prst="straightConnector1">
-              <a:avLst/>
-            </a:prstGeom>
-            <a:noFill/>
-            <a:ln w="28575">
-              <a:solidFill>
-                <a:schemeClr val="tx1"/>
-              </a:solidFill>
-              <a:round/>
-              <a:headEnd/>
-              <a:tailEnd type="triangle" w="lg" len="lg"/>
-            </a:ln>
-            <a:extLst>
-              <a:ext uri="{909E8E84-426E-40DD-AFC4-6F175D3DCCD1}">
-                <a14:hiddenFill xmlns:a14="http://schemas.microsoft.com/office/drawing/2010/main">
-                  <a:noFill/>
-                </a14:hiddenFill>
-              </a:ext>
-            </a:extLst>
-          </p:spPr>
-        </p:cxnSp>
-      </p:grpSp>
-      <p:sp>
-        <p:nvSpPr>
-          <p:cNvPr id="14" name="Oval 5"/>
-          <p:cNvSpPr>
-            <a:spLocks noChangeArrowheads="1"/>
-          </p:cNvSpPr>
-          <p:nvPr/>
-        </p:nvSpPr>
-        <p:spPr bwMode="auto">
-          <a:xfrm>
-            <a:off x="1109049" y="4301611"/>
-            <a:ext cx="609600" cy="304800"/>
-          </a:xfrm>
-          <a:prstGeom prst="ellipse">
-            <a:avLst/>
-          </a:prstGeom>
-          <a:solidFill>
-            <a:schemeClr val="bg1"/>
-          </a:solidFill>
-          <a:ln w="28575">
-            <a:solidFill>
-              <a:schemeClr val="tx1"/>
-            </a:solidFill>
-            <a:round/>
-            <a:headEnd/>
-            <a:tailEnd/>
-          </a:ln>
-        </p:spPr>
-        <p:txBody>
-          <a:bodyPr wrap="none" anchor="ctr"/>
-          <a:lstStyle/>
-          <a:p>
-            <a:pPr algn="ctr"/>
-            <a:endParaRPr lang="en-US">
-              <a:latin typeface="Calibri"/>
-              <a:cs typeface="Calibri"/>
-            </a:endParaRPr>
-          </a:p>
-        </p:txBody>
-      </p:sp>
-      <p:sp>
-        <p:nvSpPr>
-          <p:cNvPr id="15" name="Rectangle 7"/>
-          <p:cNvSpPr>
-            <a:spLocks noChangeArrowheads="1"/>
-          </p:cNvSpPr>
-          <p:nvPr/>
-        </p:nvSpPr>
-        <p:spPr bwMode="auto">
-          <a:xfrm>
-            <a:off x="1147149" y="4926082"/>
-            <a:ext cx="533400" cy="228600"/>
-          </a:xfrm>
-          <a:prstGeom prst="rect">
-            <a:avLst/>
-          </a:prstGeom>
-          <a:solidFill>
-            <a:schemeClr val="bg1"/>
-          </a:solidFill>
-          <a:ln w="28575">
-            <a:solidFill>
-              <a:schemeClr val="tx1"/>
-            </a:solidFill>
-            <a:miter lim="800000"/>
-            <a:headEnd/>
-            <a:tailEnd/>
-          </a:ln>
-        </p:spPr>
-        <p:txBody>
-          <a:bodyPr wrap="none" anchor="ctr"/>
-          <a:lstStyle/>
-          <a:p>
-            <a:pPr algn="ctr"/>
-            <a:endParaRPr lang="en-US">
-              <a:latin typeface="Calibri"/>
-              <a:cs typeface="Calibri"/>
-            </a:endParaRPr>
-          </a:p>
-        </p:txBody>
-      </p:sp>
-      <p:sp>
-        <p:nvSpPr>
-          <p:cNvPr id="17" name="Freeform 9"/>
-          <p:cNvSpPr>
-            <a:spLocks/>
-          </p:cNvSpPr>
-          <p:nvPr/>
-        </p:nvSpPr>
-        <p:spPr bwMode="auto">
-          <a:xfrm>
-            <a:off x="1109049" y="5512090"/>
-            <a:ext cx="609600" cy="304800"/>
-          </a:xfrm>
-          <a:custGeom>
-            <a:avLst/>
-            <a:gdLst>
-              <a:gd name="T0" fmla="*/ 21821033 w 783"/>
-              <a:gd name="T1" fmla="*/ 0 h 288"/>
-              <a:gd name="T2" fmla="*/ 0 w 783"/>
-              <a:gd name="T3" fmla="*/ 407704925 h 288"/>
-              <a:gd name="T4" fmla="*/ 21821033 w 783"/>
-              <a:gd name="T5" fmla="*/ 813170417 h 288"/>
-              <a:gd name="T6" fmla="*/ 44853480 w 783"/>
-              <a:gd name="T7" fmla="*/ 398745075 h 288"/>
-              <a:gd name="T8" fmla="*/ 21821033 w 783"/>
-              <a:gd name="T9" fmla="*/ 0 h 288"/>
-              <a:gd name="T10" fmla="*/ 0 60000 65536"/>
-              <a:gd name="T11" fmla="*/ 0 60000 65536"/>
-              <a:gd name="T12" fmla="*/ 0 60000 65536"/>
-              <a:gd name="T13" fmla="*/ 0 60000 65536"/>
-              <a:gd name="T14" fmla="*/ 0 60000 65536"/>
-              <a:gd name="T15" fmla="*/ 0 w 783"/>
-              <a:gd name="T16" fmla="*/ 0 h 288"/>
-              <a:gd name="T17" fmla="*/ 783 w 783"/>
-              <a:gd name="T18" fmla="*/ 288 h 288"/>
-            </a:gdLst>
-            <a:ahLst/>
-            <a:cxnLst>
-              <a:cxn ang="T10">
-                <a:pos x="T0" y="T1"/>
-              </a:cxn>
-              <a:cxn ang="T11">
-                <a:pos x="T2" y="T3"/>
-              </a:cxn>
-              <a:cxn ang="T12">
-                <a:pos x="T4" y="T5"/>
-              </a:cxn>
-              <a:cxn ang="T13">
-                <a:pos x="T6" y="T7"/>
-              </a:cxn>
-              <a:cxn ang="T14">
-                <a:pos x="T8" y="T9"/>
-              </a:cxn>
-            </a:cxnLst>
-            <a:rect l="T15" t="T16" r="T17" b="T18"/>
-            <a:pathLst>
-              <a:path w="783" h="288">
-                <a:moveTo>
-                  <a:pt x="384" y="0"/>
-                </a:moveTo>
-                <a:lnTo>
-                  <a:pt x="0" y="144"/>
-                </a:lnTo>
-                <a:lnTo>
-                  <a:pt x="384" y="288"/>
-                </a:lnTo>
-                <a:lnTo>
-                  <a:pt x="783" y="141"/>
-                </a:lnTo>
-                <a:lnTo>
-                  <a:pt x="384" y="0"/>
-                </a:lnTo>
-                <a:close/>
-              </a:path>
-            </a:pathLst>
-          </a:custGeom>
-          <a:solidFill>
-            <a:schemeClr val="bg1"/>
-          </a:solidFill>
-          <a:ln w="28575">
-            <a:solidFill>
-              <a:schemeClr val="tx1"/>
-            </a:solidFill>
-            <a:round/>
-            <a:headEnd/>
-            <a:tailEnd/>
-          </a:ln>
-        </p:spPr>
-        <p:txBody>
-          <a:bodyPr/>
-          <a:lstStyle/>
-          <a:p>
-            <a:endParaRPr lang="en-US">
-              <a:latin typeface="Calibri"/>
-              <a:cs typeface="Calibri"/>
-            </a:endParaRPr>
-          </a:p>
-        </p:txBody>
-      </p:sp>
-      <p:sp>
-        <p:nvSpPr>
-          <p:cNvPr id="18" name="Rectangle 3"/>
-          <p:cNvSpPr txBox="1">
-            <a:spLocks noChangeArrowheads="1"/>
-          </p:cNvSpPr>
-          <p:nvPr/>
-        </p:nvSpPr>
-        <p:spPr bwMode="auto">
-          <a:xfrm>
-            <a:off x="919480" y="1653988"/>
-            <a:ext cx="4800600" cy="4373563"/>
-          </a:xfrm>
-          <a:prstGeom prst="rect">
-            <a:avLst/>
-          </a:prstGeom>
-          <a:noFill/>
-          <a:ln w="9525">
-            <a:noFill/>
-            <a:miter lim="800000"/>
-            <a:headEnd/>
-            <a:tailEnd/>
-          </a:ln>
-        </p:spPr>
-        <p:txBody>
-          <a:bodyPr vert="horz" wrap="square" lIns="91436" tIns="45718" rIns="91436" bIns="45718" numCol="1" anchor="t" anchorCtr="0" compatLnSpc="1">
-            <a:prstTxWarp prst="textNoShape">
-              <a:avLst/>
-            </a:prstTxWarp>
-          </a:bodyPr>
-          <a:lstStyle>
-            <a:lvl1pPr marL="342882" indent="-342882" algn="l" rtl="0" eaLnBrk="1" fontAlgn="base" hangingPunct="1">
-              <a:spcBef>
-                <a:spcPct val="20000"/>
-              </a:spcBef>
-              <a:spcAft>
-                <a:spcPct val="0"/>
-              </a:spcAft>
-              <a:buClr>
-                <a:schemeClr val="accent2"/>
-              </a:buClr>
-              <a:buFont typeface="Wingdings" pitchFamily="2" charset="2"/>
-              <a:buChar char="§"/>
-              <a:defRPr sz="3200">
-                <a:solidFill>
-                  <a:schemeClr val="accent2"/>
-                </a:solidFill>
-                <a:latin typeface="Calibri" pitchFamily="34" charset="0"/>
-                <a:ea typeface="+mn-ea"/>
-                <a:cs typeface="+mn-cs"/>
-              </a:defRPr>
-            </a:lvl1pPr>
-            <a:lvl2pPr marL="742913" indent="-285737" algn="l" rtl="0" eaLnBrk="1" fontAlgn="base" hangingPunct="1">
-              <a:spcBef>
-                <a:spcPct val="20000"/>
-              </a:spcBef>
-              <a:spcAft>
-                <a:spcPct val="0"/>
-              </a:spcAft>
-              <a:buClr>
-                <a:schemeClr val="tx1"/>
-              </a:buClr>
-              <a:buFont typeface="Wingdings" pitchFamily="2" charset="2"/>
-              <a:buChar char="§"/>
-              <a:defRPr sz="2800">
-                <a:solidFill>
-                  <a:schemeClr val="tx1"/>
-                </a:solidFill>
-                <a:latin typeface="Calibri" pitchFamily="34" charset="0"/>
-              </a:defRPr>
-            </a:lvl2pPr>
-            <a:lvl3pPr marL="1142942" indent="-228589" algn="l" rtl="0" eaLnBrk="1" fontAlgn="base" hangingPunct="1">
-              <a:spcBef>
-                <a:spcPct val="20000"/>
-              </a:spcBef>
-              <a:spcAft>
-                <a:spcPct val="0"/>
-              </a:spcAft>
-              <a:buClr>
-                <a:schemeClr val="accent2"/>
-              </a:buClr>
-              <a:buFont typeface="Wingdings" pitchFamily="2" charset="2"/>
-              <a:buChar char="§"/>
-              <a:defRPr sz="2400">
-                <a:solidFill>
-                  <a:schemeClr val="tx1"/>
-                </a:solidFill>
-                <a:latin typeface="Calibri" pitchFamily="34" charset="0"/>
-              </a:defRPr>
-            </a:lvl3pPr>
-            <a:lvl4pPr marL="1600120" indent="-228589" algn="l" rtl="0" eaLnBrk="1" fontAlgn="base" hangingPunct="1">
-              <a:spcBef>
-                <a:spcPct val="20000"/>
-              </a:spcBef>
-              <a:spcAft>
-                <a:spcPct val="0"/>
-              </a:spcAft>
-              <a:buClr>
-                <a:schemeClr val="tx1"/>
-              </a:buClr>
-              <a:buFont typeface="Wingdings" pitchFamily="2" charset="2"/>
-              <a:buChar char="§"/>
-              <a:defRPr sz="2000">
-                <a:solidFill>
-                  <a:schemeClr val="tx1"/>
-                </a:solidFill>
-                <a:latin typeface="Calibri" pitchFamily="34" charset="0"/>
-              </a:defRPr>
-            </a:lvl4pPr>
-            <a:lvl5pPr marL="2057298" indent="-228589" algn="l" rtl="0" eaLnBrk="1" fontAlgn="base" hangingPunct="1">
-              <a:spcBef>
-                <a:spcPct val="20000"/>
-              </a:spcBef>
-              <a:spcAft>
-                <a:spcPct val="0"/>
-              </a:spcAft>
-              <a:buClr>
-                <a:schemeClr val="accent2"/>
-              </a:buClr>
-              <a:buFont typeface="Wingdings" pitchFamily="2" charset="2"/>
-              <a:buChar char="§"/>
-              <a:defRPr sz="2000">
-                <a:solidFill>
-                  <a:schemeClr val="tx1"/>
-                </a:solidFill>
-                <a:latin typeface="Calibri" pitchFamily="34" charset="0"/>
-              </a:defRPr>
-            </a:lvl5pPr>
-            <a:lvl6pPr marL="2514474" indent="-228589" algn="l" rtl="0" eaLnBrk="1" fontAlgn="base" hangingPunct="1">
-              <a:spcBef>
-                <a:spcPct val="20000"/>
-              </a:spcBef>
-              <a:spcAft>
-                <a:spcPct val="0"/>
-              </a:spcAft>
-              <a:buClr>
-                <a:schemeClr val="accent2"/>
-              </a:buClr>
-              <a:buFont typeface="Wingdings" pitchFamily="2" charset="2"/>
-              <a:buChar char="§"/>
-              <a:defRPr sz="2000">
-                <a:solidFill>
-                  <a:schemeClr val="tx1"/>
-                </a:solidFill>
-                <a:latin typeface="+mn-lt"/>
-              </a:defRPr>
-            </a:lvl6pPr>
-            <a:lvl7pPr marL="2971652" indent="-228589" algn="l" rtl="0" eaLnBrk="1" fontAlgn="base" hangingPunct="1">
-              <a:spcBef>
-                <a:spcPct val="20000"/>
-              </a:spcBef>
-              <a:spcAft>
-                <a:spcPct val="0"/>
-              </a:spcAft>
-              <a:buClr>
-                <a:schemeClr val="accent2"/>
-              </a:buClr>
-              <a:buFont typeface="Wingdings" pitchFamily="2" charset="2"/>
-              <a:buChar char="§"/>
-              <a:defRPr sz="2000">
-                <a:solidFill>
-                  <a:schemeClr val="tx1"/>
-                </a:solidFill>
-                <a:latin typeface="+mn-lt"/>
-              </a:defRPr>
-            </a:lvl7pPr>
-            <a:lvl8pPr marL="3428829" indent="-228589" algn="l" rtl="0" eaLnBrk="1" fontAlgn="base" hangingPunct="1">
-              <a:spcBef>
-                <a:spcPct val="20000"/>
-              </a:spcBef>
-              <a:spcAft>
-                <a:spcPct val="0"/>
-              </a:spcAft>
-              <a:buClr>
-                <a:schemeClr val="accent2"/>
-              </a:buClr>
-              <a:buFont typeface="Wingdings" pitchFamily="2" charset="2"/>
-              <a:buChar char="§"/>
-              <a:defRPr sz="2000">
-                <a:solidFill>
-                  <a:schemeClr val="tx1"/>
-                </a:solidFill>
-                <a:latin typeface="+mn-lt"/>
-              </a:defRPr>
-            </a:lvl8pPr>
-            <a:lvl9pPr marL="3886006" indent="-228589" algn="l" rtl="0" eaLnBrk="1" fontAlgn="base" hangingPunct="1">
-              <a:spcBef>
-                <a:spcPct val="20000"/>
-              </a:spcBef>
-              <a:spcAft>
-                <a:spcPct val="0"/>
-              </a:spcAft>
-              <a:buClr>
-                <a:schemeClr val="accent2"/>
-              </a:buClr>
-              <a:buFont typeface="Wingdings" pitchFamily="2" charset="2"/>
-              <a:buChar char="§"/>
-              <a:defRPr sz="2000">
-                <a:solidFill>
-                  <a:schemeClr val="tx1"/>
-                </a:solidFill>
-                <a:latin typeface="+mn-lt"/>
-              </a:defRPr>
-            </a:lvl9pPr>
-          </a:lstStyle>
-          <a:p>
-            <a:pPr marL="0" indent="0">
-              <a:lnSpc>
-                <a:spcPct val="80000"/>
-              </a:lnSpc>
-              <a:buNone/>
-            </a:pPr>
-            <a:r>
-              <a:rPr lang="en-US" sz="2000" b="1" dirty="0">
-                <a:solidFill>
-                  <a:schemeClr val="tx1"/>
-                </a:solidFill>
-                <a:latin typeface="Calibri"/>
-                <a:ea typeface="ＭＳ Ｐゴシック" pitchFamily="34" charset="-128"/>
-                <a:cs typeface="Calibri"/>
-              </a:rPr>
-              <a:t>Decision networks</a:t>
-            </a:r>
-          </a:p>
-          <a:p>
-            <a:pPr lvl="3">
-              <a:lnSpc>
-                <a:spcPct val="80000"/>
-              </a:lnSpc>
-            </a:pPr>
-            <a:endParaRPr lang="en-US" sz="400" dirty="0">
-              <a:latin typeface="Calibri"/>
-              <a:cs typeface="Calibri"/>
-            </a:endParaRPr>
-          </a:p>
-          <a:p>
-            <a:pPr lvl="3">
-              <a:lnSpc>
-                <a:spcPct val="80000"/>
-              </a:lnSpc>
-            </a:pPr>
-            <a:endParaRPr lang="en-US" sz="400" dirty="0">
-              <a:latin typeface="Calibri"/>
-              <a:cs typeface="Calibri"/>
-            </a:endParaRPr>
-          </a:p>
-          <a:p>
-            <a:pPr lvl="1">
-              <a:lnSpc>
-                <a:spcPct val="80000"/>
-              </a:lnSpc>
-            </a:pPr>
-            <a:r>
-              <a:rPr lang="en-US" sz="1800" dirty="0">
-                <a:latin typeface="Calibri"/>
-                <a:cs typeface="Calibri"/>
-              </a:rPr>
-              <a:t>Bayes nets with additional nodes for utility and actions.</a:t>
-            </a:r>
-          </a:p>
-          <a:p>
-            <a:pPr lvl="1">
-              <a:lnSpc>
-                <a:spcPct val="80000"/>
-              </a:lnSpc>
-            </a:pPr>
-            <a:r>
-              <a:rPr lang="en-US" sz="1800" dirty="0">
-                <a:latin typeface="Calibri"/>
-                <a:cs typeface="Calibri"/>
-              </a:rPr>
-              <a:t>Allows to specify the joint probability in a compact way using independence.</a:t>
-            </a:r>
-          </a:p>
-          <a:p>
-            <a:pPr lvl="1">
-              <a:lnSpc>
-                <a:spcPct val="80000"/>
-              </a:lnSpc>
-            </a:pPr>
-            <a:r>
-              <a:rPr lang="en-US" sz="1800" dirty="0">
-                <a:latin typeface="Calibri"/>
-                <a:cs typeface="Calibri"/>
-              </a:rPr>
-              <a:t>Calculate the expected utility for each possible action and choose the best.</a:t>
-            </a:r>
-            <a:endParaRPr lang="en-US" sz="1000" dirty="0">
-              <a:latin typeface="Calibri"/>
-              <a:cs typeface="Calibri"/>
-            </a:endParaRPr>
-          </a:p>
-          <a:p>
-            <a:pPr lvl="2">
-              <a:lnSpc>
-                <a:spcPct val="80000"/>
-              </a:lnSpc>
-            </a:pPr>
-            <a:endParaRPr lang="en-US" sz="1400" dirty="0">
-              <a:latin typeface="Calibri"/>
-              <a:cs typeface="Calibri"/>
-            </a:endParaRPr>
-          </a:p>
-          <a:p>
-            <a:pPr marL="0" indent="0">
-              <a:lnSpc>
-                <a:spcPct val="80000"/>
-              </a:lnSpc>
-              <a:buNone/>
-            </a:pPr>
-            <a:r>
-              <a:rPr lang="en-US" sz="2000" b="1" dirty="0">
-                <a:solidFill>
-                  <a:schemeClr val="tx1"/>
-                </a:solidFill>
-                <a:latin typeface="Calibri"/>
-                <a:ea typeface="ＭＳ Ｐゴシック" pitchFamily="34" charset="-128"/>
-                <a:cs typeface="Calibri"/>
-              </a:rPr>
-              <a:t>Node types</a:t>
-            </a:r>
-          </a:p>
-          <a:p>
-            <a:pPr lvl="5">
-              <a:lnSpc>
-                <a:spcPct val="80000"/>
-              </a:lnSpc>
-            </a:pPr>
-            <a:endParaRPr lang="en-US" sz="400" dirty="0">
-              <a:latin typeface="Calibri"/>
-              <a:cs typeface="Calibri"/>
-            </a:endParaRPr>
-          </a:p>
-          <a:p>
-            <a:pPr lvl="5">
-              <a:lnSpc>
-                <a:spcPct val="80000"/>
-              </a:lnSpc>
-            </a:pPr>
-            <a:endParaRPr lang="en-US" sz="400" dirty="0">
-              <a:latin typeface="Calibri"/>
-              <a:cs typeface="Calibri"/>
-            </a:endParaRPr>
-          </a:p>
-          <a:p>
-            <a:pPr lvl="5">
-              <a:lnSpc>
-                <a:spcPct val="80000"/>
-              </a:lnSpc>
-            </a:pPr>
-            <a:endParaRPr lang="en-US" sz="400" dirty="0">
-              <a:latin typeface="Calibri"/>
-              <a:cs typeface="Calibri"/>
-            </a:endParaRPr>
-          </a:p>
-          <a:p>
-            <a:pPr marL="857205" lvl="2" indent="0">
-              <a:lnSpc>
-                <a:spcPct val="80000"/>
-              </a:lnSpc>
-              <a:buNone/>
-            </a:pPr>
-            <a:r>
-              <a:rPr lang="en-US" sz="1800" dirty="0">
-                <a:latin typeface="Calibri"/>
-                <a:cs typeface="Calibri"/>
-              </a:rPr>
-              <a:t>Chance nodes: Random variables in BNs</a:t>
-            </a:r>
-          </a:p>
-          <a:p>
-            <a:pPr marL="3200240" lvl="7" indent="0">
-              <a:lnSpc>
-                <a:spcPct val="80000"/>
-              </a:lnSpc>
-              <a:buNone/>
-            </a:pPr>
-            <a:endParaRPr lang="en-US" sz="600" dirty="0">
-              <a:latin typeface="Calibri"/>
-              <a:cs typeface="Calibri"/>
-            </a:endParaRPr>
-          </a:p>
-          <a:p>
-            <a:pPr marL="3200240" lvl="7" indent="0">
-              <a:lnSpc>
-                <a:spcPct val="80000"/>
-              </a:lnSpc>
-              <a:buNone/>
-            </a:pPr>
-            <a:endParaRPr lang="en-US" sz="600" dirty="0">
-              <a:latin typeface="Calibri"/>
-              <a:cs typeface="Calibri"/>
-            </a:endParaRPr>
-          </a:p>
-          <a:p>
-            <a:pPr marL="857205" lvl="2" indent="0">
-              <a:lnSpc>
-                <a:spcPct val="80000"/>
-              </a:lnSpc>
-              <a:buNone/>
-            </a:pPr>
-            <a:r>
-              <a:rPr lang="en-US" sz="1800" dirty="0">
-                <a:latin typeface="Calibri"/>
-                <a:cs typeface="Calibri"/>
-              </a:rPr>
-              <a:t>Action nodes: Cannot have parents, act as observed evidence</a:t>
-            </a:r>
-          </a:p>
-          <a:p>
-            <a:pPr marL="2743063" lvl="6" indent="0">
-              <a:lnSpc>
-                <a:spcPct val="80000"/>
-              </a:lnSpc>
-              <a:buNone/>
-            </a:pPr>
-            <a:endParaRPr lang="en-US" sz="600" dirty="0">
-              <a:latin typeface="Calibri"/>
-              <a:cs typeface="Calibri"/>
-            </a:endParaRPr>
-          </a:p>
-          <a:p>
-            <a:pPr marL="2743063" lvl="6" indent="0">
-              <a:lnSpc>
-                <a:spcPct val="80000"/>
-              </a:lnSpc>
-              <a:buNone/>
-            </a:pPr>
-            <a:endParaRPr lang="en-US" sz="600" dirty="0">
-              <a:latin typeface="Calibri"/>
-              <a:cs typeface="Calibri"/>
-            </a:endParaRPr>
-          </a:p>
-          <a:p>
-            <a:pPr marL="857205" lvl="2" indent="0">
-              <a:lnSpc>
-                <a:spcPct val="80000"/>
-              </a:lnSpc>
-              <a:buNone/>
-            </a:pPr>
-            <a:r>
-              <a:rPr lang="en-US" sz="1800" dirty="0">
-                <a:latin typeface="Calibri"/>
-                <a:cs typeface="Calibri"/>
-              </a:rPr>
-              <a:t>Utility node: Depends on action and chance nodes</a:t>
-            </a:r>
-          </a:p>
-        </p:txBody>
-      </p:sp>
-    </p:spTree>
-    <p:extLst>
-      <p:ext uri="{BB962C8B-B14F-4D97-AF65-F5344CB8AC3E}">
-        <p14:creationId xmlns:p14="http://schemas.microsoft.com/office/powerpoint/2010/main" val="3695185531"/>
-      </p:ext>
-    </p:extLst>
-  </p:cSld>
-  <p:clrMapOvr>
-    <a:masterClrMapping/>
-  </p:clrMapOvr>
-</p:sld>
-</file>
-
-<file path=ppt/slides/slide11.xml><?xml version="1.0" encoding="utf-8"?>
 <p:sld xmlns:a="http://schemas.openxmlformats.org/drawingml/2006/main" xmlns:r="http://schemas.openxmlformats.org/officeDocument/2006/relationships" xmlns:p="http://schemas.openxmlformats.org/presentationml/2006/main">
   <p:cSld>
     <p:spTree>
@@ -20146,7 +18919,7 @@
 </p:sld>
 </file>
 
-<file path=ppt/slides/slide12.xml><?xml version="1.0" encoding="utf-8"?>
+<file path=ppt/slides/slide11.xml><?xml version="1.0" encoding="utf-8"?>
 <p:sld xmlns:a="http://schemas.openxmlformats.org/drawingml/2006/main" xmlns:r="http://schemas.openxmlformats.org/officeDocument/2006/relationships" xmlns:p="http://schemas.openxmlformats.org/presentationml/2006/main">
   <p:cSld>
     <p:spTree>
@@ -23500,7 +22273,7 @@
 </p:sld>
 </file>
 
-<file path=ppt/slides/slide13.xml><?xml version="1.0" encoding="utf-8"?>
+<file path=ppt/slides/slide12.xml><?xml version="1.0" encoding="utf-8"?>
 <p:sld xmlns:a="http://schemas.openxmlformats.org/drawingml/2006/main" xmlns:r="http://schemas.openxmlformats.org/officeDocument/2006/relationships" xmlns:p="http://schemas.openxmlformats.org/presentationml/2006/main">
   <p:cSld>
     <p:spTree>
@@ -30194,7 +28967,7 @@
 </p:sld>
 </file>
 
-<file path=ppt/slides/slide14.xml><?xml version="1.0" encoding="utf-8"?>
+<file path=ppt/slides/slide13.xml><?xml version="1.0" encoding="utf-8"?>
 <p:sld xmlns:a="http://schemas.openxmlformats.org/drawingml/2006/main" xmlns:r="http://schemas.openxmlformats.org/officeDocument/2006/relationships" xmlns:p="http://schemas.openxmlformats.org/presentationml/2006/main">
   <p:cSld>
     <p:spTree>
@@ -33861,7 +32634,7 @@
 </p:sld>
 </file>
 
-<file path=ppt/slides/slide15.xml><?xml version="1.0" encoding="utf-8"?>
+<file path=ppt/slides/slide14.xml><?xml version="1.0" encoding="utf-8"?>
 <p:sld xmlns:a="http://schemas.openxmlformats.org/drawingml/2006/main" xmlns:r="http://schemas.openxmlformats.org/officeDocument/2006/relationships" xmlns:p="http://schemas.openxmlformats.org/presentationml/2006/main">
   <p:cSld>
     <p:bg>
@@ -36014,7 +34787,7 @@
                 </a14:m>
                 <a:r>
                   <a:rPr lang="en-US" sz="1800" dirty="0"/>
-                  <a:t> will get us to state s’</a:t>
+                  <a:t> will get us to a future state s’</a:t>
                 </a:r>
                 <a:br>
                   <a:rPr lang="en-US" sz="1800" dirty="0"/>
@@ -36555,8 +35328,8 @@
             </p:blipFill>
             <p:spPr>
               <a:xfrm>
-                <a:off x="8389860" y="1174282"/>
-                <a:ext cx="2040555" cy="2040555"/>
+                <a:off x="9002179" y="1699910"/>
+                <a:ext cx="1555744" cy="1555744"/>
               </a:xfrm>
               <a:prstGeom prst="rect">
                 <a:avLst/>
@@ -36634,8 +35407,8 @@
           </p:blipFill>
           <p:spPr>
             <a:xfrm>
-              <a:off x="8581443" y="1191499"/>
-              <a:ext cx="1885574" cy="1885574"/>
+              <a:off x="9192157" y="1705881"/>
+              <a:ext cx="1484047" cy="1484047"/>
             </a:xfrm>
             <a:prstGeom prst="rect">
               <a:avLst/>
@@ -36643,6 +35416,110 @@
           </p:spPr>
         </p:pic>
       </p:grpSp>
+      <mc:AlternateContent xmlns:mc="http://schemas.openxmlformats.org/markup-compatibility/2006">
+        <mc:Choice xmlns:a14="http://schemas.microsoft.com/office/drawing/2010/main" Requires="a14">
+          <p:sp>
+            <p:nvSpPr>
+              <p:cNvPr id="4" name="TextBox 3">
+                <a:extLst>
+                  <a:ext uri="{FF2B5EF4-FFF2-40B4-BE49-F238E27FC236}">
+                    <a16:creationId xmlns:a16="http://schemas.microsoft.com/office/drawing/2014/main" id="{2E63E59B-E665-0112-770E-27E00CF9D727}"/>
+                  </a:ext>
+                </a:extLst>
+              </p:cNvPr>
+              <p:cNvSpPr txBox="1"/>
+              <p:nvPr/>
+            </p:nvSpPr>
+            <p:spPr>
+              <a:xfrm>
+                <a:off x="8073186" y="1317833"/>
+                <a:ext cx="2194062" cy="646331"/>
+              </a:xfrm>
+              <a:prstGeom prst="rect">
+                <a:avLst/>
+              </a:prstGeom>
+              <a:noFill/>
+            </p:spPr>
+            <p:txBody>
+              <a:bodyPr wrap="none" rtlCol="0">
+                <a:spAutoFit/>
+              </a:bodyPr>
+              <a:lstStyle/>
+              <a:p>
+                <a:r>
+                  <a:rPr lang="en-US" dirty="0"/>
+                  <a:t>If I do action </a:t>
+                </a:r>
+                <a14:m>
+                  <m:oMath xmlns:m="http://schemas.openxmlformats.org/officeDocument/2006/math">
+                    <m:r>
+                      <a:rPr lang="en-US" i="1" dirty="0" smtClean="0">
+                        <a:latin typeface="Cambria Math" panose="02040503050406030204" pitchFamily="18" charset="0"/>
+                      </a:rPr>
+                      <m:t>𝑎</m:t>
+                    </m:r>
+                  </m:oMath>
+                </a14:m>
+                <a:r>
+                  <a:rPr lang="en-US" dirty="0"/>
+                  <a:t> then I </a:t>
+                </a:r>
+                <a:br>
+                  <a:rPr lang="en-US" dirty="0"/>
+                </a:br>
+                <a:r>
+                  <a:rPr lang="en-US" dirty="0"/>
+                  <a:t>will have later </a:t>
+                </a:r>
+              </a:p>
+            </p:txBody>
+          </p:sp>
+        </mc:Choice>
+        <mc:Fallback>
+          <p:sp>
+            <p:nvSpPr>
+              <p:cNvPr id="4" name="TextBox 3">
+                <a:extLst>
+                  <a:ext uri="{FF2B5EF4-FFF2-40B4-BE49-F238E27FC236}">
+                    <a16:creationId xmlns:a16="http://schemas.microsoft.com/office/drawing/2014/main" id="{2E63E59B-E665-0112-770E-27E00CF9D727}"/>
+                  </a:ext>
+                </a:extLst>
+              </p:cNvPr>
+              <p:cNvSpPr txBox="1">
+                <a:spLocks noRot="1" noChangeAspect="1" noMove="1" noResize="1" noEditPoints="1" noAdjustHandles="1" noChangeArrowheads="1" noChangeShapeType="1" noTextEdit="1"/>
+              </p:cNvSpPr>
+              <p:nvPr/>
+            </p:nvSpPr>
+            <p:spPr>
+              <a:xfrm>
+                <a:off x="8073186" y="1317833"/>
+                <a:ext cx="2194062" cy="646331"/>
+              </a:xfrm>
+              <a:prstGeom prst="rect">
+                <a:avLst/>
+              </a:prstGeom>
+              <a:blipFill>
+                <a:blip r:embed="rId9"/>
+                <a:stretch>
+                  <a:fillRect l="-2222" t="-4717" r="-1667" b="-14151"/>
+                </a:stretch>
+              </a:blipFill>
+            </p:spPr>
+            <p:txBody>
+              <a:bodyPr/>
+              <a:lstStyle/>
+              <a:p>
+                <a:r>
+                  <a:rPr lang="en-US">
+                    <a:noFill/>
+                  </a:rPr>
+                  <a:t> </a:t>
+                </a:r>
+              </a:p>
+            </p:txBody>
+          </p:sp>
+        </mc:Fallback>
+      </mc:AlternateContent>
     </p:spTree>
     <p:extLst>
       <p:ext uri="{BB962C8B-B14F-4D97-AF65-F5344CB8AC3E}">
@@ -37056,8 +35933,8 @@
           </a:p>
         </p:txBody>
       </p:sp>
-      <mc:AlternateContent xmlns:mc="http://schemas.openxmlformats.org/markup-compatibility/2006">
-        <mc:Choice xmlns:a14="http://schemas.microsoft.com/office/drawing/2010/main" Requires="a14">
+      <mc:AlternateContent xmlns:mc="http://schemas.openxmlformats.org/markup-compatibility/2006" xmlns:a14="http://schemas.microsoft.com/office/drawing/2010/main">
+        <mc:Choice Requires="a14">
           <p:sp>
             <p:nvSpPr>
               <p:cNvPr id="3" name="Content Placeholder 2">
@@ -37653,7 +36530,7 @@
             </p:txBody>
           </p:sp>
         </mc:Choice>
-        <mc:Fallback>
+        <mc:Fallback xmlns="">
           <p:sp>
             <p:nvSpPr>
               <p:cNvPr id="3" name="Content Placeholder 2">
@@ -37977,96 +36854,6 @@
 </file>
 
 <file path=ppt/slides/slide7.xml><?xml version="1.0" encoding="utf-8"?>
-<p:sld xmlns:a="http://schemas.openxmlformats.org/drawingml/2006/main" xmlns:r="http://schemas.openxmlformats.org/officeDocument/2006/relationships" xmlns:p="http://schemas.openxmlformats.org/presentationml/2006/main" show="0">
-  <p:cSld>
-    <p:spTree>
-      <p:nvGrpSpPr>
-        <p:cNvPr id="1" name=""/>
-        <p:cNvGrpSpPr/>
-        <p:nvPr/>
-      </p:nvGrpSpPr>
-      <p:grpSpPr>
-        <a:xfrm>
-          <a:off x="0" y="0"/>
-          <a:ext cx="0" cy="0"/>
-          <a:chOff x="0" y="0"/>
-          <a:chExt cx="0" cy="0"/>
-        </a:xfrm>
-      </p:grpSpPr>
-      <p:sp>
-        <p:nvSpPr>
-          <p:cNvPr id="2" name="Title 1">
-            <a:extLst>
-              <a:ext uri="{FF2B5EF4-FFF2-40B4-BE49-F238E27FC236}">
-                <a16:creationId xmlns:a16="http://schemas.microsoft.com/office/drawing/2014/main" id="{FE7F4B50-EDE7-4F5C-B03D-FB4C6A46E07C}"/>
-              </a:ext>
-            </a:extLst>
-          </p:cNvPr>
-          <p:cNvSpPr>
-            <a:spLocks noGrp="1"/>
-          </p:cNvSpPr>
-          <p:nvPr>
-            <p:ph type="title"/>
-          </p:nvPr>
-        </p:nvSpPr>
-        <p:spPr/>
-        <p:txBody>
-          <a:bodyPr/>
-          <a:lstStyle/>
-          <a:p>
-            <a:r>
-              <a:rPr lang="en-US" dirty="0"/>
-              <a:t>Multi-attribute Utility Theory</a:t>
-            </a:r>
-          </a:p>
-        </p:txBody>
-      </p:sp>
-      <p:pic>
-        <p:nvPicPr>
-          <p:cNvPr id="4" name="Content Placeholder 3">
-            <a:extLst>
-              <a:ext uri="{FF2B5EF4-FFF2-40B4-BE49-F238E27FC236}">
-                <a16:creationId xmlns:a16="http://schemas.microsoft.com/office/drawing/2014/main" id="{50DC377C-68A5-4913-B0FB-778B22D2F2FD}"/>
-              </a:ext>
-            </a:extLst>
-          </p:cNvPr>
-          <p:cNvPicPr>
-            <a:picLocks noGrp="1" noChangeAspect="1"/>
-          </p:cNvPicPr>
-          <p:nvPr>
-            <p:ph idx="1"/>
-          </p:nvPr>
-        </p:nvPicPr>
-        <p:blipFill>
-          <a:blip r:embed="rId2"/>
-          <a:stretch>
-            <a:fillRect/>
-          </a:stretch>
-        </p:blipFill>
-        <p:spPr>
-          <a:xfrm>
-            <a:off x="1453142" y="1806498"/>
-            <a:ext cx="9482200" cy="4686377"/>
-          </a:xfrm>
-          <a:prstGeom prst="rect">
-            <a:avLst/>
-          </a:prstGeom>
-        </p:spPr>
-      </p:pic>
-    </p:spTree>
-    <p:extLst>
-      <p:ext uri="{BB962C8B-B14F-4D97-AF65-F5344CB8AC3E}">
-        <p14:creationId xmlns:p14="http://schemas.microsoft.com/office/powerpoint/2010/main" val="626004359"/>
-      </p:ext>
-    </p:extLst>
-  </p:cSld>
-  <p:clrMapOvr>
-    <a:masterClrMapping/>
-  </p:clrMapOvr>
-</p:sld>
-</file>
-
-<file path=ppt/slides/slide8.xml><?xml version="1.0" encoding="utf-8"?>
 <p:sld xmlns:a="http://schemas.openxmlformats.org/drawingml/2006/main" xmlns:r="http://schemas.openxmlformats.org/officeDocument/2006/relationships" xmlns:p="http://schemas.openxmlformats.org/presentationml/2006/main">
   <p:cSld>
     <p:bg>
@@ -38440,7 +37227,7 @@
 </p:sld>
 </file>
 
-<file path=ppt/slides/slide9.xml><?xml version="1.0" encoding="utf-8"?>
+<file path=ppt/slides/slide8.xml><?xml version="1.0" encoding="utf-8"?>
 <p:sld xmlns:a="http://schemas.openxmlformats.org/drawingml/2006/main" xmlns:r="http://schemas.openxmlformats.org/officeDocument/2006/relationships" xmlns:p="http://schemas.openxmlformats.org/presentationml/2006/main">
   <p:cSld>
     <p:spTree>
@@ -39331,6 +38118,1232 @@
 </p:sld>
 </file>
 
+<file path=ppt/slides/slide9.xml><?xml version="1.0" encoding="utf-8"?>
+<p:sld xmlns:a="http://schemas.openxmlformats.org/drawingml/2006/main" xmlns:r="http://schemas.openxmlformats.org/officeDocument/2006/relationships" xmlns:p="http://schemas.openxmlformats.org/presentationml/2006/main">
+  <p:cSld>
+    <p:spTree>
+      <p:nvGrpSpPr>
+        <p:cNvPr id="1" name=""/>
+        <p:cNvGrpSpPr/>
+        <p:nvPr/>
+      </p:nvGrpSpPr>
+      <p:grpSpPr>
+        <a:xfrm>
+          <a:off x="0" y="0"/>
+          <a:ext cx="0" cy="0"/>
+          <a:chOff x="0" y="0"/>
+          <a:chExt cx="0" cy="0"/>
+        </a:xfrm>
+      </p:grpSpPr>
+      <p:sp>
+        <p:nvSpPr>
+          <p:cNvPr id="17409" name="Rectangle 2"/>
+          <p:cNvSpPr>
+            <a:spLocks noGrp="1" noChangeArrowheads="1"/>
+          </p:cNvSpPr>
+          <p:nvPr>
+            <p:ph type="title"/>
+          </p:nvPr>
+        </p:nvSpPr>
+        <p:spPr/>
+        <p:txBody>
+          <a:bodyPr/>
+          <a:lstStyle/>
+          <a:p>
+            <a:r>
+              <a:rPr lang="en-US" dirty="0">
+                <a:latin typeface="Calibri"/>
+                <a:ea typeface="ＭＳ Ｐゴシック" pitchFamily="34" charset="-128"/>
+                <a:cs typeface="Calibri"/>
+              </a:rPr>
+              <a:t>Decision Networks</a:t>
+            </a:r>
+          </a:p>
+        </p:txBody>
+      </p:sp>
+      <p:grpSp>
+        <p:nvGrpSpPr>
+          <p:cNvPr id="2" name="Group 1">
+            <a:extLst>
+              <a:ext uri="{FF2B5EF4-FFF2-40B4-BE49-F238E27FC236}">
+                <a16:creationId xmlns:a16="http://schemas.microsoft.com/office/drawing/2014/main" id="{DBA2A2C3-9375-E35C-880F-0C6881BED107}"/>
+              </a:ext>
+            </a:extLst>
+          </p:cNvPr>
+          <p:cNvGrpSpPr/>
+          <p:nvPr/>
+        </p:nvGrpSpPr>
+        <p:grpSpPr>
+          <a:xfrm>
+            <a:off x="7290782" y="1769082"/>
+            <a:ext cx="3124200" cy="3810000"/>
+            <a:chOff x="7724275" y="2343757"/>
+            <a:chExt cx="3124200" cy="3810000"/>
+          </a:xfrm>
+        </p:grpSpPr>
+        <p:cxnSp>
+          <p:nvCxnSpPr>
+            <p:cNvPr id="17411" name="AutoShape 4"/>
+            <p:cNvCxnSpPr>
+              <a:cxnSpLocks noChangeShapeType="1"/>
+              <a:stCxn id="17412" idx="4"/>
+              <a:endCxn id="17413" idx="0"/>
+            </p:cNvCxnSpPr>
+            <p:nvPr/>
+          </p:nvCxnSpPr>
+          <p:spPr bwMode="auto">
+            <a:xfrm>
+              <a:off x="8335463" y="4415445"/>
+              <a:ext cx="0" cy="1149350"/>
+            </a:xfrm>
+            <a:prstGeom prst="straightConnector1">
+              <a:avLst/>
+            </a:prstGeom>
+            <a:noFill/>
+            <a:ln w="28575">
+              <a:solidFill>
+                <a:schemeClr val="tx1"/>
+              </a:solidFill>
+              <a:round/>
+              <a:headEnd/>
+              <a:tailEnd type="triangle" w="lg" len="lg"/>
+            </a:ln>
+            <a:extLst>
+              <a:ext uri="{909E8E84-426E-40DD-AFC4-6F175D3DCCD1}">
+                <a14:hiddenFill xmlns:a14="http://schemas.microsoft.com/office/drawing/2010/main">
+                  <a:noFill/>
+                </a14:hiddenFill>
+              </a:ext>
+            </a:extLst>
+          </p:spPr>
+        </p:cxnSp>
+        <p:sp>
+          <p:nvSpPr>
+            <p:cNvPr id="17412" name="Oval 5"/>
+            <p:cNvSpPr>
+              <a:spLocks noChangeArrowheads="1"/>
+            </p:cNvSpPr>
+            <p:nvPr/>
+          </p:nvSpPr>
+          <p:spPr bwMode="auto">
+            <a:xfrm>
+              <a:off x="7724275" y="3826482"/>
+              <a:ext cx="1222375" cy="574675"/>
+            </a:xfrm>
+            <a:prstGeom prst="ellipse">
+              <a:avLst/>
+            </a:prstGeom>
+            <a:solidFill>
+              <a:schemeClr val="bg1"/>
+            </a:solidFill>
+            <a:ln w="28575">
+              <a:solidFill>
+                <a:schemeClr val="tx1"/>
+              </a:solidFill>
+              <a:round/>
+              <a:headEnd/>
+              <a:tailEnd/>
+            </a:ln>
+          </p:spPr>
+          <p:txBody>
+            <a:bodyPr wrap="none" anchor="ctr"/>
+            <a:lstStyle/>
+            <a:p>
+              <a:pPr algn="ctr"/>
+              <a:r>
+                <a:rPr lang="en-US">
+                  <a:latin typeface="Calibri"/>
+                  <a:cs typeface="Calibri"/>
+                </a:rPr>
+                <a:t>Weather</a:t>
+              </a:r>
+            </a:p>
+          </p:txBody>
+        </p:sp>
+        <p:sp>
+          <p:nvSpPr>
+            <p:cNvPr id="17413" name="Oval 6"/>
+            <p:cNvSpPr>
+              <a:spLocks noChangeArrowheads="1"/>
+            </p:cNvSpPr>
+            <p:nvPr/>
+          </p:nvSpPr>
+          <p:spPr bwMode="auto">
+            <a:xfrm>
+              <a:off x="7724275" y="5579082"/>
+              <a:ext cx="1222375" cy="574675"/>
+            </a:xfrm>
+            <a:prstGeom prst="ellipse">
+              <a:avLst/>
+            </a:prstGeom>
+            <a:solidFill>
+              <a:schemeClr val="bg1"/>
+            </a:solidFill>
+            <a:ln w="28575">
+              <a:solidFill>
+                <a:schemeClr val="tx1"/>
+              </a:solidFill>
+              <a:round/>
+              <a:headEnd/>
+              <a:tailEnd/>
+            </a:ln>
+          </p:spPr>
+          <p:txBody>
+            <a:bodyPr wrap="none" anchor="ctr"/>
+            <a:lstStyle/>
+            <a:p>
+              <a:pPr algn="ctr" rtl="1"/>
+              <a:r>
+                <a:rPr lang="en-US" dirty="0">
+                  <a:latin typeface="Calibri"/>
+                  <a:cs typeface="Calibri"/>
+                </a:rPr>
+                <a:t>Forecast</a:t>
+              </a:r>
+            </a:p>
+          </p:txBody>
+        </p:sp>
+        <p:sp>
+          <p:nvSpPr>
+            <p:cNvPr id="17414" name="Rectangle 7"/>
+            <p:cNvSpPr>
+              <a:spLocks noChangeArrowheads="1"/>
+            </p:cNvSpPr>
+            <p:nvPr/>
+          </p:nvSpPr>
+          <p:spPr bwMode="auto">
+            <a:xfrm>
+              <a:off x="7800475" y="2343757"/>
+              <a:ext cx="1143000" cy="533400"/>
+            </a:xfrm>
+            <a:prstGeom prst="rect">
+              <a:avLst/>
+            </a:prstGeom>
+            <a:solidFill>
+              <a:schemeClr val="bg1"/>
+            </a:solidFill>
+            <a:ln w="28575">
+              <a:solidFill>
+                <a:schemeClr val="tx1"/>
+              </a:solidFill>
+              <a:miter lim="800000"/>
+              <a:headEnd/>
+              <a:tailEnd/>
+            </a:ln>
+          </p:spPr>
+          <p:txBody>
+            <a:bodyPr wrap="none" anchor="ctr"/>
+            <a:lstStyle/>
+            <a:p>
+              <a:pPr algn="ctr"/>
+              <a:r>
+                <a:rPr lang="en-US" dirty="0">
+                  <a:latin typeface="Calibri"/>
+                  <a:cs typeface="Calibri"/>
+                </a:rPr>
+                <a:t>Umbrella</a:t>
+              </a:r>
+            </a:p>
+          </p:txBody>
+        </p:sp>
+        <p:grpSp>
+          <p:nvGrpSpPr>
+            <p:cNvPr id="17415" name="Group 8"/>
+            <p:cNvGrpSpPr>
+              <a:grpSpLocks/>
+            </p:cNvGrpSpPr>
+            <p:nvPr/>
+          </p:nvGrpSpPr>
+          <p:grpSpPr bwMode="auto">
+            <a:xfrm>
+              <a:off x="10010275" y="3105757"/>
+              <a:ext cx="838200" cy="533400"/>
+              <a:chOff x="4368" y="1728"/>
+              <a:chExt cx="528" cy="336"/>
+            </a:xfrm>
+          </p:grpSpPr>
+          <p:sp>
+            <p:nvSpPr>
+              <p:cNvPr id="17422" name="Freeform 9"/>
+              <p:cNvSpPr>
+                <a:spLocks/>
+              </p:cNvSpPr>
+              <p:nvPr/>
+            </p:nvSpPr>
+            <p:spPr bwMode="auto">
+              <a:xfrm>
+                <a:off x="4368" y="1728"/>
+                <a:ext cx="528" cy="336"/>
+              </a:xfrm>
+              <a:custGeom>
+                <a:avLst/>
+                <a:gdLst>
+                  <a:gd name="T0" fmla="*/ 16 w 783"/>
+                  <a:gd name="T1" fmla="*/ 0 h 288"/>
+                  <a:gd name="T2" fmla="*/ 0 w 783"/>
+                  <a:gd name="T3" fmla="*/ 496 h 288"/>
+                  <a:gd name="T4" fmla="*/ 16 w 783"/>
+                  <a:gd name="T5" fmla="*/ 988 h 288"/>
+                  <a:gd name="T6" fmla="*/ 34 w 783"/>
+                  <a:gd name="T7" fmla="*/ 484 h 288"/>
+                  <a:gd name="T8" fmla="*/ 16 w 783"/>
+                  <a:gd name="T9" fmla="*/ 0 h 288"/>
+                  <a:gd name="T10" fmla="*/ 0 60000 65536"/>
+                  <a:gd name="T11" fmla="*/ 0 60000 65536"/>
+                  <a:gd name="T12" fmla="*/ 0 60000 65536"/>
+                  <a:gd name="T13" fmla="*/ 0 60000 65536"/>
+                  <a:gd name="T14" fmla="*/ 0 60000 65536"/>
+                  <a:gd name="T15" fmla="*/ 0 w 783"/>
+                  <a:gd name="T16" fmla="*/ 0 h 288"/>
+                  <a:gd name="T17" fmla="*/ 783 w 783"/>
+                  <a:gd name="T18" fmla="*/ 288 h 288"/>
+                </a:gdLst>
+                <a:ahLst/>
+                <a:cxnLst>
+                  <a:cxn ang="T10">
+                    <a:pos x="T0" y="T1"/>
+                  </a:cxn>
+                  <a:cxn ang="T11">
+                    <a:pos x="T2" y="T3"/>
+                  </a:cxn>
+                  <a:cxn ang="T12">
+                    <a:pos x="T4" y="T5"/>
+                  </a:cxn>
+                  <a:cxn ang="T13">
+                    <a:pos x="T6" y="T7"/>
+                  </a:cxn>
+                  <a:cxn ang="T14">
+                    <a:pos x="T8" y="T9"/>
+                  </a:cxn>
+                </a:cxnLst>
+                <a:rect l="T15" t="T16" r="T17" b="T18"/>
+                <a:pathLst>
+                  <a:path w="783" h="288">
+                    <a:moveTo>
+                      <a:pt x="384" y="0"/>
+                    </a:moveTo>
+                    <a:lnTo>
+                      <a:pt x="0" y="144"/>
+                    </a:lnTo>
+                    <a:lnTo>
+                      <a:pt x="384" y="288"/>
+                    </a:lnTo>
+                    <a:lnTo>
+                      <a:pt x="783" y="141"/>
+                    </a:lnTo>
+                    <a:lnTo>
+                      <a:pt x="384" y="0"/>
+                    </a:lnTo>
+                    <a:close/>
+                  </a:path>
+                </a:pathLst>
+              </a:custGeom>
+              <a:solidFill>
+                <a:schemeClr val="bg1"/>
+              </a:solidFill>
+              <a:ln w="28575">
+                <a:solidFill>
+                  <a:schemeClr val="tx1"/>
+                </a:solidFill>
+                <a:round/>
+                <a:headEnd/>
+                <a:tailEnd/>
+              </a:ln>
+            </p:spPr>
+            <p:txBody>
+              <a:bodyPr/>
+              <a:lstStyle/>
+              <a:p>
+                <a:endParaRPr lang="en-US">
+                  <a:latin typeface="Calibri"/>
+                  <a:cs typeface="Calibri"/>
+                </a:endParaRPr>
+              </a:p>
+            </p:txBody>
+          </p:sp>
+          <p:sp>
+            <p:nvSpPr>
+              <p:cNvPr id="17423" name="Text Box 10"/>
+              <p:cNvSpPr txBox="1">
+                <a:spLocks noChangeArrowheads="1"/>
+              </p:cNvSpPr>
+              <p:nvPr/>
+            </p:nvSpPr>
+            <p:spPr bwMode="auto">
+              <a:xfrm>
+                <a:off x="4512" y="1776"/>
+                <a:ext cx="240" cy="231"/>
+              </a:xfrm>
+              <a:prstGeom prst="rect">
+                <a:avLst/>
+              </a:prstGeom>
+              <a:noFill/>
+              <a:ln>
+                <a:noFill/>
+              </a:ln>
+              <a:extLst>
+                <a:ext uri="{909E8E84-426E-40DD-AFC4-6F175D3DCCD1}">
+                  <a14:hiddenFill xmlns:a14="http://schemas.microsoft.com/office/drawing/2010/main">
+                    <a:solidFill>
+                      <a:srgbClr val="FFFFFF"/>
+                    </a:solidFill>
+                  </a14:hiddenFill>
+                </a:ext>
+                <a:ext uri="{91240B29-F687-4F45-9708-019B960494DF}">
+                  <a14:hiddenLine xmlns:a14="http://schemas.microsoft.com/office/drawing/2010/main" w="9525">
+                    <a:solidFill>
+                      <a:srgbClr val="000000"/>
+                    </a:solidFill>
+                    <a:miter lim="800000"/>
+                    <a:headEnd/>
+                    <a:tailEnd/>
+                  </a14:hiddenLine>
+                </a:ext>
+              </a:extLst>
+            </p:spPr>
+            <p:txBody>
+              <a:bodyPr>
+                <a:spAutoFit/>
+              </a:bodyPr>
+              <a:lstStyle>
+                <a:lvl1pPr eaLnBrk="0" hangingPunct="0">
+                  <a:defRPr sz="2400">
+                    <a:solidFill>
+                      <a:schemeClr val="tx1"/>
+                    </a:solidFill>
+                    <a:latin typeface="Arial" pitchFamily="34" charset="0"/>
+                    <a:ea typeface="ＭＳ Ｐゴシック" pitchFamily="34" charset="-128"/>
+                  </a:defRPr>
+                </a:lvl1pPr>
+                <a:lvl2pPr marL="742950" indent="-285750" eaLnBrk="0" hangingPunct="0">
+                  <a:defRPr sz="2400">
+                    <a:solidFill>
+                      <a:schemeClr val="tx1"/>
+                    </a:solidFill>
+                    <a:latin typeface="Arial" pitchFamily="34" charset="0"/>
+                    <a:ea typeface="ＭＳ Ｐゴシック" pitchFamily="34" charset="-128"/>
+                  </a:defRPr>
+                </a:lvl2pPr>
+                <a:lvl3pPr marL="1143000" indent="-228600" eaLnBrk="0" hangingPunct="0">
+                  <a:defRPr sz="2400">
+                    <a:solidFill>
+                      <a:schemeClr val="tx1"/>
+                    </a:solidFill>
+                    <a:latin typeface="Arial" pitchFamily="34" charset="0"/>
+                    <a:ea typeface="ＭＳ Ｐゴシック" pitchFamily="34" charset="-128"/>
+                  </a:defRPr>
+                </a:lvl3pPr>
+                <a:lvl4pPr marL="1600200" indent="-228600" eaLnBrk="0" hangingPunct="0">
+                  <a:defRPr sz="2400">
+                    <a:solidFill>
+                      <a:schemeClr val="tx1"/>
+                    </a:solidFill>
+                    <a:latin typeface="Arial" pitchFamily="34" charset="0"/>
+                    <a:ea typeface="ＭＳ Ｐゴシック" pitchFamily="34" charset="-128"/>
+                  </a:defRPr>
+                </a:lvl4pPr>
+                <a:lvl5pPr marL="2057400" indent="-228600" eaLnBrk="0" hangingPunct="0">
+                  <a:defRPr sz="2400">
+                    <a:solidFill>
+                      <a:schemeClr val="tx1"/>
+                    </a:solidFill>
+                    <a:latin typeface="Arial" pitchFamily="34" charset="0"/>
+                    <a:ea typeface="ＭＳ Ｐゴシック" pitchFamily="34" charset="-128"/>
+                  </a:defRPr>
+                </a:lvl5pPr>
+                <a:lvl6pPr marL="2514600" indent="-228600" eaLnBrk="0" fontAlgn="base" hangingPunct="0">
+                  <a:spcBef>
+                    <a:spcPct val="0"/>
+                  </a:spcBef>
+                  <a:spcAft>
+                    <a:spcPct val="0"/>
+                  </a:spcAft>
+                  <a:defRPr sz="2400">
+                    <a:solidFill>
+                      <a:schemeClr val="tx1"/>
+                    </a:solidFill>
+                    <a:latin typeface="Arial" pitchFamily="34" charset="0"/>
+                    <a:ea typeface="ＭＳ Ｐゴシック" pitchFamily="34" charset="-128"/>
+                  </a:defRPr>
+                </a:lvl6pPr>
+                <a:lvl7pPr marL="2971800" indent="-228600" eaLnBrk="0" fontAlgn="base" hangingPunct="0">
+                  <a:spcBef>
+                    <a:spcPct val="0"/>
+                  </a:spcBef>
+                  <a:spcAft>
+                    <a:spcPct val="0"/>
+                  </a:spcAft>
+                  <a:defRPr sz="2400">
+                    <a:solidFill>
+                      <a:schemeClr val="tx1"/>
+                    </a:solidFill>
+                    <a:latin typeface="Arial" pitchFamily="34" charset="0"/>
+                    <a:ea typeface="ＭＳ Ｐゴシック" pitchFamily="34" charset="-128"/>
+                  </a:defRPr>
+                </a:lvl7pPr>
+                <a:lvl8pPr marL="3429000" indent="-228600" eaLnBrk="0" fontAlgn="base" hangingPunct="0">
+                  <a:spcBef>
+                    <a:spcPct val="0"/>
+                  </a:spcBef>
+                  <a:spcAft>
+                    <a:spcPct val="0"/>
+                  </a:spcAft>
+                  <a:defRPr sz="2400">
+                    <a:solidFill>
+                      <a:schemeClr val="tx1"/>
+                    </a:solidFill>
+                    <a:latin typeface="Arial" pitchFamily="34" charset="0"/>
+                    <a:ea typeface="ＭＳ Ｐゴシック" pitchFamily="34" charset="-128"/>
+                  </a:defRPr>
+                </a:lvl8pPr>
+                <a:lvl9pPr marL="3886200" indent="-228600" eaLnBrk="0" fontAlgn="base" hangingPunct="0">
+                  <a:spcBef>
+                    <a:spcPct val="0"/>
+                  </a:spcBef>
+                  <a:spcAft>
+                    <a:spcPct val="0"/>
+                  </a:spcAft>
+                  <a:defRPr sz="2400">
+                    <a:solidFill>
+                      <a:schemeClr val="tx1"/>
+                    </a:solidFill>
+                    <a:latin typeface="Arial" pitchFamily="34" charset="0"/>
+                    <a:ea typeface="ＭＳ Ｐゴシック" pitchFamily="34" charset="-128"/>
+                  </a:defRPr>
+                </a:lvl9pPr>
+              </a:lstStyle>
+              <a:p>
+                <a:pPr eaLnBrk="1" hangingPunct="1">
+                  <a:spcBef>
+                    <a:spcPct val="50000"/>
+                  </a:spcBef>
+                </a:pPr>
+                <a:r>
+                  <a:rPr lang="en-US" sz="1800">
+                    <a:latin typeface="Calibri"/>
+                    <a:cs typeface="Calibri"/>
+                  </a:rPr>
+                  <a:t>U</a:t>
+                </a:r>
+              </a:p>
+            </p:txBody>
+          </p:sp>
+        </p:grpSp>
+        <p:cxnSp>
+          <p:nvCxnSpPr>
+            <p:cNvPr id="17416" name="AutoShape 11"/>
+            <p:cNvCxnSpPr>
+              <a:cxnSpLocks noChangeShapeType="1"/>
+              <a:stCxn id="17414" idx="3"/>
+              <a:endCxn id="17422" idx="1"/>
+            </p:cNvCxnSpPr>
+            <p:nvPr/>
+          </p:nvCxnSpPr>
+          <p:spPr bwMode="auto">
+            <a:xfrm>
+              <a:off x="8957763" y="2610457"/>
+              <a:ext cx="1038225" cy="762000"/>
+            </a:xfrm>
+            <a:prstGeom prst="straightConnector1">
+              <a:avLst/>
+            </a:prstGeom>
+            <a:noFill/>
+            <a:ln w="28575">
+              <a:solidFill>
+                <a:schemeClr val="tx1"/>
+              </a:solidFill>
+              <a:round/>
+              <a:headEnd/>
+              <a:tailEnd type="triangle" w="lg" len="lg"/>
+            </a:ln>
+            <a:extLst>
+              <a:ext uri="{909E8E84-426E-40DD-AFC4-6F175D3DCCD1}">
+                <a14:hiddenFill xmlns:a14="http://schemas.microsoft.com/office/drawing/2010/main">
+                  <a:noFill/>
+                </a14:hiddenFill>
+              </a:ext>
+            </a:extLst>
+          </p:spPr>
+        </p:cxnSp>
+        <p:cxnSp>
+          <p:nvCxnSpPr>
+            <p:cNvPr id="17417" name="AutoShape 12"/>
+            <p:cNvCxnSpPr>
+              <a:cxnSpLocks noChangeShapeType="1"/>
+              <a:stCxn id="17412" idx="6"/>
+              <a:endCxn id="17422" idx="1"/>
+            </p:cNvCxnSpPr>
+            <p:nvPr/>
+          </p:nvCxnSpPr>
+          <p:spPr bwMode="auto">
+            <a:xfrm flipV="1">
+              <a:off x="8960938" y="3372457"/>
+              <a:ext cx="1035050" cy="741363"/>
+            </a:xfrm>
+            <a:prstGeom prst="straightConnector1">
+              <a:avLst/>
+            </a:prstGeom>
+            <a:noFill/>
+            <a:ln w="28575">
+              <a:solidFill>
+                <a:schemeClr val="tx1"/>
+              </a:solidFill>
+              <a:round/>
+              <a:headEnd/>
+              <a:tailEnd type="triangle" w="lg" len="lg"/>
+            </a:ln>
+            <a:extLst>
+              <a:ext uri="{909E8E84-426E-40DD-AFC4-6F175D3DCCD1}">
+                <a14:hiddenFill xmlns:a14="http://schemas.microsoft.com/office/drawing/2010/main">
+                  <a:noFill/>
+                </a14:hiddenFill>
+              </a:ext>
+            </a:extLst>
+          </p:spPr>
+        </p:cxnSp>
+      </p:grpSp>
+      <p:sp>
+        <p:nvSpPr>
+          <p:cNvPr id="14" name="Oval 5"/>
+          <p:cNvSpPr>
+            <a:spLocks noChangeArrowheads="1"/>
+          </p:cNvSpPr>
+          <p:nvPr/>
+        </p:nvSpPr>
+        <p:spPr bwMode="auto">
+          <a:xfrm>
+            <a:off x="1109049" y="4301611"/>
+            <a:ext cx="609600" cy="304800"/>
+          </a:xfrm>
+          <a:prstGeom prst="ellipse">
+            <a:avLst/>
+          </a:prstGeom>
+          <a:solidFill>
+            <a:schemeClr val="bg1"/>
+          </a:solidFill>
+          <a:ln w="28575">
+            <a:solidFill>
+              <a:schemeClr val="tx1"/>
+            </a:solidFill>
+            <a:round/>
+            <a:headEnd/>
+            <a:tailEnd/>
+          </a:ln>
+        </p:spPr>
+        <p:txBody>
+          <a:bodyPr wrap="none" anchor="ctr"/>
+          <a:lstStyle/>
+          <a:p>
+            <a:pPr algn="ctr"/>
+            <a:endParaRPr lang="en-US">
+              <a:latin typeface="Calibri"/>
+              <a:cs typeface="Calibri"/>
+            </a:endParaRPr>
+          </a:p>
+        </p:txBody>
+      </p:sp>
+      <p:sp>
+        <p:nvSpPr>
+          <p:cNvPr id="15" name="Rectangle 7"/>
+          <p:cNvSpPr>
+            <a:spLocks noChangeArrowheads="1"/>
+          </p:cNvSpPr>
+          <p:nvPr/>
+        </p:nvSpPr>
+        <p:spPr bwMode="auto">
+          <a:xfrm>
+            <a:off x="1147149" y="4926082"/>
+            <a:ext cx="533400" cy="228600"/>
+          </a:xfrm>
+          <a:prstGeom prst="rect">
+            <a:avLst/>
+          </a:prstGeom>
+          <a:solidFill>
+            <a:schemeClr val="bg1"/>
+          </a:solidFill>
+          <a:ln w="28575">
+            <a:solidFill>
+              <a:schemeClr val="tx1"/>
+            </a:solidFill>
+            <a:miter lim="800000"/>
+            <a:headEnd/>
+            <a:tailEnd/>
+          </a:ln>
+        </p:spPr>
+        <p:txBody>
+          <a:bodyPr wrap="none" anchor="ctr"/>
+          <a:lstStyle/>
+          <a:p>
+            <a:pPr algn="ctr"/>
+            <a:endParaRPr lang="en-US">
+              <a:latin typeface="Calibri"/>
+              <a:cs typeface="Calibri"/>
+            </a:endParaRPr>
+          </a:p>
+        </p:txBody>
+      </p:sp>
+      <p:sp>
+        <p:nvSpPr>
+          <p:cNvPr id="17" name="Freeform 9"/>
+          <p:cNvSpPr>
+            <a:spLocks/>
+          </p:cNvSpPr>
+          <p:nvPr/>
+        </p:nvSpPr>
+        <p:spPr bwMode="auto">
+          <a:xfrm>
+            <a:off x="1109049" y="5512090"/>
+            <a:ext cx="609600" cy="304800"/>
+          </a:xfrm>
+          <a:custGeom>
+            <a:avLst/>
+            <a:gdLst>
+              <a:gd name="T0" fmla="*/ 21821033 w 783"/>
+              <a:gd name="T1" fmla="*/ 0 h 288"/>
+              <a:gd name="T2" fmla="*/ 0 w 783"/>
+              <a:gd name="T3" fmla="*/ 407704925 h 288"/>
+              <a:gd name="T4" fmla="*/ 21821033 w 783"/>
+              <a:gd name="T5" fmla="*/ 813170417 h 288"/>
+              <a:gd name="T6" fmla="*/ 44853480 w 783"/>
+              <a:gd name="T7" fmla="*/ 398745075 h 288"/>
+              <a:gd name="T8" fmla="*/ 21821033 w 783"/>
+              <a:gd name="T9" fmla="*/ 0 h 288"/>
+              <a:gd name="T10" fmla="*/ 0 60000 65536"/>
+              <a:gd name="T11" fmla="*/ 0 60000 65536"/>
+              <a:gd name="T12" fmla="*/ 0 60000 65536"/>
+              <a:gd name="T13" fmla="*/ 0 60000 65536"/>
+              <a:gd name="T14" fmla="*/ 0 60000 65536"/>
+              <a:gd name="T15" fmla="*/ 0 w 783"/>
+              <a:gd name="T16" fmla="*/ 0 h 288"/>
+              <a:gd name="T17" fmla="*/ 783 w 783"/>
+              <a:gd name="T18" fmla="*/ 288 h 288"/>
+            </a:gdLst>
+            <a:ahLst/>
+            <a:cxnLst>
+              <a:cxn ang="T10">
+                <a:pos x="T0" y="T1"/>
+              </a:cxn>
+              <a:cxn ang="T11">
+                <a:pos x="T2" y="T3"/>
+              </a:cxn>
+              <a:cxn ang="T12">
+                <a:pos x="T4" y="T5"/>
+              </a:cxn>
+              <a:cxn ang="T13">
+                <a:pos x="T6" y="T7"/>
+              </a:cxn>
+              <a:cxn ang="T14">
+                <a:pos x="T8" y="T9"/>
+              </a:cxn>
+            </a:cxnLst>
+            <a:rect l="T15" t="T16" r="T17" b="T18"/>
+            <a:pathLst>
+              <a:path w="783" h="288">
+                <a:moveTo>
+                  <a:pt x="384" y="0"/>
+                </a:moveTo>
+                <a:lnTo>
+                  <a:pt x="0" y="144"/>
+                </a:lnTo>
+                <a:lnTo>
+                  <a:pt x="384" y="288"/>
+                </a:lnTo>
+                <a:lnTo>
+                  <a:pt x="783" y="141"/>
+                </a:lnTo>
+                <a:lnTo>
+                  <a:pt x="384" y="0"/>
+                </a:lnTo>
+                <a:close/>
+              </a:path>
+            </a:pathLst>
+          </a:custGeom>
+          <a:solidFill>
+            <a:schemeClr val="bg1"/>
+          </a:solidFill>
+          <a:ln w="28575">
+            <a:solidFill>
+              <a:schemeClr val="tx1"/>
+            </a:solidFill>
+            <a:round/>
+            <a:headEnd/>
+            <a:tailEnd/>
+          </a:ln>
+        </p:spPr>
+        <p:txBody>
+          <a:bodyPr/>
+          <a:lstStyle/>
+          <a:p>
+            <a:endParaRPr lang="en-US">
+              <a:latin typeface="Calibri"/>
+              <a:cs typeface="Calibri"/>
+            </a:endParaRPr>
+          </a:p>
+        </p:txBody>
+      </p:sp>
+      <p:sp>
+        <p:nvSpPr>
+          <p:cNvPr id="18" name="Rectangle 3"/>
+          <p:cNvSpPr txBox="1">
+            <a:spLocks noChangeArrowheads="1"/>
+          </p:cNvSpPr>
+          <p:nvPr/>
+        </p:nvSpPr>
+        <p:spPr bwMode="auto">
+          <a:xfrm>
+            <a:off x="919480" y="1653988"/>
+            <a:ext cx="4800600" cy="4373563"/>
+          </a:xfrm>
+          <a:prstGeom prst="rect">
+            <a:avLst/>
+          </a:prstGeom>
+          <a:noFill/>
+          <a:ln w="9525">
+            <a:noFill/>
+            <a:miter lim="800000"/>
+            <a:headEnd/>
+            <a:tailEnd/>
+          </a:ln>
+        </p:spPr>
+        <p:txBody>
+          <a:bodyPr vert="horz" wrap="square" lIns="91436" tIns="45718" rIns="91436" bIns="45718" numCol="1" anchor="t" anchorCtr="0" compatLnSpc="1">
+            <a:prstTxWarp prst="textNoShape">
+              <a:avLst/>
+            </a:prstTxWarp>
+          </a:bodyPr>
+          <a:lstStyle>
+            <a:lvl1pPr marL="342882" indent="-342882" algn="l" rtl="0" eaLnBrk="1" fontAlgn="base" hangingPunct="1">
+              <a:spcBef>
+                <a:spcPct val="20000"/>
+              </a:spcBef>
+              <a:spcAft>
+                <a:spcPct val="0"/>
+              </a:spcAft>
+              <a:buClr>
+                <a:schemeClr val="accent2"/>
+              </a:buClr>
+              <a:buFont typeface="Wingdings" pitchFamily="2" charset="2"/>
+              <a:buChar char="§"/>
+              <a:defRPr sz="3200">
+                <a:solidFill>
+                  <a:schemeClr val="accent2"/>
+                </a:solidFill>
+                <a:latin typeface="Calibri" pitchFamily="34" charset="0"/>
+                <a:ea typeface="+mn-ea"/>
+                <a:cs typeface="+mn-cs"/>
+              </a:defRPr>
+            </a:lvl1pPr>
+            <a:lvl2pPr marL="742913" indent="-285737" algn="l" rtl="0" eaLnBrk="1" fontAlgn="base" hangingPunct="1">
+              <a:spcBef>
+                <a:spcPct val="20000"/>
+              </a:spcBef>
+              <a:spcAft>
+                <a:spcPct val="0"/>
+              </a:spcAft>
+              <a:buClr>
+                <a:schemeClr val="tx1"/>
+              </a:buClr>
+              <a:buFont typeface="Wingdings" pitchFamily="2" charset="2"/>
+              <a:buChar char="§"/>
+              <a:defRPr sz="2800">
+                <a:solidFill>
+                  <a:schemeClr val="tx1"/>
+                </a:solidFill>
+                <a:latin typeface="Calibri" pitchFamily="34" charset="0"/>
+              </a:defRPr>
+            </a:lvl2pPr>
+            <a:lvl3pPr marL="1142942" indent="-228589" algn="l" rtl="0" eaLnBrk="1" fontAlgn="base" hangingPunct="1">
+              <a:spcBef>
+                <a:spcPct val="20000"/>
+              </a:spcBef>
+              <a:spcAft>
+                <a:spcPct val="0"/>
+              </a:spcAft>
+              <a:buClr>
+                <a:schemeClr val="accent2"/>
+              </a:buClr>
+              <a:buFont typeface="Wingdings" pitchFamily="2" charset="2"/>
+              <a:buChar char="§"/>
+              <a:defRPr sz="2400">
+                <a:solidFill>
+                  <a:schemeClr val="tx1"/>
+                </a:solidFill>
+                <a:latin typeface="Calibri" pitchFamily="34" charset="0"/>
+              </a:defRPr>
+            </a:lvl3pPr>
+            <a:lvl4pPr marL="1600120" indent="-228589" algn="l" rtl="0" eaLnBrk="1" fontAlgn="base" hangingPunct="1">
+              <a:spcBef>
+                <a:spcPct val="20000"/>
+              </a:spcBef>
+              <a:spcAft>
+                <a:spcPct val="0"/>
+              </a:spcAft>
+              <a:buClr>
+                <a:schemeClr val="tx1"/>
+              </a:buClr>
+              <a:buFont typeface="Wingdings" pitchFamily="2" charset="2"/>
+              <a:buChar char="§"/>
+              <a:defRPr sz="2000">
+                <a:solidFill>
+                  <a:schemeClr val="tx1"/>
+                </a:solidFill>
+                <a:latin typeface="Calibri" pitchFamily="34" charset="0"/>
+              </a:defRPr>
+            </a:lvl4pPr>
+            <a:lvl5pPr marL="2057298" indent="-228589" algn="l" rtl="0" eaLnBrk="1" fontAlgn="base" hangingPunct="1">
+              <a:spcBef>
+                <a:spcPct val="20000"/>
+              </a:spcBef>
+              <a:spcAft>
+                <a:spcPct val="0"/>
+              </a:spcAft>
+              <a:buClr>
+                <a:schemeClr val="accent2"/>
+              </a:buClr>
+              <a:buFont typeface="Wingdings" pitchFamily="2" charset="2"/>
+              <a:buChar char="§"/>
+              <a:defRPr sz="2000">
+                <a:solidFill>
+                  <a:schemeClr val="tx1"/>
+                </a:solidFill>
+                <a:latin typeface="Calibri" pitchFamily="34" charset="0"/>
+              </a:defRPr>
+            </a:lvl5pPr>
+            <a:lvl6pPr marL="2514474" indent="-228589" algn="l" rtl="0" eaLnBrk="1" fontAlgn="base" hangingPunct="1">
+              <a:spcBef>
+                <a:spcPct val="20000"/>
+              </a:spcBef>
+              <a:spcAft>
+                <a:spcPct val="0"/>
+              </a:spcAft>
+              <a:buClr>
+                <a:schemeClr val="accent2"/>
+              </a:buClr>
+              <a:buFont typeface="Wingdings" pitchFamily="2" charset="2"/>
+              <a:buChar char="§"/>
+              <a:defRPr sz="2000">
+                <a:solidFill>
+                  <a:schemeClr val="tx1"/>
+                </a:solidFill>
+                <a:latin typeface="+mn-lt"/>
+              </a:defRPr>
+            </a:lvl6pPr>
+            <a:lvl7pPr marL="2971652" indent="-228589" algn="l" rtl="0" eaLnBrk="1" fontAlgn="base" hangingPunct="1">
+              <a:spcBef>
+                <a:spcPct val="20000"/>
+              </a:spcBef>
+              <a:spcAft>
+                <a:spcPct val="0"/>
+              </a:spcAft>
+              <a:buClr>
+                <a:schemeClr val="accent2"/>
+              </a:buClr>
+              <a:buFont typeface="Wingdings" pitchFamily="2" charset="2"/>
+              <a:buChar char="§"/>
+              <a:defRPr sz="2000">
+                <a:solidFill>
+                  <a:schemeClr val="tx1"/>
+                </a:solidFill>
+                <a:latin typeface="+mn-lt"/>
+              </a:defRPr>
+            </a:lvl7pPr>
+            <a:lvl8pPr marL="3428829" indent="-228589" algn="l" rtl="0" eaLnBrk="1" fontAlgn="base" hangingPunct="1">
+              <a:spcBef>
+                <a:spcPct val="20000"/>
+              </a:spcBef>
+              <a:spcAft>
+                <a:spcPct val="0"/>
+              </a:spcAft>
+              <a:buClr>
+                <a:schemeClr val="accent2"/>
+              </a:buClr>
+              <a:buFont typeface="Wingdings" pitchFamily="2" charset="2"/>
+              <a:buChar char="§"/>
+              <a:defRPr sz="2000">
+                <a:solidFill>
+                  <a:schemeClr val="tx1"/>
+                </a:solidFill>
+                <a:latin typeface="+mn-lt"/>
+              </a:defRPr>
+            </a:lvl8pPr>
+            <a:lvl9pPr marL="3886006" indent="-228589" algn="l" rtl="0" eaLnBrk="1" fontAlgn="base" hangingPunct="1">
+              <a:spcBef>
+                <a:spcPct val="20000"/>
+              </a:spcBef>
+              <a:spcAft>
+                <a:spcPct val="0"/>
+              </a:spcAft>
+              <a:buClr>
+                <a:schemeClr val="accent2"/>
+              </a:buClr>
+              <a:buFont typeface="Wingdings" pitchFamily="2" charset="2"/>
+              <a:buChar char="§"/>
+              <a:defRPr sz="2000">
+                <a:solidFill>
+                  <a:schemeClr val="tx1"/>
+                </a:solidFill>
+                <a:latin typeface="+mn-lt"/>
+              </a:defRPr>
+            </a:lvl9pPr>
+          </a:lstStyle>
+          <a:p>
+            <a:pPr marL="0" indent="0">
+              <a:lnSpc>
+                <a:spcPct val="80000"/>
+              </a:lnSpc>
+              <a:buNone/>
+            </a:pPr>
+            <a:r>
+              <a:rPr lang="en-US" sz="2000" b="1" dirty="0">
+                <a:solidFill>
+                  <a:schemeClr val="tx1"/>
+                </a:solidFill>
+                <a:latin typeface="Calibri"/>
+                <a:ea typeface="ＭＳ Ｐゴシック" pitchFamily="34" charset="-128"/>
+                <a:cs typeface="Calibri"/>
+              </a:rPr>
+              <a:t>Decision networks</a:t>
+            </a:r>
+          </a:p>
+          <a:p>
+            <a:pPr lvl="3">
+              <a:lnSpc>
+                <a:spcPct val="80000"/>
+              </a:lnSpc>
+            </a:pPr>
+            <a:endParaRPr lang="en-US" sz="400" dirty="0">
+              <a:latin typeface="Calibri"/>
+              <a:cs typeface="Calibri"/>
+            </a:endParaRPr>
+          </a:p>
+          <a:p>
+            <a:pPr lvl="3">
+              <a:lnSpc>
+                <a:spcPct val="80000"/>
+              </a:lnSpc>
+            </a:pPr>
+            <a:endParaRPr lang="en-US" sz="400" dirty="0">
+              <a:latin typeface="Calibri"/>
+              <a:cs typeface="Calibri"/>
+            </a:endParaRPr>
+          </a:p>
+          <a:p>
+            <a:pPr lvl="1">
+              <a:lnSpc>
+                <a:spcPct val="80000"/>
+              </a:lnSpc>
+            </a:pPr>
+            <a:r>
+              <a:rPr lang="en-US" sz="1800" dirty="0">
+                <a:latin typeface="Calibri"/>
+                <a:cs typeface="Calibri"/>
+              </a:rPr>
+              <a:t>Bayes nets with additional nodes for utility and actions.</a:t>
+            </a:r>
+          </a:p>
+          <a:p>
+            <a:pPr lvl="1">
+              <a:lnSpc>
+                <a:spcPct val="80000"/>
+              </a:lnSpc>
+            </a:pPr>
+            <a:r>
+              <a:rPr lang="en-US" sz="1800" dirty="0">
+                <a:latin typeface="Calibri"/>
+                <a:cs typeface="Calibri"/>
+              </a:rPr>
+              <a:t>Allows to specify the joint probability in a compact way using independence.</a:t>
+            </a:r>
+          </a:p>
+          <a:p>
+            <a:pPr lvl="1">
+              <a:lnSpc>
+                <a:spcPct val="80000"/>
+              </a:lnSpc>
+            </a:pPr>
+            <a:r>
+              <a:rPr lang="en-US" sz="1800" dirty="0">
+                <a:latin typeface="Calibri"/>
+                <a:cs typeface="Calibri"/>
+              </a:rPr>
+              <a:t>Calculate the expected utility for each possible action and choose the best.</a:t>
+            </a:r>
+            <a:endParaRPr lang="en-US" sz="1000" dirty="0">
+              <a:latin typeface="Calibri"/>
+              <a:cs typeface="Calibri"/>
+            </a:endParaRPr>
+          </a:p>
+          <a:p>
+            <a:pPr lvl="2">
+              <a:lnSpc>
+                <a:spcPct val="80000"/>
+              </a:lnSpc>
+            </a:pPr>
+            <a:endParaRPr lang="en-US" sz="1400" dirty="0">
+              <a:latin typeface="Calibri"/>
+              <a:cs typeface="Calibri"/>
+            </a:endParaRPr>
+          </a:p>
+          <a:p>
+            <a:pPr marL="0" indent="0">
+              <a:lnSpc>
+                <a:spcPct val="80000"/>
+              </a:lnSpc>
+              <a:buNone/>
+            </a:pPr>
+            <a:r>
+              <a:rPr lang="en-US" sz="2000" b="1" dirty="0">
+                <a:solidFill>
+                  <a:schemeClr val="tx1"/>
+                </a:solidFill>
+                <a:latin typeface="Calibri"/>
+                <a:ea typeface="ＭＳ Ｐゴシック" pitchFamily="34" charset="-128"/>
+                <a:cs typeface="Calibri"/>
+              </a:rPr>
+              <a:t>Node types</a:t>
+            </a:r>
+          </a:p>
+          <a:p>
+            <a:pPr lvl="5">
+              <a:lnSpc>
+                <a:spcPct val="80000"/>
+              </a:lnSpc>
+            </a:pPr>
+            <a:endParaRPr lang="en-US" sz="400" dirty="0">
+              <a:latin typeface="Calibri"/>
+              <a:cs typeface="Calibri"/>
+            </a:endParaRPr>
+          </a:p>
+          <a:p>
+            <a:pPr lvl="5">
+              <a:lnSpc>
+                <a:spcPct val="80000"/>
+              </a:lnSpc>
+            </a:pPr>
+            <a:endParaRPr lang="en-US" sz="400" dirty="0">
+              <a:latin typeface="Calibri"/>
+              <a:cs typeface="Calibri"/>
+            </a:endParaRPr>
+          </a:p>
+          <a:p>
+            <a:pPr lvl="5">
+              <a:lnSpc>
+                <a:spcPct val="80000"/>
+              </a:lnSpc>
+            </a:pPr>
+            <a:endParaRPr lang="en-US" sz="400" dirty="0">
+              <a:latin typeface="Calibri"/>
+              <a:cs typeface="Calibri"/>
+            </a:endParaRPr>
+          </a:p>
+          <a:p>
+            <a:pPr marL="857205" lvl="2" indent="0">
+              <a:lnSpc>
+                <a:spcPct val="80000"/>
+              </a:lnSpc>
+              <a:buNone/>
+            </a:pPr>
+            <a:r>
+              <a:rPr lang="en-US" sz="1800" dirty="0">
+                <a:latin typeface="Calibri"/>
+                <a:cs typeface="Calibri"/>
+              </a:rPr>
+              <a:t>Chance nodes: Random variables in BNs</a:t>
+            </a:r>
+          </a:p>
+          <a:p>
+            <a:pPr marL="3200240" lvl="7" indent="0">
+              <a:lnSpc>
+                <a:spcPct val="80000"/>
+              </a:lnSpc>
+              <a:buNone/>
+            </a:pPr>
+            <a:endParaRPr lang="en-US" sz="600" dirty="0">
+              <a:latin typeface="Calibri"/>
+              <a:cs typeface="Calibri"/>
+            </a:endParaRPr>
+          </a:p>
+          <a:p>
+            <a:pPr marL="3200240" lvl="7" indent="0">
+              <a:lnSpc>
+                <a:spcPct val="80000"/>
+              </a:lnSpc>
+              <a:buNone/>
+            </a:pPr>
+            <a:endParaRPr lang="en-US" sz="600" dirty="0">
+              <a:latin typeface="Calibri"/>
+              <a:cs typeface="Calibri"/>
+            </a:endParaRPr>
+          </a:p>
+          <a:p>
+            <a:pPr marL="857205" lvl="2" indent="0">
+              <a:lnSpc>
+                <a:spcPct val="80000"/>
+              </a:lnSpc>
+              <a:buNone/>
+            </a:pPr>
+            <a:r>
+              <a:rPr lang="en-US" sz="1800" dirty="0">
+                <a:latin typeface="Calibri"/>
+                <a:cs typeface="Calibri"/>
+              </a:rPr>
+              <a:t>Action nodes: Cannot have parents, act as observed evidence</a:t>
+            </a:r>
+          </a:p>
+          <a:p>
+            <a:pPr marL="2743063" lvl="6" indent="0">
+              <a:lnSpc>
+                <a:spcPct val="80000"/>
+              </a:lnSpc>
+              <a:buNone/>
+            </a:pPr>
+            <a:endParaRPr lang="en-US" sz="600" dirty="0">
+              <a:latin typeface="Calibri"/>
+              <a:cs typeface="Calibri"/>
+            </a:endParaRPr>
+          </a:p>
+          <a:p>
+            <a:pPr marL="2743063" lvl="6" indent="0">
+              <a:lnSpc>
+                <a:spcPct val="80000"/>
+              </a:lnSpc>
+              <a:buNone/>
+            </a:pPr>
+            <a:endParaRPr lang="en-US" sz="600" dirty="0">
+              <a:latin typeface="Calibri"/>
+              <a:cs typeface="Calibri"/>
+            </a:endParaRPr>
+          </a:p>
+          <a:p>
+            <a:pPr marL="857205" lvl="2" indent="0">
+              <a:lnSpc>
+                <a:spcPct val="80000"/>
+              </a:lnSpc>
+              <a:buNone/>
+            </a:pPr>
+            <a:r>
+              <a:rPr lang="en-US" sz="1800" dirty="0">
+                <a:latin typeface="Calibri"/>
+                <a:cs typeface="Calibri"/>
+              </a:rPr>
+              <a:t>Utility node: Depends on action and chance nodes</a:t>
+            </a:r>
+          </a:p>
+        </p:txBody>
+      </p:sp>
+    </p:spTree>
+    <p:extLst>
+      <p:ext uri="{BB962C8B-B14F-4D97-AF65-F5344CB8AC3E}">
+        <p14:creationId xmlns:p14="http://schemas.microsoft.com/office/powerpoint/2010/main" val="3695185531"/>
+      </p:ext>
+    </p:extLst>
+  </p:cSld>
+  <p:clrMapOvr>
+    <a:masterClrMapping/>
+  </p:clrMapOvr>
+</p:sld>
+</file>
+
 <file path=ppt/tags/tag1.xml><?xml version="1.0" encoding="utf-8"?>
 <p:tagLst xmlns:a="http://schemas.openxmlformats.org/drawingml/2006/main" xmlns:r="http://schemas.openxmlformats.org/officeDocument/2006/relationships" xmlns:p="http://schemas.openxmlformats.org/presentationml/2006/main">
   <p:tag name="TEXPOINT" val="latex"/>

--- a/slides/16_decision_making.pptx
+++ b/slides/16_decision_making.pptx
@@ -9,8 +9,8 @@
   </p:notesMasterIdLst>
   <p:sldIdLst>
     <p:sldId id="256" r:id="rId2"/>
-    <p:sldId id="257" r:id="rId3"/>
-    <p:sldId id="258" r:id="rId4"/>
+    <p:sldId id="371" r:id="rId3"/>
+    <p:sldId id="372" r:id="rId4"/>
     <p:sldId id="367" r:id="rId5"/>
     <p:sldId id="369" r:id="rId6"/>
     <p:sldId id="260" r:id="rId7"/>
@@ -876,925 +876,6 @@
 </file>
 
 <file path=ppt/diagrams/colors2.xml><?xml version="1.0" encoding="utf-8"?>
-<dgm:colorsDef xmlns:dgm="http://schemas.openxmlformats.org/drawingml/2006/diagram" xmlns:a="http://schemas.openxmlformats.org/drawingml/2006/main" uniqueId="urn:microsoft.com/office/officeart/2005/8/colors/colorful1">
-  <dgm:title val=""/>
-  <dgm:desc val=""/>
-  <dgm:catLst>
-    <dgm:cat type="colorful" pri="10100"/>
-  </dgm:catLst>
-  <dgm:styleLbl name="node0">
-    <dgm:fillClrLst meth="repeat">
-      <a:schemeClr val="accent1"/>
-    </dgm:fillClrLst>
-    <dgm:linClrLst meth="repeat">
-      <a:schemeClr val="lt1"/>
-    </dgm:linClrLst>
-    <dgm:effectClrLst/>
-    <dgm:txLinClrLst/>
-    <dgm:txFillClrLst/>
-    <dgm:txEffectClrLst/>
-  </dgm:styleLbl>
-  <dgm:styleLbl name="node1">
-    <dgm:fillClrLst meth="repeat">
-      <a:schemeClr val="accent2"/>
-      <a:schemeClr val="accent3"/>
-      <a:schemeClr val="accent4"/>
-      <a:schemeClr val="accent5"/>
-      <a:schemeClr val="accent6"/>
-    </dgm:fillClrLst>
-    <dgm:linClrLst meth="repeat">
-      <a:schemeClr val="lt1"/>
-    </dgm:linClrLst>
-    <dgm:effectClrLst/>
-    <dgm:txLinClrLst/>
-    <dgm:txFillClrLst/>
-    <dgm:txEffectClrLst/>
-  </dgm:styleLbl>
-  <dgm:styleLbl name="alignNode1">
-    <dgm:fillClrLst meth="repeat">
-      <a:schemeClr val="accent2"/>
-      <a:schemeClr val="accent3"/>
-      <a:schemeClr val="accent4"/>
-      <a:schemeClr val="accent5"/>
-      <a:schemeClr val="accent6"/>
-    </dgm:fillClrLst>
-    <dgm:linClrLst meth="repeat">
-      <a:schemeClr val="accent2"/>
-      <a:schemeClr val="accent3"/>
-      <a:schemeClr val="accent4"/>
-      <a:schemeClr val="accent5"/>
-      <a:schemeClr val="accent6"/>
-    </dgm:linClrLst>
-    <dgm:effectClrLst/>
-    <dgm:txLinClrLst/>
-    <dgm:txFillClrLst/>
-    <dgm:txEffectClrLst/>
-  </dgm:styleLbl>
-  <dgm:styleLbl name="lnNode1">
-    <dgm:fillClrLst meth="repeat">
-      <a:schemeClr val="accent2"/>
-      <a:schemeClr val="accent3"/>
-      <a:schemeClr val="accent4"/>
-      <a:schemeClr val="accent5"/>
-      <a:schemeClr val="accent6"/>
-    </dgm:fillClrLst>
-    <dgm:linClrLst meth="repeat">
-      <a:schemeClr val="lt1"/>
-    </dgm:linClrLst>
-    <dgm:effectClrLst/>
-    <dgm:txLinClrLst/>
-    <dgm:txFillClrLst/>
-    <dgm:txEffectClrLst/>
-  </dgm:styleLbl>
-  <dgm:styleLbl name="vennNode1">
-    <dgm:fillClrLst meth="repeat">
-      <a:schemeClr val="accent2">
-        <a:alpha val="50000"/>
-      </a:schemeClr>
-      <a:schemeClr val="accent3">
-        <a:alpha val="50000"/>
-      </a:schemeClr>
-      <a:schemeClr val="accent4">
-        <a:alpha val="50000"/>
-      </a:schemeClr>
-      <a:schemeClr val="accent5">
-        <a:alpha val="50000"/>
-      </a:schemeClr>
-      <a:schemeClr val="accent6">
-        <a:alpha val="50000"/>
-      </a:schemeClr>
-    </dgm:fillClrLst>
-    <dgm:linClrLst meth="repeat">
-      <a:schemeClr val="lt1"/>
-    </dgm:linClrLst>
-    <dgm:effectClrLst/>
-    <dgm:txLinClrLst/>
-    <dgm:txFillClrLst/>
-    <dgm:txEffectClrLst/>
-  </dgm:styleLbl>
-  <dgm:styleLbl name="node2">
-    <dgm:fillClrLst>
-      <a:schemeClr val="accent2"/>
-    </dgm:fillClrLst>
-    <dgm:linClrLst meth="repeat">
-      <a:schemeClr val="lt1"/>
-    </dgm:linClrLst>
-    <dgm:effectClrLst/>
-    <dgm:txLinClrLst/>
-    <dgm:txFillClrLst/>
-    <dgm:txEffectClrLst/>
-  </dgm:styleLbl>
-  <dgm:styleLbl name="node3">
-    <dgm:fillClrLst>
-      <a:schemeClr val="accent3"/>
-    </dgm:fillClrLst>
-    <dgm:linClrLst meth="repeat">
-      <a:schemeClr val="lt1"/>
-    </dgm:linClrLst>
-    <dgm:effectClrLst/>
-    <dgm:txLinClrLst/>
-    <dgm:txFillClrLst/>
-    <dgm:txEffectClrLst/>
-  </dgm:styleLbl>
-  <dgm:styleLbl name="node4">
-    <dgm:fillClrLst>
-      <a:schemeClr val="accent4"/>
-    </dgm:fillClrLst>
-    <dgm:linClrLst meth="repeat">
-      <a:schemeClr val="lt1"/>
-    </dgm:linClrLst>
-    <dgm:effectClrLst/>
-    <dgm:txLinClrLst/>
-    <dgm:txFillClrLst/>
-    <dgm:txEffectClrLst/>
-  </dgm:styleLbl>
-  <dgm:styleLbl name="fgImgPlace1">
-    <dgm:fillClrLst meth="repeat">
-      <a:schemeClr val="accent2">
-        <a:tint val="50000"/>
-      </a:schemeClr>
-      <a:schemeClr val="accent3">
-        <a:tint val="50000"/>
-      </a:schemeClr>
-      <a:schemeClr val="accent4">
-        <a:tint val="50000"/>
-      </a:schemeClr>
-      <a:schemeClr val="accent5">
-        <a:tint val="50000"/>
-      </a:schemeClr>
-      <a:schemeClr val="accent6">
-        <a:tint val="50000"/>
-      </a:schemeClr>
-    </dgm:fillClrLst>
-    <dgm:linClrLst meth="repeat">
-      <a:schemeClr val="lt1"/>
-    </dgm:linClrLst>
-    <dgm:effectClrLst/>
-    <dgm:txLinClrLst/>
-    <dgm:txFillClrLst meth="repeat">
-      <a:schemeClr val="lt1"/>
-    </dgm:txFillClrLst>
-    <dgm:txEffectClrLst/>
-  </dgm:styleLbl>
-  <dgm:styleLbl name="alignImgPlace1">
-    <dgm:fillClrLst>
-      <a:schemeClr val="accent1">
-        <a:tint val="50000"/>
-      </a:schemeClr>
-      <a:schemeClr val="accent2">
-        <a:tint val="20000"/>
-      </a:schemeClr>
-    </dgm:fillClrLst>
-    <dgm:linClrLst meth="repeat">
-      <a:schemeClr val="lt1"/>
-    </dgm:linClrLst>
-    <dgm:effectClrLst/>
-    <dgm:txLinClrLst/>
-    <dgm:txFillClrLst meth="repeat">
-      <a:schemeClr val="lt1"/>
-    </dgm:txFillClrLst>
-    <dgm:txEffectClrLst/>
-  </dgm:styleLbl>
-  <dgm:styleLbl name="bgImgPlace1">
-    <dgm:fillClrLst>
-      <a:schemeClr val="accent1">
-        <a:tint val="50000"/>
-      </a:schemeClr>
-      <a:schemeClr val="accent2">
-        <a:tint val="20000"/>
-      </a:schemeClr>
-    </dgm:fillClrLst>
-    <dgm:linClrLst meth="repeat">
-      <a:schemeClr val="lt1"/>
-    </dgm:linClrLst>
-    <dgm:effectClrLst/>
-    <dgm:txLinClrLst/>
-    <dgm:txFillClrLst meth="repeat">
-      <a:schemeClr val="lt1"/>
-    </dgm:txFillClrLst>
-    <dgm:txEffectClrLst/>
-  </dgm:styleLbl>
-  <dgm:styleLbl name="sibTrans2D1">
-    <dgm:fillClrLst meth="repeat">
-      <a:schemeClr val="accent2"/>
-      <a:schemeClr val="accent3"/>
-      <a:schemeClr val="accent4"/>
-      <a:schemeClr val="accent5"/>
-      <a:schemeClr val="accent6"/>
-    </dgm:fillClrLst>
-    <dgm:linClrLst meth="cycle">
-      <a:schemeClr val="lt1"/>
-    </dgm:linClrLst>
-    <dgm:effectClrLst/>
-    <dgm:txLinClrLst/>
-    <dgm:txFillClrLst/>
-    <dgm:txEffectClrLst/>
-  </dgm:styleLbl>
-  <dgm:styleLbl name="fgSibTrans2D1">
-    <dgm:fillClrLst meth="repeat">
-      <a:schemeClr val="accent2"/>
-      <a:schemeClr val="accent3"/>
-      <a:schemeClr val="accent4"/>
-      <a:schemeClr val="accent5"/>
-      <a:schemeClr val="accent6"/>
-    </dgm:fillClrLst>
-    <dgm:linClrLst meth="cycle">
-      <a:schemeClr val="lt1"/>
-    </dgm:linClrLst>
-    <dgm:effectClrLst/>
-    <dgm:txLinClrLst/>
-    <dgm:txFillClrLst meth="repeat">
-      <a:schemeClr val="lt1"/>
-    </dgm:txFillClrLst>
-    <dgm:txEffectClrLst/>
-  </dgm:styleLbl>
-  <dgm:styleLbl name="bgSibTrans2D1">
-    <dgm:fillClrLst meth="repeat">
-      <a:schemeClr val="accent2"/>
-      <a:schemeClr val="accent3"/>
-      <a:schemeClr val="accent4"/>
-      <a:schemeClr val="accent5"/>
-      <a:schemeClr val="accent6"/>
-    </dgm:fillClrLst>
-    <dgm:linClrLst meth="cycle">
-      <a:schemeClr val="lt1"/>
-    </dgm:linClrLst>
-    <dgm:effectClrLst/>
-    <dgm:txLinClrLst/>
-    <dgm:txFillClrLst meth="repeat">
-      <a:schemeClr val="lt1"/>
-    </dgm:txFillClrLst>
-    <dgm:txEffectClrLst/>
-  </dgm:styleLbl>
-  <dgm:styleLbl name="sibTrans1D1">
-    <dgm:fillClrLst meth="repeat">
-      <a:schemeClr val="accent2"/>
-      <a:schemeClr val="accent3"/>
-      <a:schemeClr val="accent4"/>
-      <a:schemeClr val="accent5"/>
-      <a:schemeClr val="accent6"/>
-    </dgm:fillClrLst>
-    <dgm:linClrLst meth="repeat">
-      <a:schemeClr val="accent2"/>
-      <a:schemeClr val="accent3"/>
-      <a:schemeClr val="accent4"/>
-      <a:schemeClr val="accent5"/>
-      <a:schemeClr val="accent6"/>
-    </dgm:linClrLst>
-    <dgm:effectClrLst/>
-    <dgm:txLinClrLst/>
-    <dgm:txFillClrLst meth="repeat">
-      <a:schemeClr val="tx1"/>
-    </dgm:txFillClrLst>
-    <dgm:txEffectClrLst/>
-  </dgm:styleLbl>
-  <dgm:styleLbl name="callout">
-    <dgm:fillClrLst meth="repeat">
-      <a:schemeClr val="accent2"/>
-    </dgm:fillClrLst>
-    <dgm:linClrLst meth="repeat">
-      <a:schemeClr val="accent2">
-        <a:tint val="50000"/>
-      </a:schemeClr>
-    </dgm:linClrLst>
-    <dgm:effectClrLst/>
-    <dgm:txLinClrLst/>
-    <dgm:txFillClrLst meth="repeat">
-      <a:schemeClr val="tx1"/>
-    </dgm:txFillClrLst>
-    <dgm:txEffectClrLst/>
-  </dgm:styleLbl>
-  <dgm:styleLbl name="asst0">
-    <dgm:fillClrLst meth="repeat">
-      <a:schemeClr val="accent1"/>
-    </dgm:fillClrLst>
-    <dgm:linClrLst meth="repeat">
-      <a:schemeClr val="lt1"/>
-    </dgm:linClrLst>
-    <dgm:effectClrLst/>
-    <dgm:txLinClrLst/>
-    <dgm:txFillClrLst/>
-    <dgm:txEffectClrLst/>
-  </dgm:styleLbl>
-  <dgm:styleLbl name="asst1">
-    <dgm:fillClrLst meth="repeat">
-      <a:schemeClr val="accent2"/>
-    </dgm:fillClrLst>
-    <dgm:linClrLst meth="repeat">
-      <a:schemeClr val="lt1"/>
-    </dgm:linClrLst>
-    <dgm:effectClrLst/>
-    <dgm:txLinClrLst/>
-    <dgm:txFillClrLst/>
-    <dgm:txEffectClrLst/>
-  </dgm:styleLbl>
-  <dgm:styleLbl name="asst2">
-    <dgm:fillClrLst>
-      <a:schemeClr val="accent3"/>
-    </dgm:fillClrLst>
-    <dgm:linClrLst meth="repeat">
-      <a:schemeClr val="lt1"/>
-    </dgm:linClrLst>
-    <dgm:effectClrLst/>
-    <dgm:txLinClrLst/>
-    <dgm:txFillClrLst/>
-    <dgm:txEffectClrLst/>
-  </dgm:styleLbl>
-  <dgm:styleLbl name="asst3">
-    <dgm:fillClrLst>
-      <a:schemeClr val="accent4"/>
-    </dgm:fillClrLst>
-    <dgm:linClrLst meth="repeat">
-      <a:schemeClr val="lt1"/>
-    </dgm:linClrLst>
-    <dgm:effectClrLst/>
-    <dgm:txLinClrLst/>
-    <dgm:txFillClrLst/>
-    <dgm:txEffectClrLst/>
-  </dgm:styleLbl>
-  <dgm:styleLbl name="asst4">
-    <dgm:fillClrLst>
-      <a:schemeClr val="accent5"/>
-    </dgm:fillClrLst>
-    <dgm:linClrLst meth="repeat">
-      <a:schemeClr val="lt1"/>
-    </dgm:linClrLst>
-    <dgm:effectClrLst/>
-    <dgm:txLinClrLst/>
-    <dgm:txFillClrLst/>
-    <dgm:txEffectClrLst/>
-  </dgm:styleLbl>
-  <dgm:styleLbl name="parChTrans2D1">
-    <dgm:fillClrLst meth="repeat">
-      <a:schemeClr val="accent2"/>
-    </dgm:fillClrLst>
-    <dgm:linClrLst meth="repeat">
-      <a:schemeClr val="lt1"/>
-    </dgm:linClrLst>
-    <dgm:effectClrLst/>
-    <dgm:txLinClrLst/>
-    <dgm:txFillClrLst meth="repeat">
-      <a:schemeClr val="lt1"/>
-    </dgm:txFillClrLst>
-    <dgm:txEffectClrLst/>
-  </dgm:styleLbl>
-  <dgm:styleLbl name="parChTrans2D2">
-    <dgm:fillClrLst meth="repeat">
-      <a:schemeClr val="accent3"/>
-    </dgm:fillClrLst>
-    <dgm:linClrLst meth="repeat">
-      <a:schemeClr val="lt1"/>
-    </dgm:linClrLst>
-    <dgm:effectClrLst/>
-    <dgm:txLinClrLst/>
-    <dgm:txFillClrLst/>
-    <dgm:txEffectClrLst/>
-  </dgm:styleLbl>
-  <dgm:styleLbl name="parChTrans2D3">
-    <dgm:fillClrLst meth="repeat">
-      <a:schemeClr val="accent4"/>
-    </dgm:fillClrLst>
-    <dgm:linClrLst meth="repeat">
-      <a:schemeClr val="lt1"/>
-    </dgm:linClrLst>
-    <dgm:effectClrLst/>
-    <dgm:txLinClrLst/>
-    <dgm:txFillClrLst/>
-    <dgm:txEffectClrLst/>
-  </dgm:styleLbl>
-  <dgm:styleLbl name="parChTrans2D4">
-    <dgm:fillClrLst meth="repeat">
-      <a:schemeClr val="accent5"/>
-    </dgm:fillClrLst>
-    <dgm:linClrLst meth="repeat">
-      <a:schemeClr val="lt1"/>
-    </dgm:linClrLst>
-    <dgm:effectClrLst/>
-    <dgm:txLinClrLst/>
-    <dgm:txFillClrLst meth="repeat">
-      <a:schemeClr val="lt1"/>
-    </dgm:txFillClrLst>
-    <dgm:txEffectClrLst/>
-  </dgm:styleLbl>
-  <dgm:styleLbl name="parChTrans1D1">
-    <dgm:fillClrLst meth="repeat">
-      <a:schemeClr val="accent2"/>
-    </dgm:fillClrLst>
-    <dgm:linClrLst meth="repeat">
-      <a:schemeClr val="accent1"/>
-    </dgm:linClrLst>
-    <dgm:effectClrLst/>
-    <dgm:txLinClrLst/>
-    <dgm:txFillClrLst meth="repeat">
-      <a:schemeClr val="tx1"/>
-    </dgm:txFillClrLst>
-    <dgm:txEffectClrLst/>
-  </dgm:styleLbl>
-  <dgm:styleLbl name="parChTrans1D2">
-    <dgm:fillClrLst meth="repeat">
-      <a:schemeClr val="accent3">
-        <a:tint val="90000"/>
-      </a:schemeClr>
-    </dgm:fillClrLst>
-    <dgm:linClrLst meth="repeat">
-      <a:schemeClr val="accent2"/>
-    </dgm:linClrLst>
-    <dgm:effectClrLst/>
-    <dgm:txLinClrLst/>
-    <dgm:txFillClrLst meth="repeat">
-      <a:schemeClr val="tx1"/>
-    </dgm:txFillClrLst>
-    <dgm:txEffectClrLst/>
-  </dgm:styleLbl>
-  <dgm:styleLbl name="parChTrans1D3">
-    <dgm:fillClrLst meth="repeat">
-      <a:schemeClr val="accent4">
-        <a:tint val="70000"/>
-      </a:schemeClr>
-    </dgm:fillClrLst>
-    <dgm:linClrLst meth="repeat">
-      <a:schemeClr val="accent3"/>
-    </dgm:linClrLst>
-    <dgm:effectClrLst/>
-    <dgm:txLinClrLst/>
-    <dgm:txFillClrLst meth="repeat">
-      <a:schemeClr val="tx1"/>
-    </dgm:txFillClrLst>
-    <dgm:txEffectClrLst/>
-  </dgm:styleLbl>
-  <dgm:styleLbl name="parChTrans1D4">
-    <dgm:fillClrLst meth="repeat">
-      <a:schemeClr val="accent5">
-        <a:tint val="50000"/>
-      </a:schemeClr>
-    </dgm:fillClrLst>
-    <dgm:linClrLst meth="repeat">
-      <a:schemeClr val="accent4"/>
-    </dgm:linClrLst>
-    <dgm:effectClrLst/>
-    <dgm:txLinClrLst/>
-    <dgm:txFillClrLst meth="repeat">
-      <a:schemeClr val="tx1"/>
-    </dgm:txFillClrLst>
-    <dgm:txEffectClrLst/>
-  </dgm:styleLbl>
-  <dgm:styleLbl name="fgAcc1">
-    <dgm:fillClrLst meth="repeat">
-      <a:schemeClr val="lt1">
-        <a:alpha val="90000"/>
-      </a:schemeClr>
-    </dgm:fillClrLst>
-    <dgm:linClrLst meth="repeat">
-      <a:schemeClr val="accent2"/>
-      <a:schemeClr val="accent3"/>
-      <a:schemeClr val="accent4"/>
-      <a:schemeClr val="accent5"/>
-      <a:schemeClr val="accent6"/>
-    </dgm:linClrLst>
-    <dgm:effectClrLst/>
-    <dgm:txLinClrLst/>
-    <dgm:txFillClrLst meth="repeat">
-      <a:schemeClr val="dk1"/>
-    </dgm:txFillClrLst>
-    <dgm:txEffectClrLst/>
-  </dgm:styleLbl>
-  <dgm:styleLbl name="conFgAcc1">
-    <dgm:fillClrLst meth="repeat">
-      <a:schemeClr val="lt1">
-        <a:alpha val="90000"/>
-      </a:schemeClr>
-    </dgm:fillClrLst>
-    <dgm:linClrLst meth="repeat">
-      <a:schemeClr val="accent2"/>
-      <a:schemeClr val="accent3"/>
-      <a:schemeClr val="accent4"/>
-      <a:schemeClr val="accent5"/>
-      <a:schemeClr val="accent6"/>
-    </dgm:linClrLst>
-    <dgm:effectClrLst/>
-    <dgm:txLinClrLst/>
-    <dgm:txFillClrLst meth="repeat">
-      <a:schemeClr val="dk1"/>
-    </dgm:txFillClrLst>
-    <dgm:txEffectClrLst/>
-  </dgm:styleLbl>
-  <dgm:styleLbl name="alignAcc1">
-    <dgm:fillClrLst meth="repeat">
-      <a:schemeClr val="lt1">
-        <a:alpha val="90000"/>
-      </a:schemeClr>
-    </dgm:fillClrLst>
-    <dgm:linClrLst meth="repeat">
-      <a:schemeClr val="accent2"/>
-      <a:schemeClr val="accent3"/>
-      <a:schemeClr val="accent4"/>
-      <a:schemeClr val="accent5"/>
-      <a:schemeClr val="accent6"/>
-    </dgm:linClrLst>
-    <dgm:effectClrLst/>
-    <dgm:txLinClrLst/>
-    <dgm:txFillClrLst meth="repeat">
-      <a:schemeClr val="dk1"/>
-    </dgm:txFillClrLst>
-    <dgm:txEffectClrLst/>
-  </dgm:styleLbl>
-  <dgm:styleLbl name="trAlignAcc1">
-    <dgm:fillClrLst meth="repeat">
-      <a:schemeClr val="lt1">
-        <a:alpha val="40000"/>
-      </a:schemeClr>
-    </dgm:fillClrLst>
-    <dgm:linClrLst meth="repeat">
-      <a:schemeClr val="accent1"/>
-    </dgm:linClrLst>
-    <dgm:effectClrLst/>
-    <dgm:txLinClrLst/>
-    <dgm:txFillClrLst meth="repeat">
-      <a:schemeClr val="dk1"/>
-    </dgm:txFillClrLst>
-    <dgm:txEffectClrLst/>
-  </dgm:styleLbl>
-  <dgm:styleLbl name="bgAcc1">
-    <dgm:fillClrLst meth="repeat">
-      <a:schemeClr val="lt1">
-        <a:alpha val="90000"/>
-      </a:schemeClr>
-    </dgm:fillClrLst>
-    <dgm:linClrLst meth="repeat">
-      <a:schemeClr val="accent2"/>
-      <a:schemeClr val="accent3"/>
-      <a:schemeClr val="accent4"/>
-      <a:schemeClr val="accent5"/>
-      <a:schemeClr val="accent6"/>
-    </dgm:linClrLst>
-    <dgm:effectClrLst/>
-    <dgm:txLinClrLst/>
-    <dgm:txFillClrLst meth="repeat">
-      <a:schemeClr val="dk1"/>
-    </dgm:txFillClrLst>
-    <dgm:txEffectClrLst/>
-  </dgm:styleLbl>
-  <dgm:styleLbl name="solidFgAcc1">
-    <dgm:fillClrLst meth="repeat">
-      <a:schemeClr val="lt1"/>
-    </dgm:fillClrLst>
-    <dgm:linClrLst meth="repeat">
-      <a:schemeClr val="accent2"/>
-      <a:schemeClr val="accent3"/>
-      <a:schemeClr val="accent4"/>
-      <a:schemeClr val="accent5"/>
-      <a:schemeClr val="accent6"/>
-    </dgm:linClrLst>
-    <dgm:effectClrLst/>
-    <dgm:txLinClrLst/>
-    <dgm:txFillClrLst meth="repeat">
-      <a:schemeClr val="dk1"/>
-    </dgm:txFillClrLst>
-    <dgm:txEffectClrLst/>
-  </dgm:styleLbl>
-  <dgm:styleLbl name="solidAlignAcc1">
-    <dgm:fillClrLst meth="repeat">
-      <a:schemeClr val="lt1"/>
-    </dgm:fillClrLst>
-    <dgm:linClrLst meth="repeat">
-      <a:schemeClr val="accent2"/>
-      <a:schemeClr val="accent3"/>
-      <a:schemeClr val="accent4"/>
-      <a:schemeClr val="accent5"/>
-      <a:schemeClr val="accent6"/>
-    </dgm:linClrLst>
-    <dgm:effectClrLst/>
-    <dgm:txLinClrLst/>
-    <dgm:txFillClrLst meth="repeat">
-      <a:schemeClr val="dk1"/>
-    </dgm:txFillClrLst>
-    <dgm:txEffectClrLst/>
-  </dgm:styleLbl>
-  <dgm:styleLbl name="solidBgAcc1">
-    <dgm:fillClrLst meth="repeat">
-      <a:schemeClr val="lt1"/>
-    </dgm:fillClrLst>
-    <dgm:linClrLst meth="repeat">
-      <a:schemeClr val="accent2"/>
-      <a:schemeClr val="accent3"/>
-      <a:schemeClr val="accent4"/>
-      <a:schemeClr val="accent5"/>
-      <a:schemeClr val="accent6"/>
-    </dgm:linClrLst>
-    <dgm:effectClrLst/>
-    <dgm:txLinClrLst/>
-    <dgm:txFillClrLst meth="repeat">
-      <a:schemeClr val="dk1"/>
-    </dgm:txFillClrLst>
-    <dgm:txEffectClrLst/>
-  </dgm:styleLbl>
-  <dgm:styleLbl name="fgAccFollowNode1">
-    <dgm:fillClrLst meth="repeat">
-      <a:schemeClr val="accent2">
-        <a:tint val="40000"/>
-        <a:alpha val="90000"/>
-      </a:schemeClr>
-      <a:schemeClr val="accent3">
-        <a:tint val="40000"/>
-        <a:alpha val="90000"/>
-      </a:schemeClr>
-      <a:schemeClr val="accent4">
-        <a:tint val="40000"/>
-        <a:alpha val="90000"/>
-      </a:schemeClr>
-      <a:schemeClr val="accent5">
-        <a:tint val="40000"/>
-        <a:alpha val="90000"/>
-      </a:schemeClr>
-      <a:schemeClr val="accent6">
-        <a:tint val="40000"/>
-        <a:alpha val="90000"/>
-      </a:schemeClr>
-    </dgm:fillClrLst>
-    <dgm:linClrLst meth="repeat">
-      <a:schemeClr val="accent2">
-        <a:tint val="40000"/>
-        <a:alpha val="90000"/>
-      </a:schemeClr>
-      <a:schemeClr val="accent3">
-        <a:tint val="40000"/>
-        <a:alpha val="90000"/>
-      </a:schemeClr>
-      <a:schemeClr val="accent4">
-        <a:tint val="40000"/>
-        <a:alpha val="90000"/>
-      </a:schemeClr>
-      <a:schemeClr val="accent5">
-        <a:tint val="40000"/>
-        <a:alpha val="90000"/>
-      </a:schemeClr>
-      <a:schemeClr val="accent6">
-        <a:tint val="40000"/>
-        <a:alpha val="90000"/>
-      </a:schemeClr>
-    </dgm:linClrLst>
-    <dgm:effectClrLst/>
-    <dgm:txLinClrLst/>
-    <dgm:txFillClrLst meth="repeat">
-      <a:schemeClr val="dk1"/>
-    </dgm:txFillClrLst>
-    <dgm:txEffectClrLst/>
-  </dgm:styleLbl>
-  <dgm:styleLbl name="alignAccFollowNode1">
-    <dgm:fillClrLst meth="repeat">
-      <a:schemeClr val="accent2">
-        <a:tint val="40000"/>
-        <a:alpha val="90000"/>
-      </a:schemeClr>
-      <a:schemeClr val="accent3">
-        <a:tint val="40000"/>
-        <a:alpha val="90000"/>
-      </a:schemeClr>
-      <a:schemeClr val="accent4">
-        <a:tint val="40000"/>
-        <a:alpha val="90000"/>
-      </a:schemeClr>
-      <a:schemeClr val="accent5">
-        <a:tint val="40000"/>
-        <a:alpha val="90000"/>
-      </a:schemeClr>
-      <a:schemeClr val="accent6">
-        <a:tint val="40000"/>
-        <a:alpha val="90000"/>
-      </a:schemeClr>
-    </dgm:fillClrLst>
-    <dgm:linClrLst meth="repeat">
-      <a:schemeClr val="accent2">
-        <a:tint val="40000"/>
-        <a:alpha val="90000"/>
-      </a:schemeClr>
-      <a:schemeClr val="accent3">
-        <a:tint val="40000"/>
-        <a:alpha val="90000"/>
-      </a:schemeClr>
-      <a:schemeClr val="accent4">
-        <a:tint val="40000"/>
-        <a:alpha val="90000"/>
-      </a:schemeClr>
-      <a:schemeClr val="accent5">
-        <a:tint val="40000"/>
-        <a:alpha val="90000"/>
-      </a:schemeClr>
-      <a:schemeClr val="accent6">
-        <a:tint val="40000"/>
-        <a:alpha val="90000"/>
-      </a:schemeClr>
-    </dgm:linClrLst>
-    <dgm:effectClrLst/>
-    <dgm:txLinClrLst/>
-    <dgm:txFillClrLst meth="repeat">
-      <a:schemeClr val="dk1"/>
-    </dgm:txFillClrLst>
-    <dgm:txEffectClrLst/>
-  </dgm:styleLbl>
-  <dgm:styleLbl name="bgAccFollowNode1">
-    <dgm:fillClrLst meth="repeat">
-      <a:schemeClr val="accent2">
-        <a:tint val="40000"/>
-        <a:alpha val="90000"/>
-      </a:schemeClr>
-      <a:schemeClr val="accent3">
-        <a:tint val="40000"/>
-        <a:alpha val="90000"/>
-      </a:schemeClr>
-      <a:schemeClr val="accent4">
-        <a:tint val="40000"/>
-        <a:alpha val="90000"/>
-      </a:schemeClr>
-      <a:schemeClr val="accent5">
-        <a:tint val="40000"/>
-        <a:alpha val="90000"/>
-      </a:schemeClr>
-      <a:schemeClr val="accent6">
-        <a:tint val="40000"/>
-        <a:alpha val="90000"/>
-      </a:schemeClr>
-    </dgm:fillClrLst>
-    <dgm:linClrLst meth="repeat">
-      <a:schemeClr val="accent2">
-        <a:tint val="40000"/>
-        <a:alpha val="90000"/>
-      </a:schemeClr>
-      <a:schemeClr val="accent3">
-        <a:tint val="40000"/>
-        <a:alpha val="90000"/>
-      </a:schemeClr>
-      <a:schemeClr val="accent4">
-        <a:tint val="40000"/>
-        <a:alpha val="90000"/>
-      </a:schemeClr>
-      <a:schemeClr val="accent5">
-        <a:tint val="40000"/>
-        <a:alpha val="90000"/>
-      </a:schemeClr>
-      <a:schemeClr val="accent6">
-        <a:tint val="40000"/>
-        <a:alpha val="90000"/>
-      </a:schemeClr>
-    </dgm:linClrLst>
-    <dgm:effectClrLst/>
-    <dgm:txLinClrLst/>
-    <dgm:txFillClrLst meth="repeat">
-      <a:schemeClr val="dk1"/>
-    </dgm:txFillClrLst>
-    <dgm:txEffectClrLst/>
-  </dgm:styleLbl>
-  <dgm:styleLbl name="fgAcc0">
-    <dgm:fillClrLst meth="repeat">
-      <a:schemeClr val="lt1">
-        <a:alpha val="90000"/>
-      </a:schemeClr>
-    </dgm:fillClrLst>
-    <dgm:linClrLst>
-      <a:schemeClr val="accent1"/>
-    </dgm:linClrLst>
-    <dgm:effectClrLst/>
-    <dgm:txLinClrLst/>
-    <dgm:txFillClrLst meth="repeat">
-      <a:schemeClr val="dk1"/>
-    </dgm:txFillClrLst>
-    <dgm:txEffectClrLst/>
-  </dgm:styleLbl>
-  <dgm:styleLbl name="fgAcc2">
-    <dgm:fillClrLst meth="repeat">
-      <a:schemeClr val="lt1">
-        <a:alpha val="90000"/>
-      </a:schemeClr>
-    </dgm:fillClrLst>
-    <dgm:linClrLst>
-      <a:schemeClr val="accent2"/>
-    </dgm:linClrLst>
-    <dgm:effectClrLst/>
-    <dgm:txLinClrLst/>
-    <dgm:txFillClrLst meth="repeat">
-      <a:schemeClr val="dk1"/>
-    </dgm:txFillClrLst>
-    <dgm:txEffectClrLst/>
-  </dgm:styleLbl>
-  <dgm:styleLbl name="fgAcc3">
-    <dgm:fillClrLst meth="repeat">
-      <a:schemeClr val="lt1">
-        <a:alpha val="90000"/>
-      </a:schemeClr>
-    </dgm:fillClrLst>
-    <dgm:linClrLst>
-      <a:schemeClr val="accent3"/>
-    </dgm:linClrLst>
-    <dgm:effectClrLst/>
-    <dgm:txLinClrLst/>
-    <dgm:txFillClrLst meth="repeat">
-      <a:schemeClr val="dk1"/>
-    </dgm:txFillClrLst>
-    <dgm:txEffectClrLst/>
-  </dgm:styleLbl>
-  <dgm:styleLbl name="fgAcc4">
-    <dgm:fillClrLst meth="repeat">
-      <a:schemeClr val="lt1">
-        <a:alpha val="90000"/>
-      </a:schemeClr>
-    </dgm:fillClrLst>
-    <dgm:linClrLst>
-      <a:schemeClr val="accent4"/>
-    </dgm:linClrLst>
-    <dgm:effectClrLst/>
-    <dgm:txLinClrLst/>
-    <dgm:txFillClrLst meth="repeat">
-      <a:schemeClr val="dk1"/>
-    </dgm:txFillClrLst>
-    <dgm:txEffectClrLst/>
-  </dgm:styleLbl>
-  <dgm:styleLbl name="bgShp">
-    <dgm:fillClrLst meth="repeat">
-      <a:schemeClr val="accent2">
-        <a:tint val="40000"/>
-      </a:schemeClr>
-    </dgm:fillClrLst>
-    <dgm:linClrLst meth="repeat">
-      <a:schemeClr val="dk1"/>
-    </dgm:linClrLst>
-    <dgm:effectClrLst/>
-    <dgm:txLinClrLst/>
-    <dgm:txFillClrLst meth="repeat">
-      <a:schemeClr val="dk1"/>
-    </dgm:txFillClrLst>
-    <dgm:txEffectClrLst/>
-  </dgm:styleLbl>
-  <dgm:styleLbl name="dkBgShp">
-    <dgm:fillClrLst meth="repeat">
-      <a:schemeClr val="accent2">
-        <a:shade val="90000"/>
-      </a:schemeClr>
-    </dgm:fillClrLst>
-    <dgm:linClrLst meth="repeat">
-      <a:schemeClr val="dk1"/>
-    </dgm:linClrLst>
-    <dgm:effectClrLst/>
-    <dgm:txLinClrLst/>
-    <dgm:txFillClrLst meth="repeat">
-      <a:schemeClr val="lt1"/>
-    </dgm:txFillClrLst>
-    <dgm:txEffectClrLst/>
-  </dgm:styleLbl>
-  <dgm:styleLbl name="trBgShp">
-    <dgm:fillClrLst meth="repeat">
-      <a:schemeClr val="accent1">
-        <a:tint val="50000"/>
-        <a:alpha val="40000"/>
-      </a:schemeClr>
-    </dgm:fillClrLst>
-    <dgm:linClrLst meth="repeat">
-      <a:schemeClr val="accent2"/>
-    </dgm:linClrLst>
-    <dgm:effectClrLst/>
-    <dgm:txLinClrLst/>
-    <dgm:txFillClrLst meth="repeat">
-      <a:schemeClr val="lt1"/>
-    </dgm:txFillClrLst>
-    <dgm:txEffectClrLst/>
-  </dgm:styleLbl>
-  <dgm:styleLbl name="fgShp">
-    <dgm:fillClrLst meth="repeat">
-      <a:schemeClr val="accent2">
-        <a:tint val="40000"/>
-      </a:schemeClr>
-    </dgm:fillClrLst>
-    <dgm:linClrLst meth="repeat">
-      <a:schemeClr val="lt1"/>
-    </dgm:linClrLst>
-    <dgm:effectClrLst/>
-    <dgm:txLinClrLst/>
-    <dgm:txFillClrLst meth="repeat">
-      <a:schemeClr val="dk1"/>
-    </dgm:txFillClrLst>
-    <dgm:txEffectClrLst/>
-  </dgm:styleLbl>
-  <dgm:styleLbl name="revTx">
-    <dgm:fillClrLst meth="repeat">
-      <a:schemeClr val="lt1">
-        <a:alpha val="0"/>
-      </a:schemeClr>
-    </dgm:fillClrLst>
-    <dgm:linClrLst meth="repeat">
-      <a:schemeClr val="dk1">
-        <a:alpha val="0"/>
-      </a:schemeClr>
-    </dgm:linClrLst>
-    <dgm:effectClrLst/>
-    <dgm:txLinClrLst/>
-    <dgm:txFillClrLst meth="repeat">
-      <a:schemeClr val="tx1"/>
-    </dgm:txFillClrLst>
-    <dgm:txEffectClrLst/>
-  </dgm:styleLbl>
-</dgm:colorsDef>
-</file>
-
-<file path=ppt/diagrams/colors3.xml><?xml version="1.0" encoding="utf-8"?>
 <dgm:colorsDef xmlns:dgm="http://schemas.openxmlformats.org/drawingml/2006/diagram" xmlns:a="http://schemas.openxmlformats.org/drawingml/2006/main" uniqueId="urn:microsoft.com/office/officeart/2018/5/colors/Iconchunking_coloredtext_colorful1">
   <dgm:title val=""/>
   <dgm:desc val=""/>
@@ -2746,39 +1827,39 @@
         <a:p>
           <a:pPr algn="l"/>
           <a:r>
-            <a:rPr lang="en-US" sz="4000" dirty="0"/>
+            <a:rPr lang="en-US" sz="2400" dirty="0"/>
             <a:t>Decision theory = </a:t>
           </a:r>
           <a:br>
-            <a:rPr lang="en-US" sz="4000" dirty="0"/>
+            <a:rPr lang="en-US" sz="2400" dirty="0"/>
           </a:br>
           <a:r>
-            <a:rPr lang="en-US" sz="4000" dirty="0"/>
+            <a:rPr lang="en-US" sz="2400" dirty="0"/>
             <a:t>            Probability theory </a:t>
           </a:r>
           <a:r>
-            <a:rPr lang="en-US" sz="2000" dirty="0"/>
+            <a:rPr lang="en-US" sz="1200" dirty="0"/>
             <a:t>(evidence &amp; belief) </a:t>
           </a:r>
           <a:br>
-            <a:rPr lang="en-US" sz="4000" dirty="0"/>
+            <a:rPr lang="en-US" sz="2400" dirty="0"/>
           </a:br>
           <a:r>
-            <a:rPr lang="en-US" sz="4000" dirty="0"/>
+            <a:rPr lang="en-US" sz="2400" dirty="0"/>
             <a:t>                              +</a:t>
           </a:r>
           <a:br>
-            <a:rPr lang="en-US" sz="4000" dirty="0"/>
+            <a:rPr lang="en-US" sz="2400" dirty="0"/>
           </a:br>
           <a:r>
-            <a:rPr lang="en-US" sz="4000" dirty="0"/>
+            <a:rPr lang="en-US" sz="2400" dirty="0"/>
             <a:t>                   Utility theory   </a:t>
           </a:r>
           <a:r>
-            <a:rPr lang="en-US" sz="1800" dirty="0"/>
+            <a:rPr lang="en-US" sz="1100" dirty="0"/>
             <a:t>(want)   </a:t>
           </a:r>
-          <a:endParaRPr lang="en-US" sz="4000" dirty="0"/>
+          <a:endParaRPr lang="en-US" sz="2400" dirty="0"/>
         </a:p>
       </dgm:t>
     </dgm:pt>
@@ -2814,7 +1895,7 @@
       <dgm:spPr/>
     </dgm:pt>
     <dgm:pt modelId="{E03ED346-3F6C-4C54-AEDB-C2619BEA4A2D}" type="pres">
-      <dgm:prSet presAssocID="{D83F6169-AF8C-41D4-AA32-B395F657D917}" presName="parentText" presStyleLbl="node1" presStyleIdx="0" presStyleCnt="1" custScaleX="75222" custLinFactNeighborX="-1028" custLinFactNeighborY="-4557">
+      <dgm:prSet presAssocID="{D83F6169-AF8C-41D4-AA32-B395F657D917}" presName="parentText" presStyleLbl="node1" presStyleIdx="0" presStyleCnt="1" custScaleX="60941" custLinFactNeighborX="11240" custLinFactNeighborY="-1256">
         <dgm:presLayoutVars>
           <dgm:chMax val="0"/>
           <dgm:bulletEnabled val="1"/>
@@ -2840,542 +1921,6 @@
 </file>
 
 <file path=ppt/diagrams/data2.xml><?xml version="1.0" encoding="utf-8"?>
-<dgm:dataModel xmlns:dgm="http://schemas.openxmlformats.org/drawingml/2006/diagram" xmlns:a="http://schemas.openxmlformats.org/drawingml/2006/main">
-  <dgm:ptLst>
-    <dgm:pt modelId="{E92A4129-E7B7-4FF3-BD78-4239ADBBD456}" type="doc">
-      <dgm:prSet loTypeId="urn:microsoft.com/office/officeart/2005/8/layout/vList5" loCatId="list" qsTypeId="urn:microsoft.com/office/officeart/2005/8/quickstyle/simple1" qsCatId="simple" csTypeId="urn:microsoft.com/office/officeart/2005/8/colors/colorful1" csCatId="colorful" phldr="1"/>
-      <dgm:spPr/>
-      <dgm:t>
-        <a:bodyPr/>
-        <a:lstStyle/>
-        <a:p>
-          <a:endParaRPr lang="en-US"/>
-        </a:p>
-      </dgm:t>
-    </dgm:pt>
-    <dgm:pt modelId="{D4726B06-13BF-446A-A3AA-26BFF8E8DE99}">
-      <dgm:prSet custT="1"/>
-      <dgm:spPr>
-        <a:solidFill>
-          <a:schemeClr val="bg1">
-            <a:lumMod val="65000"/>
-          </a:schemeClr>
-        </a:solidFill>
-      </dgm:spPr>
-      <dgm:t>
-        <a:bodyPr/>
-        <a:lstStyle/>
-        <a:p>
-          <a:r>
-            <a:rPr lang="en-US" sz="3200" dirty="0"/>
-            <a:t>Logical agents</a:t>
-          </a:r>
-        </a:p>
-      </dgm:t>
-    </dgm:pt>
-    <dgm:pt modelId="{53DEA5CF-F394-4168-935F-20029DD26C4F}" type="parTrans" cxnId="{1F6CFE23-D1CF-458C-96F0-DBACDA23080C}">
-      <dgm:prSet/>
-      <dgm:spPr/>
-      <dgm:t>
-        <a:bodyPr/>
-        <a:lstStyle/>
-        <a:p>
-          <a:endParaRPr lang="en-US"/>
-        </a:p>
-      </dgm:t>
-    </dgm:pt>
-    <dgm:pt modelId="{40739C63-C209-4371-ADE5-1B04019EBC7B}" type="sibTrans" cxnId="{1F6CFE23-D1CF-458C-96F0-DBACDA23080C}">
-      <dgm:prSet/>
-      <dgm:spPr/>
-      <dgm:t>
-        <a:bodyPr/>
-        <a:lstStyle/>
-        <a:p>
-          <a:endParaRPr lang="en-US"/>
-        </a:p>
-      </dgm:t>
-    </dgm:pt>
-    <dgm:pt modelId="{966CC07C-EFC6-4A61-AF3A-527EE23EF4D5}">
-      <dgm:prSet/>
-      <dgm:spPr>
-        <a:solidFill>
-          <a:schemeClr val="bg2">
-            <a:alpha val="90000"/>
-          </a:schemeClr>
-        </a:solidFill>
-        <a:ln>
-          <a:noFill/>
-        </a:ln>
-      </dgm:spPr>
-      <dgm:t>
-        <a:bodyPr/>
-        <a:lstStyle/>
-        <a:p>
-          <a:r>
-            <a:rPr lang="en-US" dirty="0"/>
-            <a:t>Uncertainty</a:t>
-          </a:r>
-        </a:p>
-      </dgm:t>
-    </dgm:pt>
-    <dgm:pt modelId="{B1B898A1-8EA7-416C-A507-21BD9955C2A4}" type="parTrans" cxnId="{8092C626-4761-41E7-AB75-853CFFA3F070}">
-      <dgm:prSet/>
-      <dgm:spPr/>
-      <dgm:t>
-        <a:bodyPr/>
-        <a:lstStyle/>
-        <a:p>
-          <a:endParaRPr lang="en-US"/>
-        </a:p>
-      </dgm:t>
-    </dgm:pt>
-    <dgm:pt modelId="{8FBB91C3-497D-4B47-AAA3-18046FA6786B}" type="sibTrans" cxnId="{8092C626-4761-41E7-AB75-853CFFA3F070}">
-      <dgm:prSet/>
-      <dgm:spPr/>
-      <dgm:t>
-        <a:bodyPr/>
-        <a:lstStyle/>
-        <a:p>
-          <a:endParaRPr lang="en-US"/>
-        </a:p>
-      </dgm:t>
-    </dgm:pt>
-    <dgm:pt modelId="{BC1D39E5-4F9E-42F9-91AC-963AC41A5A2D}">
-      <dgm:prSet/>
-      <dgm:spPr>
-        <a:solidFill>
-          <a:schemeClr val="bg2">
-            <a:alpha val="90000"/>
-          </a:schemeClr>
-        </a:solidFill>
-        <a:ln>
-          <a:noFill/>
-        </a:ln>
-      </dgm:spPr>
-      <dgm:t>
-        <a:bodyPr/>
-        <a:lstStyle/>
-        <a:p>
-          <a:r>
-            <a:rPr lang="en-US" dirty="0"/>
-            <a:t>Conflicting goals</a:t>
-          </a:r>
-        </a:p>
-      </dgm:t>
-    </dgm:pt>
-    <dgm:pt modelId="{6F458294-3E72-4927-A8E6-63F38C77AD47}" type="parTrans" cxnId="{1D1A9CCD-5F57-4C43-926C-9CF6D1C5BAFA}">
-      <dgm:prSet/>
-      <dgm:spPr/>
-      <dgm:t>
-        <a:bodyPr/>
-        <a:lstStyle/>
-        <a:p>
-          <a:endParaRPr lang="en-US"/>
-        </a:p>
-      </dgm:t>
-    </dgm:pt>
-    <dgm:pt modelId="{34E31353-0C9A-4B56-812F-0381AB078ACC}" type="sibTrans" cxnId="{1D1A9CCD-5F57-4C43-926C-9CF6D1C5BAFA}">
-      <dgm:prSet/>
-      <dgm:spPr/>
-      <dgm:t>
-        <a:bodyPr/>
-        <a:lstStyle/>
-        <a:p>
-          <a:endParaRPr lang="en-US"/>
-        </a:p>
-      </dgm:t>
-    </dgm:pt>
-    <dgm:pt modelId="{AA6FF214-6024-4199-B536-14668E2EE2B9}">
-      <dgm:prSet custT="1"/>
-      <dgm:spPr/>
-      <dgm:t>
-        <a:bodyPr/>
-        <a:lstStyle/>
-        <a:p>
-          <a:r>
-            <a:rPr lang="en-US" sz="3200" dirty="0"/>
-            <a:t>Goal-based agents</a:t>
-          </a:r>
-        </a:p>
-      </dgm:t>
-    </dgm:pt>
-    <dgm:pt modelId="{DF4C9FC8-EFAA-4C79-B353-64D3B1CAAD07}" type="parTrans" cxnId="{055DD4D4-1B3A-4BAC-A479-034A4EFA9FC8}">
-      <dgm:prSet/>
-      <dgm:spPr/>
-      <dgm:t>
-        <a:bodyPr/>
-        <a:lstStyle/>
-        <a:p>
-          <a:endParaRPr lang="en-US"/>
-        </a:p>
-      </dgm:t>
-    </dgm:pt>
-    <dgm:pt modelId="{5FABF7AB-FB10-45CD-9635-A489CB8CFC65}" type="sibTrans" cxnId="{055DD4D4-1B3A-4BAC-A479-034A4EFA9FC8}">
-      <dgm:prSet/>
-      <dgm:spPr/>
-      <dgm:t>
-        <a:bodyPr/>
-        <a:lstStyle/>
-        <a:p>
-          <a:endParaRPr lang="en-US"/>
-        </a:p>
-      </dgm:t>
-    </dgm:pt>
-    <dgm:pt modelId="{633B413C-3878-4101-BDC4-6DE8D05D2E40}">
-      <dgm:prSet/>
-      <dgm:spPr/>
-      <dgm:t>
-        <a:bodyPr/>
-        <a:lstStyle/>
-        <a:p>
-          <a:r>
-            <a:rPr lang="en-US" dirty="0"/>
-            <a:t>Can only assign goal/not goal to states and find goal states.</a:t>
-          </a:r>
-        </a:p>
-      </dgm:t>
-    </dgm:pt>
-    <dgm:pt modelId="{ADBC6F35-24F9-4136-BD4A-9A1E48BFC5EF}" type="parTrans" cxnId="{C6B7D62A-5202-4E2C-97B8-606DDD1F0635}">
-      <dgm:prSet/>
-      <dgm:spPr/>
-      <dgm:t>
-        <a:bodyPr/>
-        <a:lstStyle/>
-        <a:p>
-          <a:endParaRPr lang="en-US"/>
-        </a:p>
-      </dgm:t>
-    </dgm:pt>
-    <dgm:pt modelId="{19B8896E-6518-4D86-89D7-C72083866245}" type="sibTrans" cxnId="{C6B7D62A-5202-4E2C-97B8-606DDD1F0635}">
-      <dgm:prSet/>
-      <dgm:spPr/>
-      <dgm:t>
-        <a:bodyPr/>
-        <a:lstStyle/>
-        <a:p>
-          <a:endParaRPr lang="en-US"/>
-        </a:p>
-      </dgm:t>
-    </dgm:pt>
-    <dgm:pt modelId="{6B5873E4-C7E4-4D88-BF4D-39890CB6DF49}">
-      <dgm:prSet custT="1"/>
-      <dgm:spPr/>
-      <dgm:t>
-        <a:bodyPr/>
-        <a:lstStyle/>
-        <a:p>
-          <a:r>
-            <a:rPr lang="en-US" sz="3200" dirty="0"/>
-            <a:t>Utility-based agents</a:t>
-          </a:r>
-        </a:p>
-      </dgm:t>
-    </dgm:pt>
-    <dgm:pt modelId="{276C562A-C5E9-40C2-A3B8-9006A34E1153}" type="parTrans" cxnId="{6A9A4297-40D7-44B8-B420-22A33932BD81}">
-      <dgm:prSet/>
-      <dgm:spPr/>
-      <dgm:t>
-        <a:bodyPr/>
-        <a:lstStyle/>
-        <a:p>
-          <a:endParaRPr lang="en-US"/>
-        </a:p>
-      </dgm:t>
-    </dgm:pt>
-    <dgm:pt modelId="{5154FC08-FE76-4CEB-9F92-36A8962FAFD1}" type="sibTrans" cxnId="{6A9A4297-40D7-44B8-B420-22A33932BD81}">
-      <dgm:prSet/>
-      <dgm:spPr/>
-      <dgm:t>
-        <a:bodyPr/>
-        <a:lstStyle/>
-        <a:p>
-          <a:endParaRPr lang="en-US"/>
-        </a:p>
-      </dgm:t>
-    </dgm:pt>
-    <dgm:pt modelId="{BB256BE0-357C-47D1-A872-DC2D2B15D54F}">
-      <dgm:prSet/>
-      <dgm:spPr/>
-      <dgm:t>
-        <a:bodyPr/>
-        <a:lstStyle/>
-        <a:p>
-          <a:r>
-            <a:rPr lang="en-US" dirty="0"/>
-            <a:t>Assign a utility value to each state. </a:t>
-          </a:r>
-        </a:p>
-      </dgm:t>
-    </dgm:pt>
-    <dgm:pt modelId="{38B77AC9-38E3-4624-BB12-4E88DE675BF7}" type="parTrans" cxnId="{86B778F3-ABD8-4B74-BAEC-4A83D636B63A}">
-      <dgm:prSet/>
-      <dgm:spPr/>
-      <dgm:t>
-        <a:bodyPr/>
-        <a:lstStyle/>
-        <a:p>
-          <a:endParaRPr lang="en-US"/>
-        </a:p>
-      </dgm:t>
-    </dgm:pt>
-    <dgm:pt modelId="{BDA00ABA-D21E-470E-9D06-74B670A836AC}" type="sibTrans" cxnId="{86B778F3-ABD8-4B74-BAEC-4A83D636B63A}">
-      <dgm:prSet/>
-      <dgm:spPr/>
-      <dgm:t>
-        <a:bodyPr/>
-        <a:lstStyle/>
-        <a:p>
-          <a:endParaRPr lang="en-US"/>
-        </a:p>
-      </dgm:t>
-    </dgm:pt>
-    <dgm:pt modelId="{326CD3FF-FAB3-4605-88CF-517E76107B10}">
-      <dgm:prSet/>
-      <dgm:spPr>
-        <a:solidFill>
-          <a:schemeClr val="bg2">
-            <a:alpha val="90000"/>
-          </a:schemeClr>
-        </a:solidFill>
-        <a:ln>
-          <a:noFill/>
-        </a:ln>
-      </dgm:spPr>
-      <dgm:t>
-        <a:bodyPr/>
-        <a:lstStyle/>
-        <a:p>
-          <a:pPr>
-            <a:buNone/>
-          </a:pPr>
-          <a:r>
-            <a:rPr lang="en-US" dirty="0"/>
-            <a:t>Cannot deal with:</a:t>
-          </a:r>
-        </a:p>
-      </dgm:t>
-    </dgm:pt>
-    <dgm:pt modelId="{5153D3C6-4F5E-442E-8596-4B5D9939A14A}" type="parTrans" cxnId="{1F46DE7D-96B0-4294-8A5F-1023A8F1E4D6}">
-      <dgm:prSet/>
-      <dgm:spPr/>
-      <dgm:t>
-        <a:bodyPr/>
-        <a:lstStyle/>
-        <a:p>
-          <a:endParaRPr lang="en-US"/>
-        </a:p>
-      </dgm:t>
-    </dgm:pt>
-    <dgm:pt modelId="{FDD7DC57-86EF-4733-B9F2-EC4896E78863}" type="sibTrans" cxnId="{1F46DE7D-96B0-4294-8A5F-1023A8F1E4D6}">
-      <dgm:prSet/>
-      <dgm:spPr/>
-      <dgm:t>
-        <a:bodyPr/>
-        <a:lstStyle/>
-        <a:p>
-          <a:endParaRPr lang="en-US"/>
-        </a:p>
-      </dgm:t>
-    </dgm:pt>
-    <dgm:pt modelId="{C3B30398-C718-4959-8F78-DA5F4CBE4428}">
-      <dgm:prSet/>
-      <dgm:spPr/>
-      <dgm:t>
-        <a:bodyPr/>
-        <a:lstStyle/>
-        <a:p>
-          <a:r>
-            <a:rPr lang="en-US" dirty="0"/>
-            <a:t>A rational agent optimizes the expected utility (i.e., is utility-based).</a:t>
-          </a:r>
-        </a:p>
-      </dgm:t>
-    </dgm:pt>
-    <dgm:pt modelId="{F47CA554-C349-4168-A120-9F04C9273627}" type="parTrans" cxnId="{2949560A-2640-4A32-8383-6E03A7C4BE55}">
-      <dgm:prSet/>
-      <dgm:spPr/>
-      <dgm:t>
-        <a:bodyPr/>
-        <a:lstStyle/>
-        <a:p>
-          <a:endParaRPr lang="en-US"/>
-        </a:p>
-      </dgm:t>
-    </dgm:pt>
-    <dgm:pt modelId="{ABB8EEE3-1869-494A-8EAB-6148640AF65F}" type="sibTrans" cxnId="{2949560A-2640-4A32-8383-6E03A7C4BE55}">
-      <dgm:prSet/>
-      <dgm:spPr/>
-      <dgm:t>
-        <a:bodyPr/>
-        <a:lstStyle/>
-        <a:p>
-          <a:endParaRPr lang="en-US"/>
-        </a:p>
-      </dgm:t>
-    </dgm:pt>
-    <dgm:pt modelId="{07EE9C96-1816-4A0D-9897-B7BAF8DE94FE}">
-      <dgm:prSet/>
-      <dgm:spPr/>
-      <dgm:t>
-        <a:bodyPr/>
-        <a:lstStyle/>
-        <a:p>
-          <a:r>
-            <a:rPr lang="en-US" dirty="0"/>
-            <a:t>Utility is related to the external performance measure (see PEAS).</a:t>
-          </a:r>
-        </a:p>
-      </dgm:t>
-    </dgm:pt>
-    <dgm:pt modelId="{5183D439-7CBA-43C3-9FC6-DF78953F356D}" type="parTrans" cxnId="{D4CFFA7C-FA14-4EF5-9AE6-DF78404B1A49}">
-      <dgm:prSet/>
-      <dgm:spPr/>
-      <dgm:t>
-        <a:bodyPr/>
-        <a:lstStyle/>
-        <a:p>
-          <a:endParaRPr lang="en-US"/>
-        </a:p>
-      </dgm:t>
-    </dgm:pt>
-    <dgm:pt modelId="{E94562FD-61EF-4934-B3CD-AAD1712A255D}" type="sibTrans" cxnId="{D4CFFA7C-FA14-4EF5-9AE6-DF78404B1A49}">
-      <dgm:prSet/>
-      <dgm:spPr/>
-      <dgm:t>
-        <a:bodyPr/>
-        <a:lstStyle/>
-        <a:p>
-          <a:endParaRPr lang="en-US"/>
-        </a:p>
-      </dgm:t>
-    </dgm:pt>
-    <dgm:pt modelId="{488BB3C3-8A55-47D3-A58A-4D4400591B4F}" type="pres">
-      <dgm:prSet presAssocID="{E92A4129-E7B7-4FF3-BD78-4239ADBBD456}" presName="Name0" presStyleCnt="0">
-        <dgm:presLayoutVars>
-          <dgm:dir/>
-          <dgm:animLvl val="lvl"/>
-          <dgm:resizeHandles val="exact"/>
-        </dgm:presLayoutVars>
-      </dgm:prSet>
-      <dgm:spPr/>
-    </dgm:pt>
-    <dgm:pt modelId="{50DE8C98-FCFE-431D-BA89-B9424DF19174}" type="pres">
-      <dgm:prSet presAssocID="{D4726B06-13BF-446A-A3AA-26BFF8E8DE99}" presName="linNode" presStyleCnt="0"/>
-      <dgm:spPr/>
-    </dgm:pt>
-    <dgm:pt modelId="{4D2471F2-458A-4F02-A12F-53B4940881CB}" type="pres">
-      <dgm:prSet presAssocID="{D4726B06-13BF-446A-A3AA-26BFF8E8DE99}" presName="parentText" presStyleLbl="node1" presStyleIdx="0" presStyleCnt="3">
-        <dgm:presLayoutVars>
-          <dgm:chMax val="1"/>
-          <dgm:bulletEnabled val="1"/>
-        </dgm:presLayoutVars>
-      </dgm:prSet>
-      <dgm:spPr/>
-    </dgm:pt>
-    <dgm:pt modelId="{0C4DEAF7-3931-412C-A2B8-5FD3D970AEEC}" type="pres">
-      <dgm:prSet presAssocID="{D4726B06-13BF-446A-A3AA-26BFF8E8DE99}" presName="descendantText" presStyleLbl="alignAccFollowNode1" presStyleIdx="0" presStyleCnt="3">
-        <dgm:presLayoutVars>
-          <dgm:bulletEnabled val="1"/>
-        </dgm:presLayoutVars>
-      </dgm:prSet>
-      <dgm:spPr/>
-    </dgm:pt>
-    <dgm:pt modelId="{A77F2B26-1B76-4D43-A101-D1EBA4D7DE1E}" type="pres">
-      <dgm:prSet presAssocID="{40739C63-C209-4371-ADE5-1B04019EBC7B}" presName="sp" presStyleCnt="0"/>
-      <dgm:spPr/>
-    </dgm:pt>
-    <dgm:pt modelId="{C3A1A574-74D3-4CCD-A1AA-7B1E05E5E2E8}" type="pres">
-      <dgm:prSet presAssocID="{AA6FF214-6024-4199-B536-14668E2EE2B9}" presName="linNode" presStyleCnt="0"/>
-      <dgm:spPr/>
-    </dgm:pt>
-    <dgm:pt modelId="{C791829E-0444-4BEC-9F86-875F86CA7209}" type="pres">
-      <dgm:prSet presAssocID="{AA6FF214-6024-4199-B536-14668E2EE2B9}" presName="parentText" presStyleLbl="node1" presStyleIdx="1" presStyleCnt="3">
-        <dgm:presLayoutVars>
-          <dgm:chMax val="1"/>
-          <dgm:bulletEnabled val="1"/>
-        </dgm:presLayoutVars>
-      </dgm:prSet>
-      <dgm:spPr/>
-    </dgm:pt>
-    <dgm:pt modelId="{D06E64FB-8486-467C-A930-323D92E26CFF}" type="pres">
-      <dgm:prSet presAssocID="{AA6FF214-6024-4199-B536-14668E2EE2B9}" presName="descendantText" presStyleLbl="alignAccFollowNode1" presStyleIdx="1" presStyleCnt="3">
-        <dgm:presLayoutVars>
-          <dgm:bulletEnabled val="1"/>
-        </dgm:presLayoutVars>
-      </dgm:prSet>
-      <dgm:spPr/>
-    </dgm:pt>
-    <dgm:pt modelId="{1DC3E0D4-6F21-4691-8C12-B3156650C7DF}" type="pres">
-      <dgm:prSet presAssocID="{5FABF7AB-FB10-45CD-9635-A489CB8CFC65}" presName="sp" presStyleCnt="0"/>
-      <dgm:spPr/>
-    </dgm:pt>
-    <dgm:pt modelId="{AF5E34FE-F7A1-43D2-AE87-1F83EE61656E}" type="pres">
-      <dgm:prSet presAssocID="{6B5873E4-C7E4-4D88-BF4D-39890CB6DF49}" presName="linNode" presStyleCnt="0"/>
-      <dgm:spPr/>
-    </dgm:pt>
-    <dgm:pt modelId="{FCA6C204-9AEE-495E-B88E-BCEDD6A585E8}" type="pres">
-      <dgm:prSet presAssocID="{6B5873E4-C7E4-4D88-BF4D-39890CB6DF49}" presName="parentText" presStyleLbl="node1" presStyleIdx="2" presStyleCnt="3">
-        <dgm:presLayoutVars>
-          <dgm:chMax val="1"/>
-          <dgm:bulletEnabled val="1"/>
-        </dgm:presLayoutVars>
-      </dgm:prSet>
-      <dgm:spPr/>
-    </dgm:pt>
-    <dgm:pt modelId="{04313AF4-B619-4FE0-A597-A1CCC2EEC2CD}" type="pres">
-      <dgm:prSet presAssocID="{6B5873E4-C7E4-4D88-BF4D-39890CB6DF49}" presName="descendantText" presStyleLbl="alignAccFollowNode1" presStyleIdx="2" presStyleCnt="3">
-        <dgm:presLayoutVars>
-          <dgm:bulletEnabled val="1"/>
-        </dgm:presLayoutVars>
-      </dgm:prSet>
-      <dgm:spPr/>
-    </dgm:pt>
-  </dgm:ptLst>
-  <dgm:cxnLst>
-    <dgm:cxn modelId="{2949560A-2640-4A32-8383-6E03A7C4BE55}" srcId="{6B5873E4-C7E4-4D88-BF4D-39890CB6DF49}" destId="{C3B30398-C718-4959-8F78-DA5F4CBE4428}" srcOrd="1" destOrd="0" parTransId="{F47CA554-C349-4168-A120-9F04C9273627}" sibTransId="{ABB8EEE3-1869-494A-8EAB-6148640AF65F}"/>
-    <dgm:cxn modelId="{45A93D12-170A-4FD2-BA52-EEED55C5CF8E}" type="presOf" srcId="{07EE9C96-1816-4A0D-9897-B7BAF8DE94FE}" destId="{04313AF4-B619-4FE0-A597-A1CCC2EEC2CD}" srcOrd="0" destOrd="2" presId="urn:microsoft.com/office/officeart/2005/8/layout/vList5"/>
-    <dgm:cxn modelId="{1F6CFE23-D1CF-458C-96F0-DBACDA23080C}" srcId="{E92A4129-E7B7-4FF3-BD78-4239ADBBD456}" destId="{D4726B06-13BF-446A-A3AA-26BFF8E8DE99}" srcOrd="0" destOrd="0" parTransId="{53DEA5CF-F394-4168-935F-20029DD26C4F}" sibTransId="{40739C63-C209-4371-ADE5-1B04019EBC7B}"/>
-    <dgm:cxn modelId="{1A0B7B25-9083-430D-8112-B51C11D6516F}" type="presOf" srcId="{BC1D39E5-4F9E-42F9-91AC-963AC41A5A2D}" destId="{0C4DEAF7-3931-412C-A2B8-5FD3D970AEEC}" srcOrd="0" destOrd="2" presId="urn:microsoft.com/office/officeart/2005/8/layout/vList5"/>
-    <dgm:cxn modelId="{8092C626-4761-41E7-AB75-853CFFA3F070}" srcId="{D4726B06-13BF-446A-A3AA-26BFF8E8DE99}" destId="{966CC07C-EFC6-4A61-AF3A-527EE23EF4D5}" srcOrd="1" destOrd="0" parTransId="{B1B898A1-8EA7-416C-A507-21BD9955C2A4}" sibTransId="{8FBB91C3-497D-4B47-AAA3-18046FA6786B}"/>
-    <dgm:cxn modelId="{C6B7D62A-5202-4E2C-97B8-606DDD1F0635}" srcId="{AA6FF214-6024-4199-B536-14668E2EE2B9}" destId="{633B413C-3878-4101-BDC4-6DE8D05D2E40}" srcOrd="0" destOrd="0" parTransId="{ADBC6F35-24F9-4136-BD4A-9A1E48BFC5EF}" sibTransId="{19B8896E-6518-4D86-89D7-C72083866245}"/>
-    <dgm:cxn modelId="{8AF30A5B-B4E6-430F-9063-40F2F2A238CA}" type="presOf" srcId="{633B413C-3878-4101-BDC4-6DE8D05D2E40}" destId="{D06E64FB-8486-467C-A930-323D92E26CFF}" srcOrd="0" destOrd="0" presId="urn:microsoft.com/office/officeart/2005/8/layout/vList5"/>
-    <dgm:cxn modelId="{8ACABE65-1006-4CBB-9F35-D8ED85066D5B}" type="presOf" srcId="{326CD3FF-FAB3-4605-88CF-517E76107B10}" destId="{0C4DEAF7-3931-412C-A2B8-5FD3D970AEEC}" srcOrd="0" destOrd="0" presId="urn:microsoft.com/office/officeart/2005/8/layout/vList5"/>
-    <dgm:cxn modelId="{530D6C46-2F62-42B8-BA56-CB42B044C989}" type="presOf" srcId="{6B5873E4-C7E4-4D88-BF4D-39890CB6DF49}" destId="{FCA6C204-9AEE-495E-B88E-BCEDD6A585E8}" srcOrd="0" destOrd="0" presId="urn:microsoft.com/office/officeart/2005/8/layout/vList5"/>
-    <dgm:cxn modelId="{39E34147-4C33-4471-A81C-43799CBCD28A}" type="presOf" srcId="{D4726B06-13BF-446A-A3AA-26BFF8E8DE99}" destId="{4D2471F2-458A-4F02-A12F-53B4940881CB}" srcOrd="0" destOrd="0" presId="urn:microsoft.com/office/officeart/2005/8/layout/vList5"/>
-    <dgm:cxn modelId="{F1D6AC67-0531-4595-A337-070BD4C5BF0C}" type="presOf" srcId="{BB256BE0-357C-47D1-A872-DC2D2B15D54F}" destId="{04313AF4-B619-4FE0-A597-A1CCC2EEC2CD}" srcOrd="0" destOrd="0" presId="urn:microsoft.com/office/officeart/2005/8/layout/vList5"/>
-    <dgm:cxn modelId="{CE31536A-66D9-41C3-8781-F5ABF2577C40}" type="presOf" srcId="{C3B30398-C718-4959-8F78-DA5F4CBE4428}" destId="{04313AF4-B619-4FE0-A597-A1CCC2EEC2CD}" srcOrd="0" destOrd="1" presId="urn:microsoft.com/office/officeart/2005/8/layout/vList5"/>
-    <dgm:cxn modelId="{D4CFFA7C-FA14-4EF5-9AE6-DF78404B1A49}" srcId="{6B5873E4-C7E4-4D88-BF4D-39890CB6DF49}" destId="{07EE9C96-1816-4A0D-9897-B7BAF8DE94FE}" srcOrd="2" destOrd="0" parTransId="{5183D439-7CBA-43C3-9FC6-DF78953F356D}" sibTransId="{E94562FD-61EF-4934-B3CD-AAD1712A255D}"/>
-    <dgm:cxn modelId="{9F251E7D-C467-44D3-BD6E-2B9E5EB613C3}" type="presOf" srcId="{AA6FF214-6024-4199-B536-14668E2EE2B9}" destId="{C791829E-0444-4BEC-9F86-875F86CA7209}" srcOrd="0" destOrd="0" presId="urn:microsoft.com/office/officeart/2005/8/layout/vList5"/>
-    <dgm:cxn modelId="{1F46DE7D-96B0-4294-8A5F-1023A8F1E4D6}" srcId="{D4726B06-13BF-446A-A3AA-26BFF8E8DE99}" destId="{326CD3FF-FAB3-4605-88CF-517E76107B10}" srcOrd="0" destOrd="0" parTransId="{5153D3C6-4F5E-442E-8596-4B5D9939A14A}" sibTransId="{FDD7DC57-86EF-4733-B9F2-EC4896E78863}"/>
-    <dgm:cxn modelId="{6A9A4297-40D7-44B8-B420-22A33932BD81}" srcId="{E92A4129-E7B7-4FF3-BD78-4239ADBBD456}" destId="{6B5873E4-C7E4-4D88-BF4D-39890CB6DF49}" srcOrd="2" destOrd="0" parTransId="{276C562A-C5E9-40C2-A3B8-9006A34E1153}" sibTransId="{5154FC08-FE76-4CEB-9F92-36A8962FAFD1}"/>
-    <dgm:cxn modelId="{05C2D7CC-65A7-4D51-B908-2D583CD29AF6}" type="presOf" srcId="{E92A4129-E7B7-4FF3-BD78-4239ADBBD456}" destId="{488BB3C3-8A55-47D3-A58A-4D4400591B4F}" srcOrd="0" destOrd="0" presId="urn:microsoft.com/office/officeart/2005/8/layout/vList5"/>
-    <dgm:cxn modelId="{1D1A9CCD-5F57-4C43-926C-9CF6D1C5BAFA}" srcId="{D4726B06-13BF-446A-A3AA-26BFF8E8DE99}" destId="{BC1D39E5-4F9E-42F9-91AC-963AC41A5A2D}" srcOrd="2" destOrd="0" parTransId="{6F458294-3E72-4927-A8E6-63F38C77AD47}" sibTransId="{34E31353-0C9A-4B56-812F-0381AB078ACC}"/>
-    <dgm:cxn modelId="{055DD4D4-1B3A-4BAC-A479-034A4EFA9FC8}" srcId="{E92A4129-E7B7-4FF3-BD78-4239ADBBD456}" destId="{AA6FF214-6024-4199-B536-14668E2EE2B9}" srcOrd="1" destOrd="0" parTransId="{DF4C9FC8-EFAA-4C79-B353-64D3B1CAAD07}" sibTransId="{5FABF7AB-FB10-45CD-9635-A489CB8CFC65}"/>
-    <dgm:cxn modelId="{86B778F3-ABD8-4B74-BAEC-4A83D636B63A}" srcId="{6B5873E4-C7E4-4D88-BF4D-39890CB6DF49}" destId="{BB256BE0-357C-47D1-A872-DC2D2B15D54F}" srcOrd="0" destOrd="0" parTransId="{38B77AC9-38E3-4624-BB12-4E88DE675BF7}" sibTransId="{BDA00ABA-D21E-470E-9D06-74B670A836AC}"/>
-    <dgm:cxn modelId="{6F6169F5-AB4E-4C57-A8C7-17890FA7FFA1}" type="presOf" srcId="{966CC07C-EFC6-4A61-AF3A-527EE23EF4D5}" destId="{0C4DEAF7-3931-412C-A2B8-5FD3D970AEEC}" srcOrd="0" destOrd="1" presId="urn:microsoft.com/office/officeart/2005/8/layout/vList5"/>
-    <dgm:cxn modelId="{0BB56C0B-D13F-411A-92CC-B06764B452CD}" type="presParOf" srcId="{488BB3C3-8A55-47D3-A58A-4D4400591B4F}" destId="{50DE8C98-FCFE-431D-BA89-B9424DF19174}" srcOrd="0" destOrd="0" presId="urn:microsoft.com/office/officeart/2005/8/layout/vList5"/>
-    <dgm:cxn modelId="{92B3234F-B637-4225-92FF-CC20BC253BED}" type="presParOf" srcId="{50DE8C98-FCFE-431D-BA89-B9424DF19174}" destId="{4D2471F2-458A-4F02-A12F-53B4940881CB}" srcOrd="0" destOrd="0" presId="urn:microsoft.com/office/officeart/2005/8/layout/vList5"/>
-    <dgm:cxn modelId="{8B7126F7-3559-416A-8109-659EAE85F397}" type="presParOf" srcId="{50DE8C98-FCFE-431D-BA89-B9424DF19174}" destId="{0C4DEAF7-3931-412C-A2B8-5FD3D970AEEC}" srcOrd="1" destOrd="0" presId="urn:microsoft.com/office/officeart/2005/8/layout/vList5"/>
-    <dgm:cxn modelId="{71C629B7-2875-44FB-9ABF-2821ACE18610}" type="presParOf" srcId="{488BB3C3-8A55-47D3-A58A-4D4400591B4F}" destId="{A77F2B26-1B76-4D43-A101-D1EBA4D7DE1E}" srcOrd="1" destOrd="0" presId="urn:microsoft.com/office/officeart/2005/8/layout/vList5"/>
-    <dgm:cxn modelId="{A721EE87-3359-45EA-A8AE-B82CBDE03673}" type="presParOf" srcId="{488BB3C3-8A55-47D3-A58A-4D4400591B4F}" destId="{C3A1A574-74D3-4CCD-A1AA-7B1E05E5E2E8}" srcOrd="2" destOrd="0" presId="urn:microsoft.com/office/officeart/2005/8/layout/vList5"/>
-    <dgm:cxn modelId="{0AC63E84-FC38-430C-873D-102F8F7D7DAF}" type="presParOf" srcId="{C3A1A574-74D3-4CCD-A1AA-7B1E05E5E2E8}" destId="{C791829E-0444-4BEC-9F86-875F86CA7209}" srcOrd="0" destOrd="0" presId="urn:microsoft.com/office/officeart/2005/8/layout/vList5"/>
-    <dgm:cxn modelId="{9F39B9A1-0D2E-419D-BA5D-5A178E1047AF}" type="presParOf" srcId="{C3A1A574-74D3-4CCD-A1AA-7B1E05E5E2E8}" destId="{D06E64FB-8486-467C-A930-323D92E26CFF}" srcOrd="1" destOrd="0" presId="urn:microsoft.com/office/officeart/2005/8/layout/vList5"/>
-    <dgm:cxn modelId="{3C2225CD-9AC5-44E7-99DE-B112F951D767}" type="presParOf" srcId="{488BB3C3-8A55-47D3-A58A-4D4400591B4F}" destId="{1DC3E0D4-6F21-4691-8C12-B3156650C7DF}" srcOrd="3" destOrd="0" presId="urn:microsoft.com/office/officeart/2005/8/layout/vList5"/>
-    <dgm:cxn modelId="{318D61B2-9283-458D-83C3-604A5306BA86}" type="presParOf" srcId="{488BB3C3-8A55-47D3-A58A-4D4400591B4F}" destId="{AF5E34FE-F7A1-43D2-AE87-1F83EE61656E}" srcOrd="4" destOrd="0" presId="urn:microsoft.com/office/officeart/2005/8/layout/vList5"/>
-    <dgm:cxn modelId="{BDFEFAFF-C291-48A4-A9DB-49D8F7D06639}" type="presParOf" srcId="{AF5E34FE-F7A1-43D2-AE87-1F83EE61656E}" destId="{FCA6C204-9AEE-495E-B88E-BCEDD6A585E8}" srcOrd="0" destOrd="0" presId="urn:microsoft.com/office/officeart/2005/8/layout/vList5"/>
-    <dgm:cxn modelId="{FCAC89B1-D1DE-4030-BB8A-7538E2274E79}" type="presParOf" srcId="{AF5E34FE-F7A1-43D2-AE87-1F83EE61656E}" destId="{04313AF4-B619-4FE0-A597-A1CCC2EEC2CD}" srcOrd="1" destOrd="0" presId="urn:microsoft.com/office/officeart/2005/8/layout/vList5"/>
-  </dgm:cxnLst>
-  <dgm:bg/>
-  <dgm:whole/>
-  <dgm:extLst>
-    <a:ext uri="http://schemas.microsoft.com/office/drawing/2008/diagram">
-      <dsp:dataModelExt xmlns:dsp="http://schemas.microsoft.com/office/drawing/2008/diagram" relId="rId6" minVer="http://schemas.openxmlformats.org/drawingml/2006/diagram"/>
-    </a:ext>
-  </dgm:extLst>
-</dgm:dataModel>
-</file>
-
-<file path=ppt/diagrams/data3.xml><?xml version="1.0" encoding="utf-8"?>
 <dgm:dataModel xmlns:dgm="http://schemas.openxmlformats.org/drawingml/2006/diagram" xmlns:a="http://schemas.openxmlformats.org/drawingml/2006/main">
   <dgm:ptLst>
     <dgm:pt modelId="{10782EE5-D5A5-41AB-82D5-FCD2F6B9477D}" type="doc">
@@ -3745,8 +2290,8 @@
       </dsp:nvSpPr>
       <dsp:spPr>
         <a:xfrm>
-          <a:off x="1194677" y="473126"/>
-          <a:ext cx="7910044" cy="2813849"/>
+          <a:off x="2514254" y="551584"/>
+          <a:ext cx="4979645" cy="1711125"/>
         </a:xfrm>
         <a:prstGeom prst="roundRect">
           <a:avLst/>
@@ -3788,12 +2333,12 @@
         </a:fontRef>
       </dsp:style>
       <dsp:txBody>
-        <a:bodyPr spcFirstLastPara="0" vert="horz" wrap="square" lIns="152400" tIns="152400" rIns="152400" bIns="152400" numCol="1" spcCol="1270" anchor="ctr" anchorCtr="0">
+        <a:bodyPr spcFirstLastPara="0" vert="horz" wrap="square" lIns="91440" tIns="91440" rIns="91440" bIns="91440" numCol="1" spcCol="1270" anchor="ctr" anchorCtr="0">
           <a:noAutofit/>
         </a:bodyPr>
         <a:lstStyle/>
         <a:p>
-          <a:pPr marL="0" lvl="0" indent="0" algn="l" defTabSz="1778000">
+          <a:pPr marL="0" lvl="0" indent="0" algn="l" defTabSz="1066800">
             <a:lnSpc>
               <a:spcPct val="90000"/>
             </a:lnSpc>
@@ -3806,44 +2351,44 @@
             <a:buNone/>
           </a:pPr>
           <a:r>
-            <a:rPr lang="en-US" sz="4000" kern="1200" dirty="0"/>
+            <a:rPr lang="en-US" sz="2400" kern="1200" dirty="0"/>
             <a:t>Decision theory = </a:t>
           </a:r>
           <a:br>
-            <a:rPr lang="en-US" sz="4000" kern="1200" dirty="0"/>
+            <a:rPr lang="en-US" sz="2400" kern="1200" dirty="0"/>
           </a:br>
           <a:r>
-            <a:rPr lang="en-US" sz="4000" kern="1200" dirty="0"/>
+            <a:rPr lang="en-US" sz="2400" kern="1200" dirty="0"/>
             <a:t>            Probability theory </a:t>
           </a:r>
           <a:r>
-            <a:rPr lang="en-US" sz="2000" kern="1200" dirty="0"/>
+            <a:rPr lang="en-US" sz="1200" kern="1200" dirty="0"/>
             <a:t>(evidence &amp; belief) </a:t>
           </a:r>
           <a:br>
-            <a:rPr lang="en-US" sz="4000" kern="1200" dirty="0"/>
+            <a:rPr lang="en-US" sz="2400" kern="1200" dirty="0"/>
           </a:br>
           <a:r>
-            <a:rPr lang="en-US" sz="4000" kern="1200" dirty="0"/>
+            <a:rPr lang="en-US" sz="2400" kern="1200" dirty="0"/>
             <a:t>                              +</a:t>
           </a:r>
           <a:br>
-            <a:rPr lang="en-US" sz="4000" kern="1200" dirty="0"/>
+            <a:rPr lang="en-US" sz="2400" kern="1200" dirty="0"/>
           </a:br>
           <a:r>
-            <a:rPr lang="en-US" sz="4000" kern="1200" dirty="0"/>
+            <a:rPr lang="en-US" sz="2400" kern="1200" dirty="0"/>
             <a:t>                   Utility theory   </a:t>
           </a:r>
           <a:r>
-            <a:rPr lang="en-US" sz="1800" kern="1200" dirty="0"/>
+            <a:rPr lang="en-US" sz="1100" kern="1200" dirty="0"/>
             <a:t>(want)   </a:t>
           </a:r>
-          <a:endParaRPr lang="en-US" sz="4000" kern="1200" dirty="0"/>
+          <a:endParaRPr lang="en-US" sz="2400" kern="1200" dirty="0"/>
         </a:p>
       </dsp:txBody>
       <dsp:txXfrm>
-        <a:off x="1332038" y="610487"/>
-        <a:ext cx="7635322" cy="2539127"/>
+        <a:off x="2597784" y="635114"/>
+        <a:ext cx="4812585" cy="1544065"/>
       </dsp:txXfrm>
     </dsp:sp>
   </dsp:spTree>
@@ -3851,547 +2396,6 @@
 </file>
 
 <file path=ppt/diagrams/drawing2.xml><?xml version="1.0" encoding="utf-8"?>
-<dsp:drawing xmlns:dgm="http://schemas.openxmlformats.org/drawingml/2006/diagram" xmlns:dsp="http://schemas.microsoft.com/office/drawing/2008/diagram" xmlns:a="http://schemas.openxmlformats.org/drawingml/2006/main">
-  <dsp:spTree>
-    <dsp:nvGrpSpPr>
-      <dsp:cNvPr id="0" name=""/>
-      <dsp:cNvGrpSpPr/>
-    </dsp:nvGrpSpPr>
-    <dsp:grpSpPr/>
-    <dsp:sp modelId="{0C4DEAF7-3931-412C-A2B8-5FD3D970AEEC}">
-      <dsp:nvSpPr>
-        <dsp:cNvPr id="0" name=""/>
-        <dsp:cNvSpPr/>
-      </dsp:nvSpPr>
-      <dsp:spPr>
-        <a:xfrm rot="5400000">
-          <a:off x="6589693" y="-2661723"/>
-          <a:ext cx="1121829" cy="6729984"/>
-        </a:xfrm>
-        <a:prstGeom prst="round2SameRect">
-          <a:avLst/>
-        </a:prstGeom>
-        <a:solidFill>
-          <a:schemeClr val="bg2">
-            <a:alpha val="90000"/>
-          </a:schemeClr>
-        </a:solidFill>
-        <a:ln w="12700" cap="flat" cmpd="sng" algn="ctr">
-          <a:noFill/>
-          <a:prstDash val="solid"/>
-          <a:miter lim="800000"/>
-        </a:ln>
-        <a:effectLst/>
-      </dsp:spPr>
-      <dsp:style>
-        <a:lnRef idx="2">
-          <a:scrgbClr r="0" g="0" b="0"/>
-        </a:lnRef>
-        <a:fillRef idx="1">
-          <a:scrgbClr r="0" g="0" b="0"/>
-        </a:fillRef>
-        <a:effectRef idx="0">
-          <a:scrgbClr r="0" g="0" b="0"/>
-        </a:effectRef>
-        <a:fontRef idx="minor"/>
-      </dsp:style>
-      <dsp:txBody>
-        <a:bodyPr spcFirstLastPara="0" vert="horz" wrap="square" lIns="68580" tIns="34290" rIns="68580" bIns="34290" numCol="1" spcCol="1270" anchor="ctr" anchorCtr="0">
-          <a:noAutofit/>
-        </a:bodyPr>
-        <a:lstStyle/>
-        <a:p>
-          <a:pPr marL="171450" lvl="1" indent="-171450" algn="l" defTabSz="800100">
-            <a:lnSpc>
-              <a:spcPct val="90000"/>
-            </a:lnSpc>
-            <a:spcBef>
-              <a:spcPct val="0"/>
-            </a:spcBef>
-            <a:spcAft>
-              <a:spcPct val="15000"/>
-            </a:spcAft>
-            <a:buNone/>
-          </a:pPr>
-          <a:r>
-            <a:rPr lang="en-US" sz="1800" kern="1200" dirty="0"/>
-            <a:t>Cannot deal with:</a:t>
-          </a:r>
-        </a:p>
-        <a:p>
-          <a:pPr marL="171450" lvl="1" indent="-171450" algn="l" defTabSz="800100">
-            <a:lnSpc>
-              <a:spcPct val="90000"/>
-            </a:lnSpc>
-            <a:spcBef>
-              <a:spcPct val="0"/>
-            </a:spcBef>
-            <a:spcAft>
-              <a:spcPct val="15000"/>
-            </a:spcAft>
-            <a:buChar char="•"/>
-          </a:pPr>
-          <a:r>
-            <a:rPr lang="en-US" sz="1800" kern="1200" dirty="0"/>
-            <a:t>Uncertainty</a:t>
-          </a:r>
-        </a:p>
-        <a:p>
-          <a:pPr marL="171450" lvl="1" indent="-171450" algn="l" defTabSz="800100">
-            <a:lnSpc>
-              <a:spcPct val="90000"/>
-            </a:lnSpc>
-            <a:spcBef>
-              <a:spcPct val="0"/>
-            </a:spcBef>
-            <a:spcAft>
-              <a:spcPct val="15000"/>
-            </a:spcAft>
-            <a:buChar char="•"/>
-          </a:pPr>
-          <a:r>
-            <a:rPr lang="en-US" sz="1800" kern="1200" dirty="0"/>
-            <a:t>Conflicting goals</a:t>
-          </a:r>
-        </a:p>
-      </dsp:txBody>
-      <dsp:txXfrm rot="-5400000">
-        <a:off x="3785616" y="197117"/>
-        <a:ext cx="6675221" cy="1012303"/>
-      </dsp:txXfrm>
-    </dsp:sp>
-    <dsp:sp modelId="{4D2471F2-458A-4F02-A12F-53B4940881CB}">
-      <dsp:nvSpPr>
-        <dsp:cNvPr id="0" name=""/>
-        <dsp:cNvSpPr/>
-      </dsp:nvSpPr>
-      <dsp:spPr>
-        <a:xfrm>
-          <a:off x="0" y="2124"/>
-          <a:ext cx="3785616" cy="1402286"/>
-        </a:xfrm>
-        <a:prstGeom prst="roundRect">
-          <a:avLst/>
-        </a:prstGeom>
-        <a:solidFill>
-          <a:schemeClr val="bg1">
-            <a:lumMod val="65000"/>
-          </a:schemeClr>
-        </a:solidFill>
-        <a:ln w="12700" cap="flat" cmpd="sng" algn="ctr">
-          <a:solidFill>
-            <a:schemeClr val="lt1">
-              <a:hueOff val="0"/>
-              <a:satOff val="0"/>
-              <a:lumOff val="0"/>
-              <a:alphaOff val="0"/>
-            </a:schemeClr>
-          </a:solidFill>
-          <a:prstDash val="solid"/>
-          <a:miter lim="800000"/>
-        </a:ln>
-        <a:effectLst/>
-      </dsp:spPr>
-      <dsp:style>
-        <a:lnRef idx="2">
-          <a:scrgbClr r="0" g="0" b="0"/>
-        </a:lnRef>
-        <a:fillRef idx="1">
-          <a:scrgbClr r="0" g="0" b="0"/>
-        </a:fillRef>
-        <a:effectRef idx="0">
-          <a:scrgbClr r="0" g="0" b="0"/>
-        </a:effectRef>
-        <a:fontRef idx="minor">
-          <a:schemeClr val="lt1"/>
-        </a:fontRef>
-      </dsp:style>
-      <dsp:txBody>
-        <a:bodyPr spcFirstLastPara="0" vert="horz" wrap="square" lIns="121920" tIns="60960" rIns="121920" bIns="60960" numCol="1" spcCol="1270" anchor="ctr" anchorCtr="0">
-          <a:noAutofit/>
-        </a:bodyPr>
-        <a:lstStyle/>
-        <a:p>
-          <a:pPr marL="0" lvl="0" indent="0" algn="ctr" defTabSz="1422400">
-            <a:lnSpc>
-              <a:spcPct val="90000"/>
-            </a:lnSpc>
-            <a:spcBef>
-              <a:spcPct val="0"/>
-            </a:spcBef>
-            <a:spcAft>
-              <a:spcPct val="35000"/>
-            </a:spcAft>
-            <a:buNone/>
-          </a:pPr>
-          <a:r>
-            <a:rPr lang="en-US" sz="3200" kern="1200" dirty="0"/>
-            <a:t>Logical agents</a:t>
-          </a:r>
-        </a:p>
-      </dsp:txBody>
-      <dsp:txXfrm>
-        <a:off x="68454" y="70578"/>
-        <a:ext cx="3648708" cy="1265378"/>
-      </dsp:txXfrm>
-    </dsp:sp>
-    <dsp:sp modelId="{D06E64FB-8486-467C-A930-323D92E26CFF}">
-      <dsp:nvSpPr>
-        <dsp:cNvPr id="0" name=""/>
-        <dsp:cNvSpPr/>
-      </dsp:nvSpPr>
-      <dsp:spPr>
-        <a:xfrm rot="5400000">
-          <a:off x="6589693" y="-1189323"/>
-          <a:ext cx="1121829" cy="6729984"/>
-        </a:xfrm>
-        <a:prstGeom prst="round2SameRect">
-          <a:avLst/>
-        </a:prstGeom>
-        <a:solidFill>
-          <a:schemeClr val="accent3">
-            <a:tint val="40000"/>
-            <a:alpha val="90000"/>
-            <a:hueOff val="0"/>
-            <a:satOff val="0"/>
-            <a:lumOff val="0"/>
-            <a:alphaOff val="0"/>
-          </a:schemeClr>
-        </a:solidFill>
-        <a:ln w="12700" cap="flat" cmpd="sng" algn="ctr">
-          <a:solidFill>
-            <a:schemeClr val="accent3">
-              <a:tint val="40000"/>
-              <a:alpha val="90000"/>
-              <a:hueOff val="0"/>
-              <a:satOff val="0"/>
-              <a:lumOff val="0"/>
-              <a:alphaOff val="0"/>
-            </a:schemeClr>
-          </a:solidFill>
-          <a:prstDash val="solid"/>
-          <a:miter lim="800000"/>
-        </a:ln>
-        <a:effectLst/>
-      </dsp:spPr>
-      <dsp:style>
-        <a:lnRef idx="2">
-          <a:scrgbClr r="0" g="0" b="0"/>
-        </a:lnRef>
-        <a:fillRef idx="1">
-          <a:scrgbClr r="0" g="0" b="0"/>
-        </a:fillRef>
-        <a:effectRef idx="0">
-          <a:scrgbClr r="0" g="0" b="0"/>
-        </a:effectRef>
-        <a:fontRef idx="minor"/>
-      </dsp:style>
-      <dsp:txBody>
-        <a:bodyPr spcFirstLastPara="0" vert="horz" wrap="square" lIns="68580" tIns="34290" rIns="68580" bIns="34290" numCol="1" spcCol="1270" anchor="ctr" anchorCtr="0">
-          <a:noAutofit/>
-        </a:bodyPr>
-        <a:lstStyle/>
-        <a:p>
-          <a:pPr marL="171450" lvl="1" indent="-171450" algn="l" defTabSz="800100">
-            <a:lnSpc>
-              <a:spcPct val="90000"/>
-            </a:lnSpc>
-            <a:spcBef>
-              <a:spcPct val="0"/>
-            </a:spcBef>
-            <a:spcAft>
-              <a:spcPct val="15000"/>
-            </a:spcAft>
-            <a:buChar char="•"/>
-          </a:pPr>
-          <a:r>
-            <a:rPr lang="en-US" sz="1800" kern="1200" dirty="0"/>
-            <a:t>Can only assign goal/not goal to states and find goal states.</a:t>
-          </a:r>
-        </a:p>
-      </dsp:txBody>
-      <dsp:txXfrm rot="-5400000">
-        <a:off x="3785616" y="1669517"/>
-        <a:ext cx="6675221" cy="1012303"/>
-      </dsp:txXfrm>
-    </dsp:sp>
-    <dsp:sp modelId="{C791829E-0444-4BEC-9F86-875F86CA7209}">
-      <dsp:nvSpPr>
-        <dsp:cNvPr id="0" name=""/>
-        <dsp:cNvSpPr/>
-      </dsp:nvSpPr>
-      <dsp:spPr>
-        <a:xfrm>
-          <a:off x="0" y="1474525"/>
-          <a:ext cx="3785616" cy="1402286"/>
-        </a:xfrm>
-        <a:prstGeom prst="roundRect">
-          <a:avLst/>
-        </a:prstGeom>
-        <a:solidFill>
-          <a:schemeClr val="accent3">
-            <a:hueOff val="0"/>
-            <a:satOff val="0"/>
-            <a:lumOff val="0"/>
-            <a:alphaOff val="0"/>
-          </a:schemeClr>
-        </a:solidFill>
-        <a:ln w="12700" cap="flat" cmpd="sng" algn="ctr">
-          <a:solidFill>
-            <a:schemeClr val="lt1">
-              <a:hueOff val="0"/>
-              <a:satOff val="0"/>
-              <a:lumOff val="0"/>
-              <a:alphaOff val="0"/>
-            </a:schemeClr>
-          </a:solidFill>
-          <a:prstDash val="solid"/>
-          <a:miter lim="800000"/>
-        </a:ln>
-        <a:effectLst/>
-      </dsp:spPr>
-      <dsp:style>
-        <a:lnRef idx="2">
-          <a:scrgbClr r="0" g="0" b="0"/>
-        </a:lnRef>
-        <a:fillRef idx="1">
-          <a:scrgbClr r="0" g="0" b="0"/>
-        </a:fillRef>
-        <a:effectRef idx="0">
-          <a:scrgbClr r="0" g="0" b="0"/>
-        </a:effectRef>
-        <a:fontRef idx="minor">
-          <a:schemeClr val="lt1"/>
-        </a:fontRef>
-      </dsp:style>
-      <dsp:txBody>
-        <a:bodyPr spcFirstLastPara="0" vert="horz" wrap="square" lIns="121920" tIns="60960" rIns="121920" bIns="60960" numCol="1" spcCol="1270" anchor="ctr" anchorCtr="0">
-          <a:noAutofit/>
-        </a:bodyPr>
-        <a:lstStyle/>
-        <a:p>
-          <a:pPr marL="0" lvl="0" indent="0" algn="ctr" defTabSz="1422400">
-            <a:lnSpc>
-              <a:spcPct val="90000"/>
-            </a:lnSpc>
-            <a:spcBef>
-              <a:spcPct val="0"/>
-            </a:spcBef>
-            <a:spcAft>
-              <a:spcPct val="35000"/>
-            </a:spcAft>
-            <a:buNone/>
-          </a:pPr>
-          <a:r>
-            <a:rPr lang="en-US" sz="3200" kern="1200" dirty="0"/>
-            <a:t>Goal-based agents</a:t>
-          </a:r>
-        </a:p>
-      </dsp:txBody>
-      <dsp:txXfrm>
-        <a:off x="68454" y="1542979"/>
-        <a:ext cx="3648708" cy="1265378"/>
-      </dsp:txXfrm>
-    </dsp:sp>
-    <dsp:sp modelId="{04313AF4-B619-4FE0-A597-A1CCC2EEC2CD}">
-      <dsp:nvSpPr>
-        <dsp:cNvPr id="0" name=""/>
-        <dsp:cNvSpPr/>
-      </dsp:nvSpPr>
-      <dsp:spPr>
-        <a:xfrm rot="5400000">
-          <a:off x="6589693" y="283077"/>
-          <a:ext cx="1121829" cy="6729984"/>
-        </a:xfrm>
-        <a:prstGeom prst="round2SameRect">
-          <a:avLst/>
-        </a:prstGeom>
-        <a:solidFill>
-          <a:schemeClr val="accent4">
-            <a:tint val="40000"/>
-            <a:alpha val="90000"/>
-            <a:hueOff val="0"/>
-            <a:satOff val="0"/>
-            <a:lumOff val="0"/>
-            <a:alphaOff val="0"/>
-          </a:schemeClr>
-        </a:solidFill>
-        <a:ln w="12700" cap="flat" cmpd="sng" algn="ctr">
-          <a:solidFill>
-            <a:schemeClr val="accent4">
-              <a:tint val="40000"/>
-              <a:alpha val="90000"/>
-              <a:hueOff val="0"/>
-              <a:satOff val="0"/>
-              <a:lumOff val="0"/>
-              <a:alphaOff val="0"/>
-            </a:schemeClr>
-          </a:solidFill>
-          <a:prstDash val="solid"/>
-          <a:miter lim="800000"/>
-        </a:ln>
-        <a:effectLst/>
-      </dsp:spPr>
-      <dsp:style>
-        <a:lnRef idx="2">
-          <a:scrgbClr r="0" g="0" b="0"/>
-        </a:lnRef>
-        <a:fillRef idx="1">
-          <a:scrgbClr r="0" g="0" b="0"/>
-        </a:fillRef>
-        <a:effectRef idx="0">
-          <a:scrgbClr r="0" g="0" b="0"/>
-        </a:effectRef>
-        <a:fontRef idx="minor"/>
-      </dsp:style>
-      <dsp:txBody>
-        <a:bodyPr spcFirstLastPara="0" vert="horz" wrap="square" lIns="68580" tIns="34290" rIns="68580" bIns="34290" numCol="1" spcCol="1270" anchor="ctr" anchorCtr="0">
-          <a:noAutofit/>
-        </a:bodyPr>
-        <a:lstStyle/>
-        <a:p>
-          <a:pPr marL="171450" lvl="1" indent="-171450" algn="l" defTabSz="800100">
-            <a:lnSpc>
-              <a:spcPct val="90000"/>
-            </a:lnSpc>
-            <a:spcBef>
-              <a:spcPct val="0"/>
-            </a:spcBef>
-            <a:spcAft>
-              <a:spcPct val="15000"/>
-            </a:spcAft>
-            <a:buChar char="•"/>
-          </a:pPr>
-          <a:r>
-            <a:rPr lang="en-US" sz="1800" kern="1200" dirty="0"/>
-            <a:t>Assign a utility value to each state. </a:t>
-          </a:r>
-        </a:p>
-        <a:p>
-          <a:pPr marL="171450" lvl="1" indent="-171450" algn="l" defTabSz="800100">
-            <a:lnSpc>
-              <a:spcPct val="90000"/>
-            </a:lnSpc>
-            <a:spcBef>
-              <a:spcPct val="0"/>
-            </a:spcBef>
-            <a:spcAft>
-              <a:spcPct val="15000"/>
-            </a:spcAft>
-            <a:buChar char="•"/>
-          </a:pPr>
-          <a:r>
-            <a:rPr lang="en-US" sz="1800" kern="1200" dirty="0"/>
-            <a:t>A rational agent optimizes the expected utility (i.e., is utility-based).</a:t>
-          </a:r>
-        </a:p>
-        <a:p>
-          <a:pPr marL="171450" lvl="1" indent="-171450" algn="l" defTabSz="800100">
-            <a:lnSpc>
-              <a:spcPct val="90000"/>
-            </a:lnSpc>
-            <a:spcBef>
-              <a:spcPct val="0"/>
-            </a:spcBef>
-            <a:spcAft>
-              <a:spcPct val="15000"/>
-            </a:spcAft>
-            <a:buChar char="•"/>
-          </a:pPr>
-          <a:r>
-            <a:rPr lang="en-US" sz="1800" kern="1200" dirty="0"/>
-            <a:t>Utility is related to the external performance measure (see PEAS).</a:t>
-          </a:r>
-        </a:p>
-      </dsp:txBody>
-      <dsp:txXfrm rot="-5400000">
-        <a:off x="3785616" y="3141918"/>
-        <a:ext cx="6675221" cy="1012303"/>
-      </dsp:txXfrm>
-    </dsp:sp>
-    <dsp:sp modelId="{FCA6C204-9AEE-495E-B88E-BCEDD6A585E8}">
-      <dsp:nvSpPr>
-        <dsp:cNvPr id="0" name=""/>
-        <dsp:cNvSpPr/>
-      </dsp:nvSpPr>
-      <dsp:spPr>
-        <a:xfrm>
-          <a:off x="0" y="2946926"/>
-          <a:ext cx="3785616" cy="1402286"/>
-        </a:xfrm>
-        <a:prstGeom prst="roundRect">
-          <a:avLst/>
-        </a:prstGeom>
-        <a:solidFill>
-          <a:schemeClr val="accent4">
-            <a:hueOff val="0"/>
-            <a:satOff val="0"/>
-            <a:lumOff val="0"/>
-            <a:alphaOff val="0"/>
-          </a:schemeClr>
-        </a:solidFill>
-        <a:ln w="12700" cap="flat" cmpd="sng" algn="ctr">
-          <a:solidFill>
-            <a:schemeClr val="lt1">
-              <a:hueOff val="0"/>
-              <a:satOff val="0"/>
-              <a:lumOff val="0"/>
-              <a:alphaOff val="0"/>
-            </a:schemeClr>
-          </a:solidFill>
-          <a:prstDash val="solid"/>
-          <a:miter lim="800000"/>
-        </a:ln>
-        <a:effectLst/>
-      </dsp:spPr>
-      <dsp:style>
-        <a:lnRef idx="2">
-          <a:scrgbClr r="0" g="0" b="0"/>
-        </a:lnRef>
-        <a:fillRef idx="1">
-          <a:scrgbClr r="0" g="0" b="0"/>
-        </a:fillRef>
-        <a:effectRef idx="0">
-          <a:scrgbClr r="0" g="0" b="0"/>
-        </a:effectRef>
-        <a:fontRef idx="minor">
-          <a:schemeClr val="lt1"/>
-        </a:fontRef>
-      </dsp:style>
-      <dsp:txBody>
-        <a:bodyPr spcFirstLastPara="0" vert="horz" wrap="square" lIns="121920" tIns="60960" rIns="121920" bIns="60960" numCol="1" spcCol="1270" anchor="ctr" anchorCtr="0">
-          <a:noAutofit/>
-        </a:bodyPr>
-        <a:lstStyle/>
-        <a:p>
-          <a:pPr marL="0" lvl="0" indent="0" algn="ctr" defTabSz="1422400">
-            <a:lnSpc>
-              <a:spcPct val="90000"/>
-            </a:lnSpc>
-            <a:spcBef>
-              <a:spcPct val="0"/>
-            </a:spcBef>
-            <a:spcAft>
-              <a:spcPct val="35000"/>
-            </a:spcAft>
-            <a:buNone/>
-          </a:pPr>
-          <a:r>
-            <a:rPr lang="en-US" sz="3200" kern="1200" dirty="0"/>
-            <a:t>Utility-based agents</a:t>
-          </a:r>
-        </a:p>
-      </dsp:txBody>
-      <dsp:txXfrm>
-        <a:off x="68454" y="3015380"/>
-        <a:ext cx="3648708" cy="1265378"/>
-      </dsp:txXfrm>
-    </dsp:sp>
-  </dsp:spTree>
-</dsp:drawing>
-</file>
-
-<file path=ppt/diagrams/drawing3.xml><?xml version="1.0" encoding="utf-8"?>
 <dsp:drawing xmlns:dgm="http://schemas.openxmlformats.org/drawingml/2006/diagram" xmlns:dsp="http://schemas.microsoft.com/office/drawing/2008/diagram" xmlns:a="http://schemas.openxmlformats.org/drawingml/2006/main">
   <dsp:spTree>
     <dsp:nvGrpSpPr>
@@ -5038,239 +3042,6 @@
 </file>
 
 <file path=ppt/diagrams/layout2.xml><?xml version="1.0" encoding="utf-8"?>
-<dgm:layoutDef xmlns:dgm="http://schemas.openxmlformats.org/drawingml/2006/diagram" xmlns:a="http://schemas.openxmlformats.org/drawingml/2006/main" uniqueId="urn:microsoft.com/office/officeart/2005/8/layout/vList5">
-  <dgm:title val=""/>
-  <dgm:desc val=""/>
-  <dgm:catLst>
-    <dgm:cat type="list" pri="15000"/>
-    <dgm:cat type="convert" pri="2000"/>
-  </dgm:catLst>
-  <dgm:sampData>
-    <dgm:dataModel>
-      <dgm:ptLst>
-        <dgm:pt modelId="0" type="doc"/>
-        <dgm:pt modelId="1">
-          <dgm:prSet phldr="1"/>
-        </dgm:pt>
-        <dgm:pt modelId="11">
-          <dgm:prSet phldr="1"/>
-        </dgm:pt>
-        <dgm:pt modelId="12">
-          <dgm:prSet phldr="1"/>
-        </dgm:pt>
-        <dgm:pt modelId="2">
-          <dgm:prSet phldr="1"/>
-        </dgm:pt>
-        <dgm:pt modelId="21">
-          <dgm:prSet phldr="1"/>
-        </dgm:pt>
-        <dgm:pt modelId="22">
-          <dgm:prSet phldr="1"/>
-        </dgm:pt>
-        <dgm:pt modelId="3">
-          <dgm:prSet phldr="1"/>
-        </dgm:pt>
-        <dgm:pt modelId="31">
-          <dgm:prSet phldr="1"/>
-        </dgm:pt>
-        <dgm:pt modelId="32">
-          <dgm:prSet phldr="1"/>
-        </dgm:pt>
-      </dgm:ptLst>
-      <dgm:cxnLst>
-        <dgm:cxn modelId="4" srcId="0" destId="1" srcOrd="0" destOrd="0"/>
-        <dgm:cxn modelId="5" srcId="0" destId="2" srcOrd="1" destOrd="0"/>
-        <dgm:cxn modelId="6" srcId="0" destId="3" srcOrd="2" destOrd="0"/>
-        <dgm:cxn modelId="13" srcId="1" destId="11" srcOrd="0" destOrd="0"/>
-        <dgm:cxn modelId="14" srcId="1" destId="12" srcOrd="1" destOrd="0"/>
-        <dgm:cxn modelId="23" srcId="2" destId="21" srcOrd="0" destOrd="0"/>
-        <dgm:cxn modelId="24" srcId="2" destId="22" srcOrd="1" destOrd="0"/>
-        <dgm:cxn modelId="33" srcId="3" destId="31" srcOrd="0" destOrd="0"/>
-        <dgm:cxn modelId="34" srcId="3" destId="32" srcOrd="1" destOrd="0"/>
-      </dgm:cxnLst>
-      <dgm:bg/>
-      <dgm:whole/>
-    </dgm:dataModel>
-  </dgm:sampData>
-  <dgm:styleData>
-    <dgm:dataModel>
-      <dgm:ptLst>
-        <dgm:pt modelId="0" type="doc"/>
-        <dgm:pt modelId="1"/>
-        <dgm:pt modelId="11"/>
-        <dgm:pt modelId="2"/>
-        <dgm:pt modelId="21"/>
-      </dgm:ptLst>
-      <dgm:cxnLst>
-        <dgm:cxn modelId="4" srcId="0" destId="1" srcOrd="0" destOrd="0"/>
-        <dgm:cxn modelId="5" srcId="0" destId="2" srcOrd="1" destOrd="0"/>
-        <dgm:cxn modelId="13" srcId="1" destId="11" srcOrd="0" destOrd="0"/>
-        <dgm:cxn modelId="23" srcId="2" destId="21" srcOrd="0" destOrd="0"/>
-      </dgm:cxnLst>
-      <dgm:bg/>
-      <dgm:whole/>
-    </dgm:dataModel>
-  </dgm:styleData>
-  <dgm:clrData>
-    <dgm:dataModel>
-      <dgm:ptLst>
-        <dgm:pt modelId="0" type="doc"/>
-        <dgm:pt modelId="1"/>
-        <dgm:pt modelId="11"/>
-        <dgm:pt modelId="2"/>
-        <dgm:pt modelId="21"/>
-        <dgm:pt modelId="3"/>
-        <dgm:pt modelId="31"/>
-        <dgm:pt modelId="4"/>
-        <dgm:pt modelId="41"/>
-      </dgm:ptLst>
-      <dgm:cxnLst>
-        <dgm:cxn modelId="5" srcId="0" destId="1" srcOrd="0" destOrd="0"/>
-        <dgm:cxn modelId="6" srcId="0" destId="2" srcOrd="1" destOrd="0"/>
-        <dgm:cxn modelId="7" srcId="0" destId="3" srcOrd="2" destOrd="0"/>
-        <dgm:cxn modelId="8" srcId="0" destId="4" srcOrd="3" destOrd="0"/>
-        <dgm:cxn modelId="13" srcId="1" destId="11" srcOrd="0" destOrd="0"/>
-        <dgm:cxn modelId="23" srcId="2" destId="21" srcOrd="0" destOrd="0"/>
-        <dgm:cxn modelId="33" srcId="3" destId="31" srcOrd="0" destOrd="0"/>
-        <dgm:cxn modelId="43" srcId="4" destId="41" srcOrd="0" destOrd="0"/>
-      </dgm:cxnLst>
-      <dgm:bg/>
-      <dgm:whole/>
-    </dgm:dataModel>
-  </dgm:clrData>
-  <dgm:layoutNode name="Name0">
-    <dgm:varLst>
-      <dgm:dir/>
-      <dgm:animLvl val="lvl"/>
-      <dgm:resizeHandles val="exact"/>
-    </dgm:varLst>
-    <dgm:choose name="Name1">
-      <dgm:if name="Name2" func="var" arg="dir" op="equ" val="norm">
-        <dgm:alg type="lin">
-          <dgm:param type="linDir" val="fromT"/>
-          <dgm:param type="nodeHorzAlign" val="l"/>
-        </dgm:alg>
-      </dgm:if>
-      <dgm:else name="Name3">
-        <dgm:alg type="lin">
-          <dgm:param type="linDir" val="fromT"/>
-          <dgm:param type="nodeHorzAlign" val="r"/>
-        </dgm:alg>
-      </dgm:else>
-    </dgm:choose>
-    <dgm:shape xmlns:r="http://schemas.openxmlformats.org/officeDocument/2006/relationships" r:blip="">
-      <dgm:adjLst/>
-    </dgm:shape>
-    <dgm:presOf/>
-    <dgm:constrLst>
-      <dgm:constr type="h" for="ch" forName="linNode" refType="h"/>
-      <dgm:constr type="w" for="ch" forName="linNode" refType="w"/>
-      <dgm:constr type="h" for="ch" forName="sp" refType="h" fact="0.05"/>
-      <dgm:constr type="primFontSz" for="des" forName="parentText" op="equ" val="65"/>
-      <dgm:constr type="secFontSz" for="des" forName="descendantText" op="equ"/>
-    </dgm:constrLst>
-    <dgm:ruleLst/>
-    <dgm:forEach name="Name4" axis="ch" ptType="node">
-      <dgm:layoutNode name="linNode">
-        <dgm:choose name="Name5">
-          <dgm:if name="Name6" func="var" arg="dir" op="equ" val="norm">
-            <dgm:alg type="lin">
-              <dgm:param type="linDir" val="fromL"/>
-            </dgm:alg>
-          </dgm:if>
-          <dgm:else name="Name7">
-            <dgm:alg type="lin">
-              <dgm:param type="linDir" val="fromR"/>
-            </dgm:alg>
-          </dgm:else>
-        </dgm:choose>
-        <dgm:shape xmlns:r="http://schemas.openxmlformats.org/officeDocument/2006/relationships" r:blip="">
-          <dgm:adjLst/>
-        </dgm:shape>
-        <dgm:presOf/>
-        <dgm:constrLst>
-          <dgm:constr type="w" for="ch" forName="parentText" refType="w" fact="0.36"/>
-          <dgm:constr type="w" for="ch" forName="descendantText" refType="w" fact="0.64"/>
-          <dgm:constr type="h" for="ch" forName="parentText" refType="h"/>
-          <dgm:constr type="h" for="ch" forName="descendantText" refType="h" refFor="ch" refForName="parentText" fact="0.8"/>
-        </dgm:constrLst>
-        <dgm:ruleLst/>
-        <dgm:layoutNode name="parentText">
-          <dgm:varLst>
-            <dgm:chMax val="1"/>
-            <dgm:bulletEnabled val="1"/>
-          </dgm:varLst>
-          <dgm:alg type="tx"/>
-          <dgm:shape xmlns:r="http://schemas.openxmlformats.org/officeDocument/2006/relationships" type="roundRect" r:blip="" zOrderOff="3">
-            <dgm:adjLst/>
-          </dgm:shape>
-          <dgm:presOf axis="self" ptType="node"/>
-          <dgm:constrLst>
-            <dgm:constr type="tMarg" refType="primFontSz" fact="0.15"/>
-            <dgm:constr type="bMarg" refType="primFontSz" fact="0.15"/>
-            <dgm:constr type="lMarg" refType="primFontSz" fact="0.3"/>
-            <dgm:constr type="rMarg" refType="primFontSz" fact="0.3"/>
-          </dgm:constrLst>
-          <dgm:ruleLst>
-            <dgm:rule type="primFontSz" val="5" fact="NaN" max="NaN"/>
-          </dgm:ruleLst>
-        </dgm:layoutNode>
-        <dgm:choose name="Name8">
-          <dgm:if name="Name9" axis="ch" ptType="node" func="cnt" op="gte" val="1">
-            <dgm:layoutNode name="descendantText" styleLbl="alignAccFollowNode1">
-              <dgm:varLst>
-                <dgm:bulletEnabled val="1"/>
-              </dgm:varLst>
-              <dgm:alg type="tx">
-                <dgm:param type="stBulletLvl" val="1"/>
-                <dgm:param type="txAnchorVertCh" val="mid"/>
-              </dgm:alg>
-              <dgm:choose name="Name10">
-                <dgm:if name="Name11" func="var" arg="dir" op="equ" val="norm">
-                  <dgm:shape xmlns:r="http://schemas.openxmlformats.org/officeDocument/2006/relationships" rot="90" type="round2SameRect" r:blip="">
-                    <dgm:adjLst/>
-                  </dgm:shape>
-                </dgm:if>
-                <dgm:else name="Name12">
-                  <dgm:shape xmlns:r="http://schemas.openxmlformats.org/officeDocument/2006/relationships" rot="-90" type="round2SameRect" r:blip="">
-                    <dgm:adjLst/>
-                  </dgm:shape>
-                </dgm:else>
-              </dgm:choose>
-              <dgm:presOf axis="des" ptType="node"/>
-              <dgm:constrLst>
-                <dgm:constr type="secFontSz" val="65"/>
-                <dgm:constr type="primFontSz" refType="secFontSz"/>
-                <dgm:constr type="lMarg" refType="secFontSz" fact="0.3"/>
-                <dgm:constr type="rMarg" refType="secFontSz" fact="0.3"/>
-                <dgm:constr type="tMarg" refType="secFontSz" fact="0.15"/>
-                <dgm:constr type="bMarg" refType="secFontSz" fact="0.15"/>
-              </dgm:constrLst>
-              <dgm:ruleLst>
-                <dgm:rule type="secFontSz" val="5" fact="NaN" max="NaN"/>
-              </dgm:ruleLst>
-            </dgm:layoutNode>
-          </dgm:if>
-          <dgm:else name="Name13"/>
-        </dgm:choose>
-      </dgm:layoutNode>
-      <dgm:forEach name="Name14" axis="followSib" ptType="sibTrans" cnt="1">
-        <dgm:layoutNode name="sp">
-          <dgm:alg type="sp"/>
-          <dgm:shape xmlns:r="http://schemas.openxmlformats.org/officeDocument/2006/relationships" r:blip="">
-            <dgm:adjLst/>
-          </dgm:shape>
-          <dgm:presOf/>
-          <dgm:constrLst/>
-          <dgm:ruleLst/>
-        </dgm:layoutNode>
-      </dgm:forEach>
-    </dgm:forEach>
-  </dgm:layoutNode>
-</dgm:layoutDef>
-</file>
-
-<file path=ppt/diagrams/layout3.xml><?xml version="1.0" encoding="utf-8"?>
 <dgm:layoutDef xmlns:dgm="http://schemas.openxmlformats.org/drawingml/2006/diagram" xmlns:a="http://schemas.openxmlformats.org/drawingml/2006/main" uniqueId="urn:microsoft.com/office/officeart/2018/2/layout/IconCircleList">
   <dgm:title val="Icon Circle List"/>
   <dgm:desc val="Use to show non-sequential or grouped chunks of information accompanied by related visuals. Circular shapes can hold an icon or small picture and corresponding text box shows Level 1 text. Works best for icons or small pictures with medium-length descriptions."/>
@@ -7550,1040 +5321,6 @@
 </dgm:styleDef>
 </file>
 
-<file path=ppt/diagrams/quickStyle3.xml><?xml version="1.0" encoding="utf-8"?>
-<dgm:styleDef xmlns:dgm="http://schemas.openxmlformats.org/drawingml/2006/diagram" xmlns:a="http://schemas.openxmlformats.org/drawingml/2006/main" uniqueId="urn:microsoft.com/office/officeart/2005/8/quickstyle/simple1">
-  <dgm:title val=""/>
-  <dgm:desc val=""/>
-  <dgm:catLst>
-    <dgm:cat type="simple" pri="10100"/>
-  </dgm:catLst>
-  <dgm:scene3d>
-    <a:camera prst="orthographicFront"/>
-    <a:lightRig rig="threePt" dir="t"/>
-  </dgm:scene3d>
-  <dgm:styleLbl name="node0">
-    <dgm:scene3d>
-      <a:camera prst="orthographicFront"/>
-      <a:lightRig rig="threePt" dir="t"/>
-    </dgm:scene3d>
-    <dgm:sp3d/>
-    <dgm:txPr/>
-    <dgm:style>
-      <a:lnRef idx="2">
-        <a:scrgbClr r="0" g="0" b="0"/>
-      </a:lnRef>
-      <a:fillRef idx="1">
-        <a:scrgbClr r="0" g="0" b="0"/>
-      </a:fillRef>
-      <a:effectRef idx="0">
-        <a:scrgbClr r="0" g="0" b="0"/>
-      </a:effectRef>
-      <a:fontRef idx="minor">
-        <a:schemeClr val="lt1"/>
-      </a:fontRef>
-    </dgm:style>
-  </dgm:styleLbl>
-  <dgm:styleLbl name="lnNode1">
-    <dgm:scene3d>
-      <a:camera prst="orthographicFront"/>
-      <a:lightRig rig="threePt" dir="t"/>
-    </dgm:scene3d>
-    <dgm:sp3d/>
-    <dgm:txPr/>
-    <dgm:style>
-      <a:lnRef idx="2">
-        <a:scrgbClr r="0" g="0" b="0"/>
-      </a:lnRef>
-      <a:fillRef idx="1">
-        <a:scrgbClr r="0" g="0" b="0"/>
-      </a:fillRef>
-      <a:effectRef idx="0">
-        <a:scrgbClr r="0" g="0" b="0"/>
-      </a:effectRef>
-      <a:fontRef idx="minor">
-        <a:schemeClr val="lt1"/>
-      </a:fontRef>
-    </dgm:style>
-  </dgm:styleLbl>
-  <dgm:styleLbl name="vennNode1">
-    <dgm:scene3d>
-      <a:camera prst="orthographicFront"/>
-      <a:lightRig rig="threePt" dir="t"/>
-    </dgm:scene3d>
-    <dgm:sp3d/>
-    <dgm:txPr/>
-    <dgm:style>
-      <a:lnRef idx="2">
-        <a:scrgbClr r="0" g="0" b="0"/>
-      </a:lnRef>
-      <a:fillRef idx="1">
-        <a:scrgbClr r="0" g="0" b="0"/>
-      </a:fillRef>
-      <a:effectRef idx="0">
-        <a:scrgbClr r="0" g="0" b="0"/>
-      </a:effectRef>
-      <a:fontRef idx="minor">
-        <a:schemeClr val="tx1"/>
-      </a:fontRef>
-    </dgm:style>
-  </dgm:styleLbl>
-  <dgm:styleLbl name="alignNode1">
-    <dgm:scene3d>
-      <a:camera prst="orthographicFront"/>
-      <a:lightRig rig="threePt" dir="t"/>
-    </dgm:scene3d>
-    <dgm:sp3d/>
-    <dgm:txPr/>
-    <dgm:style>
-      <a:lnRef idx="2">
-        <a:scrgbClr r="0" g="0" b="0"/>
-      </a:lnRef>
-      <a:fillRef idx="1">
-        <a:scrgbClr r="0" g="0" b="0"/>
-      </a:fillRef>
-      <a:effectRef idx="0">
-        <a:scrgbClr r="0" g="0" b="0"/>
-      </a:effectRef>
-      <a:fontRef idx="minor">
-        <a:schemeClr val="lt1"/>
-      </a:fontRef>
-    </dgm:style>
-  </dgm:styleLbl>
-  <dgm:styleLbl name="node1">
-    <dgm:scene3d>
-      <a:camera prst="orthographicFront"/>
-      <a:lightRig rig="threePt" dir="t"/>
-    </dgm:scene3d>
-    <dgm:sp3d/>
-    <dgm:txPr/>
-    <dgm:style>
-      <a:lnRef idx="2">
-        <a:scrgbClr r="0" g="0" b="0"/>
-      </a:lnRef>
-      <a:fillRef idx="1">
-        <a:scrgbClr r="0" g="0" b="0"/>
-      </a:fillRef>
-      <a:effectRef idx="0">
-        <a:scrgbClr r="0" g="0" b="0"/>
-      </a:effectRef>
-      <a:fontRef idx="minor">
-        <a:schemeClr val="lt1"/>
-      </a:fontRef>
-    </dgm:style>
-  </dgm:styleLbl>
-  <dgm:styleLbl name="node2">
-    <dgm:scene3d>
-      <a:camera prst="orthographicFront"/>
-      <a:lightRig rig="threePt" dir="t"/>
-    </dgm:scene3d>
-    <dgm:sp3d/>
-    <dgm:txPr/>
-    <dgm:style>
-      <a:lnRef idx="2">
-        <a:scrgbClr r="0" g="0" b="0"/>
-      </a:lnRef>
-      <a:fillRef idx="1">
-        <a:scrgbClr r="0" g="0" b="0"/>
-      </a:fillRef>
-      <a:effectRef idx="0">
-        <a:scrgbClr r="0" g="0" b="0"/>
-      </a:effectRef>
-      <a:fontRef idx="minor">
-        <a:schemeClr val="lt1"/>
-      </a:fontRef>
-    </dgm:style>
-  </dgm:styleLbl>
-  <dgm:styleLbl name="node3">
-    <dgm:scene3d>
-      <a:camera prst="orthographicFront"/>
-      <a:lightRig rig="threePt" dir="t"/>
-    </dgm:scene3d>
-    <dgm:sp3d/>
-    <dgm:txPr/>
-    <dgm:style>
-      <a:lnRef idx="2">
-        <a:scrgbClr r="0" g="0" b="0"/>
-      </a:lnRef>
-      <a:fillRef idx="1">
-        <a:scrgbClr r="0" g="0" b="0"/>
-      </a:fillRef>
-      <a:effectRef idx="0">
-        <a:scrgbClr r="0" g="0" b="0"/>
-      </a:effectRef>
-      <a:fontRef idx="minor">
-        <a:schemeClr val="lt1"/>
-      </a:fontRef>
-    </dgm:style>
-  </dgm:styleLbl>
-  <dgm:styleLbl name="node4">
-    <dgm:scene3d>
-      <a:camera prst="orthographicFront"/>
-      <a:lightRig rig="threePt" dir="t"/>
-    </dgm:scene3d>
-    <dgm:sp3d/>
-    <dgm:txPr/>
-    <dgm:style>
-      <a:lnRef idx="2">
-        <a:scrgbClr r="0" g="0" b="0"/>
-      </a:lnRef>
-      <a:fillRef idx="1">
-        <a:scrgbClr r="0" g="0" b="0"/>
-      </a:fillRef>
-      <a:effectRef idx="0">
-        <a:scrgbClr r="0" g="0" b="0"/>
-      </a:effectRef>
-      <a:fontRef idx="minor">
-        <a:schemeClr val="lt1"/>
-      </a:fontRef>
-    </dgm:style>
-  </dgm:styleLbl>
-  <dgm:styleLbl name="fgImgPlace1">
-    <dgm:scene3d>
-      <a:camera prst="orthographicFront"/>
-      <a:lightRig rig="threePt" dir="t"/>
-    </dgm:scene3d>
-    <dgm:sp3d/>
-    <dgm:txPr/>
-    <dgm:style>
-      <a:lnRef idx="2">
-        <a:scrgbClr r="0" g="0" b="0"/>
-      </a:lnRef>
-      <a:fillRef idx="1">
-        <a:scrgbClr r="0" g="0" b="0"/>
-      </a:fillRef>
-      <a:effectRef idx="0">
-        <a:scrgbClr r="0" g="0" b="0"/>
-      </a:effectRef>
-      <a:fontRef idx="minor"/>
-    </dgm:style>
-  </dgm:styleLbl>
-  <dgm:styleLbl name="alignImgPlace1">
-    <dgm:scene3d>
-      <a:camera prst="orthographicFront"/>
-      <a:lightRig rig="threePt" dir="t"/>
-    </dgm:scene3d>
-    <dgm:sp3d/>
-    <dgm:txPr/>
-    <dgm:style>
-      <a:lnRef idx="2">
-        <a:scrgbClr r="0" g="0" b="0"/>
-      </a:lnRef>
-      <a:fillRef idx="1">
-        <a:scrgbClr r="0" g="0" b="0"/>
-      </a:fillRef>
-      <a:effectRef idx="0">
-        <a:scrgbClr r="0" g="0" b="0"/>
-      </a:effectRef>
-      <a:fontRef idx="minor"/>
-    </dgm:style>
-  </dgm:styleLbl>
-  <dgm:styleLbl name="bgImgPlace1">
-    <dgm:scene3d>
-      <a:camera prst="orthographicFront"/>
-      <a:lightRig rig="threePt" dir="t"/>
-    </dgm:scene3d>
-    <dgm:sp3d/>
-    <dgm:txPr/>
-    <dgm:style>
-      <a:lnRef idx="2">
-        <a:scrgbClr r="0" g="0" b="0"/>
-      </a:lnRef>
-      <a:fillRef idx="1">
-        <a:scrgbClr r="0" g="0" b="0"/>
-      </a:fillRef>
-      <a:effectRef idx="0">
-        <a:scrgbClr r="0" g="0" b="0"/>
-      </a:effectRef>
-      <a:fontRef idx="minor"/>
-    </dgm:style>
-  </dgm:styleLbl>
-  <dgm:styleLbl name="sibTrans2D1">
-    <dgm:scene3d>
-      <a:camera prst="orthographicFront"/>
-      <a:lightRig rig="threePt" dir="t"/>
-    </dgm:scene3d>
-    <dgm:sp3d/>
-    <dgm:txPr/>
-    <dgm:style>
-      <a:lnRef idx="0">
-        <a:scrgbClr r="0" g="0" b="0"/>
-      </a:lnRef>
-      <a:fillRef idx="1">
-        <a:scrgbClr r="0" g="0" b="0"/>
-      </a:fillRef>
-      <a:effectRef idx="0">
-        <a:scrgbClr r="0" g="0" b="0"/>
-      </a:effectRef>
-      <a:fontRef idx="minor">
-        <a:schemeClr val="lt1"/>
-      </a:fontRef>
-    </dgm:style>
-  </dgm:styleLbl>
-  <dgm:styleLbl name="fgSibTrans2D1">
-    <dgm:scene3d>
-      <a:camera prst="orthographicFront"/>
-      <a:lightRig rig="threePt" dir="t"/>
-    </dgm:scene3d>
-    <dgm:sp3d/>
-    <dgm:txPr/>
-    <dgm:style>
-      <a:lnRef idx="0">
-        <a:scrgbClr r="0" g="0" b="0"/>
-      </a:lnRef>
-      <a:fillRef idx="1">
-        <a:scrgbClr r="0" g="0" b="0"/>
-      </a:fillRef>
-      <a:effectRef idx="0">
-        <a:scrgbClr r="0" g="0" b="0"/>
-      </a:effectRef>
-      <a:fontRef idx="minor">
-        <a:schemeClr val="lt1"/>
-      </a:fontRef>
-    </dgm:style>
-  </dgm:styleLbl>
-  <dgm:styleLbl name="bgSibTrans2D1">
-    <dgm:scene3d>
-      <a:camera prst="orthographicFront"/>
-      <a:lightRig rig="threePt" dir="t"/>
-    </dgm:scene3d>
-    <dgm:sp3d/>
-    <dgm:txPr/>
-    <dgm:style>
-      <a:lnRef idx="0">
-        <a:scrgbClr r="0" g="0" b="0"/>
-      </a:lnRef>
-      <a:fillRef idx="1">
-        <a:scrgbClr r="0" g="0" b="0"/>
-      </a:fillRef>
-      <a:effectRef idx="0">
-        <a:scrgbClr r="0" g="0" b="0"/>
-      </a:effectRef>
-      <a:fontRef idx="minor">
-        <a:schemeClr val="lt1"/>
-      </a:fontRef>
-    </dgm:style>
-  </dgm:styleLbl>
-  <dgm:styleLbl name="sibTrans1D1">
-    <dgm:scene3d>
-      <a:camera prst="orthographicFront"/>
-      <a:lightRig rig="threePt" dir="t"/>
-    </dgm:scene3d>
-    <dgm:sp3d/>
-    <dgm:txPr/>
-    <dgm:style>
-      <a:lnRef idx="1">
-        <a:scrgbClr r="0" g="0" b="0"/>
-      </a:lnRef>
-      <a:fillRef idx="0">
-        <a:scrgbClr r="0" g="0" b="0"/>
-      </a:fillRef>
-      <a:effectRef idx="0">
-        <a:scrgbClr r="0" g="0" b="0"/>
-      </a:effectRef>
-      <a:fontRef idx="minor"/>
-    </dgm:style>
-  </dgm:styleLbl>
-  <dgm:styleLbl name="callout">
-    <dgm:scene3d>
-      <a:camera prst="orthographicFront"/>
-      <a:lightRig rig="threePt" dir="t"/>
-    </dgm:scene3d>
-    <dgm:sp3d/>
-    <dgm:txPr/>
-    <dgm:style>
-      <a:lnRef idx="2">
-        <a:scrgbClr r="0" g="0" b="0"/>
-      </a:lnRef>
-      <a:fillRef idx="1">
-        <a:scrgbClr r="0" g="0" b="0"/>
-      </a:fillRef>
-      <a:effectRef idx="0">
-        <a:scrgbClr r="0" g="0" b="0"/>
-      </a:effectRef>
-      <a:fontRef idx="minor"/>
-    </dgm:style>
-  </dgm:styleLbl>
-  <dgm:styleLbl name="asst0">
-    <dgm:scene3d>
-      <a:camera prst="orthographicFront"/>
-      <a:lightRig rig="threePt" dir="t"/>
-    </dgm:scene3d>
-    <dgm:sp3d/>
-    <dgm:txPr/>
-    <dgm:style>
-      <a:lnRef idx="2">
-        <a:scrgbClr r="0" g="0" b="0"/>
-      </a:lnRef>
-      <a:fillRef idx="1">
-        <a:scrgbClr r="0" g="0" b="0"/>
-      </a:fillRef>
-      <a:effectRef idx="0">
-        <a:scrgbClr r="0" g="0" b="0"/>
-      </a:effectRef>
-      <a:fontRef idx="minor">
-        <a:schemeClr val="lt1"/>
-      </a:fontRef>
-    </dgm:style>
-  </dgm:styleLbl>
-  <dgm:styleLbl name="asst1">
-    <dgm:scene3d>
-      <a:camera prst="orthographicFront"/>
-      <a:lightRig rig="threePt" dir="t"/>
-    </dgm:scene3d>
-    <dgm:sp3d/>
-    <dgm:txPr/>
-    <dgm:style>
-      <a:lnRef idx="2">
-        <a:scrgbClr r="0" g="0" b="0"/>
-      </a:lnRef>
-      <a:fillRef idx="1">
-        <a:scrgbClr r="0" g="0" b="0"/>
-      </a:fillRef>
-      <a:effectRef idx="0">
-        <a:scrgbClr r="0" g="0" b="0"/>
-      </a:effectRef>
-      <a:fontRef idx="minor">
-        <a:schemeClr val="lt1"/>
-      </a:fontRef>
-    </dgm:style>
-  </dgm:styleLbl>
-  <dgm:styleLbl name="asst2">
-    <dgm:scene3d>
-      <a:camera prst="orthographicFront"/>
-      <a:lightRig rig="threePt" dir="t"/>
-    </dgm:scene3d>
-    <dgm:sp3d/>
-    <dgm:txPr/>
-    <dgm:style>
-      <a:lnRef idx="2">
-        <a:scrgbClr r="0" g="0" b="0"/>
-      </a:lnRef>
-      <a:fillRef idx="1">
-        <a:scrgbClr r="0" g="0" b="0"/>
-      </a:fillRef>
-      <a:effectRef idx="0">
-        <a:scrgbClr r="0" g="0" b="0"/>
-      </a:effectRef>
-      <a:fontRef idx="minor">
-        <a:schemeClr val="lt1"/>
-      </a:fontRef>
-    </dgm:style>
-  </dgm:styleLbl>
-  <dgm:styleLbl name="asst3">
-    <dgm:scene3d>
-      <a:camera prst="orthographicFront"/>
-      <a:lightRig rig="threePt" dir="t"/>
-    </dgm:scene3d>
-    <dgm:sp3d/>
-    <dgm:txPr/>
-    <dgm:style>
-      <a:lnRef idx="2">
-        <a:scrgbClr r="0" g="0" b="0"/>
-      </a:lnRef>
-      <a:fillRef idx="1">
-        <a:scrgbClr r="0" g="0" b="0"/>
-      </a:fillRef>
-      <a:effectRef idx="0">
-        <a:scrgbClr r="0" g="0" b="0"/>
-      </a:effectRef>
-      <a:fontRef idx="minor">
-        <a:schemeClr val="lt1"/>
-      </a:fontRef>
-    </dgm:style>
-  </dgm:styleLbl>
-  <dgm:styleLbl name="asst4">
-    <dgm:scene3d>
-      <a:camera prst="orthographicFront"/>
-      <a:lightRig rig="threePt" dir="t"/>
-    </dgm:scene3d>
-    <dgm:sp3d/>
-    <dgm:txPr/>
-    <dgm:style>
-      <a:lnRef idx="2">
-        <a:scrgbClr r="0" g="0" b="0"/>
-      </a:lnRef>
-      <a:fillRef idx="1">
-        <a:scrgbClr r="0" g="0" b="0"/>
-      </a:fillRef>
-      <a:effectRef idx="0">
-        <a:scrgbClr r="0" g="0" b="0"/>
-      </a:effectRef>
-      <a:fontRef idx="minor">
-        <a:schemeClr val="lt1"/>
-      </a:fontRef>
-    </dgm:style>
-  </dgm:styleLbl>
-  <dgm:styleLbl name="parChTrans2D1">
-    <dgm:scene3d>
-      <a:camera prst="orthographicFront"/>
-      <a:lightRig rig="threePt" dir="t"/>
-    </dgm:scene3d>
-    <dgm:sp3d/>
-    <dgm:txPr/>
-    <dgm:style>
-      <a:lnRef idx="2">
-        <a:scrgbClr r="0" g="0" b="0"/>
-      </a:lnRef>
-      <a:fillRef idx="1">
-        <a:scrgbClr r="0" g="0" b="0"/>
-      </a:fillRef>
-      <a:effectRef idx="0">
-        <a:scrgbClr r="0" g="0" b="0"/>
-      </a:effectRef>
-      <a:fontRef idx="minor">
-        <a:schemeClr val="lt1"/>
-      </a:fontRef>
-    </dgm:style>
-  </dgm:styleLbl>
-  <dgm:styleLbl name="parChTrans2D2">
-    <dgm:scene3d>
-      <a:camera prst="orthographicFront"/>
-      <a:lightRig rig="threePt" dir="t"/>
-    </dgm:scene3d>
-    <dgm:sp3d/>
-    <dgm:txPr/>
-    <dgm:style>
-      <a:lnRef idx="2">
-        <a:scrgbClr r="0" g="0" b="0"/>
-      </a:lnRef>
-      <a:fillRef idx="1">
-        <a:scrgbClr r="0" g="0" b="0"/>
-      </a:fillRef>
-      <a:effectRef idx="0">
-        <a:scrgbClr r="0" g="0" b="0"/>
-      </a:effectRef>
-      <a:fontRef idx="minor">
-        <a:schemeClr val="lt1"/>
-      </a:fontRef>
-    </dgm:style>
-  </dgm:styleLbl>
-  <dgm:styleLbl name="parChTrans2D3">
-    <dgm:scene3d>
-      <a:camera prst="orthographicFront"/>
-      <a:lightRig rig="threePt" dir="t"/>
-    </dgm:scene3d>
-    <dgm:sp3d/>
-    <dgm:txPr/>
-    <dgm:style>
-      <a:lnRef idx="2">
-        <a:scrgbClr r="0" g="0" b="0"/>
-      </a:lnRef>
-      <a:fillRef idx="1">
-        <a:scrgbClr r="0" g="0" b="0"/>
-      </a:fillRef>
-      <a:effectRef idx="0">
-        <a:scrgbClr r="0" g="0" b="0"/>
-      </a:effectRef>
-      <a:fontRef idx="minor">
-        <a:schemeClr val="lt1"/>
-      </a:fontRef>
-    </dgm:style>
-  </dgm:styleLbl>
-  <dgm:styleLbl name="parChTrans2D4">
-    <dgm:scene3d>
-      <a:camera prst="orthographicFront"/>
-      <a:lightRig rig="threePt" dir="t"/>
-    </dgm:scene3d>
-    <dgm:sp3d/>
-    <dgm:txPr/>
-    <dgm:style>
-      <a:lnRef idx="2">
-        <a:scrgbClr r="0" g="0" b="0"/>
-      </a:lnRef>
-      <a:fillRef idx="1">
-        <a:scrgbClr r="0" g="0" b="0"/>
-      </a:fillRef>
-      <a:effectRef idx="0">
-        <a:scrgbClr r="0" g="0" b="0"/>
-      </a:effectRef>
-      <a:fontRef idx="minor">
-        <a:schemeClr val="lt1"/>
-      </a:fontRef>
-    </dgm:style>
-  </dgm:styleLbl>
-  <dgm:styleLbl name="parChTrans1D1">
-    <dgm:scene3d>
-      <a:camera prst="orthographicFront"/>
-      <a:lightRig rig="threePt" dir="t"/>
-    </dgm:scene3d>
-    <dgm:sp3d/>
-    <dgm:txPr/>
-    <dgm:style>
-      <a:lnRef idx="2">
-        <a:scrgbClr r="0" g="0" b="0"/>
-      </a:lnRef>
-      <a:fillRef idx="0">
-        <a:scrgbClr r="0" g="0" b="0"/>
-      </a:fillRef>
-      <a:effectRef idx="0">
-        <a:scrgbClr r="0" g="0" b="0"/>
-      </a:effectRef>
-      <a:fontRef idx="minor"/>
-    </dgm:style>
-  </dgm:styleLbl>
-  <dgm:styleLbl name="parChTrans1D2">
-    <dgm:scene3d>
-      <a:camera prst="orthographicFront"/>
-      <a:lightRig rig="threePt" dir="t"/>
-    </dgm:scene3d>
-    <dgm:sp3d/>
-    <dgm:txPr/>
-    <dgm:style>
-      <a:lnRef idx="2">
-        <a:scrgbClr r="0" g="0" b="0"/>
-      </a:lnRef>
-      <a:fillRef idx="0">
-        <a:scrgbClr r="0" g="0" b="0"/>
-      </a:fillRef>
-      <a:effectRef idx="0">
-        <a:scrgbClr r="0" g="0" b="0"/>
-      </a:effectRef>
-      <a:fontRef idx="minor"/>
-    </dgm:style>
-  </dgm:styleLbl>
-  <dgm:styleLbl name="parChTrans1D3">
-    <dgm:scene3d>
-      <a:camera prst="orthographicFront"/>
-      <a:lightRig rig="threePt" dir="t"/>
-    </dgm:scene3d>
-    <dgm:sp3d/>
-    <dgm:txPr/>
-    <dgm:style>
-      <a:lnRef idx="2">
-        <a:scrgbClr r="0" g="0" b="0"/>
-      </a:lnRef>
-      <a:fillRef idx="0">
-        <a:scrgbClr r="0" g="0" b="0"/>
-      </a:fillRef>
-      <a:effectRef idx="0">
-        <a:scrgbClr r="0" g="0" b="0"/>
-      </a:effectRef>
-      <a:fontRef idx="minor"/>
-    </dgm:style>
-  </dgm:styleLbl>
-  <dgm:styleLbl name="parChTrans1D4">
-    <dgm:scene3d>
-      <a:camera prst="orthographicFront"/>
-      <a:lightRig rig="threePt" dir="t"/>
-    </dgm:scene3d>
-    <dgm:sp3d/>
-    <dgm:txPr/>
-    <dgm:style>
-      <a:lnRef idx="2">
-        <a:scrgbClr r="0" g="0" b="0"/>
-      </a:lnRef>
-      <a:fillRef idx="0">
-        <a:scrgbClr r="0" g="0" b="0"/>
-      </a:fillRef>
-      <a:effectRef idx="0">
-        <a:scrgbClr r="0" g="0" b="0"/>
-      </a:effectRef>
-      <a:fontRef idx="minor"/>
-    </dgm:style>
-  </dgm:styleLbl>
-  <dgm:styleLbl name="fgAcc1">
-    <dgm:scene3d>
-      <a:camera prst="orthographicFront"/>
-      <a:lightRig rig="threePt" dir="t"/>
-    </dgm:scene3d>
-    <dgm:sp3d/>
-    <dgm:txPr/>
-    <dgm:style>
-      <a:lnRef idx="2">
-        <a:scrgbClr r="0" g="0" b="0"/>
-      </a:lnRef>
-      <a:fillRef idx="1">
-        <a:scrgbClr r="0" g="0" b="0"/>
-      </a:fillRef>
-      <a:effectRef idx="0">
-        <a:scrgbClr r="0" g="0" b="0"/>
-      </a:effectRef>
-      <a:fontRef idx="minor"/>
-    </dgm:style>
-  </dgm:styleLbl>
-  <dgm:styleLbl name="conFgAcc1">
-    <dgm:scene3d>
-      <a:camera prst="orthographicFront"/>
-      <a:lightRig rig="threePt" dir="t"/>
-    </dgm:scene3d>
-    <dgm:sp3d/>
-    <dgm:txPr/>
-    <dgm:style>
-      <a:lnRef idx="2">
-        <a:scrgbClr r="0" g="0" b="0"/>
-      </a:lnRef>
-      <a:fillRef idx="1">
-        <a:scrgbClr r="0" g="0" b="0"/>
-      </a:fillRef>
-      <a:effectRef idx="0">
-        <a:scrgbClr r="0" g="0" b="0"/>
-      </a:effectRef>
-      <a:fontRef idx="minor"/>
-    </dgm:style>
-  </dgm:styleLbl>
-  <dgm:styleLbl name="alignAcc1">
-    <dgm:scene3d>
-      <a:camera prst="orthographicFront"/>
-      <a:lightRig rig="threePt" dir="t"/>
-    </dgm:scene3d>
-    <dgm:sp3d/>
-    <dgm:txPr/>
-    <dgm:style>
-      <a:lnRef idx="2">
-        <a:scrgbClr r="0" g="0" b="0"/>
-      </a:lnRef>
-      <a:fillRef idx="1">
-        <a:scrgbClr r="0" g="0" b="0"/>
-      </a:fillRef>
-      <a:effectRef idx="0">
-        <a:scrgbClr r="0" g="0" b="0"/>
-      </a:effectRef>
-      <a:fontRef idx="minor"/>
-    </dgm:style>
-  </dgm:styleLbl>
-  <dgm:styleLbl name="trAlignAcc1">
-    <dgm:scene3d>
-      <a:camera prst="orthographicFront"/>
-      <a:lightRig rig="threePt" dir="t"/>
-    </dgm:scene3d>
-    <dgm:sp3d/>
-    <dgm:txPr/>
-    <dgm:style>
-      <a:lnRef idx="1">
-        <a:scrgbClr r="0" g="0" b="0"/>
-      </a:lnRef>
-      <a:fillRef idx="1">
-        <a:scrgbClr r="0" g="0" b="0"/>
-      </a:fillRef>
-      <a:effectRef idx="0">
-        <a:scrgbClr r="0" g="0" b="0"/>
-      </a:effectRef>
-      <a:fontRef idx="minor"/>
-    </dgm:style>
-  </dgm:styleLbl>
-  <dgm:styleLbl name="bgAcc1">
-    <dgm:scene3d>
-      <a:camera prst="orthographicFront"/>
-      <a:lightRig rig="threePt" dir="t"/>
-    </dgm:scene3d>
-    <dgm:sp3d/>
-    <dgm:txPr/>
-    <dgm:style>
-      <a:lnRef idx="2">
-        <a:scrgbClr r="0" g="0" b="0"/>
-      </a:lnRef>
-      <a:fillRef idx="1">
-        <a:scrgbClr r="0" g="0" b="0"/>
-      </a:fillRef>
-      <a:effectRef idx="0">
-        <a:scrgbClr r="0" g="0" b="0"/>
-      </a:effectRef>
-      <a:fontRef idx="minor"/>
-    </dgm:style>
-  </dgm:styleLbl>
-  <dgm:styleLbl name="solidFgAcc1">
-    <dgm:scene3d>
-      <a:camera prst="orthographicFront"/>
-      <a:lightRig rig="threePt" dir="t"/>
-    </dgm:scene3d>
-    <dgm:sp3d/>
-    <dgm:txPr/>
-    <dgm:style>
-      <a:lnRef idx="2">
-        <a:scrgbClr r="0" g="0" b="0"/>
-      </a:lnRef>
-      <a:fillRef idx="1">
-        <a:scrgbClr r="0" g="0" b="0"/>
-      </a:fillRef>
-      <a:effectRef idx="0">
-        <a:scrgbClr r="0" g="0" b="0"/>
-      </a:effectRef>
-      <a:fontRef idx="minor"/>
-    </dgm:style>
-  </dgm:styleLbl>
-  <dgm:styleLbl name="solidAlignAcc1">
-    <dgm:scene3d>
-      <a:camera prst="orthographicFront"/>
-      <a:lightRig rig="threePt" dir="t"/>
-    </dgm:scene3d>
-    <dgm:sp3d/>
-    <dgm:txPr/>
-    <dgm:style>
-      <a:lnRef idx="2">
-        <a:scrgbClr r="0" g="0" b="0"/>
-      </a:lnRef>
-      <a:fillRef idx="1">
-        <a:scrgbClr r="0" g="0" b="0"/>
-      </a:fillRef>
-      <a:effectRef idx="0">
-        <a:scrgbClr r="0" g="0" b="0"/>
-      </a:effectRef>
-      <a:fontRef idx="minor"/>
-    </dgm:style>
-  </dgm:styleLbl>
-  <dgm:styleLbl name="solidBgAcc1">
-    <dgm:scene3d>
-      <a:camera prst="orthographicFront"/>
-      <a:lightRig rig="threePt" dir="t"/>
-    </dgm:scene3d>
-    <dgm:sp3d/>
-    <dgm:txPr/>
-    <dgm:style>
-      <a:lnRef idx="2">
-        <a:scrgbClr r="0" g="0" b="0"/>
-      </a:lnRef>
-      <a:fillRef idx="1">
-        <a:scrgbClr r="0" g="0" b="0"/>
-      </a:fillRef>
-      <a:effectRef idx="0">
-        <a:scrgbClr r="0" g="0" b="0"/>
-      </a:effectRef>
-      <a:fontRef idx="minor"/>
-    </dgm:style>
-  </dgm:styleLbl>
-  <dgm:styleLbl name="fgAccFollowNode1">
-    <dgm:scene3d>
-      <a:camera prst="orthographicFront"/>
-      <a:lightRig rig="threePt" dir="t"/>
-    </dgm:scene3d>
-    <dgm:sp3d/>
-    <dgm:txPr/>
-    <dgm:style>
-      <a:lnRef idx="2">
-        <a:scrgbClr r="0" g="0" b="0"/>
-      </a:lnRef>
-      <a:fillRef idx="1">
-        <a:scrgbClr r="0" g="0" b="0"/>
-      </a:fillRef>
-      <a:effectRef idx="0">
-        <a:scrgbClr r="0" g="0" b="0"/>
-      </a:effectRef>
-      <a:fontRef idx="minor"/>
-    </dgm:style>
-  </dgm:styleLbl>
-  <dgm:styleLbl name="alignAccFollowNode1">
-    <dgm:scene3d>
-      <a:camera prst="orthographicFront"/>
-      <a:lightRig rig="threePt" dir="t"/>
-    </dgm:scene3d>
-    <dgm:sp3d/>
-    <dgm:txPr/>
-    <dgm:style>
-      <a:lnRef idx="2">
-        <a:scrgbClr r="0" g="0" b="0"/>
-      </a:lnRef>
-      <a:fillRef idx="1">
-        <a:scrgbClr r="0" g="0" b="0"/>
-      </a:fillRef>
-      <a:effectRef idx="0">
-        <a:scrgbClr r="0" g="0" b="0"/>
-      </a:effectRef>
-      <a:fontRef idx="minor"/>
-    </dgm:style>
-  </dgm:styleLbl>
-  <dgm:styleLbl name="bgAccFollowNode1">
-    <dgm:scene3d>
-      <a:camera prst="orthographicFront"/>
-      <a:lightRig rig="threePt" dir="t"/>
-    </dgm:scene3d>
-    <dgm:sp3d/>
-    <dgm:txPr/>
-    <dgm:style>
-      <a:lnRef idx="2">
-        <a:scrgbClr r="0" g="0" b="0"/>
-      </a:lnRef>
-      <a:fillRef idx="1">
-        <a:scrgbClr r="0" g="0" b="0"/>
-      </a:fillRef>
-      <a:effectRef idx="0">
-        <a:scrgbClr r="0" g="0" b="0"/>
-      </a:effectRef>
-      <a:fontRef idx="minor"/>
-    </dgm:style>
-  </dgm:styleLbl>
-  <dgm:styleLbl name="fgAcc0">
-    <dgm:scene3d>
-      <a:camera prst="orthographicFront"/>
-      <a:lightRig rig="threePt" dir="t"/>
-    </dgm:scene3d>
-    <dgm:sp3d/>
-    <dgm:txPr/>
-    <dgm:style>
-      <a:lnRef idx="2">
-        <a:scrgbClr r="0" g="0" b="0"/>
-      </a:lnRef>
-      <a:fillRef idx="1">
-        <a:scrgbClr r="0" g="0" b="0"/>
-      </a:fillRef>
-      <a:effectRef idx="0">
-        <a:scrgbClr r="0" g="0" b="0"/>
-      </a:effectRef>
-      <a:fontRef idx="minor"/>
-    </dgm:style>
-  </dgm:styleLbl>
-  <dgm:styleLbl name="fgAcc2">
-    <dgm:scene3d>
-      <a:camera prst="orthographicFront"/>
-      <a:lightRig rig="threePt" dir="t"/>
-    </dgm:scene3d>
-    <dgm:sp3d/>
-    <dgm:txPr/>
-    <dgm:style>
-      <a:lnRef idx="2">
-        <a:scrgbClr r="0" g="0" b="0"/>
-      </a:lnRef>
-      <a:fillRef idx="1">
-        <a:scrgbClr r="0" g="0" b="0"/>
-      </a:fillRef>
-      <a:effectRef idx="0">
-        <a:scrgbClr r="0" g="0" b="0"/>
-      </a:effectRef>
-      <a:fontRef idx="minor"/>
-    </dgm:style>
-  </dgm:styleLbl>
-  <dgm:styleLbl name="fgAcc3">
-    <dgm:scene3d>
-      <a:camera prst="orthographicFront"/>
-      <a:lightRig rig="threePt" dir="t"/>
-    </dgm:scene3d>
-    <dgm:sp3d/>
-    <dgm:txPr/>
-    <dgm:style>
-      <a:lnRef idx="2">
-        <a:scrgbClr r="0" g="0" b="0"/>
-      </a:lnRef>
-      <a:fillRef idx="1">
-        <a:scrgbClr r="0" g="0" b="0"/>
-      </a:fillRef>
-      <a:effectRef idx="0">
-        <a:scrgbClr r="0" g="0" b="0"/>
-      </a:effectRef>
-      <a:fontRef idx="minor"/>
-    </dgm:style>
-  </dgm:styleLbl>
-  <dgm:styleLbl name="fgAcc4">
-    <dgm:scene3d>
-      <a:camera prst="orthographicFront"/>
-      <a:lightRig rig="threePt" dir="t"/>
-    </dgm:scene3d>
-    <dgm:sp3d/>
-    <dgm:txPr/>
-    <dgm:style>
-      <a:lnRef idx="2">
-        <a:scrgbClr r="0" g="0" b="0"/>
-      </a:lnRef>
-      <a:fillRef idx="1">
-        <a:scrgbClr r="0" g="0" b="0"/>
-      </a:fillRef>
-      <a:effectRef idx="0">
-        <a:scrgbClr r="0" g="0" b="0"/>
-      </a:effectRef>
-      <a:fontRef idx="minor"/>
-    </dgm:style>
-  </dgm:styleLbl>
-  <dgm:styleLbl name="bgShp">
-    <dgm:scene3d>
-      <a:camera prst="orthographicFront"/>
-      <a:lightRig rig="threePt" dir="t"/>
-    </dgm:scene3d>
-    <dgm:sp3d/>
-    <dgm:txPr/>
-    <dgm:style>
-      <a:lnRef idx="0">
-        <a:scrgbClr r="0" g="0" b="0"/>
-      </a:lnRef>
-      <a:fillRef idx="1">
-        <a:scrgbClr r="0" g="0" b="0"/>
-      </a:fillRef>
-      <a:effectRef idx="0">
-        <a:scrgbClr r="0" g="0" b="0"/>
-      </a:effectRef>
-      <a:fontRef idx="minor"/>
-    </dgm:style>
-  </dgm:styleLbl>
-  <dgm:styleLbl name="dkBgShp">
-    <dgm:scene3d>
-      <a:camera prst="orthographicFront"/>
-      <a:lightRig rig="threePt" dir="t"/>
-    </dgm:scene3d>
-    <dgm:sp3d/>
-    <dgm:txPr/>
-    <dgm:style>
-      <a:lnRef idx="0">
-        <a:scrgbClr r="0" g="0" b="0"/>
-      </a:lnRef>
-      <a:fillRef idx="1">
-        <a:scrgbClr r="0" g="0" b="0"/>
-      </a:fillRef>
-      <a:effectRef idx="0">
-        <a:scrgbClr r="0" g="0" b="0"/>
-      </a:effectRef>
-      <a:fontRef idx="minor"/>
-    </dgm:style>
-  </dgm:styleLbl>
-  <dgm:styleLbl name="trBgShp">
-    <dgm:scene3d>
-      <a:camera prst="orthographicFront"/>
-      <a:lightRig rig="threePt" dir="t"/>
-    </dgm:scene3d>
-    <dgm:sp3d/>
-    <dgm:txPr/>
-    <dgm:style>
-      <a:lnRef idx="0">
-        <a:scrgbClr r="0" g="0" b="0"/>
-      </a:lnRef>
-      <a:fillRef idx="1">
-        <a:scrgbClr r="0" g="0" b="0"/>
-      </a:fillRef>
-      <a:effectRef idx="0">
-        <a:scrgbClr r="0" g="0" b="0"/>
-      </a:effectRef>
-      <a:fontRef idx="minor"/>
-    </dgm:style>
-  </dgm:styleLbl>
-  <dgm:styleLbl name="fgShp">
-    <dgm:scene3d>
-      <a:camera prst="orthographicFront"/>
-      <a:lightRig rig="threePt" dir="t"/>
-    </dgm:scene3d>
-    <dgm:sp3d/>
-    <dgm:txPr/>
-    <dgm:style>
-      <a:lnRef idx="2">
-        <a:scrgbClr r="0" g="0" b="0"/>
-      </a:lnRef>
-      <a:fillRef idx="1">
-        <a:scrgbClr r="0" g="0" b="0"/>
-      </a:fillRef>
-      <a:effectRef idx="0">
-        <a:scrgbClr r="0" g="0" b="0"/>
-      </a:effectRef>
-      <a:fontRef idx="minor"/>
-    </dgm:style>
-  </dgm:styleLbl>
-  <dgm:styleLbl name="revTx">
-    <dgm:scene3d>
-      <a:camera prst="orthographicFront"/>
-      <a:lightRig rig="threePt" dir="t"/>
-    </dgm:scene3d>
-    <dgm:sp3d/>
-    <dgm:txPr/>
-    <dgm:style>
-      <a:lnRef idx="0">
-        <a:scrgbClr r="0" g="0" b="0"/>
-      </a:lnRef>
-      <a:fillRef idx="0">
-        <a:scrgbClr r="0" g="0" b="0"/>
-      </a:fillRef>
-      <a:effectRef idx="0">
-        <a:scrgbClr r="0" g="0" b="0"/>
-      </a:effectRef>
-      <a:fontRef idx="minor"/>
-    </dgm:style>
-  </dgm:styleLbl>
-</dgm:styleDef>
-</file>
-
 <file path=ppt/notesMasters/notesMaster1.xml><?xml version="1.0" encoding="utf-8"?>
 <p:notesMaster xmlns:a="http://schemas.openxmlformats.org/drawingml/2006/main" xmlns:r="http://schemas.openxmlformats.org/officeDocument/2006/relationships" xmlns:p="http://schemas.openxmlformats.org/presentationml/2006/main">
   <p:cSld>
@@ -8666,7 +5403,7 @@
           <a:p>
             <a:fld id="{CDFB1A35-FCF7-4D0C-AE83-400D24256912}" type="datetimeFigureOut">
               <a:rPr lang="en-US" smtClean="0"/>
-              <a:t>4/17/2024</a:t>
+              <a:t>4/18/2024</a:t>
             </a:fld>
             <a:endParaRPr lang="en-US"/>
           </a:p>
@@ -9809,7 +6546,7 @@
           <a:p>
             <a:fld id="{16A8CD98-EF2C-4EFD-A320-0FD1E700AB34}" type="datetimeFigureOut">
               <a:rPr lang="en-US" smtClean="0"/>
-              <a:t>4/17/2024</a:t>
+              <a:t>4/18/2024</a:t>
             </a:fld>
             <a:endParaRPr lang="en-US"/>
           </a:p>
@@ -10007,7 +6744,7 @@
           <a:p>
             <a:fld id="{16A8CD98-EF2C-4EFD-A320-0FD1E700AB34}" type="datetimeFigureOut">
               <a:rPr lang="en-US" smtClean="0"/>
-              <a:t>4/17/2024</a:t>
+              <a:t>4/18/2024</a:t>
             </a:fld>
             <a:endParaRPr lang="en-US"/>
           </a:p>
@@ -10215,7 +6952,7 @@
           <a:p>
             <a:fld id="{16A8CD98-EF2C-4EFD-A320-0FD1E700AB34}" type="datetimeFigureOut">
               <a:rPr lang="en-US" smtClean="0"/>
-              <a:t>4/17/2024</a:t>
+              <a:t>4/18/2024</a:t>
             </a:fld>
             <a:endParaRPr lang="en-US"/>
           </a:p>
@@ -10413,7 +7150,7 @@
           <a:p>
             <a:fld id="{16A8CD98-EF2C-4EFD-A320-0FD1E700AB34}" type="datetimeFigureOut">
               <a:rPr lang="en-US" smtClean="0"/>
-              <a:t>4/17/2024</a:t>
+              <a:t>4/18/2024</a:t>
             </a:fld>
             <a:endParaRPr lang="en-US"/>
           </a:p>
@@ -10688,7 +7425,7 @@
           <a:p>
             <a:fld id="{16A8CD98-EF2C-4EFD-A320-0FD1E700AB34}" type="datetimeFigureOut">
               <a:rPr lang="en-US" smtClean="0"/>
-              <a:t>4/17/2024</a:t>
+              <a:t>4/18/2024</a:t>
             </a:fld>
             <a:endParaRPr lang="en-US"/>
           </a:p>
@@ -10953,7 +7690,7 @@
           <a:p>
             <a:fld id="{16A8CD98-EF2C-4EFD-A320-0FD1E700AB34}" type="datetimeFigureOut">
               <a:rPr lang="en-US" smtClean="0"/>
-              <a:t>4/17/2024</a:t>
+              <a:t>4/18/2024</a:t>
             </a:fld>
             <a:endParaRPr lang="en-US"/>
           </a:p>
@@ -11365,7 +8102,7 @@
           <a:p>
             <a:fld id="{16A8CD98-EF2C-4EFD-A320-0FD1E700AB34}" type="datetimeFigureOut">
               <a:rPr lang="en-US" smtClean="0"/>
-              <a:t>4/17/2024</a:t>
+              <a:t>4/18/2024</a:t>
             </a:fld>
             <a:endParaRPr lang="en-US"/>
           </a:p>
@@ -11506,7 +8243,7 @@
           <a:p>
             <a:fld id="{16A8CD98-EF2C-4EFD-A320-0FD1E700AB34}" type="datetimeFigureOut">
               <a:rPr lang="en-US" smtClean="0"/>
-              <a:t>4/17/2024</a:t>
+              <a:t>4/18/2024</a:t>
             </a:fld>
             <a:endParaRPr lang="en-US"/>
           </a:p>
@@ -11619,7 +8356,7 @@
           <a:p>
             <a:fld id="{16A8CD98-EF2C-4EFD-A320-0FD1E700AB34}" type="datetimeFigureOut">
               <a:rPr lang="en-US" smtClean="0"/>
-              <a:t>4/17/2024</a:t>
+              <a:t>4/18/2024</a:t>
             </a:fld>
             <a:endParaRPr lang="en-US"/>
           </a:p>
@@ -11930,7 +8667,7 @@
           <a:p>
             <a:fld id="{16A8CD98-EF2C-4EFD-A320-0FD1E700AB34}" type="datetimeFigureOut">
               <a:rPr lang="en-US" smtClean="0"/>
-              <a:t>4/17/2024</a:t>
+              <a:t>4/18/2024</a:t>
             </a:fld>
             <a:endParaRPr lang="en-US"/>
           </a:p>
@@ -12218,7 +8955,7 @@
           <a:p>
             <a:fld id="{16A8CD98-EF2C-4EFD-A320-0FD1E700AB34}" type="datetimeFigureOut">
               <a:rPr lang="en-US" smtClean="0"/>
-              <a:t>4/17/2024</a:t>
+              <a:t>4/18/2024</a:t>
             </a:fld>
             <a:endParaRPr lang="en-US"/>
           </a:p>
@@ -12459,7 +9196,7 @@
           <a:p>
             <a:fld id="{16A8CD98-EF2C-4EFD-A320-0FD1E700AB34}" type="datetimeFigureOut">
               <a:rPr lang="en-US" smtClean="0"/>
-              <a:t>4/17/2024</a:t>
+              <a:t>4/18/2024</a:t>
             </a:fld>
             <a:endParaRPr lang="en-US"/>
           </a:p>
@@ -27636,59 +24373,6 @@
           </a:extLst>
         </p:spPr>
       </p:pic>
-      <p:sp>
-        <p:nvSpPr>
-          <p:cNvPr id="2" name="Speech Bubble: Rectangle with Corners Rounded 1">
-            <a:extLst>
-              <a:ext uri="{FF2B5EF4-FFF2-40B4-BE49-F238E27FC236}">
-                <a16:creationId xmlns:a16="http://schemas.microsoft.com/office/drawing/2014/main" id="{53984A83-7B10-45EA-65D5-44C9528C84C5}"/>
-              </a:ext>
-            </a:extLst>
-          </p:cNvPr>
-          <p:cNvSpPr/>
-          <p:nvPr/>
-        </p:nvSpPr>
-        <p:spPr>
-          <a:xfrm>
-            <a:off x="7420870" y="5652351"/>
-            <a:ext cx="2404533" cy="917782"/>
-          </a:xfrm>
-          <a:prstGeom prst="wedgeRoundRectCallout">
-            <a:avLst>
-              <a:gd name="adj1" fmla="val -76889"/>
-              <a:gd name="adj2" fmla="val -111717"/>
-              <a:gd name="adj3" fmla="val 16667"/>
-            </a:avLst>
-          </a:prstGeom>
-        </p:spPr>
-        <p:style>
-          <a:lnRef idx="2">
-            <a:schemeClr val="accent6">
-              <a:shade val="15000"/>
-            </a:schemeClr>
-          </a:lnRef>
-          <a:fillRef idx="1">
-            <a:schemeClr val="accent6"/>
-          </a:fillRef>
-          <a:effectRef idx="0">
-            <a:schemeClr val="accent6"/>
-          </a:effectRef>
-          <a:fontRef idx="minor">
-            <a:schemeClr val="lt1"/>
-          </a:fontRef>
-        </p:style>
-        <p:txBody>
-          <a:bodyPr rtlCol="0" anchor="ctr"/>
-          <a:lstStyle/>
-          <a:p>
-            <a:pPr algn="ctr"/>
-            <a:r>
-              <a:rPr lang="en-US" dirty="0"/>
-              <a:t>A bad forecast increases the probability of rain!</a:t>
-            </a:r>
-          </a:p>
-        </p:txBody>
-      </p:sp>
       <p:cxnSp>
         <p:nvCxnSpPr>
           <p:cNvPr id="4" name="Straight Arrow Connector 3">
@@ -28955,6 +25639,59 @@
           <a:p>
             <a:pPr algn="ctr"/>
             <a:endParaRPr lang="en-US"/>
+          </a:p>
+        </p:txBody>
+      </p:sp>
+      <p:sp>
+        <p:nvSpPr>
+          <p:cNvPr id="2" name="Speech Bubble: Rectangle with Corners Rounded 1">
+            <a:extLst>
+              <a:ext uri="{FF2B5EF4-FFF2-40B4-BE49-F238E27FC236}">
+                <a16:creationId xmlns:a16="http://schemas.microsoft.com/office/drawing/2014/main" id="{53984A83-7B10-45EA-65D5-44C9528C84C5}"/>
+              </a:ext>
+            </a:extLst>
+          </p:cNvPr>
+          <p:cNvSpPr/>
+          <p:nvPr/>
+        </p:nvSpPr>
+        <p:spPr>
+          <a:xfrm>
+            <a:off x="7420870" y="5652351"/>
+            <a:ext cx="2725583" cy="917782"/>
+          </a:xfrm>
+          <a:prstGeom prst="wedgeRoundRectCallout">
+            <a:avLst>
+              <a:gd name="adj1" fmla="val -76640"/>
+              <a:gd name="adj2" fmla="val -106551"/>
+              <a:gd name="adj3" fmla="val 16667"/>
+            </a:avLst>
+          </a:prstGeom>
+        </p:spPr>
+        <p:style>
+          <a:lnRef idx="2">
+            <a:schemeClr val="accent6">
+              <a:shade val="15000"/>
+            </a:schemeClr>
+          </a:lnRef>
+          <a:fillRef idx="1">
+            <a:schemeClr val="accent6"/>
+          </a:fillRef>
+          <a:effectRef idx="0">
+            <a:schemeClr val="accent6"/>
+          </a:effectRef>
+          <a:fontRef idx="minor">
+            <a:schemeClr val="lt1"/>
+          </a:fontRef>
+        </p:style>
+        <p:txBody>
+          <a:bodyPr rtlCol="0" anchor="ctr"/>
+          <a:lstStyle/>
+          <a:p>
+            <a:pPr algn="ctr"/>
+            <a:r>
+              <a:rPr lang="en-US" dirty="0"/>
+              <a:t>A forecast of bad weather is a result of an increased the probability of rain!</a:t>
+            </a:r>
           </a:p>
         </p:txBody>
       </p:sp>
@@ -32360,13 +29097,13 @@
         </p:nvSpPr>
         <p:spPr>
           <a:xfrm>
-            <a:off x="8686798" y="685800"/>
-            <a:ext cx="2776497" cy="1081087"/>
+            <a:off x="8686799" y="685800"/>
+            <a:ext cx="2667002" cy="1249372"/>
           </a:xfrm>
           <a:prstGeom prst="wedgeRoundRectCallout">
             <a:avLst>
-              <a:gd name="adj1" fmla="val -74823"/>
-              <a:gd name="adj2" fmla="val 65338"/>
+              <a:gd name="adj1" fmla="val -75331"/>
+              <a:gd name="adj2" fmla="val 54495"/>
               <a:gd name="adj3" fmla="val 16667"/>
             </a:avLst>
           </a:prstGeom>
@@ -32391,10 +29128,10 @@
           <a:bodyPr rtlCol="0" anchor="ctr"/>
           <a:lstStyle/>
           <a:p>
-            <a:pPr algn="r"/>
+            <a:pPr algn="ctr"/>
             <a:r>
               <a:rPr lang="en-US" dirty="0"/>
-              <a:t>{b} … evidence is bad weather forecast increases the probability of rain</a:t>
+              <a:t>{b} … evidence of bad weather forecast is a result of increased the probability of rain</a:t>
             </a:r>
           </a:p>
         </p:txBody>
@@ -33082,30 +29819,184 @@
           <a:chExt cx="0" cy="0"/>
         </a:xfrm>
       </p:grpSpPr>
-      <p:graphicFrame>
-        <p:nvGraphicFramePr>
+      <p:sp>
+        <p:nvSpPr>
+          <p:cNvPr id="2" name="Title 1">
+            <a:extLst>
+              <a:ext uri="{FF2B5EF4-FFF2-40B4-BE49-F238E27FC236}">
+                <a16:creationId xmlns:a16="http://schemas.microsoft.com/office/drawing/2014/main" id="{8256337C-1389-4236-A1A2-784AD6081B64}"/>
+              </a:ext>
+            </a:extLst>
+          </p:cNvPr>
+          <p:cNvSpPr>
+            <a:spLocks noGrp="1"/>
+          </p:cNvSpPr>
+          <p:nvPr>
+            <p:ph type="title"/>
+          </p:nvPr>
+        </p:nvSpPr>
+        <p:spPr/>
+        <p:txBody>
+          <a:bodyPr>
+            <a:normAutofit/>
+          </a:bodyPr>
+          <a:lstStyle/>
+          <a:p>
+            <a:r>
+              <a:rPr lang="en-US" sz="4000" dirty="0"/>
+              <a:t>Decision-theoretic Agents (=Utility-based Agent)</a:t>
+            </a:r>
+          </a:p>
+        </p:txBody>
+      </p:sp>
+      <p:sp>
+        <p:nvSpPr>
           <p:cNvPr id="4" name="Content Placeholder 3">
             <a:extLst>
               <a:ext uri="{FF2B5EF4-FFF2-40B4-BE49-F238E27FC236}">
-                <a16:creationId xmlns:a16="http://schemas.microsoft.com/office/drawing/2014/main" id="{2E7FD9A1-7C57-414C-960D-D424757D05FC}"/>
+                <a16:creationId xmlns:a16="http://schemas.microsoft.com/office/drawing/2014/main" id="{0942CC18-7F0D-5A79-20E8-F015A7BC6D73}"/>
+              </a:ext>
+            </a:extLst>
+          </p:cNvPr>
+          <p:cNvSpPr>
+            <a:spLocks noGrp="1"/>
+          </p:cNvSpPr>
+          <p:nvPr>
+            <p:ph idx="1"/>
+          </p:nvPr>
+        </p:nvSpPr>
+        <p:spPr>
+          <a:xfrm>
+            <a:off x="838200" y="1544320"/>
+            <a:ext cx="10515600" cy="3213735"/>
+          </a:xfrm>
+        </p:spPr>
+        <p:txBody>
+          <a:bodyPr>
+            <a:normAutofit fontScale="85000" lnSpcReduction="20000"/>
+          </a:bodyPr>
+          <a:lstStyle/>
+          <a:p>
+            <a:pPr lvl="0">
+              <a:buNone/>
+            </a:pPr>
+            <a:r>
+              <a:rPr lang="en-US" dirty="0"/>
+              <a:t>Recap</a:t>
+            </a:r>
+          </a:p>
+          <a:p>
+            <a:r>
+              <a:rPr lang="en-US" b="1" dirty="0"/>
+              <a:t>A</a:t>
+            </a:r>
+            <a:r>
+              <a:rPr lang="en-US" sz="2800" b="1" dirty="0"/>
+              <a:t>gents based on logic</a:t>
+            </a:r>
+            <a:r>
+              <a:rPr lang="en-US" sz="2800" dirty="0"/>
+              <a:t>:  </a:t>
+            </a:r>
+            <a:r>
+              <a:rPr lang="en-US" dirty="0"/>
+              <a:t>Cannot deal with uncertainty, conflicting goals, etc.</a:t>
+            </a:r>
+          </a:p>
+          <a:p>
+            <a:r>
+              <a:rPr lang="en-US" sz="2800" b="1" dirty="0"/>
+              <a:t>Goal-based agents</a:t>
+            </a:r>
+            <a:r>
+              <a:rPr lang="en-US" sz="2800" dirty="0"/>
+              <a:t>: </a:t>
+            </a:r>
+            <a:r>
+              <a:rPr lang="en-US" dirty="0"/>
+              <a:t>Can only assign goal/not goal to states and find goal states.</a:t>
+            </a:r>
+          </a:p>
+          <a:p>
+            <a:endParaRPr lang="en-US" dirty="0"/>
+          </a:p>
+          <a:p>
+            <a:r>
+              <a:rPr lang="en-US" sz="2800" b="1" dirty="0"/>
+              <a:t>Utility-based agents</a:t>
+            </a:r>
+          </a:p>
+          <a:p>
+            <a:pPr lvl="1"/>
+            <a:r>
+              <a:rPr lang="en-US" dirty="0"/>
+              <a:t>Assign a utility value to each state. </a:t>
+            </a:r>
+          </a:p>
+          <a:p>
+            <a:pPr lvl="1"/>
+            <a:r>
+              <a:rPr lang="en-US" dirty="0"/>
+              <a:t>Utility is related to the external performance measure (see PEAS).</a:t>
+            </a:r>
+          </a:p>
+          <a:p>
+            <a:pPr lvl="1"/>
+            <a:r>
+              <a:rPr lang="en-US" dirty="0"/>
+              <a:t>A rational agent optimizes the expected utility (i.e., is utility-based).</a:t>
+            </a:r>
+          </a:p>
+          <a:p>
+            <a:pPr lvl="1"/>
+            <a:r>
+              <a:rPr lang="en-US" dirty="0"/>
+              <a:t>Decisions are made using decision theory.</a:t>
+            </a:r>
+          </a:p>
+          <a:p>
+            <a:pPr marL="0" indent="0">
+              <a:buNone/>
+            </a:pPr>
+            <a:endParaRPr lang="en-US" sz="2800" dirty="0"/>
+          </a:p>
+          <a:p>
+            <a:endParaRPr lang="en-US" dirty="0"/>
+          </a:p>
+          <a:p>
+            <a:endParaRPr lang="en-US" dirty="0"/>
+          </a:p>
+          <a:p>
+            <a:endParaRPr lang="en-US" sz="2800" dirty="0"/>
+          </a:p>
+          <a:p>
+            <a:endParaRPr lang="en-US" dirty="0"/>
+          </a:p>
+        </p:txBody>
+      </p:sp>
+      <p:graphicFrame>
+        <p:nvGraphicFramePr>
+          <p:cNvPr id="7" name="Content Placeholder 3">
+            <a:extLst>
+              <a:ext uri="{FF2B5EF4-FFF2-40B4-BE49-F238E27FC236}">
+                <a16:creationId xmlns:a16="http://schemas.microsoft.com/office/drawing/2014/main" id="{6E9CF8E8-6D7F-DAF8-BF9D-F2B1298F0147}"/>
               </a:ext>
             </a:extLst>
           </p:cNvPr>
           <p:cNvGraphicFramePr>
-            <a:graphicFrameLocks noGrp="1"/>
+            <a:graphicFrameLocks/>
           </p:cNvGraphicFramePr>
           <p:nvPr>
-            <p:ph idx="4294967295"/>
             <p:extLst>
               <p:ext uri="{D42A27DB-BD31-4B8C-83A1-F6EECF244321}">
-                <p14:modId xmlns:p14="http://schemas.microsoft.com/office/powerpoint/2010/main" val="1807009998"/>
+                <p14:modId xmlns:p14="http://schemas.microsoft.com/office/powerpoint/2010/main" val="4145437556"/>
               </p:ext>
             </p:extLst>
           </p:nvPr>
         </p:nvGraphicFramePr>
         <p:xfrm>
-          <a:off x="871143" y="2945360"/>
-          <a:ext cx="10515600" cy="4016557"/>
+          <a:off x="1148849" y="4179146"/>
+          <a:ext cx="8171257" cy="2857277"/>
         </p:xfrm>
         <a:graphic>
           <a:graphicData uri="http://schemas.openxmlformats.org/drawingml/2006/diagram">
@@ -33113,109 +30004,10 @@
           </a:graphicData>
         </a:graphic>
       </p:graphicFrame>
-      <p:sp>
-        <p:nvSpPr>
-          <p:cNvPr id="2" name="TextBox 1">
-            <a:extLst>
-              <a:ext uri="{FF2B5EF4-FFF2-40B4-BE49-F238E27FC236}">
-                <a16:creationId xmlns:a16="http://schemas.microsoft.com/office/drawing/2014/main" id="{017AAF80-ECE2-4B00-967E-F1E73B72B12E}"/>
-              </a:ext>
-            </a:extLst>
-          </p:cNvPr>
-          <p:cNvSpPr txBox="1"/>
-          <p:nvPr/>
-        </p:nvSpPr>
-        <p:spPr>
-          <a:xfrm>
-            <a:off x="838200" y="654518"/>
-            <a:ext cx="10581487" cy="2400657"/>
-          </a:xfrm>
-          <a:prstGeom prst="rect">
-            <a:avLst/>
-          </a:prstGeom>
-          <a:noFill/>
-        </p:spPr>
-        <p:txBody>
-          <a:bodyPr wrap="square" rtlCol="0">
-            <a:spAutoFit/>
-          </a:bodyPr>
-          <a:lstStyle/>
-          <a:p>
-            <a:r>
-              <a:rPr lang="en-US" sz="2400" b="1" dirty="0"/>
-              <a:t>What is a simple decision?</a:t>
-            </a:r>
-          </a:p>
-          <a:p>
-            <a:endParaRPr lang="en-US" dirty="0"/>
-          </a:p>
-          <a:p>
-            <a:pPr marL="285750" indent="-285750">
-              <a:buFont typeface="Arial" panose="020B0604020202020204" pitchFamily="34" charset="0"/>
-              <a:buChar char="•"/>
-            </a:pPr>
-            <a:r>
-              <a:rPr lang="en-US" dirty="0"/>
-              <a:t>The environment most likely is </a:t>
-            </a:r>
-            <a:r>
-              <a:rPr lang="en-US" b="1" dirty="0"/>
-              <a:t>stochastic</a:t>
-            </a:r>
-            <a:r>
-              <a:rPr lang="en-US" dirty="0"/>
-              <a:t> with non-deterministic actions. It may also only be </a:t>
-            </a:r>
-            <a:r>
-              <a:rPr lang="en-US" b="1" dirty="0"/>
-              <a:t>partially observable</a:t>
-            </a:r>
-            <a:r>
-              <a:rPr lang="en-US" dirty="0"/>
-              <a:t>. Otherwise, making a decision would be trivial.</a:t>
-            </a:r>
-          </a:p>
-          <a:p>
-            <a:pPr marL="285750" indent="-285750">
-              <a:buFont typeface="Arial" panose="020B0604020202020204" pitchFamily="34" charset="0"/>
-              <a:buChar char="•"/>
-            </a:pPr>
-            <a:r>
-              <a:rPr lang="en-US" dirty="0"/>
-              <a:t>We make the same decision frequently + making it once does not affect future decisions. This means we have an </a:t>
-            </a:r>
-            <a:r>
-              <a:rPr lang="en-US" b="1" dirty="0"/>
-              <a:t>episodic environment</a:t>
-            </a:r>
-            <a:r>
-              <a:rPr lang="en-US" dirty="0"/>
-              <a:t>.</a:t>
-            </a:r>
-          </a:p>
-          <a:p>
-            <a:pPr marL="285750" indent="-285750">
-              <a:buFont typeface="Arial" panose="020B0604020202020204" pitchFamily="34" charset="0"/>
-              <a:buChar char="•"/>
-            </a:pPr>
-            <a:endParaRPr lang="en-US" dirty="0"/>
-          </a:p>
-          <a:p>
-            <a:pPr marL="285750" indent="-285750">
-              <a:buFont typeface="Arial" panose="020B0604020202020204" pitchFamily="34" charset="0"/>
-              <a:buChar char="•"/>
-            </a:pPr>
-            <a:r>
-              <a:rPr lang="en-US" dirty="0"/>
-              <a:t>Decision theory formalizes making optimal simple decisions under uncertainty.</a:t>
-            </a:r>
-          </a:p>
-        </p:txBody>
-      </p:sp>
     </p:spTree>
     <p:extLst>
       <p:ext uri="{BB962C8B-B14F-4D97-AF65-F5344CB8AC3E}">
-        <p14:creationId xmlns:p14="http://schemas.microsoft.com/office/powerpoint/2010/main" val="4193130229"/>
+        <p14:creationId xmlns:p14="http://schemas.microsoft.com/office/powerpoint/2010/main" val="1210133871"/>
       </p:ext>
     </p:extLst>
   </p:cSld>
@@ -33267,46 +30059,2441 @@
           <a:p>
             <a:r>
               <a:rPr lang="en-US" sz="4000" dirty="0"/>
-              <a:t>Decision-theoretic Agents (=Utility-based Agent)</a:t>
+              <a:t>Simple 				vs. 		Complex Decisions </a:t>
             </a:r>
           </a:p>
         </p:txBody>
       </p:sp>
-      <p:graphicFrame>
-        <p:nvGraphicFramePr>
-          <p:cNvPr id="6" name="Content Placeholder 5">
+      <p:sp>
+        <p:nvSpPr>
+          <p:cNvPr id="4" name="Content Placeholder 3">
             <a:extLst>
               <a:ext uri="{FF2B5EF4-FFF2-40B4-BE49-F238E27FC236}">
-                <a16:creationId xmlns:a16="http://schemas.microsoft.com/office/drawing/2014/main" id="{FD42FDB4-4BB8-42AA-968E-44587AF34894}"/>
+                <a16:creationId xmlns:a16="http://schemas.microsoft.com/office/drawing/2014/main" id="{0942CC18-7F0D-5A79-20E8-F015A7BC6D73}"/>
               </a:ext>
             </a:extLst>
           </p:cNvPr>
-          <p:cNvGraphicFramePr>
-            <a:graphicFrameLocks noGrp="1"/>
-          </p:cNvGraphicFramePr>
+          <p:cNvSpPr>
+            <a:spLocks noGrp="1"/>
+          </p:cNvSpPr>
           <p:nvPr>
-            <p:ph idx="1"/>
-            <p:extLst>
-              <p:ext uri="{D42A27DB-BD31-4B8C-83A1-F6EECF244321}">
-                <p14:modId xmlns:p14="http://schemas.microsoft.com/office/powerpoint/2010/main" val="297291193"/>
-              </p:ext>
-            </p:extLst>
+            <p:ph sz="half" idx="1"/>
           </p:nvPr>
-        </p:nvGraphicFramePr>
-        <p:xfrm>
-          <a:off x="838200" y="1825625"/>
-          <a:ext cx="10515600" cy="4351338"/>
-        </p:xfrm>
-        <a:graphic>
-          <a:graphicData uri="http://schemas.openxmlformats.org/drawingml/2006/diagram">
-            <dgm:relIds xmlns:dgm="http://schemas.openxmlformats.org/drawingml/2006/diagram" xmlns:r="http://schemas.openxmlformats.org/officeDocument/2006/relationships" r:dm="rId2" r:lo="rId3" r:qs="rId4" r:cs="rId5"/>
-          </a:graphicData>
-        </a:graphic>
-      </p:graphicFrame>
+        </p:nvSpPr>
+        <p:spPr>
+          <a:xfrm>
+            <a:off x="778088" y="2808777"/>
+            <a:ext cx="4844627" cy="3098588"/>
+          </a:xfrm>
+        </p:spPr>
+        <p:txBody>
+          <a:bodyPr>
+            <a:normAutofit fontScale="70000" lnSpcReduction="20000"/>
+          </a:bodyPr>
+          <a:lstStyle/>
+          <a:p>
+            <a:pPr marL="0" indent="0">
+              <a:buNone/>
+            </a:pPr>
+            <a:endParaRPr lang="en-US" dirty="0"/>
+          </a:p>
+          <a:p>
+            <a:pPr marL="285750" indent="-285750">
+              <a:buFont typeface="Arial" panose="020B0604020202020204" pitchFamily="34" charset="0"/>
+              <a:buChar char="•"/>
+            </a:pPr>
+            <a:r>
+              <a:rPr lang="en-US" dirty="0"/>
+              <a:t>We make the same decision frequently + making it once does not affect future decisions. This means we have an </a:t>
+            </a:r>
+            <a:r>
+              <a:rPr lang="en-US" b="1" dirty="0"/>
+              <a:t>episodic environment</a:t>
+            </a:r>
+            <a:r>
+              <a:rPr lang="en-US" dirty="0"/>
+              <a:t>.</a:t>
+            </a:r>
+          </a:p>
+          <a:p>
+            <a:pPr marL="285750" indent="-285750">
+              <a:buFont typeface="Arial" panose="020B0604020202020204" pitchFamily="34" charset="0"/>
+              <a:buChar char="•"/>
+            </a:pPr>
+            <a:endParaRPr lang="en-US" dirty="0"/>
+          </a:p>
+          <a:p>
+            <a:pPr marL="285750" indent="-285750">
+              <a:buFont typeface="Arial" panose="020B0604020202020204" pitchFamily="34" charset="0"/>
+              <a:buChar char="•"/>
+            </a:pPr>
+            <a:r>
+              <a:rPr lang="en-US" dirty="0"/>
+              <a:t>May have a </a:t>
+            </a:r>
+            <a:r>
+              <a:rPr lang="en-US" b="1" dirty="0"/>
+              <a:t>stochastic</a:t>
+            </a:r>
+            <a:r>
+              <a:rPr lang="en-US" dirty="0"/>
+              <a:t> environment (e.g., with non-deterministic actions or probabilistic transitions). </a:t>
+            </a:r>
+          </a:p>
+          <a:p>
+            <a:pPr marL="285750" indent="-285750">
+              <a:buFont typeface="Arial" panose="020B0604020202020204" pitchFamily="34" charset="0"/>
+              <a:buChar char="•"/>
+            </a:pPr>
+            <a:endParaRPr lang="en-US" dirty="0"/>
+          </a:p>
+          <a:p>
+            <a:pPr marL="285750" indent="-285750">
+              <a:buFont typeface="Arial" panose="020B0604020202020204" pitchFamily="34" charset="0"/>
+              <a:buChar char="•"/>
+            </a:pPr>
+            <a:r>
+              <a:rPr lang="en-US" dirty="0"/>
+              <a:t>May be </a:t>
+            </a:r>
+            <a:r>
+              <a:rPr lang="en-US" b="1" dirty="0"/>
+              <a:t>partially observable</a:t>
+            </a:r>
+            <a:r>
+              <a:rPr lang="en-US" dirty="0"/>
+              <a:t>.</a:t>
+            </a:r>
+          </a:p>
+          <a:p>
+            <a:pPr marL="0" indent="0">
+              <a:buNone/>
+            </a:pPr>
+            <a:endParaRPr lang="en-US" dirty="0"/>
+          </a:p>
+          <a:p>
+            <a:endParaRPr lang="en-US" sz="2800" dirty="0"/>
+          </a:p>
+          <a:p>
+            <a:endParaRPr lang="en-US" dirty="0"/>
+          </a:p>
+        </p:txBody>
+      </p:sp>
+      <p:sp>
+        <p:nvSpPr>
+          <p:cNvPr id="3" name="Content Placeholder 2">
+            <a:extLst>
+              <a:ext uri="{FF2B5EF4-FFF2-40B4-BE49-F238E27FC236}">
+                <a16:creationId xmlns:a16="http://schemas.microsoft.com/office/drawing/2014/main" id="{566237A1-B5AF-03E1-64E0-5224BA7922BB}"/>
+              </a:ext>
+            </a:extLst>
+          </p:cNvPr>
+          <p:cNvSpPr>
+            <a:spLocks noGrp="1"/>
+          </p:cNvSpPr>
+          <p:nvPr>
+            <p:ph sz="half" idx="2"/>
+          </p:nvPr>
+        </p:nvSpPr>
+        <p:spPr>
+          <a:xfrm>
+            <a:off x="6152098" y="2724439"/>
+            <a:ext cx="5181600" cy="3452524"/>
+          </a:xfrm>
+        </p:spPr>
+        <p:txBody>
+          <a:bodyPr>
+            <a:normAutofit fontScale="70000" lnSpcReduction="20000"/>
+          </a:bodyPr>
+          <a:lstStyle/>
+          <a:p>
+            <a:r>
+              <a:rPr lang="en-US" b="1" dirty="0"/>
+              <a:t>Sequential decision making</a:t>
+            </a:r>
+            <a:r>
+              <a:rPr lang="en-US" dirty="0"/>
+              <a:t>: The agent’s utility depends on a sequence of decisions.</a:t>
+            </a:r>
+          </a:p>
+          <a:p>
+            <a:endParaRPr lang="en-US" dirty="0"/>
+          </a:p>
+          <a:p>
+            <a:r>
+              <a:rPr lang="en-US" dirty="0"/>
+              <a:t>Search, planning and playing games we have covered so far are such problems.</a:t>
+            </a:r>
+          </a:p>
+          <a:p>
+            <a:endParaRPr lang="en-US" dirty="0"/>
+          </a:p>
+          <a:p>
+            <a:r>
+              <a:rPr lang="en-US" dirty="0"/>
+              <a:t>To solve this with decision theory requires different methods: </a:t>
+            </a:r>
+            <a:r>
+              <a:rPr lang="en-US" b="1" dirty="0"/>
+              <a:t>Markov Decision Processes (MDP)</a:t>
+            </a:r>
+          </a:p>
+        </p:txBody>
+      </p:sp>
+      <p:sp>
+        <p:nvSpPr>
+          <p:cNvPr id="5" name="TextBox 4">
+            <a:extLst>
+              <a:ext uri="{FF2B5EF4-FFF2-40B4-BE49-F238E27FC236}">
+                <a16:creationId xmlns:a16="http://schemas.microsoft.com/office/drawing/2014/main" id="{94CB6756-1B32-A8FA-BB92-224E500864DA}"/>
+              </a:ext>
+            </a:extLst>
+          </p:cNvPr>
+          <p:cNvSpPr txBox="1"/>
+          <p:nvPr/>
+        </p:nvSpPr>
+        <p:spPr>
+          <a:xfrm>
+            <a:off x="471112" y="1523389"/>
+            <a:ext cx="5330613" cy="5059680"/>
+          </a:xfrm>
+          <a:prstGeom prst="rect">
+            <a:avLst/>
+          </a:prstGeom>
+          <a:noFill/>
+        </p:spPr>
+        <p:style>
+          <a:lnRef idx="2">
+            <a:schemeClr val="accent2"/>
+          </a:lnRef>
+          <a:fillRef idx="1">
+            <a:schemeClr val="lt1"/>
+          </a:fillRef>
+          <a:effectRef idx="0">
+            <a:schemeClr val="accent2"/>
+          </a:effectRef>
+          <a:fontRef idx="minor">
+            <a:schemeClr val="dk1"/>
+          </a:fontRef>
+        </p:style>
+        <p:txBody>
+          <a:bodyPr wrap="square" rtlCol="0">
+            <a:spAutoFit/>
+          </a:bodyPr>
+          <a:lstStyle/>
+          <a:p>
+            <a:endParaRPr lang="en-US" dirty="0"/>
+          </a:p>
+        </p:txBody>
+      </p:sp>
+      <p:sp>
+        <p:nvSpPr>
+          <p:cNvPr id="6" name="TextBox 5">
+            <a:extLst>
+              <a:ext uri="{FF2B5EF4-FFF2-40B4-BE49-F238E27FC236}">
+                <a16:creationId xmlns:a16="http://schemas.microsoft.com/office/drawing/2014/main" id="{12B81323-AADD-F620-C5DA-5481BE894B9F}"/>
+              </a:ext>
+            </a:extLst>
+          </p:cNvPr>
+          <p:cNvSpPr txBox="1"/>
+          <p:nvPr/>
+        </p:nvSpPr>
+        <p:spPr>
+          <a:xfrm>
+            <a:off x="917786" y="5992297"/>
+            <a:ext cx="4592320" cy="369332"/>
+          </a:xfrm>
+          <a:prstGeom prst="rect">
+            <a:avLst/>
+          </a:prstGeom>
+          <a:noFill/>
+        </p:spPr>
+        <p:txBody>
+          <a:bodyPr wrap="square" rtlCol="0">
+            <a:spAutoFit/>
+          </a:bodyPr>
+          <a:lstStyle/>
+          <a:p>
+            <a:r>
+              <a:rPr lang="en-US" b="1" dirty="0">
+                <a:solidFill>
+                  <a:schemeClr val="accent2"/>
+                </a:solidFill>
+              </a:rPr>
+              <a:t>We focus on making simple decisions for now!</a:t>
+            </a:r>
+          </a:p>
+        </p:txBody>
+      </p:sp>
+      <p:grpSp>
+        <p:nvGrpSpPr>
+          <p:cNvPr id="18" name="Group 17">
+            <a:extLst>
+              <a:ext uri="{FF2B5EF4-FFF2-40B4-BE49-F238E27FC236}">
+                <a16:creationId xmlns:a16="http://schemas.microsoft.com/office/drawing/2014/main" id="{8E61F316-66BD-E882-10A3-E98145F5C3B8}"/>
+              </a:ext>
+            </a:extLst>
+          </p:cNvPr>
+          <p:cNvGrpSpPr/>
+          <p:nvPr/>
+        </p:nvGrpSpPr>
+        <p:grpSpPr>
+          <a:xfrm>
+            <a:off x="1732312" y="1827989"/>
+            <a:ext cx="2748279" cy="527666"/>
+            <a:chOff x="1847426" y="5059150"/>
+            <a:chExt cx="2748279" cy="527666"/>
+          </a:xfrm>
+        </p:grpSpPr>
+        <mc:AlternateContent xmlns:mc="http://schemas.openxmlformats.org/markup-compatibility/2006" xmlns:a14="http://schemas.microsoft.com/office/drawing/2010/main">
+          <mc:Choice Requires="a14">
+            <p:sp>
+              <p:nvSpPr>
+                <p:cNvPr id="8" name="Oval 7">
+                  <a:extLst>
+                    <a:ext uri="{FF2B5EF4-FFF2-40B4-BE49-F238E27FC236}">
+                      <a16:creationId xmlns:a16="http://schemas.microsoft.com/office/drawing/2014/main" id="{52873D6D-58EF-CB70-2179-F503E5CB8773}"/>
+                    </a:ext>
+                  </a:extLst>
+                </p:cNvPr>
+                <p:cNvSpPr/>
+                <p:nvPr/>
+              </p:nvSpPr>
+              <p:spPr>
+                <a:xfrm>
+                  <a:off x="1847426" y="5166339"/>
+                  <a:ext cx="916093" cy="420477"/>
+                </a:xfrm>
+                <a:prstGeom prst="ellipse">
+                  <a:avLst/>
+                </a:prstGeom>
+                <a:solidFill>
+                  <a:schemeClr val="accent6"/>
+                </a:solidFill>
+                <a:ln>
+                  <a:noFill/>
+                </a:ln>
+              </p:spPr>
+              <p:style>
+                <a:lnRef idx="0">
+                  <a:scrgbClr r="0" g="0" b="0"/>
+                </a:lnRef>
+                <a:fillRef idx="0">
+                  <a:scrgbClr r="0" g="0" b="0"/>
+                </a:fillRef>
+                <a:effectRef idx="0">
+                  <a:scrgbClr r="0" g="0" b="0"/>
+                </a:effectRef>
+                <a:fontRef idx="minor">
+                  <a:schemeClr val="lt1"/>
+                </a:fontRef>
+              </p:style>
+              <p:txBody>
+                <a:bodyPr rtlCol="0" anchor="ctr"/>
+                <a:lstStyle/>
+                <a:p>
+                  <a:pPr algn="ctr"/>
+                  <a:r>
+                    <a:rPr lang="en-US" sz="1050" b="1" dirty="0" err="1"/>
+                    <a:t>Currentstate</a:t>
+                  </a:r>
+                  <a:r>
+                    <a:rPr lang="en-US" sz="1050" b="1" dirty="0"/>
+                    <a:t> </a:t>
+                  </a:r>
+                  <a14:m>
+                    <m:oMath xmlns:m="http://schemas.openxmlformats.org/officeDocument/2006/math">
+                      <m:r>
+                        <a:rPr lang="en-US" sz="1050" b="1" i="1" dirty="0" smtClean="0">
+                          <a:latin typeface="Cambria Math" panose="02040503050406030204" pitchFamily="18" charset="0"/>
+                        </a:rPr>
+                        <m:t>𝒔</m:t>
+                      </m:r>
+                    </m:oMath>
+                  </a14:m>
+                  <a:endParaRPr lang="en-US" sz="1050" b="1" dirty="0"/>
+                </a:p>
+              </p:txBody>
+            </p:sp>
+          </mc:Choice>
+          <mc:Fallback xmlns="">
+            <p:sp>
+              <p:nvSpPr>
+                <p:cNvPr id="8" name="Oval 7">
+                  <a:extLst>
+                    <a:ext uri="{FF2B5EF4-FFF2-40B4-BE49-F238E27FC236}">
+                      <a16:creationId xmlns:a16="http://schemas.microsoft.com/office/drawing/2014/main" id="{52873D6D-58EF-CB70-2179-F503E5CB8773}"/>
+                    </a:ext>
+                  </a:extLst>
+                </p:cNvPr>
+                <p:cNvSpPr>
+                  <a:spLocks noRot="1" noChangeAspect="1" noMove="1" noResize="1" noEditPoints="1" noAdjustHandles="1" noChangeArrowheads="1" noChangeShapeType="1" noTextEdit="1"/>
+                </p:cNvSpPr>
+                <p:nvPr/>
+              </p:nvSpPr>
+              <p:spPr>
+                <a:xfrm>
+                  <a:off x="1847426" y="5166339"/>
+                  <a:ext cx="916093" cy="420477"/>
+                </a:xfrm>
+                <a:prstGeom prst="ellipse">
+                  <a:avLst/>
+                </a:prstGeom>
+                <a:blipFill>
+                  <a:blip r:embed="rId2"/>
+                  <a:stretch>
+                    <a:fillRect b="-8696"/>
+                  </a:stretch>
+                </a:blipFill>
+                <a:ln>
+                  <a:noFill/>
+                </a:ln>
+              </p:spPr>
+              <p:txBody>
+                <a:bodyPr/>
+                <a:lstStyle/>
+                <a:p>
+                  <a:r>
+                    <a:rPr lang="en-US">
+                      <a:noFill/>
+                    </a:rPr>
+                    <a:t> </a:t>
+                  </a:r>
+                </a:p>
+              </p:txBody>
+            </p:sp>
+          </mc:Fallback>
+        </mc:AlternateContent>
+        <mc:AlternateContent xmlns:mc="http://schemas.openxmlformats.org/markup-compatibility/2006" xmlns:a14="http://schemas.microsoft.com/office/drawing/2010/main">
+          <mc:Choice Requires="a14">
+            <p:sp>
+              <p:nvSpPr>
+                <p:cNvPr id="10" name="Oval 9">
+                  <a:extLst>
+                    <a:ext uri="{FF2B5EF4-FFF2-40B4-BE49-F238E27FC236}">
+                      <a16:creationId xmlns:a16="http://schemas.microsoft.com/office/drawing/2014/main" id="{4DDC0610-D2B6-F25C-7A0F-2F3D26085341}"/>
+                    </a:ext>
+                  </a:extLst>
+                </p:cNvPr>
+                <p:cNvSpPr/>
+                <p:nvPr/>
+              </p:nvSpPr>
+              <p:spPr>
+                <a:xfrm>
+                  <a:off x="3452706" y="5166340"/>
+                  <a:ext cx="916093" cy="420476"/>
+                </a:xfrm>
+                <a:prstGeom prst="ellipse">
+                  <a:avLst/>
+                </a:prstGeom>
+                <a:solidFill>
+                  <a:schemeClr val="accent6"/>
+                </a:solidFill>
+                <a:ln>
+                  <a:noFill/>
+                </a:ln>
+              </p:spPr>
+              <p:style>
+                <a:lnRef idx="0">
+                  <a:scrgbClr r="0" g="0" b="0"/>
+                </a:lnRef>
+                <a:fillRef idx="0">
+                  <a:scrgbClr r="0" g="0" b="0"/>
+                </a:fillRef>
+                <a:effectRef idx="0">
+                  <a:scrgbClr r="0" g="0" b="0"/>
+                </a:effectRef>
+                <a:fontRef idx="minor">
+                  <a:schemeClr val="lt1"/>
+                </a:fontRef>
+              </p:style>
+              <p:txBody>
+                <a:bodyPr rtlCol="0" anchor="ctr"/>
+                <a:lstStyle/>
+                <a:p>
+                  <a:pPr algn="ctr"/>
+                  <a:r>
+                    <a:rPr lang="en-US" sz="1050" b="1" dirty="0"/>
+                    <a:t>Future state </a:t>
+                  </a:r>
+                  <a14:m>
+                    <m:oMath xmlns:m="http://schemas.openxmlformats.org/officeDocument/2006/math">
+                      <m:r>
+                        <a:rPr lang="en-US" sz="1050" b="1" i="1" dirty="0" smtClean="0">
+                          <a:latin typeface="Cambria Math" panose="02040503050406030204" pitchFamily="18" charset="0"/>
+                        </a:rPr>
+                        <m:t>𝒔</m:t>
+                      </m:r>
+                      <m:r>
+                        <a:rPr lang="en-US" sz="1050" b="1" i="1" dirty="0" smtClean="0">
+                          <a:latin typeface="Cambria Math" panose="02040503050406030204" pitchFamily="18" charset="0"/>
+                        </a:rPr>
+                        <m:t>′</m:t>
+                      </m:r>
+                    </m:oMath>
+                  </a14:m>
+                  <a:endParaRPr lang="en-US" sz="1050" b="1" dirty="0"/>
+                </a:p>
+              </p:txBody>
+            </p:sp>
+          </mc:Choice>
+          <mc:Fallback xmlns="">
+            <p:sp>
+              <p:nvSpPr>
+                <p:cNvPr id="10" name="Oval 9">
+                  <a:extLst>
+                    <a:ext uri="{FF2B5EF4-FFF2-40B4-BE49-F238E27FC236}">
+                      <a16:creationId xmlns:a16="http://schemas.microsoft.com/office/drawing/2014/main" id="{4DDC0610-D2B6-F25C-7A0F-2F3D26085341}"/>
+                    </a:ext>
+                  </a:extLst>
+                </p:cNvPr>
+                <p:cNvSpPr>
+                  <a:spLocks noRot="1" noChangeAspect="1" noMove="1" noResize="1" noEditPoints="1" noAdjustHandles="1" noChangeArrowheads="1" noChangeShapeType="1" noTextEdit="1"/>
+                </p:cNvSpPr>
+                <p:nvPr/>
+              </p:nvSpPr>
+              <p:spPr>
+                <a:xfrm>
+                  <a:off x="3452706" y="5166340"/>
+                  <a:ext cx="916093" cy="420476"/>
+                </a:xfrm>
+                <a:prstGeom prst="ellipse">
+                  <a:avLst/>
+                </a:prstGeom>
+                <a:blipFill>
+                  <a:blip r:embed="rId3"/>
+                  <a:stretch>
+                    <a:fillRect b="-8696"/>
+                  </a:stretch>
+                </a:blipFill>
+                <a:ln>
+                  <a:noFill/>
+                </a:ln>
+              </p:spPr>
+              <p:txBody>
+                <a:bodyPr/>
+                <a:lstStyle/>
+                <a:p>
+                  <a:r>
+                    <a:rPr lang="en-US">
+                      <a:noFill/>
+                    </a:rPr>
+                    <a:t> </a:t>
+                  </a:r>
+                </a:p>
+              </p:txBody>
+            </p:sp>
+          </mc:Fallback>
+        </mc:AlternateContent>
+        <p:cxnSp>
+          <p:nvCxnSpPr>
+            <p:cNvPr id="12" name="Straight Arrow Connector 11">
+              <a:extLst>
+                <a:ext uri="{FF2B5EF4-FFF2-40B4-BE49-F238E27FC236}">
+                  <a16:creationId xmlns:a16="http://schemas.microsoft.com/office/drawing/2014/main" id="{8623EFFC-A1B1-B4F9-393F-84FC68A566FD}"/>
+                </a:ext>
+              </a:extLst>
+            </p:cNvPr>
+            <p:cNvCxnSpPr>
+              <a:cxnSpLocks/>
+              <a:stCxn id="8" idx="6"/>
+              <a:endCxn id="10" idx="2"/>
+            </p:cNvCxnSpPr>
+            <p:nvPr/>
+          </p:nvCxnSpPr>
+          <p:spPr>
+            <a:xfrm>
+              <a:off x="2763519" y="5376578"/>
+              <a:ext cx="689187" cy="0"/>
+            </a:xfrm>
+            <a:prstGeom prst="straightConnector1">
+              <a:avLst/>
+            </a:prstGeom>
+            <a:ln w="19050" cap="flat" cmpd="sng" algn="ctr">
+              <a:solidFill>
+                <a:schemeClr val="accent6"/>
+              </a:solidFill>
+              <a:prstDash val="solid"/>
+              <a:round/>
+              <a:headEnd type="none" w="med" len="med"/>
+              <a:tailEnd type="arrow" w="med" len="med"/>
+            </a:ln>
+          </p:spPr>
+          <p:style>
+            <a:lnRef idx="0">
+              <a:scrgbClr r="0" g="0" b="0"/>
+            </a:lnRef>
+            <a:fillRef idx="0">
+              <a:scrgbClr r="0" g="0" b="0"/>
+            </a:fillRef>
+            <a:effectRef idx="0">
+              <a:scrgbClr r="0" g="0" b="0"/>
+            </a:effectRef>
+            <a:fontRef idx="minor">
+              <a:schemeClr val="tx1"/>
+            </a:fontRef>
+          </p:style>
+        </p:cxnSp>
+        <mc:AlternateContent xmlns:mc="http://schemas.openxmlformats.org/markup-compatibility/2006" xmlns:a14="http://schemas.microsoft.com/office/drawing/2010/main">
+          <mc:Choice Requires="a14">
+            <p:sp>
+              <p:nvSpPr>
+                <p:cNvPr id="13" name="TextBox 12">
+                  <a:extLst>
+                    <a:ext uri="{FF2B5EF4-FFF2-40B4-BE49-F238E27FC236}">
+                      <a16:creationId xmlns:a16="http://schemas.microsoft.com/office/drawing/2014/main" id="{A9A7A36D-22A3-4866-0CC7-67E1FA828E09}"/>
+                    </a:ext>
+                  </a:extLst>
+                </p:cNvPr>
+                <p:cNvSpPr txBox="1"/>
+                <p:nvPr/>
+              </p:nvSpPr>
+              <p:spPr>
+                <a:xfrm>
+                  <a:off x="2763519" y="5138593"/>
+                  <a:ext cx="751840" cy="246221"/>
+                </a:xfrm>
+                <a:prstGeom prst="rect">
+                  <a:avLst/>
+                </a:prstGeom>
+                <a:noFill/>
+              </p:spPr>
+              <p:txBody>
+                <a:bodyPr wrap="square" rtlCol="0">
+                  <a:spAutoFit/>
+                </a:bodyPr>
+                <a:lstStyle/>
+                <a:p>
+                  <a:r>
+                    <a:rPr lang="en-US" sz="1000" dirty="0"/>
+                    <a:t>Action </a:t>
+                  </a:r>
+                  <a14:m>
+                    <m:oMath xmlns:m="http://schemas.openxmlformats.org/officeDocument/2006/math">
+                      <m:r>
+                        <a:rPr lang="en-US" sz="1000" i="1" dirty="0" smtClean="0">
+                          <a:latin typeface="Cambria Math" panose="02040503050406030204" pitchFamily="18" charset="0"/>
+                        </a:rPr>
+                        <m:t>𝑎</m:t>
+                      </m:r>
+                    </m:oMath>
+                  </a14:m>
+                  <a:endParaRPr lang="en-US" sz="1000" dirty="0"/>
+                </a:p>
+              </p:txBody>
+            </p:sp>
+          </mc:Choice>
+          <mc:Fallback xmlns="">
+            <p:sp>
+              <p:nvSpPr>
+                <p:cNvPr id="13" name="TextBox 12">
+                  <a:extLst>
+                    <a:ext uri="{FF2B5EF4-FFF2-40B4-BE49-F238E27FC236}">
+                      <a16:creationId xmlns:a16="http://schemas.microsoft.com/office/drawing/2014/main" id="{A9A7A36D-22A3-4866-0CC7-67E1FA828E09}"/>
+                    </a:ext>
+                  </a:extLst>
+                </p:cNvPr>
+                <p:cNvSpPr txBox="1">
+                  <a:spLocks noRot="1" noChangeAspect="1" noMove="1" noResize="1" noEditPoints="1" noAdjustHandles="1" noChangeArrowheads="1" noChangeShapeType="1" noTextEdit="1"/>
+                </p:cNvSpPr>
+                <p:nvPr/>
+              </p:nvSpPr>
+              <p:spPr>
+                <a:xfrm>
+                  <a:off x="2763519" y="5138593"/>
+                  <a:ext cx="751840" cy="246221"/>
+                </a:xfrm>
+                <a:prstGeom prst="rect">
+                  <a:avLst/>
+                </a:prstGeom>
+                <a:blipFill>
+                  <a:blip r:embed="rId4"/>
+                  <a:stretch>
+                    <a:fillRect b="-15000"/>
+                  </a:stretch>
+                </a:blipFill>
+              </p:spPr>
+              <p:txBody>
+                <a:bodyPr/>
+                <a:lstStyle/>
+                <a:p>
+                  <a:r>
+                    <a:rPr lang="en-US">
+                      <a:noFill/>
+                    </a:rPr>
+                    <a:t> </a:t>
+                  </a:r>
+                </a:p>
+              </p:txBody>
+            </p:sp>
+          </mc:Fallback>
+        </mc:AlternateContent>
+        <mc:AlternateContent xmlns:mc="http://schemas.openxmlformats.org/markup-compatibility/2006" xmlns:a14="http://schemas.microsoft.com/office/drawing/2010/main">
+          <mc:Choice Requires="a14">
+            <p:sp>
+              <p:nvSpPr>
+                <p:cNvPr id="17" name="TextBox 16">
+                  <a:extLst>
+                    <a:ext uri="{FF2B5EF4-FFF2-40B4-BE49-F238E27FC236}">
+                      <a16:creationId xmlns:a16="http://schemas.microsoft.com/office/drawing/2014/main" id="{B76F7D19-86E3-2122-4116-2221737EEA17}"/>
+                    </a:ext>
+                  </a:extLst>
+                </p:cNvPr>
+                <p:cNvSpPr txBox="1"/>
+                <p:nvPr/>
+              </p:nvSpPr>
+              <p:spPr>
+                <a:xfrm>
+                  <a:off x="4165598" y="5059150"/>
+                  <a:ext cx="430107" cy="261610"/>
+                </a:xfrm>
+                <a:prstGeom prst="rect">
+                  <a:avLst/>
+                </a:prstGeom>
+                <a:solidFill>
+                  <a:schemeClr val="accent2"/>
+                </a:solidFill>
+                <a:ln>
+                  <a:noFill/>
+                </a:ln>
+              </p:spPr>
+              <p:style>
+                <a:lnRef idx="0">
+                  <a:scrgbClr r="0" g="0" b="0"/>
+                </a:lnRef>
+                <a:fillRef idx="0">
+                  <a:scrgbClr r="0" g="0" b="0"/>
+                </a:fillRef>
+                <a:effectRef idx="0">
+                  <a:scrgbClr r="0" g="0" b="0"/>
+                </a:effectRef>
+                <a:fontRef idx="minor">
+                  <a:schemeClr val="lt1"/>
+                </a:fontRef>
+              </p:style>
+              <p:txBody>
+                <a:bodyPr wrap="square" rtlCol="0">
+                  <a:spAutoFit/>
+                </a:bodyPr>
+                <a:lstStyle/>
+                <a:p>
+                  <a:pPr/>
+                  <a14:m>
+                    <m:oMathPara xmlns:m="http://schemas.openxmlformats.org/officeDocument/2006/math">
+                      <m:oMathParaPr>
+                        <m:jc m:val="centerGroup"/>
+                      </m:oMathParaPr>
+                      <m:oMath xmlns:m="http://schemas.openxmlformats.org/officeDocument/2006/math">
+                        <m:r>
+                          <a:rPr lang="en-US" sz="1100" i="1" dirty="0" smtClean="0">
+                            <a:latin typeface="Cambria Math" panose="02040503050406030204" pitchFamily="18" charset="0"/>
+                          </a:rPr>
+                          <m:t>𝑈</m:t>
+                        </m:r>
+                        <m:r>
+                          <a:rPr lang="en-US" sz="1100" i="1" dirty="0" smtClean="0">
+                            <a:latin typeface="Cambria Math" panose="02040503050406030204" pitchFamily="18" charset="0"/>
+                          </a:rPr>
+                          <m:t>(</m:t>
+                        </m:r>
+                        <m:r>
+                          <a:rPr lang="en-US" sz="1100" i="1" dirty="0" smtClean="0">
+                            <a:latin typeface="Cambria Math" panose="02040503050406030204" pitchFamily="18" charset="0"/>
+                          </a:rPr>
+                          <m:t>𝑠</m:t>
+                        </m:r>
+                        <m:r>
+                          <a:rPr lang="en-US" sz="1100" i="1" dirty="0" smtClean="0">
+                            <a:latin typeface="Cambria Math" panose="02040503050406030204" pitchFamily="18" charset="0"/>
+                          </a:rPr>
+                          <m:t>’)</m:t>
+                        </m:r>
+                      </m:oMath>
+                    </m:oMathPara>
+                  </a14:m>
+                  <a:endParaRPr lang="en-US" sz="1100" dirty="0"/>
+                </a:p>
+              </p:txBody>
+            </p:sp>
+          </mc:Choice>
+          <mc:Fallback xmlns="">
+            <p:sp>
+              <p:nvSpPr>
+                <p:cNvPr id="17" name="TextBox 16">
+                  <a:extLst>
+                    <a:ext uri="{FF2B5EF4-FFF2-40B4-BE49-F238E27FC236}">
+                      <a16:creationId xmlns:a16="http://schemas.microsoft.com/office/drawing/2014/main" id="{B76F7D19-86E3-2122-4116-2221737EEA17}"/>
+                    </a:ext>
+                  </a:extLst>
+                </p:cNvPr>
+                <p:cNvSpPr txBox="1">
+                  <a:spLocks noRot="1" noChangeAspect="1" noMove="1" noResize="1" noEditPoints="1" noAdjustHandles="1" noChangeArrowheads="1" noChangeShapeType="1" noTextEdit="1"/>
+                </p:cNvSpPr>
+                <p:nvPr/>
+              </p:nvSpPr>
+              <p:spPr>
+                <a:xfrm>
+                  <a:off x="4165598" y="5059150"/>
+                  <a:ext cx="430107" cy="261610"/>
+                </a:xfrm>
+                <a:prstGeom prst="rect">
+                  <a:avLst/>
+                </a:prstGeom>
+                <a:blipFill>
+                  <a:blip r:embed="rId5"/>
+                  <a:stretch>
+                    <a:fillRect r="-9859" b="-4651"/>
+                  </a:stretch>
+                </a:blipFill>
+                <a:ln>
+                  <a:noFill/>
+                </a:ln>
+              </p:spPr>
+              <p:txBody>
+                <a:bodyPr/>
+                <a:lstStyle/>
+                <a:p>
+                  <a:r>
+                    <a:rPr lang="en-US">
+                      <a:noFill/>
+                    </a:rPr>
+                    <a:t> </a:t>
+                  </a:r>
+                </a:p>
+              </p:txBody>
+            </p:sp>
+          </mc:Fallback>
+        </mc:AlternateContent>
+      </p:grpSp>
+      <p:grpSp>
+        <p:nvGrpSpPr>
+          <p:cNvPr id="47" name="Group 46">
+            <a:extLst>
+              <a:ext uri="{FF2B5EF4-FFF2-40B4-BE49-F238E27FC236}">
+                <a16:creationId xmlns:a16="http://schemas.microsoft.com/office/drawing/2014/main" id="{4AB9DE76-99E0-B013-D03B-D59BBEA9F875}"/>
+              </a:ext>
+            </a:extLst>
+          </p:cNvPr>
+          <p:cNvGrpSpPr/>
+          <p:nvPr/>
+        </p:nvGrpSpPr>
+        <p:grpSpPr>
+          <a:xfrm>
+            <a:off x="6760428" y="1690688"/>
+            <a:ext cx="3964939" cy="632399"/>
+            <a:chOff x="6972571" y="4920035"/>
+            <a:chExt cx="3964939" cy="632399"/>
+          </a:xfrm>
+        </p:grpSpPr>
+        <mc:AlternateContent xmlns:mc="http://schemas.openxmlformats.org/markup-compatibility/2006" xmlns:a14="http://schemas.microsoft.com/office/drawing/2010/main">
+          <mc:Choice Requires="a14">
+            <p:sp>
+              <p:nvSpPr>
+                <p:cNvPr id="20" name="Oval 19">
+                  <a:extLst>
+                    <a:ext uri="{FF2B5EF4-FFF2-40B4-BE49-F238E27FC236}">
+                      <a16:creationId xmlns:a16="http://schemas.microsoft.com/office/drawing/2014/main" id="{EC109ADD-3076-FE9B-0D2E-C88588DA3C0B}"/>
+                    </a:ext>
+                  </a:extLst>
+                </p:cNvPr>
+                <p:cNvSpPr/>
+                <p:nvPr/>
+              </p:nvSpPr>
+              <p:spPr>
+                <a:xfrm>
+                  <a:off x="6972571" y="5105059"/>
+                  <a:ext cx="916093" cy="420477"/>
+                </a:xfrm>
+                <a:prstGeom prst="ellipse">
+                  <a:avLst/>
+                </a:prstGeom>
+                <a:solidFill>
+                  <a:schemeClr val="accent6"/>
+                </a:solidFill>
+                <a:ln>
+                  <a:noFill/>
+                </a:ln>
+              </p:spPr>
+              <p:style>
+                <a:lnRef idx="0">
+                  <a:scrgbClr r="0" g="0" b="0"/>
+                </a:lnRef>
+                <a:fillRef idx="0">
+                  <a:scrgbClr r="0" g="0" b="0"/>
+                </a:fillRef>
+                <a:effectRef idx="0">
+                  <a:scrgbClr r="0" g="0" b="0"/>
+                </a:effectRef>
+                <a:fontRef idx="minor">
+                  <a:schemeClr val="lt1"/>
+                </a:fontRef>
+              </p:style>
+              <p:txBody>
+                <a:bodyPr rtlCol="0" anchor="ctr"/>
+                <a:lstStyle/>
+                <a:p>
+                  <a:pPr algn="ctr"/>
+                  <a:r>
+                    <a:rPr lang="en-US" sz="1050" b="1" dirty="0"/>
+                    <a:t>Currentstate </a:t>
+                  </a:r>
+                  <a14:m>
+                    <m:oMath xmlns:m="http://schemas.openxmlformats.org/officeDocument/2006/math">
+                      <m:sSub>
+                        <m:sSubPr>
+                          <m:ctrlPr>
+                            <a:rPr lang="en-US" sz="1050" b="1" i="1" dirty="0" smtClean="0">
+                              <a:latin typeface="Cambria Math" panose="02040503050406030204" pitchFamily="18" charset="0"/>
+                            </a:rPr>
+                          </m:ctrlPr>
+                        </m:sSubPr>
+                        <m:e>
+                          <m:r>
+                            <a:rPr lang="en-US" sz="1050" b="1" i="1" dirty="0" smtClean="0">
+                              <a:latin typeface="Cambria Math" panose="02040503050406030204" pitchFamily="18" charset="0"/>
+                            </a:rPr>
+                            <m:t>𝒔</m:t>
+                          </m:r>
+                        </m:e>
+                        <m:sub>
+                          <m:r>
+                            <a:rPr lang="en-US" sz="1050" b="1" i="1" dirty="0" smtClean="0">
+                              <a:latin typeface="Cambria Math" panose="02040503050406030204" pitchFamily="18" charset="0"/>
+                            </a:rPr>
+                            <m:t>𝟎</m:t>
+                          </m:r>
+                        </m:sub>
+                      </m:sSub>
+                    </m:oMath>
+                  </a14:m>
+                  <a:endParaRPr lang="en-US" sz="1050" b="1" dirty="0"/>
+                </a:p>
+              </p:txBody>
+            </p:sp>
+          </mc:Choice>
+          <mc:Fallback xmlns="">
+            <p:sp>
+              <p:nvSpPr>
+                <p:cNvPr id="20" name="Oval 19">
+                  <a:extLst>
+                    <a:ext uri="{FF2B5EF4-FFF2-40B4-BE49-F238E27FC236}">
+                      <a16:creationId xmlns:a16="http://schemas.microsoft.com/office/drawing/2014/main" id="{EC109ADD-3076-FE9B-0D2E-C88588DA3C0B}"/>
+                    </a:ext>
+                  </a:extLst>
+                </p:cNvPr>
+                <p:cNvSpPr>
+                  <a:spLocks noRot="1" noChangeAspect="1" noMove="1" noResize="1" noEditPoints="1" noAdjustHandles="1" noChangeArrowheads="1" noChangeShapeType="1" noTextEdit="1"/>
+                </p:cNvSpPr>
+                <p:nvPr/>
+              </p:nvSpPr>
+              <p:spPr>
+                <a:xfrm>
+                  <a:off x="6972571" y="5105059"/>
+                  <a:ext cx="916093" cy="420477"/>
+                </a:xfrm>
+                <a:prstGeom prst="ellipse">
+                  <a:avLst/>
+                </a:prstGeom>
+                <a:blipFill>
+                  <a:blip r:embed="rId6"/>
+                  <a:stretch>
+                    <a:fillRect b="-7246"/>
+                  </a:stretch>
+                </a:blipFill>
+                <a:ln>
+                  <a:noFill/>
+                </a:ln>
+              </p:spPr>
+              <p:txBody>
+                <a:bodyPr/>
+                <a:lstStyle/>
+                <a:p>
+                  <a:r>
+                    <a:rPr lang="en-US">
+                      <a:noFill/>
+                    </a:rPr>
+                    <a:t> </a:t>
+                  </a:r>
+                </a:p>
+              </p:txBody>
+            </p:sp>
+          </mc:Fallback>
+        </mc:AlternateContent>
+        <mc:AlternateContent xmlns:mc="http://schemas.openxmlformats.org/markup-compatibility/2006" xmlns:a14="http://schemas.microsoft.com/office/drawing/2010/main">
+          <mc:Choice Requires="a14">
+            <p:sp>
+              <p:nvSpPr>
+                <p:cNvPr id="21" name="Oval 20">
+                  <a:extLst>
+                    <a:ext uri="{FF2B5EF4-FFF2-40B4-BE49-F238E27FC236}">
+                      <a16:creationId xmlns:a16="http://schemas.microsoft.com/office/drawing/2014/main" id="{7C42CB84-6575-D75A-520A-0BCB64127783}"/>
+                    </a:ext>
+                  </a:extLst>
+                </p:cNvPr>
+                <p:cNvSpPr/>
+                <p:nvPr/>
+              </p:nvSpPr>
+              <p:spPr>
+                <a:xfrm>
+                  <a:off x="8143506" y="5105059"/>
+                  <a:ext cx="469904" cy="420476"/>
+                </a:xfrm>
+                <a:prstGeom prst="ellipse">
+                  <a:avLst/>
+                </a:prstGeom>
+                <a:solidFill>
+                  <a:schemeClr val="accent6"/>
+                </a:solidFill>
+                <a:ln>
+                  <a:noFill/>
+                </a:ln>
+              </p:spPr>
+              <p:style>
+                <a:lnRef idx="0">
+                  <a:scrgbClr r="0" g="0" b="0"/>
+                </a:lnRef>
+                <a:fillRef idx="0">
+                  <a:scrgbClr r="0" g="0" b="0"/>
+                </a:fillRef>
+                <a:effectRef idx="0">
+                  <a:scrgbClr r="0" g="0" b="0"/>
+                </a:effectRef>
+                <a:fontRef idx="minor">
+                  <a:schemeClr val="lt1"/>
+                </a:fontRef>
+              </p:style>
+              <p:txBody>
+                <a:bodyPr rtlCol="0" anchor="ctr"/>
+                <a:lstStyle/>
+                <a:p>
+                  <a:pPr algn="ctr"/>
+                  <a14:m>
+                    <m:oMathPara xmlns:m="http://schemas.openxmlformats.org/officeDocument/2006/math">
+                      <m:oMathParaPr>
+                        <m:jc m:val="centerGroup"/>
+                      </m:oMathParaPr>
+                      <m:oMath xmlns:m="http://schemas.openxmlformats.org/officeDocument/2006/math">
+                        <m:sSub>
+                          <m:sSubPr>
+                            <m:ctrlPr>
+                              <a:rPr lang="en-US" sz="1050" b="1" i="1" smtClean="0">
+                                <a:latin typeface="Cambria Math" panose="02040503050406030204" pitchFamily="18" charset="0"/>
+                              </a:rPr>
+                            </m:ctrlPr>
+                          </m:sSubPr>
+                          <m:e>
+                            <m:r>
+                              <a:rPr lang="en-US" sz="1050" b="1" i="1" smtClean="0">
+                                <a:latin typeface="Cambria Math" panose="02040503050406030204" pitchFamily="18" charset="0"/>
+                              </a:rPr>
+                              <m:t>𝒔</m:t>
+                            </m:r>
+                          </m:e>
+                          <m:sub>
+                            <m:r>
+                              <a:rPr lang="en-US" sz="1050" b="1" i="1" smtClean="0">
+                                <a:latin typeface="Cambria Math" panose="02040503050406030204" pitchFamily="18" charset="0"/>
+                              </a:rPr>
+                              <m:t>𝟏</m:t>
+                            </m:r>
+                          </m:sub>
+                        </m:sSub>
+                      </m:oMath>
+                    </m:oMathPara>
+                  </a14:m>
+                  <a:endParaRPr lang="en-US" sz="1050" b="1" dirty="0"/>
+                </a:p>
+              </p:txBody>
+            </p:sp>
+          </mc:Choice>
+          <mc:Fallback xmlns="">
+            <p:sp>
+              <p:nvSpPr>
+                <p:cNvPr id="21" name="Oval 20">
+                  <a:extLst>
+                    <a:ext uri="{FF2B5EF4-FFF2-40B4-BE49-F238E27FC236}">
+                      <a16:creationId xmlns:a16="http://schemas.microsoft.com/office/drawing/2014/main" id="{7C42CB84-6575-D75A-520A-0BCB64127783}"/>
+                    </a:ext>
+                  </a:extLst>
+                </p:cNvPr>
+                <p:cNvSpPr>
+                  <a:spLocks noRot="1" noChangeAspect="1" noMove="1" noResize="1" noEditPoints="1" noAdjustHandles="1" noChangeArrowheads="1" noChangeShapeType="1" noTextEdit="1"/>
+                </p:cNvSpPr>
+                <p:nvPr/>
+              </p:nvSpPr>
+              <p:spPr>
+                <a:xfrm>
+                  <a:off x="8143506" y="5105059"/>
+                  <a:ext cx="469904" cy="420476"/>
+                </a:xfrm>
+                <a:prstGeom prst="ellipse">
+                  <a:avLst/>
+                </a:prstGeom>
+                <a:blipFill>
+                  <a:blip r:embed="rId7"/>
+                  <a:stretch>
+                    <a:fillRect/>
+                  </a:stretch>
+                </a:blipFill>
+                <a:ln>
+                  <a:noFill/>
+                </a:ln>
+              </p:spPr>
+              <p:txBody>
+                <a:bodyPr/>
+                <a:lstStyle/>
+                <a:p>
+                  <a:r>
+                    <a:rPr lang="en-US">
+                      <a:noFill/>
+                    </a:rPr>
+                    <a:t> </a:t>
+                  </a:r>
+                </a:p>
+              </p:txBody>
+            </p:sp>
+          </mc:Fallback>
+        </mc:AlternateContent>
+        <p:cxnSp>
+          <p:nvCxnSpPr>
+            <p:cNvPr id="22" name="Straight Arrow Connector 21">
+              <a:extLst>
+                <a:ext uri="{FF2B5EF4-FFF2-40B4-BE49-F238E27FC236}">
+                  <a16:creationId xmlns:a16="http://schemas.microsoft.com/office/drawing/2014/main" id="{CDDFFD92-D379-8979-6F60-A74001E38F7C}"/>
+                </a:ext>
+              </a:extLst>
+            </p:cNvPr>
+            <p:cNvCxnSpPr>
+              <a:cxnSpLocks/>
+              <a:stCxn id="20" idx="6"/>
+              <a:endCxn id="21" idx="2"/>
+            </p:cNvCxnSpPr>
+            <p:nvPr/>
+          </p:nvCxnSpPr>
+          <p:spPr>
+            <a:xfrm flipV="1">
+              <a:off x="7888664" y="5315297"/>
+              <a:ext cx="254842" cy="1"/>
+            </a:xfrm>
+            <a:prstGeom prst="straightConnector1">
+              <a:avLst/>
+            </a:prstGeom>
+            <a:ln w="19050" cap="flat" cmpd="sng" algn="ctr">
+              <a:solidFill>
+                <a:schemeClr val="accent6"/>
+              </a:solidFill>
+              <a:prstDash val="solid"/>
+              <a:round/>
+              <a:headEnd type="none" w="med" len="med"/>
+              <a:tailEnd type="arrow" w="med" len="med"/>
+            </a:ln>
+          </p:spPr>
+          <p:style>
+            <a:lnRef idx="0">
+              <a:scrgbClr r="0" g="0" b="0"/>
+            </a:lnRef>
+            <a:fillRef idx="0">
+              <a:scrgbClr r="0" g="0" b="0"/>
+            </a:fillRef>
+            <a:effectRef idx="0">
+              <a:scrgbClr r="0" g="0" b="0"/>
+            </a:effectRef>
+            <a:fontRef idx="minor">
+              <a:schemeClr val="tx1"/>
+            </a:fontRef>
+          </p:style>
+        </p:cxnSp>
+        <mc:AlternateContent xmlns:mc="http://schemas.openxmlformats.org/markup-compatibility/2006" xmlns:a14="http://schemas.microsoft.com/office/drawing/2010/main">
+          <mc:Choice Requires="a14">
+            <p:sp>
+              <p:nvSpPr>
+                <p:cNvPr id="23" name="TextBox 22">
+                  <a:extLst>
+                    <a:ext uri="{FF2B5EF4-FFF2-40B4-BE49-F238E27FC236}">
+                      <a16:creationId xmlns:a16="http://schemas.microsoft.com/office/drawing/2014/main" id="{8FD02EE2-AD9F-C310-E791-F3A0BC4DEB29}"/>
+                    </a:ext>
+                  </a:extLst>
+                </p:cNvPr>
+                <p:cNvSpPr txBox="1"/>
+                <p:nvPr/>
+              </p:nvSpPr>
+              <p:spPr>
+                <a:xfrm>
+                  <a:off x="7640164" y="5043228"/>
+                  <a:ext cx="751840" cy="246221"/>
+                </a:xfrm>
+                <a:prstGeom prst="rect">
+                  <a:avLst/>
+                </a:prstGeom>
+                <a:noFill/>
+              </p:spPr>
+              <p:txBody>
+                <a:bodyPr wrap="square" rtlCol="0">
+                  <a:spAutoFit/>
+                </a:bodyPr>
+                <a:lstStyle/>
+                <a:p>
+                  <a:pPr/>
+                  <a14:m>
+                    <m:oMathPara xmlns:m="http://schemas.openxmlformats.org/officeDocument/2006/math">
+                      <m:oMathParaPr>
+                        <m:jc m:val="centerGroup"/>
+                      </m:oMathParaPr>
+                      <m:oMath xmlns:m="http://schemas.openxmlformats.org/officeDocument/2006/math">
+                        <m:sSub>
+                          <m:sSubPr>
+                            <m:ctrlPr>
+                              <a:rPr lang="en-US" sz="1000" b="0" i="1" dirty="0" smtClean="0">
+                                <a:latin typeface="Cambria Math" panose="02040503050406030204" pitchFamily="18" charset="0"/>
+                              </a:rPr>
+                            </m:ctrlPr>
+                          </m:sSubPr>
+                          <m:e>
+                            <m:r>
+                              <a:rPr lang="en-US" sz="1000" i="1" dirty="0" smtClean="0">
+                                <a:latin typeface="Cambria Math" panose="02040503050406030204" pitchFamily="18" charset="0"/>
+                              </a:rPr>
+                              <m:t>𝑎</m:t>
+                            </m:r>
+                          </m:e>
+                          <m:sub>
+                            <m:r>
+                              <a:rPr lang="en-US" sz="1000" b="0" i="1" dirty="0" smtClean="0">
+                                <a:latin typeface="Cambria Math" panose="02040503050406030204" pitchFamily="18" charset="0"/>
+                              </a:rPr>
+                              <m:t>0</m:t>
+                            </m:r>
+                          </m:sub>
+                        </m:sSub>
+                      </m:oMath>
+                    </m:oMathPara>
+                  </a14:m>
+                  <a:endParaRPr lang="en-US" sz="1000" dirty="0"/>
+                </a:p>
+              </p:txBody>
+            </p:sp>
+          </mc:Choice>
+          <mc:Fallback xmlns="">
+            <p:sp>
+              <p:nvSpPr>
+                <p:cNvPr id="23" name="TextBox 22">
+                  <a:extLst>
+                    <a:ext uri="{FF2B5EF4-FFF2-40B4-BE49-F238E27FC236}">
+                      <a16:creationId xmlns:a16="http://schemas.microsoft.com/office/drawing/2014/main" id="{8FD02EE2-AD9F-C310-E791-F3A0BC4DEB29}"/>
+                    </a:ext>
+                  </a:extLst>
+                </p:cNvPr>
+                <p:cNvSpPr txBox="1">
+                  <a:spLocks noRot="1" noChangeAspect="1" noMove="1" noResize="1" noEditPoints="1" noAdjustHandles="1" noChangeArrowheads="1" noChangeShapeType="1" noTextEdit="1"/>
+                </p:cNvSpPr>
+                <p:nvPr/>
+              </p:nvSpPr>
+              <p:spPr>
+                <a:xfrm>
+                  <a:off x="7640164" y="5043228"/>
+                  <a:ext cx="751840" cy="246221"/>
+                </a:xfrm>
+                <a:prstGeom prst="rect">
+                  <a:avLst/>
+                </a:prstGeom>
+                <a:blipFill>
+                  <a:blip r:embed="rId8"/>
+                  <a:stretch>
+                    <a:fillRect/>
+                  </a:stretch>
+                </a:blipFill>
+              </p:spPr>
+              <p:txBody>
+                <a:bodyPr/>
+                <a:lstStyle/>
+                <a:p>
+                  <a:r>
+                    <a:rPr lang="en-US">
+                      <a:noFill/>
+                    </a:rPr>
+                    <a:t> </a:t>
+                  </a:r>
+                </a:p>
+              </p:txBody>
+            </p:sp>
+          </mc:Fallback>
+        </mc:AlternateContent>
+        <mc:AlternateContent xmlns:mc="http://schemas.openxmlformats.org/markup-compatibility/2006" xmlns:a14="http://schemas.microsoft.com/office/drawing/2010/main">
+          <mc:Choice Requires="a14">
+            <p:sp>
+              <p:nvSpPr>
+                <p:cNvPr id="35" name="Oval 34">
+                  <a:extLst>
+                    <a:ext uri="{FF2B5EF4-FFF2-40B4-BE49-F238E27FC236}">
+                      <a16:creationId xmlns:a16="http://schemas.microsoft.com/office/drawing/2014/main" id="{184B3153-E284-5373-1874-161F9BBBE2E6}"/>
+                    </a:ext>
+                  </a:extLst>
+                </p:cNvPr>
+                <p:cNvSpPr/>
+                <p:nvPr/>
+              </p:nvSpPr>
+              <p:spPr>
+                <a:xfrm>
+                  <a:off x="9486319" y="5112043"/>
+                  <a:ext cx="469904" cy="420476"/>
+                </a:xfrm>
+                <a:prstGeom prst="ellipse">
+                  <a:avLst/>
+                </a:prstGeom>
+                <a:solidFill>
+                  <a:schemeClr val="accent6"/>
+                </a:solidFill>
+                <a:ln>
+                  <a:noFill/>
+                </a:ln>
+              </p:spPr>
+              <p:style>
+                <a:lnRef idx="0">
+                  <a:scrgbClr r="0" g="0" b="0"/>
+                </a:lnRef>
+                <a:fillRef idx="0">
+                  <a:scrgbClr r="0" g="0" b="0"/>
+                </a:fillRef>
+                <a:effectRef idx="0">
+                  <a:scrgbClr r="0" g="0" b="0"/>
+                </a:effectRef>
+                <a:fontRef idx="minor">
+                  <a:schemeClr val="lt1"/>
+                </a:fontRef>
+              </p:style>
+              <p:txBody>
+                <a:bodyPr rtlCol="0" anchor="ctr"/>
+                <a:lstStyle/>
+                <a:p>
+                  <a:pPr algn="ctr"/>
+                  <a14:m>
+                    <m:oMathPara xmlns:m="http://schemas.openxmlformats.org/officeDocument/2006/math">
+                      <m:oMathParaPr>
+                        <m:jc m:val="centerGroup"/>
+                      </m:oMathParaPr>
+                      <m:oMath xmlns:m="http://schemas.openxmlformats.org/officeDocument/2006/math">
+                        <m:sSub>
+                          <m:sSubPr>
+                            <m:ctrlPr>
+                              <a:rPr lang="en-US" sz="1050" b="1" i="1" smtClean="0">
+                                <a:latin typeface="Cambria Math" panose="02040503050406030204" pitchFamily="18" charset="0"/>
+                              </a:rPr>
+                            </m:ctrlPr>
+                          </m:sSubPr>
+                          <m:e>
+                            <m:r>
+                              <a:rPr lang="en-US" sz="1050" b="1" i="1" smtClean="0">
+                                <a:latin typeface="Cambria Math" panose="02040503050406030204" pitchFamily="18" charset="0"/>
+                              </a:rPr>
+                              <m:t>𝒔</m:t>
+                            </m:r>
+                          </m:e>
+                          <m:sub>
+                            <m:r>
+                              <a:rPr lang="en-US" sz="1050" b="1" i="1" smtClean="0">
+                                <a:latin typeface="Cambria Math" panose="02040503050406030204" pitchFamily="18" charset="0"/>
+                              </a:rPr>
+                              <m:t>𝑻</m:t>
+                            </m:r>
+                            <m:r>
+                              <a:rPr lang="en-US" sz="1050" b="1" i="1" smtClean="0">
+                                <a:latin typeface="Cambria Math" panose="02040503050406030204" pitchFamily="18" charset="0"/>
+                              </a:rPr>
+                              <m:t>−</m:t>
+                            </m:r>
+                            <m:r>
+                              <a:rPr lang="en-US" sz="1050" b="1" i="1" smtClean="0">
+                                <a:latin typeface="Cambria Math" panose="02040503050406030204" pitchFamily="18" charset="0"/>
+                              </a:rPr>
+                              <m:t>𝟏</m:t>
+                            </m:r>
+                          </m:sub>
+                        </m:sSub>
+                      </m:oMath>
+                    </m:oMathPara>
+                  </a14:m>
+                  <a:endParaRPr lang="en-US" sz="1050" b="1" dirty="0"/>
+                </a:p>
+              </p:txBody>
+            </p:sp>
+          </mc:Choice>
+          <mc:Fallback xmlns="">
+            <p:sp>
+              <p:nvSpPr>
+                <p:cNvPr id="35" name="Oval 34">
+                  <a:extLst>
+                    <a:ext uri="{FF2B5EF4-FFF2-40B4-BE49-F238E27FC236}">
+                      <a16:creationId xmlns:a16="http://schemas.microsoft.com/office/drawing/2014/main" id="{184B3153-E284-5373-1874-161F9BBBE2E6}"/>
+                    </a:ext>
+                  </a:extLst>
+                </p:cNvPr>
+                <p:cNvSpPr>
+                  <a:spLocks noRot="1" noChangeAspect="1" noMove="1" noResize="1" noEditPoints="1" noAdjustHandles="1" noChangeArrowheads="1" noChangeShapeType="1" noTextEdit="1"/>
+                </p:cNvSpPr>
+                <p:nvPr/>
+              </p:nvSpPr>
+              <p:spPr>
+                <a:xfrm>
+                  <a:off x="9486319" y="5112043"/>
+                  <a:ext cx="469904" cy="420476"/>
+                </a:xfrm>
+                <a:prstGeom prst="ellipse">
+                  <a:avLst/>
+                </a:prstGeom>
+                <a:blipFill>
+                  <a:blip r:embed="rId9"/>
+                  <a:stretch>
+                    <a:fillRect/>
+                  </a:stretch>
+                </a:blipFill>
+                <a:ln>
+                  <a:noFill/>
+                </a:ln>
+              </p:spPr>
+              <p:txBody>
+                <a:bodyPr/>
+                <a:lstStyle/>
+                <a:p>
+                  <a:r>
+                    <a:rPr lang="en-US">
+                      <a:noFill/>
+                    </a:rPr>
+                    <a:t> </a:t>
+                  </a:r>
+                </a:p>
+              </p:txBody>
+            </p:sp>
+          </mc:Fallback>
+        </mc:AlternateContent>
+        <mc:AlternateContent xmlns:mc="http://schemas.openxmlformats.org/markup-compatibility/2006" xmlns:a14="http://schemas.microsoft.com/office/drawing/2010/main">
+          <mc:Choice Requires="a14">
+            <p:sp>
+              <p:nvSpPr>
+                <p:cNvPr id="36" name="Oval 35">
+                  <a:extLst>
+                    <a:ext uri="{FF2B5EF4-FFF2-40B4-BE49-F238E27FC236}">
+                      <a16:creationId xmlns:a16="http://schemas.microsoft.com/office/drawing/2014/main" id="{B233F091-222B-2527-E8FD-32E3F96A23D2}"/>
+                    </a:ext>
+                  </a:extLst>
+                </p:cNvPr>
+                <p:cNvSpPr/>
+                <p:nvPr/>
+              </p:nvSpPr>
+              <p:spPr>
+                <a:xfrm>
+                  <a:off x="10248324" y="5112043"/>
+                  <a:ext cx="469904" cy="420476"/>
+                </a:xfrm>
+                <a:prstGeom prst="ellipse">
+                  <a:avLst/>
+                </a:prstGeom>
+                <a:solidFill>
+                  <a:schemeClr val="accent6"/>
+                </a:solidFill>
+                <a:ln>
+                  <a:noFill/>
+                </a:ln>
+              </p:spPr>
+              <p:style>
+                <a:lnRef idx="0">
+                  <a:scrgbClr r="0" g="0" b="0"/>
+                </a:lnRef>
+                <a:fillRef idx="0">
+                  <a:scrgbClr r="0" g="0" b="0"/>
+                </a:fillRef>
+                <a:effectRef idx="0">
+                  <a:scrgbClr r="0" g="0" b="0"/>
+                </a:effectRef>
+                <a:fontRef idx="minor">
+                  <a:schemeClr val="lt1"/>
+                </a:fontRef>
+              </p:style>
+              <p:txBody>
+                <a:bodyPr rtlCol="0" anchor="ctr"/>
+                <a:lstStyle/>
+                <a:p>
+                  <a:pPr algn="ctr"/>
+                  <a14:m>
+                    <m:oMathPara xmlns:m="http://schemas.openxmlformats.org/officeDocument/2006/math">
+                      <m:oMathParaPr>
+                        <m:jc m:val="centerGroup"/>
+                      </m:oMathParaPr>
+                      <m:oMath xmlns:m="http://schemas.openxmlformats.org/officeDocument/2006/math">
+                        <m:sSub>
+                          <m:sSubPr>
+                            <m:ctrlPr>
+                              <a:rPr lang="en-US" sz="1050" b="1" i="1" smtClean="0">
+                                <a:latin typeface="Cambria Math" panose="02040503050406030204" pitchFamily="18" charset="0"/>
+                              </a:rPr>
+                            </m:ctrlPr>
+                          </m:sSubPr>
+                          <m:e>
+                            <m:r>
+                              <a:rPr lang="en-US" sz="1050" b="1" i="1" smtClean="0">
+                                <a:latin typeface="Cambria Math" panose="02040503050406030204" pitchFamily="18" charset="0"/>
+                              </a:rPr>
+                              <m:t>𝒔</m:t>
+                            </m:r>
+                          </m:e>
+                          <m:sub>
+                            <m:r>
+                              <a:rPr lang="en-US" sz="1050" b="1" i="1" smtClean="0">
+                                <a:latin typeface="Cambria Math" panose="02040503050406030204" pitchFamily="18" charset="0"/>
+                              </a:rPr>
+                              <m:t>𝑻</m:t>
+                            </m:r>
+                          </m:sub>
+                        </m:sSub>
+                      </m:oMath>
+                    </m:oMathPara>
+                  </a14:m>
+                  <a:endParaRPr lang="en-US" sz="1050" b="1" dirty="0"/>
+                </a:p>
+              </p:txBody>
+            </p:sp>
+          </mc:Choice>
+          <mc:Fallback xmlns="">
+            <p:sp>
+              <p:nvSpPr>
+                <p:cNvPr id="36" name="Oval 35">
+                  <a:extLst>
+                    <a:ext uri="{FF2B5EF4-FFF2-40B4-BE49-F238E27FC236}">
+                      <a16:creationId xmlns:a16="http://schemas.microsoft.com/office/drawing/2014/main" id="{B233F091-222B-2527-E8FD-32E3F96A23D2}"/>
+                    </a:ext>
+                  </a:extLst>
+                </p:cNvPr>
+                <p:cNvSpPr>
+                  <a:spLocks noRot="1" noChangeAspect="1" noMove="1" noResize="1" noEditPoints="1" noAdjustHandles="1" noChangeArrowheads="1" noChangeShapeType="1" noTextEdit="1"/>
+                </p:cNvSpPr>
+                <p:nvPr/>
+              </p:nvSpPr>
+              <p:spPr>
+                <a:xfrm>
+                  <a:off x="10248324" y="5112043"/>
+                  <a:ext cx="469904" cy="420476"/>
+                </a:xfrm>
+                <a:prstGeom prst="ellipse">
+                  <a:avLst/>
+                </a:prstGeom>
+                <a:blipFill>
+                  <a:blip r:embed="rId10"/>
+                  <a:stretch>
+                    <a:fillRect/>
+                  </a:stretch>
+                </a:blipFill>
+                <a:ln>
+                  <a:noFill/>
+                </a:ln>
+              </p:spPr>
+              <p:txBody>
+                <a:bodyPr/>
+                <a:lstStyle/>
+                <a:p>
+                  <a:r>
+                    <a:rPr lang="en-US">
+                      <a:noFill/>
+                    </a:rPr>
+                    <a:t> </a:t>
+                  </a:r>
+                </a:p>
+              </p:txBody>
+            </p:sp>
+          </mc:Fallback>
+        </mc:AlternateContent>
+        <p:cxnSp>
+          <p:nvCxnSpPr>
+            <p:cNvPr id="37" name="Straight Arrow Connector 36">
+              <a:extLst>
+                <a:ext uri="{FF2B5EF4-FFF2-40B4-BE49-F238E27FC236}">
+                  <a16:creationId xmlns:a16="http://schemas.microsoft.com/office/drawing/2014/main" id="{2A85A7D0-5C1E-5AC3-7ACB-67EBF19F590F}"/>
+                </a:ext>
+              </a:extLst>
+            </p:cNvPr>
+            <p:cNvCxnSpPr>
+              <a:cxnSpLocks/>
+            </p:cNvCxnSpPr>
+            <p:nvPr/>
+          </p:nvCxnSpPr>
+          <p:spPr>
+            <a:xfrm>
+              <a:off x="8613410" y="5315297"/>
+              <a:ext cx="213362" cy="0"/>
+            </a:xfrm>
+            <a:prstGeom prst="straightConnector1">
+              <a:avLst/>
+            </a:prstGeom>
+            <a:ln w="19050" cap="flat" cmpd="sng" algn="ctr">
+              <a:solidFill>
+                <a:schemeClr val="accent6"/>
+              </a:solidFill>
+              <a:prstDash val="solid"/>
+              <a:round/>
+              <a:headEnd type="none" w="med" len="med"/>
+              <a:tailEnd type="arrow" w="med" len="med"/>
+            </a:ln>
+          </p:spPr>
+          <p:style>
+            <a:lnRef idx="0">
+              <a:scrgbClr r="0" g="0" b="0"/>
+            </a:lnRef>
+            <a:fillRef idx="0">
+              <a:scrgbClr r="0" g="0" b="0"/>
+            </a:fillRef>
+            <a:effectRef idx="0">
+              <a:scrgbClr r="0" g="0" b="0"/>
+            </a:effectRef>
+            <a:fontRef idx="minor">
+              <a:schemeClr val="tx1"/>
+            </a:fontRef>
+          </p:style>
+        </p:cxnSp>
+        <p:cxnSp>
+          <p:nvCxnSpPr>
+            <p:cNvPr id="38" name="Straight Arrow Connector 37">
+              <a:extLst>
+                <a:ext uri="{FF2B5EF4-FFF2-40B4-BE49-F238E27FC236}">
+                  <a16:creationId xmlns:a16="http://schemas.microsoft.com/office/drawing/2014/main" id="{02C2B0E3-5A75-14EE-15EC-D81012CCCEA8}"/>
+                </a:ext>
+              </a:extLst>
+            </p:cNvPr>
+            <p:cNvCxnSpPr>
+              <a:cxnSpLocks/>
+            </p:cNvCxnSpPr>
+            <p:nvPr/>
+          </p:nvCxnSpPr>
+          <p:spPr>
+            <a:xfrm>
+              <a:off x="9272957" y="5323898"/>
+              <a:ext cx="213362" cy="0"/>
+            </a:xfrm>
+            <a:prstGeom prst="straightConnector1">
+              <a:avLst/>
+            </a:prstGeom>
+            <a:ln w="19050" cap="flat" cmpd="sng" algn="ctr">
+              <a:solidFill>
+                <a:schemeClr val="accent6"/>
+              </a:solidFill>
+              <a:prstDash val="solid"/>
+              <a:round/>
+              <a:headEnd type="none" w="med" len="med"/>
+              <a:tailEnd type="arrow" w="med" len="med"/>
+            </a:ln>
+          </p:spPr>
+          <p:style>
+            <a:lnRef idx="0">
+              <a:scrgbClr r="0" g="0" b="0"/>
+            </a:lnRef>
+            <a:fillRef idx="0">
+              <a:scrgbClr r="0" g="0" b="0"/>
+            </a:fillRef>
+            <a:effectRef idx="0">
+              <a:scrgbClr r="0" g="0" b="0"/>
+            </a:effectRef>
+            <a:fontRef idx="minor">
+              <a:schemeClr val="tx1"/>
+            </a:fontRef>
+          </p:style>
+        </p:cxnSp>
+        <p:cxnSp>
+          <p:nvCxnSpPr>
+            <p:cNvPr id="39" name="Straight Arrow Connector 38">
+              <a:extLst>
+                <a:ext uri="{FF2B5EF4-FFF2-40B4-BE49-F238E27FC236}">
+                  <a16:creationId xmlns:a16="http://schemas.microsoft.com/office/drawing/2014/main" id="{C368E45E-6ED4-797C-D053-BA50118526F6}"/>
+                </a:ext>
+              </a:extLst>
+            </p:cNvPr>
+            <p:cNvCxnSpPr>
+              <a:cxnSpLocks/>
+              <a:stCxn id="35" idx="6"/>
+              <a:endCxn id="36" idx="2"/>
+            </p:cNvCxnSpPr>
+            <p:nvPr/>
+          </p:nvCxnSpPr>
+          <p:spPr>
+            <a:xfrm>
+              <a:off x="9956223" y="5322281"/>
+              <a:ext cx="292101" cy="0"/>
+            </a:xfrm>
+            <a:prstGeom prst="straightConnector1">
+              <a:avLst/>
+            </a:prstGeom>
+            <a:ln w="19050" cap="flat" cmpd="sng" algn="ctr">
+              <a:solidFill>
+                <a:schemeClr val="accent6"/>
+              </a:solidFill>
+              <a:prstDash val="solid"/>
+              <a:round/>
+              <a:headEnd type="none" w="med" len="med"/>
+              <a:tailEnd type="arrow" w="med" len="med"/>
+            </a:ln>
+          </p:spPr>
+          <p:style>
+            <a:lnRef idx="0">
+              <a:scrgbClr r="0" g="0" b="0"/>
+            </a:lnRef>
+            <a:fillRef idx="0">
+              <a:scrgbClr r="0" g="0" b="0"/>
+            </a:fillRef>
+            <a:effectRef idx="0">
+              <a:scrgbClr r="0" g="0" b="0"/>
+            </a:effectRef>
+            <a:fontRef idx="minor">
+              <a:schemeClr val="tx1"/>
+            </a:fontRef>
+          </p:style>
+        </p:cxnSp>
+        <mc:AlternateContent xmlns:mc="http://schemas.openxmlformats.org/markup-compatibility/2006" xmlns:a14="http://schemas.microsoft.com/office/drawing/2010/main">
+          <mc:Choice Requires="a14">
+            <p:sp>
+              <p:nvSpPr>
+                <p:cNvPr id="24" name="TextBox 23">
+                  <a:extLst>
+                    <a:ext uri="{FF2B5EF4-FFF2-40B4-BE49-F238E27FC236}">
+                      <a16:creationId xmlns:a16="http://schemas.microsoft.com/office/drawing/2014/main" id="{2C5FB4C0-2AFF-0061-DC42-77516964BCD6}"/>
+                    </a:ext>
+                  </a:extLst>
+                </p:cNvPr>
+                <p:cNvSpPr txBox="1"/>
+                <p:nvPr/>
+              </p:nvSpPr>
+              <p:spPr>
+                <a:xfrm>
+                  <a:off x="10528564" y="4969482"/>
+                  <a:ext cx="408946" cy="261610"/>
+                </a:xfrm>
+                <a:prstGeom prst="rect">
+                  <a:avLst/>
+                </a:prstGeom>
+                <a:solidFill>
+                  <a:schemeClr val="accent2"/>
+                </a:solidFill>
+                <a:ln>
+                  <a:noFill/>
+                </a:ln>
+              </p:spPr>
+              <p:style>
+                <a:lnRef idx="0">
+                  <a:scrgbClr r="0" g="0" b="0"/>
+                </a:lnRef>
+                <a:fillRef idx="0">
+                  <a:scrgbClr r="0" g="0" b="0"/>
+                </a:fillRef>
+                <a:effectRef idx="0">
+                  <a:scrgbClr r="0" g="0" b="0"/>
+                </a:effectRef>
+                <a:fontRef idx="minor">
+                  <a:schemeClr val="lt1"/>
+                </a:fontRef>
+              </p:style>
+              <p:txBody>
+                <a:bodyPr wrap="square" lIns="0" rIns="0" rtlCol="0">
+                  <a:spAutoFit/>
+                </a:bodyPr>
+                <a:lstStyle/>
+                <a:p>
+                  <a:pPr/>
+                  <a14:m>
+                    <m:oMathPara xmlns:m="http://schemas.openxmlformats.org/officeDocument/2006/math">
+                      <m:oMathParaPr>
+                        <m:jc m:val="centerGroup"/>
+                      </m:oMathParaPr>
+                      <m:oMath xmlns:m="http://schemas.openxmlformats.org/officeDocument/2006/math">
+                        <m:r>
+                          <a:rPr lang="en-US" sz="1100" i="1" dirty="0" smtClean="0">
+                            <a:latin typeface="Cambria Math" panose="02040503050406030204" pitchFamily="18" charset="0"/>
+                          </a:rPr>
+                          <m:t>𝑈</m:t>
+                        </m:r>
+                        <m:r>
+                          <a:rPr lang="en-US" sz="1100" i="1" dirty="0" smtClean="0">
+                            <a:latin typeface="Cambria Math" panose="02040503050406030204" pitchFamily="18" charset="0"/>
+                          </a:rPr>
+                          <m:t>(</m:t>
+                        </m:r>
+                        <m:sSub>
+                          <m:sSubPr>
+                            <m:ctrlPr>
+                              <a:rPr lang="en-US" sz="1100" b="0" i="1" dirty="0" smtClean="0">
+                                <a:latin typeface="Cambria Math" panose="02040503050406030204" pitchFamily="18" charset="0"/>
+                              </a:rPr>
+                            </m:ctrlPr>
+                          </m:sSubPr>
+                          <m:e>
+                            <m:r>
+                              <a:rPr lang="en-US" sz="1100" i="1" dirty="0" smtClean="0">
+                                <a:latin typeface="Cambria Math" panose="02040503050406030204" pitchFamily="18" charset="0"/>
+                              </a:rPr>
+                              <m:t>𝑠</m:t>
+                            </m:r>
+                          </m:e>
+                          <m:sub>
+                            <m:r>
+                              <a:rPr lang="en-US" sz="1100" b="0" i="1" dirty="0" smtClean="0">
+                                <a:latin typeface="Cambria Math" panose="02040503050406030204" pitchFamily="18" charset="0"/>
+                              </a:rPr>
+                              <m:t>𝑇</m:t>
+                            </m:r>
+                          </m:sub>
+                        </m:sSub>
+                        <m:r>
+                          <a:rPr lang="en-US" sz="1100" i="1" dirty="0" smtClean="0">
+                            <a:latin typeface="Cambria Math" panose="02040503050406030204" pitchFamily="18" charset="0"/>
+                          </a:rPr>
+                          <m:t>)</m:t>
+                        </m:r>
+                      </m:oMath>
+                    </m:oMathPara>
+                  </a14:m>
+                  <a:endParaRPr lang="en-US" sz="1100" dirty="0"/>
+                </a:p>
+              </p:txBody>
+            </p:sp>
+          </mc:Choice>
+          <mc:Fallback xmlns="">
+            <p:sp>
+              <p:nvSpPr>
+                <p:cNvPr id="24" name="TextBox 23">
+                  <a:extLst>
+                    <a:ext uri="{FF2B5EF4-FFF2-40B4-BE49-F238E27FC236}">
+                      <a16:creationId xmlns:a16="http://schemas.microsoft.com/office/drawing/2014/main" id="{2C5FB4C0-2AFF-0061-DC42-77516964BCD6}"/>
+                    </a:ext>
+                  </a:extLst>
+                </p:cNvPr>
+                <p:cNvSpPr txBox="1">
+                  <a:spLocks noRot="1" noChangeAspect="1" noMove="1" noResize="1" noEditPoints="1" noAdjustHandles="1" noChangeArrowheads="1" noChangeShapeType="1" noTextEdit="1"/>
+                </p:cNvSpPr>
+                <p:nvPr/>
+              </p:nvSpPr>
+              <p:spPr>
+                <a:xfrm>
+                  <a:off x="10528564" y="4969482"/>
+                  <a:ext cx="408946" cy="261610"/>
+                </a:xfrm>
+                <a:prstGeom prst="rect">
+                  <a:avLst/>
+                </a:prstGeom>
+                <a:blipFill>
+                  <a:blip r:embed="rId11"/>
+                  <a:stretch>
+                    <a:fillRect l="-5970" r="-11940" b="-6977"/>
+                  </a:stretch>
+                </a:blipFill>
+                <a:ln>
+                  <a:noFill/>
+                </a:ln>
+              </p:spPr>
+              <p:txBody>
+                <a:bodyPr/>
+                <a:lstStyle/>
+                <a:p>
+                  <a:r>
+                    <a:rPr lang="en-US">
+                      <a:noFill/>
+                    </a:rPr>
+                    <a:t> </a:t>
+                  </a:r>
+                </a:p>
+              </p:txBody>
+            </p:sp>
+          </mc:Fallback>
+        </mc:AlternateContent>
+        <mc:AlternateContent xmlns:mc="http://schemas.openxmlformats.org/markup-compatibility/2006" xmlns:a14="http://schemas.microsoft.com/office/drawing/2010/main">
+          <mc:Choice Requires="a14">
+            <p:sp>
+              <p:nvSpPr>
+                <p:cNvPr id="42" name="TextBox 41">
+                  <a:extLst>
+                    <a:ext uri="{FF2B5EF4-FFF2-40B4-BE49-F238E27FC236}">
+                      <a16:creationId xmlns:a16="http://schemas.microsoft.com/office/drawing/2014/main" id="{E32754EB-B033-4FB2-C534-C6D6E72B9105}"/>
+                    </a:ext>
+                  </a:extLst>
+                </p:cNvPr>
+                <p:cNvSpPr txBox="1"/>
+                <p:nvPr/>
+              </p:nvSpPr>
+              <p:spPr>
+                <a:xfrm>
+                  <a:off x="9751068" y="4955552"/>
+                  <a:ext cx="497256" cy="261610"/>
+                </a:xfrm>
+                <a:prstGeom prst="rect">
+                  <a:avLst/>
+                </a:prstGeom>
+                <a:solidFill>
+                  <a:schemeClr val="accent2"/>
+                </a:solidFill>
+                <a:ln>
+                  <a:noFill/>
+                </a:ln>
+              </p:spPr>
+              <p:style>
+                <a:lnRef idx="0">
+                  <a:scrgbClr r="0" g="0" b="0"/>
+                </a:lnRef>
+                <a:fillRef idx="0">
+                  <a:scrgbClr r="0" g="0" b="0"/>
+                </a:fillRef>
+                <a:effectRef idx="0">
+                  <a:scrgbClr r="0" g="0" b="0"/>
+                </a:effectRef>
+                <a:fontRef idx="minor">
+                  <a:schemeClr val="lt1"/>
+                </a:fontRef>
+              </p:style>
+              <p:txBody>
+                <a:bodyPr wrap="square" lIns="0" rIns="0" rtlCol="0">
+                  <a:spAutoFit/>
+                </a:bodyPr>
+                <a:lstStyle/>
+                <a:p>
+                  <a:pPr/>
+                  <a14:m>
+                    <m:oMathPara xmlns:m="http://schemas.openxmlformats.org/officeDocument/2006/math">
+                      <m:oMathParaPr>
+                        <m:jc m:val="centerGroup"/>
+                      </m:oMathParaPr>
+                      <m:oMath xmlns:m="http://schemas.openxmlformats.org/officeDocument/2006/math">
+                        <m:r>
+                          <a:rPr lang="en-US" sz="1100" i="1" dirty="0" smtClean="0">
+                            <a:latin typeface="Cambria Math" panose="02040503050406030204" pitchFamily="18" charset="0"/>
+                          </a:rPr>
+                          <m:t>𝑈</m:t>
+                        </m:r>
+                        <m:r>
+                          <a:rPr lang="en-US" sz="1100" i="1" dirty="0" smtClean="0">
+                            <a:latin typeface="Cambria Math" panose="02040503050406030204" pitchFamily="18" charset="0"/>
+                          </a:rPr>
+                          <m:t>(</m:t>
+                        </m:r>
+                        <m:sSub>
+                          <m:sSubPr>
+                            <m:ctrlPr>
+                              <a:rPr lang="en-US" sz="1100" b="0" i="1" dirty="0" smtClean="0">
+                                <a:latin typeface="Cambria Math" panose="02040503050406030204" pitchFamily="18" charset="0"/>
+                              </a:rPr>
+                            </m:ctrlPr>
+                          </m:sSubPr>
+                          <m:e>
+                            <m:r>
+                              <a:rPr lang="en-US" sz="1100" i="1" dirty="0" smtClean="0">
+                                <a:latin typeface="Cambria Math" panose="02040503050406030204" pitchFamily="18" charset="0"/>
+                              </a:rPr>
+                              <m:t>𝑠</m:t>
+                            </m:r>
+                          </m:e>
+                          <m:sub>
+                            <m:r>
+                              <a:rPr lang="en-US" sz="1100" b="0" i="1" dirty="0" smtClean="0">
+                                <a:latin typeface="Cambria Math" panose="02040503050406030204" pitchFamily="18" charset="0"/>
+                              </a:rPr>
+                              <m:t>𝑇</m:t>
+                            </m:r>
+                            <m:r>
+                              <a:rPr lang="en-US" sz="1100" b="0" i="1" dirty="0" smtClean="0">
+                                <a:latin typeface="Cambria Math" panose="02040503050406030204" pitchFamily="18" charset="0"/>
+                              </a:rPr>
+                              <m:t>−1</m:t>
+                            </m:r>
+                          </m:sub>
+                        </m:sSub>
+                        <m:r>
+                          <a:rPr lang="en-US" sz="1100" i="1" dirty="0" smtClean="0">
+                            <a:latin typeface="Cambria Math" panose="02040503050406030204" pitchFamily="18" charset="0"/>
+                          </a:rPr>
+                          <m:t>)</m:t>
+                        </m:r>
+                      </m:oMath>
+                    </m:oMathPara>
+                  </a14:m>
+                  <a:endParaRPr lang="en-US" sz="1100" dirty="0"/>
+                </a:p>
+              </p:txBody>
+            </p:sp>
+          </mc:Choice>
+          <mc:Fallback xmlns="">
+            <p:sp>
+              <p:nvSpPr>
+                <p:cNvPr id="42" name="TextBox 41">
+                  <a:extLst>
+                    <a:ext uri="{FF2B5EF4-FFF2-40B4-BE49-F238E27FC236}">
+                      <a16:creationId xmlns:a16="http://schemas.microsoft.com/office/drawing/2014/main" id="{E32754EB-B033-4FB2-C534-C6D6E72B9105}"/>
+                    </a:ext>
+                  </a:extLst>
+                </p:cNvPr>
+                <p:cNvSpPr txBox="1">
+                  <a:spLocks noRot="1" noChangeAspect="1" noMove="1" noResize="1" noEditPoints="1" noAdjustHandles="1" noChangeArrowheads="1" noChangeShapeType="1" noTextEdit="1"/>
+                </p:cNvSpPr>
+                <p:nvPr/>
+              </p:nvSpPr>
+              <p:spPr>
+                <a:xfrm>
+                  <a:off x="9751068" y="4955552"/>
+                  <a:ext cx="497256" cy="261610"/>
+                </a:xfrm>
+                <a:prstGeom prst="rect">
+                  <a:avLst/>
+                </a:prstGeom>
+                <a:blipFill>
+                  <a:blip r:embed="rId12"/>
+                  <a:stretch>
+                    <a:fillRect l="-8642" r="-14815" b="-6977"/>
+                  </a:stretch>
+                </a:blipFill>
+                <a:ln>
+                  <a:noFill/>
+                </a:ln>
+              </p:spPr>
+              <p:txBody>
+                <a:bodyPr/>
+                <a:lstStyle/>
+                <a:p>
+                  <a:r>
+                    <a:rPr lang="en-US">
+                      <a:noFill/>
+                    </a:rPr>
+                    <a:t> </a:t>
+                  </a:r>
+                </a:p>
+              </p:txBody>
+            </p:sp>
+          </mc:Fallback>
+        </mc:AlternateContent>
+        <mc:AlternateContent xmlns:mc="http://schemas.openxmlformats.org/markup-compatibility/2006" xmlns:a14="http://schemas.microsoft.com/office/drawing/2010/main">
+          <mc:Choice Requires="a14">
+            <p:sp>
+              <p:nvSpPr>
+                <p:cNvPr id="43" name="TextBox 42">
+                  <a:extLst>
+                    <a:ext uri="{FF2B5EF4-FFF2-40B4-BE49-F238E27FC236}">
+                      <a16:creationId xmlns:a16="http://schemas.microsoft.com/office/drawing/2014/main" id="{7CC8E0D5-87F4-1E5F-FD8E-76FE513D5157}"/>
+                    </a:ext>
+                  </a:extLst>
+                </p:cNvPr>
+                <p:cNvSpPr txBox="1"/>
+                <p:nvPr/>
+              </p:nvSpPr>
+              <p:spPr>
+                <a:xfrm>
+                  <a:off x="8452280" y="4932015"/>
+                  <a:ext cx="408946" cy="261610"/>
+                </a:xfrm>
+                <a:prstGeom prst="rect">
+                  <a:avLst/>
+                </a:prstGeom>
+                <a:solidFill>
+                  <a:schemeClr val="accent2"/>
+                </a:solidFill>
+                <a:ln>
+                  <a:noFill/>
+                </a:ln>
+              </p:spPr>
+              <p:style>
+                <a:lnRef idx="0">
+                  <a:scrgbClr r="0" g="0" b="0"/>
+                </a:lnRef>
+                <a:fillRef idx="0">
+                  <a:scrgbClr r="0" g="0" b="0"/>
+                </a:fillRef>
+                <a:effectRef idx="0">
+                  <a:scrgbClr r="0" g="0" b="0"/>
+                </a:effectRef>
+                <a:fontRef idx="minor">
+                  <a:schemeClr val="lt1"/>
+                </a:fontRef>
+              </p:style>
+              <p:txBody>
+                <a:bodyPr wrap="square" lIns="0" rIns="0" rtlCol="0">
+                  <a:spAutoFit/>
+                </a:bodyPr>
+                <a:lstStyle/>
+                <a:p>
+                  <a:pPr/>
+                  <a14:m>
+                    <m:oMathPara xmlns:m="http://schemas.openxmlformats.org/officeDocument/2006/math">
+                      <m:oMathParaPr>
+                        <m:jc m:val="centerGroup"/>
+                      </m:oMathParaPr>
+                      <m:oMath xmlns:m="http://schemas.openxmlformats.org/officeDocument/2006/math">
+                        <m:r>
+                          <a:rPr lang="en-US" sz="1100" i="1" dirty="0" smtClean="0">
+                            <a:latin typeface="Cambria Math" panose="02040503050406030204" pitchFamily="18" charset="0"/>
+                          </a:rPr>
+                          <m:t>𝑈</m:t>
+                        </m:r>
+                        <m:r>
+                          <a:rPr lang="en-US" sz="1100" i="1" dirty="0" smtClean="0">
+                            <a:latin typeface="Cambria Math" panose="02040503050406030204" pitchFamily="18" charset="0"/>
+                          </a:rPr>
+                          <m:t>(</m:t>
+                        </m:r>
+                        <m:sSub>
+                          <m:sSubPr>
+                            <m:ctrlPr>
+                              <a:rPr lang="en-US" sz="1100" b="0" i="1" dirty="0" smtClean="0">
+                                <a:latin typeface="Cambria Math" panose="02040503050406030204" pitchFamily="18" charset="0"/>
+                              </a:rPr>
+                            </m:ctrlPr>
+                          </m:sSubPr>
+                          <m:e>
+                            <m:r>
+                              <a:rPr lang="en-US" sz="1100" i="1" dirty="0" smtClean="0">
+                                <a:latin typeface="Cambria Math" panose="02040503050406030204" pitchFamily="18" charset="0"/>
+                              </a:rPr>
+                              <m:t>𝑠</m:t>
+                            </m:r>
+                          </m:e>
+                          <m:sub>
+                            <m:r>
+                              <a:rPr lang="en-US" sz="1100" b="0" i="1" dirty="0" smtClean="0">
+                                <a:latin typeface="Cambria Math" panose="02040503050406030204" pitchFamily="18" charset="0"/>
+                              </a:rPr>
+                              <m:t>1</m:t>
+                            </m:r>
+                          </m:sub>
+                        </m:sSub>
+                        <m:r>
+                          <a:rPr lang="en-US" sz="1100" i="1" dirty="0" smtClean="0">
+                            <a:latin typeface="Cambria Math" panose="02040503050406030204" pitchFamily="18" charset="0"/>
+                          </a:rPr>
+                          <m:t>)</m:t>
+                        </m:r>
+                      </m:oMath>
+                    </m:oMathPara>
+                  </a14:m>
+                  <a:endParaRPr lang="en-US" sz="1100" dirty="0"/>
+                </a:p>
+              </p:txBody>
+            </p:sp>
+          </mc:Choice>
+          <mc:Fallback xmlns="">
+            <p:sp>
+              <p:nvSpPr>
+                <p:cNvPr id="43" name="TextBox 42">
+                  <a:extLst>
+                    <a:ext uri="{FF2B5EF4-FFF2-40B4-BE49-F238E27FC236}">
+                      <a16:creationId xmlns:a16="http://schemas.microsoft.com/office/drawing/2014/main" id="{7CC8E0D5-87F4-1E5F-FD8E-76FE513D5157}"/>
+                    </a:ext>
+                  </a:extLst>
+                </p:cNvPr>
+                <p:cNvSpPr txBox="1">
+                  <a:spLocks noRot="1" noChangeAspect="1" noMove="1" noResize="1" noEditPoints="1" noAdjustHandles="1" noChangeArrowheads="1" noChangeShapeType="1" noTextEdit="1"/>
+                </p:cNvSpPr>
+                <p:nvPr/>
+              </p:nvSpPr>
+              <p:spPr>
+                <a:xfrm>
+                  <a:off x="8452280" y="4932015"/>
+                  <a:ext cx="408946" cy="261610"/>
+                </a:xfrm>
+                <a:prstGeom prst="rect">
+                  <a:avLst/>
+                </a:prstGeom>
+                <a:blipFill>
+                  <a:blip r:embed="rId13"/>
+                  <a:stretch>
+                    <a:fillRect l="-2985" r="-8955" b="-6977"/>
+                  </a:stretch>
+                </a:blipFill>
+                <a:ln>
+                  <a:noFill/>
+                </a:ln>
+              </p:spPr>
+              <p:txBody>
+                <a:bodyPr/>
+                <a:lstStyle/>
+                <a:p>
+                  <a:r>
+                    <a:rPr lang="en-US">
+                      <a:noFill/>
+                    </a:rPr>
+                    <a:t> </a:t>
+                  </a:r>
+                </a:p>
+              </p:txBody>
+            </p:sp>
+          </mc:Fallback>
+        </mc:AlternateContent>
+        <p:sp>
+          <p:nvSpPr>
+            <p:cNvPr id="44" name="TextBox 43">
+              <a:extLst>
+                <a:ext uri="{FF2B5EF4-FFF2-40B4-BE49-F238E27FC236}">
+                  <a16:creationId xmlns:a16="http://schemas.microsoft.com/office/drawing/2014/main" id="{46F619A4-05FE-7526-28A8-6DBF2977EAC4}"/>
+                </a:ext>
+              </a:extLst>
+            </p:cNvPr>
+            <p:cNvSpPr txBox="1"/>
+            <p:nvPr/>
+          </p:nvSpPr>
+          <p:spPr>
+            <a:xfrm>
+              <a:off x="8825225" y="4920035"/>
+              <a:ext cx="469904" cy="584775"/>
+            </a:xfrm>
+            <a:prstGeom prst="rect">
+              <a:avLst/>
+            </a:prstGeom>
+            <a:noFill/>
+          </p:spPr>
+          <p:txBody>
+            <a:bodyPr wrap="square" rtlCol="0">
+              <a:spAutoFit/>
+            </a:bodyPr>
+            <a:lstStyle/>
+            <a:p>
+              <a:r>
+                <a:rPr lang="en-US" sz="3200" dirty="0">
+                  <a:solidFill>
+                    <a:schemeClr val="accent6"/>
+                  </a:solidFill>
+                </a:rPr>
+                <a:t>…</a:t>
+              </a:r>
+            </a:p>
+          </p:txBody>
+        </p:sp>
+        <mc:AlternateContent xmlns:mc="http://schemas.openxmlformats.org/markup-compatibility/2006" xmlns:a14="http://schemas.microsoft.com/office/drawing/2010/main">
+          <mc:Choice Requires="a14">
+            <p:sp>
+              <p:nvSpPr>
+                <p:cNvPr id="45" name="TextBox 44">
+                  <a:extLst>
+                    <a:ext uri="{FF2B5EF4-FFF2-40B4-BE49-F238E27FC236}">
+                      <a16:creationId xmlns:a16="http://schemas.microsoft.com/office/drawing/2014/main" id="{733B1CCA-C8B1-69EB-A31D-77F6AAB3D55E}"/>
+                    </a:ext>
+                  </a:extLst>
+                </p:cNvPr>
+                <p:cNvSpPr txBox="1"/>
+                <p:nvPr/>
+              </p:nvSpPr>
+              <p:spPr>
+                <a:xfrm>
+                  <a:off x="8327999" y="5306213"/>
+                  <a:ext cx="751840" cy="246221"/>
+                </a:xfrm>
+                <a:prstGeom prst="rect">
+                  <a:avLst/>
+                </a:prstGeom>
+                <a:noFill/>
+              </p:spPr>
+              <p:txBody>
+                <a:bodyPr wrap="square" rtlCol="0">
+                  <a:spAutoFit/>
+                </a:bodyPr>
+                <a:lstStyle/>
+                <a:p>
+                  <a:pPr/>
+                  <a14:m>
+                    <m:oMathPara xmlns:m="http://schemas.openxmlformats.org/officeDocument/2006/math">
+                      <m:oMathParaPr>
+                        <m:jc m:val="centerGroup"/>
+                      </m:oMathParaPr>
+                      <m:oMath xmlns:m="http://schemas.openxmlformats.org/officeDocument/2006/math">
+                        <m:sSub>
+                          <m:sSubPr>
+                            <m:ctrlPr>
+                              <a:rPr lang="en-US" sz="1000" b="0" i="1" dirty="0" smtClean="0">
+                                <a:latin typeface="Cambria Math" panose="02040503050406030204" pitchFamily="18" charset="0"/>
+                              </a:rPr>
+                            </m:ctrlPr>
+                          </m:sSubPr>
+                          <m:e>
+                            <m:r>
+                              <a:rPr lang="en-US" sz="1000" i="1" dirty="0" smtClean="0">
+                                <a:latin typeface="Cambria Math" panose="02040503050406030204" pitchFamily="18" charset="0"/>
+                              </a:rPr>
+                              <m:t>𝑎</m:t>
+                            </m:r>
+                          </m:e>
+                          <m:sub>
+                            <m:r>
+                              <a:rPr lang="en-US" sz="1000" b="0" i="1" dirty="0" smtClean="0">
+                                <a:latin typeface="Cambria Math" panose="02040503050406030204" pitchFamily="18" charset="0"/>
+                              </a:rPr>
+                              <m:t>1</m:t>
+                            </m:r>
+                          </m:sub>
+                        </m:sSub>
+                      </m:oMath>
+                    </m:oMathPara>
+                  </a14:m>
+                  <a:endParaRPr lang="en-US" sz="1000" dirty="0"/>
+                </a:p>
+              </p:txBody>
+            </p:sp>
+          </mc:Choice>
+          <mc:Fallback xmlns="">
+            <p:sp>
+              <p:nvSpPr>
+                <p:cNvPr id="45" name="TextBox 44">
+                  <a:extLst>
+                    <a:ext uri="{FF2B5EF4-FFF2-40B4-BE49-F238E27FC236}">
+                      <a16:creationId xmlns:a16="http://schemas.microsoft.com/office/drawing/2014/main" id="{733B1CCA-C8B1-69EB-A31D-77F6AAB3D55E}"/>
+                    </a:ext>
+                  </a:extLst>
+                </p:cNvPr>
+                <p:cNvSpPr txBox="1">
+                  <a:spLocks noRot="1" noChangeAspect="1" noMove="1" noResize="1" noEditPoints="1" noAdjustHandles="1" noChangeArrowheads="1" noChangeShapeType="1" noTextEdit="1"/>
+                </p:cNvSpPr>
+                <p:nvPr/>
+              </p:nvSpPr>
+              <p:spPr>
+                <a:xfrm>
+                  <a:off x="8327999" y="5306213"/>
+                  <a:ext cx="751840" cy="246221"/>
+                </a:xfrm>
+                <a:prstGeom prst="rect">
+                  <a:avLst/>
+                </a:prstGeom>
+                <a:blipFill>
+                  <a:blip r:embed="rId14"/>
+                  <a:stretch>
+                    <a:fillRect/>
+                  </a:stretch>
+                </a:blipFill>
+              </p:spPr>
+              <p:txBody>
+                <a:bodyPr/>
+                <a:lstStyle/>
+                <a:p>
+                  <a:r>
+                    <a:rPr lang="en-US">
+                      <a:noFill/>
+                    </a:rPr>
+                    <a:t> </a:t>
+                  </a:r>
+                </a:p>
+              </p:txBody>
+            </p:sp>
+          </mc:Fallback>
+        </mc:AlternateContent>
+        <mc:AlternateContent xmlns:mc="http://schemas.openxmlformats.org/markup-compatibility/2006" xmlns:a14="http://schemas.microsoft.com/office/drawing/2010/main">
+          <mc:Choice Requires="a14">
+            <p:sp>
+              <p:nvSpPr>
+                <p:cNvPr id="46" name="TextBox 45">
+                  <a:extLst>
+                    <a:ext uri="{FF2B5EF4-FFF2-40B4-BE49-F238E27FC236}">
+                      <a16:creationId xmlns:a16="http://schemas.microsoft.com/office/drawing/2014/main" id="{A75A1CC5-FC8C-1421-4D61-DC8CE629E4A9}"/>
+                    </a:ext>
+                  </a:extLst>
+                </p:cNvPr>
+                <p:cNvSpPr txBox="1"/>
+                <p:nvPr/>
+              </p:nvSpPr>
+              <p:spPr>
+                <a:xfrm>
+                  <a:off x="9726353" y="5299758"/>
+                  <a:ext cx="751840" cy="246221"/>
+                </a:xfrm>
+                <a:prstGeom prst="rect">
+                  <a:avLst/>
+                </a:prstGeom>
+                <a:noFill/>
+              </p:spPr>
+              <p:txBody>
+                <a:bodyPr wrap="square" rtlCol="0">
+                  <a:spAutoFit/>
+                </a:bodyPr>
+                <a:lstStyle/>
+                <a:p>
+                  <a:pPr/>
+                  <a14:m>
+                    <m:oMathPara xmlns:m="http://schemas.openxmlformats.org/officeDocument/2006/math">
+                      <m:oMathParaPr>
+                        <m:jc m:val="centerGroup"/>
+                      </m:oMathParaPr>
+                      <m:oMath xmlns:m="http://schemas.openxmlformats.org/officeDocument/2006/math">
+                        <m:sSub>
+                          <m:sSubPr>
+                            <m:ctrlPr>
+                              <a:rPr lang="en-US" sz="1000" b="0" i="1" dirty="0" smtClean="0">
+                                <a:latin typeface="Cambria Math" panose="02040503050406030204" pitchFamily="18" charset="0"/>
+                              </a:rPr>
+                            </m:ctrlPr>
+                          </m:sSubPr>
+                          <m:e>
+                            <m:r>
+                              <a:rPr lang="en-US" sz="1000" i="1" dirty="0" smtClean="0">
+                                <a:latin typeface="Cambria Math" panose="02040503050406030204" pitchFamily="18" charset="0"/>
+                              </a:rPr>
+                              <m:t>𝑎</m:t>
+                            </m:r>
+                          </m:e>
+                          <m:sub>
+                            <m:r>
+                              <a:rPr lang="en-US" sz="1000" b="0" i="1" dirty="0" smtClean="0">
+                                <a:latin typeface="Cambria Math" panose="02040503050406030204" pitchFamily="18" charset="0"/>
+                              </a:rPr>
+                              <m:t>𝑇</m:t>
+                            </m:r>
+                            <m:r>
+                              <a:rPr lang="en-US" sz="1000" b="0" i="1" dirty="0" smtClean="0">
+                                <a:latin typeface="Cambria Math" panose="02040503050406030204" pitchFamily="18" charset="0"/>
+                              </a:rPr>
+                              <m:t>−1</m:t>
+                            </m:r>
+                          </m:sub>
+                        </m:sSub>
+                      </m:oMath>
+                    </m:oMathPara>
+                  </a14:m>
+                  <a:endParaRPr lang="en-US" sz="1000" dirty="0"/>
+                </a:p>
+              </p:txBody>
+            </p:sp>
+          </mc:Choice>
+          <mc:Fallback xmlns="">
+            <p:sp>
+              <p:nvSpPr>
+                <p:cNvPr id="46" name="TextBox 45">
+                  <a:extLst>
+                    <a:ext uri="{FF2B5EF4-FFF2-40B4-BE49-F238E27FC236}">
+                      <a16:creationId xmlns:a16="http://schemas.microsoft.com/office/drawing/2014/main" id="{A75A1CC5-FC8C-1421-4D61-DC8CE629E4A9}"/>
+                    </a:ext>
+                  </a:extLst>
+                </p:cNvPr>
+                <p:cNvSpPr txBox="1">
+                  <a:spLocks noRot="1" noChangeAspect="1" noMove="1" noResize="1" noEditPoints="1" noAdjustHandles="1" noChangeArrowheads="1" noChangeShapeType="1" noTextEdit="1"/>
+                </p:cNvSpPr>
+                <p:nvPr/>
+              </p:nvSpPr>
+              <p:spPr>
+                <a:xfrm>
+                  <a:off x="9726353" y="5299758"/>
+                  <a:ext cx="751840" cy="246221"/>
+                </a:xfrm>
+                <a:prstGeom prst="rect">
+                  <a:avLst/>
+                </a:prstGeom>
+                <a:blipFill>
+                  <a:blip r:embed="rId15"/>
+                  <a:stretch>
+                    <a:fillRect/>
+                  </a:stretch>
+                </a:blipFill>
+              </p:spPr>
+              <p:txBody>
+                <a:bodyPr/>
+                <a:lstStyle/>
+                <a:p>
+                  <a:r>
+                    <a:rPr lang="en-US">
+                      <a:noFill/>
+                    </a:rPr>
+                    <a:t> </a:t>
+                  </a:r>
+                </a:p>
+              </p:txBody>
+            </p:sp>
+          </mc:Fallback>
+        </mc:AlternateContent>
+      </p:grpSp>
     </p:spTree>
     <p:extLst>
       <p:ext uri="{BB962C8B-B14F-4D97-AF65-F5344CB8AC3E}">
-        <p14:creationId xmlns:p14="http://schemas.microsoft.com/office/powerpoint/2010/main" val="2754102285"/>
+        <p14:creationId xmlns:p14="http://schemas.microsoft.com/office/powerpoint/2010/main" val="3323698763"/>
       </p:ext>
     </p:extLst>
   </p:cSld>
@@ -33727,7 +32914,7 @@
             </p:spPr>
             <p:txBody>
               <a:bodyPr anchor="t">
-                <a:normAutofit/>
+                <a:normAutofit fontScale="92500" lnSpcReduction="10000"/>
               </a:bodyPr>
               <a:lstStyle/>
               <a:p>
@@ -33792,9 +32979,6 @@
                   <a:rPr lang="en-US" sz="1800" dirty="0"/>
                   <a:t>Utility functions are derived from preferences:</a:t>
                 </a:r>
-              </a:p>
-              <a:p>
-                <a:endParaRPr lang="en-US" sz="1800" dirty="0"/>
               </a:p>
               <a:p>
                 <a:pPr marL="0" indent="0" algn="ctr">
@@ -34042,7 +33226,61 @@
                 </a:r>
                 <a:r>
                   <a:rPr lang="en-US" sz="1800" dirty="0"/>
-                  <a:t> of states to make decisions.</a:t>
+                  <a:t> of states to make decisions like move to the better state.</a:t>
+                </a:r>
+              </a:p>
+              <a:p>
+                <a:r>
+                  <a:rPr lang="en-US" sz="1800" dirty="0"/>
+                  <a:t>To use expectation, we need a </a:t>
+                </a:r>
+                <a:r>
+                  <a:rPr lang="en-US" sz="1800" b="1" dirty="0"/>
+                  <a:t>cardinal utility function</a:t>
+                </a:r>
+                <a:r>
+                  <a:rPr lang="en-US" sz="1800" dirty="0"/>
+                  <a:t> where the number represents levels of absolute satisfaction. That is </a:t>
+                </a:r>
+                <a14:m>
+                  <m:oMath xmlns:m="http://schemas.openxmlformats.org/officeDocument/2006/math">
+                    <m:r>
+                      <a:rPr lang="en-US" sz="1800" i="1" dirty="0" smtClean="0">
+                        <a:latin typeface="Cambria Math" panose="02040503050406030204" pitchFamily="18" charset="0"/>
+                      </a:rPr>
+                      <m:t>2</m:t>
+                    </m:r>
+                    <m:r>
+                      <a:rPr lang="en-US" sz="1800" b="0" i="1" dirty="0" smtClean="0">
+                        <a:latin typeface="Cambria Math" panose="02040503050406030204" pitchFamily="18" charset="0"/>
+                      </a:rPr>
+                      <m:t>×</m:t>
+                    </m:r>
+                    <m:r>
+                      <a:rPr lang="en-US" sz="1800" i="1" dirty="0" smtClean="0">
+                        <a:latin typeface="Cambria Math" panose="02040503050406030204" pitchFamily="18" charset="0"/>
+                      </a:rPr>
+                      <m:t>𝑈</m:t>
+                    </m:r>
+                  </m:oMath>
+                </a14:m>
+                <a:r>
+                  <a:rPr lang="en-US" sz="1800" dirty="0"/>
+                  <a:t> is twice as good as </a:t>
+                </a:r>
+                <a14:m>
+                  <m:oMath xmlns:m="http://schemas.openxmlformats.org/officeDocument/2006/math">
+                    <m:r>
+                      <a:rPr lang="en-US" sz="1800" i="1" dirty="0" smtClean="0">
+                        <a:latin typeface="Cambria Math" panose="02040503050406030204" pitchFamily="18" charset="0"/>
+                      </a:rPr>
+                      <m:t>𝑈</m:t>
+                    </m:r>
+                  </m:oMath>
+                </a14:m>
+                <a:r>
+                  <a:rPr lang="en-US" sz="1800" dirty="0"/>
+                  <a:t>!</a:t>
                 </a:r>
               </a:p>
             </p:txBody>
@@ -34073,7 +33311,7 @@
               <a:blipFill>
                 <a:blip r:embed="rId2"/>
                 <a:stretch>
-                  <a:fillRect l="-842" t="-1603" r="-722"/>
+                  <a:fillRect l="-602" t="-1763" b="-801"/>
                 </a:stretch>
               </a:blipFill>
             </p:spPr>
@@ -34092,12 +33330,48 @@
           </p:sp>
         </mc:Fallback>
       </mc:AlternateContent>
+      <p:sp>
+        <p:nvSpPr>
+          <p:cNvPr id="4" name="TextBox 3">
+            <a:extLst>
+              <a:ext uri="{FF2B5EF4-FFF2-40B4-BE49-F238E27FC236}">
+                <a16:creationId xmlns:a16="http://schemas.microsoft.com/office/drawing/2014/main" id="{4D693998-B44C-FD9F-F231-2EDD6328B257}"/>
+              </a:ext>
+            </a:extLst>
+          </p:cNvPr>
+          <p:cNvSpPr txBox="1"/>
+          <p:nvPr/>
+        </p:nvSpPr>
+        <p:spPr>
+          <a:xfrm>
+            <a:off x="7162418" y="839927"/>
+            <a:ext cx="3444469" cy="369332"/>
+          </a:xfrm>
+          <a:prstGeom prst="rect">
+            <a:avLst/>
+          </a:prstGeom>
+          <a:noFill/>
+        </p:spPr>
+        <p:txBody>
+          <a:bodyPr wrap="square" rtlCol="0">
+            <a:spAutoFit/>
+          </a:bodyPr>
+          <a:lstStyle/>
+          <a:p>
+            <a:pPr algn="ctr"/>
+            <a:r>
+              <a:rPr lang="en-US" b="1" dirty="0"/>
+              <a:t>Ordinal vs. Cardinal Utility</a:t>
+            </a:r>
+          </a:p>
+        </p:txBody>
+      </p:sp>
       <p:pic>
         <p:nvPicPr>
-          <p:cNvPr id="5" name="Graphic 4" descr="Treasure chest with solid fill">
+          <p:cNvPr id="6" name="Graphic 5" descr="Treasure chest with solid fill">
             <a:extLst>
               <a:ext uri="{FF2B5EF4-FFF2-40B4-BE49-F238E27FC236}">
-                <a16:creationId xmlns:a16="http://schemas.microsoft.com/office/drawing/2014/main" id="{2BBC9BFE-F444-4468-A129-D431DC316131}"/>
+                <a16:creationId xmlns:a16="http://schemas.microsoft.com/office/drawing/2014/main" id="{49EEED46-F31F-8BE3-5EE6-139B46048180}"/>
               </a:ext>
             </a:extLst>
           </p:cNvPr>
@@ -34123,14 +33397,127 @@
         </p:blipFill>
         <p:spPr>
           <a:xfrm>
-            <a:off x="6099048" y="699516"/>
-            <a:ext cx="5458968" cy="5458968"/>
+            <a:off x="7259885" y="3114102"/>
+            <a:ext cx="3743898" cy="3743898"/>
           </a:xfrm>
           <a:prstGeom prst="rect">
             <a:avLst/>
           </a:prstGeom>
         </p:spPr>
       </p:pic>
+      <p:pic>
+        <p:nvPicPr>
+          <p:cNvPr id="7" name="Graphic 6" descr="Treasure chest with solid fill">
+            <a:extLst>
+              <a:ext uri="{FF2B5EF4-FFF2-40B4-BE49-F238E27FC236}">
+                <a16:creationId xmlns:a16="http://schemas.microsoft.com/office/drawing/2014/main" id="{C8A45945-5B44-3875-D2CE-D0CC81AB0575}"/>
+              </a:ext>
+            </a:extLst>
+          </p:cNvPr>
+          <p:cNvPicPr>
+            <a:picLocks noChangeAspect="1"/>
+          </p:cNvPicPr>
+          <p:nvPr/>
+        </p:nvPicPr>
+        <p:blipFill>
+          <a:blip r:embed="rId3">
+            <a:extLst>
+              <a:ext uri="{28A0092B-C50C-407E-A947-70E740481C1C}">
+                <a14:useLocalDpi xmlns:a14="http://schemas.microsoft.com/office/drawing/2010/main" val="0"/>
+              </a:ext>
+              <a:ext uri="{96DAC541-7B7A-43D3-8B79-37D633B846F1}">
+                <asvg:svgBlip xmlns:asvg="http://schemas.microsoft.com/office/drawing/2016/SVG/main" r:embed="rId4"/>
+              </a:ext>
+            </a:extLst>
+          </a:blip>
+          <a:stretch>
+            <a:fillRect/>
+          </a:stretch>
+        </p:blipFill>
+        <p:spPr>
+          <a:xfrm>
+            <a:off x="6008277" y="1024593"/>
+            <a:ext cx="2802646" cy="2802646"/>
+          </a:xfrm>
+          <a:prstGeom prst="rect">
+            <a:avLst/>
+          </a:prstGeom>
+        </p:spPr>
+      </p:pic>
+      <p:pic>
+        <p:nvPicPr>
+          <p:cNvPr id="8" name="Graphic 7" descr="Treasure chest with solid fill">
+            <a:extLst>
+              <a:ext uri="{FF2B5EF4-FFF2-40B4-BE49-F238E27FC236}">
+                <a16:creationId xmlns:a16="http://schemas.microsoft.com/office/drawing/2014/main" id="{875F3D4C-6172-B31E-0D70-8B551D0B4D31}"/>
+              </a:ext>
+            </a:extLst>
+          </p:cNvPr>
+          <p:cNvPicPr>
+            <a:picLocks noChangeAspect="1"/>
+          </p:cNvPicPr>
+          <p:nvPr/>
+        </p:nvPicPr>
+        <p:blipFill>
+          <a:blip r:embed="rId3">
+            <a:extLst>
+              <a:ext uri="{28A0092B-C50C-407E-A947-70E740481C1C}">
+                <a14:useLocalDpi xmlns:a14="http://schemas.microsoft.com/office/drawing/2010/main" val="0"/>
+              </a:ext>
+              <a:ext uri="{96DAC541-7B7A-43D3-8B79-37D633B846F1}">
+                <asvg:svgBlip xmlns:asvg="http://schemas.microsoft.com/office/drawing/2016/SVG/main" r:embed="rId4"/>
+              </a:ext>
+            </a:extLst>
+          </a:blip>
+          <a:stretch>
+            <a:fillRect/>
+          </a:stretch>
+        </p:blipFill>
+        <p:spPr>
+          <a:xfrm>
+            <a:off x="8958382" y="1024593"/>
+            <a:ext cx="2802646" cy="2802646"/>
+          </a:xfrm>
+          <a:prstGeom prst="rect">
+            <a:avLst/>
+          </a:prstGeom>
+        </p:spPr>
+      </p:pic>
+      <p:sp>
+        <p:nvSpPr>
+          <p:cNvPr id="9" name="TextBox 8">
+            <a:extLst>
+              <a:ext uri="{FF2B5EF4-FFF2-40B4-BE49-F238E27FC236}">
+                <a16:creationId xmlns:a16="http://schemas.microsoft.com/office/drawing/2014/main" id="{281EC481-FB94-1823-223A-62E0FF3EDDAB}"/>
+              </a:ext>
+            </a:extLst>
+          </p:cNvPr>
+          <p:cNvSpPr txBox="1"/>
+          <p:nvPr/>
+        </p:nvSpPr>
+        <p:spPr>
+          <a:xfrm>
+            <a:off x="8662748" y="2095309"/>
+            <a:ext cx="591267" cy="923330"/>
+          </a:xfrm>
+          <a:prstGeom prst="rect">
+            <a:avLst/>
+          </a:prstGeom>
+          <a:noFill/>
+        </p:spPr>
+        <p:txBody>
+          <a:bodyPr wrap="square" rtlCol="0">
+            <a:spAutoFit/>
+          </a:bodyPr>
+          <a:lstStyle/>
+          <a:p>
+            <a:r>
+              <a:rPr lang="en-US" sz="5400" dirty="0"/>
+              <a:t>+</a:t>
+            </a:r>
+          </a:p>
+        </p:txBody>
+      </p:sp>
     </p:spTree>
     <p:extLst>
       <p:ext uri="{BB962C8B-B14F-4D97-AF65-F5344CB8AC3E}">
@@ -34537,8 +33924,8 @@
           </a:p>
         </p:txBody>
       </p:sp>
-      <mc:AlternateContent xmlns:mc="http://schemas.openxmlformats.org/markup-compatibility/2006">
-        <mc:Choice xmlns:a14="http://schemas.microsoft.com/office/drawing/2010/main" Requires="a14">
+      <mc:AlternateContent xmlns:mc="http://schemas.openxmlformats.org/markup-compatibility/2006" xmlns:a14="http://schemas.microsoft.com/office/drawing/2010/main">
+        <mc:Choice Requires="a14">
           <p:sp>
             <p:nvSpPr>
               <p:cNvPr id="3" name="Content Placeholder 2">
@@ -34557,13 +33944,13 @@
             </p:nvSpPr>
             <p:spPr>
               <a:xfrm>
-                <a:off x="630936" y="2660904"/>
-                <a:ext cx="5458968" cy="3807990"/>
+                <a:off x="630936" y="3327063"/>
+                <a:ext cx="5458968" cy="3268580"/>
               </a:xfrm>
             </p:spPr>
             <p:txBody>
               <a:bodyPr anchor="t">
-                <a:normAutofit fontScale="92500" lnSpcReduction="10000"/>
+                <a:normAutofit fontScale="85000" lnSpcReduction="20000"/>
               </a:bodyPr>
               <a:lstStyle/>
               <a:p>
@@ -34578,52 +33965,7 @@
               <a:p>
                 <a:r>
                   <a:rPr lang="en-US" sz="1800" dirty="0"/>
-                  <a:t>A </a:t>
-                </a:r>
-                <a:r>
-                  <a:rPr lang="en-US" sz="1800" b="1" dirty="0"/>
-                  <a:t>cardinal utility </a:t>
-                </a:r>
-                <a:r>
-                  <a:rPr lang="en-US" sz="1800" dirty="0"/>
-                  <a:t>function </a:t>
-                </a:r>
-                <a14:m>
-                  <m:oMath xmlns:m="http://schemas.openxmlformats.org/officeDocument/2006/math">
-                    <m:r>
-                      <a:rPr lang="en-US" sz="1800" i="1">
-                        <a:latin typeface="Cambria Math" panose="02040503050406030204" pitchFamily="18" charset="0"/>
-                      </a:rPr>
-                      <m:t>𝑈</m:t>
-                    </m:r>
-                    <m:d>
-                      <m:dPr>
-                        <m:ctrlPr>
-                          <a:rPr lang="en-US" sz="1800" i="1">
-                            <a:latin typeface="Cambria Math" panose="02040503050406030204" pitchFamily="18" charset="0"/>
-                          </a:rPr>
-                        </m:ctrlPr>
-                      </m:dPr>
-                      <m:e>
-                        <m:r>
-                          <a:rPr lang="en-US" sz="1800" i="1">
-                            <a:latin typeface="Cambria Math" panose="02040503050406030204" pitchFamily="18" charset="0"/>
-                          </a:rPr>
-                          <m:t>𝑠</m:t>
-                        </m:r>
-                      </m:e>
-                    </m:d>
-                  </m:oMath>
-                </a14:m>
-                <a:r>
-                  <a:rPr lang="en-US" sz="1800" dirty="0"/>
-                  <a:t> where the number represents levels of absolute satisfaction.</a:t>
-                </a:r>
-              </a:p>
-              <a:p>
-                <a:r>
-                  <a:rPr lang="en-US" sz="1800" dirty="0"/>
-                  <a:t>The probability </a:t>
+                  <a:t>The probability distribution </a:t>
                 </a:r>
                 <a14:m>
                   <m:oMath xmlns:m="http://schemas.openxmlformats.org/officeDocument/2006/math">
@@ -34683,7 +34025,39 @@
               <a:p>
                 <a:r>
                   <a:rPr lang="en-US" sz="1800" dirty="0"/>
-                  <a:t>Transition probabilities </a:t>
+                  <a:t>Given</a:t>
+                </a:r>
+                <a14:m>
+                  <m:oMath xmlns:m="http://schemas.openxmlformats.org/officeDocument/2006/math">
+                    <m:r>
+                      <a:rPr lang="en-US" sz="1800" i="1" dirty="0" smtClean="0">
+                        <a:latin typeface="Cambria Math" panose="02040503050406030204" pitchFamily="18" charset="0"/>
+                      </a:rPr>
+                      <m:t> </m:t>
+                    </m:r>
+                    <m:r>
+                      <a:rPr lang="en-US" sz="1800" i="1" dirty="0" smtClean="0">
+                        <a:latin typeface="Cambria Math" panose="02040503050406030204" pitchFamily="18" charset="0"/>
+                      </a:rPr>
+                      <m:t>𝑎</m:t>
+                    </m:r>
+                    <m:r>
+                      <a:rPr lang="en-US" sz="1800" b="0" i="1" dirty="0" smtClean="0">
+                        <a:latin typeface="Cambria Math" panose="02040503050406030204" pitchFamily="18" charset="0"/>
+                      </a:rPr>
+                      <m:t>,</m:t>
+                    </m:r>
+                    <m:r>
+                      <a:rPr lang="en-US" sz="1800" i="1" dirty="0" smtClean="0">
+                        <a:latin typeface="Cambria Math" panose="02040503050406030204" pitchFamily="18" charset="0"/>
+                      </a:rPr>
+                      <m:t> </m:t>
+                    </m:r>
+                  </m:oMath>
+                </a14:m>
+                <a:r>
+                  <a:rPr lang="en-US" sz="1800" dirty="0"/>
+                  <a:t>the transition probabilities </a:t>
                 </a:r>
                 <a14:m>
                   <m:oMath xmlns:m="http://schemas.openxmlformats.org/officeDocument/2006/math">
@@ -34762,6 +34136,51 @@
                 </a:r>
               </a:p>
               <a:p>
+                <a:r>
+                  <a:rPr lang="en-US" sz="1800" dirty="0"/>
+                  <a:t>A </a:t>
+                </a:r>
+                <a:r>
+                  <a:rPr lang="en-US" sz="1800" b="1" dirty="0"/>
+                  <a:t>cardinal utility </a:t>
+                </a:r>
+                <a:r>
+                  <a:rPr lang="en-US" sz="1800" dirty="0"/>
+                  <a:t>function </a:t>
+                </a:r>
+                <a14:m>
+                  <m:oMath xmlns:m="http://schemas.openxmlformats.org/officeDocument/2006/math">
+                    <m:r>
+                      <a:rPr lang="en-US" sz="1800" i="1">
+                        <a:latin typeface="Cambria Math" panose="02040503050406030204" pitchFamily="18" charset="0"/>
+                      </a:rPr>
+                      <m:t>𝑈</m:t>
+                    </m:r>
+                    <m:d>
+                      <m:dPr>
+                        <m:ctrlPr>
+                          <a:rPr lang="en-US" sz="1800" i="1">
+                            <a:latin typeface="Cambria Math" panose="02040503050406030204" pitchFamily="18" charset="0"/>
+                          </a:rPr>
+                        </m:ctrlPr>
+                      </m:dPr>
+                      <m:e>
+                        <m:r>
+                          <a:rPr lang="en-US" sz="1800" i="1">
+                            <a:latin typeface="Cambria Math" panose="02040503050406030204" pitchFamily="18" charset="0"/>
+                          </a:rPr>
+                          <m:t>𝑠</m:t>
+                        </m:r>
+                      </m:e>
+                    </m:d>
+                  </m:oMath>
+                </a14:m>
+                <a:r>
+                  <a:rPr lang="en-US" sz="1800" dirty="0"/>
+                  <a:t>.</a:t>
+                </a:r>
+              </a:p>
+              <a:p>
                 <a:pPr marL="0" indent="0">
                   <a:buNone/>
                 </a:pPr>
@@ -34787,8 +34206,13 @@
                 </a14:m>
                 <a:r>
                   <a:rPr lang="en-US" sz="1800" dirty="0"/>
-                  <a:t> will get us to a future state s’</a:t>
+                  <a:t> will get us to a future state s’ is</a:t>
                 </a:r>
+              </a:p>
+              <a:p>
+                <a:pPr marL="0" indent="0">
+                  <a:buNone/>
+                </a:pPr>
                 <a:br>
                   <a:rPr lang="en-US" sz="1800" dirty="0"/>
                 </a:br>
@@ -34814,59 +34238,17 @@
                         </m:dPr>
                         <m:e>
                           <m:r>
-                            <a:rPr lang="en-US" sz="1800" i="1">
+                            <a:rPr lang="en-US" sz="1800" b="0" i="1" smtClean="0">
                               <a:latin typeface="Cambria Math" panose="02040503050406030204" pitchFamily="18" charset="0"/>
                             </a:rPr>
-                            <m:t>𝑅𝑒𝑠𝑢𝑙𝑡</m:t>
+                            <m:t>𝑠</m:t>
                           </m:r>
-                          <m:d>
-                            <m:dPr>
-                              <m:ctrlPr>
-                                <a:rPr lang="en-US" sz="1800" i="1">
-                                  <a:latin typeface="Cambria Math" panose="02040503050406030204" pitchFamily="18" charset="0"/>
-                                </a:rPr>
-                              </m:ctrlPr>
-                            </m:dPr>
-                            <m:e>
-                              <m:r>
-                                <a:rPr lang="en-US" sz="1800" i="1">
-                                  <a:latin typeface="Cambria Math" panose="02040503050406030204" pitchFamily="18" charset="0"/>
-                                </a:rPr>
-                                <m:t>𝑎</m:t>
-                              </m:r>
-                            </m:e>
-                          </m:d>
                           <m:r>
-                            <a:rPr lang="en-US" sz="1800" i="1">
+                            <a:rPr lang="en-US" sz="1800" b="0" i="1" smtClean="0">
                               <a:latin typeface="Cambria Math" panose="02040503050406030204" pitchFamily="18" charset="0"/>
                             </a:rPr>
-                            <m:t>=</m:t>
+                            <m:t>′</m:t>
                           </m:r>
-                          <m:sSup>
-                            <m:sSupPr>
-                              <m:ctrlPr>
-                                <a:rPr lang="en-US" sz="1800" i="1">
-                                  <a:latin typeface="Cambria Math" panose="02040503050406030204" pitchFamily="18" charset="0"/>
-                                </a:rPr>
-                              </m:ctrlPr>
-                            </m:sSupPr>
-                            <m:e>
-                              <m:r>
-                                <a:rPr lang="en-US" sz="1800" i="1">
-                                  <a:latin typeface="Cambria Math" panose="02040503050406030204" pitchFamily="18" charset="0"/>
-                                </a:rPr>
-                                <m:t>𝑠</m:t>
-                              </m:r>
-                            </m:e>
-                            <m:sup>
-                              <m:r>
-                                <a:rPr lang="en-US" sz="1800" i="1">
-                                  <a:latin typeface="Cambria Math" panose="02040503050406030204" pitchFamily="18" charset="0"/>
-                                </a:rPr>
-                                <m:t>′</m:t>
-                              </m:r>
-                            </m:sup>
-                          </m:sSup>
                         </m:e>
                       </m:d>
                       <m:r>
@@ -35018,7 +34400,7 @@
                 </a14:m>
                 <a:r>
                   <a:rPr lang="en-US" sz="1800" dirty="0"/>
-                  <a:t> over all possible states is</a:t>
+                  <a:t> over all possible future states is</a:t>
                 </a:r>
                 <a:br>
                   <a:rPr lang="en-US" sz="1800" dirty="0"/>
@@ -35099,59 +34481,17 @@
                             </m:dPr>
                             <m:e>
                               <m:r>
-                                <a:rPr lang="en-US" sz="1800" i="1">
+                                <a:rPr lang="en-US" sz="1800" b="0" i="1" smtClean="0">
                                   <a:latin typeface="Cambria Math" panose="02040503050406030204" pitchFamily="18" charset="0"/>
                                 </a:rPr>
-                                <m:t>𝑅𝑒𝑠𝑢𝑙𝑡</m:t>
+                                <m:t>𝑠</m:t>
                               </m:r>
-                              <m:d>
-                                <m:dPr>
-                                  <m:ctrlPr>
-                                    <a:rPr lang="en-US" sz="1800" i="1">
-                                      <a:latin typeface="Cambria Math" panose="02040503050406030204" pitchFamily="18" charset="0"/>
-                                    </a:rPr>
-                                  </m:ctrlPr>
-                                </m:dPr>
-                                <m:e>
-                                  <m:r>
-                                    <a:rPr lang="en-US" sz="1800" b="0" i="1" smtClean="0">
-                                      <a:latin typeface="Cambria Math" panose="02040503050406030204" pitchFamily="18" charset="0"/>
-                                    </a:rPr>
-                                    <m:t>𝑎</m:t>
-                                  </m:r>
-                                </m:e>
-                              </m:d>
                               <m:r>
-                                <a:rPr lang="en-US" sz="1800" i="1">
+                                <a:rPr lang="en-US" sz="1800" b="0" i="1" smtClean="0">
                                   <a:latin typeface="Cambria Math" panose="02040503050406030204" pitchFamily="18" charset="0"/>
                                 </a:rPr>
-                                <m:t>=</m:t>
+                                <m:t>′</m:t>
                               </m:r>
-                              <m:sSup>
-                                <m:sSupPr>
-                                  <m:ctrlPr>
-                                    <a:rPr lang="en-US" sz="1800" i="1">
-                                      <a:latin typeface="Cambria Math" panose="02040503050406030204" pitchFamily="18" charset="0"/>
-                                    </a:rPr>
-                                  </m:ctrlPr>
-                                </m:sSupPr>
-                                <m:e>
-                                  <m:r>
-                                    <a:rPr lang="en-US" sz="1800" i="1">
-                                      <a:latin typeface="Cambria Math" panose="02040503050406030204" pitchFamily="18" charset="0"/>
-                                    </a:rPr>
-                                    <m:t>𝑠</m:t>
-                                  </m:r>
-                                </m:e>
-                                <m:sup>
-                                  <m:r>
-                                    <a:rPr lang="en-US" sz="1800" i="1">
-                                      <a:latin typeface="Cambria Math" panose="02040503050406030204" pitchFamily="18" charset="0"/>
-                                    </a:rPr>
-                                    <m:t>′</m:t>
-                                  </m:r>
-                                </m:sup>
-                              </m:sSup>
                             </m:e>
                           </m:d>
                           <m:r>
@@ -35205,6 +34545,200 @@
                           </m:r>
                         </m:e>
                       </m:nary>
+                      <m:r>
+                        <a:rPr lang="en-US" sz="1800" b="0" i="1" smtClean="0">
+                          <a:latin typeface="Cambria Math" panose="02040503050406030204" pitchFamily="18" charset="0"/>
+                        </a:rPr>
+                        <m:t>=</m:t>
+                      </m:r>
+                      <m:nary>
+                        <m:naryPr>
+                          <m:chr m:val="∑"/>
+                          <m:ctrlPr>
+                            <a:rPr lang="en-US" sz="1800" i="1">
+                              <a:latin typeface="Cambria Math" panose="02040503050406030204" pitchFamily="18" charset="0"/>
+                            </a:rPr>
+                          </m:ctrlPr>
+                        </m:naryPr>
+                        <m:sub>
+                          <m:r>
+                            <a:rPr lang="en-US" sz="1800" i="1">
+                              <a:latin typeface="Cambria Math" panose="02040503050406030204" pitchFamily="18" charset="0"/>
+                            </a:rPr>
+                            <m:t>𝑠</m:t>
+                          </m:r>
+                          <m:r>
+                            <a:rPr lang="en-US" sz="1800" i="1">
+                              <a:latin typeface="Cambria Math" panose="02040503050406030204" pitchFamily="18" charset="0"/>
+                            </a:rPr>
+                            <m:t>′</m:t>
+                          </m:r>
+                        </m:sub>
+                        <m:sup/>
+                        <m:e>
+                          <m:nary>
+                            <m:naryPr>
+                              <m:chr m:val="∑"/>
+                              <m:supHide m:val="on"/>
+                              <m:ctrlPr>
+                                <a:rPr lang="en-US" sz="1800" i="1">
+                                  <a:latin typeface="Cambria Math" panose="02040503050406030204" pitchFamily="18" charset="0"/>
+                                </a:rPr>
+                              </m:ctrlPr>
+                            </m:naryPr>
+                            <m:sub>
+                              <m:r>
+                                <a:rPr lang="en-US" sz="1800" i="1">
+                                  <a:latin typeface="Cambria Math" panose="02040503050406030204" pitchFamily="18" charset="0"/>
+                                </a:rPr>
+                                <m:t>𝑠</m:t>
+                              </m:r>
+                            </m:sub>
+                            <m:sup/>
+                            <m:e>
+                              <m:r>
+                                <a:rPr lang="en-US" sz="1800" i="1">
+                                  <a:latin typeface="Cambria Math" panose="02040503050406030204" pitchFamily="18" charset="0"/>
+                                </a:rPr>
+                                <m:t>𝑃</m:t>
+                              </m:r>
+                              <m:d>
+                                <m:dPr>
+                                  <m:ctrlPr>
+                                    <a:rPr lang="en-US" sz="1800" i="1">
+                                      <a:latin typeface="Cambria Math" panose="02040503050406030204" pitchFamily="18" charset="0"/>
+                                    </a:rPr>
+                                  </m:ctrlPr>
+                                </m:dPr>
+                                <m:e>
+                                  <m:r>
+                                    <a:rPr lang="en-US" sz="1800" i="1">
+                                      <a:latin typeface="Cambria Math" panose="02040503050406030204" pitchFamily="18" charset="0"/>
+                                    </a:rPr>
+                                    <m:t>𝑠</m:t>
+                                  </m:r>
+                                </m:e>
+                              </m:d>
+                              <m:r>
+                                <a:rPr lang="en-US" sz="1800" i="1">
+                                  <a:latin typeface="Cambria Math" panose="02040503050406030204" pitchFamily="18" charset="0"/>
+                                </a:rPr>
+                                <m:t> </m:t>
+                              </m:r>
+                              <m:r>
+                                <a:rPr lang="en-US" sz="1800" i="1">
+                                  <a:latin typeface="Cambria Math" panose="02040503050406030204" pitchFamily="18" charset="0"/>
+                                </a:rPr>
+                                <m:t>𝑃</m:t>
+                              </m:r>
+                              <m:r>
+                                <a:rPr lang="en-US" sz="1800" i="1">
+                                  <a:latin typeface="Cambria Math" panose="02040503050406030204" pitchFamily="18" charset="0"/>
+                                </a:rPr>
+                                <m:t>(</m:t>
+                              </m:r>
+                              <m:sSup>
+                                <m:sSupPr>
+                                  <m:ctrlPr>
+                                    <a:rPr lang="en-US" sz="1800" i="1">
+                                      <a:latin typeface="Cambria Math" panose="02040503050406030204" pitchFamily="18" charset="0"/>
+                                    </a:rPr>
+                                  </m:ctrlPr>
+                                </m:sSupPr>
+                                <m:e>
+                                  <m:r>
+                                    <a:rPr lang="en-US" sz="1800" i="1">
+                                      <a:latin typeface="Cambria Math" panose="02040503050406030204" pitchFamily="18" charset="0"/>
+                                    </a:rPr>
+                                    <m:t>𝑠</m:t>
+                                  </m:r>
+                                </m:e>
+                                <m:sup>
+                                  <m:r>
+                                    <a:rPr lang="en-US" sz="1800" i="1">
+                                      <a:latin typeface="Cambria Math" panose="02040503050406030204" pitchFamily="18" charset="0"/>
+                                    </a:rPr>
+                                    <m:t>′</m:t>
+                                  </m:r>
+                                </m:sup>
+                              </m:sSup>
+                              <m:r>
+                                <a:rPr lang="en-US" sz="1800" i="1">
+                                  <a:latin typeface="Cambria Math" panose="02040503050406030204" pitchFamily="18" charset="0"/>
+                                </a:rPr>
+                                <m:t>|</m:t>
+                              </m:r>
+                              <m:r>
+                                <a:rPr lang="en-US" sz="1800" i="1">
+                                  <a:latin typeface="Cambria Math" panose="02040503050406030204" pitchFamily="18" charset="0"/>
+                                </a:rPr>
+                                <m:t>𝑠</m:t>
+                              </m:r>
+                              <m:r>
+                                <a:rPr lang="en-US" sz="1800" i="1">
+                                  <a:latin typeface="Cambria Math" panose="02040503050406030204" pitchFamily="18" charset="0"/>
+                                </a:rPr>
+                                <m:t>,</m:t>
+                              </m:r>
+                              <m:r>
+                                <a:rPr lang="en-US" sz="1800" i="1">
+                                  <a:latin typeface="Cambria Math" panose="02040503050406030204" pitchFamily="18" charset="0"/>
+                                </a:rPr>
+                                <m:t>𝑎</m:t>
+                              </m:r>
+                              <m:r>
+                                <a:rPr lang="en-US" sz="1800" i="1">
+                                  <a:latin typeface="Cambria Math" panose="02040503050406030204" pitchFamily="18" charset="0"/>
+                                </a:rPr>
+                                <m:t>)</m:t>
+                              </m:r>
+                            </m:e>
+                          </m:nary>
+                          <m:r>
+                            <a:rPr lang="en-US" sz="1800" i="1">
+                              <a:latin typeface="Cambria Math" panose="02040503050406030204" pitchFamily="18" charset="0"/>
+                            </a:rPr>
+                            <m:t>𝑈</m:t>
+                          </m:r>
+                          <m:r>
+                            <a:rPr lang="en-US" sz="1800" i="1">
+                              <a:latin typeface="Cambria Math" panose="02040503050406030204" pitchFamily="18" charset="0"/>
+                            </a:rPr>
+                            <m:t>(</m:t>
+                          </m:r>
+                          <m:sSup>
+                            <m:sSupPr>
+                              <m:ctrlPr>
+                                <a:rPr lang="en-US" sz="1800" i="1">
+                                  <a:latin typeface="Cambria Math" panose="02040503050406030204" pitchFamily="18" charset="0"/>
+                                </a:rPr>
+                              </m:ctrlPr>
+                            </m:sSupPr>
+                            <m:e>
+                              <m:r>
+                                <a:rPr lang="en-US" sz="1800" i="1">
+                                  <a:latin typeface="Cambria Math" panose="02040503050406030204" pitchFamily="18" charset="0"/>
+                                </a:rPr>
+                                <m:t>𝑠</m:t>
+                              </m:r>
+                            </m:e>
+                            <m:sup>
+                              <m:r>
+                                <a:rPr lang="en-US" sz="1800" i="1">
+                                  <a:latin typeface="Cambria Math" panose="02040503050406030204" pitchFamily="18" charset="0"/>
+                                </a:rPr>
+                                <m:t>′</m:t>
+                              </m:r>
+                            </m:sup>
+                          </m:sSup>
+                          <m:r>
+                            <a:rPr lang="en-US" sz="1800" i="1">
+                              <a:latin typeface="Cambria Math" panose="02040503050406030204" pitchFamily="18" charset="0"/>
+                            </a:rPr>
+                            <m:t>)</m:t>
+                          </m:r>
+                        </m:e>
+                      </m:nary>
                     </m:oMath>
                   </m:oMathPara>
                 </a14:m>
@@ -35213,7 +34747,7 @@
             </p:txBody>
           </p:sp>
         </mc:Choice>
-        <mc:Fallback>
+        <mc:Fallback xmlns="">
           <p:sp>
             <p:nvSpPr>
               <p:cNvPr id="3" name="Content Placeholder 2">
@@ -35232,13 +34766,13 @@
             </p:nvSpPr>
             <p:spPr>
               <a:xfrm>
-                <a:off x="630936" y="2660904"/>
-                <a:ext cx="5458968" cy="3807990"/>
+                <a:off x="630936" y="3327063"/>
+                <a:ext cx="5458968" cy="3268580"/>
               </a:xfrm>
               <a:blipFill>
                 <a:blip r:embed="rId2"/>
                 <a:stretch>
-                  <a:fillRect l="-782" t="-1763" b="-3365"/>
+                  <a:fillRect l="-447" t="-2052" b="-30597"/>
                 </a:stretch>
               </a:blipFill>
             </p:spPr>
@@ -35416,8 +34950,8 @@
           </p:spPr>
         </p:pic>
       </p:grpSp>
-      <mc:AlternateContent xmlns:mc="http://schemas.openxmlformats.org/markup-compatibility/2006">
-        <mc:Choice xmlns:a14="http://schemas.microsoft.com/office/drawing/2010/main" Requires="a14">
+      <mc:AlternateContent xmlns:mc="http://schemas.openxmlformats.org/markup-compatibility/2006" xmlns:a14="http://schemas.microsoft.com/office/drawing/2010/main">
+        <mc:Choice Requires="a14">
           <p:sp>
             <p:nvSpPr>
               <p:cNvPr id="4" name="TextBox 3">
@@ -35469,13 +35003,13 @@
                 </a:br>
                 <a:r>
                   <a:rPr lang="en-US" dirty="0"/>
-                  <a:t>will have later </a:t>
+                  <a:t>will have later have</a:t>
                 </a:r>
               </a:p>
             </p:txBody>
           </p:sp>
         </mc:Choice>
-        <mc:Fallback>
+        <mc:Fallback xmlns="">
           <p:sp>
             <p:nvSpPr>
               <p:cNvPr id="4" name="TextBox 3">
@@ -35520,6 +35054,546 @@
           </p:sp>
         </mc:Fallback>
       </mc:AlternateContent>
+      <p:grpSp>
+        <p:nvGrpSpPr>
+          <p:cNvPr id="8" name="Group 7">
+            <a:extLst>
+              <a:ext uri="{FF2B5EF4-FFF2-40B4-BE49-F238E27FC236}">
+                <a16:creationId xmlns:a16="http://schemas.microsoft.com/office/drawing/2014/main" id="{4B35AD90-3773-361B-BC70-E98652CD2E95}"/>
+              </a:ext>
+            </a:extLst>
+          </p:cNvPr>
+          <p:cNvGrpSpPr/>
+          <p:nvPr/>
+        </p:nvGrpSpPr>
+        <p:grpSpPr>
+          <a:xfrm>
+            <a:off x="1601683" y="2656556"/>
+            <a:ext cx="2748279" cy="527666"/>
+            <a:chOff x="1847426" y="5059150"/>
+            <a:chExt cx="2748279" cy="527666"/>
+          </a:xfrm>
+        </p:grpSpPr>
+        <mc:AlternateContent xmlns:mc="http://schemas.openxmlformats.org/markup-compatibility/2006" xmlns:a14="http://schemas.microsoft.com/office/drawing/2010/main">
+          <mc:Choice Requires="a14">
+            <p:sp>
+              <p:nvSpPr>
+                <p:cNvPr id="10" name="Oval 9">
+                  <a:extLst>
+                    <a:ext uri="{FF2B5EF4-FFF2-40B4-BE49-F238E27FC236}">
+                      <a16:creationId xmlns:a16="http://schemas.microsoft.com/office/drawing/2014/main" id="{BB1274D0-3B06-3480-5474-73FF4CE28615}"/>
+                    </a:ext>
+                  </a:extLst>
+                </p:cNvPr>
+                <p:cNvSpPr/>
+                <p:nvPr/>
+              </p:nvSpPr>
+              <p:spPr>
+                <a:xfrm>
+                  <a:off x="1847426" y="5166339"/>
+                  <a:ext cx="916093" cy="420477"/>
+                </a:xfrm>
+                <a:prstGeom prst="ellipse">
+                  <a:avLst/>
+                </a:prstGeom>
+                <a:solidFill>
+                  <a:schemeClr val="accent6"/>
+                </a:solidFill>
+                <a:ln>
+                  <a:noFill/>
+                </a:ln>
+              </p:spPr>
+              <p:style>
+                <a:lnRef idx="0">
+                  <a:scrgbClr r="0" g="0" b="0"/>
+                </a:lnRef>
+                <a:fillRef idx="0">
+                  <a:scrgbClr r="0" g="0" b="0"/>
+                </a:fillRef>
+                <a:effectRef idx="0">
+                  <a:scrgbClr r="0" g="0" b="0"/>
+                </a:effectRef>
+                <a:fontRef idx="minor">
+                  <a:schemeClr val="lt1"/>
+                </a:fontRef>
+              </p:style>
+              <p:txBody>
+                <a:bodyPr rtlCol="0" anchor="ctr"/>
+                <a:lstStyle/>
+                <a:p>
+                  <a:pPr algn="ctr"/>
+                  <a:r>
+                    <a:rPr lang="en-US" sz="1050" b="1" dirty="0" err="1"/>
+                    <a:t>Currentstate</a:t>
+                  </a:r>
+                  <a:r>
+                    <a:rPr lang="en-US" sz="1050" b="1" dirty="0"/>
+                    <a:t> </a:t>
+                  </a:r>
+                  <a14:m>
+                    <m:oMath xmlns:m="http://schemas.openxmlformats.org/officeDocument/2006/math">
+                      <m:r>
+                        <a:rPr lang="en-US" sz="1050" b="1" i="1" dirty="0" smtClean="0">
+                          <a:latin typeface="Cambria Math" panose="02040503050406030204" pitchFamily="18" charset="0"/>
+                        </a:rPr>
+                        <m:t>𝒔</m:t>
+                      </m:r>
+                    </m:oMath>
+                  </a14:m>
+                  <a:endParaRPr lang="en-US" sz="1050" b="1" dirty="0"/>
+                </a:p>
+              </p:txBody>
+            </p:sp>
+          </mc:Choice>
+          <mc:Fallback xmlns="">
+            <p:sp>
+              <p:nvSpPr>
+                <p:cNvPr id="10" name="Oval 9">
+                  <a:extLst>
+                    <a:ext uri="{FF2B5EF4-FFF2-40B4-BE49-F238E27FC236}">
+                      <a16:creationId xmlns:a16="http://schemas.microsoft.com/office/drawing/2014/main" id="{BB1274D0-3B06-3480-5474-73FF4CE28615}"/>
+                    </a:ext>
+                  </a:extLst>
+                </p:cNvPr>
+                <p:cNvSpPr>
+                  <a:spLocks noRot="1" noChangeAspect="1" noMove="1" noResize="1" noEditPoints="1" noAdjustHandles="1" noChangeArrowheads="1" noChangeShapeType="1" noTextEdit="1"/>
+                </p:cNvSpPr>
+                <p:nvPr/>
+              </p:nvSpPr>
+              <p:spPr>
+                <a:xfrm>
+                  <a:off x="1847426" y="5166339"/>
+                  <a:ext cx="916093" cy="420477"/>
+                </a:xfrm>
+                <a:prstGeom prst="ellipse">
+                  <a:avLst/>
+                </a:prstGeom>
+                <a:blipFill>
+                  <a:blip r:embed="rId10"/>
+                  <a:stretch>
+                    <a:fillRect b="-8696"/>
+                  </a:stretch>
+                </a:blipFill>
+                <a:ln>
+                  <a:noFill/>
+                </a:ln>
+              </p:spPr>
+              <p:txBody>
+                <a:bodyPr/>
+                <a:lstStyle/>
+                <a:p>
+                  <a:r>
+                    <a:rPr lang="en-US">
+                      <a:noFill/>
+                    </a:rPr>
+                    <a:t> </a:t>
+                  </a:r>
+                </a:p>
+              </p:txBody>
+            </p:sp>
+          </mc:Fallback>
+        </mc:AlternateContent>
+        <mc:AlternateContent xmlns:mc="http://schemas.openxmlformats.org/markup-compatibility/2006" xmlns:a14="http://schemas.microsoft.com/office/drawing/2010/main">
+          <mc:Choice Requires="a14">
+            <p:sp>
+              <p:nvSpPr>
+                <p:cNvPr id="12" name="Oval 11">
+                  <a:extLst>
+                    <a:ext uri="{FF2B5EF4-FFF2-40B4-BE49-F238E27FC236}">
+                      <a16:creationId xmlns:a16="http://schemas.microsoft.com/office/drawing/2014/main" id="{0F677F90-A644-6BF1-FCFE-AFE6A334A4F4}"/>
+                    </a:ext>
+                  </a:extLst>
+                </p:cNvPr>
+                <p:cNvSpPr/>
+                <p:nvPr/>
+              </p:nvSpPr>
+              <p:spPr>
+                <a:xfrm>
+                  <a:off x="3452706" y="5166340"/>
+                  <a:ext cx="916093" cy="420476"/>
+                </a:xfrm>
+                <a:prstGeom prst="ellipse">
+                  <a:avLst/>
+                </a:prstGeom>
+                <a:solidFill>
+                  <a:schemeClr val="accent6"/>
+                </a:solidFill>
+                <a:ln>
+                  <a:noFill/>
+                </a:ln>
+              </p:spPr>
+              <p:style>
+                <a:lnRef idx="0">
+                  <a:scrgbClr r="0" g="0" b="0"/>
+                </a:lnRef>
+                <a:fillRef idx="0">
+                  <a:scrgbClr r="0" g="0" b="0"/>
+                </a:fillRef>
+                <a:effectRef idx="0">
+                  <a:scrgbClr r="0" g="0" b="0"/>
+                </a:effectRef>
+                <a:fontRef idx="minor">
+                  <a:schemeClr val="lt1"/>
+                </a:fontRef>
+              </p:style>
+              <p:txBody>
+                <a:bodyPr rtlCol="0" anchor="ctr"/>
+                <a:lstStyle/>
+                <a:p>
+                  <a:pPr algn="ctr"/>
+                  <a:r>
+                    <a:rPr lang="en-US" sz="1050" b="1" dirty="0"/>
+                    <a:t>Future state </a:t>
+                  </a:r>
+                  <a14:m>
+                    <m:oMath xmlns:m="http://schemas.openxmlformats.org/officeDocument/2006/math">
+                      <m:r>
+                        <a:rPr lang="en-US" sz="1050" b="1" i="1" dirty="0" smtClean="0">
+                          <a:latin typeface="Cambria Math" panose="02040503050406030204" pitchFamily="18" charset="0"/>
+                        </a:rPr>
+                        <m:t>𝒔</m:t>
+                      </m:r>
+                      <m:r>
+                        <a:rPr lang="en-US" sz="1050" b="1" i="1" dirty="0" smtClean="0">
+                          <a:latin typeface="Cambria Math" panose="02040503050406030204" pitchFamily="18" charset="0"/>
+                        </a:rPr>
+                        <m:t>′</m:t>
+                      </m:r>
+                    </m:oMath>
+                  </a14:m>
+                  <a:endParaRPr lang="en-US" sz="1050" b="1" dirty="0"/>
+                </a:p>
+              </p:txBody>
+            </p:sp>
+          </mc:Choice>
+          <mc:Fallback xmlns="">
+            <p:sp>
+              <p:nvSpPr>
+                <p:cNvPr id="12" name="Oval 11">
+                  <a:extLst>
+                    <a:ext uri="{FF2B5EF4-FFF2-40B4-BE49-F238E27FC236}">
+                      <a16:creationId xmlns:a16="http://schemas.microsoft.com/office/drawing/2014/main" id="{0F677F90-A644-6BF1-FCFE-AFE6A334A4F4}"/>
+                    </a:ext>
+                  </a:extLst>
+                </p:cNvPr>
+                <p:cNvSpPr>
+                  <a:spLocks noRot="1" noChangeAspect="1" noMove="1" noResize="1" noEditPoints="1" noAdjustHandles="1" noChangeArrowheads="1" noChangeShapeType="1" noTextEdit="1"/>
+                </p:cNvSpPr>
+                <p:nvPr/>
+              </p:nvSpPr>
+              <p:spPr>
+                <a:xfrm>
+                  <a:off x="3452706" y="5166340"/>
+                  <a:ext cx="916093" cy="420476"/>
+                </a:xfrm>
+                <a:prstGeom prst="ellipse">
+                  <a:avLst/>
+                </a:prstGeom>
+                <a:blipFill>
+                  <a:blip r:embed="rId11"/>
+                  <a:stretch>
+                    <a:fillRect b="-8696"/>
+                  </a:stretch>
+                </a:blipFill>
+                <a:ln>
+                  <a:noFill/>
+                </a:ln>
+              </p:spPr>
+              <p:txBody>
+                <a:bodyPr/>
+                <a:lstStyle/>
+                <a:p>
+                  <a:r>
+                    <a:rPr lang="en-US">
+                      <a:noFill/>
+                    </a:rPr>
+                    <a:t> </a:t>
+                  </a:r>
+                </a:p>
+              </p:txBody>
+            </p:sp>
+          </mc:Fallback>
+        </mc:AlternateContent>
+        <p:cxnSp>
+          <p:nvCxnSpPr>
+            <p:cNvPr id="13" name="Straight Arrow Connector 12">
+              <a:extLst>
+                <a:ext uri="{FF2B5EF4-FFF2-40B4-BE49-F238E27FC236}">
+                  <a16:creationId xmlns:a16="http://schemas.microsoft.com/office/drawing/2014/main" id="{69CBB393-D246-8A0C-5456-F8ABCBC8C228}"/>
+                </a:ext>
+              </a:extLst>
+            </p:cNvPr>
+            <p:cNvCxnSpPr>
+              <a:cxnSpLocks/>
+              <a:stCxn id="10" idx="6"/>
+              <a:endCxn id="12" idx="2"/>
+            </p:cNvCxnSpPr>
+            <p:nvPr/>
+          </p:nvCxnSpPr>
+          <p:spPr>
+            <a:xfrm>
+              <a:off x="2763519" y="5376578"/>
+              <a:ext cx="689187" cy="0"/>
+            </a:xfrm>
+            <a:prstGeom prst="straightConnector1">
+              <a:avLst/>
+            </a:prstGeom>
+            <a:ln w="19050" cap="flat" cmpd="sng" algn="ctr">
+              <a:solidFill>
+                <a:schemeClr val="accent6"/>
+              </a:solidFill>
+              <a:prstDash val="solid"/>
+              <a:round/>
+              <a:headEnd type="none" w="med" len="med"/>
+              <a:tailEnd type="arrow" w="med" len="med"/>
+            </a:ln>
+          </p:spPr>
+          <p:style>
+            <a:lnRef idx="0">
+              <a:scrgbClr r="0" g="0" b="0"/>
+            </a:lnRef>
+            <a:fillRef idx="0">
+              <a:scrgbClr r="0" g="0" b="0"/>
+            </a:fillRef>
+            <a:effectRef idx="0">
+              <a:scrgbClr r="0" g="0" b="0"/>
+            </a:effectRef>
+            <a:fontRef idx="minor">
+              <a:schemeClr val="tx1"/>
+            </a:fontRef>
+          </p:style>
+        </p:cxnSp>
+        <mc:AlternateContent xmlns:mc="http://schemas.openxmlformats.org/markup-compatibility/2006" xmlns:a14="http://schemas.microsoft.com/office/drawing/2010/main">
+          <mc:Choice Requires="a14">
+            <p:sp>
+              <p:nvSpPr>
+                <p:cNvPr id="14" name="TextBox 13">
+                  <a:extLst>
+                    <a:ext uri="{FF2B5EF4-FFF2-40B4-BE49-F238E27FC236}">
+                      <a16:creationId xmlns:a16="http://schemas.microsoft.com/office/drawing/2014/main" id="{FB7EA328-46CE-97F7-4F4D-E0260C673214}"/>
+                    </a:ext>
+                  </a:extLst>
+                </p:cNvPr>
+                <p:cNvSpPr txBox="1"/>
+                <p:nvPr/>
+              </p:nvSpPr>
+              <p:spPr>
+                <a:xfrm>
+                  <a:off x="2763519" y="5138593"/>
+                  <a:ext cx="751840" cy="246221"/>
+                </a:xfrm>
+                <a:prstGeom prst="rect">
+                  <a:avLst/>
+                </a:prstGeom>
+                <a:noFill/>
+              </p:spPr>
+              <p:txBody>
+                <a:bodyPr wrap="square" rtlCol="0">
+                  <a:spAutoFit/>
+                </a:bodyPr>
+                <a:lstStyle/>
+                <a:p>
+                  <a:r>
+                    <a:rPr lang="en-US" sz="1000" dirty="0"/>
+                    <a:t>Action </a:t>
+                  </a:r>
+                  <a14:m>
+                    <m:oMath xmlns:m="http://schemas.openxmlformats.org/officeDocument/2006/math">
+                      <m:r>
+                        <a:rPr lang="en-US" sz="1000" i="1" dirty="0" smtClean="0">
+                          <a:latin typeface="Cambria Math" panose="02040503050406030204" pitchFamily="18" charset="0"/>
+                        </a:rPr>
+                        <m:t>𝑎</m:t>
+                      </m:r>
+                    </m:oMath>
+                  </a14:m>
+                  <a:endParaRPr lang="en-US" sz="1000" dirty="0"/>
+                </a:p>
+              </p:txBody>
+            </p:sp>
+          </mc:Choice>
+          <mc:Fallback xmlns="">
+            <p:sp>
+              <p:nvSpPr>
+                <p:cNvPr id="14" name="TextBox 13">
+                  <a:extLst>
+                    <a:ext uri="{FF2B5EF4-FFF2-40B4-BE49-F238E27FC236}">
+                      <a16:creationId xmlns:a16="http://schemas.microsoft.com/office/drawing/2014/main" id="{FB7EA328-46CE-97F7-4F4D-E0260C673214}"/>
+                    </a:ext>
+                  </a:extLst>
+                </p:cNvPr>
+                <p:cNvSpPr txBox="1">
+                  <a:spLocks noRot="1" noChangeAspect="1" noMove="1" noResize="1" noEditPoints="1" noAdjustHandles="1" noChangeArrowheads="1" noChangeShapeType="1" noTextEdit="1"/>
+                </p:cNvSpPr>
+                <p:nvPr/>
+              </p:nvSpPr>
+              <p:spPr>
+                <a:xfrm>
+                  <a:off x="2763519" y="5138593"/>
+                  <a:ext cx="751840" cy="246221"/>
+                </a:xfrm>
+                <a:prstGeom prst="rect">
+                  <a:avLst/>
+                </a:prstGeom>
+                <a:blipFill>
+                  <a:blip r:embed="rId12"/>
+                  <a:stretch>
+                    <a:fillRect b="-15000"/>
+                  </a:stretch>
+                </a:blipFill>
+              </p:spPr>
+              <p:txBody>
+                <a:bodyPr/>
+                <a:lstStyle/>
+                <a:p>
+                  <a:r>
+                    <a:rPr lang="en-US">
+                      <a:noFill/>
+                    </a:rPr>
+                    <a:t> </a:t>
+                  </a:r>
+                </a:p>
+              </p:txBody>
+            </p:sp>
+          </mc:Fallback>
+        </mc:AlternateContent>
+        <mc:AlternateContent xmlns:mc="http://schemas.openxmlformats.org/markup-compatibility/2006" xmlns:a14="http://schemas.microsoft.com/office/drawing/2010/main">
+          <mc:Choice Requires="a14">
+            <p:sp>
+              <p:nvSpPr>
+                <p:cNvPr id="15" name="TextBox 14">
+                  <a:extLst>
+                    <a:ext uri="{FF2B5EF4-FFF2-40B4-BE49-F238E27FC236}">
+                      <a16:creationId xmlns:a16="http://schemas.microsoft.com/office/drawing/2014/main" id="{64D6490A-4CCD-A7E5-A6B9-5622D6A57FF9}"/>
+                    </a:ext>
+                  </a:extLst>
+                </p:cNvPr>
+                <p:cNvSpPr txBox="1"/>
+                <p:nvPr/>
+              </p:nvSpPr>
+              <p:spPr>
+                <a:xfrm>
+                  <a:off x="4165598" y="5059150"/>
+                  <a:ext cx="430107" cy="261610"/>
+                </a:xfrm>
+                <a:prstGeom prst="rect">
+                  <a:avLst/>
+                </a:prstGeom>
+                <a:solidFill>
+                  <a:schemeClr val="accent2"/>
+                </a:solidFill>
+                <a:ln>
+                  <a:noFill/>
+                </a:ln>
+              </p:spPr>
+              <p:style>
+                <a:lnRef idx="0">
+                  <a:scrgbClr r="0" g="0" b="0"/>
+                </a:lnRef>
+                <a:fillRef idx="0">
+                  <a:scrgbClr r="0" g="0" b="0"/>
+                </a:fillRef>
+                <a:effectRef idx="0">
+                  <a:scrgbClr r="0" g="0" b="0"/>
+                </a:effectRef>
+                <a:fontRef idx="minor">
+                  <a:schemeClr val="lt1"/>
+                </a:fontRef>
+              </p:style>
+              <p:txBody>
+                <a:bodyPr wrap="square" rtlCol="0">
+                  <a:spAutoFit/>
+                </a:bodyPr>
+                <a:lstStyle/>
+                <a:p>
+                  <a:pPr/>
+                  <a14:m>
+                    <m:oMathPara xmlns:m="http://schemas.openxmlformats.org/officeDocument/2006/math">
+                      <m:oMathParaPr>
+                        <m:jc m:val="centerGroup"/>
+                      </m:oMathParaPr>
+                      <m:oMath xmlns:m="http://schemas.openxmlformats.org/officeDocument/2006/math">
+                        <m:r>
+                          <a:rPr lang="en-US" sz="1100" i="1" dirty="0" smtClean="0">
+                            <a:latin typeface="Cambria Math" panose="02040503050406030204" pitchFamily="18" charset="0"/>
+                          </a:rPr>
+                          <m:t>𝑈</m:t>
+                        </m:r>
+                        <m:r>
+                          <a:rPr lang="en-US" sz="1100" i="1" dirty="0" smtClean="0">
+                            <a:latin typeface="Cambria Math" panose="02040503050406030204" pitchFamily="18" charset="0"/>
+                          </a:rPr>
+                          <m:t>(</m:t>
+                        </m:r>
+                        <m:r>
+                          <a:rPr lang="en-US" sz="1100" i="1" dirty="0" smtClean="0">
+                            <a:latin typeface="Cambria Math" panose="02040503050406030204" pitchFamily="18" charset="0"/>
+                          </a:rPr>
+                          <m:t>𝑠</m:t>
+                        </m:r>
+                        <m:r>
+                          <a:rPr lang="en-US" sz="1100" i="1" dirty="0" smtClean="0">
+                            <a:latin typeface="Cambria Math" panose="02040503050406030204" pitchFamily="18" charset="0"/>
+                          </a:rPr>
+                          <m:t>’)</m:t>
+                        </m:r>
+                      </m:oMath>
+                    </m:oMathPara>
+                  </a14:m>
+                  <a:endParaRPr lang="en-US" sz="1100" dirty="0"/>
+                </a:p>
+              </p:txBody>
+            </p:sp>
+          </mc:Choice>
+          <mc:Fallback xmlns="">
+            <p:sp>
+              <p:nvSpPr>
+                <p:cNvPr id="15" name="TextBox 14">
+                  <a:extLst>
+                    <a:ext uri="{FF2B5EF4-FFF2-40B4-BE49-F238E27FC236}">
+                      <a16:creationId xmlns:a16="http://schemas.microsoft.com/office/drawing/2014/main" id="{64D6490A-4CCD-A7E5-A6B9-5622D6A57FF9}"/>
+                    </a:ext>
+                  </a:extLst>
+                </p:cNvPr>
+                <p:cNvSpPr txBox="1">
+                  <a:spLocks noRot="1" noChangeAspect="1" noMove="1" noResize="1" noEditPoints="1" noAdjustHandles="1" noChangeArrowheads="1" noChangeShapeType="1" noTextEdit="1"/>
+                </p:cNvSpPr>
+                <p:nvPr/>
+              </p:nvSpPr>
+              <p:spPr>
+                <a:xfrm>
+                  <a:off x="4165598" y="5059150"/>
+                  <a:ext cx="430107" cy="261610"/>
+                </a:xfrm>
+                <a:prstGeom prst="rect">
+                  <a:avLst/>
+                </a:prstGeom>
+                <a:blipFill>
+                  <a:blip r:embed="rId13"/>
+                  <a:stretch>
+                    <a:fillRect r="-9859" b="-4651"/>
+                  </a:stretch>
+                </a:blipFill>
+                <a:ln>
+                  <a:noFill/>
+                </a:ln>
+              </p:spPr>
+              <p:txBody>
+                <a:bodyPr/>
+                <a:lstStyle/>
+                <a:p>
+                  <a:r>
+                    <a:rPr lang="en-US">
+                      <a:noFill/>
+                    </a:rPr>
+                    <a:t> </a:t>
+                  </a:r>
+                </a:p>
+              </p:txBody>
+            </p:sp>
+          </mc:Fallback>
+        </mc:AlternateContent>
+      </p:grpSp>
     </p:spTree>
     <p:extLst>
       <p:ext uri="{BB962C8B-B14F-4D97-AF65-F5344CB8AC3E}">
@@ -35954,7 +36028,7 @@
             <p:spPr>
               <a:xfrm>
                 <a:off x="624841" y="2532488"/>
-                <a:ext cx="5639772" cy="3935616"/>
+                <a:ext cx="5639772" cy="3694370"/>
               </a:xfrm>
             </p:spPr>
             <p:txBody>
@@ -36012,20 +36086,20 @@
                         <m:naryPr>
                           <m:chr m:val="∑"/>
                           <m:ctrlPr>
-                            <a:rPr lang="en-US" sz="1600" b="0" i="1">
+                            <a:rPr lang="en-US" sz="1600" i="1">
                               <a:latin typeface="Cambria Math" panose="02040503050406030204" pitchFamily="18" charset="0"/>
                             </a:rPr>
                           </m:ctrlPr>
                         </m:naryPr>
                         <m:sub>
                           <m:r>
-                            <a:rPr lang="en-US" sz="1600" b="0" i="1">
+                            <a:rPr lang="en-US" sz="1600" i="1">
                               <a:latin typeface="Cambria Math" panose="02040503050406030204" pitchFamily="18" charset="0"/>
                             </a:rPr>
                             <m:t>𝑠</m:t>
                           </m:r>
                           <m:r>
-                            <a:rPr lang="en-US" sz="1600" b="0" i="1">
+                            <a:rPr lang="en-US" sz="1600" i="1">
                               <a:latin typeface="Cambria Math" panose="02040503050406030204" pitchFamily="18" charset="0"/>
                             </a:rPr>
                             <m:t>′</m:t>
@@ -36033,61 +36107,78 @@
                         </m:sub>
                         <m:sup/>
                         <m:e>
-                          <m:r>
-                            <a:rPr lang="en-US" sz="1600" b="0" i="1">
-                              <a:latin typeface="Cambria Math" panose="02040503050406030204" pitchFamily="18" charset="0"/>
-                            </a:rPr>
-                            <m:t>𝑃</m:t>
-                          </m:r>
-                          <m:d>
-                            <m:dPr>
+                          <m:nary>
+                            <m:naryPr>
+                              <m:chr m:val="∑"/>
+                              <m:supHide m:val="on"/>
                               <m:ctrlPr>
-                                <a:rPr lang="en-US" sz="1600" b="0" i="1">
+                                <a:rPr lang="en-US" sz="1600" i="1">
                                   <a:latin typeface="Cambria Math" panose="02040503050406030204" pitchFamily="18" charset="0"/>
                                 </a:rPr>
                               </m:ctrlPr>
-                            </m:dPr>
+                            </m:naryPr>
+                            <m:sub>
+                              <m:r>
+                                <a:rPr lang="en-US" sz="1600" i="1">
+                                  <a:latin typeface="Cambria Math" panose="02040503050406030204" pitchFamily="18" charset="0"/>
+                                </a:rPr>
+                                <m:t>𝑠</m:t>
+                              </m:r>
+                            </m:sub>
+                            <m:sup/>
                             <m:e>
                               <m:r>
-                                <a:rPr lang="en-US" sz="1600" b="0" i="1">
+                                <a:rPr lang="en-US" sz="1600" i="1">
                                   <a:latin typeface="Cambria Math" panose="02040503050406030204" pitchFamily="18" charset="0"/>
                                 </a:rPr>
-                                <m:t>𝑅𝑒𝑠𝑢𝑙𝑡</m:t>
+                                <m:t>𝑃</m:t>
                               </m:r>
                               <m:d>
                                 <m:dPr>
                                   <m:ctrlPr>
-                                    <a:rPr lang="en-US" sz="1600" b="0" i="1">
+                                    <a:rPr lang="en-US" sz="1600" i="1">
                                       <a:latin typeface="Cambria Math" panose="02040503050406030204" pitchFamily="18" charset="0"/>
                                     </a:rPr>
                                   </m:ctrlPr>
                                 </m:dPr>
                                 <m:e>
                                   <m:r>
-                                    <a:rPr lang="en-US" sz="1600" b="0" i="1" smtClean="0">
+                                    <a:rPr lang="en-US" sz="1600" i="1">
                                       <a:latin typeface="Cambria Math" panose="02040503050406030204" pitchFamily="18" charset="0"/>
                                     </a:rPr>
-                                    <m:t>𝑎</m:t>
+                                    <m:t>𝑠</m:t>
                                   </m:r>
                                 </m:e>
                               </m:d>
                               <m:r>
-                                <a:rPr lang="en-US" sz="1600" b="0" i="1">
+                                <a:rPr lang="en-US" sz="1600" i="1">
                                   <a:latin typeface="Cambria Math" panose="02040503050406030204" pitchFamily="18" charset="0"/>
                                 </a:rPr>
-                                <m:t>=</m:t>
+                                <m:t> </m:t>
+                              </m:r>
+                              <m:r>
+                                <a:rPr lang="en-US" sz="1600" i="1">
+                                  <a:latin typeface="Cambria Math" panose="02040503050406030204" pitchFamily="18" charset="0"/>
+                                </a:rPr>
+                                <m:t>𝑃</m:t>
+                              </m:r>
+                              <m:r>
+                                <a:rPr lang="en-US" sz="1600" i="1">
+                                  <a:latin typeface="Cambria Math" panose="02040503050406030204" pitchFamily="18" charset="0"/>
+                                </a:rPr>
+                                <m:t>(</m:t>
                               </m:r>
                               <m:sSup>
                                 <m:sSupPr>
                                   <m:ctrlPr>
-                                    <a:rPr lang="en-US" sz="1600" b="0" i="1">
+                                    <a:rPr lang="en-US" sz="1600" i="1">
                                       <a:latin typeface="Cambria Math" panose="02040503050406030204" pitchFamily="18" charset="0"/>
                                     </a:rPr>
                                   </m:ctrlPr>
                                 </m:sSupPr>
                                 <m:e>
                                   <m:r>
-                                    <a:rPr lang="en-US" sz="1600" b="0" i="1">
+                                    <a:rPr lang="en-US" sz="1600" i="1">
                                       <a:latin typeface="Cambria Math" panose="02040503050406030204" pitchFamily="18" charset="0"/>
                                     </a:rPr>
                                     <m:t>𝑠</m:t>
@@ -36095,29 +36186,53 @@
                                 </m:e>
                                 <m:sup>
                                   <m:r>
-                                    <a:rPr lang="en-US" sz="1600" b="0" i="1">
+                                    <a:rPr lang="en-US" sz="1600" i="1">
                                       <a:latin typeface="Cambria Math" panose="02040503050406030204" pitchFamily="18" charset="0"/>
                                     </a:rPr>
                                     <m:t>′</m:t>
                                   </m:r>
                                 </m:sup>
                               </m:sSup>
+                              <m:r>
+                                <a:rPr lang="en-US" sz="1600" i="1">
+                                  <a:latin typeface="Cambria Math" panose="02040503050406030204" pitchFamily="18" charset="0"/>
+                                </a:rPr>
+                                <m:t>|</m:t>
+                              </m:r>
+                              <m:r>
+                                <a:rPr lang="en-US" sz="1600" i="1">
+                                  <a:latin typeface="Cambria Math" panose="02040503050406030204" pitchFamily="18" charset="0"/>
+                                </a:rPr>
+                                <m:t>𝑠</m:t>
+                              </m:r>
+                              <m:r>
+                                <a:rPr lang="en-US" sz="1600" i="1">
+                                  <a:latin typeface="Cambria Math" panose="02040503050406030204" pitchFamily="18" charset="0"/>
+                                </a:rPr>
+                                <m:t>,</m:t>
+                              </m:r>
+                              <m:r>
+                                <a:rPr lang="en-US" sz="1600" i="1">
+                                  <a:latin typeface="Cambria Math" panose="02040503050406030204" pitchFamily="18" charset="0"/>
+                                </a:rPr>
+                                <m:t>𝑎</m:t>
+                              </m:r>
+                              <m:r>
+                                <a:rPr lang="en-US" sz="1600" i="1">
+                                  <a:latin typeface="Cambria Math" panose="02040503050406030204" pitchFamily="18" charset="0"/>
+                                </a:rPr>
+                                <m:t>)</m:t>
+                              </m:r>
                             </m:e>
-                          </m:d>
+                          </m:nary>
                           <m:r>
-                            <a:rPr lang="en-US" sz="1600" b="0" i="1" smtClean="0">
-                              <a:latin typeface="Cambria Math" panose="02040503050406030204" pitchFamily="18" charset="0"/>
-                            </a:rPr>
-                            <m:t> </m:t>
-                          </m:r>
-                          <m:r>
-                            <a:rPr lang="en-US" sz="1600" b="0" i="1">
+                            <a:rPr lang="en-US" sz="1600" i="1">
                               <a:latin typeface="Cambria Math" panose="02040503050406030204" pitchFamily="18" charset="0"/>
                             </a:rPr>
                             <m:t>𝑈</m:t>
                           </m:r>
                           <m:r>
-                            <a:rPr lang="en-US" sz="1600" b="0" i="1">
+                            <a:rPr lang="en-US" sz="1600" i="1">
                               <a:latin typeface="Cambria Math" panose="02040503050406030204" pitchFamily="18" charset="0"/>
                             </a:rPr>
                             <m:t>(</m:t>
@@ -36125,14 +36240,14 @@
                           <m:sSup>
                             <m:sSupPr>
                               <m:ctrlPr>
-                                <a:rPr lang="en-US" sz="1600" b="0" i="1">
+                                <a:rPr lang="en-US" sz="1600" i="1">
                                   <a:latin typeface="Cambria Math" panose="02040503050406030204" pitchFamily="18" charset="0"/>
                                 </a:rPr>
                               </m:ctrlPr>
                             </m:sSupPr>
                             <m:e>
                               <m:r>
-                                <a:rPr lang="en-US" sz="1600" b="0" i="1">
+                                <a:rPr lang="en-US" sz="1600" i="1">
                                   <a:latin typeface="Cambria Math" panose="02040503050406030204" pitchFamily="18" charset="0"/>
                                 </a:rPr>
                                 <m:t>𝑠</m:t>
@@ -36140,7 +36255,7 @@
                             </m:e>
                             <m:sup>
                               <m:r>
-                                <a:rPr lang="en-US" sz="1600" b="0" i="1">
+                                <a:rPr lang="en-US" sz="1600" i="1">
                                   <a:latin typeface="Cambria Math" panose="02040503050406030204" pitchFamily="18" charset="0"/>
                                 </a:rPr>
                                 <m:t>′</m:t>
@@ -36148,7 +36263,7 @@
                             </m:sup>
                           </m:sSup>
                           <m:r>
-                            <a:rPr lang="en-US" sz="1600" b="0" i="1">
+                            <a:rPr lang="en-US" sz="1600" i="1">
                               <a:latin typeface="Cambria Math" panose="02040503050406030204" pitchFamily="18" charset="0"/>
                             </a:rPr>
                             <m:t>)</m:t>
@@ -36286,245 +36401,99 @@
                 </a:pPr>
                 <a:r>
                   <a:rPr lang="en-US" sz="1600" b="1" dirty="0"/>
-                  <a:t>Issues:</a:t>
+                  <a:t>Issue:</a:t>
                 </a:r>
               </a:p>
               <a:p>
                 <a14:m>
                   <m:oMath xmlns:m="http://schemas.openxmlformats.org/officeDocument/2006/math">
                     <m:r>
-                      <a:rPr lang="en-US" sz="1600" b="0" i="1">
+                      <a:rPr lang="en-US" sz="1600" i="1">
                         <a:latin typeface="Cambria Math" panose="02040503050406030204" pitchFamily="18" charset="0"/>
                       </a:rPr>
                       <m:t>𝑃</m:t>
                     </m:r>
-                    <m:d>
-                      <m:dPr>
-                        <m:ctrlPr>
-                          <a:rPr lang="en-US" sz="1600" b="0" i="1">
-                            <a:latin typeface="Cambria Math" panose="02040503050406030204" pitchFamily="18" charset="0"/>
-                          </a:rPr>
-                        </m:ctrlPr>
-                      </m:dPr>
-                      <m:e>
-                        <m:r>
-                          <a:rPr lang="en-US" sz="1600" b="0" i="1">
-                            <a:latin typeface="Cambria Math" panose="02040503050406030204" pitchFamily="18" charset="0"/>
-                          </a:rPr>
-                          <m:t>𝑅𝑒𝑠𝑢𝑙𝑡</m:t>
-                        </m:r>
-                        <m:d>
-                          <m:dPr>
-                            <m:ctrlPr>
-                              <a:rPr lang="en-US" sz="1600" b="0" i="1">
-                                <a:latin typeface="Cambria Math" panose="02040503050406030204" pitchFamily="18" charset="0"/>
-                              </a:rPr>
-                            </m:ctrlPr>
-                          </m:dPr>
-                          <m:e>
-                            <m:r>
-                              <a:rPr lang="en-US" sz="1600" b="0" i="1" smtClean="0">
-                                <a:latin typeface="Cambria Math" panose="02040503050406030204" pitchFamily="18" charset="0"/>
-                              </a:rPr>
-                              <m:t>𝑎</m:t>
-                            </m:r>
-                          </m:e>
-                        </m:d>
-                        <m:r>
-                          <a:rPr lang="en-US" sz="1600" b="0" i="1">
-                            <a:latin typeface="Cambria Math" panose="02040503050406030204" pitchFamily="18" charset="0"/>
-                          </a:rPr>
-                          <m:t>=</m:t>
-                        </m:r>
-                        <m:sSup>
-                          <m:sSupPr>
-                            <m:ctrlPr>
-                              <a:rPr lang="en-US" sz="1600" b="0" i="1">
-                                <a:latin typeface="Cambria Math" panose="02040503050406030204" pitchFamily="18" charset="0"/>
-                              </a:rPr>
-                            </m:ctrlPr>
-                          </m:sSupPr>
-                          <m:e>
-                            <m:r>
-                              <a:rPr lang="en-US" sz="1600" b="0" i="1">
-                                <a:latin typeface="Cambria Math" panose="02040503050406030204" pitchFamily="18" charset="0"/>
-                              </a:rPr>
-                              <m:t>𝑠</m:t>
-                            </m:r>
-                          </m:e>
-                          <m:sup>
-                            <m:r>
-                              <a:rPr lang="en-US" sz="1600" b="0" i="1">
-                                <a:latin typeface="Cambria Math" panose="02040503050406030204" pitchFamily="18" charset="0"/>
-                              </a:rPr>
-                              <m:t>′</m:t>
-                            </m:r>
-                          </m:sup>
-                        </m:sSup>
-                      </m:e>
-                    </m:d>
                     <m:r>
-                      <a:rPr lang="en-US" sz="1600" b="0" i="1" smtClean="0">
+                      <a:rPr lang="en-US" sz="1600" i="1">
                         <a:latin typeface="Cambria Math" panose="02040503050406030204" pitchFamily="18" charset="0"/>
                       </a:rPr>
-                      <m:t>= </m:t>
+                      <m:t>(</m:t>
                     </m:r>
-                    <m:nary>
-                      <m:naryPr>
-                        <m:chr m:val="∑"/>
-                        <m:supHide m:val="on"/>
+                    <m:sSup>
+                      <m:sSupPr>
                         <m:ctrlPr>
                           <a:rPr lang="en-US" sz="1600" i="1">
                             <a:latin typeface="Cambria Math" panose="02040503050406030204" pitchFamily="18" charset="0"/>
                           </a:rPr>
                         </m:ctrlPr>
-                      </m:naryPr>
-                      <m:sub>
+                      </m:sSupPr>
+                      <m:e>
                         <m:r>
                           <a:rPr lang="en-US" sz="1600" i="1">
                             <a:latin typeface="Cambria Math" panose="02040503050406030204" pitchFamily="18" charset="0"/>
                           </a:rPr>
                           <m:t>𝑠</m:t>
                         </m:r>
-                      </m:sub>
-                      <m:sup/>
-                      <m:e>
+                      </m:e>
+                      <m:sup>
                         <m:r>
                           <a:rPr lang="en-US" sz="1600" i="1">
                             <a:latin typeface="Cambria Math" panose="02040503050406030204" pitchFamily="18" charset="0"/>
                           </a:rPr>
-                          <m:t>𝑃</m:t>
+                          <m:t>′</m:t>
                         </m:r>
-                        <m:d>
-                          <m:dPr>
-                            <m:ctrlPr>
-                              <a:rPr lang="en-US" sz="1600" i="1">
-                                <a:latin typeface="Cambria Math" panose="02040503050406030204" pitchFamily="18" charset="0"/>
-                              </a:rPr>
-                            </m:ctrlPr>
-                          </m:dPr>
-                          <m:e>
-                            <m:r>
-                              <a:rPr lang="en-US" sz="1600" i="1">
-                                <a:latin typeface="Cambria Math" panose="02040503050406030204" pitchFamily="18" charset="0"/>
-                              </a:rPr>
-                              <m:t>𝑠</m:t>
-                            </m:r>
-                          </m:e>
-                        </m:d>
-                        <m:r>
-                          <a:rPr lang="en-US" sz="1600" i="1">
-                            <a:latin typeface="Cambria Math" panose="02040503050406030204" pitchFamily="18" charset="0"/>
-                          </a:rPr>
-                          <m:t> </m:t>
-                        </m:r>
-                        <m:r>
-                          <a:rPr lang="en-US" sz="1600" i="1">
-                            <a:latin typeface="Cambria Math" panose="02040503050406030204" pitchFamily="18" charset="0"/>
-                          </a:rPr>
-                          <m:t>𝑃</m:t>
-                        </m:r>
-                        <m:r>
-                          <a:rPr lang="en-US" sz="1600" i="1">
-                            <a:latin typeface="Cambria Math" panose="02040503050406030204" pitchFamily="18" charset="0"/>
-                          </a:rPr>
-                          <m:t>(</m:t>
-                        </m:r>
-                        <m:sSup>
-                          <m:sSupPr>
-                            <m:ctrlPr>
-                              <a:rPr lang="en-US" sz="1600" i="1">
-                                <a:latin typeface="Cambria Math" panose="02040503050406030204" pitchFamily="18" charset="0"/>
-                              </a:rPr>
-                            </m:ctrlPr>
-                          </m:sSupPr>
-                          <m:e>
-                            <m:r>
-                              <a:rPr lang="en-US" sz="1600" i="1">
-                                <a:latin typeface="Cambria Math" panose="02040503050406030204" pitchFamily="18" charset="0"/>
-                              </a:rPr>
-                              <m:t>𝑠</m:t>
-                            </m:r>
-                          </m:e>
-                          <m:sup>
-                            <m:r>
-                              <a:rPr lang="en-US" sz="1600" i="1">
-                                <a:latin typeface="Cambria Math" panose="02040503050406030204" pitchFamily="18" charset="0"/>
-                              </a:rPr>
-                              <m:t>′</m:t>
-                            </m:r>
-                          </m:sup>
-                        </m:sSup>
-                        <m:r>
-                          <a:rPr lang="en-US" sz="1600" i="1">
-                            <a:latin typeface="Cambria Math" panose="02040503050406030204" pitchFamily="18" charset="0"/>
-                          </a:rPr>
-                          <m:t>|</m:t>
-                        </m:r>
-                        <m:r>
-                          <a:rPr lang="en-US" sz="1600" i="1">
-                            <a:latin typeface="Cambria Math" panose="02040503050406030204" pitchFamily="18" charset="0"/>
-                          </a:rPr>
-                          <m:t>𝑠</m:t>
-                        </m:r>
-                        <m:r>
-                          <a:rPr lang="en-US" sz="1600" i="1">
-                            <a:latin typeface="Cambria Math" panose="02040503050406030204" pitchFamily="18" charset="0"/>
-                          </a:rPr>
-                          <m:t>,</m:t>
-                        </m:r>
-                        <m:r>
-                          <a:rPr lang="en-US" sz="1600" i="1">
-                            <a:latin typeface="Cambria Math" panose="02040503050406030204" pitchFamily="18" charset="0"/>
-                          </a:rPr>
-                          <m:t>𝑎</m:t>
-                        </m:r>
-                        <m:r>
-                          <a:rPr lang="en-US" sz="1600" i="1">
-                            <a:latin typeface="Cambria Math" panose="02040503050406030204" pitchFamily="18" charset="0"/>
-                          </a:rPr>
-                          <m:t>)</m:t>
-                        </m:r>
-                      </m:e>
-                    </m:nary>
+                      </m:sup>
+                    </m:sSup>
+                    <m:r>
+                      <a:rPr lang="en-US" sz="1600" i="1">
+                        <a:latin typeface="Cambria Math" panose="02040503050406030204" pitchFamily="18" charset="0"/>
+                      </a:rPr>
+                      <m:t>|</m:t>
+                    </m:r>
+                    <m:r>
+                      <a:rPr lang="en-US" sz="1600" i="1">
+                        <a:latin typeface="Cambria Math" panose="02040503050406030204" pitchFamily="18" charset="0"/>
+                      </a:rPr>
+                      <m:t>𝑠</m:t>
+                    </m:r>
+                    <m:r>
+                      <a:rPr lang="en-US" sz="1600" i="1">
+                        <a:latin typeface="Cambria Math" panose="02040503050406030204" pitchFamily="18" charset="0"/>
+                      </a:rPr>
+                      <m:t>,</m:t>
+                    </m:r>
+                    <m:r>
+                      <a:rPr lang="en-US" sz="1600" i="1">
+                        <a:latin typeface="Cambria Math" panose="02040503050406030204" pitchFamily="18" charset="0"/>
+                      </a:rPr>
+                      <m:t>𝑎</m:t>
+                    </m:r>
+                    <m:r>
+                      <a:rPr lang="en-US" sz="1600" b="0" i="1" smtClean="0">
+                        <a:latin typeface="Cambria Math" panose="02040503050406030204" pitchFamily="18" charset="0"/>
+                      </a:rPr>
+                      <m:t>)</m:t>
+                    </m:r>
                   </m:oMath>
                 </a14:m>
                 <a:r>
                   <a:rPr lang="en-US" sz="1600" dirty="0"/>
-                  <a:t> may be a very large table.</a:t>
+                  <a:t> will be a very large table if we have many states .</a:t>
                 </a:r>
               </a:p>
               <a:p>
-                <a14:m>
-                  <m:oMath xmlns:m="http://schemas.openxmlformats.org/officeDocument/2006/math">
-                    <m:r>
-                      <a:rPr lang="en-US" sz="1600" b="0" i="1">
-                        <a:latin typeface="Cambria Math" panose="02040503050406030204" pitchFamily="18" charset="0"/>
-                      </a:rPr>
-                      <m:t>𝑈</m:t>
-                    </m:r>
-                    <m:d>
-                      <m:dPr>
-                        <m:ctrlPr>
-                          <a:rPr lang="en-US" sz="1600" b="0" i="1">
-                            <a:latin typeface="Cambria Math" panose="02040503050406030204" pitchFamily="18" charset="0"/>
-                          </a:rPr>
-                        </m:ctrlPr>
-                      </m:dPr>
-                      <m:e>
-                        <m:r>
-                          <a:rPr lang="en-US" sz="1600" b="0" i="1">
-                            <a:latin typeface="Cambria Math" panose="02040503050406030204" pitchFamily="18" charset="0"/>
-                          </a:rPr>
-                          <m:t>𝑠</m:t>
-                        </m:r>
-                      </m:e>
-                    </m:d>
-                  </m:oMath>
-                </a14:m>
+                <a:pPr marL="0" indent="0">
+                  <a:buNone/>
+                </a:pPr>
+                <a:r>
+                  <a:rPr lang="en-US" sz="1600" b="1" dirty="0"/>
+                  <a:t>Possible solution:</a:t>
+                </a:r>
+              </a:p>
+              <a:p>
                 <a:r>
                   <a:rPr lang="en-US" sz="1600" dirty="0"/>
-                  <a:t> may be hard to estimate. It may depend on what states we can get to from s.</a:t>
+                  <a:t>Bayes Net with a factored state representation considering independence between variable describing the state.</a:t>
                 </a:r>
               </a:p>
             </p:txBody>
@@ -36550,12 +36519,12 @@
             <p:spPr>
               <a:xfrm>
                 <a:off x="624841" y="2532488"/>
-                <a:ext cx="5639772" cy="3935616"/>
+                <a:ext cx="5639772" cy="3694370"/>
               </a:xfrm>
               <a:blipFill>
                 <a:blip r:embed="rId2"/>
                 <a:stretch>
-                  <a:fillRect l="-649" t="-1084"/>
+                  <a:fillRect l="-649" t="-1155" b="-1980"/>
                 </a:stretch>
               </a:blipFill>
             </p:spPr>
@@ -36686,7 +36655,7 @@
           </p:nvSpPr>
           <p:spPr>
             <a:xfrm>
-              <a:off x="7809763" y="2056142"/>
+              <a:off x="7895043" y="2048655"/>
               <a:ext cx="803425" cy="369332"/>
             </a:xfrm>
             <a:prstGeom prst="rect">
@@ -36709,8 +36678,12 @@
                 </a:spcAft>
               </a:pPr>
               <a:r>
-                <a:rPr lang="en-US" sz="2000" b="1" dirty="0"/>
-                <a:t>Action</a:t>
+                <a:rPr lang="en-US" sz="2000" b="1" dirty="0">
+                  <a:solidFill>
+                    <a:schemeClr val="accent2"/>
+                  </a:solidFill>
+                </a:rPr>
+                <a:t>Action?</a:t>
               </a:r>
             </a:p>
           </p:txBody>
@@ -36730,13 +36703,13 @@
             <p:nvPr/>
           </p:nvPicPr>
           <p:blipFill>
-            <a:blip r:embed="rId5">
+            <a:blip r:embed="rId7">
               <a:extLst>
                 <a:ext uri="{28A0092B-C50C-407E-A947-70E740481C1C}">
                   <a14:useLocalDpi xmlns:a14="http://schemas.microsoft.com/office/drawing/2010/main" val="0"/>
                 </a:ext>
                 <a:ext uri="{96DAC541-7B7A-43D3-8B79-37D633B846F1}">
-                  <asvg:svgBlip xmlns:asvg="http://schemas.microsoft.com/office/drawing/2016/SVG/main" r:embed="rId6"/>
+                  <asvg:svgBlip xmlns:asvg="http://schemas.microsoft.com/office/drawing/2016/SVG/main" r:embed="rId8"/>
                 </a:ext>
               </a:extLst>
             </a:blip>
@@ -36769,13 +36742,13 @@
             <p:nvPr/>
           </p:nvPicPr>
           <p:blipFill>
-            <a:blip r:embed="rId5">
+            <a:blip r:embed="rId7">
               <a:extLst>
                 <a:ext uri="{28A0092B-C50C-407E-A947-70E740481C1C}">
                   <a14:useLocalDpi xmlns:a14="http://schemas.microsoft.com/office/drawing/2010/main" val="0"/>
                 </a:ext>
                 <a:ext uri="{96DAC541-7B7A-43D3-8B79-37D633B846F1}">
-                  <asvg:svgBlip xmlns:asvg="http://schemas.microsoft.com/office/drawing/2016/SVG/main" r:embed="rId6"/>
+                  <asvg:svgBlip xmlns:asvg="http://schemas.microsoft.com/office/drawing/2016/SVG/main" r:embed="rId8"/>
                 </a:ext>
               </a:extLst>
             </a:blip>
@@ -36807,24 +36780,28 @@
           </p:nvSpPr>
           <p:spPr>
             <a:xfrm rot="840393">
-              <a:off x="8654884" y="2141067"/>
-              <a:ext cx="458441" cy="400860"/>
+              <a:off x="8766414" y="2227041"/>
+              <a:ext cx="355392" cy="330925"/>
             </a:xfrm>
             <a:prstGeom prst="rightArrow">
               <a:avLst/>
             </a:prstGeom>
+            <a:solidFill>
+              <a:schemeClr val="accent2"/>
+            </a:solidFill>
+            <a:ln>
+              <a:noFill/>
+            </a:ln>
           </p:spPr>
           <p:style>
-            <a:lnRef idx="2">
-              <a:schemeClr val="dk1">
-                <a:shade val="50000"/>
-              </a:schemeClr>
+            <a:lnRef idx="0">
+              <a:scrgbClr r="0" g="0" b="0"/>
             </a:lnRef>
-            <a:fillRef idx="1">
-              <a:schemeClr val="dk1"/>
+            <a:fillRef idx="0">
+              <a:scrgbClr r="0" g="0" b="0"/>
             </a:fillRef>
             <a:effectRef idx="0">
-              <a:schemeClr val="dk1"/>
+              <a:scrgbClr r="0" g="0" b="0"/>
             </a:effectRef>
             <a:fontRef idx="minor">
               <a:schemeClr val="lt1"/>

--- a/slides/16_decision_making.pptx
+++ b/slides/16_decision_making.pptx
@@ -5403,7 +5403,7 @@
           <a:p>
             <a:fld id="{CDFB1A35-FCF7-4D0C-AE83-400D24256912}" type="datetimeFigureOut">
               <a:rPr lang="en-US" smtClean="0"/>
-              <a:t>4/18/2024</a:t>
+              <a:t>5/23/2024</a:t>
             </a:fld>
             <a:endParaRPr lang="en-US"/>
           </a:p>
@@ -6546,7 +6546,7 @@
           <a:p>
             <a:fld id="{16A8CD98-EF2C-4EFD-A320-0FD1E700AB34}" type="datetimeFigureOut">
               <a:rPr lang="en-US" smtClean="0"/>
-              <a:t>4/18/2024</a:t>
+              <a:t>5/23/2024</a:t>
             </a:fld>
             <a:endParaRPr lang="en-US"/>
           </a:p>
@@ -6744,7 +6744,7 @@
           <a:p>
             <a:fld id="{16A8CD98-EF2C-4EFD-A320-0FD1E700AB34}" type="datetimeFigureOut">
               <a:rPr lang="en-US" smtClean="0"/>
-              <a:t>4/18/2024</a:t>
+              <a:t>5/23/2024</a:t>
             </a:fld>
             <a:endParaRPr lang="en-US"/>
           </a:p>
@@ -6952,7 +6952,7 @@
           <a:p>
             <a:fld id="{16A8CD98-EF2C-4EFD-A320-0FD1E700AB34}" type="datetimeFigureOut">
               <a:rPr lang="en-US" smtClean="0"/>
-              <a:t>4/18/2024</a:t>
+              <a:t>5/23/2024</a:t>
             </a:fld>
             <a:endParaRPr lang="en-US"/>
           </a:p>
@@ -7150,7 +7150,7 @@
           <a:p>
             <a:fld id="{16A8CD98-EF2C-4EFD-A320-0FD1E700AB34}" type="datetimeFigureOut">
               <a:rPr lang="en-US" smtClean="0"/>
-              <a:t>4/18/2024</a:t>
+              <a:t>5/23/2024</a:t>
             </a:fld>
             <a:endParaRPr lang="en-US"/>
           </a:p>
@@ -7425,7 +7425,7 @@
           <a:p>
             <a:fld id="{16A8CD98-EF2C-4EFD-A320-0FD1E700AB34}" type="datetimeFigureOut">
               <a:rPr lang="en-US" smtClean="0"/>
-              <a:t>4/18/2024</a:t>
+              <a:t>5/23/2024</a:t>
             </a:fld>
             <a:endParaRPr lang="en-US"/>
           </a:p>
@@ -7690,7 +7690,7 @@
           <a:p>
             <a:fld id="{16A8CD98-EF2C-4EFD-A320-0FD1E700AB34}" type="datetimeFigureOut">
               <a:rPr lang="en-US" smtClean="0"/>
-              <a:t>4/18/2024</a:t>
+              <a:t>5/23/2024</a:t>
             </a:fld>
             <a:endParaRPr lang="en-US"/>
           </a:p>
@@ -8102,7 +8102,7 @@
           <a:p>
             <a:fld id="{16A8CD98-EF2C-4EFD-A320-0FD1E700AB34}" type="datetimeFigureOut">
               <a:rPr lang="en-US" smtClean="0"/>
-              <a:t>4/18/2024</a:t>
+              <a:t>5/23/2024</a:t>
             </a:fld>
             <a:endParaRPr lang="en-US"/>
           </a:p>
@@ -8243,7 +8243,7 @@
           <a:p>
             <a:fld id="{16A8CD98-EF2C-4EFD-A320-0FD1E700AB34}" type="datetimeFigureOut">
               <a:rPr lang="en-US" smtClean="0"/>
-              <a:t>4/18/2024</a:t>
+              <a:t>5/23/2024</a:t>
             </a:fld>
             <a:endParaRPr lang="en-US"/>
           </a:p>
@@ -8356,7 +8356,7 @@
           <a:p>
             <a:fld id="{16A8CD98-EF2C-4EFD-A320-0FD1E700AB34}" type="datetimeFigureOut">
               <a:rPr lang="en-US" smtClean="0"/>
-              <a:t>4/18/2024</a:t>
+              <a:t>5/23/2024</a:t>
             </a:fld>
             <a:endParaRPr lang="en-US"/>
           </a:p>
@@ -8667,7 +8667,7 @@
           <a:p>
             <a:fld id="{16A8CD98-EF2C-4EFD-A320-0FD1E700AB34}" type="datetimeFigureOut">
               <a:rPr lang="en-US" smtClean="0"/>
-              <a:t>4/18/2024</a:t>
+              <a:t>5/23/2024</a:t>
             </a:fld>
             <a:endParaRPr lang="en-US"/>
           </a:p>
@@ -8955,7 +8955,7 @@
           <a:p>
             <a:fld id="{16A8CD98-EF2C-4EFD-A320-0FD1E700AB34}" type="datetimeFigureOut">
               <a:rPr lang="en-US" smtClean="0"/>
-              <a:t>4/18/2024</a:t>
+              <a:t>5/23/2024</a:t>
             </a:fld>
             <a:endParaRPr lang="en-US"/>
           </a:p>
@@ -9196,7 +9196,7 @@
           <a:p>
             <a:fld id="{16A8CD98-EF2C-4EFD-A320-0FD1E700AB34}" type="datetimeFigureOut">
               <a:rPr lang="en-US" smtClean="0"/>
-              <a:t>4/18/2024</a:t>
+              <a:t>5/23/2024</a:t>
             </a:fld>
             <a:endParaRPr lang="en-US"/>
           </a:p>
@@ -9708,8 +9708,8 @@
         </p:blipFill>
         <p:spPr bwMode="auto">
           <a:xfrm>
-            <a:off x="3523488" y="10"/>
-            <a:ext cx="8668512" cy="6857990"/>
+            <a:off x="5038282" y="410620"/>
+            <a:ext cx="7215097" cy="5708138"/>
           </a:xfrm>
           <a:prstGeom prst="rect">
             <a:avLst/>
@@ -9831,7 +9831,7 @@
         <p:spPr>
           <a:xfrm>
             <a:off x="477980" y="1122363"/>
-            <a:ext cx="4690785" cy="3204134"/>
+            <a:ext cx="4707084" cy="3204134"/>
           </a:xfrm>
         </p:spPr>
         <p:txBody>
@@ -35535,7 +35535,13 @@
                           <a:rPr lang="en-US" sz="1100" i="1" dirty="0" smtClean="0">
                             <a:latin typeface="Cambria Math" panose="02040503050406030204" pitchFamily="18" charset="0"/>
                           </a:rPr>
-                          <m:t>’)</m:t>
+                          <m:t>’</m:t>
+                        </m:r>
+                        <m:r>
+                          <a:rPr lang="en-US" sz="1100" i="1" dirty="0" smtClean="0">
+                            <a:latin typeface="Cambria Math" panose="02040503050406030204" pitchFamily="18" charset="0"/>
+                          </a:rPr>
+                          <m:t>)</m:t>
                         </m:r>
                       </m:oMath>
                     </m:oMathPara>

--- a/slides/16_decision_making.pptx
+++ b/slides/16_decision_making.pptx
@@ -5403,7 +5403,7 @@
           <a:p>
             <a:fld id="{CDFB1A35-FCF7-4D0C-AE83-400D24256912}" type="datetimeFigureOut">
               <a:rPr lang="en-US" smtClean="0"/>
-              <a:t>5/23/2024</a:t>
+              <a:t>11/13/2024</a:t>
             </a:fld>
             <a:endParaRPr lang="en-US"/>
           </a:p>
@@ -6546,7 +6546,7 @@
           <a:p>
             <a:fld id="{16A8CD98-EF2C-4EFD-A320-0FD1E700AB34}" type="datetimeFigureOut">
               <a:rPr lang="en-US" smtClean="0"/>
-              <a:t>5/23/2024</a:t>
+              <a:t>11/13/2024</a:t>
             </a:fld>
             <a:endParaRPr lang="en-US"/>
           </a:p>
@@ -6744,7 +6744,7 @@
           <a:p>
             <a:fld id="{16A8CD98-EF2C-4EFD-A320-0FD1E700AB34}" type="datetimeFigureOut">
               <a:rPr lang="en-US" smtClean="0"/>
-              <a:t>5/23/2024</a:t>
+              <a:t>11/13/2024</a:t>
             </a:fld>
             <a:endParaRPr lang="en-US"/>
           </a:p>
@@ -6952,7 +6952,7 @@
           <a:p>
             <a:fld id="{16A8CD98-EF2C-4EFD-A320-0FD1E700AB34}" type="datetimeFigureOut">
               <a:rPr lang="en-US" smtClean="0"/>
-              <a:t>5/23/2024</a:t>
+              <a:t>11/13/2024</a:t>
             </a:fld>
             <a:endParaRPr lang="en-US"/>
           </a:p>
@@ -7150,7 +7150,7 @@
           <a:p>
             <a:fld id="{16A8CD98-EF2C-4EFD-A320-0FD1E700AB34}" type="datetimeFigureOut">
               <a:rPr lang="en-US" smtClean="0"/>
-              <a:t>5/23/2024</a:t>
+              <a:t>11/13/2024</a:t>
             </a:fld>
             <a:endParaRPr lang="en-US"/>
           </a:p>
@@ -7425,7 +7425,7 @@
           <a:p>
             <a:fld id="{16A8CD98-EF2C-4EFD-A320-0FD1E700AB34}" type="datetimeFigureOut">
               <a:rPr lang="en-US" smtClean="0"/>
-              <a:t>5/23/2024</a:t>
+              <a:t>11/13/2024</a:t>
             </a:fld>
             <a:endParaRPr lang="en-US"/>
           </a:p>
@@ -7690,7 +7690,7 @@
           <a:p>
             <a:fld id="{16A8CD98-EF2C-4EFD-A320-0FD1E700AB34}" type="datetimeFigureOut">
               <a:rPr lang="en-US" smtClean="0"/>
-              <a:t>5/23/2024</a:t>
+              <a:t>11/13/2024</a:t>
             </a:fld>
             <a:endParaRPr lang="en-US"/>
           </a:p>
@@ -8102,7 +8102,7 @@
           <a:p>
             <a:fld id="{16A8CD98-EF2C-4EFD-A320-0FD1E700AB34}" type="datetimeFigureOut">
               <a:rPr lang="en-US" smtClean="0"/>
-              <a:t>5/23/2024</a:t>
+              <a:t>11/13/2024</a:t>
             </a:fld>
             <a:endParaRPr lang="en-US"/>
           </a:p>
@@ -8243,7 +8243,7 @@
           <a:p>
             <a:fld id="{16A8CD98-EF2C-4EFD-A320-0FD1E700AB34}" type="datetimeFigureOut">
               <a:rPr lang="en-US" smtClean="0"/>
-              <a:t>5/23/2024</a:t>
+              <a:t>11/13/2024</a:t>
             </a:fld>
             <a:endParaRPr lang="en-US"/>
           </a:p>
@@ -8356,7 +8356,7 @@
           <a:p>
             <a:fld id="{16A8CD98-EF2C-4EFD-A320-0FD1E700AB34}" type="datetimeFigureOut">
               <a:rPr lang="en-US" smtClean="0"/>
-              <a:t>5/23/2024</a:t>
+              <a:t>11/13/2024</a:t>
             </a:fld>
             <a:endParaRPr lang="en-US"/>
           </a:p>
@@ -8667,7 +8667,7 @@
           <a:p>
             <a:fld id="{16A8CD98-EF2C-4EFD-A320-0FD1E700AB34}" type="datetimeFigureOut">
               <a:rPr lang="en-US" smtClean="0"/>
-              <a:t>5/23/2024</a:t>
+              <a:t>11/13/2024</a:t>
             </a:fld>
             <a:endParaRPr lang="en-US"/>
           </a:p>
@@ -8955,7 +8955,7 @@
           <a:p>
             <a:fld id="{16A8CD98-EF2C-4EFD-A320-0FD1E700AB34}" type="datetimeFigureOut">
               <a:rPr lang="en-US" smtClean="0"/>
-              <a:t>5/23/2024</a:t>
+              <a:t>11/13/2024</a:t>
             </a:fld>
             <a:endParaRPr lang="en-US"/>
           </a:p>
@@ -9196,7 +9196,7 @@
           <a:p>
             <a:fld id="{16A8CD98-EF2C-4EFD-A320-0FD1E700AB34}" type="datetimeFigureOut">
               <a:rPr lang="en-US" smtClean="0"/>
-              <a:t>5/23/2024</a:t>
+              <a:t>11/13/2024</a:t>
             </a:fld>
             <a:endParaRPr lang="en-US"/>
           </a:p>
@@ -33330,42 +33330,6 @@
           </p:sp>
         </mc:Fallback>
       </mc:AlternateContent>
-      <p:sp>
-        <p:nvSpPr>
-          <p:cNvPr id="4" name="TextBox 3">
-            <a:extLst>
-              <a:ext uri="{FF2B5EF4-FFF2-40B4-BE49-F238E27FC236}">
-                <a16:creationId xmlns:a16="http://schemas.microsoft.com/office/drawing/2014/main" id="{4D693998-B44C-FD9F-F231-2EDD6328B257}"/>
-              </a:ext>
-            </a:extLst>
-          </p:cNvPr>
-          <p:cNvSpPr txBox="1"/>
-          <p:nvPr/>
-        </p:nvSpPr>
-        <p:spPr>
-          <a:xfrm>
-            <a:off x="7162418" y="839927"/>
-            <a:ext cx="3444469" cy="369332"/>
-          </a:xfrm>
-          <a:prstGeom prst="rect">
-            <a:avLst/>
-          </a:prstGeom>
-          <a:noFill/>
-        </p:spPr>
-        <p:txBody>
-          <a:bodyPr wrap="square" rtlCol="0">
-            <a:spAutoFit/>
-          </a:bodyPr>
-          <a:lstStyle/>
-          <a:p>
-            <a:pPr algn="ctr"/>
-            <a:r>
-              <a:rPr lang="en-US" b="1" dirty="0"/>
-              <a:t>Ordinal vs. Cardinal Utility</a:t>
-            </a:r>
-          </a:p>
-        </p:txBody>
-      </p:sp>
       <p:pic>
         <p:nvPicPr>
           <p:cNvPr id="6" name="Graphic 5" descr="Treasure chest with solid fill">
@@ -33514,6 +33478,123 @@
             <a:r>
               <a:rPr lang="en-US" sz="5400" dirty="0"/>
               <a:t>+</a:t>
+            </a:r>
+          </a:p>
+        </p:txBody>
+      </p:sp>
+      <p:sp>
+        <p:nvSpPr>
+          <p:cNvPr id="5" name="TextBox 4">
+            <a:extLst>
+              <a:ext uri="{FF2B5EF4-FFF2-40B4-BE49-F238E27FC236}">
+                <a16:creationId xmlns:a16="http://schemas.microsoft.com/office/drawing/2014/main" id="{873EE3D4-A3DA-6017-9C4C-627CD7DB9EC0}"/>
+              </a:ext>
+            </a:extLst>
+          </p:cNvPr>
+          <p:cNvSpPr txBox="1"/>
+          <p:nvPr/>
+        </p:nvSpPr>
+        <p:spPr>
+          <a:xfrm>
+            <a:off x="7689273" y="2826327"/>
+            <a:ext cx="511864" cy="461665"/>
+          </a:xfrm>
+          <a:prstGeom prst="rect">
+            <a:avLst/>
+          </a:prstGeom>
+          <a:noFill/>
+        </p:spPr>
+        <p:txBody>
+          <a:bodyPr wrap="square" rtlCol="0">
+            <a:spAutoFit/>
+          </a:bodyPr>
+          <a:lstStyle/>
+          <a:p>
+            <a:r>
+              <a:rPr lang="en-US" sz="2400" b="1" dirty="0">
+                <a:solidFill>
+                  <a:schemeClr val="bg1"/>
+                </a:solidFill>
+              </a:rPr>
+              <a:t>10</a:t>
+            </a:r>
+          </a:p>
+        </p:txBody>
+      </p:sp>
+      <p:sp>
+        <p:nvSpPr>
+          <p:cNvPr id="10" name="TextBox 9">
+            <a:extLst>
+              <a:ext uri="{FF2B5EF4-FFF2-40B4-BE49-F238E27FC236}">
+                <a16:creationId xmlns:a16="http://schemas.microsoft.com/office/drawing/2014/main" id="{C3FE5F88-524F-B3B8-B4CB-80FEC65986DB}"/>
+              </a:ext>
+            </a:extLst>
+          </p:cNvPr>
+          <p:cNvSpPr txBox="1"/>
+          <p:nvPr/>
+        </p:nvSpPr>
+        <p:spPr>
+          <a:xfrm>
+            <a:off x="10639378" y="2826327"/>
+            <a:ext cx="511864" cy="461665"/>
+          </a:xfrm>
+          <a:prstGeom prst="rect">
+            <a:avLst/>
+          </a:prstGeom>
+          <a:noFill/>
+        </p:spPr>
+        <p:txBody>
+          <a:bodyPr wrap="square" rtlCol="0">
+            <a:spAutoFit/>
+          </a:bodyPr>
+          <a:lstStyle/>
+          <a:p>
+            <a:r>
+              <a:rPr lang="en-US" sz="2400" b="1" dirty="0">
+                <a:solidFill>
+                  <a:schemeClr val="bg1"/>
+                </a:solidFill>
+              </a:rPr>
+              <a:t>10</a:t>
+            </a:r>
+          </a:p>
+        </p:txBody>
+      </p:sp>
+      <p:sp>
+        <p:nvSpPr>
+          <p:cNvPr id="11" name="TextBox 10">
+            <a:extLst>
+              <a:ext uri="{FF2B5EF4-FFF2-40B4-BE49-F238E27FC236}">
+                <a16:creationId xmlns:a16="http://schemas.microsoft.com/office/drawing/2014/main" id="{3D4D435E-CAF7-043D-EC86-C9C83DE248FC}"/>
+              </a:ext>
+            </a:extLst>
+          </p:cNvPr>
+          <p:cNvSpPr txBox="1"/>
+          <p:nvPr/>
+        </p:nvSpPr>
+        <p:spPr>
+          <a:xfrm>
+            <a:off x="9644621" y="5602574"/>
+            <a:ext cx="511864" cy="461665"/>
+          </a:xfrm>
+          <a:prstGeom prst="rect">
+            <a:avLst/>
+          </a:prstGeom>
+          <a:noFill/>
+        </p:spPr>
+        <p:txBody>
+          <a:bodyPr wrap="square" rtlCol="0">
+            <a:spAutoFit/>
+          </a:bodyPr>
+          <a:lstStyle/>
+          <a:p>
+            <a:r>
+              <a:rPr lang="en-US" sz="2400" b="1" dirty="0">
+                <a:solidFill>
+                  <a:schemeClr val="bg1"/>
+                </a:solidFill>
+              </a:rPr>
+              <a:t>20</a:t>
             </a:r>
           </a:p>
         </p:txBody>
@@ -33924,8 +34005,8 @@
           </a:p>
         </p:txBody>
       </p:sp>
-      <mc:AlternateContent xmlns:mc="http://schemas.openxmlformats.org/markup-compatibility/2006" xmlns:a14="http://schemas.microsoft.com/office/drawing/2010/main">
-        <mc:Choice Requires="a14">
+      <mc:AlternateContent xmlns:mc="http://schemas.openxmlformats.org/markup-compatibility/2006">
+        <mc:Choice xmlns:a14="http://schemas.microsoft.com/office/drawing/2010/main" Requires="a14">
           <p:sp>
             <p:nvSpPr>
               <p:cNvPr id="3" name="Content Placeholder 2">
@@ -33950,7 +34031,7 @@
             </p:spPr>
             <p:txBody>
               <a:bodyPr anchor="t">
-                <a:normAutofit fontScale="85000" lnSpcReduction="20000"/>
+                <a:normAutofit fontScale="77500" lnSpcReduction="20000"/>
               </a:bodyPr>
               <a:lstStyle/>
               <a:p>
@@ -34025,39 +34106,7 @@
               <a:p>
                 <a:r>
                   <a:rPr lang="en-US" sz="1800" dirty="0"/>
-                  <a:t>Given</a:t>
-                </a:r>
-                <a14:m>
-                  <m:oMath xmlns:m="http://schemas.openxmlformats.org/officeDocument/2006/math">
-                    <m:r>
-                      <a:rPr lang="en-US" sz="1800" i="1" dirty="0" smtClean="0">
-                        <a:latin typeface="Cambria Math" panose="02040503050406030204" pitchFamily="18" charset="0"/>
-                      </a:rPr>
-                      <m:t> </m:t>
-                    </m:r>
-                    <m:r>
-                      <a:rPr lang="en-US" sz="1800" i="1" dirty="0" smtClean="0">
-                        <a:latin typeface="Cambria Math" panose="02040503050406030204" pitchFamily="18" charset="0"/>
-                      </a:rPr>
-                      <m:t>𝑎</m:t>
-                    </m:r>
-                    <m:r>
-                      <a:rPr lang="en-US" sz="1800" b="0" i="1" dirty="0" smtClean="0">
-                        <a:latin typeface="Cambria Math" panose="02040503050406030204" pitchFamily="18" charset="0"/>
-                      </a:rPr>
-                      <m:t>,</m:t>
-                    </m:r>
-                    <m:r>
-                      <a:rPr lang="en-US" sz="1800" i="1" dirty="0" smtClean="0">
-                        <a:latin typeface="Cambria Math" panose="02040503050406030204" pitchFamily="18" charset="0"/>
-                      </a:rPr>
-                      <m:t> </m:t>
-                    </m:r>
-                  </m:oMath>
-                </a14:m>
-                <a:r>
-                  <a:rPr lang="en-US" sz="1800" dirty="0"/>
-                  <a:t>the transition probabilities </a:t>
+                  <a:t>The transition model specified as transition probabilities </a:t>
                 </a:r>
                 <a14:m>
                   <m:oMath xmlns:m="http://schemas.openxmlformats.org/officeDocument/2006/math">
@@ -34127,6 +34176,54 @@
                         <a:latin typeface="Cambria Math" panose="02040503050406030204" pitchFamily="18" charset="0"/>
                       </a:rPr>
                       <m:t>)</m:t>
+                    </m:r>
+                  </m:oMath>
+                </a14:m>
+                <a:r>
+                  <a:rPr lang="en-US" sz="1800" dirty="0"/>
+                  <a:t> of getting from </a:t>
+                </a:r>
+                <a14:m>
+                  <m:oMath xmlns:m="http://schemas.openxmlformats.org/officeDocument/2006/math">
+                    <m:r>
+                      <a:rPr lang="en-US" sz="1800" i="1" dirty="0" smtClean="0">
+                        <a:latin typeface="Cambria Math" panose="02040503050406030204" pitchFamily="18" charset="0"/>
+                      </a:rPr>
+                      <m:t>𝑠</m:t>
+                    </m:r>
+                  </m:oMath>
+                </a14:m>
+                <a:r>
+                  <a:rPr lang="en-US" sz="1800" dirty="0"/>
+                  <a:t> to </a:t>
+                </a:r>
+                <a14:m>
+                  <m:oMath xmlns:m="http://schemas.openxmlformats.org/officeDocument/2006/math">
+                    <m:r>
+                      <a:rPr lang="en-US" sz="1800" i="1" dirty="0" smtClean="0">
+                        <a:latin typeface="Cambria Math" panose="02040503050406030204" pitchFamily="18" charset="0"/>
+                      </a:rPr>
+                      <m:t>𝑠</m:t>
+                    </m:r>
+                    <m:r>
+                      <a:rPr lang="en-US" sz="1800" i="1" dirty="0" smtClean="0">
+                        <a:latin typeface="Cambria Math" panose="02040503050406030204" pitchFamily="18" charset="0"/>
+                      </a:rPr>
+                      <m:t>’</m:t>
+                    </m:r>
+                  </m:oMath>
+                </a14:m>
+                <a:r>
+                  <a:rPr lang="en-US" sz="1800" dirty="0"/>
+                  <a:t> given action </a:t>
+                </a:r>
+                <a14:m>
+                  <m:oMath xmlns:m="http://schemas.openxmlformats.org/officeDocument/2006/math">
+                    <m:r>
+                      <a:rPr lang="en-US" sz="1800" i="1" dirty="0" smtClean="0">
+                        <a:latin typeface="Cambria Math" panose="02040503050406030204" pitchFamily="18" charset="0"/>
+                      </a:rPr>
+                      <m:t>𝑎</m:t>
                     </m:r>
                   </m:oMath>
                 </a14:m>
@@ -34206,7 +34303,21 @@
                 </a14:m>
                 <a:r>
                   <a:rPr lang="en-US" sz="1800" dirty="0"/>
-                  <a:t> will get us to a future state s’ is</a:t>
+                  <a:t> will get us from </a:t>
+                </a:r>
+                <a14:m>
+                  <m:oMath xmlns:m="http://schemas.openxmlformats.org/officeDocument/2006/math">
+                    <m:r>
+                      <a:rPr lang="en-US" sz="1800" i="1" dirty="0" smtClean="0">
+                        <a:latin typeface="Cambria Math" panose="02040503050406030204" pitchFamily="18" charset="0"/>
+                      </a:rPr>
+                      <m:t>𝑠</m:t>
+                    </m:r>
+                  </m:oMath>
+                </a14:m>
+                <a:r>
+                  <a:rPr lang="en-US" sz="1800" dirty="0"/>
+                  <a:t> to a future state s’ is</a:t>
                 </a:r>
               </a:p>
               <a:p>
@@ -34747,7 +34858,7 @@
             </p:txBody>
           </p:sp>
         </mc:Choice>
-        <mc:Fallback xmlns="">
+        <mc:Fallback>
           <p:sp>
             <p:nvSpPr>
               <p:cNvPr id="3" name="Content Placeholder 2">
@@ -34772,7 +34883,7 @@
               <a:blipFill>
                 <a:blip r:embed="rId2"/>
                 <a:stretch>
-                  <a:fillRect l="-447" t="-2052" b="-30597"/>
+                  <a:fillRect l="-335" t="-2052" r="-335" b="-28358"/>
                 </a:stretch>
               </a:blipFill>
             </p:spPr>
@@ -36013,8 +36124,8 @@
           </a:p>
         </p:txBody>
       </p:sp>
-      <mc:AlternateContent xmlns:mc="http://schemas.openxmlformats.org/markup-compatibility/2006" xmlns:a14="http://schemas.microsoft.com/office/drawing/2010/main">
-        <mc:Choice Requires="a14">
+      <mc:AlternateContent xmlns:mc="http://schemas.openxmlformats.org/markup-compatibility/2006">
+        <mc:Choice xmlns:a14="http://schemas.microsoft.com/office/drawing/2010/main" Requires="a14">
           <p:sp>
             <p:nvSpPr>
               <p:cNvPr id="3" name="Content Placeholder 2">
@@ -36287,7 +36398,7 @@
                 </a:pPr>
                 <a:r>
                   <a:rPr lang="en-US" sz="1600" dirty="0"/>
-                  <a:t>choose action that maximizes the expected utility:</a:t>
+                  <a:t>Choose the action that maximizes the expected utility:</a:t>
                 </a:r>
                 <a:br>
                   <a:rPr lang="en-US" sz="1600" dirty="0"/>
@@ -36499,13 +36610,13 @@
               <a:p>
                 <a:r>
                   <a:rPr lang="en-US" sz="1600" dirty="0"/>
-                  <a:t>Bayes Net with a factored state representation considering independence between variable describing the state.</a:t>
+                  <a:t>Bayes Nets with a factored state representation considering independence between variable describing the state.</a:t>
                 </a:r>
               </a:p>
             </p:txBody>
           </p:sp>
         </mc:Choice>
-        <mc:Fallback xmlns="">
+        <mc:Fallback>
           <p:sp>
             <p:nvSpPr>
               <p:cNvPr id="3" name="Content Placeholder 2">

--- a/slides/16_decision_making.pptx
+++ b/slides/16_decision_making.pptx
@@ -5403,7 +5403,7 @@
           <a:p>
             <a:fld id="{CDFB1A35-FCF7-4D0C-AE83-400D24256912}" type="datetimeFigureOut">
               <a:rPr lang="en-US" smtClean="0"/>
-              <a:t>11/13/2024</a:t>
+              <a:t>11/15/2024</a:t>
             </a:fld>
             <a:endParaRPr lang="en-US"/>
           </a:p>
@@ -6546,7 +6546,7 @@
           <a:p>
             <a:fld id="{16A8CD98-EF2C-4EFD-A320-0FD1E700AB34}" type="datetimeFigureOut">
               <a:rPr lang="en-US" smtClean="0"/>
-              <a:t>11/13/2024</a:t>
+              <a:t>11/15/2024</a:t>
             </a:fld>
             <a:endParaRPr lang="en-US"/>
           </a:p>
@@ -6744,7 +6744,7 @@
           <a:p>
             <a:fld id="{16A8CD98-EF2C-4EFD-A320-0FD1E700AB34}" type="datetimeFigureOut">
               <a:rPr lang="en-US" smtClean="0"/>
-              <a:t>11/13/2024</a:t>
+              <a:t>11/15/2024</a:t>
             </a:fld>
             <a:endParaRPr lang="en-US"/>
           </a:p>
@@ -6952,7 +6952,7 @@
           <a:p>
             <a:fld id="{16A8CD98-EF2C-4EFD-A320-0FD1E700AB34}" type="datetimeFigureOut">
               <a:rPr lang="en-US" smtClean="0"/>
-              <a:t>11/13/2024</a:t>
+              <a:t>11/15/2024</a:t>
             </a:fld>
             <a:endParaRPr lang="en-US"/>
           </a:p>
@@ -7150,7 +7150,7 @@
           <a:p>
             <a:fld id="{16A8CD98-EF2C-4EFD-A320-0FD1E700AB34}" type="datetimeFigureOut">
               <a:rPr lang="en-US" smtClean="0"/>
-              <a:t>11/13/2024</a:t>
+              <a:t>11/15/2024</a:t>
             </a:fld>
             <a:endParaRPr lang="en-US"/>
           </a:p>
@@ -7425,7 +7425,7 @@
           <a:p>
             <a:fld id="{16A8CD98-EF2C-4EFD-A320-0FD1E700AB34}" type="datetimeFigureOut">
               <a:rPr lang="en-US" smtClean="0"/>
-              <a:t>11/13/2024</a:t>
+              <a:t>11/15/2024</a:t>
             </a:fld>
             <a:endParaRPr lang="en-US"/>
           </a:p>
@@ -7690,7 +7690,7 @@
           <a:p>
             <a:fld id="{16A8CD98-EF2C-4EFD-A320-0FD1E700AB34}" type="datetimeFigureOut">
               <a:rPr lang="en-US" smtClean="0"/>
-              <a:t>11/13/2024</a:t>
+              <a:t>11/15/2024</a:t>
             </a:fld>
             <a:endParaRPr lang="en-US"/>
           </a:p>
@@ -8102,7 +8102,7 @@
           <a:p>
             <a:fld id="{16A8CD98-EF2C-4EFD-A320-0FD1E700AB34}" type="datetimeFigureOut">
               <a:rPr lang="en-US" smtClean="0"/>
-              <a:t>11/13/2024</a:t>
+              <a:t>11/15/2024</a:t>
             </a:fld>
             <a:endParaRPr lang="en-US"/>
           </a:p>
@@ -8243,7 +8243,7 @@
           <a:p>
             <a:fld id="{16A8CD98-EF2C-4EFD-A320-0FD1E700AB34}" type="datetimeFigureOut">
               <a:rPr lang="en-US" smtClean="0"/>
-              <a:t>11/13/2024</a:t>
+              <a:t>11/15/2024</a:t>
             </a:fld>
             <a:endParaRPr lang="en-US"/>
           </a:p>
@@ -8356,7 +8356,7 @@
           <a:p>
             <a:fld id="{16A8CD98-EF2C-4EFD-A320-0FD1E700AB34}" type="datetimeFigureOut">
               <a:rPr lang="en-US" smtClean="0"/>
-              <a:t>11/13/2024</a:t>
+              <a:t>11/15/2024</a:t>
             </a:fld>
             <a:endParaRPr lang="en-US"/>
           </a:p>
@@ -8667,7 +8667,7 @@
           <a:p>
             <a:fld id="{16A8CD98-EF2C-4EFD-A320-0FD1E700AB34}" type="datetimeFigureOut">
               <a:rPr lang="en-US" smtClean="0"/>
-              <a:t>11/13/2024</a:t>
+              <a:t>11/15/2024</a:t>
             </a:fld>
             <a:endParaRPr lang="en-US"/>
           </a:p>
@@ -8955,7 +8955,7 @@
           <a:p>
             <a:fld id="{16A8CD98-EF2C-4EFD-A320-0FD1E700AB34}" type="datetimeFigureOut">
               <a:rPr lang="en-US" smtClean="0"/>
-              <a:t>11/13/2024</a:t>
+              <a:t>11/15/2024</a:t>
             </a:fld>
             <a:endParaRPr lang="en-US"/>
           </a:p>
@@ -9196,7 +9196,7 @@
           <a:p>
             <a:fld id="{16A8CD98-EF2C-4EFD-A320-0FD1E700AB34}" type="datetimeFigureOut">
               <a:rPr lang="en-US" smtClean="0"/>
-              <a:t>11/13/2024</a:t>
+              <a:t>11/15/2024</a:t>
             </a:fld>
             <a:endParaRPr lang="en-US"/>
           </a:p>
@@ -15657,7 +15657,7 @@
 </file>
 
 <file path=ppt/slides/slide11.xml><?xml version="1.0" encoding="utf-8"?>
-<p:sld xmlns:a="http://schemas.openxmlformats.org/drawingml/2006/main" xmlns:r="http://schemas.openxmlformats.org/officeDocument/2006/relationships" xmlns:p="http://schemas.openxmlformats.org/presentationml/2006/main">
+<p:sld xmlns:a="http://schemas.openxmlformats.org/drawingml/2006/main" xmlns:r="http://schemas.openxmlformats.org/officeDocument/2006/relationships" xmlns:p="http://schemas.openxmlformats.org/presentationml/2006/main" show="0">
   <p:cSld>
     <p:spTree>
       <p:nvGrpSpPr>
@@ -25705,7 +25705,7 @@
 </file>
 
 <file path=ppt/slides/slide13.xml><?xml version="1.0" encoding="utf-8"?>
-<p:sld xmlns:a="http://schemas.openxmlformats.org/drawingml/2006/main" xmlns:r="http://schemas.openxmlformats.org/officeDocument/2006/relationships" xmlns:p="http://schemas.openxmlformats.org/presentationml/2006/main">
+<p:sld xmlns:a="http://schemas.openxmlformats.org/drawingml/2006/main" xmlns:r="http://schemas.openxmlformats.org/officeDocument/2006/relationships" xmlns:p="http://schemas.openxmlformats.org/presentationml/2006/main" show="0">
   <p:cSld>
     <p:spTree>
       <p:nvGrpSpPr>
@@ -34005,8 +34005,8 @@
           </a:p>
         </p:txBody>
       </p:sp>
-      <mc:AlternateContent xmlns:mc="http://schemas.openxmlformats.org/markup-compatibility/2006">
-        <mc:Choice xmlns:a14="http://schemas.microsoft.com/office/drawing/2010/main" Requires="a14">
+      <mc:AlternateContent xmlns:mc="http://schemas.openxmlformats.org/markup-compatibility/2006" xmlns:a14="http://schemas.microsoft.com/office/drawing/2010/main">
+        <mc:Choice Requires="a14">
           <p:sp>
             <p:nvSpPr>
               <p:cNvPr id="3" name="Content Placeholder 2">
@@ -34858,7 +34858,7 @@
             </p:txBody>
           </p:sp>
         </mc:Choice>
-        <mc:Fallback>
+        <mc:Fallback xmlns="">
           <p:sp>
             <p:nvSpPr>
               <p:cNvPr id="3" name="Content Placeholder 2">
@@ -35646,13 +35646,7 @@
                           <a:rPr lang="en-US" sz="1100" i="1" dirty="0" smtClean="0">
                             <a:latin typeface="Cambria Math" panose="02040503050406030204" pitchFamily="18" charset="0"/>
                           </a:rPr>
-                          <m:t>’</m:t>
-                        </m:r>
-                        <m:r>
-                          <a:rPr lang="en-US" sz="1100" i="1" dirty="0" smtClean="0">
-                            <a:latin typeface="Cambria Math" panose="02040503050406030204" pitchFamily="18" charset="0"/>
-                          </a:rPr>
-                          <m:t>)</m:t>
+                          <m:t>’)</m:t>
                         </m:r>
                       </m:oMath>
                     </m:oMathPara>
@@ -36124,8 +36118,8 @@
           </a:p>
         </p:txBody>
       </p:sp>
-      <mc:AlternateContent xmlns:mc="http://schemas.openxmlformats.org/markup-compatibility/2006">
-        <mc:Choice xmlns:a14="http://schemas.microsoft.com/office/drawing/2010/main" Requires="a14">
+      <mc:AlternateContent xmlns:mc="http://schemas.openxmlformats.org/markup-compatibility/2006" xmlns:a14="http://schemas.microsoft.com/office/drawing/2010/main">
+        <mc:Choice Requires="a14">
           <p:sp>
             <p:nvSpPr>
               <p:cNvPr id="3" name="Content Placeholder 2">
@@ -36616,7 +36610,7 @@
             </p:txBody>
           </p:sp>
         </mc:Choice>
-        <mc:Fallback>
+        <mc:Fallback xmlns="">
           <p:sp>
             <p:nvSpPr>
               <p:cNvPr id="3" name="Content Placeholder 2">

--- a/slides/16_decision_making.pptx
+++ b/slides/16_decision_making.pptx
@@ -5434,7 +5434,7 @@
           <a:p>
             <a:fld id="{CDFB1A35-FCF7-4D0C-AE83-400D24256912}" type="datetimeFigureOut">
               <a:rPr lang="en-US" smtClean="0"/>
-              <a:t>12/7/2024</a:t>
+              <a:t>4/7/2025</a:t>
             </a:fld>
             <a:endParaRPr lang="en-US"/>
           </a:p>
@@ -6577,7 +6577,7 @@
           <a:p>
             <a:fld id="{16A8CD98-EF2C-4EFD-A320-0FD1E700AB34}" type="datetimeFigureOut">
               <a:rPr lang="en-US" smtClean="0"/>
-              <a:t>12/7/2024</a:t>
+              <a:t>4/7/2025</a:t>
             </a:fld>
             <a:endParaRPr lang="en-US"/>
           </a:p>
@@ -6775,7 +6775,7 @@
           <a:p>
             <a:fld id="{16A8CD98-EF2C-4EFD-A320-0FD1E700AB34}" type="datetimeFigureOut">
               <a:rPr lang="en-US" smtClean="0"/>
-              <a:t>12/7/2024</a:t>
+              <a:t>4/7/2025</a:t>
             </a:fld>
             <a:endParaRPr lang="en-US"/>
           </a:p>
@@ -6983,7 +6983,7 @@
           <a:p>
             <a:fld id="{16A8CD98-EF2C-4EFD-A320-0FD1E700AB34}" type="datetimeFigureOut">
               <a:rPr lang="en-US" smtClean="0"/>
-              <a:t>12/7/2024</a:t>
+              <a:t>4/7/2025</a:t>
             </a:fld>
             <a:endParaRPr lang="en-US"/>
           </a:p>
@@ -7181,7 +7181,7 @@
           <a:p>
             <a:fld id="{16A8CD98-EF2C-4EFD-A320-0FD1E700AB34}" type="datetimeFigureOut">
               <a:rPr lang="en-US" smtClean="0"/>
-              <a:t>12/7/2024</a:t>
+              <a:t>4/7/2025</a:t>
             </a:fld>
             <a:endParaRPr lang="en-US"/>
           </a:p>
@@ -7456,7 +7456,7 @@
           <a:p>
             <a:fld id="{16A8CD98-EF2C-4EFD-A320-0FD1E700AB34}" type="datetimeFigureOut">
               <a:rPr lang="en-US" smtClean="0"/>
-              <a:t>12/7/2024</a:t>
+              <a:t>4/7/2025</a:t>
             </a:fld>
             <a:endParaRPr lang="en-US"/>
           </a:p>
@@ -7721,7 +7721,7 @@
           <a:p>
             <a:fld id="{16A8CD98-EF2C-4EFD-A320-0FD1E700AB34}" type="datetimeFigureOut">
               <a:rPr lang="en-US" smtClean="0"/>
-              <a:t>12/7/2024</a:t>
+              <a:t>4/7/2025</a:t>
             </a:fld>
             <a:endParaRPr lang="en-US"/>
           </a:p>
@@ -8133,7 +8133,7 @@
           <a:p>
             <a:fld id="{16A8CD98-EF2C-4EFD-A320-0FD1E700AB34}" type="datetimeFigureOut">
               <a:rPr lang="en-US" smtClean="0"/>
-              <a:t>12/7/2024</a:t>
+              <a:t>4/7/2025</a:t>
             </a:fld>
             <a:endParaRPr lang="en-US"/>
           </a:p>
@@ -8274,7 +8274,7 @@
           <a:p>
             <a:fld id="{16A8CD98-EF2C-4EFD-A320-0FD1E700AB34}" type="datetimeFigureOut">
               <a:rPr lang="en-US" smtClean="0"/>
-              <a:t>12/7/2024</a:t>
+              <a:t>4/7/2025</a:t>
             </a:fld>
             <a:endParaRPr lang="en-US"/>
           </a:p>
@@ -8387,7 +8387,7 @@
           <a:p>
             <a:fld id="{16A8CD98-EF2C-4EFD-A320-0FD1E700AB34}" type="datetimeFigureOut">
               <a:rPr lang="en-US" smtClean="0"/>
-              <a:t>12/7/2024</a:t>
+              <a:t>4/7/2025</a:t>
             </a:fld>
             <a:endParaRPr lang="en-US"/>
           </a:p>
@@ -8698,7 +8698,7 @@
           <a:p>
             <a:fld id="{16A8CD98-EF2C-4EFD-A320-0FD1E700AB34}" type="datetimeFigureOut">
               <a:rPr lang="en-US" smtClean="0"/>
-              <a:t>12/7/2024</a:t>
+              <a:t>4/7/2025</a:t>
             </a:fld>
             <a:endParaRPr lang="en-US"/>
           </a:p>
@@ -8986,7 +8986,7 @@
           <a:p>
             <a:fld id="{16A8CD98-EF2C-4EFD-A320-0FD1E700AB34}" type="datetimeFigureOut">
               <a:rPr lang="en-US" smtClean="0"/>
-              <a:t>12/7/2024</a:t>
+              <a:t>4/7/2025</a:t>
             </a:fld>
             <a:endParaRPr lang="en-US"/>
           </a:p>
@@ -9227,7 +9227,7 @@
           <a:p>
             <a:fld id="{16A8CD98-EF2C-4EFD-A320-0FD1E700AB34}" type="datetimeFigureOut">
               <a:rPr lang="en-US" smtClean="0"/>
-              <a:t>12/7/2024</a:t>
+              <a:t>4/7/2025</a:t>
             </a:fld>
             <a:endParaRPr lang="en-US"/>
           </a:p>
@@ -10132,10 +10132,10 @@
       </p:sp>
       <p:grpSp>
         <p:nvGrpSpPr>
-          <p:cNvPr id="8" name="Group 7">
+          <p:cNvPr id="4" name="Group 3">
             <a:extLst>
               <a:ext uri="{FF2B5EF4-FFF2-40B4-BE49-F238E27FC236}">
-                <a16:creationId xmlns:a16="http://schemas.microsoft.com/office/drawing/2014/main" id="{7F8642B8-31A0-82A8-1C9C-EC43AF150637}"/>
+                <a16:creationId xmlns:a16="http://schemas.microsoft.com/office/drawing/2014/main" id="{3E93D495-25FD-06CE-2E00-F856937465C3}"/>
               </a:ext>
               <a:ext uri="{C183D7F6-B498-43B3-948B-1728B52AA6E4}">
                 <adec:decorative xmlns:adec="http://schemas.microsoft.com/office/drawing/2017/decorative" val="1"/>
@@ -10147,23 +10147,68 @@
         </p:nvGrpSpPr>
         <p:grpSpPr>
           <a:xfrm>
-            <a:off x="580795" y="6122589"/>
-            <a:ext cx="3817727" cy="430887"/>
-            <a:chOff x="8226731" y="6286097"/>
-            <a:chExt cx="3817727" cy="430887"/>
+            <a:off x="10608421" y="5113187"/>
+            <a:ext cx="1218146" cy="1440289"/>
+            <a:chOff x="7151029" y="4191000"/>
+            <a:chExt cx="1688171" cy="1981200"/>
           </a:xfrm>
         </p:grpSpPr>
+        <p:sp>
+          <p:nvSpPr>
+            <p:cNvPr id="5" name="Rectangle 4">
+              <a:extLst>
+                <a:ext uri="{FF2B5EF4-FFF2-40B4-BE49-F238E27FC236}">
+                  <a16:creationId xmlns:a16="http://schemas.microsoft.com/office/drawing/2014/main" id="{9A363A38-967D-02D2-4734-2DEBEEAB1924}"/>
+                </a:ext>
+              </a:extLst>
+            </p:cNvPr>
+            <p:cNvSpPr/>
+            <p:nvPr/>
+          </p:nvSpPr>
+          <p:spPr>
+            <a:xfrm>
+              <a:off x="7162800" y="4191000"/>
+              <a:ext cx="1676400" cy="1981200"/>
+            </a:xfrm>
+            <a:prstGeom prst="rect">
+              <a:avLst/>
+            </a:prstGeom>
+            <a:ln/>
+          </p:spPr>
+          <p:style>
+            <a:lnRef idx="2">
+              <a:schemeClr val="dk1"/>
+            </a:lnRef>
+            <a:fillRef idx="1">
+              <a:schemeClr val="lt1"/>
+            </a:fillRef>
+            <a:effectRef idx="0">
+              <a:schemeClr val="dk1"/>
+            </a:effectRef>
+            <a:fontRef idx="minor">
+              <a:schemeClr val="dk1"/>
+            </a:fontRef>
+          </p:style>
+          <p:txBody>
+            <a:bodyPr rtlCol="0" anchor="ctr"/>
+            <a:lstStyle/>
+            <a:p>
+              <a:pPr algn="ctr"/>
+              <a:endParaRPr lang="en-US"/>
+            </a:p>
+          </p:txBody>
+        </p:sp>
         <p:pic>
           <p:nvPicPr>
-            <p:cNvPr id="9" name="Picture 4" descr="Creative Commons License">
+            <p:cNvPr id="6" name="Picture 5" descr="A qr code with black dots&#10;&#10;Description automatically generated">
               <a:extLst>
                 <a:ext uri="{FF2B5EF4-FFF2-40B4-BE49-F238E27FC236}">
-                  <a16:creationId xmlns:a16="http://schemas.microsoft.com/office/drawing/2014/main" id="{5A1BD537-E4EA-4FE8-88AB-AD90C3686B9A}"/>
+                  <a16:creationId xmlns:a16="http://schemas.microsoft.com/office/drawing/2014/main" id="{2625D29F-0F87-D54C-0271-A2CFBB417CF4}"/>
                 </a:ext>
               </a:extLst>
             </p:cNvPr>
             <p:cNvPicPr>
-              <a:picLocks noChangeAspect="1" noChangeArrowheads="1"/>
+              <a:picLocks noChangeAspect="1"/>
             </p:cNvPicPr>
             <p:nvPr/>
           </p:nvPicPr>
@@ -10175,37 +10220,96 @@
                 </a:ext>
               </a:extLst>
             </a:blip>
-            <a:srcRect/>
             <a:stretch>
               <a:fillRect/>
             </a:stretch>
           </p:blipFill>
-          <p:spPr bwMode="auto">
+          <p:spPr>
             <a:xfrm>
-              <a:off x="8226731" y="6395386"/>
-              <a:ext cx="838200" cy="295275"/>
+              <a:off x="7184684" y="4213372"/>
+              <a:ext cx="1632631" cy="1632630"/>
             </a:xfrm>
             <a:prstGeom prst="rect">
               <a:avLst/>
             </a:prstGeom>
-            <a:noFill/>
-            <a:extLst>
-              <a:ext uri="{909E8E84-426E-40DD-AFC4-6F175D3DCCD1}">
-                <a14:hiddenFill xmlns:a14="http://schemas.microsoft.com/office/drawing/2010/main">
-                  <a:solidFill>
-                    <a:srgbClr val="FFFFFF"/>
-                  </a:solidFill>
-                </a14:hiddenFill>
-              </a:ext>
-            </a:extLst>
           </p:spPr>
         </p:pic>
         <p:sp>
           <p:nvSpPr>
-            <p:cNvPr id="10" name="TextBox 9">
+            <p:cNvPr id="7" name="Rectangle 6">
               <a:extLst>
                 <a:ext uri="{FF2B5EF4-FFF2-40B4-BE49-F238E27FC236}">
-                  <a16:creationId xmlns:a16="http://schemas.microsoft.com/office/drawing/2014/main" id="{39F5546D-7B63-4536-8271-74EF6E9F8592}"/>
+                  <a16:creationId xmlns:a16="http://schemas.microsoft.com/office/drawing/2014/main" id="{1DF60618-AD32-FC6C-98B1-8BCA0A5B3819}"/>
+                </a:ext>
+              </a:extLst>
+            </p:cNvPr>
+            <p:cNvSpPr/>
+            <p:nvPr/>
+          </p:nvSpPr>
+          <p:spPr>
+            <a:xfrm>
+              <a:off x="7151029" y="5812970"/>
+              <a:ext cx="1676400" cy="359230"/>
+            </a:xfrm>
+            <a:prstGeom prst="rect">
+              <a:avLst/>
+            </a:prstGeom>
+          </p:spPr>
+          <p:style>
+            <a:lnRef idx="2">
+              <a:schemeClr val="dk1">
+                <a:shade val="15000"/>
+              </a:schemeClr>
+            </a:lnRef>
+            <a:fillRef idx="1">
+              <a:schemeClr val="dk1"/>
+            </a:fillRef>
+            <a:effectRef idx="0">
+              <a:schemeClr val="dk1"/>
+            </a:effectRef>
+            <a:fontRef idx="minor">
+              <a:schemeClr val="lt1"/>
+            </a:fontRef>
+          </p:style>
+          <p:txBody>
+            <a:bodyPr rtlCol="0" anchor="ctr"/>
+            <a:lstStyle/>
+            <a:p>
+              <a:pPr algn="ctr"/>
+              <a:r>
+                <a:rPr lang="en-US" sz="1200" dirty="0"/>
+                <a:t>Online Material</a:t>
+              </a:r>
+            </a:p>
+          </p:txBody>
+        </p:sp>
+      </p:grpSp>
+      <p:grpSp>
+        <p:nvGrpSpPr>
+          <p:cNvPr id="11" name="Group 10">
+            <a:extLst>
+              <a:ext uri="{FF2B5EF4-FFF2-40B4-BE49-F238E27FC236}">
+                <a16:creationId xmlns:a16="http://schemas.microsoft.com/office/drawing/2014/main" id="{58331EDE-1CA8-E5FB-B708-E783259A1612}"/>
+              </a:ext>
+            </a:extLst>
+          </p:cNvPr>
+          <p:cNvGrpSpPr/>
+          <p:nvPr/>
+        </p:nvGrpSpPr>
+        <p:grpSpPr>
+          <a:xfrm>
+            <a:off x="579853" y="6122589"/>
+            <a:ext cx="3967260" cy="430887"/>
+            <a:chOff x="269461" y="6324600"/>
+            <a:chExt cx="3967260" cy="430887"/>
+          </a:xfrm>
+        </p:grpSpPr>
+        <p:sp>
+          <p:nvSpPr>
+            <p:cNvPr id="12" name="TextBox 11">
+              <a:extLst>
+                <a:ext uri="{FF2B5EF4-FFF2-40B4-BE49-F238E27FC236}">
+                  <a16:creationId xmlns:a16="http://schemas.microsoft.com/office/drawing/2014/main" id="{8A9BE7C4-74C8-EC01-0F16-5763EED2CDC7}"/>
                 </a:ext>
               </a:extLst>
             </p:cNvPr>
@@ -10214,7 +10318,7 @@
           </p:nvSpPr>
           <p:spPr>
             <a:xfrm>
-              <a:off x="9026937" y="6286097"/>
+              <a:off x="1219200" y="6324600"/>
               <a:ext cx="3017521" cy="430887"/>
             </a:xfrm>
             <a:prstGeom prst="rect">
@@ -10319,86 +10423,17 @@
             </a:p>
           </p:txBody>
         </p:sp>
-      </p:grpSp>
-      <p:grpSp>
-        <p:nvGrpSpPr>
-          <p:cNvPr id="4" name="Group 3">
-            <a:extLst>
-              <a:ext uri="{FF2B5EF4-FFF2-40B4-BE49-F238E27FC236}">
-                <a16:creationId xmlns:a16="http://schemas.microsoft.com/office/drawing/2014/main" id="{3E93D495-25FD-06CE-2E00-F856937465C3}"/>
-              </a:ext>
-              <a:ext uri="{C183D7F6-B498-43B3-948B-1728B52AA6E4}">
-                <adec:decorative xmlns:adec="http://schemas.microsoft.com/office/drawing/2017/decorative" val="1"/>
-              </a:ext>
-            </a:extLst>
-          </p:cNvPr>
-          <p:cNvGrpSpPr/>
-          <p:nvPr/>
-        </p:nvGrpSpPr>
-        <p:grpSpPr>
-          <a:xfrm>
-            <a:off x="10608421" y="5113187"/>
-            <a:ext cx="1218146" cy="1440289"/>
-            <a:chOff x="7151029" y="4191000"/>
-            <a:chExt cx="1688171" cy="1981200"/>
-          </a:xfrm>
-        </p:grpSpPr>
-        <p:sp>
-          <p:nvSpPr>
-            <p:cNvPr id="5" name="Rectangle 4">
+        <p:pic>
+          <p:nvPicPr>
+            <p:cNvPr id="13" name="Picture 2">
               <a:extLst>
                 <a:ext uri="{FF2B5EF4-FFF2-40B4-BE49-F238E27FC236}">
-                  <a16:creationId xmlns:a16="http://schemas.microsoft.com/office/drawing/2014/main" id="{9A363A38-967D-02D2-4734-2DEBEEAB1924}"/>
-                </a:ext>
-              </a:extLst>
-            </p:cNvPr>
-            <p:cNvSpPr/>
-            <p:nvPr/>
-          </p:nvSpPr>
-          <p:spPr>
-            <a:xfrm>
-              <a:off x="7162800" y="4191000"/>
-              <a:ext cx="1676400" cy="1981200"/>
-            </a:xfrm>
-            <a:prstGeom prst="rect">
-              <a:avLst/>
-            </a:prstGeom>
-            <a:ln/>
-          </p:spPr>
-          <p:style>
-            <a:lnRef idx="2">
-              <a:schemeClr val="dk1"/>
-            </a:lnRef>
-            <a:fillRef idx="1">
-              <a:schemeClr val="lt1"/>
-            </a:fillRef>
-            <a:effectRef idx="0">
-              <a:schemeClr val="dk1"/>
-            </a:effectRef>
-            <a:fontRef idx="minor">
-              <a:schemeClr val="dk1"/>
-            </a:fontRef>
-          </p:style>
-          <p:txBody>
-            <a:bodyPr rtlCol="0" anchor="ctr"/>
-            <a:lstStyle/>
-            <a:p>
-              <a:pPr algn="ctr"/>
-              <a:endParaRPr lang="en-US"/>
-            </a:p>
-          </p:txBody>
-        </p:sp>
-        <p:pic>
-          <p:nvPicPr>
-            <p:cNvPr id="6" name="Picture 5" descr="A qr code with black dots&#10;&#10;Description automatically generated">
-              <a:extLst>
-                <a:ext uri="{FF2B5EF4-FFF2-40B4-BE49-F238E27FC236}">
-                  <a16:creationId xmlns:a16="http://schemas.microsoft.com/office/drawing/2014/main" id="{2625D29F-0F87-D54C-0271-A2CFBB417CF4}"/>
+                  <a16:creationId xmlns:a16="http://schemas.microsoft.com/office/drawing/2014/main" id="{0C27022D-8DAB-6367-BEDC-C4EE0B0FB4E0}"/>
                 </a:ext>
               </a:extLst>
             </p:cNvPr>
             <p:cNvPicPr>
-              <a:picLocks noChangeAspect="1"/>
+              <a:picLocks noChangeAspect="1" noChangeArrowheads="1"/>
             </p:cNvPicPr>
             <p:nvPr/>
           </p:nvPicPr>
@@ -10410,69 +10445,31 @@
                 </a:ext>
               </a:extLst>
             </a:blip>
+            <a:srcRect/>
             <a:stretch>
               <a:fillRect/>
             </a:stretch>
           </p:blipFill>
-          <p:spPr>
+          <p:spPr bwMode="auto">
             <a:xfrm>
-              <a:off x="7184684" y="4213372"/>
-              <a:ext cx="1632631" cy="1632630"/>
+              <a:off x="269461" y="6372959"/>
+              <a:ext cx="888838" cy="311093"/>
             </a:xfrm>
             <a:prstGeom prst="rect">
               <a:avLst/>
             </a:prstGeom>
+            <a:noFill/>
+            <a:extLst>
+              <a:ext uri="{909E8E84-426E-40DD-AFC4-6F175D3DCCD1}">
+                <a14:hiddenFill xmlns:a14="http://schemas.microsoft.com/office/drawing/2010/main">
+                  <a:solidFill>
+                    <a:srgbClr val="FFFFFF"/>
+                  </a:solidFill>
+                </a14:hiddenFill>
+              </a:ext>
+            </a:extLst>
           </p:spPr>
         </p:pic>
-        <p:sp>
-          <p:nvSpPr>
-            <p:cNvPr id="7" name="Rectangle 6">
-              <a:extLst>
-                <a:ext uri="{FF2B5EF4-FFF2-40B4-BE49-F238E27FC236}">
-                  <a16:creationId xmlns:a16="http://schemas.microsoft.com/office/drawing/2014/main" id="{1DF60618-AD32-FC6C-98B1-8BCA0A5B3819}"/>
-                </a:ext>
-              </a:extLst>
-            </p:cNvPr>
-            <p:cNvSpPr/>
-            <p:nvPr/>
-          </p:nvSpPr>
-          <p:spPr>
-            <a:xfrm>
-              <a:off x="7151029" y="5812970"/>
-              <a:ext cx="1676400" cy="359230"/>
-            </a:xfrm>
-            <a:prstGeom prst="rect">
-              <a:avLst/>
-            </a:prstGeom>
-          </p:spPr>
-          <p:style>
-            <a:lnRef idx="2">
-              <a:schemeClr val="dk1">
-                <a:shade val="15000"/>
-              </a:schemeClr>
-            </a:lnRef>
-            <a:fillRef idx="1">
-              <a:schemeClr val="dk1"/>
-            </a:fillRef>
-            <a:effectRef idx="0">
-              <a:schemeClr val="dk1"/>
-            </a:effectRef>
-            <a:fontRef idx="minor">
-              <a:schemeClr val="lt1"/>
-            </a:fontRef>
-          </p:style>
-          <p:txBody>
-            <a:bodyPr rtlCol="0" anchor="ctr"/>
-            <a:lstStyle/>
-            <a:p>
-              <a:pPr algn="ctr"/>
-              <a:r>
-                <a:rPr lang="en-US" sz="1200" dirty="0"/>
-                <a:t>Online Material</a:t>
-              </a:r>
-            </a:p>
-          </p:txBody>
-        </p:sp>
       </p:grpSp>
     </p:spTree>
     <p:extLst>
@@ -10748,19 +10745,7 @@
                                   <a:rPr lang="en-US" b="0" dirty="0" smtClean="0">
                                     <a:latin typeface="Cambria Math" panose="02040503050406030204" pitchFamily="18" charset="0"/>
                                   </a:rPr>
-                                  <m:t>0</m:t>
-                                </m:r>
-                                <m:r>
-                                  <a:rPr lang="en-US" b="0" dirty="0" smtClean="0">
-                                    <a:latin typeface="Cambria Math" panose="02040503050406030204" pitchFamily="18" charset="0"/>
-                                  </a:rPr>
-                                  <m:t>.</m:t>
-                                </m:r>
-                                <m:r>
-                                  <a:rPr lang="en-US" b="0" dirty="0" smtClean="0">
-                                    <a:latin typeface="Cambria Math" panose="02040503050406030204" pitchFamily="18" charset="0"/>
-                                  </a:rPr>
-                                  <m:t>7</m:t>
+                                  <m:t>0.7</m:t>
                                 </m:r>
                               </m:oMath>
                             </m:oMathPara>
@@ -10841,19 +10826,7 @@
                                   <a:rPr lang="en-US" b="0" dirty="0" smtClean="0">
                                     <a:latin typeface="Cambria Math" panose="02040503050406030204" pitchFamily="18" charset="0"/>
                                   </a:rPr>
-                                  <m:t>0</m:t>
-                                </m:r>
-                                <m:r>
-                                  <a:rPr lang="en-US" b="0" dirty="0" smtClean="0">
-                                    <a:latin typeface="Cambria Math" panose="02040503050406030204" pitchFamily="18" charset="0"/>
-                                  </a:rPr>
-                                  <m:t>.</m:t>
-                                </m:r>
-                                <m:r>
-                                  <a:rPr lang="en-US" b="0" dirty="0" smtClean="0">
-                                    <a:latin typeface="Cambria Math" panose="02040503050406030204" pitchFamily="18" charset="0"/>
-                                  </a:rPr>
-                                  <m:t>3</m:t>
+                                  <m:t>0.3</m:t>
                                 </m:r>
                               </m:oMath>
                             </m:oMathPara>
@@ -12510,28 +12483,7 @@
                         <a:latin typeface="Cambria Math" panose="02040503050406030204" pitchFamily="18" charset="0"/>
                         <a:ea typeface="Cambria Math" panose="02040503050406030204" pitchFamily="18" charset="0"/>
                       </a:rPr>
-                      <m:t>   =</m:t>
-                    </m:r>
-                    <m:r>
-                      <a:rPr lang="en-US" sz="2000" b="0" i="0" smtClean="0">
-                        <a:latin typeface="Cambria Math" panose="02040503050406030204" pitchFamily="18" charset="0"/>
-                        <a:ea typeface="Cambria Math" panose="02040503050406030204" pitchFamily="18" charset="0"/>
-                      </a:rPr>
-                      <m:t>0</m:t>
-                    </m:r>
-                    <m:r>
-                      <a:rPr lang="en-US" sz="2000" b="0" i="0" smtClean="0">
-                        <a:latin typeface="Cambria Math" panose="02040503050406030204" pitchFamily="18" charset="0"/>
-                        <a:ea typeface="Cambria Math" panose="02040503050406030204" pitchFamily="18" charset="0"/>
-                      </a:rPr>
-                      <m:t>.</m:t>
-                    </m:r>
-                    <m:r>
-                      <a:rPr lang="en-US" sz="2000" b="0" i="0" smtClean="0">
-                        <a:latin typeface="Cambria Math" panose="02040503050406030204" pitchFamily="18" charset="0"/>
-                        <a:ea typeface="Cambria Math" panose="02040503050406030204" pitchFamily="18" charset="0"/>
-                      </a:rPr>
-                      <m:t>7</m:t>
+                      <m:t>   =0.7</m:t>
                     </m:r>
                     <m:r>
                       <a:rPr lang="en-US" sz="2000" b="0" i="1" smtClean="0">
@@ -12545,63 +12497,14 @@
                         <a:latin typeface="Cambria Math" panose="02040503050406030204" pitchFamily="18" charset="0"/>
                         <a:ea typeface="Cambria Math" panose="02040503050406030204" pitchFamily="18" charset="0"/>
                       </a:rPr>
-                      <m:t>100</m:t>
-                    </m:r>
-                    <m:r>
-                      <a:rPr lang="en-US" sz="2000" b="0" i="0" smtClean="0">
-                        <a:latin typeface="Cambria Math" panose="02040503050406030204" pitchFamily="18" charset="0"/>
-                        <a:ea typeface="Cambria Math" panose="02040503050406030204" pitchFamily="18" charset="0"/>
-                      </a:rPr>
-                      <m:t>+</m:t>
-                    </m:r>
-                    <m:r>
-                      <a:rPr lang="en-US" sz="2000" b="0" i="0" smtClean="0">
-                        <a:latin typeface="Cambria Math" panose="02040503050406030204" pitchFamily="18" charset="0"/>
-                        <a:ea typeface="Cambria Math" panose="02040503050406030204" pitchFamily="18" charset="0"/>
-                      </a:rPr>
-                      <m:t>0</m:t>
-                    </m:r>
-                    <m:r>
-                      <a:rPr lang="en-US" sz="2000" b="0" i="0" smtClean="0">
-                        <a:latin typeface="Cambria Math" panose="02040503050406030204" pitchFamily="18" charset="0"/>
-                        <a:ea typeface="Cambria Math" panose="02040503050406030204" pitchFamily="18" charset="0"/>
-                      </a:rPr>
-                      <m:t>.</m:t>
-                    </m:r>
-                    <m:r>
-                      <a:rPr lang="en-US" sz="2000" b="0" i="0" smtClean="0">
-                        <a:latin typeface="Cambria Math" panose="02040503050406030204" pitchFamily="18" charset="0"/>
-                        <a:ea typeface="Cambria Math" panose="02040503050406030204" pitchFamily="18" charset="0"/>
-                      </a:rPr>
-                      <m:t>3</m:t>
+                      <m:t>100+0.3</m:t>
                     </m:r>
                     <m:r>
                       <a:rPr lang="en-US" sz="2000" b="0" i="1" smtClean="0">
                         <a:latin typeface="Cambria Math" panose="02040503050406030204" pitchFamily="18" charset="0"/>
                         <a:ea typeface="Cambria Math" panose="02040503050406030204" pitchFamily="18" charset="0"/>
                       </a:rPr>
-                      <m:t>∙</m:t>
-                    </m:r>
-                    <m:r>
-                      <a:rPr lang="en-US" sz="2000" b="0" i="1" smtClean="0">
-                        <a:latin typeface="Cambria Math" panose="02040503050406030204" pitchFamily="18" charset="0"/>
-                        <a:ea typeface="Cambria Math" panose="02040503050406030204" pitchFamily="18" charset="0"/>
-                      </a:rPr>
-                      <m:t>0</m:t>
-                    </m:r>
-                    <m:r>
-                      <a:rPr lang="en-US" sz="2000" b="0" i="1" smtClean="0">
-                        <a:latin typeface="Cambria Math" panose="02040503050406030204" pitchFamily="18" charset="0"/>
-                        <a:ea typeface="Cambria Math" panose="02040503050406030204" pitchFamily="18" charset="0"/>
-                      </a:rPr>
-                      <m:t>=</m:t>
-                    </m:r>
-                    <m:r>
-                      <a:rPr lang="en-US" sz="2000" b="0" i="1" smtClean="0">
-                        <a:latin typeface="Cambria Math" panose="02040503050406030204" pitchFamily="18" charset="0"/>
-                        <a:ea typeface="Cambria Math" panose="02040503050406030204" pitchFamily="18" charset="0"/>
-                      </a:rPr>
-                      <m:t>70</m:t>
+                      <m:t>∙0=70</m:t>
                     </m:r>
                   </m:oMath>
                 </a14:m>
@@ -12985,28 +12888,7 @@
                         <a:latin typeface="Cambria Math" panose="02040503050406030204" pitchFamily="18" charset="0"/>
                         <a:ea typeface="Cambria Math" panose="02040503050406030204" pitchFamily="18" charset="0"/>
                       </a:rPr>
-                      <m:t>   =</m:t>
-                    </m:r>
-                    <m:r>
-                      <a:rPr lang="en-US" sz="2000" b="0" i="0" smtClean="0">
-                        <a:latin typeface="Cambria Math" panose="02040503050406030204" pitchFamily="18" charset="0"/>
-                        <a:ea typeface="Cambria Math" panose="02040503050406030204" pitchFamily="18" charset="0"/>
-                      </a:rPr>
-                      <m:t>0</m:t>
-                    </m:r>
-                    <m:r>
-                      <a:rPr lang="en-US" sz="2000" b="0" i="0" smtClean="0">
-                        <a:latin typeface="Cambria Math" panose="02040503050406030204" pitchFamily="18" charset="0"/>
-                        <a:ea typeface="Cambria Math" panose="02040503050406030204" pitchFamily="18" charset="0"/>
-                      </a:rPr>
-                      <m:t>.</m:t>
-                    </m:r>
-                    <m:r>
-                      <a:rPr lang="en-US" sz="2000" b="0" i="0" smtClean="0">
-                        <a:latin typeface="Cambria Math" panose="02040503050406030204" pitchFamily="18" charset="0"/>
-                        <a:ea typeface="Cambria Math" panose="02040503050406030204" pitchFamily="18" charset="0"/>
-                      </a:rPr>
-                      <m:t>7</m:t>
+                      <m:t>   =0.7</m:t>
                     </m:r>
                     <m:r>
                       <a:rPr lang="en-US" sz="2000" b="0" i="1" smtClean="0">
@@ -13020,63 +12902,14 @@
                         <a:latin typeface="Cambria Math" panose="02040503050406030204" pitchFamily="18" charset="0"/>
                         <a:ea typeface="Cambria Math" panose="02040503050406030204" pitchFamily="18" charset="0"/>
                       </a:rPr>
-                      <m:t>20</m:t>
-                    </m:r>
-                    <m:r>
-                      <a:rPr lang="en-US" sz="2000" b="0" i="0" smtClean="0">
-                        <a:latin typeface="Cambria Math" panose="02040503050406030204" pitchFamily="18" charset="0"/>
-                        <a:ea typeface="Cambria Math" panose="02040503050406030204" pitchFamily="18" charset="0"/>
-                      </a:rPr>
-                      <m:t>+</m:t>
-                    </m:r>
-                    <m:r>
-                      <a:rPr lang="en-US" sz="2000" b="0" i="0" smtClean="0">
-                        <a:latin typeface="Cambria Math" panose="02040503050406030204" pitchFamily="18" charset="0"/>
-                        <a:ea typeface="Cambria Math" panose="02040503050406030204" pitchFamily="18" charset="0"/>
-                      </a:rPr>
-                      <m:t>0</m:t>
-                    </m:r>
-                    <m:r>
-                      <a:rPr lang="en-US" sz="2000" b="0" i="0" smtClean="0">
-                        <a:latin typeface="Cambria Math" panose="02040503050406030204" pitchFamily="18" charset="0"/>
-                        <a:ea typeface="Cambria Math" panose="02040503050406030204" pitchFamily="18" charset="0"/>
-                      </a:rPr>
-                      <m:t>.</m:t>
-                    </m:r>
-                    <m:r>
-                      <a:rPr lang="en-US" sz="2000" b="0" i="0" smtClean="0">
-                        <a:latin typeface="Cambria Math" panose="02040503050406030204" pitchFamily="18" charset="0"/>
-                        <a:ea typeface="Cambria Math" panose="02040503050406030204" pitchFamily="18" charset="0"/>
-                      </a:rPr>
-                      <m:t>3</m:t>
+                      <m:t>20+0.3</m:t>
                     </m:r>
                     <m:r>
                       <a:rPr lang="en-US" sz="2000" b="0" i="1" smtClean="0">
                         <a:latin typeface="Cambria Math" panose="02040503050406030204" pitchFamily="18" charset="0"/>
                         <a:ea typeface="Cambria Math" panose="02040503050406030204" pitchFamily="18" charset="0"/>
                       </a:rPr>
-                      <m:t>∙</m:t>
-                    </m:r>
-                    <m:r>
-                      <a:rPr lang="en-US" sz="2000" b="0" i="1" smtClean="0">
-                        <a:latin typeface="Cambria Math" panose="02040503050406030204" pitchFamily="18" charset="0"/>
-                        <a:ea typeface="Cambria Math" panose="02040503050406030204" pitchFamily="18" charset="0"/>
-                      </a:rPr>
-                      <m:t>70</m:t>
-                    </m:r>
-                    <m:r>
-                      <a:rPr lang="en-US" sz="2000" b="0" i="1" smtClean="0">
-                        <a:latin typeface="Cambria Math" panose="02040503050406030204" pitchFamily="18" charset="0"/>
-                        <a:ea typeface="Cambria Math" panose="02040503050406030204" pitchFamily="18" charset="0"/>
-                      </a:rPr>
-                      <m:t>=</m:t>
-                    </m:r>
-                    <m:r>
-                      <a:rPr lang="en-US" sz="2000" b="0" i="1" smtClean="0">
-                        <a:latin typeface="Cambria Math" panose="02040503050406030204" pitchFamily="18" charset="0"/>
-                        <a:ea typeface="Cambria Math" panose="02040503050406030204" pitchFamily="18" charset="0"/>
-                      </a:rPr>
-                      <m:t>35</m:t>
+                      <m:t>∙70=35</m:t>
                     </m:r>
                   </m:oMath>
                 </a14:m>
@@ -13493,15 +13326,7 @@
                           <a:ea typeface="Cambria Math" panose="02040503050406030204" pitchFamily="18" charset="0"/>
                           <a:cs typeface="Calibri"/>
                         </a:rPr>
-                        <m:t>=</m:t>
-                      </m:r>
-                      <m:r>
-                        <a:rPr lang="en-US" sz="1800" b="0" i="0" smtClean="0">
-                          <a:latin typeface="Cambria Math" panose="02040503050406030204" pitchFamily="18" charset="0"/>
-                          <a:ea typeface="Cambria Math" panose="02040503050406030204" pitchFamily="18" charset="0"/>
-                          <a:cs typeface="Calibri"/>
-                        </a:rPr>
-                        <m:t>70</m:t>
+                        <m:t>=70</m:t>
                       </m:r>
                     </m:oMath>
                   </m:oMathPara>

--- a/slides/16_decision_making.pptx
+++ b/slides/16_decision_making.pptx
@@ -5434,7 +5434,7 @@
           <a:p>
             <a:fld id="{CDFB1A35-FCF7-4D0C-AE83-400D24256912}" type="datetimeFigureOut">
               <a:rPr lang="en-US" smtClean="0"/>
-              <a:t>4/7/2025</a:t>
+              <a:t>4/16/2025</a:t>
             </a:fld>
             <a:endParaRPr lang="en-US"/>
           </a:p>
@@ -5774,8 +5774,8 @@
           <a:lstStyle/>
           <a:p>
             <a:r>
-              <a:rPr lang="en-US">
-                <a:latin typeface="Arial" pitchFamily="34" charset="0"/>
+              <a:rPr lang="en-US" dirty="0">
+                <a:latin typeface="Calibri" panose="020F0502020204030204" pitchFamily="34" charset="0"/>
                 <a:ea typeface="ＭＳ Ｐゴシック" pitchFamily="34" charset="-128"/>
               </a:rPr>
               <a:t>There exists a ghostbusters demo</a:t>
@@ -5928,11 +5928,15 @@
           <a:p>
             <a:pPr eaLnBrk="1" hangingPunct="1"/>
             <a:fld id="{999ECC27-508E-4753-97C7-4AB399A8CBA1}" type="slidenum">
-              <a:rPr lang="en-US" sz="1300"/>
+              <a:rPr lang="en-US" sz="1300">
+                <a:latin typeface="Calibri" panose="020F0502020204030204" pitchFamily="34" charset="0"/>
+              </a:rPr>
               <a:pPr eaLnBrk="1" hangingPunct="1"/>
               <a:t>8</a:t>
             </a:fld>
-            <a:endParaRPr lang="en-US" sz="1300"/>
+            <a:endParaRPr lang="en-US" sz="1300" dirty="0">
+              <a:latin typeface="Calibri" panose="020F0502020204030204" pitchFamily="34" charset="0"/>
+            </a:endParaRPr>
           </a:p>
         </p:txBody>
       </p:sp>
@@ -6017,8 +6021,8 @@
           <a:lstStyle/>
           <a:p>
             <a:r>
-              <a:rPr lang="en-US">
-                <a:latin typeface="Arial" pitchFamily="34" charset="0"/>
+              <a:rPr lang="en-US" dirty="0">
+                <a:latin typeface="Calibri" panose="020F0502020204030204" pitchFamily="34" charset="0"/>
                 <a:ea typeface="ＭＳ Ｐゴシック" pitchFamily="34" charset="-128"/>
               </a:rPr>
               <a:t>There exists a ghostbusters demo</a:t>
@@ -6171,11 +6175,15 @@
           <a:p>
             <a:pPr eaLnBrk="1" hangingPunct="1"/>
             <a:fld id="{999ECC27-508E-4753-97C7-4AB399A8CBA1}" type="slidenum">
-              <a:rPr lang="en-US" sz="1300"/>
+              <a:rPr lang="en-US" sz="1300">
+                <a:latin typeface="Calibri" panose="020F0502020204030204" pitchFamily="34" charset="0"/>
+              </a:rPr>
               <a:pPr eaLnBrk="1" hangingPunct="1"/>
               <a:t>9</a:t>
             </a:fld>
-            <a:endParaRPr lang="en-US" sz="1300"/>
+            <a:endParaRPr lang="en-US" sz="1300" dirty="0">
+              <a:latin typeface="Calibri" panose="020F0502020204030204" pitchFamily="34" charset="0"/>
+            </a:endParaRPr>
           </a:p>
         </p:txBody>
       </p:sp>
@@ -6260,8 +6268,8 @@
           <a:lstStyle/>
           <a:p>
             <a:r>
-              <a:rPr lang="en-US">
-                <a:latin typeface="Arial" pitchFamily="34" charset="0"/>
+              <a:rPr lang="en-US" dirty="0">
+                <a:latin typeface="Calibri" panose="020F0502020204030204" pitchFamily="34" charset="0"/>
                 <a:ea typeface="ＭＳ Ｐゴシック" pitchFamily="34" charset="-128"/>
               </a:rPr>
               <a:t>There exists a ghostbusters demo</a:t>
@@ -6414,11 +6422,15 @@
           <a:p>
             <a:pPr eaLnBrk="1" hangingPunct="1"/>
             <a:fld id="{999ECC27-508E-4753-97C7-4AB399A8CBA1}" type="slidenum">
-              <a:rPr lang="en-US" sz="1300"/>
+              <a:rPr lang="en-US" sz="1300">
+                <a:latin typeface="Calibri" panose="020F0502020204030204" pitchFamily="34" charset="0"/>
+              </a:rPr>
               <a:pPr eaLnBrk="1" hangingPunct="1"/>
               <a:t>10</a:t>
             </a:fld>
-            <a:endParaRPr lang="en-US" sz="1300"/>
+            <a:endParaRPr lang="en-US" sz="1300" dirty="0">
+              <a:latin typeface="Calibri" panose="020F0502020204030204" pitchFamily="34" charset="0"/>
+            </a:endParaRPr>
           </a:p>
         </p:txBody>
       </p:sp>
@@ -6577,7 +6589,7 @@
           <a:p>
             <a:fld id="{16A8CD98-EF2C-4EFD-A320-0FD1E700AB34}" type="datetimeFigureOut">
               <a:rPr lang="en-US" smtClean="0"/>
-              <a:t>4/7/2025</a:t>
+              <a:t>4/16/2025</a:t>
             </a:fld>
             <a:endParaRPr lang="en-US"/>
           </a:p>
@@ -6775,7 +6787,7 @@
           <a:p>
             <a:fld id="{16A8CD98-EF2C-4EFD-A320-0FD1E700AB34}" type="datetimeFigureOut">
               <a:rPr lang="en-US" smtClean="0"/>
-              <a:t>4/7/2025</a:t>
+              <a:t>4/16/2025</a:t>
             </a:fld>
             <a:endParaRPr lang="en-US"/>
           </a:p>
@@ -6983,7 +6995,7 @@
           <a:p>
             <a:fld id="{16A8CD98-EF2C-4EFD-A320-0FD1E700AB34}" type="datetimeFigureOut">
               <a:rPr lang="en-US" smtClean="0"/>
-              <a:t>4/7/2025</a:t>
+              <a:t>4/16/2025</a:t>
             </a:fld>
             <a:endParaRPr lang="en-US"/>
           </a:p>
@@ -7181,7 +7193,7 @@
           <a:p>
             <a:fld id="{16A8CD98-EF2C-4EFD-A320-0FD1E700AB34}" type="datetimeFigureOut">
               <a:rPr lang="en-US" smtClean="0"/>
-              <a:t>4/7/2025</a:t>
+              <a:t>4/16/2025</a:t>
             </a:fld>
             <a:endParaRPr lang="en-US"/>
           </a:p>
@@ -7456,7 +7468,7 @@
           <a:p>
             <a:fld id="{16A8CD98-EF2C-4EFD-A320-0FD1E700AB34}" type="datetimeFigureOut">
               <a:rPr lang="en-US" smtClean="0"/>
-              <a:t>4/7/2025</a:t>
+              <a:t>4/16/2025</a:t>
             </a:fld>
             <a:endParaRPr lang="en-US"/>
           </a:p>
@@ -7721,7 +7733,7 @@
           <a:p>
             <a:fld id="{16A8CD98-EF2C-4EFD-A320-0FD1E700AB34}" type="datetimeFigureOut">
               <a:rPr lang="en-US" smtClean="0"/>
-              <a:t>4/7/2025</a:t>
+              <a:t>4/16/2025</a:t>
             </a:fld>
             <a:endParaRPr lang="en-US"/>
           </a:p>
@@ -8133,7 +8145,7 @@
           <a:p>
             <a:fld id="{16A8CD98-EF2C-4EFD-A320-0FD1E700AB34}" type="datetimeFigureOut">
               <a:rPr lang="en-US" smtClean="0"/>
-              <a:t>4/7/2025</a:t>
+              <a:t>4/16/2025</a:t>
             </a:fld>
             <a:endParaRPr lang="en-US"/>
           </a:p>
@@ -8274,7 +8286,7 @@
           <a:p>
             <a:fld id="{16A8CD98-EF2C-4EFD-A320-0FD1E700AB34}" type="datetimeFigureOut">
               <a:rPr lang="en-US" smtClean="0"/>
-              <a:t>4/7/2025</a:t>
+              <a:t>4/16/2025</a:t>
             </a:fld>
             <a:endParaRPr lang="en-US"/>
           </a:p>
@@ -8387,7 +8399,7 @@
           <a:p>
             <a:fld id="{16A8CD98-EF2C-4EFD-A320-0FD1E700AB34}" type="datetimeFigureOut">
               <a:rPr lang="en-US" smtClean="0"/>
-              <a:t>4/7/2025</a:t>
+              <a:t>4/16/2025</a:t>
             </a:fld>
             <a:endParaRPr lang="en-US"/>
           </a:p>
@@ -8698,7 +8710,7 @@
           <a:p>
             <a:fld id="{16A8CD98-EF2C-4EFD-A320-0FD1E700AB34}" type="datetimeFigureOut">
               <a:rPr lang="en-US" smtClean="0"/>
-              <a:t>4/7/2025</a:t>
+              <a:t>4/16/2025</a:t>
             </a:fld>
             <a:endParaRPr lang="en-US"/>
           </a:p>
@@ -8986,7 +8998,7 @@
           <a:p>
             <a:fld id="{16A8CD98-EF2C-4EFD-A320-0FD1E700AB34}" type="datetimeFigureOut">
               <a:rPr lang="en-US" smtClean="0"/>
-              <a:t>4/7/2025</a:t>
+              <a:t>4/16/2025</a:t>
             </a:fld>
             <a:endParaRPr lang="en-US"/>
           </a:p>
@@ -9227,7 +9239,7 @@
           <a:p>
             <a:fld id="{16A8CD98-EF2C-4EFD-A320-0FD1E700AB34}" type="datetimeFigureOut">
               <a:rPr lang="en-US" smtClean="0"/>
-              <a:t>4/7/2025</a:t>
+              <a:t>4/16/2025</a:t>
             </a:fld>
             <a:endParaRPr lang="en-US"/>
           </a:p>
@@ -9739,7 +9751,7 @@
         </p:blipFill>
         <p:spPr bwMode="auto">
           <a:xfrm>
-            <a:off x="5038282" y="410620"/>
+            <a:off x="4971501" y="410620"/>
             <a:ext cx="7215097" cy="5708138"/>
           </a:xfrm>
           <a:prstGeom prst="rect">
@@ -9898,6 +9910,13 @@
             </a:br>
             <a:r>
               <a:rPr lang="en-US" sz="3600" b="1" dirty="0"/>
+              <a:t>(Decision Networks)</a:t>
+            </a:r>
+            <a:br>
+              <a:rPr lang="en-US" sz="3600" b="1" dirty="0"/>
+            </a:br>
+            <a:r>
+              <a:rPr lang="en-US" sz="3600" b="1" dirty="0"/>
               <a:t>AIMA Chapter 16</a:t>
             </a:r>
           </a:p>
@@ -9943,6 +9962,9 @@
               <a:rPr lang="en-US" sz="1800" dirty="0"/>
               <a:t>Decision network slides by </a:t>
             </a:r>
+            <a:br>
+              <a:rPr lang="en-US" sz="1800" dirty="0"/>
+            </a:br>
             <a:r>
               <a:rPr lang="en-US" sz="1800" kern="1200" dirty="0">
                 <a:solidFill>
@@ -10147,10 +10169,10 @@
         </p:nvGrpSpPr>
         <p:grpSpPr>
           <a:xfrm>
-            <a:off x="10608421" y="5113187"/>
-            <a:ext cx="1218146" cy="1440289"/>
-            <a:chOff x="7151029" y="4191000"/>
-            <a:chExt cx="1688171" cy="1981200"/>
+            <a:off x="10616913" y="5113187"/>
+            <a:ext cx="1209652" cy="1440289"/>
+            <a:chOff x="7162800" y="4191000"/>
+            <a:chExt cx="1676400" cy="1981200"/>
           </a:xfrm>
         </p:grpSpPr>
         <p:sp>
@@ -10248,8 +10270,8 @@
           </p:nvSpPr>
           <p:spPr>
             <a:xfrm>
-              <a:off x="7151029" y="5812970"/>
-              <a:ext cx="1676400" cy="359230"/>
+              <a:off x="7162800" y="5812970"/>
+              <a:ext cx="1664628" cy="359230"/>
             </a:xfrm>
             <a:prstGeom prst="rect">
               <a:avLst/>
@@ -10340,7 +10362,7 @@
                     </a:schemeClr>
                   </a:solidFill>
                   <a:effectLst/>
-                  <a:latin typeface="source sans pro" panose="020B0503030403020204" pitchFamily="34" charset="0"/>
+                  <a:latin typeface="Calibri" panose="020F0502020204030204" pitchFamily="34" charset="0"/>
                 </a:rPr>
                 <a:t>This work is licensed under a </a:t>
               </a:r>
@@ -10352,7 +10374,7 @@
                     </a:schemeClr>
                   </a:solidFill>
                   <a:effectLst/>
-                  <a:latin typeface="source sans pro" panose="020B0503030403020204" pitchFamily="34" charset="0"/>
+                  <a:latin typeface="Calibri" panose="020F0502020204030204" pitchFamily="34" charset="0"/>
                   <a:hlinkClick r:id="rId4">
                     <a:extLst>
                       <a:ext uri="{A12FA001-AC4F-418D-AE19-62706E023703}">
@@ -10371,7 +10393,7 @@
                     </a:schemeClr>
                   </a:solidFill>
                   <a:effectLst/>
-                  <a:latin typeface="source sans pro" panose="020B0503030403020204" pitchFamily="34" charset="0"/>
+                  <a:latin typeface="Calibri" panose="020F0502020204030204" pitchFamily="34" charset="0"/>
                   <a:hlinkClick r:id="rId4">
                     <a:extLst>
                       <a:ext uri="{A12FA001-AC4F-418D-AE19-62706E023703}">
@@ -10390,7 +10412,7 @@
                     </a:schemeClr>
                   </a:solidFill>
                   <a:effectLst/>
-                  <a:latin typeface="source sans pro" panose="020B0503030403020204" pitchFamily="34" charset="0"/>
+                  <a:latin typeface="Calibri" panose="020F0502020204030204" pitchFamily="34" charset="0"/>
                   <a:hlinkClick r:id="rId4">
                     <a:extLst>
                       <a:ext uri="{A12FA001-AC4F-418D-AE19-62706E023703}">
@@ -10409,7 +10431,7 @@
                     </a:schemeClr>
                   </a:solidFill>
                   <a:effectLst/>
-                  <a:latin typeface="source sans pro" panose="020B0503030403020204" pitchFamily="34" charset="0"/>
+                  <a:latin typeface="Calibri" panose="020F0502020204030204" pitchFamily="34" charset="0"/>
                 </a:rPr>
                 <a:t>.</a:t>
               </a:r>
@@ -10745,7 +10767,19 @@
                                   <a:rPr lang="en-US" b="0" dirty="0" smtClean="0">
                                     <a:latin typeface="Cambria Math" panose="02040503050406030204" pitchFamily="18" charset="0"/>
                                   </a:rPr>
-                                  <m:t>0.7</m:t>
+                                  <m:t>0</m:t>
+                                </m:r>
+                                <m:r>
+                                  <a:rPr lang="en-US" b="0" dirty="0" smtClean="0">
+                                    <a:latin typeface="Cambria Math" panose="02040503050406030204" pitchFamily="18" charset="0"/>
+                                  </a:rPr>
+                                  <m:t>.</m:t>
+                                </m:r>
+                                <m:r>
+                                  <a:rPr lang="en-US" b="0" dirty="0" smtClean="0">
+                                    <a:latin typeface="Cambria Math" panose="02040503050406030204" pitchFamily="18" charset="0"/>
+                                  </a:rPr>
+                                  <m:t>7</m:t>
                                 </m:r>
                               </m:oMath>
                             </m:oMathPara>
@@ -10826,7 +10860,19 @@
                                   <a:rPr lang="en-US" b="0" dirty="0" smtClean="0">
                                     <a:latin typeface="Cambria Math" panose="02040503050406030204" pitchFamily="18" charset="0"/>
                                   </a:rPr>
-                                  <m:t>0.3</m:t>
+                                  <m:t>0</m:t>
+                                </m:r>
+                                <m:r>
+                                  <a:rPr lang="en-US" b="0" dirty="0" smtClean="0">
+                                    <a:latin typeface="Cambria Math" panose="02040503050406030204" pitchFamily="18" charset="0"/>
+                                  </a:rPr>
+                                  <m:t>.</m:t>
+                                </m:r>
+                                <m:r>
+                                  <a:rPr lang="en-US" b="0" dirty="0" smtClean="0">
+                                    <a:latin typeface="Cambria Math" panose="02040503050406030204" pitchFamily="18" charset="0"/>
+                                  </a:rPr>
+                                  <m:t>3</m:t>
                                 </m:r>
                               </m:oMath>
                             </m:oMathPara>
@@ -12466,12 +12512,14 @@
                   </m:oMathPara>
                 </a14:m>
                 <a:endParaRPr lang="en-US" sz="2000" dirty="0">
+                  <a:latin typeface="Calibri" panose="020F0502020204030204" pitchFamily="34" charset="0"/>
                   <a:ea typeface="Cambria Math" panose="02040503050406030204" pitchFamily="18" charset="0"/>
                 </a:endParaRPr>
               </a:p>
               <a:p>
                 <a:r>
                   <a:rPr lang="en-US" sz="2000" b="0" dirty="0">
+                    <a:latin typeface="Calibri" panose="020F0502020204030204" pitchFamily="34" charset="0"/>
                     <a:ea typeface="Cambria Math" panose="02040503050406030204" pitchFamily="18" charset="0"/>
                   </a:rPr>
                   <a:t>	       </a:t>
@@ -12483,7 +12531,28 @@
                         <a:latin typeface="Cambria Math" panose="02040503050406030204" pitchFamily="18" charset="0"/>
                         <a:ea typeface="Cambria Math" panose="02040503050406030204" pitchFamily="18" charset="0"/>
                       </a:rPr>
-                      <m:t>   =0.7</m:t>
+                      <m:t>   =</m:t>
+                    </m:r>
+                    <m:r>
+                      <a:rPr lang="en-US" sz="2000" b="0" i="0" smtClean="0">
+                        <a:latin typeface="Cambria Math" panose="02040503050406030204" pitchFamily="18" charset="0"/>
+                        <a:ea typeface="Cambria Math" panose="02040503050406030204" pitchFamily="18" charset="0"/>
+                      </a:rPr>
+                      <m:t>0</m:t>
+                    </m:r>
+                    <m:r>
+                      <a:rPr lang="en-US" sz="2000" b="0" i="0" smtClean="0">
+                        <a:latin typeface="Cambria Math" panose="02040503050406030204" pitchFamily="18" charset="0"/>
+                        <a:ea typeface="Cambria Math" panose="02040503050406030204" pitchFamily="18" charset="0"/>
+                      </a:rPr>
+                      <m:t>.</m:t>
+                    </m:r>
+                    <m:r>
+                      <a:rPr lang="en-US" sz="2000" b="0" i="0" smtClean="0">
+                        <a:latin typeface="Cambria Math" panose="02040503050406030204" pitchFamily="18" charset="0"/>
+                        <a:ea typeface="Cambria Math" panose="02040503050406030204" pitchFamily="18" charset="0"/>
+                      </a:rPr>
+                      <m:t>7</m:t>
                     </m:r>
                     <m:r>
                       <a:rPr lang="en-US" sz="2000" b="0" i="1" smtClean="0">
@@ -12497,18 +12566,69 @@
                         <a:latin typeface="Cambria Math" panose="02040503050406030204" pitchFamily="18" charset="0"/>
                         <a:ea typeface="Cambria Math" panose="02040503050406030204" pitchFamily="18" charset="0"/>
                       </a:rPr>
-                      <m:t>100+0.3</m:t>
+                      <m:t>100</m:t>
+                    </m:r>
+                    <m:r>
+                      <a:rPr lang="en-US" sz="2000" b="0" i="0" smtClean="0">
+                        <a:latin typeface="Cambria Math" panose="02040503050406030204" pitchFamily="18" charset="0"/>
+                        <a:ea typeface="Cambria Math" panose="02040503050406030204" pitchFamily="18" charset="0"/>
+                      </a:rPr>
+                      <m:t>+</m:t>
+                    </m:r>
+                    <m:r>
+                      <a:rPr lang="en-US" sz="2000" b="0" i="0" smtClean="0">
+                        <a:latin typeface="Cambria Math" panose="02040503050406030204" pitchFamily="18" charset="0"/>
+                        <a:ea typeface="Cambria Math" panose="02040503050406030204" pitchFamily="18" charset="0"/>
+                      </a:rPr>
+                      <m:t>0</m:t>
+                    </m:r>
+                    <m:r>
+                      <a:rPr lang="en-US" sz="2000" b="0" i="0" smtClean="0">
+                        <a:latin typeface="Cambria Math" panose="02040503050406030204" pitchFamily="18" charset="0"/>
+                        <a:ea typeface="Cambria Math" panose="02040503050406030204" pitchFamily="18" charset="0"/>
+                      </a:rPr>
+                      <m:t>.</m:t>
+                    </m:r>
+                    <m:r>
+                      <a:rPr lang="en-US" sz="2000" b="0" i="0" smtClean="0">
+                        <a:latin typeface="Cambria Math" panose="02040503050406030204" pitchFamily="18" charset="0"/>
+                        <a:ea typeface="Cambria Math" panose="02040503050406030204" pitchFamily="18" charset="0"/>
+                      </a:rPr>
+                      <m:t>3</m:t>
                     </m:r>
                     <m:r>
                       <a:rPr lang="en-US" sz="2000" b="0" i="1" smtClean="0">
                         <a:latin typeface="Cambria Math" panose="02040503050406030204" pitchFamily="18" charset="0"/>
                         <a:ea typeface="Cambria Math" panose="02040503050406030204" pitchFamily="18" charset="0"/>
                       </a:rPr>
-                      <m:t>∙0=70</m:t>
+                      <m:t>∙</m:t>
+                    </m:r>
+                    <m:r>
+                      <a:rPr lang="en-US" sz="2000" b="0" i="1" smtClean="0">
+                        <a:latin typeface="Cambria Math" panose="02040503050406030204" pitchFamily="18" charset="0"/>
+                        <a:ea typeface="Cambria Math" panose="02040503050406030204" pitchFamily="18" charset="0"/>
+                      </a:rPr>
+                      <m:t>0</m:t>
+                    </m:r>
+                    <m:r>
+                      <a:rPr lang="en-US" sz="2000" b="0" i="1" smtClean="0">
+                        <a:latin typeface="Cambria Math" panose="02040503050406030204" pitchFamily="18" charset="0"/>
+                        <a:ea typeface="Cambria Math" panose="02040503050406030204" pitchFamily="18" charset="0"/>
+                      </a:rPr>
+                      <m:t>=</m:t>
+                    </m:r>
+                    <m:r>
+                      <a:rPr lang="en-US" sz="2000" b="0" i="1" smtClean="0">
+                        <a:latin typeface="Cambria Math" panose="02040503050406030204" pitchFamily="18" charset="0"/>
+                        <a:ea typeface="Cambria Math" panose="02040503050406030204" pitchFamily="18" charset="0"/>
+                      </a:rPr>
+                      <m:t>70</m:t>
                     </m:r>
                   </m:oMath>
                 </a14:m>
-                <a:endParaRPr lang="en-US" sz="2000" dirty="0"/>
+                <a:endParaRPr lang="en-US" sz="2000" dirty="0">
+                  <a:latin typeface="Calibri" panose="020F0502020204030204" pitchFamily="34" charset="0"/>
+                </a:endParaRPr>
               </a:p>
             </p:txBody>
           </p:sp>
@@ -12531,7 +12651,7 @@
                 <a:avLst/>
               </a:prstGeom>
               <a:blipFill>
-                <a:blip r:embed="rId4"/>
+                <a:blip r:embed="rId9"/>
                 <a:stretch>
                   <a:fillRect l="-1047" t="-2575"/>
                 </a:stretch>
@@ -12871,12 +12991,14 @@
                   </m:oMathPara>
                 </a14:m>
                 <a:endParaRPr lang="en-US" sz="2000" dirty="0">
+                  <a:latin typeface="Calibri" panose="020F0502020204030204" pitchFamily="34" charset="0"/>
                   <a:ea typeface="Cambria Math" panose="02040503050406030204" pitchFamily="18" charset="0"/>
                 </a:endParaRPr>
               </a:p>
               <a:p>
                 <a:r>
                   <a:rPr lang="en-US" sz="2000" b="0" dirty="0">
+                    <a:latin typeface="Calibri" panose="020F0502020204030204" pitchFamily="34" charset="0"/>
                     <a:ea typeface="Cambria Math" panose="02040503050406030204" pitchFamily="18" charset="0"/>
                   </a:rPr>
                   <a:t>	       </a:t>
@@ -12888,7 +13010,28 @@
                         <a:latin typeface="Cambria Math" panose="02040503050406030204" pitchFamily="18" charset="0"/>
                         <a:ea typeface="Cambria Math" panose="02040503050406030204" pitchFamily="18" charset="0"/>
                       </a:rPr>
-                      <m:t>   =0.7</m:t>
+                      <m:t>   =</m:t>
+                    </m:r>
+                    <m:r>
+                      <a:rPr lang="en-US" sz="2000" b="0" i="0" smtClean="0">
+                        <a:latin typeface="Cambria Math" panose="02040503050406030204" pitchFamily="18" charset="0"/>
+                        <a:ea typeface="Cambria Math" panose="02040503050406030204" pitchFamily="18" charset="0"/>
+                      </a:rPr>
+                      <m:t>0</m:t>
+                    </m:r>
+                    <m:r>
+                      <a:rPr lang="en-US" sz="2000" b="0" i="0" smtClean="0">
+                        <a:latin typeface="Cambria Math" panose="02040503050406030204" pitchFamily="18" charset="0"/>
+                        <a:ea typeface="Cambria Math" panose="02040503050406030204" pitchFamily="18" charset="0"/>
+                      </a:rPr>
+                      <m:t>.</m:t>
+                    </m:r>
+                    <m:r>
+                      <a:rPr lang="en-US" sz="2000" b="0" i="0" smtClean="0">
+                        <a:latin typeface="Cambria Math" panose="02040503050406030204" pitchFamily="18" charset="0"/>
+                        <a:ea typeface="Cambria Math" panose="02040503050406030204" pitchFamily="18" charset="0"/>
+                      </a:rPr>
+                      <m:t>7</m:t>
                     </m:r>
                     <m:r>
                       <a:rPr lang="en-US" sz="2000" b="0" i="1" smtClean="0">
@@ -12902,18 +13045,69 @@
                         <a:latin typeface="Cambria Math" panose="02040503050406030204" pitchFamily="18" charset="0"/>
                         <a:ea typeface="Cambria Math" panose="02040503050406030204" pitchFamily="18" charset="0"/>
                       </a:rPr>
-                      <m:t>20+0.3</m:t>
+                      <m:t>20</m:t>
+                    </m:r>
+                    <m:r>
+                      <a:rPr lang="en-US" sz="2000" b="0" i="0" smtClean="0">
+                        <a:latin typeface="Cambria Math" panose="02040503050406030204" pitchFamily="18" charset="0"/>
+                        <a:ea typeface="Cambria Math" panose="02040503050406030204" pitchFamily="18" charset="0"/>
+                      </a:rPr>
+                      <m:t>+</m:t>
+                    </m:r>
+                    <m:r>
+                      <a:rPr lang="en-US" sz="2000" b="0" i="0" smtClean="0">
+                        <a:latin typeface="Cambria Math" panose="02040503050406030204" pitchFamily="18" charset="0"/>
+                        <a:ea typeface="Cambria Math" panose="02040503050406030204" pitchFamily="18" charset="0"/>
+                      </a:rPr>
+                      <m:t>0</m:t>
+                    </m:r>
+                    <m:r>
+                      <a:rPr lang="en-US" sz="2000" b="0" i="0" smtClean="0">
+                        <a:latin typeface="Cambria Math" panose="02040503050406030204" pitchFamily="18" charset="0"/>
+                        <a:ea typeface="Cambria Math" panose="02040503050406030204" pitchFamily="18" charset="0"/>
+                      </a:rPr>
+                      <m:t>.</m:t>
+                    </m:r>
+                    <m:r>
+                      <a:rPr lang="en-US" sz="2000" b="0" i="0" smtClean="0">
+                        <a:latin typeface="Cambria Math" panose="02040503050406030204" pitchFamily="18" charset="0"/>
+                        <a:ea typeface="Cambria Math" panose="02040503050406030204" pitchFamily="18" charset="0"/>
+                      </a:rPr>
+                      <m:t>3</m:t>
                     </m:r>
                     <m:r>
                       <a:rPr lang="en-US" sz="2000" b="0" i="1" smtClean="0">
                         <a:latin typeface="Cambria Math" panose="02040503050406030204" pitchFamily="18" charset="0"/>
                         <a:ea typeface="Cambria Math" panose="02040503050406030204" pitchFamily="18" charset="0"/>
                       </a:rPr>
-                      <m:t>∙70=35</m:t>
+                      <m:t>∙</m:t>
+                    </m:r>
+                    <m:r>
+                      <a:rPr lang="en-US" sz="2000" b="0" i="1" smtClean="0">
+                        <a:latin typeface="Cambria Math" panose="02040503050406030204" pitchFamily="18" charset="0"/>
+                        <a:ea typeface="Cambria Math" panose="02040503050406030204" pitchFamily="18" charset="0"/>
+                      </a:rPr>
+                      <m:t>70</m:t>
+                    </m:r>
+                    <m:r>
+                      <a:rPr lang="en-US" sz="2000" b="0" i="1" smtClean="0">
+                        <a:latin typeface="Cambria Math" panose="02040503050406030204" pitchFamily="18" charset="0"/>
+                        <a:ea typeface="Cambria Math" panose="02040503050406030204" pitchFamily="18" charset="0"/>
+                      </a:rPr>
+                      <m:t>=</m:t>
+                    </m:r>
+                    <m:r>
+                      <a:rPr lang="en-US" sz="2000" b="0" i="1" smtClean="0">
+                        <a:latin typeface="Cambria Math" panose="02040503050406030204" pitchFamily="18" charset="0"/>
+                        <a:ea typeface="Cambria Math" panose="02040503050406030204" pitchFamily="18" charset="0"/>
+                      </a:rPr>
+                      <m:t>35</m:t>
                     </m:r>
                   </m:oMath>
                 </a14:m>
-                <a:endParaRPr lang="en-US" sz="2000" dirty="0"/>
+                <a:endParaRPr lang="en-US" sz="2000" dirty="0">
+                  <a:latin typeface="Calibri" panose="020F0502020204030204" pitchFamily="34" charset="0"/>
+                </a:endParaRPr>
               </a:p>
               <a:p>
                 <a:pPr eaLnBrk="1" hangingPunct="1">
@@ -12947,7 +13141,7 @@
                 <a:avLst/>
               </a:prstGeom>
               <a:blipFill>
-                <a:blip r:embed="rId5"/>
+                <a:blip r:embed="rId10"/>
                 <a:stretch>
                   <a:fillRect l="-1067" t="-1993"/>
                 </a:stretch>
@@ -13326,7 +13520,15 @@
                           <a:ea typeface="Cambria Math" panose="02040503050406030204" pitchFamily="18" charset="0"/>
                           <a:cs typeface="Calibri"/>
                         </a:rPr>
-                        <m:t>=70</m:t>
+                        <m:t>=</m:t>
+                      </m:r>
+                      <m:r>
+                        <a:rPr lang="en-US" sz="1800" b="0" i="0" smtClean="0">
+                          <a:latin typeface="Cambria Math" panose="02040503050406030204" pitchFamily="18" charset="0"/>
+                          <a:ea typeface="Cambria Math" panose="02040503050406030204" pitchFamily="18" charset="0"/>
+                          <a:cs typeface="Calibri"/>
+                        </a:rPr>
+                        <m:t>70</m:t>
                       </m:r>
                     </m:oMath>
                   </m:oMathPara>
@@ -13415,7 +13617,7 @@
           <p:nvPr/>
         </p:nvPicPr>
         <p:blipFill>
-          <a:blip r:embed="rId9" cstate="print">
+          <a:blip r:embed="rId11" cstate="print">
             <a:extLst>
               <a:ext uri="{28A0092B-C50C-407E-A947-70E740481C1C}">
                 <a14:useLocalDpi xmlns:a14="http://schemas.microsoft.com/office/drawing/2010/main" val="0"/>
@@ -13454,7 +13656,7 @@
           <p:nvPr/>
         </p:nvPicPr>
         <p:blipFill>
-          <a:blip r:embed="rId10">
+          <a:blip r:embed="rId12">
             <a:extLst>
               <a:ext uri="{28A0092B-C50C-407E-A947-70E740481C1C}">
                 <a14:useLocalDpi xmlns:a14="http://schemas.microsoft.com/office/drawing/2010/main" val="0"/>
@@ -13953,7 +14155,7 @@
 </file>
 
 <file path=ppt/slides/slide11.xml><?xml version="1.0" encoding="utf-8"?>
-<p:sld xmlns:a="http://schemas.openxmlformats.org/drawingml/2006/main" xmlns:r="http://schemas.openxmlformats.org/officeDocument/2006/relationships" xmlns:p="http://schemas.openxmlformats.org/presentationml/2006/main" show="0">
+<p:sld xmlns:a="http://schemas.openxmlformats.org/drawingml/2006/main" xmlns:r="http://schemas.openxmlformats.org/officeDocument/2006/relationships" xmlns:p="http://schemas.openxmlformats.org/presentationml/2006/main">
   <p:cSld>
     <p:spTree>
       <p:nvGrpSpPr>
@@ -17337,6 +17539,56 @@
           </a:prstGeom>
         </p:spPr>
       </p:pic>
+      <p:sp>
+        <p:nvSpPr>
+          <p:cNvPr id="11" name="TextBox 10">
+            <a:extLst>
+              <a:ext uri="{FF2B5EF4-FFF2-40B4-BE49-F238E27FC236}">
+                <a16:creationId xmlns:a16="http://schemas.microsoft.com/office/drawing/2014/main" id="{162BD2C4-1E03-54F9-03D5-F868CE0401F9}"/>
+              </a:ext>
+            </a:extLst>
+          </p:cNvPr>
+          <p:cNvSpPr txBox="1"/>
+          <p:nvPr/>
+        </p:nvSpPr>
+        <p:spPr>
+          <a:xfrm>
+            <a:off x="5757775" y="5987534"/>
+            <a:ext cx="3305441" cy="369332"/>
+          </a:xfrm>
+          <a:prstGeom prst="rect">
+            <a:avLst/>
+          </a:prstGeom>
+        </p:spPr>
+        <p:style>
+          <a:lnRef idx="2">
+            <a:schemeClr val="accent2">
+              <a:shade val="15000"/>
+            </a:schemeClr>
+          </a:lnRef>
+          <a:fillRef idx="1">
+            <a:schemeClr val="accent2"/>
+          </a:fillRef>
+          <a:effectRef idx="0">
+            <a:schemeClr val="accent2"/>
+          </a:effectRef>
+          <a:fontRef idx="minor">
+            <a:schemeClr val="lt1"/>
+          </a:fontRef>
+        </p:style>
+        <p:txBody>
+          <a:bodyPr wrap="square" rtlCol="0">
+            <a:spAutoFit/>
+          </a:bodyPr>
+          <a:lstStyle/>
+          <a:p>
+            <a:r>
+              <a:rPr lang="en-US" dirty="0"/>
+              <a:t>This is similar to an AND-OR tree!</a:t>
+            </a:r>
+          </a:p>
+        </p:txBody>
+      </p:sp>
     </p:spTree>
   </p:cSld>
   <p:clrMapOvr>
@@ -19425,7 +19677,19 @@
                                   <a:rPr lang="en-US" b="0" dirty="0" smtClean="0">
                                     <a:latin typeface="Cambria Math" panose="02040503050406030204" pitchFamily="18" charset="0"/>
                                   </a:rPr>
-                                  <m:t>0.7</m:t>
+                                  <m:t>0</m:t>
+                                </m:r>
+                                <m:r>
+                                  <a:rPr lang="en-US" b="0" dirty="0" smtClean="0">
+                                    <a:latin typeface="Cambria Math" panose="02040503050406030204" pitchFamily="18" charset="0"/>
+                                  </a:rPr>
+                                  <m:t>.</m:t>
+                                </m:r>
+                                <m:r>
+                                  <a:rPr lang="en-US" b="0" dirty="0" smtClean="0">
+                                    <a:latin typeface="Cambria Math" panose="02040503050406030204" pitchFamily="18" charset="0"/>
+                                  </a:rPr>
+                                  <m:t>7</m:t>
                                 </m:r>
                               </m:oMath>
                             </m:oMathPara>
@@ -19506,7 +19770,19 @@
                                   <a:rPr lang="en-US" b="0" dirty="0" smtClean="0">
                                     <a:latin typeface="Cambria Math" panose="02040503050406030204" pitchFamily="18" charset="0"/>
                                   </a:rPr>
-                                  <m:t>0.3</m:t>
+                                  <m:t>0</m:t>
+                                </m:r>
+                                <m:r>
+                                  <a:rPr lang="en-US" b="0" dirty="0" smtClean="0">
+                                    <a:latin typeface="Cambria Math" panose="02040503050406030204" pitchFamily="18" charset="0"/>
+                                  </a:rPr>
+                                  <m:t>.</m:t>
+                                </m:r>
+                                <m:r>
+                                  <a:rPr lang="en-US" b="0" dirty="0" smtClean="0">
+                                    <a:latin typeface="Cambria Math" panose="02040503050406030204" pitchFamily="18" charset="0"/>
+                                  </a:rPr>
+                                  <m:t>3</m:t>
                                 </m:r>
                               </m:oMath>
                             </m:oMathPara>
@@ -19973,7 +20249,19 @@
                                   <a:rPr lang="en-US" b="0" dirty="0" smtClean="0">
                                     <a:latin typeface="Cambria Math" panose="02040503050406030204" pitchFamily="18" charset="0"/>
                                   </a:rPr>
-                                  <m:t>0.34</m:t>
+                                  <m:t>0</m:t>
+                                </m:r>
+                                <m:r>
+                                  <a:rPr lang="en-US" b="0" dirty="0" smtClean="0">
+                                    <a:latin typeface="Cambria Math" panose="02040503050406030204" pitchFamily="18" charset="0"/>
+                                  </a:rPr>
+                                  <m:t>.</m:t>
+                                </m:r>
+                                <m:r>
+                                  <a:rPr lang="en-US" b="0" dirty="0" smtClean="0">
+                                    <a:latin typeface="Cambria Math" panose="02040503050406030204" pitchFamily="18" charset="0"/>
+                                  </a:rPr>
+                                  <m:t>34</m:t>
                                 </m:r>
                               </m:oMath>
                             </m:oMathPara>
@@ -20054,7 +20342,19 @@
                                   <a:rPr lang="en-US" b="0" dirty="0" smtClean="0">
                                     <a:latin typeface="Cambria Math" panose="02040503050406030204" pitchFamily="18" charset="0"/>
                                   </a:rPr>
-                                  <m:t>0.66</m:t>
+                                  <m:t>0</m:t>
+                                </m:r>
+                                <m:r>
+                                  <a:rPr lang="en-US" b="0" dirty="0" smtClean="0">
+                                    <a:latin typeface="Cambria Math" panose="02040503050406030204" pitchFamily="18" charset="0"/>
+                                  </a:rPr>
+                                  <m:t>.</m:t>
+                                </m:r>
+                                <m:r>
+                                  <a:rPr lang="en-US" b="0" dirty="0" smtClean="0">
+                                    <a:latin typeface="Cambria Math" panose="02040503050406030204" pitchFamily="18" charset="0"/>
+                                  </a:rPr>
+                                  <m:t>66</m:t>
                                 </m:r>
                               </m:oMath>
                             </m:oMathPara>
@@ -20655,12 +20955,14 @@
                   </m:oMathPara>
                 </a14:m>
                 <a:endParaRPr lang="en-US" sz="2000" dirty="0">
+                  <a:latin typeface="Calibri" panose="020F0502020204030204" pitchFamily="34" charset="0"/>
                   <a:ea typeface="Cambria Math" panose="02040503050406030204" pitchFamily="18" charset="0"/>
                 </a:endParaRPr>
               </a:p>
               <a:p>
                 <a:r>
                   <a:rPr lang="en-US" sz="2000" b="0" dirty="0">
+                    <a:latin typeface="Calibri" panose="020F0502020204030204" pitchFamily="34" charset="0"/>
                     <a:ea typeface="Cambria Math" panose="02040503050406030204" pitchFamily="18" charset="0"/>
                   </a:rPr>
                   <a:t>	       </a:t>
@@ -20672,32 +20974,104 @@
                         <a:latin typeface="Cambria Math" panose="02040503050406030204" pitchFamily="18" charset="0"/>
                         <a:ea typeface="Cambria Math" panose="02040503050406030204" pitchFamily="18" charset="0"/>
                       </a:rPr>
-                      <m:t>   =0.</m:t>
+                      <m:t>   =</m:t>
+                    </m:r>
+                    <m:r>
+                      <a:rPr lang="en-US" sz="2000" b="0" i="0" smtClean="0">
+                        <a:latin typeface="Cambria Math" panose="02040503050406030204" pitchFamily="18" charset="0"/>
+                        <a:ea typeface="Cambria Math" panose="02040503050406030204" pitchFamily="18" charset="0"/>
+                      </a:rPr>
+                      <m:t>0</m:t>
+                    </m:r>
+                    <m:r>
+                      <a:rPr lang="en-US" sz="2000" b="0" i="0" smtClean="0">
+                        <a:latin typeface="Cambria Math" panose="02040503050406030204" pitchFamily="18" charset="0"/>
+                        <a:ea typeface="Cambria Math" panose="02040503050406030204" pitchFamily="18" charset="0"/>
+                      </a:rPr>
+                      <m:t>.</m:t>
                     </m:r>
                     <m:r>
                       <a:rPr lang="en-US" sz="2000" b="0" i="1" smtClean="0">
                         <a:latin typeface="Cambria Math" panose="02040503050406030204" pitchFamily="18" charset="0"/>
                         <a:ea typeface="Cambria Math" panose="02040503050406030204" pitchFamily="18" charset="0"/>
                       </a:rPr>
-                      <m:t>34∙</m:t>
+                      <m:t>34</m:t>
+                    </m:r>
+                    <m:r>
+                      <a:rPr lang="en-US" sz="2000" b="0" i="1" smtClean="0">
+                        <a:latin typeface="Cambria Math" panose="02040503050406030204" pitchFamily="18" charset="0"/>
+                        <a:ea typeface="Cambria Math" panose="02040503050406030204" pitchFamily="18" charset="0"/>
+                      </a:rPr>
+                      <m:t>∙</m:t>
                     </m:r>
                     <m:r>
                       <a:rPr lang="en-US" sz="2000" b="0" i="0" smtClean="0">
                         <a:latin typeface="Cambria Math" panose="02040503050406030204" pitchFamily="18" charset="0"/>
                         <a:ea typeface="Cambria Math" panose="02040503050406030204" pitchFamily="18" charset="0"/>
                       </a:rPr>
-                      <m:t>100+0.</m:t>
+                      <m:t>100</m:t>
+                    </m:r>
+                    <m:r>
+                      <a:rPr lang="en-US" sz="2000" b="0" i="0" smtClean="0">
+                        <a:latin typeface="Cambria Math" panose="02040503050406030204" pitchFamily="18" charset="0"/>
+                        <a:ea typeface="Cambria Math" panose="02040503050406030204" pitchFamily="18" charset="0"/>
+                      </a:rPr>
+                      <m:t>+</m:t>
+                    </m:r>
+                    <m:r>
+                      <a:rPr lang="en-US" sz="2000" b="0" i="0" smtClean="0">
+                        <a:latin typeface="Cambria Math" panose="02040503050406030204" pitchFamily="18" charset="0"/>
+                        <a:ea typeface="Cambria Math" panose="02040503050406030204" pitchFamily="18" charset="0"/>
+                      </a:rPr>
+                      <m:t>0</m:t>
+                    </m:r>
+                    <m:r>
+                      <a:rPr lang="en-US" sz="2000" b="0" i="0" smtClean="0">
+                        <a:latin typeface="Cambria Math" panose="02040503050406030204" pitchFamily="18" charset="0"/>
+                        <a:ea typeface="Cambria Math" panose="02040503050406030204" pitchFamily="18" charset="0"/>
+                      </a:rPr>
+                      <m:t>.</m:t>
                     </m:r>
                     <m:r>
                       <a:rPr lang="en-US" sz="2000" b="0" i="1" smtClean="0">
                         <a:latin typeface="Cambria Math" panose="02040503050406030204" pitchFamily="18" charset="0"/>
                         <a:ea typeface="Cambria Math" panose="02040503050406030204" pitchFamily="18" charset="0"/>
                       </a:rPr>
-                      <m:t>66∙0=34</m:t>
+                      <m:t>66</m:t>
+                    </m:r>
+                    <m:r>
+                      <a:rPr lang="en-US" sz="2000" b="0" i="1" smtClean="0">
+                        <a:latin typeface="Cambria Math" panose="02040503050406030204" pitchFamily="18" charset="0"/>
+                        <a:ea typeface="Cambria Math" panose="02040503050406030204" pitchFamily="18" charset="0"/>
+                      </a:rPr>
+                      <m:t>∙</m:t>
+                    </m:r>
+                    <m:r>
+                      <a:rPr lang="en-US" sz="2000" b="0" i="1" smtClean="0">
+                        <a:latin typeface="Cambria Math" panose="02040503050406030204" pitchFamily="18" charset="0"/>
+                        <a:ea typeface="Cambria Math" panose="02040503050406030204" pitchFamily="18" charset="0"/>
+                      </a:rPr>
+                      <m:t>0</m:t>
+                    </m:r>
+                    <m:r>
+                      <a:rPr lang="en-US" sz="2000" b="0" i="1" smtClean="0">
+                        <a:latin typeface="Cambria Math" panose="02040503050406030204" pitchFamily="18" charset="0"/>
+                        <a:ea typeface="Cambria Math" panose="02040503050406030204" pitchFamily="18" charset="0"/>
+                      </a:rPr>
+                      <m:t>=</m:t>
+                    </m:r>
+                    <m:r>
+                      <a:rPr lang="en-US" sz="2000" b="0" i="1" smtClean="0">
+                        <a:latin typeface="Cambria Math" panose="02040503050406030204" pitchFamily="18" charset="0"/>
+                        <a:ea typeface="Cambria Math" panose="02040503050406030204" pitchFamily="18" charset="0"/>
+                      </a:rPr>
+                      <m:t>34</m:t>
                     </m:r>
                   </m:oMath>
                 </a14:m>
-                <a:endParaRPr lang="en-US" sz="2000" dirty="0"/>
+                <a:endParaRPr lang="en-US" sz="2000" dirty="0">
+                  <a:latin typeface="Calibri" panose="020F0502020204030204" pitchFamily="34" charset="0"/>
+                </a:endParaRPr>
               </a:p>
             </p:txBody>
           </p:sp>
@@ -21102,12 +21476,14 @@
                   </m:oMathPara>
                 </a14:m>
                 <a:endParaRPr lang="en-US" sz="2000" dirty="0">
+                  <a:latin typeface="Calibri" panose="020F0502020204030204" pitchFamily="34" charset="0"/>
                   <a:ea typeface="Cambria Math" panose="02040503050406030204" pitchFamily="18" charset="0"/>
                 </a:endParaRPr>
               </a:p>
               <a:p>
                 <a:r>
                   <a:rPr lang="en-US" sz="2000" b="0" dirty="0">
+                    <a:latin typeface="Calibri" panose="020F0502020204030204" pitchFamily="34" charset="0"/>
                     <a:ea typeface="Cambria Math" panose="02040503050406030204" pitchFamily="18" charset="0"/>
                   </a:rPr>
                   <a:t>	       </a:t>
@@ -21119,32 +21495,104 @@
                         <a:latin typeface="Cambria Math" panose="02040503050406030204" pitchFamily="18" charset="0"/>
                         <a:ea typeface="Cambria Math" panose="02040503050406030204" pitchFamily="18" charset="0"/>
                       </a:rPr>
-                      <m:t>   =0.</m:t>
+                      <m:t>   =</m:t>
+                    </m:r>
+                    <m:r>
+                      <a:rPr lang="en-US" sz="2000" b="0" i="0" smtClean="0">
+                        <a:latin typeface="Cambria Math" panose="02040503050406030204" pitchFamily="18" charset="0"/>
+                        <a:ea typeface="Cambria Math" panose="02040503050406030204" pitchFamily="18" charset="0"/>
+                      </a:rPr>
+                      <m:t>0</m:t>
+                    </m:r>
+                    <m:r>
+                      <a:rPr lang="en-US" sz="2000" b="0" i="0" smtClean="0">
+                        <a:latin typeface="Cambria Math" panose="02040503050406030204" pitchFamily="18" charset="0"/>
+                        <a:ea typeface="Cambria Math" panose="02040503050406030204" pitchFamily="18" charset="0"/>
+                      </a:rPr>
+                      <m:t>.</m:t>
                     </m:r>
                     <m:r>
                       <a:rPr lang="en-US" sz="2000" b="0" i="1" smtClean="0">
                         <a:latin typeface="Cambria Math" panose="02040503050406030204" pitchFamily="18" charset="0"/>
                         <a:ea typeface="Cambria Math" panose="02040503050406030204" pitchFamily="18" charset="0"/>
                       </a:rPr>
-                      <m:t>34∙</m:t>
+                      <m:t>34</m:t>
+                    </m:r>
+                    <m:r>
+                      <a:rPr lang="en-US" sz="2000" b="0" i="1" smtClean="0">
+                        <a:latin typeface="Cambria Math" panose="02040503050406030204" pitchFamily="18" charset="0"/>
+                        <a:ea typeface="Cambria Math" panose="02040503050406030204" pitchFamily="18" charset="0"/>
+                      </a:rPr>
+                      <m:t>∙</m:t>
                     </m:r>
                     <m:r>
                       <a:rPr lang="en-US" sz="2000" b="0" i="0" smtClean="0">
                         <a:latin typeface="Cambria Math" panose="02040503050406030204" pitchFamily="18" charset="0"/>
                         <a:ea typeface="Cambria Math" panose="02040503050406030204" pitchFamily="18" charset="0"/>
                       </a:rPr>
-                      <m:t>20+0.</m:t>
+                      <m:t>20</m:t>
+                    </m:r>
+                    <m:r>
+                      <a:rPr lang="en-US" sz="2000" b="0" i="0" smtClean="0">
+                        <a:latin typeface="Cambria Math" panose="02040503050406030204" pitchFamily="18" charset="0"/>
+                        <a:ea typeface="Cambria Math" panose="02040503050406030204" pitchFamily="18" charset="0"/>
+                      </a:rPr>
+                      <m:t>+</m:t>
+                    </m:r>
+                    <m:r>
+                      <a:rPr lang="en-US" sz="2000" b="0" i="0" smtClean="0">
+                        <a:latin typeface="Cambria Math" panose="02040503050406030204" pitchFamily="18" charset="0"/>
+                        <a:ea typeface="Cambria Math" panose="02040503050406030204" pitchFamily="18" charset="0"/>
+                      </a:rPr>
+                      <m:t>0</m:t>
+                    </m:r>
+                    <m:r>
+                      <a:rPr lang="en-US" sz="2000" b="0" i="0" smtClean="0">
+                        <a:latin typeface="Cambria Math" panose="02040503050406030204" pitchFamily="18" charset="0"/>
+                        <a:ea typeface="Cambria Math" panose="02040503050406030204" pitchFamily="18" charset="0"/>
+                      </a:rPr>
+                      <m:t>.</m:t>
                     </m:r>
                     <m:r>
                       <a:rPr lang="en-US" sz="2000" b="0" i="1" smtClean="0">
                         <a:latin typeface="Cambria Math" panose="02040503050406030204" pitchFamily="18" charset="0"/>
                         <a:ea typeface="Cambria Math" panose="02040503050406030204" pitchFamily="18" charset="0"/>
                       </a:rPr>
-                      <m:t>66∙70=53</m:t>
+                      <m:t>66</m:t>
+                    </m:r>
+                    <m:r>
+                      <a:rPr lang="en-US" sz="2000" b="0" i="1" smtClean="0">
+                        <a:latin typeface="Cambria Math" panose="02040503050406030204" pitchFamily="18" charset="0"/>
+                        <a:ea typeface="Cambria Math" panose="02040503050406030204" pitchFamily="18" charset="0"/>
+                      </a:rPr>
+                      <m:t>∙</m:t>
+                    </m:r>
+                    <m:r>
+                      <a:rPr lang="en-US" sz="2000" b="0" i="1" smtClean="0">
+                        <a:latin typeface="Cambria Math" panose="02040503050406030204" pitchFamily="18" charset="0"/>
+                        <a:ea typeface="Cambria Math" panose="02040503050406030204" pitchFamily="18" charset="0"/>
+                      </a:rPr>
+                      <m:t>70</m:t>
+                    </m:r>
+                    <m:r>
+                      <a:rPr lang="en-US" sz="2000" b="0" i="1" smtClean="0">
+                        <a:latin typeface="Cambria Math" panose="02040503050406030204" pitchFamily="18" charset="0"/>
+                        <a:ea typeface="Cambria Math" panose="02040503050406030204" pitchFamily="18" charset="0"/>
+                      </a:rPr>
+                      <m:t>=</m:t>
+                    </m:r>
+                    <m:r>
+                      <a:rPr lang="en-US" sz="2000" b="0" i="1" smtClean="0">
+                        <a:latin typeface="Cambria Math" panose="02040503050406030204" pitchFamily="18" charset="0"/>
+                        <a:ea typeface="Cambria Math" panose="02040503050406030204" pitchFamily="18" charset="0"/>
+                      </a:rPr>
+                      <m:t>53</m:t>
                     </m:r>
                   </m:oMath>
                 </a14:m>
-                <a:endParaRPr lang="en-US" sz="2000" dirty="0"/>
+                <a:endParaRPr lang="en-US" sz="2000" dirty="0">
+                  <a:latin typeface="Calibri" panose="020F0502020204030204" pitchFamily="34" charset="0"/>
+                </a:endParaRPr>
               </a:p>
               <a:p>
                 <a:pPr eaLnBrk="1" hangingPunct="1">
@@ -21604,7 +22052,15 @@
                           <a:ea typeface="Cambria Math" panose="02040503050406030204" pitchFamily="18" charset="0"/>
                           <a:cs typeface="Calibri"/>
                         </a:rPr>
-                        <m:t>=53</m:t>
+                        <m:t>=</m:t>
+                      </m:r>
+                      <m:r>
+                        <a:rPr lang="en-US" sz="1800" b="0" i="0" smtClean="0">
+                          <a:latin typeface="Cambria Math" panose="02040503050406030204" pitchFamily="18" charset="0"/>
+                          <a:ea typeface="Cambria Math" panose="02040503050406030204" pitchFamily="18" charset="0"/>
+                          <a:cs typeface="Calibri"/>
+                        </a:rPr>
+                        <m:t>53</m:t>
                       </m:r>
                     </m:oMath>
                   </m:oMathPara>
@@ -21694,7 +22150,7 @@
 </file>
 
 <file path=ppt/slides/slide13.xml><?xml version="1.0" encoding="utf-8"?>
-<p:sld xmlns:a="http://schemas.openxmlformats.org/drawingml/2006/main" xmlns:r="http://schemas.openxmlformats.org/officeDocument/2006/relationships" xmlns:p="http://schemas.openxmlformats.org/presentationml/2006/main" show="0">
+<p:sld xmlns:a="http://schemas.openxmlformats.org/drawingml/2006/main" xmlns:r="http://schemas.openxmlformats.org/officeDocument/2006/relationships" xmlns:p="http://schemas.openxmlformats.org/presentationml/2006/main">
   <p:cSld>
     <p:spTree>
       <p:nvGrpSpPr>
@@ -25393,6 +25849,56 @@
           </a:fontRef>
         </p:style>
       </p:cxnSp>
+      <p:sp>
+        <p:nvSpPr>
+          <p:cNvPr id="10" name="TextBox 9">
+            <a:extLst>
+              <a:ext uri="{FF2B5EF4-FFF2-40B4-BE49-F238E27FC236}">
+                <a16:creationId xmlns:a16="http://schemas.microsoft.com/office/drawing/2014/main" id="{58457C51-6EDC-49B6-FF25-ABC99C1CB5B3}"/>
+              </a:ext>
+            </a:extLst>
+          </p:cNvPr>
+          <p:cNvSpPr txBox="1"/>
+          <p:nvPr/>
+        </p:nvSpPr>
+        <p:spPr>
+          <a:xfrm>
+            <a:off x="5757775" y="5987534"/>
+            <a:ext cx="3305441" cy="369332"/>
+          </a:xfrm>
+          <a:prstGeom prst="rect">
+            <a:avLst/>
+          </a:prstGeom>
+        </p:spPr>
+        <p:style>
+          <a:lnRef idx="2">
+            <a:schemeClr val="accent2">
+              <a:shade val="15000"/>
+            </a:schemeClr>
+          </a:lnRef>
+          <a:fillRef idx="1">
+            <a:schemeClr val="accent2"/>
+          </a:fillRef>
+          <a:effectRef idx="0">
+            <a:schemeClr val="accent2"/>
+          </a:effectRef>
+          <a:fontRef idx="minor">
+            <a:schemeClr val="lt1"/>
+          </a:fontRef>
+        </p:style>
+        <p:txBody>
+          <a:bodyPr wrap="square" rtlCol="0">
+            <a:spAutoFit/>
+          </a:bodyPr>
+          <a:lstStyle/>
+          <a:p>
+            <a:r>
+              <a:rPr lang="en-US" dirty="0"/>
+              <a:t>This is similar to an AND-OR tree!</a:t>
+            </a:r>
+          </a:p>
+        </p:txBody>
+      </p:sp>
     </p:spTree>
   </p:cSld>
   <p:clrMapOvr>
@@ -26291,7 +26797,7 @@
           <a:p>
             <a:r>
               <a:rPr lang="en-US" dirty="0"/>
-              <a:t>Search, planning and playing games we have covered so far are such problems.</a:t>
+              <a:t>Search, planning, and playing games we have covered so far are such problems.</a:t>
             </a:r>
           </a:p>
           <a:p>
@@ -29249,7 +29755,7 @@
               <a:p>
                 <a:r>
                   <a:rPr lang="en-US" sz="1800" dirty="0"/>
-                  <a:t>It is often enough to know a </a:t>
+                  <a:t>It is often enough to know an </a:t>
                 </a:r>
                 <a:r>
                   <a:rPr lang="en-US" sz="1800" b="1" dirty="0"/>
@@ -29350,7 +29856,7 @@
               <a:blipFill>
                 <a:blip r:embed="rId2"/>
                 <a:stretch>
-                  <a:fillRect l="-602" t="-1763" b="-801"/>
+                  <a:fillRect l="-602" t="-1763" r="-120" b="-801"/>
                 </a:stretch>
               </a:blipFill>
             </p:spPr>

--- a/slides/16_decision_making.pptx
+++ b/slides/16_decision_making.pptx
@@ -5434,7 +5434,7 @@
           <a:p>
             <a:fld id="{CDFB1A35-FCF7-4D0C-AE83-400D24256912}" type="datetimeFigureOut">
               <a:rPr lang="en-US" smtClean="0"/>
-              <a:t>4/16/2025</a:t>
+              <a:t>4/21/2025</a:t>
             </a:fld>
             <a:endParaRPr lang="en-US"/>
           </a:p>
@@ -6589,7 +6589,7 @@
           <a:p>
             <a:fld id="{16A8CD98-EF2C-4EFD-A320-0FD1E700AB34}" type="datetimeFigureOut">
               <a:rPr lang="en-US" smtClean="0"/>
-              <a:t>4/16/2025</a:t>
+              <a:t>4/21/2025</a:t>
             </a:fld>
             <a:endParaRPr lang="en-US"/>
           </a:p>
@@ -6787,7 +6787,7 @@
           <a:p>
             <a:fld id="{16A8CD98-EF2C-4EFD-A320-0FD1E700AB34}" type="datetimeFigureOut">
               <a:rPr lang="en-US" smtClean="0"/>
-              <a:t>4/16/2025</a:t>
+              <a:t>4/21/2025</a:t>
             </a:fld>
             <a:endParaRPr lang="en-US"/>
           </a:p>
@@ -6995,7 +6995,7 @@
           <a:p>
             <a:fld id="{16A8CD98-EF2C-4EFD-A320-0FD1E700AB34}" type="datetimeFigureOut">
               <a:rPr lang="en-US" smtClean="0"/>
-              <a:t>4/16/2025</a:t>
+              <a:t>4/21/2025</a:t>
             </a:fld>
             <a:endParaRPr lang="en-US"/>
           </a:p>
@@ -7193,7 +7193,7 @@
           <a:p>
             <a:fld id="{16A8CD98-EF2C-4EFD-A320-0FD1E700AB34}" type="datetimeFigureOut">
               <a:rPr lang="en-US" smtClean="0"/>
-              <a:t>4/16/2025</a:t>
+              <a:t>4/21/2025</a:t>
             </a:fld>
             <a:endParaRPr lang="en-US"/>
           </a:p>
@@ -7468,7 +7468,7 @@
           <a:p>
             <a:fld id="{16A8CD98-EF2C-4EFD-A320-0FD1E700AB34}" type="datetimeFigureOut">
               <a:rPr lang="en-US" smtClean="0"/>
-              <a:t>4/16/2025</a:t>
+              <a:t>4/21/2025</a:t>
             </a:fld>
             <a:endParaRPr lang="en-US"/>
           </a:p>
@@ -7733,7 +7733,7 @@
           <a:p>
             <a:fld id="{16A8CD98-EF2C-4EFD-A320-0FD1E700AB34}" type="datetimeFigureOut">
               <a:rPr lang="en-US" smtClean="0"/>
-              <a:t>4/16/2025</a:t>
+              <a:t>4/21/2025</a:t>
             </a:fld>
             <a:endParaRPr lang="en-US"/>
           </a:p>
@@ -8145,7 +8145,7 @@
           <a:p>
             <a:fld id="{16A8CD98-EF2C-4EFD-A320-0FD1E700AB34}" type="datetimeFigureOut">
               <a:rPr lang="en-US" smtClean="0"/>
-              <a:t>4/16/2025</a:t>
+              <a:t>4/21/2025</a:t>
             </a:fld>
             <a:endParaRPr lang="en-US"/>
           </a:p>
@@ -8286,7 +8286,7 @@
           <a:p>
             <a:fld id="{16A8CD98-EF2C-4EFD-A320-0FD1E700AB34}" type="datetimeFigureOut">
               <a:rPr lang="en-US" smtClean="0"/>
-              <a:t>4/16/2025</a:t>
+              <a:t>4/21/2025</a:t>
             </a:fld>
             <a:endParaRPr lang="en-US"/>
           </a:p>
@@ -8399,7 +8399,7 @@
           <a:p>
             <a:fld id="{16A8CD98-EF2C-4EFD-A320-0FD1E700AB34}" type="datetimeFigureOut">
               <a:rPr lang="en-US" smtClean="0"/>
-              <a:t>4/16/2025</a:t>
+              <a:t>4/21/2025</a:t>
             </a:fld>
             <a:endParaRPr lang="en-US"/>
           </a:p>
@@ -8710,7 +8710,7 @@
           <a:p>
             <a:fld id="{16A8CD98-EF2C-4EFD-A320-0FD1E700AB34}" type="datetimeFigureOut">
               <a:rPr lang="en-US" smtClean="0"/>
-              <a:t>4/16/2025</a:t>
+              <a:t>4/21/2025</a:t>
             </a:fld>
             <a:endParaRPr lang="en-US"/>
           </a:p>
@@ -8998,7 +8998,7 @@
           <a:p>
             <a:fld id="{16A8CD98-EF2C-4EFD-A320-0FD1E700AB34}" type="datetimeFigureOut">
               <a:rPr lang="en-US" smtClean="0"/>
-              <a:t>4/16/2025</a:t>
+              <a:t>4/21/2025</a:t>
             </a:fld>
             <a:endParaRPr lang="en-US"/>
           </a:p>
@@ -9239,7 +9239,7 @@
           <a:p>
             <a:fld id="{16A8CD98-EF2C-4EFD-A320-0FD1E700AB34}" type="datetimeFigureOut">
               <a:rPr lang="en-US" smtClean="0"/>
-              <a:t>4/16/2025</a:t>
+              <a:t>4/21/2025</a:t>
             </a:fld>
             <a:endParaRPr lang="en-US"/>
           </a:p>
@@ -9873,8 +9873,8 @@
         </p:nvSpPr>
         <p:spPr>
           <a:xfrm>
-            <a:off x="477980" y="1122363"/>
-            <a:ext cx="4707084" cy="3204134"/>
+            <a:off x="477979" y="1122363"/>
+            <a:ext cx="4811279" cy="3204134"/>
           </a:xfrm>
         </p:spPr>
         <p:txBody>
@@ -9885,38 +9885,41 @@
           <a:p>
             <a:pPr algn="l"/>
             <a:r>
-              <a:rPr lang="en-US" sz="3600" b="1" dirty="0"/>
+              <a:rPr lang="en-US" sz="3200" b="1" dirty="0"/>
               <a:t>CS 5/7320 </a:t>
             </a:r>
             <a:br>
-              <a:rPr lang="en-US" sz="3600" b="1" dirty="0"/>
+              <a:rPr lang="en-US" sz="3200" b="1" dirty="0"/>
             </a:br>
             <a:r>
-              <a:rPr lang="en-US" sz="3600" b="1" dirty="0"/>
+              <a:rPr lang="en-US" sz="3200" b="1" dirty="0"/>
               <a:t>Artificial Intelligence </a:t>
             </a:r>
             <a:br>
-              <a:rPr lang="en-US" sz="3600" b="1" dirty="0"/>
+              <a:rPr lang="en-US" sz="3200" b="1" dirty="0"/>
             </a:br>
             <a:br>
-              <a:rPr lang="en-US" sz="3600" b="1" dirty="0"/>
+              <a:rPr lang="en-US" sz="3200" b="1" dirty="0"/>
             </a:br>
             <a:r>
-              <a:rPr lang="en-US" sz="3600" b="1" dirty="0"/>
-              <a:t>Making Simple Decisions</a:t>
+              <a:rPr lang="en-US" sz="3200" b="1" dirty="0"/>
+              <a:t>Making Simple Decisions:</a:t>
             </a:r>
             <a:br>
-              <a:rPr lang="en-US" sz="3600" b="1" dirty="0"/>
+              <a:rPr lang="en-US" sz="3200" b="1" dirty="0"/>
             </a:br>
             <a:r>
-              <a:rPr lang="en-US" sz="3600" b="1" dirty="0"/>
-              <a:t>(Decision Networks)</a:t>
+              <a:rPr lang="en-US" sz="2800" b="1" dirty="0"/>
+              <a:t>Decision Networks</a:t>
             </a:r>
             <a:br>
-              <a:rPr lang="en-US" sz="3600" b="1" dirty="0"/>
+              <a:rPr lang="en-US" sz="3200" b="1" dirty="0"/>
+            </a:br>
+            <a:br>
+              <a:rPr lang="en-US" sz="3200" b="1" dirty="0"/>
             </a:br>
             <a:r>
-              <a:rPr lang="en-US" sz="3600" b="1" dirty="0"/>
+              <a:rPr lang="en-US" sz="3200" b="1" dirty="0"/>
               <a:t>AIMA Chapter 16</a:t>
             </a:r>
           </a:p>
@@ -10767,19 +10770,7 @@
                                   <a:rPr lang="en-US" b="0" dirty="0" smtClean="0">
                                     <a:latin typeface="Cambria Math" panose="02040503050406030204" pitchFamily="18" charset="0"/>
                                   </a:rPr>
-                                  <m:t>0</m:t>
-                                </m:r>
-                                <m:r>
-                                  <a:rPr lang="en-US" b="0" dirty="0" smtClean="0">
-                                    <a:latin typeface="Cambria Math" panose="02040503050406030204" pitchFamily="18" charset="0"/>
-                                  </a:rPr>
-                                  <m:t>.</m:t>
-                                </m:r>
-                                <m:r>
-                                  <a:rPr lang="en-US" b="0" dirty="0" smtClean="0">
-                                    <a:latin typeface="Cambria Math" panose="02040503050406030204" pitchFamily="18" charset="0"/>
-                                  </a:rPr>
-                                  <m:t>7</m:t>
+                                  <m:t>0.7</m:t>
                                 </m:r>
                               </m:oMath>
                             </m:oMathPara>
@@ -10860,19 +10851,7 @@
                                   <a:rPr lang="en-US" b="0" dirty="0" smtClean="0">
                                     <a:latin typeface="Cambria Math" panose="02040503050406030204" pitchFamily="18" charset="0"/>
                                   </a:rPr>
-                                  <m:t>0</m:t>
-                                </m:r>
-                                <m:r>
-                                  <a:rPr lang="en-US" b="0" dirty="0" smtClean="0">
-                                    <a:latin typeface="Cambria Math" panose="02040503050406030204" pitchFamily="18" charset="0"/>
-                                  </a:rPr>
-                                  <m:t>.</m:t>
-                                </m:r>
-                                <m:r>
-                                  <a:rPr lang="en-US" b="0" dirty="0" smtClean="0">
-                                    <a:latin typeface="Cambria Math" panose="02040503050406030204" pitchFamily="18" charset="0"/>
-                                  </a:rPr>
-                                  <m:t>3</m:t>
+                                  <m:t>0.3</m:t>
                                 </m:r>
                               </m:oMath>
                             </m:oMathPara>
@@ -12531,28 +12510,7 @@
                         <a:latin typeface="Cambria Math" panose="02040503050406030204" pitchFamily="18" charset="0"/>
                         <a:ea typeface="Cambria Math" panose="02040503050406030204" pitchFamily="18" charset="0"/>
                       </a:rPr>
-                      <m:t>   =</m:t>
-                    </m:r>
-                    <m:r>
-                      <a:rPr lang="en-US" sz="2000" b="0" i="0" smtClean="0">
-                        <a:latin typeface="Cambria Math" panose="02040503050406030204" pitchFamily="18" charset="0"/>
-                        <a:ea typeface="Cambria Math" panose="02040503050406030204" pitchFamily="18" charset="0"/>
-                      </a:rPr>
-                      <m:t>0</m:t>
-                    </m:r>
-                    <m:r>
-                      <a:rPr lang="en-US" sz="2000" b="0" i="0" smtClean="0">
-                        <a:latin typeface="Cambria Math" panose="02040503050406030204" pitchFamily="18" charset="0"/>
-                        <a:ea typeface="Cambria Math" panose="02040503050406030204" pitchFamily="18" charset="0"/>
-                      </a:rPr>
-                      <m:t>.</m:t>
-                    </m:r>
-                    <m:r>
-                      <a:rPr lang="en-US" sz="2000" b="0" i="0" smtClean="0">
-                        <a:latin typeface="Cambria Math" panose="02040503050406030204" pitchFamily="18" charset="0"/>
-                        <a:ea typeface="Cambria Math" panose="02040503050406030204" pitchFamily="18" charset="0"/>
-                      </a:rPr>
-                      <m:t>7</m:t>
+                      <m:t>   =0.7</m:t>
                     </m:r>
                     <m:r>
                       <a:rPr lang="en-US" sz="2000" b="0" i="1" smtClean="0">
@@ -12566,63 +12524,14 @@
                         <a:latin typeface="Cambria Math" panose="02040503050406030204" pitchFamily="18" charset="0"/>
                         <a:ea typeface="Cambria Math" panose="02040503050406030204" pitchFamily="18" charset="0"/>
                       </a:rPr>
-                      <m:t>100</m:t>
-                    </m:r>
-                    <m:r>
-                      <a:rPr lang="en-US" sz="2000" b="0" i="0" smtClean="0">
-                        <a:latin typeface="Cambria Math" panose="02040503050406030204" pitchFamily="18" charset="0"/>
-                        <a:ea typeface="Cambria Math" panose="02040503050406030204" pitchFamily="18" charset="0"/>
-                      </a:rPr>
-                      <m:t>+</m:t>
-                    </m:r>
-                    <m:r>
-                      <a:rPr lang="en-US" sz="2000" b="0" i="0" smtClean="0">
-                        <a:latin typeface="Cambria Math" panose="02040503050406030204" pitchFamily="18" charset="0"/>
-                        <a:ea typeface="Cambria Math" panose="02040503050406030204" pitchFamily="18" charset="0"/>
-                      </a:rPr>
-                      <m:t>0</m:t>
-                    </m:r>
-                    <m:r>
-                      <a:rPr lang="en-US" sz="2000" b="0" i="0" smtClean="0">
-                        <a:latin typeface="Cambria Math" panose="02040503050406030204" pitchFamily="18" charset="0"/>
-                        <a:ea typeface="Cambria Math" panose="02040503050406030204" pitchFamily="18" charset="0"/>
-                      </a:rPr>
-                      <m:t>.</m:t>
-                    </m:r>
-                    <m:r>
-                      <a:rPr lang="en-US" sz="2000" b="0" i="0" smtClean="0">
-                        <a:latin typeface="Cambria Math" panose="02040503050406030204" pitchFamily="18" charset="0"/>
-                        <a:ea typeface="Cambria Math" panose="02040503050406030204" pitchFamily="18" charset="0"/>
-                      </a:rPr>
-                      <m:t>3</m:t>
+                      <m:t>100+0.3</m:t>
                     </m:r>
                     <m:r>
                       <a:rPr lang="en-US" sz="2000" b="0" i="1" smtClean="0">
                         <a:latin typeface="Cambria Math" panose="02040503050406030204" pitchFamily="18" charset="0"/>
                         <a:ea typeface="Cambria Math" panose="02040503050406030204" pitchFamily="18" charset="0"/>
                       </a:rPr>
-                      <m:t>∙</m:t>
-                    </m:r>
-                    <m:r>
-                      <a:rPr lang="en-US" sz="2000" b="0" i="1" smtClean="0">
-                        <a:latin typeface="Cambria Math" panose="02040503050406030204" pitchFamily="18" charset="0"/>
-                        <a:ea typeface="Cambria Math" panose="02040503050406030204" pitchFamily="18" charset="0"/>
-                      </a:rPr>
-                      <m:t>0</m:t>
-                    </m:r>
-                    <m:r>
-                      <a:rPr lang="en-US" sz="2000" b="0" i="1" smtClean="0">
-                        <a:latin typeface="Cambria Math" panose="02040503050406030204" pitchFamily="18" charset="0"/>
-                        <a:ea typeface="Cambria Math" panose="02040503050406030204" pitchFamily="18" charset="0"/>
-                      </a:rPr>
-                      <m:t>=</m:t>
-                    </m:r>
-                    <m:r>
-                      <a:rPr lang="en-US" sz="2000" b="0" i="1" smtClean="0">
-                        <a:latin typeface="Cambria Math" panose="02040503050406030204" pitchFamily="18" charset="0"/>
-                        <a:ea typeface="Cambria Math" panose="02040503050406030204" pitchFamily="18" charset="0"/>
-                      </a:rPr>
-                      <m:t>70</m:t>
+                      <m:t>∙0=70</m:t>
                     </m:r>
                   </m:oMath>
                 </a14:m>
@@ -13010,28 +12919,7 @@
                         <a:latin typeface="Cambria Math" panose="02040503050406030204" pitchFamily="18" charset="0"/>
                         <a:ea typeface="Cambria Math" panose="02040503050406030204" pitchFamily="18" charset="0"/>
                       </a:rPr>
-                      <m:t>   =</m:t>
-                    </m:r>
-                    <m:r>
-                      <a:rPr lang="en-US" sz="2000" b="0" i="0" smtClean="0">
-                        <a:latin typeface="Cambria Math" panose="02040503050406030204" pitchFamily="18" charset="0"/>
-                        <a:ea typeface="Cambria Math" panose="02040503050406030204" pitchFamily="18" charset="0"/>
-                      </a:rPr>
-                      <m:t>0</m:t>
-                    </m:r>
-                    <m:r>
-                      <a:rPr lang="en-US" sz="2000" b="0" i="0" smtClean="0">
-                        <a:latin typeface="Cambria Math" panose="02040503050406030204" pitchFamily="18" charset="0"/>
-                        <a:ea typeface="Cambria Math" panose="02040503050406030204" pitchFamily="18" charset="0"/>
-                      </a:rPr>
-                      <m:t>.</m:t>
-                    </m:r>
-                    <m:r>
-                      <a:rPr lang="en-US" sz="2000" b="0" i="0" smtClean="0">
-                        <a:latin typeface="Cambria Math" panose="02040503050406030204" pitchFamily="18" charset="0"/>
-                        <a:ea typeface="Cambria Math" panose="02040503050406030204" pitchFamily="18" charset="0"/>
-                      </a:rPr>
-                      <m:t>7</m:t>
+                      <m:t>   =0.7</m:t>
                     </m:r>
                     <m:r>
                       <a:rPr lang="en-US" sz="2000" b="0" i="1" smtClean="0">
@@ -13045,63 +12933,14 @@
                         <a:latin typeface="Cambria Math" panose="02040503050406030204" pitchFamily="18" charset="0"/>
                         <a:ea typeface="Cambria Math" panose="02040503050406030204" pitchFamily="18" charset="0"/>
                       </a:rPr>
-                      <m:t>20</m:t>
-                    </m:r>
-                    <m:r>
-                      <a:rPr lang="en-US" sz="2000" b="0" i="0" smtClean="0">
-                        <a:latin typeface="Cambria Math" panose="02040503050406030204" pitchFamily="18" charset="0"/>
-                        <a:ea typeface="Cambria Math" panose="02040503050406030204" pitchFamily="18" charset="0"/>
-                      </a:rPr>
-                      <m:t>+</m:t>
-                    </m:r>
-                    <m:r>
-                      <a:rPr lang="en-US" sz="2000" b="0" i="0" smtClean="0">
-                        <a:latin typeface="Cambria Math" panose="02040503050406030204" pitchFamily="18" charset="0"/>
-                        <a:ea typeface="Cambria Math" panose="02040503050406030204" pitchFamily="18" charset="0"/>
-                      </a:rPr>
-                      <m:t>0</m:t>
-                    </m:r>
-                    <m:r>
-                      <a:rPr lang="en-US" sz="2000" b="0" i="0" smtClean="0">
-                        <a:latin typeface="Cambria Math" panose="02040503050406030204" pitchFamily="18" charset="0"/>
-                        <a:ea typeface="Cambria Math" panose="02040503050406030204" pitchFamily="18" charset="0"/>
-                      </a:rPr>
-                      <m:t>.</m:t>
-                    </m:r>
-                    <m:r>
-                      <a:rPr lang="en-US" sz="2000" b="0" i="0" smtClean="0">
-                        <a:latin typeface="Cambria Math" panose="02040503050406030204" pitchFamily="18" charset="0"/>
-                        <a:ea typeface="Cambria Math" panose="02040503050406030204" pitchFamily="18" charset="0"/>
-                      </a:rPr>
-                      <m:t>3</m:t>
+                      <m:t>20+0.3</m:t>
                     </m:r>
                     <m:r>
                       <a:rPr lang="en-US" sz="2000" b="0" i="1" smtClean="0">
                         <a:latin typeface="Cambria Math" panose="02040503050406030204" pitchFamily="18" charset="0"/>
                         <a:ea typeface="Cambria Math" panose="02040503050406030204" pitchFamily="18" charset="0"/>
                       </a:rPr>
-                      <m:t>∙</m:t>
-                    </m:r>
-                    <m:r>
-                      <a:rPr lang="en-US" sz="2000" b="0" i="1" smtClean="0">
-                        <a:latin typeface="Cambria Math" panose="02040503050406030204" pitchFamily="18" charset="0"/>
-                        <a:ea typeface="Cambria Math" panose="02040503050406030204" pitchFamily="18" charset="0"/>
-                      </a:rPr>
-                      <m:t>70</m:t>
-                    </m:r>
-                    <m:r>
-                      <a:rPr lang="en-US" sz="2000" b="0" i="1" smtClean="0">
-                        <a:latin typeface="Cambria Math" panose="02040503050406030204" pitchFamily="18" charset="0"/>
-                        <a:ea typeface="Cambria Math" panose="02040503050406030204" pitchFamily="18" charset="0"/>
-                      </a:rPr>
-                      <m:t>=</m:t>
-                    </m:r>
-                    <m:r>
-                      <a:rPr lang="en-US" sz="2000" b="0" i="1" smtClean="0">
-                        <a:latin typeface="Cambria Math" panose="02040503050406030204" pitchFamily="18" charset="0"/>
-                        <a:ea typeface="Cambria Math" panose="02040503050406030204" pitchFamily="18" charset="0"/>
-                      </a:rPr>
-                      <m:t>35</m:t>
+                      <m:t>∙70=35</m:t>
                     </m:r>
                   </m:oMath>
                 </a14:m>
@@ -13520,15 +13359,7 @@
                           <a:ea typeface="Cambria Math" panose="02040503050406030204" pitchFamily="18" charset="0"/>
                           <a:cs typeface="Calibri"/>
                         </a:rPr>
-                        <m:t>=</m:t>
-                      </m:r>
-                      <m:r>
-                        <a:rPr lang="en-US" sz="1800" b="0" i="0" smtClean="0">
-                          <a:latin typeface="Cambria Math" panose="02040503050406030204" pitchFamily="18" charset="0"/>
-                          <a:ea typeface="Cambria Math" panose="02040503050406030204" pitchFamily="18" charset="0"/>
-                          <a:cs typeface="Calibri"/>
-                        </a:rPr>
-                        <m:t>70</m:t>
+                        <m:t>=70</m:t>
                       </m:r>
                     </m:oMath>
                   </m:oMathPara>
@@ -19677,19 +19508,7 @@
                                   <a:rPr lang="en-US" b="0" dirty="0" smtClean="0">
                                     <a:latin typeface="Cambria Math" panose="02040503050406030204" pitchFamily="18" charset="0"/>
                                   </a:rPr>
-                                  <m:t>0</m:t>
-                                </m:r>
-                                <m:r>
-                                  <a:rPr lang="en-US" b="0" dirty="0" smtClean="0">
-                                    <a:latin typeface="Cambria Math" panose="02040503050406030204" pitchFamily="18" charset="0"/>
-                                  </a:rPr>
-                                  <m:t>.</m:t>
-                                </m:r>
-                                <m:r>
-                                  <a:rPr lang="en-US" b="0" dirty="0" smtClean="0">
-                                    <a:latin typeface="Cambria Math" panose="02040503050406030204" pitchFamily="18" charset="0"/>
-                                  </a:rPr>
-                                  <m:t>7</m:t>
+                                  <m:t>0.7</m:t>
                                 </m:r>
                               </m:oMath>
                             </m:oMathPara>
@@ -19770,19 +19589,7 @@
                                   <a:rPr lang="en-US" b="0" dirty="0" smtClean="0">
                                     <a:latin typeface="Cambria Math" panose="02040503050406030204" pitchFamily="18" charset="0"/>
                                   </a:rPr>
-                                  <m:t>0</m:t>
-                                </m:r>
-                                <m:r>
-                                  <a:rPr lang="en-US" b="0" dirty="0" smtClean="0">
-                                    <a:latin typeface="Cambria Math" panose="02040503050406030204" pitchFamily="18" charset="0"/>
-                                  </a:rPr>
-                                  <m:t>.</m:t>
-                                </m:r>
-                                <m:r>
-                                  <a:rPr lang="en-US" b="0" dirty="0" smtClean="0">
-                                    <a:latin typeface="Cambria Math" panose="02040503050406030204" pitchFamily="18" charset="0"/>
-                                  </a:rPr>
-                                  <m:t>3</m:t>
+                                  <m:t>0.3</m:t>
                                 </m:r>
                               </m:oMath>
                             </m:oMathPara>
@@ -20249,19 +20056,7 @@
                                   <a:rPr lang="en-US" b="0" dirty="0" smtClean="0">
                                     <a:latin typeface="Cambria Math" panose="02040503050406030204" pitchFamily="18" charset="0"/>
                                   </a:rPr>
-                                  <m:t>0</m:t>
-                                </m:r>
-                                <m:r>
-                                  <a:rPr lang="en-US" b="0" dirty="0" smtClean="0">
-                                    <a:latin typeface="Cambria Math" panose="02040503050406030204" pitchFamily="18" charset="0"/>
-                                  </a:rPr>
-                                  <m:t>.</m:t>
-                                </m:r>
-                                <m:r>
-                                  <a:rPr lang="en-US" b="0" dirty="0" smtClean="0">
-                                    <a:latin typeface="Cambria Math" panose="02040503050406030204" pitchFamily="18" charset="0"/>
-                                  </a:rPr>
-                                  <m:t>34</m:t>
+                                  <m:t>0.34</m:t>
                                 </m:r>
                               </m:oMath>
                             </m:oMathPara>
@@ -20342,19 +20137,7 @@
                                   <a:rPr lang="en-US" b="0" dirty="0" smtClean="0">
                                     <a:latin typeface="Cambria Math" panose="02040503050406030204" pitchFamily="18" charset="0"/>
                                   </a:rPr>
-                                  <m:t>0</m:t>
-                                </m:r>
-                                <m:r>
-                                  <a:rPr lang="en-US" b="0" dirty="0" smtClean="0">
-                                    <a:latin typeface="Cambria Math" panose="02040503050406030204" pitchFamily="18" charset="0"/>
-                                  </a:rPr>
-                                  <m:t>.</m:t>
-                                </m:r>
-                                <m:r>
-                                  <a:rPr lang="en-US" b="0" dirty="0" smtClean="0">
-                                    <a:latin typeface="Cambria Math" panose="02040503050406030204" pitchFamily="18" charset="0"/>
-                                  </a:rPr>
-                                  <m:t>66</m:t>
+                                  <m:t>0.66</m:t>
                                 </m:r>
                               </m:oMath>
                             </m:oMathPara>
@@ -20974,98 +20757,28 @@
                         <a:latin typeface="Cambria Math" panose="02040503050406030204" pitchFamily="18" charset="0"/>
                         <a:ea typeface="Cambria Math" panose="02040503050406030204" pitchFamily="18" charset="0"/>
                       </a:rPr>
-                      <m:t>   =</m:t>
+                      <m:t>   =0.</m:t>
+                    </m:r>
+                    <m:r>
+                      <a:rPr lang="en-US" sz="2000" b="0" i="1" smtClean="0">
+                        <a:latin typeface="Cambria Math" panose="02040503050406030204" pitchFamily="18" charset="0"/>
+                        <a:ea typeface="Cambria Math" panose="02040503050406030204" pitchFamily="18" charset="0"/>
+                      </a:rPr>
+                      <m:t>34∙</m:t>
                     </m:r>
                     <m:r>
                       <a:rPr lang="en-US" sz="2000" b="0" i="0" smtClean="0">
                         <a:latin typeface="Cambria Math" panose="02040503050406030204" pitchFamily="18" charset="0"/>
                         <a:ea typeface="Cambria Math" panose="02040503050406030204" pitchFamily="18" charset="0"/>
                       </a:rPr>
-                      <m:t>0</m:t>
-                    </m:r>
-                    <m:r>
-                      <a:rPr lang="en-US" sz="2000" b="0" i="0" smtClean="0">
-                        <a:latin typeface="Cambria Math" panose="02040503050406030204" pitchFamily="18" charset="0"/>
-                        <a:ea typeface="Cambria Math" panose="02040503050406030204" pitchFamily="18" charset="0"/>
-                      </a:rPr>
-                      <m:t>.</m:t>
+                      <m:t>100+0.</m:t>
                     </m:r>
                     <m:r>
                       <a:rPr lang="en-US" sz="2000" b="0" i="1" smtClean="0">
                         <a:latin typeface="Cambria Math" panose="02040503050406030204" pitchFamily="18" charset="0"/>
                         <a:ea typeface="Cambria Math" panose="02040503050406030204" pitchFamily="18" charset="0"/>
                       </a:rPr>
-                      <m:t>34</m:t>
-                    </m:r>
-                    <m:r>
-                      <a:rPr lang="en-US" sz="2000" b="0" i="1" smtClean="0">
-                        <a:latin typeface="Cambria Math" panose="02040503050406030204" pitchFamily="18" charset="0"/>
-                        <a:ea typeface="Cambria Math" panose="02040503050406030204" pitchFamily="18" charset="0"/>
-                      </a:rPr>
-                      <m:t>∙</m:t>
-                    </m:r>
-                    <m:r>
-                      <a:rPr lang="en-US" sz="2000" b="0" i="0" smtClean="0">
-                        <a:latin typeface="Cambria Math" panose="02040503050406030204" pitchFamily="18" charset="0"/>
-                        <a:ea typeface="Cambria Math" panose="02040503050406030204" pitchFamily="18" charset="0"/>
-                      </a:rPr>
-                      <m:t>100</m:t>
-                    </m:r>
-                    <m:r>
-                      <a:rPr lang="en-US" sz="2000" b="0" i="0" smtClean="0">
-                        <a:latin typeface="Cambria Math" panose="02040503050406030204" pitchFamily="18" charset="0"/>
-                        <a:ea typeface="Cambria Math" panose="02040503050406030204" pitchFamily="18" charset="0"/>
-                      </a:rPr>
-                      <m:t>+</m:t>
-                    </m:r>
-                    <m:r>
-                      <a:rPr lang="en-US" sz="2000" b="0" i="0" smtClean="0">
-                        <a:latin typeface="Cambria Math" panose="02040503050406030204" pitchFamily="18" charset="0"/>
-                        <a:ea typeface="Cambria Math" panose="02040503050406030204" pitchFamily="18" charset="0"/>
-                      </a:rPr>
-                      <m:t>0</m:t>
-                    </m:r>
-                    <m:r>
-                      <a:rPr lang="en-US" sz="2000" b="0" i="0" smtClean="0">
-                        <a:latin typeface="Cambria Math" panose="02040503050406030204" pitchFamily="18" charset="0"/>
-                        <a:ea typeface="Cambria Math" panose="02040503050406030204" pitchFamily="18" charset="0"/>
-                      </a:rPr>
-                      <m:t>.</m:t>
-                    </m:r>
-                    <m:r>
-                      <a:rPr lang="en-US" sz="2000" b="0" i="1" smtClean="0">
-                        <a:latin typeface="Cambria Math" panose="02040503050406030204" pitchFamily="18" charset="0"/>
-                        <a:ea typeface="Cambria Math" panose="02040503050406030204" pitchFamily="18" charset="0"/>
-                      </a:rPr>
-                      <m:t>66</m:t>
-                    </m:r>
-                    <m:r>
-                      <a:rPr lang="en-US" sz="2000" b="0" i="1" smtClean="0">
-                        <a:latin typeface="Cambria Math" panose="02040503050406030204" pitchFamily="18" charset="0"/>
-                        <a:ea typeface="Cambria Math" panose="02040503050406030204" pitchFamily="18" charset="0"/>
-                      </a:rPr>
-                      <m:t>∙</m:t>
-                    </m:r>
-                    <m:r>
-                      <a:rPr lang="en-US" sz="2000" b="0" i="1" smtClean="0">
-                        <a:latin typeface="Cambria Math" panose="02040503050406030204" pitchFamily="18" charset="0"/>
-                        <a:ea typeface="Cambria Math" panose="02040503050406030204" pitchFamily="18" charset="0"/>
-                      </a:rPr>
-                      <m:t>0</m:t>
-                    </m:r>
-                    <m:r>
-                      <a:rPr lang="en-US" sz="2000" b="0" i="1" smtClean="0">
-                        <a:latin typeface="Cambria Math" panose="02040503050406030204" pitchFamily="18" charset="0"/>
-                        <a:ea typeface="Cambria Math" panose="02040503050406030204" pitchFamily="18" charset="0"/>
-                      </a:rPr>
-                      <m:t>=</m:t>
-                    </m:r>
-                    <m:r>
-                      <a:rPr lang="en-US" sz="2000" b="0" i="1" smtClean="0">
-                        <a:latin typeface="Cambria Math" panose="02040503050406030204" pitchFamily="18" charset="0"/>
-                        <a:ea typeface="Cambria Math" panose="02040503050406030204" pitchFamily="18" charset="0"/>
-                      </a:rPr>
-                      <m:t>34</m:t>
+                      <m:t>66∙0=34</m:t>
                     </m:r>
                   </m:oMath>
                 </a14:m>
@@ -21495,98 +21208,28 @@
                         <a:latin typeface="Cambria Math" panose="02040503050406030204" pitchFamily="18" charset="0"/>
                         <a:ea typeface="Cambria Math" panose="02040503050406030204" pitchFamily="18" charset="0"/>
                       </a:rPr>
-                      <m:t>   =</m:t>
+                      <m:t>   =0.</m:t>
+                    </m:r>
+                    <m:r>
+                      <a:rPr lang="en-US" sz="2000" b="0" i="1" smtClean="0">
+                        <a:latin typeface="Cambria Math" panose="02040503050406030204" pitchFamily="18" charset="0"/>
+                        <a:ea typeface="Cambria Math" panose="02040503050406030204" pitchFamily="18" charset="0"/>
+                      </a:rPr>
+                      <m:t>34∙</m:t>
                     </m:r>
                     <m:r>
                       <a:rPr lang="en-US" sz="2000" b="0" i="0" smtClean="0">
                         <a:latin typeface="Cambria Math" panose="02040503050406030204" pitchFamily="18" charset="0"/>
                         <a:ea typeface="Cambria Math" panose="02040503050406030204" pitchFamily="18" charset="0"/>
                       </a:rPr>
-                      <m:t>0</m:t>
-                    </m:r>
-                    <m:r>
-                      <a:rPr lang="en-US" sz="2000" b="0" i="0" smtClean="0">
-                        <a:latin typeface="Cambria Math" panose="02040503050406030204" pitchFamily="18" charset="0"/>
-                        <a:ea typeface="Cambria Math" panose="02040503050406030204" pitchFamily="18" charset="0"/>
-                      </a:rPr>
-                      <m:t>.</m:t>
+                      <m:t>20+0.</m:t>
                     </m:r>
                     <m:r>
                       <a:rPr lang="en-US" sz="2000" b="0" i="1" smtClean="0">
                         <a:latin typeface="Cambria Math" panose="02040503050406030204" pitchFamily="18" charset="0"/>
                         <a:ea typeface="Cambria Math" panose="02040503050406030204" pitchFamily="18" charset="0"/>
                       </a:rPr>
-                      <m:t>34</m:t>
-                    </m:r>
-                    <m:r>
-                      <a:rPr lang="en-US" sz="2000" b="0" i="1" smtClean="0">
-                        <a:latin typeface="Cambria Math" panose="02040503050406030204" pitchFamily="18" charset="0"/>
-                        <a:ea typeface="Cambria Math" panose="02040503050406030204" pitchFamily="18" charset="0"/>
-                      </a:rPr>
-                      <m:t>∙</m:t>
-                    </m:r>
-                    <m:r>
-                      <a:rPr lang="en-US" sz="2000" b="0" i="0" smtClean="0">
-                        <a:latin typeface="Cambria Math" panose="02040503050406030204" pitchFamily="18" charset="0"/>
-                        <a:ea typeface="Cambria Math" panose="02040503050406030204" pitchFamily="18" charset="0"/>
-                      </a:rPr>
-                      <m:t>20</m:t>
-                    </m:r>
-                    <m:r>
-                      <a:rPr lang="en-US" sz="2000" b="0" i="0" smtClean="0">
-                        <a:latin typeface="Cambria Math" panose="02040503050406030204" pitchFamily="18" charset="0"/>
-                        <a:ea typeface="Cambria Math" panose="02040503050406030204" pitchFamily="18" charset="0"/>
-                      </a:rPr>
-                      <m:t>+</m:t>
-                    </m:r>
-                    <m:r>
-                      <a:rPr lang="en-US" sz="2000" b="0" i="0" smtClean="0">
-                        <a:latin typeface="Cambria Math" panose="02040503050406030204" pitchFamily="18" charset="0"/>
-                        <a:ea typeface="Cambria Math" panose="02040503050406030204" pitchFamily="18" charset="0"/>
-                      </a:rPr>
-                      <m:t>0</m:t>
-                    </m:r>
-                    <m:r>
-                      <a:rPr lang="en-US" sz="2000" b="0" i="0" smtClean="0">
-                        <a:latin typeface="Cambria Math" panose="02040503050406030204" pitchFamily="18" charset="0"/>
-                        <a:ea typeface="Cambria Math" panose="02040503050406030204" pitchFamily="18" charset="0"/>
-                      </a:rPr>
-                      <m:t>.</m:t>
-                    </m:r>
-                    <m:r>
-                      <a:rPr lang="en-US" sz="2000" b="0" i="1" smtClean="0">
-                        <a:latin typeface="Cambria Math" panose="02040503050406030204" pitchFamily="18" charset="0"/>
-                        <a:ea typeface="Cambria Math" panose="02040503050406030204" pitchFamily="18" charset="0"/>
-                      </a:rPr>
-                      <m:t>66</m:t>
-                    </m:r>
-                    <m:r>
-                      <a:rPr lang="en-US" sz="2000" b="0" i="1" smtClean="0">
-                        <a:latin typeface="Cambria Math" panose="02040503050406030204" pitchFamily="18" charset="0"/>
-                        <a:ea typeface="Cambria Math" panose="02040503050406030204" pitchFamily="18" charset="0"/>
-                      </a:rPr>
-                      <m:t>∙</m:t>
-                    </m:r>
-                    <m:r>
-                      <a:rPr lang="en-US" sz="2000" b="0" i="1" smtClean="0">
-                        <a:latin typeface="Cambria Math" panose="02040503050406030204" pitchFamily="18" charset="0"/>
-                        <a:ea typeface="Cambria Math" panose="02040503050406030204" pitchFamily="18" charset="0"/>
-                      </a:rPr>
-                      <m:t>70</m:t>
-                    </m:r>
-                    <m:r>
-                      <a:rPr lang="en-US" sz="2000" b="0" i="1" smtClean="0">
-                        <a:latin typeface="Cambria Math" panose="02040503050406030204" pitchFamily="18" charset="0"/>
-                        <a:ea typeface="Cambria Math" panose="02040503050406030204" pitchFamily="18" charset="0"/>
-                      </a:rPr>
-                      <m:t>=</m:t>
-                    </m:r>
-                    <m:r>
-                      <a:rPr lang="en-US" sz="2000" b="0" i="1" smtClean="0">
-                        <a:latin typeface="Cambria Math" panose="02040503050406030204" pitchFamily="18" charset="0"/>
-                        <a:ea typeface="Cambria Math" panose="02040503050406030204" pitchFamily="18" charset="0"/>
-                      </a:rPr>
-                      <m:t>53</m:t>
+                      <m:t>66∙70=53</m:t>
                     </m:r>
                   </m:oMath>
                 </a14:m>
@@ -22052,15 +21695,7 @@
                           <a:ea typeface="Cambria Math" panose="02040503050406030204" pitchFamily="18" charset="0"/>
                           <a:cs typeface="Calibri"/>
                         </a:rPr>
-                        <m:t>=</m:t>
-                      </m:r>
-                      <m:r>
-                        <a:rPr lang="en-US" sz="1800" b="0" i="0" smtClean="0">
-                          <a:latin typeface="Cambria Math" panose="02040503050406030204" pitchFamily="18" charset="0"/>
-                          <a:ea typeface="Cambria Math" panose="02040503050406030204" pitchFamily="18" charset="0"/>
-                          <a:cs typeface="Calibri"/>
-                        </a:rPr>
-                        <m:t>53</m:t>
+                        <m:t>=53</m:t>
                       </m:r>
                     </m:oMath>
                   </m:oMathPara>

--- a/slides/16_decision_making.pptx
+++ b/slides/16_decision_making.pptx
@@ -2420,7 +2420,7 @@
           <a:p>
             <a:fld id="{CDFB1A35-FCF7-4D0C-AE83-400D24256912}" type="datetimeFigureOut">
               <a:rPr lang="en-US" smtClean="0"/>
-              <a:t>6/11/2025</a:t>
+              <a:t>11/20/2025</a:t>
             </a:fld>
             <a:endParaRPr lang="en-US"/>
           </a:p>
@@ -3659,7 +3659,7 @@
           <a:p>
             <a:fld id="{16A8CD98-EF2C-4EFD-A320-0FD1E700AB34}" type="datetimeFigureOut">
               <a:rPr lang="en-US" smtClean="0"/>
-              <a:t>6/11/2025</a:t>
+              <a:t>11/20/2025</a:t>
             </a:fld>
             <a:endParaRPr lang="en-US"/>
           </a:p>
@@ -3857,7 +3857,7 @@
           <a:p>
             <a:fld id="{16A8CD98-EF2C-4EFD-A320-0FD1E700AB34}" type="datetimeFigureOut">
               <a:rPr lang="en-US" smtClean="0"/>
-              <a:t>6/11/2025</a:t>
+              <a:t>11/20/2025</a:t>
             </a:fld>
             <a:endParaRPr lang="en-US"/>
           </a:p>
@@ -4065,7 +4065,7 @@
           <a:p>
             <a:fld id="{16A8CD98-EF2C-4EFD-A320-0FD1E700AB34}" type="datetimeFigureOut">
               <a:rPr lang="en-US" smtClean="0"/>
-              <a:t>6/11/2025</a:t>
+              <a:t>11/20/2025</a:t>
             </a:fld>
             <a:endParaRPr lang="en-US"/>
           </a:p>
@@ -4263,7 +4263,7 @@
           <a:p>
             <a:fld id="{16A8CD98-EF2C-4EFD-A320-0FD1E700AB34}" type="datetimeFigureOut">
               <a:rPr lang="en-US" smtClean="0"/>
-              <a:t>6/11/2025</a:t>
+              <a:t>11/20/2025</a:t>
             </a:fld>
             <a:endParaRPr lang="en-US"/>
           </a:p>
@@ -4538,7 +4538,7 @@
           <a:p>
             <a:fld id="{16A8CD98-EF2C-4EFD-A320-0FD1E700AB34}" type="datetimeFigureOut">
               <a:rPr lang="en-US" smtClean="0"/>
-              <a:t>6/11/2025</a:t>
+              <a:t>11/20/2025</a:t>
             </a:fld>
             <a:endParaRPr lang="en-US"/>
           </a:p>
@@ -4803,7 +4803,7 @@
           <a:p>
             <a:fld id="{16A8CD98-EF2C-4EFD-A320-0FD1E700AB34}" type="datetimeFigureOut">
               <a:rPr lang="en-US" smtClean="0"/>
-              <a:t>6/11/2025</a:t>
+              <a:t>11/20/2025</a:t>
             </a:fld>
             <a:endParaRPr lang="en-US"/>
           </a:p>
@@ -5215,7 +5215,7 @@
           <a:p>
             <a:fld id="{16A8CD98-EF2C-4EFD-A320-0FD1E700AB34}" type="datetimeFigureOut">
               <a:rPr lang="en-US" smtClean="0"/>
-              <a:t>6/11/2025</a:t>
+              <a:t>11/20/2025</a:t>
             </a:fld>
             <a:endParaRPr lang="en-US"/>
           </a:p>
@@ -5356,7 +5356,7 @@
           <a:p>
             <a:fld id="{16A8CD98-EF2C-4EFD-A320-0FD1E700AB34}" type="datetimeFigureOut">
               <a:rPr lang="en-US" smtClean="0"/>
-              <a:t>6/11/2025</a:t>
+              <a:t>11/20/2025</a:t>
             </a:fld>
             <a:endParaRPr lang="en-US"/>
           </a:p>
@@ -5469,7 +5469,7 @@
           <a:p>
             <a:fld id="{16A8CD98-EF2C-4EFD-A320-0FD1E700AB34}" type="datetimeFigureOut">
               <a:rPr lang="en-US" smtClean="0"/>
-              <a:t>6/11/2025</a:t>
+              <a:t>11/20/2025</a:t>
             </a:fld>
             <a:endParaRPr lang="en-US"/>
           </a:p>
@@ -5780,7 +5780,7 @@
           <a:p>
             <a:fld id="{16A8CD98-EF2C-4EFD-A320-0FD1E700AB34}" type="datetimeFigureOut">
               <a:rPr lang="en-US" smtClean="0"/>
-              <a:t>6/11/2025</a:t>
+              <a:t>11/20/2025</a:t>
             </a:fld>
             <a:endParaRPr lang="en-US"/>
           </a:p>
@@ -6068,7 +6068,7 @@
           <a:p>
             <a:fld id="{16A8CD98-EF2C-4EFD-A320-0FD1E700AB34}" type="datetimeFigureOut">
               <a:rPr lang="en-US" smtClean="0"/>
-              <a:t>6/11/2025</a:t>
+              <a:t>11/20/2025</a:t>
             </a:fld>
             <a:endParaRPr lang="en-US"/>
           </a:p>
@@ -6309,7 +6309,7 @@
           <a:p>
             <a:fld id="{16A8CD98-EF2C-4EFD-A320-0FD1E700AB34}" type="datetimeFigureOut">
               <a:rPr lang="en-US" smtClean="0"/>
-              <a:t>6/11/2025</a:t>
+              <a:t>11/20/2025</a:t>
             </a:fld>
             <a:endParaRPr lang="en-US"/>
           </a:p>
